--- a/doc/01 概要设计/PSI.pptx
+++ b/doc/01 概要设计/PSI.pptx
@@ -109,7 +109,7 @@
   </p:defaultTextStyle>
   <p:extLst>
     <p:ext uri="{EFAFB233-063F-42B5-8137-9DF3F51BA10A}">
-      <p15:sldGuideLst xmlns="" xmlns:p15="http://schemas.microsoft.com/office/powerpoint/2012/main">
+      <p15:sldGuideLst xmlns:p15="http://schemas.microsoft.com/office/powerpoint/2012/main" xmlns="">
         <p15:guide id="2" pos="3863" userDrawn="1">
           <p15:clr>
             <a:srgbClr val="A4A3A4"/>
@@ -378,7 +378,7 @@
     </p:spTree>
     <p:extLst>
       <p:ext uri="{BB962C8B-B14F-4D97-AF65-F5344CB8AC3E}">
-        <p14:creationId xmlns="" xmlns:p14="http://schemas.microsoft.com/office/powerpoint/2010/main" val="2524148835"/>
+        <p14:creationId xmlns:p14="http://schemas.microsoft.com/office/powerpoint/2010/main" xmlns="" val="2524148835"/>
       </p:ext>
     </p:extLst>
   </p:cSld>
@@ -507,7 +507,7 @@
           <a:blip r:embed="rId2" cstate="screen">
             <a:extLst>
               <a:ext uri="{28A0092B-C50C-407E-A947-70E740481C1C}">
-                <a14:useLocalDpi xmlns="" xmlns:a14="http://schemas.microsoft.com/office/drawing/2010/main"/>
+                <a14:useLocalDpi xmlns:a14="http://schemas.microsoft.com/office/drawing/2010/main" xmlns=""/>
               </a:ext>
             </a:extLst>
           </a:blip>
@@ -1110,7 +1110,7 @@
             </a:ln>
             <a:extLst>
               <a:ext uri="{909E8E84-426E-40DD-AFC4-6F175D3DCCD1}">
-                <a14:hiddenFill xmlns="" xmlns:a14="http://schemas.microsoft.com/office/drawing/2010/main">
+                <a14:hiddenFill xmlns:a14="http://schemas.microsoft.com/office/drawing/2010/main" xmlns="">
                   <a:solidFill>
                     <a:srgbClr val="FFFFFF"/>
                   </a:solidFill>
@@ -1158,7 +1158,7 @@
             </a:ln>
             <a:extLst>
               <a:ext uri="{909E8E84-426E-40DD-AFC4-6F175D3DCCD1}">
-                <a14:hiddenFill xmlns="" xmlns:a14="http://schemas.microsoft.com/office/drawing/2010/main">
+                <a14:hiddenFill xmlns:a14="http://schemas.microsoft.com/office/drawing/2010/main" xmlns="">
                   <a:noFill/>
                 </a14:hiddenFill>
               </a:ext>
@@ -1255,7 +1255,7 @@
             </a:ln>
             <a:extLst>
               <a:ext uri="{909E8E84-426E-40DD-AFC4-6F175D3DCCD1}">
-                <a14:hiddenFill xmlns="" xmlns:a14="http://schemas.microsoft.com/office/drawing/2010/main">
+                <a14:hiddenFill xmlns:a14="http://schemas.microsoft.com/office/drawing/2010/main" xmlns="">
                   <a:solidFill>
                     <a:srgbClr val="FFFFFF"/>
                   </a:solidFill>
@@ -3819,7 +3819,7 @@
     </p:spTree>
     <p:extLst>
       <p:ext uri="{BB962C8B-B14F-4D97-AF65-F5344CB8AC3E}">
-        <p14:creationId xmlns="" xmlns:p14="http://schemas.microsoft.com/office/powerpoint/2010/main" val="2830079814"/>
+        <p14:creationId xmlns:p14="http://schemas.microsoft.com/office/powerpoint/2010/main" xmlns="" val="2830079814"/>
       </p:ext>
     </p:extLst>
   </p:cSld>
@@ -3868,7 +3868,7 @@
           <a:blip r:embed="rId2" cstate="screen">
             <a:extLst>
               <a:ext uri="{28A0092B-C50C-407E-A947-70E740481C1C}">
-                <a14:useLocalDpi xmlns="" xmlns:a14="http://schemas.microsoft.com/office/drawing/2010/main"/>
+                <a14:useLocalDpi xmlns:a14="http://schemas.microsoft.com/office/drawing/2010/main" xmlns=""/>
               </a:ext>
             </a:extLst>
           </a:blip>
@@ -3928,7 +3928,7 @@
             </a:ln>
             <a:extLst>
               <a:ext uri="{909E8E84-426E-40DD-AFC4-6F175D3DCCD1}">
-                <a14:hiddenFill xmlns="" xmlns:a14="http://schemas.microsoft.com/office/drawing/2010/main">
+                <a14:hiddenFill xmlns:a14="http://schemas.microsoft.com/office/drawing/2010/main" xmlns="">
                   <a:solidFill>
                     <a:srgbClr val="FFFFFF"/>
                   </a:solidFill>
@@ -3976,7 +3976,7 @@
             </a:ln>
             <a:extLst>
               <a:ext uri="{909E8E84-426E-40DD-AFC4-6F175D3DCCD1}">
-                <a14:hiddenFill xmlns="" xmlns:a14="http://schemas.microsoft.com/office/drawing/2010/main">
+                <a14:hiddenFill xmlns:a14="http://schemas.microsoft.com/office/drawing/2010/main" xmlns="">
                   <a:noFill/>
                 </a14:hiddenFill>
               </a:ext>
@@ -4073,7 +4073,7 @@
             </a:ln>
             <a:extLst>
               <a:ext uri="{909E8E84-426E-40DD-AFC4-6F175D3DCCD1}">
-                <a14:hiddenFill xmlns="" xmlns:a14="http://schemas.microsoft.com/office/drawing/2010/main">
+                <a14:hiddenFill xmlns:a14="http://schemas.microsoft.com/office/drawing/2010/main" xmlns="">
                   <a:solidFill>
                     <a:srgbClr val="FFFFFF"/>
                   </a:solidFill>
@@ -4275,7 +4275,7 @@
           </a:ln>
           <a:extLst>
             <a:ext uri="{91240B29-F687-4F45-9708-019B960494DF}">
-              <a14:hiddenLine xmlns="" xmlns:a14="http://schemas.microsoft.com/office/drawing/2010/main" w="9525">
+              <a14:hiddenLine xmlns:a14="http://schemas.microsoft.com/office/drawing/2010/main" xmlns="" w="9525">
                 <a:solidFill>
                   <a:srgbClr val="000000"/>
                 </a:solidFill>
@@ -4615,7 +4615,7 @@
               </a:ln>
               <a:extLst>
                 <a:ext uri="{91240B29-F687-4F45-9708-019B960494DF}">
-                  <a14:hiddenLine xmlns="" xmlns:a14="http://schemas.microsoft.com/office/drawing/2010/main" w="9525">
+                  <a14:hiddenLine xmlns:a14="http://schemas.microsoft.com/office/drawing/2010/main" xmlns="" w="9525">
                     <a:solidFill>
                       <a:srgbClr val="000000"/>
                     </a:solidFill>
@@ -4788,7 +4788,7 @@
               </a:ln>
               <a:extLst>
                 <a:ext uri="{91240B29-F687-4F45-9708-019B960494DF}">
-                  <a14:hiddenLine xmlns="" xmlns:a14="http://schemas.microsoft.com/office/drawing/2010/main" w="9525">
+                  <a14:hiddenLine xmlns:a14="http://schemas.microsoft.com/office/drawing/2010/main" xmlns="" w="9525">
                     <a:solidFill>
                       <a:srgbClr val="000000"/>
                     </a:solidFill>
@@ -4951,7 +4951,7 @@
               </a:ln>
               <a:extLst>
                 <a:ext uri="{91240B29-F687-4F45-9708-019B960494DF}">
-                  <a14:hiddenLine xmlns="" xmlns:a14="http://schemas.microsoft.com/office/drawing/2010/main" w="9525">
+                  <a14:hiddenLine xmlns:a14="http://schemas.microsoft.com/office/drawing/2010/main" xmlns="" w="9525">
                     <a:solidFill>
                       <a:srgbClr val="000000"/>
                     </a:solidFill>
@@ -5153,7 +5153,7 @@
               </a:ln>
               <a:extLst>
                 <a:ext uri="{91240B29-F687-4F45-9708-019B960494DF}">
-                  <a14:hiddenLine xmlns="" xmlns:a14="http://schemas.microsoft.com/office/drawing/2010/main" w="9525">
+                  <a14:hiddenLine xmlns:a14="http://schemas.microsoft.com/office/drawing/2010/main" xmlns="" w="9525">
                     <a:solidFill>
                       <a:srgbClr val="000000"/>
                     </a:solidFill>
@@ -5693,7 +5693,7 @@
               </a:ln>
               <a:extLst>
                 <a:ext uri="{91240B29-F687-4F45-9708-019B960494DF}">
-                  <a14:hiddenLine xmlns="" xmlns:a14="http://schemas.microsoft.com/office/drawing/2010/main" w="9525">
+                  <a14:hiddenLine xmlns:a14="http://schemas.microsoft.com/office/drawing/2010/main" xmlns="" w="9525">
                     <a:solidFill>
                       <a:srgbClr val="000000"/>
                     </a:solidFill>
@@ -6197,7 +6197,7 @@
               </a:ln>
               <a:extLst>
                 <a:ext uri="{91240B29-F687-4F45-9708-019B960494DF}">
-                  <a14:hiddenLine xmlns="" xmlns:a14="http://schemas.microsoft.com/office/drawing/2010/main" w="9525">
+                  <a14:hiddenLine xmlns:a14="http://schemas.microsoft.com/office/drawing/2010/main" xmlns="" w="9525">
                     <a:solidFill>
                       <a:srgbClr val="000000"/>
                     </a:solidFill>
@@ -6735,7 +6735,7 @@
     </p:spTree>
     <p:extLst>
       <p:ext uri="{BB962C8B-B14F-4D97-AF65-F5344CB8AC3E}">
-        <p14:creationId xmlns="" xmlns:p14="http://schemas.microsoft.com/office/powerpoint/2010/main" val="1955931793"/>
+        <p14:creationId xmlns:p14="http://schemas.microsoft.com/office/powerpoint/2010/main" xmlns="" val="1955931793"/>
       </p:ext>
     </p:extLst>
   </p:cSld>
@@ -6992,7 +6992,7 @@
           <a:blip r:embed="rId2">
             <a:extLst>
               <a:ext uri="{28A0092B-C50C-407E-A947-70E740481C1C}">
-                <a14:useLocalDpi xmlns="" xmlns:a14="http://schemas.microsoft.com/office/drawing/2010/main" val="0"/>
+                <a14:useLocalDpi xmlns:a14="http://schemas.microsoft.com/office/drawing/2010/main" xmlns="" val="0"/>
               </a:ext>
             </a:extLst>
           </a:blip>
@@ -7204,7 +7204,7 @@
     </p:spTree>
     <p:extLst>
       <p:ext uri="{BB962C8B-B14F-4D97-AF65-F5344CB8AC3E}">
-        <p14:creationId xmlns="" xmlns:p14="http://schemas.microsoft.com/office/powerpoint/2010/main" val="2366049688"/>
+        <p14:creationId xmlns:p14="http://schemas.microsoft.com/office/powerpoint/2010/main" xmlns="" val="2366049688"/>
       </p:ext>
     </p:extLst>
   </p:cSld>
@@ -7212,7 +7212,7 @@
     <a:masterClrMapping/>
   </p:clrMapOvr>
   <mc:AlternateContent xmlns:mc="http://schemas.openxmlformats.org/markup-compatibility/2006">
-    <mc:Choice xmlns="" xmlns:p14="http://schemas.microsoft.com/office/powerpoint/2010/main" Requires="p14">
+    <mc:Choice xmlns:p14="http://schemas.microsoft.com/office/powerpoint/2010/main" xmlns="" Requires="p14">
       <p:transition spd="med">
         <p14:flip dir="r"/>
       </p:transition>
@@ -7501,14 +7501,14 @@
             </a:ln>
             <a:extLst>
               <a:ext uri="{909E8E84-426E-40DD-AFC4-6F175D3DCCD1}">
-                <a14:hiddenFill xmlns="" xmlns:a14="http://schemas.microsoft.com/office/drawing/2010/main">
+                <a14:hiddenFill xmlns:a14="http://schemas.microsoft.com/office/drawing/2010/main" xmlns="">
                   <a:solidFill>
                     <a:srgbClr val="FFFFFF"/>
                   </a:solidFill>
                 </a14:hiddenFill>
               </a:ext>
               <a:ext uri="{91240B29-F687-4F45-9708-019B960494DF}">
-                <a14:hiddenLine xmlns="" xmlns:a14="http://schemas.microsoft.com/office/drawing/2010/main" w="9525">
+                <a14:hiddenLine xmlns:a14="http://schemas.microsoft.com/office/drawing/2010/main" xmlns="" w="9525">
                   <a:solidFill>
                     <a:srgbClr val="000000"/>
                   </a:solidFill>
@@ -7673,7 +7673,7 @@
             </a:ln>
             <a:extLst>
               <a:ext uri="{91240B29-F687-4F45-9708-019B960494DF}">
-                <a14:hiddenLine xmlns="" xmlns:a14="http://schemas.microsoft.com/office/drawing/2010/main" w="9525">
+                <a14:hiddenLine xmlns:a14="http://schemas.microsoft.com/office/drawing/2010/main" xmlns="" w="9525">
                   <a:solidFill>
                     <a:srgbClr val="000000"/>
                   </a:solidFill>
@@ -7838,7 +7838,7 @@
             </a:ln>
             <a:extLst>
               <a:ext uri="{91240B29-F687-4F45-9708-019B960494DF}">
-                <a14:hiddenLine xmlns="" xmlns:a14="http://schemas.microsoft.com/office/drawing/2010/main" w="9525">
+                <a14:hiddenLine xmlns:a14="http://schemas.microsoft.com/office/drawing/2010/main" xmlns="" w="9525">
                   <a:solidFill>
                     <a:srgbClr val="000000"/>
                   </a:solidFill>
@@ -9125,7 +9125,7 @@
     </p:spTree>
     <p:extLst>
       <p:ext uri="{BB962C8B-B14F-4D97-AF65-F5344CB8AC3E}">
-        <p14:creationId xmlns="" xmlns:p14="http://schemas.microsoft.com/office/powerpoint/2010/main" val="3513966317"/>
+        <p14:creationId xmlns:p14="http://schemas.microsoft.com/office/powerpoint/2010/main" xmlns="" val="3513966317"/>
       </p:ext>
     </p:extLst>
   </p:cSld>
@@ -9133,7 +9133,7 @@
     <a:masterClrMapping/>
   </p:clrMapOvr>
   <mc:AlternateContent xmlns:mc="http://schemas.openxmlformats.org/markup-compatibility/2006">
-    <mc:Choice xmlns="" xmlns:p14="http://schemas.microsoft.com/office/powerpoint/2010/main" Requires="p14">
+    <mc:Choice xmlns:p14="http://schemas.microsoft.com/office/powerpoint/2010/main" xmlns="" Requires="p14">
       <p:transition spd="med">
         <p14:prism/>
       </p:transition>
@@ -9278,7 +9278,7 @@
           <a:blip r:embed="rId2" cstate="email">
             <a:extLst>
               <a:ext uri="{28A0092B-C50C-407E-A947-70E740481C1C}">
-                <a14:useLocalDpi xmlns="" xmlns:a14="http://schemas.microsoft.com/office/drawing/2010/main"/>
+                <a14:useLocalDpi xmlns:a14="http://schemas.microsoft.com/office/drawing/2010/main" xmlns=""/>
               </a:ext>
             </a:extLst>
           </a:blip>
@@ -9301,7 +9301,7 @@
     </p:spTree>
     <p:extLst>
       <p:ext uri="{BB962C8B-B14F-4D97-AF65-F5344CB8AC3E}">
-        <p14:creationId xmlns="" xmlns:p14="http://schemas.microsoft.com/office/powerpoint/2010/main" val="3873080681"/>
+        <p14:creationId xmlns:p14="http://schemas.microsoft.com/office/powerpoint/2010/main" xmlns="" val="3873080681"/>
       </p:ext>
     </p:extLst>
   </p:cSld>
@@ -9426,7 +9426,7 @@
     </p:spTree>
     <p:extLst>
       <p:ext uri="{BB962C8B-B14F-4D97-AF65-F5344CB8AC3E}">
-        <p14:creationId xmlns="" xmlns:p14="http://schemas.microsoft.com/office/powerpoint/2010/main" val="3452816623"/>
+        <p14:creationId xmlns:p14="http://schemas.microsoft.com/office/powerpoint/2010/main" xmlns="" val="3452816623"/>
       </p:ext>
     </p:extLst>
   </p:cSld>
@@ -9484,7 +9484,7 @@
             </a:duotone>
             <a:extLst>
               <a:ext uri="{BEBA8EAE-BF5A-486C-A8C5-ECC9F3942E4B}">
-                <a14:imgProps xmlns="" xmlns:a14="http://schemas.microsoft.com/office/drawing/2010/main">
+                <a14:imgProps xmlns:a14="http://schemas.microsoft.com/office/drawing/2010/main" xmlns="">
                   <a14:imgLayer r:embed="rId9">
                     <a14:imgEffect>
                       <a14:saturation sat="0"/>
@@ -9493,7 +9493,7 @@
                 </a14:imgProps>
               </a:ext>
               <a:ext uri="{28A0092B-C50C-407E-A947-70E740481C1C}">
-                <a14:useLocalDpi xmlns="" xmlns:a14="http://schemas.microsoft.com/office/drawing/2010/main" val="0"/>
+                <a14:useLocalDpi xmlns:a14="http://schemas.microsoft.com/office/drawing/2010/main" xmlns="" val="0"/>
               </a:ext>
             </a:extLst>
           </a:blip>
@@ -9514,7 +9514,7 @@
     </p:spTree>
     <p:extLst>
       <p:ext uri="{BB962C8B-B14F-4D97-AF65-F5344CB8AC3E}">
-        <p14:creationId xmlns="" xmlns:p14="http://schemas.microsoft.com/office/powerpoint/2010/main" val="3587497191"/>
+        <p14:creationId xmlns:p14="http://schemas.microsoft.com/office/powerpoint/2010/main" xmlns="" val="3587497191"/>
       </p:ext>
     </p:extLst>
   </p:cSld>
@@ -9963,7 +9963,7 @@
           </a:ln>
           <a:extLst>
             <a:ext uri="{91240B29-F687-4F45-9708-019B960494DF}">
-              <a14:hiddenLine xmlns="" xmlns:a14="http://schemas.microsoft.com/office/drawing/2010/main" w="9525">
+              <a14:hiddenLine xmlns:a14="http://schemas.microsoft.com/office/drawing/2010/main" xmlns="" w="9525">
                 <a:solidFill>
                   <a:srgbClr val="000000"/>
                 </a:solidFill>
@@ -10066,14 +10066,14 @@
           </a:ln>
           <a:extLst>
             <a:ext uri="{909E8E84-426E-40DD-AFC4-6F175D3DCCD1}">
-              <a14:hiddenFill xmlns="" xmlns:a14="http://schemas.microsoft.com/office/drawing/2010/main">
+              <a14:hiddenFill xmlns:a14="http://schemas.microsoft.com/office/drawing/2010/main" xmlns="">
                 <a:solidFill>
                   <a:srgbClr val="FFFFFF"/>
                 </a:solidFill>
               </a14:hiddenFill>
             </a:ext>
             <a:ext uri="{91240B29-F687-4F45-9708-019B960494DF}">
-              <a14:hiddenLine xmlns="" xmlns:a14="http://schemas.microsoft.com/office/drawing/2010/main" w="9525">
+              <a14:hiddenLine xmlns:a14="http://schemas.microsoft.com/office/drawing/2010/main" xmlns="" w="9525">
                 <a:solidFill>
                   <a:srgbClr val="000000"/>
                 </a:solidFill>
@@ -10179,7 +10179,7 @@
           </a:ln>
           <a:extLst>
             <a:ext uri="{91240B29-F687-4F45-9708-019B960494DF}">
-              <a14:hiddenLine xmlns="" xmlns:a14="http://schemas.microsoft.com/office/drawing/2010/main" w="9525">
+              <a14:hiddenLine xmlns:a14="http://schemas.microsoft.com/office/drawing/2010/main" xmlns="" w="9525">
                 <a:solidFill>
                   <a:srgbClr val="000000"/>
                 </a:solidFill>
@@ -10282,14 +10282,14 @@
           </a:ln>
           <a:extLst>
             <a:ext uri="{909E8E84-426E-40DD-AFC4-6F175D3DCCD1}">
-              <a14:hiddenFill xmlns="" xmlns:a14="http://schemas.microsoft.com/office/drawing/2010/main">
+              <a14:hiddenFill xmlns:a14="http://schemas.microsoft.com/office/drawing/2010/main" xmlns="">
                 <a:solidFill>
                   <a:srgbClr val="FFFFFF"/>
                 </a:solidFill>
               </a14:hiddenFill>
             </a:ext>
             <a:ext uri="{91240B29-F687-4F45-9708-019B960494DF}">
-              <a14:hiddenLine xmlns="" xmlns:a14="http://schemas.microsoft.com/office/drawing/2010/main" w="9525">
+              <a14:hiddenLine xmlns:a14="http://schemas.microsoft.com/office/drawing/2010/main" xmlns="" w="9525">
                 <a:solidFill>
                   <a:srgbClr val="000000"/>
                 </a:solidFill>
@@ -10395,7 +10395,7 @@
           </a:ln>
           <a:extLst>
             <a:ext uri="{91240B29-F687-4F45-9708-019B960494DF}">
-              <a14:hiddenLine xmlns="" xmlns:a14="http://schemas.microsoft.com/office/drawing/2010/main" w="9525">
+              <a14:hiddenLine xmlns:a14="http://schemas.microsoft.com/office/drawing/2010/main" xmlns="" w="9525">
                 <a:solidFill>
                   <a:srgbClr val="000000"/>
                 </a:solidFill>
@@ -10498,14 +10498,14 @@
           </a:ln>
           <a:extLst>
             <a:ext uri="{909E8E84-426E-40DD-AFC4-6F175D3DCCD1}">
-              <a14:hiddenFill xmlns="" xmlns:a14="http://schemas.microsoft.com/office/drawing/2010/main">
+              <a14:hiddenFill xmlns:a14="http://schemas.microsoft.com/office/drawing/2010/main" xmlns="">
                 <a:solidFill>
                   <a:srgbClr val="FFFFFF"/>
                 </a:solidFill>
               </a14:hiddenFill>
             </a:ext>
             <a:ext uri="{91240B29-F687-4F45-9708-019B960494DF}">
-              <a14:hiddenLine xmlns="" xmlns:a14="http://schemas.microsoft.com/office/drawing/2010/main" w="9525">
+              <a14:hiddenLine xmlns:a14="http://schemas.microsoft.com/office/drawing/2010/main" xmlns="" w="9525">
                 <a:solidFill>
                   <a:srgbClr val="000000"/>
                 </a:solidFill>
@@ -10611,7 +10611,7 @@
           </a:ln>
           <a:extLst>
             <a:ext uri="{91240B29-F687-4F45-9708-019B960494DF}">
-              <a14:hiddenLine xmlns="" xmlns:a14="http://schemas.microsoft.com/office/drawing/2010/main" w="9525">
+              <a14:hiddenLine xmlns:a14="http://schemas.microsoft.com/office/drawing/2010/main" xmlns="" w="9525">
                 <a:solidFill>
                   <a:srgbClr val="000000"/>
                 </a:solidFill>
@@ -10714,14 +10714,14 @@
           </a:ln>
           <a:extLst>
             <a:ext uri="{909E8E84-426E-40DD-AFC4-6F175D3DCCD1}">
-              <a14:hiddenFill xmlns="" xmlns:a14="http://schemas.microsoft.com/office/drawing/2010/main">
+              <a14:hiddenFill xmlns:a14="http://schemas.microsoft.com/office/drawing/2010/main" xmlns="">
                 <a:solidFill>
                   <a:srgbClr val="FFFFFF"/>
                 </a:solidFill>
               </a14:hiddenFill>
             </a:ext>
             <a:ext uri="{91240B29-F687-4F45-9708-019B960494DF}">
-              <a14:hiddenLine xmlns="" xmlns:a14="http://schemas.microsoft.com/office/drawing/2010/main" w="9525">
+              <a14:hiddenLine xmlns:a14="http://schemas.microsoft.com/office/drawing/2010/main" xmlns="" w="9525">
                 <a:solidFill>
                   <a:srgbClr val="000000"/>
                 </a:solidFill>
@@ -10768,7 +10768,7 @@
           </a:ln>
           <a:extLst>
             <a:ext uri="{91240B29-F687-4F45-9708-019B960494DF}">
-              <a14:hiddenLine xmlns="" xmlns:a14="http://schemas.microsoft.com/office/drawing/2010/main" w="9525">
+              <a14:hiddenLine xmlns:a14="http://schemas.microsoft.com/office/drawing/2010/main" xmlns="" w="9525">
                 <a:solidFill>
                   <a:srgbClr val="000000"/>
                 </a:solidFill>
@@ -10903,7 +10903,7 @@
           </a:ln>
           <a:extLst>
             <a:ext uri="{91240B29-F687-4F45-9708-019B960494DF}">
-              <a14:hiddenLine xmlns="" xmlns:a14="http://schemas.microsoft.com/office/drawing/2010/main" w="9525">
+              <a14:hiddenLine xmlns:a14="http://schemas.microsoft.com/office/drawing/2010/main" xmlns="" w="9525">
                 <a:solidFill>
                   <a:srgbClr val="000000"/>
                 </a:solidFill>
@@ -11017,7 +11017,7 @@
           </a:ln>
           <a:extLst>
             <a:ext uri="{91240B29-F687-4F45-9708-019B960494DF}">
-              <a14:hiddenLine xmlns="" xmlns:a14="http://schemas.microsoft.com/office/drawing/2010/main" w="9525">
+              <a14:hiddenLine xmlns:a14="http://schemas.microsoft.com/office/drawing/2010/main" xmlns="" w="9525">
                 <a:solidFill>
                   <a:srgbClr val="000000"/>
                 </a:solidFill>
@@ -11050,7 +11050,7 @@
         </p:nvSpPr>
         <p:spPr bwMode="auto">
           <a:xfrm>
-            <a:off x="10453688" y="3282846"/>
+            <a:off x="10258818" y="3267856"/>
             <a:ext cx="1738312" cy="228704"/>
           </a:xfrm>
           <a:custGeom>
@@ -11131,7 +11131,7 @@
           </a:ln>
           <a:extLst>
             <a:ext uri="{91240B29-F687-4F45-9708-019B960494DF}">
-              <a14:hiddenLine xmlns="" xmlns:a14="http://schemas.microsoft.com/office/drawing/2010/main" w="9525">
+              <a14:hiddenLine xmlns:a14="http://schemas.microsoft.com/office/drawing/2010/main" xmlns="" w="9525">
                 <a:solidFill>
                   <a:srgbClr val="000000"/>
                 </a:solidFill>
@@ -11245,7 +11245,7 @@
           </a:ln>
           <a:extLst>
             <a:ext uri="{91240B29-F687-4F45-9708-019B960494DF}">
-              <a14:hiddenLine xmlns="" xmlns:a14="http://schemas.microsoft.com/office/drawing/2010/main" w="9525">
+              <a14:hiddenLine xmlns:a14="http://schemas.microsoft.com/office/drawing/2010/main" xmlns="" w="9525">
                 <a:solidFill>
                   <a:srgbClr val="000000"/>
                 </a:solidFill>
@@ -11385,7 +11385,7 @@
             </a:ln>
             <a:extLst>
               <a:ext uri="{91240B29-F687-4F45-9708-019B960494DF}">
-                <a14:hiddenLine xmlns="" xmlns:a14="http://schemas.microsoft.com/office/drawing/2010/main" w="9525">
+                <a14:hiddenLine xmlns:a14="http://schemas.microsoft.com/office/drawing/2010/main" xmlns="" w="9525">
                   <a:solidFill>
                     <a:srgbClr val="000000"/>
                   </a:solidFill>
@@ -11511,7 +11511,7 @@
             </a:ln>
             <a:extLst>
               <a:ext uri="{91240B29-F687-4F45-9708-019B960494DF}">
-                <a14:hiddenLine xmlns="" xmlns:a14="http://schemas.microsoft.com/office/drawing/2010/main" w="9525">
+                <a14:hiddenLine xmlns:a14="http://schemas.microsoft.com/office/drawing/2010/main" xmlns="" w="9525">
                   <a:solidFill>
                     <a:srgbClr val="000000"/>
                   </a:solidFill>
@@ -11637,7 +11637,7 @@
             </a:ln>
             <a:extLst>
               <a:ext uri="{91240B29-F687-4F45-9708-019B960494DF}">
-                <a14:hiddenLine xmlns="" xmlns:a14="http://schemas.microsoft.com/office/drawing/2010/main" w="9525">
+                <a14:hiddenLine xmlns:a14="http://schemas.microsoft.com/office/drawing/2010/main" xmlns="" w="9525">
                   <a:solidFill>
                     <a:srgbClr val="000000"/>
                   </a:solidFill>
@@ -11763,7 +11763,7 @@
             </a:ln>
             <a:extLst>
               <a:ext uri="{91240B29-F687-4F45-9708-019B960494DF}">
-                <a14:hiddenLine xmlns="" xmlns:a14="http://schemas.microsoft.com/office/drawing/2010/main" w="9525">
+                <a14:hiddenLine xmlns:a14="http://schemas.microsoft.com/office/drawing/2010/main" xmlns="" w="9525">
                   <a:solidFill>
                     <a:srgbClr val="000000"/>
                   </a:solidFill>
@@ -11889,7 +11889,7 @@
             </a:ln>
             <a:extLst>
               <a:ext uri="{91240B29-F687-4F45-9708-019B960494DF}">
-                <a14:hiddenLine xmlns="" xmlns:a14="http://schemas.microsoft.com/office/drawing/2010/main" w="9525">
+                <a14:hiddenLine xmlns:a14="http://schemas.microsoft.com/office/drawing/2010/main" xmlns="" w="9525">
                   <a:solidFill>
                     <a:srgbClr val="000000"/>
                   </a:solidFill>
@@ -12030,7 +12030,7 @@
             </a:ln>
             <a:extLst>
               <a:ext uri="{91240B29-F687-4F45-9708-019B960494DF}">
-                <a14:hiddenLine xmlns="" xmlns:a14="http://schemas.microsoft.com/office/drawing/2010/main" w="9525">
+                <a14:hiddenLine xmlns:a14="http://schemas.microsoft.com/office/drawing/2010/main" xmlns="" w="9525">
                   <a:solidFill>
                     <a:srgbClr val="000000"/>
                   </a:solidFill>
@@ -12156,7 +12156,7 @@
             </a:ln>
             <a:extLst>
               <a:ext uri="{91240B29-F687-4F45-9708-019B960494DF}">
-                <a14:hiddenLine xmlns="" xmlns:a14="http://schemas.microsoft.com/office/drawing/2010/main" w="9525">
+                <a14:hiddenLine xmlns:a14="http://schemas.microsoft.com/office/drawing/2010/main" xmlns="" w="9525">
                   <a:solidFill>
                     <a:srgbClr val="000000"/>
                   </a:solidFill>
@@ -12282,7 +12282,7 @@
             </a:ln>
             <a:extLst>
               <a:ext uri="{91240B29-F687-4F45-9708-019B960494DF}">
-                <a14:hiddenLine xmlns="" xmlns:a14="http://schemas.microsoft.com/office/drawing/2010/main" w="9525">
+                <a14:hiddenLine xmlns:a14="http://schemas.microsoft.com/office/drawing/2010/main" xmlns="" w="9525">
                   <a:solidFill>
                     <a:srgbClr val="000000"/>
                   </a:solidFill>
@@ -12408,7 +12408,7 @@
             </a:ln>
             <a:extLst>
               <a:ext uri="{91240B29-F687-4F45-9708-019B960494DF}">
-                <a14:hiddenLine xmlns="" xmlns:a14="http://schemas.microsoft.com/office/drawing/2010/main" w="9525">
+                <a14:hiddenLine xmlns:a14="http://schemas.microsoft.com/office/drawing/2010/main" xmlns="" w="9525">
                   <a:solidFill>
                     <a:srgbClr val="000000"/>
                   </a:solidFill>
@@ -12534,7 +12534,7 @@
             </a:ln>
             <a:extLst>
               <a:ext uri="{91240B29-F687-4F45-9708-019B960494DF}">
-                <a14:hiddenLine xmlns="" xmlns:a14="http://schemas.microsoft.com/office/drawing/2010/main" w="9525">
+                <a14:hiddenLine xmlns:a14="http://schemas.microsoft.com/office/drawing/2010/main" xmlns="" w="9525">
                   <a:solidFill>
                     <a:srgbClr val="000000"/>
                   </a:solidFill>
@@ -12648,7 +12648,7 @@
             </a:ln>
             <a:extLst>
               <a:ext uri="{91240B29-F687-4F45-9708-019B960494DF}">
-                <a14:hiddenLine xmlns="" xmlns:a14="http://schemas.microsoft.com/office/drawing/2010/main" w="9525">
+                <a14:hiddenLine xmlns:a14="http://schemas.microsoft.com/office/drawing/2010/main" xmlns="" w="9525">
                   <a:solidFill>
                     <a:srgbClr val="000000"/>
                   </a:solidFill>
@@ -12774,7 +12774,7 @@
             </a:ln>
             <a:extLst>
               <a:ext uri="{91240B29-F687-4F45-9708-019B960494DF}">
-                <a14:hiddenLine xmlns="" xmlns:a14="http://schemas.microsoft.com/office/drawing/2010/main" w="9525">
+                <a14:hiddenLine xmlns:a14="http://schemas.microsoft.com/office/drawing/2010/main" xmlns="" w="9525">
                   <a:solidFill>
                     <a:srgbClr val="000000"/>
                   </a:solidFill>
@@ -12836,7 +12836,7 @@
             </a:ln>
             <a:extLst>
               <a:ext uri="{91240B29-F687-4F45-9708-019B960494DF}">
-                <a14:hiddenLine xmlns="" xmlns:a14="http://schemas.microsoft.com/office/drawing/2010/main" w="9525">
+                <a14:hiddenLine xmlns:a14="http://schemas.microsoft.com/office/drawing/2010/main" xmlns="" w="9525">
                   <a:solidFill>
                     <a:srgbClr val="000000"/>
                   </a:solidFill>
@@ -12982,7 +12982,7 @@
             </a:ln>
             <a:extLst>
               <a:ext uri="{91240B29-F687-4F45-9708-019B960494DF}">
-                <a14:hiddenLine xmlns="" xmlns:a14="http://schemas.microsoft.com/office/drawing/2010/main" w="9525">
+                <a14:hiddenLine xmlns:a14="http://schemas.microsoft.com/office/drawing/2010/main" xmlns="" w="9525">
                   <a:solidFill>
                     <a:srgbClr val="000000"/>
                   </a:solidFill>
@@ -13029,7 +13029,7 @@
             </a:ln>
             <a:extLst>
               <a:ext uri="{91240B29-F687-4F45-9708-019B960494DF}">
-                <a14:hiddenLine xmlns="" xmlns:a14="http://schemas.microsoft.com/office/drawing/2010/main" w="9525">
+                <a14:hiddenLine xmlns:a14="http://schemas.microsoft.com/office/drawing/2010/main" xmlns="" w="9525">
                   <a:solidFill>
                     <a:srgbClr val="000000"/>
                   </a:solidFill>
@@ -13175,7 +13175,7 @@
             </a:ln>
             <a:extLst>
               <a:ext uri="{91240B29-F687-4F45-9708-019B960494DF}">
-                <a14:hiddenLine xmlns="" xmlns:a14="http://schemas.microsoft.com/office/drawing/2010/main" w="9525">
+                <a14:hiddenLine xmlns:a14="http://schemas.microsoft.com/office/drawing/2010/main" xmlns="" w="9525">
                   <a:solidFill>
                     <a:srgbClr val="000000"/>
                   </a:solidFill>
@@ -13222,7 +13222,7 @@
             </a:ln>
             <a:extLst>
               <a:ext uri="{91240B29-F687-4F45-9708-019B960494DF}">
-                <a14:hiddenLine xmlns="" xmlns:a14="http://schemas.microsoft.com/office/drawing/2010/main" w="9525">
+                <a14:hiddenLine xmlns:a14="http://schemas.microsoft.com/office/drawing/2010/main" xmlns="" w="9525">
                   <a:solidFill>
                     <a:srgbClr val="000000"/>
                   </a:solidFill>
@@ -13368,7 +13368,7 @@
             </a:ln>
             <a:extLst>
               <a:ext uri="{91240B29-F687-4F45-9708-019B960494DF}">
-                <a14:hiddenLine xmlns="" xmlns:a14="http://schemas.microsoft.com/office/drawing/2010/main" w="9525">
+                <a14:hiddenLine xmlns:a14="http://schemas.microsoft.com/office/drawing/2010/main" xmlns="" w="9525">
                   <a:solidFill>
                     <a:srgbClr val="000000"/>
                   </a:solidFill>
@@ -13415,7 +13415,7 @@
             </a:ln>
             <a:extLst>
               <a:ext uri="{91240B29-F687-4F45-9708-019B960494DF}">
-                <a14:hiddenLine xmlns="" xmlns:a14="http://schemas.microsoft.com/office/drawing/2010/main" w="9525">
+                <a14:hiddenLine xmlns:a14="http://schemas.microsoft.com/office/drawing/2010/main" xmlns="" w="9525">
                   <a:solidFill>
                     <a:srgbClr val="000000"/>
                   </a:solidFill>
@@ -13561,7 +13561,7 @@
             </a:ln>
             <a:extLst>
               <a:ext uri="{91240B29-F687-4F45-9708-019B960494DF}">
-                <a14:hiddenLine xmlns="" xmlns:a14="http://schemas.microsoft.com/office/drawing/2010/main" w="9525">
+                <a14:hiddenLine xmlns:a14="http://schemas.microsoft.com/office/drawing/2010/main" xmlns="" w="9525">
                   <a:solidFill>
                     <a:srgbClr val="000000"/>
                   </a:solidFill>
@@ -13608,7 +13608,7 @@
             </a:ln>
             <a:extLst>
               <a:ext uri="{91240B29-F687-4F45-9708-019B960494DF}">
-                <a14:hiddenLine xmlns="" xmlns:a14="http://schemas.microsoft.com/office/drawing/2010/main" w="9525">
+                <a14:hiddenLine xmlns:a14="http://schemas.microsoft.com/office/drawing/2010/main" xmlns="" w="9525">
                   <a:solidFill>
                     <a:srgbClr val="000000"/>
                   </a:solidFill>
@@ -13754,7 +13754,7 @@
             </a:ln>
             <a:extLst>
               <a:ext uri="{91240B29-F687-4F45-9708-019B960494DF}">
-                <a14:hiddenLine xmlns="" xmlns:a14="http://schemas.microsoft.com/office/drawing/2010/main" w="9525">
+                <a14:hiddenLine xmlns:a14="http://schemas.microsoft.com/office/drawing/2010/main" xmlns="" w="9525">
                   <a:solidFill>
                     <a:srgbClr val="000000"/>
                   </a:solidFill>
@@ -13924,7 +13924,7 @@
             </a:ln>
             <a:extLst>
               <a:ext uri="{91240B29-F687-4F45-9708-019B960494DF}">
-                <a14:hiddenLine xmlns="" xmlns:a14="http://schemas.microsoft.com/office/drawing/2010/main" w="9525">
+                <a14:hiddenLine xmlns:a14="http://schemas.microsoft.com/office/drawing/2010/main" xmlns="" w="9525">
                   <a:solidFill>
                     <a:srgbClr val="000000"/>
                   </a:solidFill>
@@ -14119,7 +14119,7 @@
             </a:ln>
             <a:extLst>
               <a:ext uri="{91240B29-F687-4F45-9708-019B960494DF}">
-                <a14:hiddenLine xmlns="" xmlns:a14="http://schemas.microsoft.com/office/drawing/2010/main" w="9525">
+                <a14:hiddenLine xmlns:a14="http://schemas.microsoft.com/office/drawing/2010/main" xmlns="" w="9525">
                   <a:solidFill>
                     <a:srgbClr val="000000"/>
                   </a:solidFill>
@@ -14354,7 +14354,7 @@
             </a:ln>
             <a:extLst>
               <a:ext uri="{91240B29-F687-4F45-9708-019B960494DF}">
-                <a14:hiddenLine xmlns="" xmlns:a14="http://schemas.microsoft.com/office/drawing/2010/main" w="9525">
+                <a14:hiddenLine xmlns:a14="http://schemas.microsoft.com/office/drawing/2010/main" xmlns="" w="9525">
                   <a:solidFill>
                     <a:srgbClr val="000000"/>
                   </a:solidFill>
@@ -14401,7 +14401,7 @@
             </a:ln>
             <a:extLst>
               <a:ext uri="{91240B29-F687-4F45-9708-019B960494DF}">
-                <a14:hiddenLine xmlns="" xmlns:a14="http://schemas.microsoft.com/office/drawing/2010/main" w="9525">
+                <a14:hiddenLine xmlns:a14="http://schemas.microsoft.com/office/drawing/2010/main" xmlns="" w="9525">
                   <a:solidFill>
                     <a:srgbClr val="000000"/>
                   </a:solidFill>
@@ -14448,7 +14448,7 @@
             </a:ln>
             <a:extLst>
               <a:ext uri="{91240B29-F687-4F45-9708-019B960494DF}">
-                <a14:hiddenLine xmlns="" xmlns:a14="http://schemas.microsoft.com/office/drawing/2010/main" w="9525">
+                <a14:hiddenLine xmlns:a14="http://schemas.microsoft.com/office/drawing/2010/main" xmlns="" w="9525">
                   <a:solidFill>
                     <a:srgbClr val="000000"/>
                   </a:solidFill>
@@ -14495,7 +14495,7 @@
             </a:ln>
             <a:extLst>
               <a:ext uri="{91240B29-F687-4F45-9708-019B960494DF}">
-                <a14:hiddenLine xmlns="" xmlns:a14="http://schemas.microsoft.com/office/drawing/2010/main" w="9525">
+                <a14:hiddenLine xmlns:a14="http://schemas.microsoft.com/office/drawing/2010/main" xmlns="" w="9525">
                   <a:solidFill>
                     <a:srgbClr val="000000"/>
                   </a:solidFill>
@@ -14542,7 +14542,7 @@
             </a:ln>
             <a:extLst>
               <a:ext uri="{91240B29-F687-4F45-9708-019B960494DF}">
-                <a14:hiddenLine xmlns="" xmlns:a14="http://schemas.microsoft.com/office/drawing/2010/main" w="9525">
+                <a14:hiddenLine xmlns:a14="http://schemas.microsoft.com/office/drawing/2010/main" xmlns="" w="9525">
                   <a:solidFill>
                     <a:srgbClr val="000000"/>
                   </a:solidFill>
@@ -14575,7 +14575,7 @@
         <p:spPr>
           <a:xfrm>
             <a:off x="7821275" y="412234"/>
-            <a:ext cx="1467068" cy="369332"/>
+            <a:ext cx="1481496" cy="369332"/>
           </a:xfrm>
           <a:prstGeom prst="rect">
             <a:avLst/>
@@ -14590,32 +14590,23 @@
           <a:p>
             <a:r>
               <a:rPr lang="en-US" altLang="zh-CN" b="1" dirty="0" smtClean="0">
-                <a:solidFill>
-                  <a:srgbClr val="CFDB00"/>
-                </a:solidFill>
-                <a:latin typeface="Arial Unicode MS" panose="020B0604020202020204" pitchFamily="34" charset="-122"/>
-                <a:ea typeface="Arial Unicode MS" panose="020B0604020202020204" pitchFamily="34" charset="-122"/>
+                <a:latin typeface="+mj-ea"/>
+                <a:ea typeface="+mj-ea"/>
                 <a:cs typeface="Arial Unicode MS" panose="020B0604020202020204" pitchFamily="34" charset="-122"/>
               </a:rPr>
               <a:t>1</a:t>
             </a:r>
             <a:r>
               <a:rPr lang="zh-CN" altLang="en-US" b="1" dirty="0" smtClean="0">
-                <a:solidFill>
-                  <a:srgbClr val="CFDB00"/>
-                </a:solidFill>
-                <a:latin typeface="Arial Unicode MS" panose="020B0604020202020204" pitchFamily="34" charset="-122"/>
-                <a:ea typeface="Arial Unicode MS" panose="020B0604020202020204" pitchFamily="34" charset="-122"/>
+                <a:latin typeface="+mj-ea"/>
+                <a:ea typeface="+mj-ea"/>
                 <a:cs typeface="Arial Unicode MS" panose="020B0604020202020204" pitchFamily="34" charset="-122"/>
               </a:rPr>
               <a:t>、产品类型</a:t>
             </a:r>
             <a:endParaRPr lang="zh-CN" altLang="en-US" b="1" dirty="0">
-              <a:solidFill>
-                <a:srgbClr val="CFDB00"/>
-              </a:solidFill>
-              <a:latin typeface="Arial Unicode MS" panose="020B0604020202020204" pitchFamily="34" charset="-122"/>
-              <a:ea typeface="Arial Unicode MS" panose="020B0604020202020204" pitchFamily="34" charset="-122"/>
+              <a:latin typeface="+mj-ea"/>
+              <a:ea typeface="+mj-ea"/>
               <a:cs typeface="Arial Unicode MS" panose="020B0604020202020204" pitchFamily="34" charset="-122"/>
             </a:endParaRPr>
           </a:p>
@@ -14630,7 +14621,7 @@
         <p:spPr>
           <a:xfrm>
             <a:off x="7693948" y="6155289"/>
-            <a:ext cx="1467068" cy="369332"/>
+            <a:ext cx="1481496" cy="369332"/>
           </a:xfrm>
           <a:prstGeom prst="rect">
             <a:avLst/>
@@ -14645,32 +14636,23 @@
           <a:p>
             <a:r>
               <a:rPr lang="en-US" altLang="zh-CN" b="1" dirty="0" smtClean="0">
-                <a:solidFill>
-                  <a:srgbClr val="008FBF"/>
-                </a:solidFill>
-                <a:latin typeface="Arial Unicode MS" panose="020B0604020202020204" pitchFamily="34" charset="-122"/>
-                <a:ea typeface="Arial Unicode MS" panose="020B0604020202020204" pitchFamily="34" charset="-122"/>
+                <a:latin typeface="+mj-ea"/>
+                <a:ea typeface="+mj-ea"/>
                 <a:cs typeface="Arial Unicode MS" panose="020B0604020202020204" pitchFamily="34" charset="-122"/>
               </a:rPr>
               <a:t>3</a:t>
             </a:r>
             <a:r>
               <a:rPr lang="zh-CN" altLang="en-US" b="1" dirty="0" smtClean="0">
-                <a:solidFill>
-                  <a:srgbClr val="008FBF"/>
-                </a:solidFill>
-                <a:latin typeface="Arial Unicode MS" panose="020B0604020202020204" pitchFamily="34" charset="-122"/>
-                <a:ea typeface="Arial Unicode MS" panose="020B0604020202020204" pitchFamily="34" charset="-122"/>
+                <a:latin typeface="+mj-ea"/>
+                <a:ea typeface="+mj-ea"/>
                 <a:cs typeface="Arial Unicode MS" panose="020B0604020202020204" pitchFamily="34" charset="-122"/>
               </a:rPr>
               <a:t>、业务领域</a:t>
             </a:r>
             <a:endParaRPr lang="zh-CN" altLang="en-US" b="1" dirty="0">
-              <a:solidFill>
-                <a:srgbClr val="008FBF"/>
-              </a:solidFill>
-              <a:latin typeface="Arial Unicode MS" panose="020B0604020202020204" pitchFamily="34" charset="-122"/>
-              <a:ea typeface="Arial Unicode MS" panose="020B0604020202020204" pitchFamily="34" charset="-122"/>
+              <a:latin typeface="+mj-ea"/>
+              <a:ea typeface="+mj-ea"/>
               <a:cs typeface="Arial Unicode MS" panose="020B0604020202020204" pitchFamily="34" charset="-122"/>
             </a:endParaRPr>
           </a:p>
@@ -14685,7 +14667,7 @@
         <p:spPr>
           <a:xfrm>
             <a:off x="4787687" y="3154125"/>
-            <a:ext cx="1467068" cy="369332"/>
+            <a:ext cx="1481496" cy="369332"/>
           </a:xfrm>
           <a:prstGeom prst="rect">
             <a:avLst/>
@@ -14700,32 +14682,23 @@
           <a:p>
             <a:r>
               <a:rPr lang="en-US" altLang="zh-CN" b="1" dirty="0" smtClean="0">
-                <a:solidFill>
-                  <a:srgbClr val="00A0E9"/>
-                </a:solidFill>
-                <a:latin typeface="Arial Unicode MS" panose="020B0604020202020204" pitchFamily="34" charset="-122"/>
-                <a:ea typeface="Arial Unicode MS" panose="020B0604020202020204" pitchFamily="34" charset="-122"/>
+                <a:latin typeface="+mj-ea"/>
+                <a:ea typeface="+mj-ea"/>
                 <a:cs typeface="Arial Unicode MS" panose="020B0604020202020204" pitchFamily="34" charset="-122"/>
               </a:rPr>
               <a:t>4</a:t>
             </a:r>
             <a:r>
               <a:rPr lang="zh-CN" altLang="en-US" b="1" dirty="0" smtClean="0">
-                <a:solidFill>
-                  <a:srgbClr val="00A0E9"/>
-                </a:solidFill>
-                <a:latin typeface="Arial Unicode MS" panose="020B0604020202020204" pitchFamily="34" charset="-122"/>
-                <a:ea typeface="Arial Unicode MS" panose="020B0604020202020204" pitchFamily="34" charset="-122"/>
+                <a:latin typeface="+mj-ea"/>
+                <a:ea typeface="+mj-ea"/>
                 <a:cs typeface="Arial Unicode MS" panose="020B0604020202020204" pitchFamily="34" charset="-122"/>
               </a:rPr>
               <a:t>、运营方式</a:t>
             </a:r>
             <a:endParaRPr lang="zh-CN" altLang="en-US" b="1" dirty="0">
-              <a:solidFill>
-                <a:srgbClr val="00A0E9"/>
-              </a:solidFill>
-              <a:latin typeface="Arial Unicode MS" panose="020B0604020202020204" pitchFamily="34" charset="-122"/>
-              <a:ea typeface="Arial Unicode MS" panose="020B0604020202020204" pitchFamily="34" charset="-122"/>
+              <a:latin typeface="+mj-ea"/>
+              <a:ea typeface="+mj-ea"/>
               <a:cs typeface="Arial Unicode MS" panose="020B0604020202020204" pitchFamily="34" charset="-122"/>
             </a:endParaRPr>
           </a:p>
@@ -14739,8 +14712,8 @@
         </p:nvSpPr>
         <p:spPr>
           <a:xfrm>
-            <a:off x="10692976" y="3139135"/>
-            <a:ext cx="1467068" cy="369332"/>
+            <a:off x="10558066" y="3139135"/>
+            <a:ext cx="1481496" cy="369332"/>
           </a:xfrm>
           <a:prstGeom prst="rect">
             <a:avLst/>
@@ -14755,32 +14728,23 @@
           <a:p>
             <a:r>
               <a:rPr lang="en-US" altLang="zh-CN" b="1" dirty="0" smtClean="0">
-                <a:solidFill>
-                  <a:srgbClr val="F39800"/>
-                </a:solidFill>
-                <a:latin typeface="Arial Unicode MS" panose="020B0604020202020204" pitchFamily="34" charset="-122"/>
-                <a:ea typeface="Arial Unicode MS" panose="020B0604020202020204" pitchFamily="34" charset="-122"/>
+                <a:latin typeface="+mj-ea"/>
+                <a:ea typeface="+mj-ea"/>
                 <a:cs typeface="Arial Unicode MS" panose="020B0604020202020204" pitchFamily="34" charset="-122"/>
               </a:rPr>
               <a:t>2</a:t>
             </a:r>
             <a:r>
               <a:rPr lang="zh-CN" altLang="en-US" b="1" dirty="0" smtClean="0">
-                <a:solidFill>
-                  <a:srgbClr val="F39800"/>
-                </a:solidFill>
-                <a:latin typeface="Arial Unicode MS" panose="020B0604020202020204" pitchFamily="34" charset="-122"/>
-                <a:ea typeface="Arial Unicode MS" panose="020B0604020202020204" pitchFamily="34" charset="-122"/>
+                <a:latin typeface="+mj-ea"/>
+                <a:ea typeface="+mj-ea"/>
                 <a:cs typeface="Arial Unicode MS" panose="020B0604020202020204" pitchFamily="34" charset="-122"/>
               </a:rPr>
               <a:t>、商业模式</a:t>
             </a:r>
             <a:endParaRPr lang="zh-CN" altLang="en-US" b="1" dirty="0">
-              <a:solidFill>
-                <a:srgbClr val="F39800"/>
-              </a:solidFill>
-              <a:latin typeface="Arial Unicode MS" panose="020B0604020202020204" pitchFamily="34" charset="-122"/>
-              <a:ea typeface="Arial Unicode MS" panose="020B0604020202020204" pitchFamily="34" charset="-122"/>
+              <a:latin typeface="+mj-ea"/>
+              <a:ea typeface="+mj-ea"/>
               <a:cs typeface="Arial Unicode MS" panose="020B0604020202020204" pitchFamily="34" charset="-122"/>
             </a:endParaRPr>
           </a:p>
@@ -14949,40 +14913,7 @@
                 <a:ea typeface="Arial Unicode MS" panose="020B0604020202020204" pitchFamily="34" charset="-122"/>
                 <a:cs typeface="Arial Unicode MS" panose="020B0604020202020204" pitchFamily="34" charset="-122"/>
               </a:rPr>
-              <a:t>切入点：</a:t>
-            </a:r>
-            <a:r>
-              <a:rPr lang="zh-CN" altLang="en-US" sz="2000" dirty="0" smtClean="0">
-                <a:solidFill>
-                  <a:schemeClr val="bg1"/>
-                </a:solidFill>
-                <a:latin typeface="Arial Unicode MS" panose="020B0604020202020204" pitchFamily="34" charset="-122"/>
-                <a:ea typeface="Arial Unicode MS" panose="020B0604020202020204" pitchFamily="34" charset="-122"/>
-                <a:cs typeface="Arial Unicode MS" panose="020B0604020202020204" pitchFamily="34" charset="-122"/>
-              </a:rPr>
-              <a:t>进</a:t>
-            </a:r>
-            <a:r>
-              <a:rPr lang="zh-CN" altLang="en-US" sz="2000" dirty="0" smtClean="0">
-                <a:solidFill>
-                  <a:schemeClr val="bg1"/>
-                </a:solidFill>
-                <a:latin typeface="Arial Unicode MS" panose="020B0604020202020204" pitchFamily="34" charset="-122"/>
-                <a:ea typeface="Arial Unicode MS" panose="020B0604020202020204" pitchFamily="34" charset="-122"/>
-                <a:cs typeface="Arial Unicode MS" panose="020B0604020202020204" pitchFamily="34" charset="-122"/>
-              </a:rPr>
-              <a:t>销</a:t>
-            </a:r>
-            <a:r>
-              <a:rPr lang="zh-CN" altLang="en-US" sz="2000" dirty="0" smtClean="0">
-                <a:solidFill>
-                  <a:schemeClr val="bg1"/>
-                </a:solidFill>
-                <a:latin typeface="Arial Unicode MS" panose="020B0604020202020204" pitchFamily="34" charset="-122"/>
-                <a:ea typeface="Arial Unicode MS" panose="020B0604020202020204" pitchFamily="34" charset="-122"/>
-                <a:cs typeface="Arial Unicode MS" panose="020B0604020202020204" pitchFamily="34" charset="-122"/>
-              </a:rPr>
-              <a:t>存</a:t>
+              <a:t>切入点：进销存</a:t>
             </a:r>
             <a:endParaRPr lang="en-US" altLang="zh-CN" sz="2000" dirty="0" smtClean="0">
               <a:solidFill>
@@ -15093,20 +15024,7 @@
                 <a:latin typeface="微软雅黑" panose="020B0503020204020204" pitchFamily="34" charset="-122"/>
                 <a:ea typeface="微软雅黑" panose="020B0503020204020204" pitchFamily="34" charset="-122"/>
               </a:rPr>
-              <a:t>(Software as a Service</a:t>
-            </a:r>
-            <a:r>
-              <a:rPr lang="en-US" altLang="zh-CN" dirty="0" smtClean="0">
-                <a:solidFill>
-                  <a:schemeClr val="tx1">
-                    <a:lumMod val="65000"/>
-                    <a:lumOff val="35000"/>
-                  </a:schemeClr>
-                </a:solidFill>
-                <a:latin typeface="微软雅黑" panose="020B0503020204020204" pitchFamily="34" charset="-122"/>
-                <a:ea typeface="微软雅黑" panose="020B0503020204020204" pitchFamily="34" charset="-122"/>
-              </a:rPr>
-              <a:t>)</a:t>
+              <a:t>(Software as a Service)</a:t>
             </a:r>
           </a:p>
           <a:p>
@@ -15147,20 +15065,7 @@
                 <a:latin typeface="微软雅黑" panose="020B0503020204020204" pitchFamily="34" charset="-122"/>
                 <a:ea typeface="微软雅黑" panose="020B0503020204020204" pitchFamily="34" charset="-122"/>
               </a:rPr>
-              <a:t>提供免费和付费的技术支持</a:t>
-            </a:r>
-            <a:r>
-              <a:rPr lang="zh-CN" altLang="en-US" dirty="0" smtClean="0">
-                <a:solidFill>
-                  <a:schemeClr val="tx1">
-                    <a:lumMod val="65000"/>
-                    <a:lumOff val="35000"/>
-                  </a:schemeClr>
-                </a:solidFill>
-                <a:latin typeface="微软雅黑" panose="020B0503020204020204" pitchFamily="34" charset="-122"/>
-                <a:ea typeface="微软雅黑" panose="020B0503020204020204" pitchFamily="34" charset="-122"/>
-              </a:rPr>
-              <a:t>服务</a:t>
+              <a:t>提供免费和付费的技术支持服务</a:t>
             </a:r>
             <a:endParaRPr lang="en-US" altLang="zh-CN" dirty="0" smtClean="0">
               <a:solidFill>
@@ -15320,66 +15225,6 @@
           </a:p>
         </p:txBody>
       </p:sp>
-      <p:sp>
-        <p:nvSpPr>
-          <p:cNvPr id="101" name="圆角矩形 100"/>
-          <p:cNvSpPr/>
-          <p:nvPr/>
-        </p:nvSpPr>
-        <p:spPr>
-          <a:xfrm>
-            <a:off x="295678" y="3299338"/>
-            <a:ext cx="1201990" cy="436817"/>
-          </a:xfrm>
-          <a:prstGeom prst="roundRect">
-            <a:avLst>
-              <a:gd name="adj" fmla="val 9938"/>
-            </a:avLst>
-          </a:prstGeom>
-          <a:solidFill>
-            <a:srgbClr val="ED4137"/>
-          </a:solidFill>
-          <a:ln>
-            <a:noFill/>
-          </a:ln>
-        </p:spPr>
-        <p:style>
-          <a:lnRef idx="2">
-            <a:schemeClr val="accent1">
-              <a:shade val="50000"/>
-            </a:schemeClr>
-          </a:lnRef>
-          <a:fillRef idx="1">
-            <a:schemeClr val="accent1"/>
-          </a:fillRef>
-          <a:effectRef idx="0">
-            <a:schemeClr val="accent1"/>
-          </a:effectRef>
-          <a:fontRef idx="minor">
-            <a:schemeClr val="lt1"/>
-          </a:fontRef>
-        </p:style>
-        <p:txBody>
-          <a:bodyPr lIns="0" tIns="0" rIns="0" bIns="0" rtlCol="0" anchor="ctr"/>
-          <a:lstStyle/>
-          <a:p>
-            <a:pPr algn="ctr"/>
-            <a:r>
-              <a:rPr lang="zh-CN" altLang="en-US" dirty="0" smtClean="0">
-                <a:latin typeface="微软雅黑" panose="020B0503020204020204" pitchFamily="34" charset="-122"/>
-                <a:ea typeface="微软雅黑" panose="020B0503020204020204" pitchFamily="34" charset="-122"/>
-                <a:cs typeface="Arial Unicode MS" panose="020B0604020202020204" pitchFamily="34" charset="-122"/>
-              </a:rPr>
-              <a:t>简要说明</a:t>
-            </a:r>
-            <a:endParaRPr lang="zh-CN" altLang="en-US" dirty="0">
-              <a:latin typeface="微软雅黑" panose="020B0503020204020204" pitchFamily="34" charset="-122"/>
-              <a:ea typeface="微软雅黑" panose="020B0503020204020204" pitchFamily="34" charset="-122"/>
-              <a:cs typeface="Arial Unicode MS" panose="020B0604020202020204" pitchFamily="34" charset="-122"/>
-            </a:endParaRPr>
-          </a:p>
-        </p:txBody>
-      </p:sp>
       <p:pic>
         <p:nvPicPr>
           <p:cNvPr id="68" name="图片 67" descr="0.jpg"/>
@@ -15437,7 +15282,7 @@
     </p:spTree>
     <p:extLst>
       <p:ext uri="{BB962C8B-B14F-4D97-AF65-F5344CB8AC3E}">
-        <p14:creationId xmlns="" xmlns:p14="http://schemas.microsoft.com/office/powerpoint/2010/main" val="528797613"/>
+        <p14:creationId xmlns:p14="http://schemas.microsoft.com/office/powerpoint/2010/main" xmlns="" val="528797613"/>
       </p:ext>
     </p:extLst>
   </p:cSld>
@@ -15652,7 +15497,7 @@
   <a:extraClrSchemeLst/>
   <a:extLst>
     <a:ext uri="{05A4C25C-085E-4340-85A3-A5531E510DB2}">
-      <thm15:themeFamily xmlns="" xmlns:thm15="http://schemas.microsoft.com/office/thememl/2012/main" name="Office Theme" id="{62F939B6-93AF-4DB8-9C6B-D6C7DFDC589F}" vid="{4A3C46E8-61CC-4603-A589-7422A47A8E4A}"/>
+      <thm15:themeFamily xmlns:thm15="http://schemas.microsoft.com/office/thememl/2012/main" xmlns="" name="Office Theme" id="{62F939B6-93AF-4DB8-9C6B-D6C7DFDC589F}" vid="{4A3C46E8-61CC-4603-A589-7422A47A8E4A}"/>
     </a:ext>
   </a:extLst>
 </a:theme>
@@ -15913,7 +15758,7 @@
   <a:extraClrSchemeLst/>
   <a:extLst>
     <a:ext uri="{05A4C25C-085E-4340-85A3-A5531E510DB2}">
-      <thm15:themeFamily xmlns="" xmlns:thm15="http://schemas.microsoft.com/office/thememl/2012/main" name="Office Theme" id="{62F939B6-93AF-4DB8-9C6B-D6C7DFDC589F}" vid="{4A3C46E8-61CC-4603-A589-7422A47A8E4A}"/>
+      <thm15:themeFamily xmlns:thm15="http://schemas.microsoft.com/office/thememl/2012/main" xmlns="" name="Office Theme" id="{62F939B6-93AF-4DB8-9C6B-D6C7DFDC589F}" vid="{4A3C46E8-61CC-4603-A589-7422A47A8E4A}"/>
     </a:ext>
   </a:extLst>
 </a:theme>

--- a/doc/01 概要设计/PSI.pptx
+++ b/doc/01 概要设计/PSI.pptx
@@ -116,7 +116,7 @@
   </p:defaultTextStyle>
   <p:extLst>
     <p:ext uri="{EFAFB233-063F-42B5-8137-9DF3F51BA10A}">
-      <p15:sldGuideLst xmlns="" xmlns:p15="http://schemas.microsoft.com/office/powerpoint/2012/main">
+      <p15:sldGuideLst xmlns:p15="http://schemas.microsoft.com/office/powerpoint/2012/main" xmlns="">
         <p15:guide id="2" pos="3863" userDrawn="1">
           <p15:clr>
             <a:srgbClr val="A4A3A4"/>
@@ -216,7 +216,7 @@
             <a:fld id="{C86B11F5-5059-4E45-9721-EB94D5B4201D}" type="datetimeFigureOut">
               <a:rPr lang="zh-CN" altLang="en-US" smtClean="0"/>
               <a:pPr/>
-              <a:t>2015/3/7</a:t>
+              <a:t>2015/3/8</a:t>
             </a:fld>
             <a:endParaRPr lang="zh-CN" altLang="en-US"/>
           </a:p>
@@ -385,7 +385,7 @@
     </p:spTree>
     <p:extLst>
       <p:ext uri="{BB962C8B-B14F-4D97-AF65-F5344CB8AC3E}">
-        <p14:creationId xmlns="" xmlns:p14="http://schemas.microsoft.com/office/powerpoint/2010/main" val="2524148835"/>
+        <p14:creationId xmlns:p14="http://schemas.microsoft.com/office/powerpoint/2010/main" xmlns="" val="2524148835"/>
       </p:ext>
     </p:extLst>
   </p:cSld>
@@ -514,7 +514,7 @@
           <a:blip r:embed="rId2" cstate="screen">
             <a:extLst>
               <a:ext uri="{28A0092B-C50C-407E-A947-70E740481C1C}">
-                <a14:useLocalDpi xmlns="" xmlns:a14="http://schemas.microsoft.com/office/drawing/2010/main"/>
+                <a14:useLocalDpi xmlns:a14="http://schemas.microsoft.com/office/drawing/2010/main" xmlns=""/>
               </a:ext>
             </a:extLst>
           </a:blip>
@@ -1117,7 +1117,7 @@
             </a:ln>
             <a:extLst>
               <a:ext uri="{909E8E84-426E-40DD-AFC4-6F175D3DCCD1}">
-                <a14:hiddenFill xmlns="" xmlns:a14="http://schemas.microsoft.com/office/drawing/2010/main">
+                <a14:hiddenFill xmlns:a14="http://schemas.microsoft.com/office/drawing/2010/main" xmlns="">
                   <a:solidFill>
                     <a:srgbClr val="FFFFFF"/>
                   </a:solidFill>
@@ -1165,7 +1165,7 @@
             </a:ln>
             <a:extLst>
               <a:ext uri="{909E8E84-426E-40DD-AFC4-6F175D3DCCD1}">
-                <a14:hiddenFill xmlns="" xmlns:a14="http://schemas.microsoft.com/office/drawing/2010/main">
+                <a14:hiddenFill xmlns:a14="http://schemas.microsoft.com/office/drawing/2010/main" xmlns="">
                   <a:noFill/>
                 </a14:hiddenFill>
               </a:ext>
@@ -1262,7 +1262,7 @@
             </a:ln>
             <a:extLst>
               <a:ext uri="{909E8E84-426E-40DD-AFC4-6F175D3DCCD1}">
-                <a14:hiddenFill xmlns="" xmlns:a14="http://schemas.microsoft.com/office/drawing/2010/main">
+                <a14:hiddenFill xmlns:a14="http://schemas.microsoft.com/office/drawing/2010/main" xmlns="">
                   <a:solidFill>
                     <a:srgbClr val="FFFFFF"/>
                   </a:solidFill>
@@ -3826,7 +3826,7 @@
     </p:spTree>
     <p:extLst>
       <p:ext uri="{BB962C8B-B14F-4D97-AF65-F5344CB8AC3E}">
-        <p14:creationId xmlns="" xmlns:p14="http://schemas.microsoft.com/office/powerpoint/2010/main" val="2830079814"/>
+        <p14:creationId xmlns:p14="http://schemas.microsoft.com/office/powerpoint/2010/main" xmlns="" val="2830079814"/>
       </p:ext>
     </p:extLst>
   </p:cSld>
@@ -3875,7 +3875,7 @@
           <a:blip r:embed="rId2" cstate="screen">
             <a:extLst>
               <a:ext uri="{28A0092B-C50C-407E-A947-70E740481C1C}">
-                <a14:useLocalDpi xmlns="" xmlns:a14="http://schemas.microsoft.com/office/drawing/2010/main"/>
+                <a14:useLocalDpi xmlns:a14="http://schemas.microsoft.com/office/drawing/2010/main" xmlns=""/>
               </a:ext>
             </a:extLst>
           </a:blip>
@@ -3935,7 +3935,7 @@
             </a:ln>
             <a:extLst>
               <a:ext uri="{909E8E84-426E-40DD-AFC4-6F175D3DCCD1}">
-                <a14:hiddenFill xmlns="" xmlns:a14="http://schemas.microsoft.com/office/drawing/2010/main">
+                <a14:hiddenFill xmlns:a14="http://schemas.microsoft.com/office/drawing/2010/main" xmlns="">
                   <a:solidFill>
                     <a:srgbClr val="FFFFFF"/>
                   </a:solidFill>
@@ -3983,7 +3983,7 @@
             </a:ln>
             <a:extLst>
               <a:ext uri="{909E8E84-426E-40DD-AFC4-6F175D3DCCD1}">
-                <a14:hiddenFill xmlns="" xmlns:a14="http://schemas.microsoft.com/office/drawing/2010/main">
+                <a14:hiddenFill xmlns:a14="http://schemas.microsoft.com/office/drawing/2010/main" xmlns="">
                   <a:noFill/>
                 </a14:hiddenFill>
               </a:ext>
@@ -4080,7 +4080,7 @@
             </a:ln>
             <a:extLst>
               <a:ext uri="{909E8E84-426E-40DD-AFC4-6F175D3DCCD1}">
-                <a14:hiddenFill xmlns="" xmlns:a14="http://schemas.microsoft.com/office/drawing/2010/main">
+                <a14:hiddenFill xmlns:a14="http://schemas.microsoft.com/office/drawing/2010/main" xmlns="">
                   <a:solidFill>
                     <a:srgbClr val="FFFFFF"/>
                   </a:solidFill>
@@ -4282,7 +4282,7 @@
           </a:ln>
           <a:extLst>
             <a:ext uri="{91240B29-F687-4F45-9708-019B960494DF}">
-              <a14:hiddenLine xmlns="" xmlns:a14="http://schemas.microsoft.com/office/drawing/2010/main" w="9525">
+              <a14:hiddenLine xmlns:a14="http://schemas.microsoft.com/office/drawing/2010/main" xmlns="" w="9525">
                 <a:solidFill>
                   <a:srgbClr val="000000"/>
                 </a:solidFill>
@@ -4622,7 +4622,7 @@
               </a:ln>
               <a:extLst>
                 <a:ext uri="{91240B29-F687-4F45-9708-019B960494DF}">
-                  <a14:hiddenLine xmlns="" xmlns:a14="http://schemas.microsoft.com/office/drawing/2010/main" w="9525">
+                  <a14:hiddenLine xmlns:a14="http://schemas.microsoft.com/office/drawing/2010/main" xmlns="" w="9525">
                     <a:solidFill>
                       <a:srgbClr val="000000"/>
                     </a:solidFill>
@@ -4795,7 +4795,7 @@
               </a:ln>
               <a:extLst>
                 <a:ext uri="{91240B29-F687-4F45-9708-019B960494DF}">
-                  <a14:hiddenLine xmlns="" xmlns:a14="http://schemas.microsoft.com/office/drawing/2010/main" w="9525">
+                  <a14:hiddenLine xmlns:a14="http://schemas.microsoft.com/office/drawing/2010/main" xmlns="" w="9525">
                     <a:solidFill>
                       <a:srgbClr val="000000"/>
                     </a:solidFill>
@@ -4958,7 +4958,7 @@
               </a:ln>
               <a:extLst>
                 <a:ext uri="{91240B29-F687-4F45-9708-019B960494DF}">
-                  <a14:hiddenLine xmlns="" xmlns:a14="http://schemas.microsoft.com/office/drawing/2010/main" w="9525">
+                  <a14:hiddenLine xmlns:a14="http://schemas.microsoft.com/office/drawing/2010/main" xmlns="" w="9525">
                     <a:solidFill>
                       <a:srgbClr val="000000"/>
                     </a:solidFill>
@@ -5160,7 +5160,7 @@
               </a:ln>
               <a:extLst>
                 <a:ext uri="{91240B29-F687-4F45-9708-019B960494DF}">
-                  <a14:hiddenLine xmlns="" xmlns:a14="http://schemas.microsoft.com/office/drawing/2010/main" w="9525">
+                  <a14:hiddenLine xmlns:a14="http://schemas.microsoft.com/office/drawing/2010/main" xmlns="" w="9525">
                     <a:solidFill>
                       <a:srgbClr val="000000"/>
                     </a:solidFill>
@@ -5700,7 +5700,7 @@
               </a:ln>
               <a:extLst>
                 <a:ext uri="{91240B29-F687-4F45-9708-019B960494DF}">
-                  <a14:hiddenLine xmlns="" xmlns:a14="http://schemas.microsoft.com/office/drawing/2010/main" w="9525">
+                  <a14:hiddenLine xmlns:a14="http://schemas.microsoft.com/office/drawing/2010/main" xmlns="" w="9525">
                     <a:solidFill>
                       <a:srgbClr val="000000"/>
                     </a:solidFill>
@@ -6204,7 +6204,7 @@
               </a:ln>
               <a:extLst>
                 <a:ext uri="{91240B29-F687-4F45-9708-019B960494DF}">
-                  <a14:hiddenLine xmlns="" xmlns:a14="http://schemas.microsoft.com/office/drawing/2010/main" w="9525">
+                  <a14:hiddenLine xmlns:a14="http://schemas.microsoft.com/office/drawing/2010/main" xmlns="" w="9525">
                     <a:solidFill>
                       <a:srgbClr val="000000"/>
                     </a:solidFill>
@@ -6742,7 +6742,7 @@
     </p:spTree>
     <p:extLst>
       <p:ext uri="{BB962C8B-B14F-4D97-AF65-F5344CB8AC3E}">
-        <p14:creationId xmlns="" xmlns:p14="http://schemas.microsoft.com/office/powerpoint/2010/main" val="1955931793"/>
+        <p14:creationId xmlns:p14="http://schemas.microsoft.com/office/powerpoint/2010/main" xmlns="" val="1955931793"/>
       </p:ext>
     </p:extLst>
   </p:cSld>
@@ -6999,7 +6999,7 @@
           <a:blip r:embed="rId2">
             <a:extLst>
               <a:ext uri="{28A0092B-C50C-407E-A947-70E740481C1C}">
-                <a14:useLocalDpi xmlns="" xmlns:a14="http://schemas.microsoft.com/office/drawing/2010/main" val="0"/>
+                <a14:useLocalDpi xmlns:a14="http://schemas.microsoft.com/office/drawing/2010/main" xmlns="" val="0"/>
               </a:ext>
             </a:extLst>
           </a:blip>
@@ -7211,7 +7211,7 @@
     </p:spTree>
     <p:extLst>
       <p:ext uri="{BB962C8B-B14F-4D97-AF65-F5344CB8AC3E}">
-        <p14:creationId xmlns="" xmlns:p14="http://schemas.microsoft.com/office/powerpoint/2010/main" val="2366049688"/>
+        <p14:creationId xmlns:p14="http://schemas.microsoft.com/office/powerpoint/2010/main" xmlns="" val="2366049688"/>
       </p:ext>
     </p:extLst>
   </p:cSld>
@@ -7219,7 +7219,7 @@
     <a:masterClrMapping/>
   </p:clrMapOvr>
   <mc:AlternateContent xmlns:mc="http://schemas.openxmlformats.org/markup-compatibility/2006">
-    <mc:Choice xmlns="" xmlns:p14="http://schemas.microsoft.com/office/powerpoint/2010/main" Requires="p14">
+    <mc:Choice xmlns:p14="http://schemas.microsoft.com/office/powerpoint/2010/main" xmlns="" Requires="p14">
       <p:transition spd="med">
         <p14:flip dir="r"/>
       </p:transition>
@@ -7508,14 +7508,14 @@
             </a:ln>
             <a:extLst>
               <a:ext uri="{909E8E84-426E-40DD-AFC4-6F175D3DCCD1}">
-                <a14:hiddenFill xmlns="" xmlns:a14="http://schemas.microsoft.com/office/drawing/2010/main">
+                <a14:hiddenFill xmlns:a14="http://schemas.microsoft.com/office/drawing/2010/main" xmlns="">
                   <a:solidFill>
                     <a:srgbClr val="FFFFFF"/>
                   </a:solidFill>
                 </a14:hiddenFill>
               </a:ext>
               <a:ext uri="{91240B29-F687-4F45-9708-019B960494DF}">
-                <a14:hiddenLine xmlns="" xmlns:a14="http://schemas.microsoft.com/office/drawing/2010/main" w="9525">
+                <a14:hiddenLine xmlns:a14="http://schemas.microsoft.com/office/drawing/2010/main" xmlns="" w="9525">
                   <a:solidFill>
                     <a:srgbClr val="000000"/>
                   </a:solidFill>
@@ -7680,7 +7680,7 @@
             </a:ln>
             <a:extLst>
               <a:ext uri="{91240B29-F687-4F45-9708-019B960494DF}">
-                <a14:hiddenLine xmlns="" xmlns:a14="http://schemas.microsoft.com/office/drawing/2010/main" w="9525">
+                <a14:hiddenLine xmlns:a14="http://schemas.microsoft.com/office/drawing/2010/main" xmlns="" w="9525">
                   <a:solidFill>
                     <a:srgbClr val="000000"/>
                   </a:solidFill>
@@ -7845,7 +7845,7 @@
             </a:ln>
             <a:extLst>
               <a:ext uri="{91240B29-F687-4F45-9708-019B960494DF}">
-                <a14:hiddenLine xmlns="" xmlns:a14="http://schemas.microsoft.com/office/drawing/2010/main" w="9525">
+                <a14:hiddenLine xmlns:a14="http://schemas.microsoft.com/office/drawing/2010/main" xmlns="" w="9525">
                   <a:solidFill>
                     <a:srgbClr val="000000"/>
                   </a:solidFill>
@@ -9132,7 +9132,7 @@
     </p:spTree>
     <p:extLst>
       <p:ext uri="{BB962C8B-B14F-4D97-AF65-F5344CB8AC3E}">
-        <p14:creationId xmlns="" xmlns:p14="http://schemas.microsoft.com/office/powerpoint/2010/main" val="3513966317"/>
+        <p14:creationId xmlns:p14="http://schemas.microsoft.com/office/powerpoint/2010/main" xmlns="" val="3513966317"/>
       </p:ext>
     </p:extLst>
   </p:cSld>
@@ -9140,7 +9140,7 @@
     <a:masterClrMapping/>
   </p:clrMapOvr>
   <mc:AlternateContent xmlns:mc="http://schemas.openxmlformats.org/markup-compatibility/2006">
-    <mc:Choice xmlns="" xmlns:p14="http://schemas.microsoft.com/office/powerpoint/2010/main" Requires="p14">
+    <mc:Choice xmlns:p14="http://schemas.microsoft.com/office/powerpoint/2010/main" xmlns="" Requires="p14">
       <p:transition spd="med">
         <p14:prism/>
       </p:transition>
@@ -9285,7 +9285,7 @@
           <a:blip r:embed="rId2" cstate="email">
             <a:extLst>
               <a:ext uri="{28A0092B-C50C-407E-A947-70E740481C1C}">
-                <a14:useLocalDpi xmlns="" xmlns:a14="http://schemas.microsoft.com/office/drawing/2010/main"/>
+                <a14:useLocalDpi xmlns:a14="http://schemas.microsoft.com/office/drawing/2010/main" xmlns=""/>
               </a:ext>
             </a:extLst>
           </a:blip>
@@ -9308,7 +9308,7 @@
     </p:spTree>
     <p:extLst>
       <p:ext uri="{BB962C8B-B14F-4D97-AF65-F5344CB8AC3E}">
-        <p14:creationId xmlns="" xmlns:p14="http://schemas.microsoft.com/office/powerpoint/2010/main" val="3873080681"/>
+        <p14:creationId xmlns:p14="http://schemas.microsoft.com/office/powerpoint/2010/main" xmlns="" val="3873080681"/>
       </p:ext>
     </p:extLst>
   </p:cSld>
@@ -9433,7 +9433,7 @@
     </p:spTree>
     <p:extLst>
       <p:ext uri="{BB962C8B-B14F-4D97-AF65-F5344CB8AC3E}">
-        <p14:creationId xmlns="" xmlns:p14="http://schemas.microsoft.com/office/powerpoint/2010/main" val="3452816623"/>
+        <p14:creationId xmlns:p14="http://schemas.microsoft.com/office/powerpoint/2010/main" xmlns="" val="3452816623"/>
       </p:ext>
     </p:extLst>
   </p:cSld>
@@ -9491,7 +9491,7 @@
             </a:duotone>
             <a:extLst>
               <a:ext uri="{BEBA8EAE-BF5A-486C-A8C5-ECC9F3942E4B}">
-                <a14:imgProps xmlns="" xmlns:a14="http://schemas.microsoft.com/office/drawing/2010/main">
+                <a14:imgProps xmlns:a14="http://schemas.microsoft.com/office/drawing/2010/main" xmlns="">
                   <a14:imgLayer r:embed="rId9">
                     <a14:imgEffect>
                       <a14:saturation sat="0"/>
@@ -9500,7 +9500,7 @@
                 </a14:imgProps>
               </a:ext>
               <a:ext uri="{28A0092B-C50C-407E-A947-70E740481C1C}">
-                <a14:useLocalDpi xmlns="" xmlns:a14="http://schemas.microsoft.com/office/drawing/2010/main" val="0"/>
+                <a14:useLocalDpi xmlns:a14="http://schemas.microsoft.com/office/drawing/2010/main" xmlns="" val="0"/>
               </a:ext>
             </a:extLst>
           </a:blip>
@@ -9521,7 +9521,7 @@
     </p:spTree>
     <p:extLst>
       <p:ext uri="{BB962C8B-B14F-4D97-AF65-F5344CB8AC3E}">
-        <p14:creationId xmlns="" xmlns:p14="http://schemas.microsoft.com/office/powerpoint/2010/main" val="3587497191"/>
+        <p14:creationId xmlns:p14="http://schemas.microsoft.com/office/powerpoint/2010/main" xmlns="" val="3587497191"/>
       </p:ext>
     </p:extLst>
   </p:cSld>
@@ -10083,7 +10083,7 @@
           </a:ln>
           <a:extLst>
             <a:ext uri="{91240B29-F687-4F45-9708-019B960494DF}">
-              <a14:hiddenLine xmlns="" xmlns:a14="http://schemas.microsoft.com/office/drawing/2010/main" w="9525">
+              <a14:hiddenLine xmlns:a14="http://schemas.microsoft.com/office/drawing/2010/main" xmlns="" w="9525">
                 <a:solidFill>
                   <a:srgbClr val="000000"/>
                 </a:solidFill>
@@ -10186,14 +10186,14 @@
           </a:ln>
           <a:extLst>
             <a:ext uri="{909E8E84-426E-40DD-AFC4-6F175D3DCCD1}">
-              <a14:hiddenFill xmlns="" xmlns:a14="http://schemas.microsoft.com/office/drawing/2010/main">
+              <a14:hiddenFill xmlns:a14="http://schemas.microsoft.com/office/drawing/2010/main" xmlns="">
                 <a:solidFill>
                   <a:srgbClr val="FFFFFF"/>
                 </a:solidFill>
               </a14:hiddenFill>
             </a:ext>
             <a:ext uri="{91240B29-F687-4F45-9708-019B960494DF}">
-              <a14:hiddenLine xmlns="" xmlns:a14="http://schemas.microsoft.com/office/drawing/2010/main" w="9525">
+              <a14:hiddenLine xmlns:a14="http://schemas.microsoft.com/office/drawing/2010/main" xmlns="" w="9525">
                 <a:solidFill>
                   <a:srgbClr val="000000"/>
                 </a:solidFill>
@@ -10299,7 +10299,7 @@
           </a:ln>
           <a:extLst>
             <a:ext uri="{91240B29-F687-4F45-9708-019B960494DF}">
-              <a14:hiddenLine xmlns="" xmlns:a14="http://schemas.microsoft.com/office/drawing/2010/main" w="9525">
+              <a14:hiddenLine xmlns:a14="http://schemas.microsoft.com/office/drawing/2010/main" xmlns="" w="9525">
                 <a:solidFill>
                   <a:srgbClr val="000000"/>
                 </a:solidFill>
@@ -10402,14 +10402,14 @@
           </a:ln>
           <a:extLst>
             <a:ext uri="{909E8E84-426E-40DD-AFC4-6F175D3DCCD1}">
-              <a14:hiddenFill xmlns="" xmlns:a14="http://schemas.microsoft.com/office/drawing/2010/main">
+              <a14:hiddenFill xmlns:a14="http://schemas.microsoft.com/office/drawing/2010/main" xmlns="">
                 <a:solidFill>
                   <a:srgbClr val="FFFFFF"/>
                 </a:solidFill>
               </a14:hiddenFill>
             </a:ext>
             <a:ext uri="{91240B29-F687-4F45-9708-019B960494DF}">
-              <a14:hiddenLine xmlns="" xmlns:a14="http://schemas.microsoft.com/office/drawing/2010/main" w="9525">
+              <a14:hiddenLine xmlns:a14="http://schemas.microsoft.com/office/drawing/2010/main" xmlns="" w="9525">
                 <a:solidFill>
                   <a:srgbClr val="000000"/>
                 </a:solidFill>
@@ -10515,7 +10515,7 @@
           </a:ln>
           <a:extLst>
             <a:ext uri="{91240B29-F687-4F45-9708-019B960494DF}">
-              <a14:hiddenLine xmlns="" xmlns:a14="http://schemas.microsoft.com/office/drawing/2010/main" w="9525">
+              <a14:hiddenLine xmlns:a14="http://schemas.microsoft.com/office/drawing/2010/main" xmlns="" w="9525">
                 <a:solidFill>
                   <a:srgbClr val="000000"/>
                 </a:solidFill>
@@ -10618,14 +10618,14 @@
           </a:ln>
           <a:extLst>
             <a:ext uri="{909E8E84-426E-40DD-AFC4-6F175D3DCCD1}">
-              <a14:hiddenFill xmlns="" xmlns:a14="http://schemas.microsoft.com/office/drawing/2010/main">
+              <a14:hiddenFill xmlns:a14="http://schemas.microsoft.com/office/drawing/2010/main" xmlns="">
                 <a:solidFill>
                   <a:srgbClr val="FFFFFF"/>
                 </a:solidFill>
               </a14:hiddenFill>
             </a:ext>
             <a:ext uri="{91240B29-F687-4F45-9708-019B960494DF}">
-              <a14:hiddenLine xmlns="" xmlns:a14="http://schemas.microsoft.com/office/drawing/2010/main" w="9525">
+              <a14:hiddenLine xmlns:a14="http://schemas.microsoft.com/office/drawing/2010/main" xmlns="" w="9525">
                 <a:solidFill>
                   <a:srgbClr val="000000"/>
                 </a:solidFill>
@@ -10731,7 +10731,7 @@
           </a:ln>
           <a:extLst>
             <a:ext uri="{91240B29-F687-4F45-9708-019B960494DF}">
-              <a14:hiddenLine xmlns="" xmlns:a14="http://schemas.microsoft.com/office/drawing/2010/main" w="9525">
+              <a14:hiddenLine xmlns:a14="http://schemas.microsoft.com/office/drawing/2010/main" xmlns="" w="9525">
                 <a:solidFill>
                   <a:srgbClr val="000000"/>
                 </a:solidFill>
@@ -10834,14 +10834,14 @@
           </a:ln>
           <a:extLst>
             <a:ext uri="{909E8E84-426E-40DD-AFC4-6F175D3DCCD1}">
-              <a14:hiddenFill xmlns="" xmlns:a14="http://schemas.microsoft.com/office/drawing/2010/main">
+              <a14:hiddenFill xmlns:a14="http://schemas.microsoft.com/office/drawing/2010/main" xmlns="">
                 <a:solidFill>
                   <a:srgbClr val="FFFFFF"/>
                 </a:solidFill>
               </a14:hiddenFill>
             </a:ext>
             <a:ext uri="{91240B29-F687-4F45-9708-019B960494DF}">
-              <a14:hiddenLine xmlns="" xmlns:a14="http://schemas.microsoft.com/office/drawing/2010/main" w="9525">
+              <a14:hiddenLine xmlns:a14="http://schemas.microsoft.com/office/drawing/2010/main" xmlns="" w="9525">
                 <a:solidFill>
                   <a:srgbClr val="000000"/>
                 </a:solidFill>
@@ -10888,7 +10888,7 @@
           </a:ln>
           <a:extLst>
             <a:ext uri="{91240B29-F687-4F45-9708-019B960494DF}">
-              <a14:hiddenLine xmlns="" xmlns:a14="http://schemas.microsoft.com/office/drawing/2010/main" w="9525">
+              <a14:hiddenLine xmlns:a14="http://schemas.microsoft.com/office/drawing/2010/main" xmlns="" w="9525">
                 <a:solidFill>
                   <a:srgbClr val="000000"/>
                 </a:solidFill>
@@ -11023,7 +11023,7 @@
           </a:ln>
           <a:extLst>
             <a:ext uri="{91240B29-F687-4F45-9708-019B960494DF}">
-              <a14:hiddenLine xmlns="" xmlns:a14="http://schemas.microsoft.com/office/drawing/2010/main" w="9525">
+              <a14:hiddenLine xmlns:a14="http://schemas.microsoft.com/office/drawing/2010/main" xmlns="" w="9525">
                 <a:solidFill>
                   <a:srgbClr val="000000"/>
                 </a:solidFill>
@@ -11137,7 +11137,7 @@
           </a:ln>
           <a:extLst>
             <a:ext uri="{91240B29-F687-4F45-9708-019B960494DF}">
-              <a14:hiddenLine xmlns="" xmlns:a14="http://schemas.microsoft.com/office/drawing/2010/main" w="9525">
+              <a14:hiddenLine xmlns:a14="http://schemas.microsoft.com/office/drawing/2010/main" xmlns="" w="9525">
                 <a:solidFill>
                   <a:srgbClr val="000000"/>
                 </a:solidFill>
@@ -11251,7 +11251,7 @@
           </a:ln>
           <a:extLst>
             <a:ext uri="{91240B29-F687-4F45-9708-019B960494DF}">
-              <a14:hiddenLine xmlns="" xmlns:a14="http://schemas.microsoft.com/office/drawing/2010/main" w="9525">
+              <a14:hiddenLine xmlns:a14="http://schemas.microsoft.com/office/drawing/2010/main" xmlns="" w="9525">
                 <a:solidFill>
                   <a:srgbClr val="000000"/>
                 </a:solidFill>
@@ -11365,7 +11365,7 @@
           </a:ln>
           <a:extLst>
             <a:ext uri="{91240B29-F687-4F45-9708-019B960494DF}">
-              <a14:hiddenLine xmlns="" xmlns:a14="http://schemas.microsoft.com/office/drawing/2010/main" w="9525">
+              <a14:hiddenLine xmlns:a14="http://schemas.microsoft.com/office/drawing/2010/main" xmlns="" w="9525">
                 <a:solidFill>
                   <a:srgbClr val="000000"/>
                 </a:solidFill>
@@ -11505,7 +11505,7 @@
             </a:ln>
             <a:extLst>
               <a:ext uri="{91240B29-F687-4F45-9708-019B960494DF}">
-                <a14:hiddenLine xmlns="" xmlns:a14="http://schemas.microsoft.com/office/drawing/2010/main" w="9525">
+                <a14:hiddenLine xmlns:a14="http://schemas.microsoft.com/office/drawing/2010/main" xmlns="" w="9525">
                   <a:solidFill>
                     <a:srgbClr val="000000"/>
                   </a:solidFill>
@@ -11631,7 +11631,7 @@
             </a:ln>
             <a:extLst>
               <a:ext uri="{91240B29-F687-4F45-9708-019B960494DF}">
-                <a14:hiddenLine xmlns="" xmlns:a14="http://schemas.microsoft.com/office/drawing/2010/main" w="9525">
+                <a14:hiddenLine xmlns:a14="http://schemas.microsoft.com/office/drawing/2010/main" xmlns="" w="9525">
                   <a:solidFill>
                     <a:srgbClr val="000000"/>
                   </a:solidFill>
@@ -11757,7 +11757,7 @@
             </a:ln>
             <a:extLst>
               <a:ext uri="{91240B29-F687-4F45-9708-019B960494DF}">
-                <a14:hiddenLine xmlns="" xmlns:a14="http://schemas.microsoft.com/office/drawing/2010/main" w="9525">
+                <a14:hiddenLine xmlns:a14="http://schemas.microsoft.com/office/drawing/2010/main" xmlns="" w="9525">
                   <a:solidFill>
                     <a:srgbClr val="000000"/>
                   </a:solidFill>
@@ -11883,7 +11883,7 @@
             </a:ln>
             <a:extLst>
               <a:ext uri="{91240B29-F687-4F45-9708-019B960494DF}">
-                <a14:hiddenLine xmlns="" xmlns:a14="http://schemas.microsoft.com/office/drawing/2010/main" w="9525">
+                <a14:hiddenLine xmlns:a14="http://schemas.microsoft.com/office/drawing/2010/main" xmlns="" w="9525">
                   <a:solidFill>
                     <a:srgbClr val="000000"/>
                   </a:solidFill>
@@ -12009,7 +12009,7 @@
             </a:ln>
             <a:extLst>
               <a:ext uri="{91240B29-F687-4F45-9708-019B960494DF}">
-                <a14:hiddenLine xmlns="" xmlns:a14="http://schemas.microsoft.com/office/drawing/2010/main" w="9525">
+                <a14:hiddenLine xmlns:a14="http://schemas.microsoft.com/office/drawing/2010/main" xmlns="" w="9525">
                   <a:solidFill>
                     <a:srgbClr val="000000"/>
                   </a:solidFill>
@@ -12150,7 +12150,7 @@
             </a:ln>
             <a:extLst>
               <a:ext uri="{91240B29-F687-4F45-9708-019B960494DF}">
-                <a14:hiddenLine xmlns="" xmlns:a14="http://schemas.microsoft.com/office/drawing/2010/main" w="9525">
+                <a14:hiddenLine xmlns:a14="http://schemas.microsoft.com/office/drawing/2010/main" xmlns="" w="9525">
                   <a:solidFill>
                     <a:srgbClr val="000000"/>
                   </a:solidFill>
@@ -12276,7 +12276,7 @@
             </a:ln>
             <a:extLst>
               <a:ext uri="{91240B29-F687-4F45-9708-019B960494DF}">
-                <a14:hiddenLine xmlns="" xmlns:a14="http://schemas.microsoft.com/office/drawing/2010/main" w="9525">
+                <a14:hiddenLine xmlns:a14="http://schemas.microsoft.com/office/drawing/2010/main" xmlns="" w="9525">
                   <a:solidFill>
                     <a:srgbClr val="000000"/>
                   </a:solidFill>
@@ -12402,7 +12402,7 @@
             </a:ln>
             <a:extLst>
               <a:ext uri="{91240B29-F687-4F45-9708-019B960494DF}">
-                <a14:hiddenLine xmlns="" xmlns:a14="http://schemas.microsoft.com/office/drawing/2010/main" w="9525">
+                <a14:hiddenLine xmlns:a14="http://schemas.microsoft.com/office/drawing/2010/main" xmlns="" w="9525">
                   <a:solidFill>
                     <a:srgbClr val="000000"/>
                   </a:solidFill>
@@ -12528,7 +12528,7 @@
             </a:ln>
             <a:extLst>
               <a:ext uri="{91240B29-F687-4F45-9708-019B960494DF}">
-                <a14:hiddenLine xmlns="" xmlns:a14="http://schemas.microsoft.com/office/drawing/2010/main" w="9525">
+                <a14:hiddenLine xmlns:a14="http://schemas.microsoft.com/office/drawing/2010/main" xmlns="" w="9525">
                   <a:solidFill>
                     <a:srgbClr val="000000"/>
                   </a:solidFill>
@@ -12654,7 +12654,7 @@
             </a:ln>
             <a:extLst>
               <a:ext uri="{91240B29-F687-4F45-9708-019B960494DF}">
-                <a14:hiddenLine xmlns="" xmlns:a14="http://schemas.microsoft.com/office/drawing/2010/main" w="9525">
+                <a14:hiddenLine xmlns:a14="http://schemas.microsoft.com/office/drawing/2010/main" xmlns="" w="9525">
                   <a:solidFill>
                     <a:srgbClr val="000000"/>
                   </a:solidFill>
@@ -12768,7 +12768,7 @@
             </a:ln>
             <a:extLst>
               <a:ext uri="{91240B29-F687-4F45-9708-019B960494DF}">
-                <a14:hiddenLine xmlns="" xmlns:a14="http://schemas.microsoft.com/office/drawing/2010/main" w="9525">
+                <a14:hiddenLine xmlns:a14="http://schemas.microsoft.com/office/drawing/2010/main" xmlns="" w="9525">
                   <a:solidFill>
                     <a:srgbClr val="000000"/>
                   </a:solidFill>
@@ -12894,7 +12894,7 @@
             </a:ln>
             <a:extLst>
               <a:ext uri="{91240B29-F687-4F45-9708-019B960494DF}">
-                <a14:hiddenLine xmlns="" xmlns:a14="http://schemas.microsoft.com/office/drawing/2010/main" w="9525">
+                <a14:hiddenLine xmlns:a14="http://schemas.microsoft.com/office/drawing/2010/main" xmlns="" w="9525">
                   <a:solidFill>
                     <a:srgbClr val="000000"/>
                   </a:solidFill>
@@ -12956,7 +12956,7 @@
             </a:ln>
             <a:extLst>
               <a:ext uri="{91240B29-F687-4F45-9708-019B960494DF}">
-                <a14:hiddenLine xmlns="" xmlns:a14="http://schemas.microsoft.com/office/drawing/2010/main" w="9525">
+                <a14:hiddenLine xmlns:a14="http://schemas.microsoft.com/office/drawing/2010/main" xmlns="" w="9525">
                   <a:solidFill>
                     <a:srgbClr val="000000"/>
                   </a:solidFill>
@@ -13102,7 +13102,7 @@
             </a:ln>
             <a:extLst>
               <a:ext uri="{91240B29-F687-4F45-9708-019B960494DF}">
-                <a14:hiddenLine xmlns="" xmlns:a14="http://schemas.microsoft.com/office/drawing/2010/main" w="9525">
+                <a14:hiddenLine xmlns:a14="http://schemas.microsoft.com/office/drawing/2010/main" xmlns="" w="9525">
                   <a:solidFill>
                     <a:srgbClr val="000000"/>
                   </a:solidFill>
@@ -13149,7 +13149,7 @@
             </a:ln>
             <a:extLst>
               <a:ext uri="{91240B29-F687-4F45-9708-019B960494DF}">
-                <a14:hiddenLine xmlns="" xmlns:a14="http://schemas.microsoft.com/office/drawing/2010/main" w="9525">
+                <a14:hiddenLine xmlns:a14="http://schemas.microsoft.com/office/drawing/2010/main" xmlns="" w="9525">
                   <a:solidFill>
                     <a:srgbClr val="000000"/>
                   </a:solidFill>
@@ -13295,7 +13295,7 @@
             </a:ln>
             <a:extLst>
               <a:ext uri="{91240B29-F687-4F45-9708-019B960494DF}">
-                <a14:hiddenLine xmlns="" xmlns:a14="http://schemas.microsoft.com/office/drawing/2010/main" w="9525">
+                <a14:hiddenLine xmlns:a14="http://schemas.microsoft.com/office/drawing/2010/main" xmlns="" w="9525">
                   <a:solidFill>
                     <a:srgbClr val="000000"/>
                   </a:solidFill>
@@ -13342,7 +13342,7 @@
             </a:ln>
             <a:extLst>
               <a:ext uri="{91240B29-F687-4F45-9708-019B960494DF}">
-                <a14:hiddenLine xmlns="" xmlns:a14="http://schemas.microsoft.com/office/drawing/2010/main" w="9525">
+                <a14:hiddenLine xmlns:a14="http://schemas.microsoft.com/office/drawing/2010/main" xmlns="" w="9525">
                   <a:solidFill>
                     <a:srgbClr val="000000"/>
                   </a:solidFill>
@@ -13488,7 +13488,7 @@
             </a:ln>
             <a:extLst>
               <a:ext uri="{91240B29-F687-4F45-9708-019B960494DF}">
-                <a14:hiddenLine xmlns="" xmlns:a14="http://schemas.microsoft.com/office/drawing/2010/main" w="9525">
+                <a14:hiddenLine xmlns:a14="http://schemas.microsoft.com/office/drawing/2010/main" xmlns="" w="9525">
                   <a:solidFill>
                     <a:srgbClr val="000000"/>
                   </a:solidFill>
@@ -13535,7 +13535,7 @@
             </a:ln>
             <a:extLst>
               <a:ext uri="{91240B29-F687-4F45-9708-019B960494DF}">
-                <a14:hiddenLine xmlns="" xmlns:a14="http://schemas.microsoft.com/office/drawing/2010/main" w="9525">
+                <a14:hiddenLine xmlns:a14="http://schemas.microsoft.com/office/drawing/2010/main" xmlns="" w="9525">
                   <a:solidFill>
                     <a:srgbClr val="000000"/>
                   </a:solidFill>
@@ -13681,7 +13681,7 @@
             </a:ln>
             <a:extLst>
               <a:ext uri="{91240B29-F687-4F45-9708-019B960494DF}">
-                <a14:hiddenLine xmlns="" xmlns:a14="http://schemas.microsoft.com/office/drawing/2010/main" w="9525">
+                <a14:hiddenLine xmlns:a14="http://schemas.microsoft.com/office/drawing/2010/main" xmlns="" w="9525">
                   <a:solidFill>
                     <a:srgbClr val="000000"/>
                   </a:solidFill>
@@ -13728,7 +13728,7 @@
             </a:ln>
             <a:extLst>
               <a:ext uri="{91240B29-F687-4F45-9708-019B960494DF}">
-                <a14:hiddenLine xmlns="" xmlns:a14="http://schemas.microsoft.com/office/drawing/2010/main" w="9525">
+                <a14:hiddenLine xmlns:a14="http://schemas.microsoft.com/office/drawing/2010/main" xmlns="" w="9525">
                   <a:solidFill>
                     <a:srgbClr val="000000"/>
                   </a:solidFill>
@@ -13874,7 +13874,7 @@
             </a:ln>
             <a:extLst>
               <a:ext uri="{91240B29-F687-4F45-9708-019B960494DF}">
-                <a14:hiddenLine xmlns="" xmlns:a14="http://schemas.microsoft.com/office/drawing/2010/main" w="9525">
+                <a14:hiddenLine xmlns:a14="http://schemas.microsoft.com/office/drawing/2010/main" xmlns="" w="9525">
                   <a:solidFill>
                     <a:srgbClr val="000000"/>
                   </a:solidFill>
@@ -14044,7 +14044,7 @@
             </a:ln>
             <a:extLst>
               <a:ext uri="{91240B29-F687-4F45-9708-019B960494DF}">
-                <a14:hiddenLine xmlns="" xmlns:a14="http://schemas.microsoft.com/office/drawing/2010/main" w="9525">
+                <a14:hiddenLine xmlns:a14="http://schemas.microsoft.com/office/drawing/2010/main" xmlns="" w="9525">
                   <a:solidFill>
                     <a:srgbClr val="000000"/>
                   </a:solidFill>
@@ -14239,7 +14239,7 @@
             </a:ln>
             <a:extLst>
               <a:ext uri="{91240B29-F687-4F45-9708-019B960494DF}">
-                <a14:hiddenLine xmlns="" xmlns:a14="http://schemas.microsoft.com/office/drawing/2010/main" w="9525">
+                <a14:hiddenLine xmlns:a14="http://schemas.microsoft.com/office/drawing/2010/main" xmlns="" w="9525">
                   <a:solidFill>
                     <a:srgbClr val="000000"/>
                   </a:solidFill>
@@ -14474,7 +14474,7 @@
             </a:ln>
             <a:extLst>
               <a:ext uri="{91240B29-F687-4F45-9708-019B960494DF}">
-                <a14:hiddenLine xmlns="" xmlns:a14="http://schemas.microsoft.com/office/drawing/2010/main" w="9525">
+                <a14:hiddenLine xmlns:a14="http://schemas.microsoft.com/office/drawing/2010/main" xmlns="" w="9525">
                   <a:solidFill>
                     <a:srgbClr val="000000"/>
                   </a:solidFill>
@@ -14521,7 +14521,7 @@
             </a:ln>
             <a:extLst>
               <a:ext uri="{91240B29-F687-4F45-9708-019B960494DF}">
-                <a14:hiddenLine xmlns="" xmlns:a14="http://schemas.microsoft.com/office/drawing/2010/main" w="9525">
+                <a14:hiddenLine xmlns:a14="http://schemas.microsoft.com/office/drawing/2010/main" xmlns="" w="9525">
                   <a:solidFill>
                     <a:srgbClr val="000000"/>
                   </a:solidFill>
@@ -14568,7 +14568,7 @@
             </a:ln>
             <a:extLst>
               <a:ext uri="{91240B29-F687-4F45-9708-019B960494DF}">
-                <a14:hiddenLine xmlns="" xmlns:a14="http://schemas.microsoft.com/office/drawing/2010/main" w="9525">
+                <a14:hiddenLine xmlns:a14="http://schemas.microsoft.com/office/drawing/2010/main" xmlns="" w="9525">
                   <a:solidFill>
                     <a:srgbClr val="000000"/>
                   </a:solidFill>
@@ -14615,7 +14615,7 @@
             </a:ln>
             <a:extLst>
               <a:ext uri="{91240B29-F687-4F45-9708-019B960494DF}">
-                <a14:hiddenLine xmlns="" xmlns:a14="http://schemas.microsoft.com/office/drawing/2010/main" w="9525">
+                <a14:hiddenLine xmlns:a14="http://schemas.microsoft.com/office/drawing/2010/main" xmlns="" w="9525">
                   <a:solidFill>
                     <a:srgbClr val="000000"/>
                   </a:solidFill>
@@ -14662,7 +14662,7 @@
             </a:ln>
             <a:extLst>
               <a:ext uri="{91240B29-F687-4F45-9708-019B960494DF}">
-                <a14:hiddenLine xmlns="" xmlns:a14="http://schemas.microsoft.com/office/drawing/2010/main" w="9525">
+                <a14:hiddenLine xmlns:a14="http://schemas.microsoft.com/office/drawing/2010/main" xmlns="" w="9525">
                   <a:solidFill>
                     <a:srgbClr val="000000"/>
                   </a:solidFill>
@@ -14989,18 +14989,7 @@
                 <a:ea typeface="Arial Unicode MS" panose="020B0604020202020204" pitchFamily="34" charset="-122"/>
                 <a:cs typeface="Arial Unicode MS" panose="020B0604020202020204" pitchFamily="34" charset="-122"/>
               </a:rPr>
-              <a:t>管理</a:t>
-            </a:r>
-            <a:r>
-              <a:rPr lang="zh-CN" altLang="en-US" sz="2000" dirty="0" smtClean="0">
-                <a:solidFill>
-                  <a:schemeClr val="bg1"/>
-                </a:solidFill>
-                <a:latin typeface="Arial Unicode MS" panose="020B0604020202020204" pitchFamily="34" charset="-122"/>
-                <a:ea typeface="Arial Unicode MS" panose="020B0604020202020204" pitchFamily="34" charset="-122"/>
-                <a:cs typeface="Arial Unicode MS" panose="020B0604020202020204" pitchFamily="34" charset="-122"/>
-              </a:rPr>
-              <a:t>软件</a:t>
+              <a:t>管理软件</a:t>
             </a:r>
             <a:r>
               <a:rPr lang="en-US" altLang="zh-CN" sz="2000" dirty="0" smtClean="0">
@@ -15435,7 +15424,7 @@
     </p:spTree>
     <p:extLst>
       <p:ext uri="{BB962C8B-B14F-4D97-AF65-F5344CB8AC3E}">
-        <p14:creationId xmlns="" xmlns:p14="http://schemas.microsoft.com/office/powerpoint/2010/main" val="528797613"/>
+        <p14:creationId xmlns:p14="http://schemas.microsoft.com/office/powerpoint/2010/main" xmlns="" val="528797613"/>
       </p:ext>
     </p:extLst>
   </p:cSld>
@@ -15671,7 +15660,7 @@
           </a:ln>
           <a:extLst>
             <a:ext uri="{91240B29-F687-4F45-9708-019B960494DF}">
-              <a14:hiddenLine xmlns:a14="http://schemas.microsoft.com/office/drawing/2010/main" xmlns="" w="9525">
+              <a14:hiddenLine xmlns="" xmlns:a14="http://schemas.microsoft.com/office/drawing/2010/main" w="9525">
                 <a:solidFill>
                   <a:srgbClr val="000000"/>
                 </a:solidFill>
@@ -15897,7 +15886,7 @@
           </a:ln>
           <a:extLst>
             <a:ext uri="{91240B29-F687-4F45-9708-019B960494DF}">
-              <a14:hiddenLine xmlns:a14="http://schemas.microsoft.com/office/drawing/2010/main" xmlns="" w="9525">
+              <a14:hiddenLine xmlns="" xmlns:a14="http://schemas.microsoft.com/office/drawing/2010/main" w="9525">
                 <a:solidFill>
                   <a:srgbClr val="000000"/>
                 </a:solidFill>
@@ -16243,7 +16232,7 @@
           </a:ln>
           <a:extLst>
             <a:ext uri="{91240B29-F687-4F45-9708-019B960494DF}">
-              <a14:hiddenLine xmlns:a14="http://schemas.microsoft.com/office/drawing/2010/main" xmlns="" w="9525">
+              <a14:hiddenLine xmlns="" xmlns:a14="http://schemas.microsoft.com/office/drawing/2010/main" w="9525">
                 <a:solidFill>
                   <a:srgbClr val="000000"/>
                 </a:solidFill>
@@ -16389,7 +16378,7 @@
           </a:ln>
           <a:extLst>
             <a:ext uri="{91240B29-F687-4F45-9708-019B960494DF}">
-              <a14:hiddenLine xmlns:a14="http://schemas.microsoft.com/office/drawing/2010/main" xmlns="" w="9525">
+              <a14:hiddenLine xmlns="" xmlns:a14="http://schemas.microsoft.com/office/drawing/2010/main" w="9525">
                 <a:solidFill>
                   <a:srgbClr val="000000"/>
                 </a:solidFill>
@@ -16495,7 +16484,7 @@
           </a:ln>
           <a:extLst>
             <a:ext uri="{91240B29-F687-4F45-9708-019B960494DF}">
-              <a14:hiddenLine xmlns:a14="http://schemas.microsoft.com/office/drawing/2010/main" xmlns="" w="9525">
+              <a14:hiddenLine xmlns="" xmlns:a14="http://schemas.microsoft.com/office/drawing/2010/main" w="9525">
                 <a:solidFill>
                   <a:srgbClr val="000000"/>
                 </a:solidFill>
@@ -16601,7 +16590,7 @@
           </a:ln>
           <a:extLst>
             <a:ext uri="{91240B29-F687-4F45-9708-019B960494DF}">
-              <a14:hiddenLine xmlns:a14="http://schemas.microsoft.com/office/drawing/2010/main" xmlns="" w="9525">
+              <a14:hiddenLine xmlns="" xmlns:a14="http://schemas.microsoft.com/office/drawing/2010/main" w="9525">
                 <a:solidFill>
                   <a:srgbClr val="000000"/>
                 </a:solidFill>
@@ -16707,7 +16696,7 @@
           </a:ln>
           <a:extLst>
             <a:ext uri="{91240B29-F687-4F45-9708-019B960494DF}">
-              <a14:hiddenLine xmlns:a14="http://schemas.microsoft.com/office/drawing/2010/main" xmlns="" w="9525">
+              <a14:hiddenLine xmlns="" xmlns:a14="http://schemas.microsoft.com/office/drawing/2010/main" w="9525">
                 <a:solidFill>
                   <a:srgbClr val="000000"/>
                 </a:solidFill>
@@ -16837,7 +16826,7 @@
           </a:ln>
           <a:extLst>
             <a:ext uri="{91240B29-F687-4F45-9708-019B960494DF}">
-              <a14:hiddenLine xmlns:a14="http://schemas.microsoft.com/office/drawing/2010/main" xmlns="" w="9525">
+              <a14:hiddenLine xmlns="" xmlns:a14="http://schemas.microsoft.com/office/drawing/2010/main" w="9525">
                 <a:solidFill>
                   <a:srgbClr val="000000"/>
                 </a:solidFill>
@@ -16983,7 +16972,7 @@
           </a:ln>
           <a:extLst>
             <a:ext uri="{91240B29-F687-4F45-9708-019B960494DF}">
-              <a14:hiddenLine xmlns:a14="http://schemas.microsoft.com/office/drawing/2010/main" xmlns="" w="9525">
+              <a14:hiddenLine xmlns="" xmlns:a14="http://schemas.microsoft.com/office/drawing/2010/main" w="9525">
                 <a:solidFill>
                   <a:srgbClr val="000000"/>
                 </a:solidFill>
@@ -17209,7 +17198,7 @@
           </a:ln>
           <a:extLst>
             <a:ext uri="{91240B29-F687-4F45-9708-019B960494DF}">
-              <a14:hiddenLine xmlns:a14="http://schemas.microsoft.com/office/drawing/2010/main" xmlns="" w="9525">
+              <a14:hiddenLine xmlns="" xmlns:a14="http://schemas.microsoft.com/office/drawing/2010/main" w="9525">
                 <a:solidFill>
                   <a:srgbClr val="000000"/>
                 </a:solidFill>
@@ -17555,7 +17544,7 @@
           </a:ln>
           <a:extLst>
             <a:ext uri="{91240B29-F687-4F45-9708-019B960494DF}">
-              <a14:hiddenLine xmlns:a14="http://schemas.microsoft.com/office/drawing/2010/main" xmlns="" w="9525">
+              <a14:hiddenLine xmlns="" xmlns:a14="http://schemas.microsoft.com/office/drawing/2010/main" w="9525">
                 <a:solidFill>
                   <a:srgbClr val="000000"/>
                 </a:solidFill>
@@ -17701,7 +17690,7 @@
           </a:ln>
           <a:extLst>
             <a:ext uri="{91240B29-F687-4F45-9708-019B960494DF}">
-              <a14:hiddenLine xmlns:a14="http://schemas.microsoft.com/office/drawing/2010/main" xmlns="" w="9525">
+              <a14:hiddenLine xmlns="" xmlns:a14="http://schemas.microsoft.com/office/drawing/2010/main" w="9525">
                 <a:solidFill>
                   <a:srgbClr val="000000"/>
                 </a:solidFill>
@@ -17807,7 +17796,7 @@
           </a:ln>
           <a:extLst>
             <a:ext uri="{91240B29-F687-4F45-9708-019B960494DF}">
-              <a14:hiddenLine xmlns:a14="http://schemas.microsoft.com/office/drawing/2010/main" xmlns="" w="9525">
+              <a14:hiddenLine xmlns="" xmlns:a14="http://schemas.microsoft.com/office/drawing/2010/main" w="9525">
                 <a:solidFill>
                   <a:srgbClr val="000000"/>
                 </a:solidFill>
@@ -17913,7 +17902,7 @@
           </a:ln>
           <a:extLst>
             <a:ext uri="{91240B29-F687-4F45-9708-019B960494DF}">
-              <a14:hiddenLine xmlns:a14="http://schemas.microsoft.com/office/drawing/2010/main" xmlns="" w="9525">
+              <a14:hiddenLine xmlns="" xmlns:a14="http://schemas.microsoft.com/office/drawing/2010/main" w="9525">
                 <a:solidFill>
                   <a:srgbClr val="000000"/>
                 </a:solidFill>
@@ -18019,7 +18008,7 @@
           </a:ln>
           <a:extLst>
             <a:ext uri="{91240B29-F687-4F45-9708-019B960494DF}">
-              <a14:hiddenLine xmlns:a14="http://schemas.microsoft.com/office/drawing/2010/main" xmlns="" w="9525">
+              <a14:hiddenLine xmlns="" xmlns:a14="http://schemas.microsoft.com/office/drawing/2010/main" w="9525">
                 <a:solidFill>
                   <a:srgbClr val="000000"/>
                 </a:solidFill>
@@ -18225,7 +18214,7 @@
           </a:ln>
           <a:extLst>
             <a:ext uri="{91240B29-F687-4F45-9708-019B960494DF}">
-              <a14:hiddenLine xmlns:a14="http://schemas.microsoft.com/office/drawing/2010/main" xmlns="" w="9525">
+              <a14:hiddenLine xmlns="" xmlns:a14="http://schemas.microsoft.com/office/drawing/2010/main" w="9525">
                 <a:solidFill>
                   <a:srgbClr val="000000"/>
                 </a:solidFill>
@@ -18371,7 +18360,7 @@
           </a:ln>
           <a:extLst>
             <a:ext uri="{91240B29-F687-4F45-9708-019B960494DF}">
-              <a14:hiddenLine xmlns:a14="http://schemas.microsoft.com/office/drawing/2010/main" xmlns="" w="9525">
+              <a14:hiddenLine xmlns="" xmlns:a14="http://schemas.microsoft.com/office/drawing/2010/main" w="9525">
                 <a:solidFill>
                   <a:srgbClr val="000000"/>
                 </a:solidFill>
@@ -18597,7 +18586,7 @@
           </a:ln>
           <a:extLst>
             <a:ext uri="{91240B29-F687-4F45-9708-019B960494DF}">
-              <a14:hiddenLine xmlns:a14="http://schemas.microsoft.com/office/drawing/2010/main" xmlns="" w="9525">
+              <a14:hiddenLine xmlns="" xmlns:a14="http://schemas.microsoft.com/office/drawing/2010/main" w="9525">
                 <a:solidFill>
                   <a:srgbClr val="000000"/>
                 </a:solidFill>
@@ -18943,7 +18932,7 @@
           </a:ln>
           <a:extLst>
             <a:ext uri="{91240B29-F687-4F45-9708-019B960494DF}">
-              <a14:hiddenLine xmlns:a14="http://schemas.microsoft.com/office/drawing/2010/main" xmlns="" w="9525">
+              <a14:hiddenLine xmlns="" xmlns:a14="http://schemas.microsoft.com/office/drawing/2010/main" w="9525">
                 <a:solidFill>
                   <a:srgbClr val="000000"/>
                 </a:solidFill>
@@ -19089,7 +19078,7 @@
           </a:ln>
           <a:extLst>
             <a:ext uri="{91240B29-F687-4F45-9708-019B960494DF}">
-              <a14:hiddenLine xmlns:a14="http://schemas.microsoft.com/office/drawing/2010/main" xmlns="" w="9525">
+              <a14:hiddenLine xmlns="" xmlns:a14="http://schemas.microsoft.com/office/drawing/2010/main" w="9525">
                 <a:solidFill>
                   <a:srgbClr val="000000"/>
                 </a:solidFill>
@@ -19195,7 +19184,7 @@
           </a:ln>
           <a:extLst>
             <a:ext uri="{91240B29-F687-4F45-9708-019B960494DF}">
-              <a14:hiddenLine xmlns:a14="http://schemas.microsoft.com/office/drawing/2010/main" xmlns="" w="9525">
+              <a14:hiddenLine xmlns="" xmlns:a14="http://schemas.microsoft.com/office/drawing/2010/main" w="9525">
                 <a:solidFill>
                   <a:srgbClr val="000000"/>
                 </a:solidFill>
@@ -19301,7 +19290,7 @@
           </a:ln>
           <a:extLst>
             <a:ext uri="{91240B29-F687-4F45-9708-019B960494DF}">
-              <a14:hiddenLine xmlns:a14="http://schemas.microsoft.com/office/drawing/2010/main" xmlns="" w="9525">
+              <a14:hiddenLine xmlns="" xmlns:a14="http://schemas.microsoft.com/office/drawing/2010/main" w="9525">
                 <a:solidFill>
                   <a:srgbClr val="000000"/>
                 </a:solidFill>
@@ -19407,7 +19396,7 @@
           </a:ln>
           <a:extLst>
             <a:ext uri="{91240B29-F687-4F45-9708-019B960494DF}">
-              <a14:hiddenLine xmlns:a14="http://schemas.microsoft.com/office/drawing/2010/main" xmlns="" w="9525">
+              <a14:hiddenLine xmlns="" xmlns:a14="http://schemas.microsoft.com/office/drawing/2010/main" w="9525">
                 <a:solidFill>
                   <a:srgbClr val="000000"/>
                 </a:solidFill>
@@ -19663,7 +19652,7 @@
           </a:ln>
           <a:extLst>
             <a:ext uri="{91240B29-F687-4F45-9708-019B960494DF}">
-              <a14:hiddenLine xmlns:a14="http://schemas.microsoft.com/office/drawing/2010/main" xmlns="" w="9525">
+              <a14:hiddenLine xmlns="" xmlns:a14="http://schemas.microsoft.com/office/drawing/2010/main" w="9525">
                 <a:solidFill>
                   <a:srgbClr val="000000"/>
                 </a:solidFill>
@@ -19809,7 +19798,7 @@
           </a:ln>
           <a:extLst>
             <a:ext uri="{91240B29-F687-4F45-9708-019B960494DF}">
-              <a14:hiddenLine xmlns:a14="http://schemas.microsoft.com/office/drawing/2010/main" xmlns="" w="9525">
+              <a14:hiddenLine xmlns="" xmlns:a14="http://schemas.microsoft.com/office/drawing/2010/main" w="9525">
                 <a:solidFill>
                   <a:srgbClr val="000000"/>
                 </a:solidFill>
@@ -20035,7 +20024,7 @@
           </a:ln>
           <a:extLst>
             <a:ext uri="{91240B29-F687-4F45-9708-019B960494DF}">
-              <a14:hiddenLine xmlns:a14="http://schemas.microsoft.com/office/drawing/2010/main" xmlns="" w="9525">
+              <a14:hiddenLine xmlns="" xmlns:a14="http://schemas.microsoft.com/office/drawing/2010/main" w="9525">
                 <a:solidFill>
                   <a:srgbClr val="000000"/>
                 </a:solidFill>
@@ -20381,7 +20370,7 @@
           </a:ln>
           <a:extLst>
             <a:ext uri="{91240B29-F687-4F45-9708-019B960494DF}">
-              <a14:hiddenLine xmlns:a14="http://schemas.microsoft.com/office/drawing/2010/main" xmlns="" w="9525">
+              <a14:hiddenLine xmlns="" xmlns:a14="http://schemas.microsoft.com/office/drawing/2010/main" w="9525">
                 <a:solidFill>
                   <a:srgbClr val="000000"/>
                 </a:solidFill>
@@ -20527,7 +20516,7 @@
           </a:ln>
           <a:extLst>
             <a:ext uri="{91240B29-F687-4F45-9708-019B960494DF}">
-              <a14:hiddenLine xmlns:a14="http://schemas.microsoft.com/office/drawing/2010/main" xmlns="" w="9525">
+              <a14:hiddenLine xmlns="" xmlns:a14="http://schemas.microsoft.com/office/drawing/2010/main" w="9525">
                 <a:solidFill>
                   <a:srgbClr val="000000"/>
                 </a:solidFill>
@@ -20633,7 +20622,7 @@
           </a:ln>
           <a:extLst>
             <a:ext uri="{91240B29-F687-4F45-9708-019B960494DF}">
-              <a14:hiddenLine xmlns:a14="http://schemas.microsoft.com/office/drawing/2010/main" xmlns="" w="9525">
+              <a14:hiddenLine xmlns="" xmlns:a14="http://schemas.microsoft.com/office/drawing/2010/main" w="9525">
                 <a:solidFill>
                   <a:srgbClr val="000000"/>
                 </a:solidFill>
@@ -20739,7 +20728,7 @@
           </a:ln>
           <a:extLst>
             <a:ext uri="{91240B29-F687-4F45-9708-019B960494DF}">
-              <a14:hiddenLine xmlns:a14="http://schemas.microsoft.com/office/drawing/2010/main" xmlns="" w="9525">
+              <a14:hiddenLine xmlns="" xmlns:a14="http://schemas.microsoft.com/office/drawing/2010/main" w="9525">
                 <a:solidFill>
                   <a:srgbClr val="000000"/>
                 </a:solidFill>
@@ -20845,7 +20834,7 @@
           </a:ln>
           <a:extLst>
             <a:ext uri="{91240B29-F687-4F45-9708-019B960494DF}">
-              <a14:hiddenLine xmlns:a14="http://schemas.microsoft.com/office/drawing/2010/main" xmlns="" w="9525">
+              <a14:hiddenLine xmlns="" xmlns:a14="http://schemas.microsoft.com/office/drawing/2010/main" w="9525">
                 <a:solidFill>
                   <a:srgbClr val="000000"/>
                 </a:solidFill>
@@ -21080,7 +21069,7 @@
           </a:ln>
           <a:extLst>
             <a:ext uri="{91240B29-F687-4F45-9708-019B960494DF}">
-              <a14:hiddenLine xmlns:a14="http://schemas.microsoft.com/office/drawing/2010/main" xmlns="" w="9525">
+              <a14:hiddenLine xmlns="" xmlns:a14="http://schemas.microsoft.com/office/drawing/2010/main" w="9525">
                 <a:solidFill>
                   <a:srgbClr val="000000"/>
                 </a:solidFill>
@@ -21134,18 +21123,7 @@
                 <a:ea typeface="Arial Unicode MS" panose="020B0604020202020204" pitchFamily="34" charset="-122"/>
                 <a:cs typeface="Arial Unicode MS" panose="020B0604020202020204" pitchFamily="34" charset="-122"/>
               </a:rPr>
-              <a:t>公有</a:t>
-            </a:r>
-            <a:r>
-              <a:rPr lang="zh-CN" altLang="en-US" sz="2000" dirty="0" smtClean="0">
-                <a:solidFill>
-                  <a:schemeClr val="bg1"/>
-                </a:solidFill>
-                <a:latin typeface="Arial Unicode MS" panose="020B0604020202020204" pitchFamily="34" charset="-122"/>
-                <a:ea typeface="Arial Unicode MS" panose="020B0604020202020204" pitchFamily="34" charset="-122"/>
-                <a:cs typeface="Arial Unicode MS" panose="020B0604020202020204" pitchFamily="34" charset="-122"/>
-              </a:rPr>
-              <a:t>云部署</a:t>
+              <a:t>公有云部署</a:t>
             </a:r>
             <a:endParaRPr lang="zh-CN" altLang="en-US" sz="2000" dirty="0">
               <a:solidFill>
@@ -21233,18 +21211,7 @@
                 <a:ea typeface="Arial Unicode MS" panose="020B0604020202020204" pitchFamily="34" charset="-122"/>
                 <a:cs typeface="Arial Unicode MS" panose="020B0604020202020204" pitchFamily="34" charset="-122"/>
               </a:rPr>
-              <a:t>私有</a:t>
-            </a:r>
-            <a:r>
-              <a:rPr lang="zh-CN" altLang="en-US" sz="2000" dirty="0" smtClean="0">
-                <a:solidFill>
-                  <a:schemeClr val="bg1"/>
-                </a:solidFill>
-                <a:latin typeface="Arial Unicode MS" panose="020B0604020202020204" pitchFamily="34" charset="-122"/>
-                <a:ea typeface="Arial Unicode MS" panose="020B0604020202020204" pitchFamily="34" charset="-122"/>
-                <a:cs typeface="Arial Unicode MS" panose="020B0604020202020204" pitchFamily="34" charset="-122"/>
-              </a:rPr>
-              <a:t>云部署</a:t>
+              <a:t>私有云部署</a:t>
             </a:r>
             <a:endParaRPr lang="zh-CN" altLang="en-US" sz="2000" dirty="0">
               <a:solidFill>
@@ -21598,7 +21565,7 @@
             </a:ln>
             <a:extLst>
               <a:ext uri="{91240B29-F687-4F45-9708-019B960494DF}">
-                <a14:hiddenLine xmlns:a14="http://schemas.microsoft.com/office/drawing/2010/main" xmlns="" w="9525">
+                <a14:hiddenLine xmlns="" xmlns:a14="http://schemas.microsoft.com/office/drawing/2010/main" w="9525">
                   <a:solidFill>
                     <a:srgbClr val="000000"/>
                   </a:solidFill>
@@ -21645,7 +21612,7 @@
             </a:ln>
             <a:extLst>
               <a:ext uri="{91240B29-F687-4F45-9708-019B960494DF}">
-                <a14:hiddenLine xmlns:a14="http://schemas.microsoft.com/office/drawing/2010/main" xmlns="" w="9525">
+                <a14:hiddenLine xmlns="" xmlns:a14="http://schemas.microsoft.com/office/drawing/2010/main" w="9525">
                   <a:solidFill>
                     <a:srgbClr val="000000"/>
                   </a:solidFill>
@@ -21861,7 +21828,7 @@
             </a:ln>
             <a:extLst>
               <a:ext uri="{91240B29-F687-4F45-9708-019B960494DF}">
-                <a14:hiddenLine xmlns:a14="http://schemas.microsoft.com/office/drawing/2010/main" xmlns="" w="9525">
+                <a14:hiddenLine xmlns="" xmlns:a14="http://schemas.microsoft.com/office/drawing/2010/main" w="9525">
                   <a:solidFill>
                     <a:srgbClr val="000000"/>
                   </a:solidFill>
@@ -21908,7 +21875,7 @@
             </a:ln>
             <a:extLst>
               <a:ext uri="{91240B29-F687-4F45-9708-019B960494DF}">
-                <a14:hiddenLine xmlns:a14="http://schemas.microsoft.com/office/drawing/2010/main" xmlns="" w="9525">
+                <a14:hiddenLine xmlns="" xmlns:a14="http://schemas.microsoft.com/office/drawing/2010/main" w="9525">
                   <a:solidFill>
                     <a:srgbClr val="000000"/>
                   </a:solidFill>
@@ -22204,7 +22171,7 @@
             </a:ln>
             <a:extLst>
               <a:ext uri="{91240B29-F687-4F45-9708-019B960494DF}">
-                <a14:hiddenLine xmlns:a14="http://schemas.microsoft.com/office/drawing/2010/main" xmlns="" w="9525">
+                <a14:hiddenLine xmlns="" xmlns:a14="http://schemas.microsoft.com/office/drawing/2010/main" w="9525">
                   <a:solidFill>
                     <a:srgbClr val="000000"/>
                   </a:solidFill>
@@ -22251,7 +22218,7 @@
             </a:ln>
             <a:extLst>
               <a:ext uri="{91240B29-F687-4F45-9708-019B960494DF}">
-                <a14:hiddenLine xmlns:a14="http://schemas.microsoft.com/office/drawing/2010/main" xmlns="" w="9525">
+                <a14:hiddenLine xmlns="" xmlns:a14="http://schemas.microsoft.com/office/drawing/2010/main" w="9525">
                   <a:solidFill>
                     <a:srgbClr val="000000"/>
                   </a:solidFill>
@@ -22417,7 +22384,7 @@
             </a:ln>
             <a:extLst>
               <a:ext uri="{91240B29-F687-4F45-9708-019B960494DF}">
-                <a14:hiddenLine xmlns:a14="http://schemas.microsoft.com/office/drawing/2010/main" xmlns="" w="9525">
+                <a14:hiddenLine xmlns="" xmlns:a14="http://schemas.microsoft.com/office/drawing/2010/main" w="9525">
                   <a:solidFill>
                     <a:srgbClr val="000000"/>
                   </a:solidFill>
@@ -22464,7 +22431,7 @@
             </a:ln>
             <a:extLst>
               <a:ext uri="{91240B29-F687-4F45-9708-019B960494DF}">
-                <a14:hiddenLine xmlns:a14="http://schemas.microsoft.com/office/drawing/2010/main" xmlns="" w="9525">
+                <a14:hiddenLine xmlns="" xmlns:a14="http://schemas.microsoft.com/office/drawing/2010/main" w="9525">
                   <a:solidFill>
                     <a:srgbClr val="000000"/>
                   </a:solidFill>
@@ -22600,7 +22567,7 @@
             </a:ln>
             <a:extLst>
               <a:ext uri="{91240B29-F687-4F45-9708-019B960494DF}">
-                <a14:hiddenLine xmlns:a14="http://schemas.microsoft.com/office/drawing/2010/main" xmlns="" w="9525">
+                <a14:hiddenLine xmlns="" xmlns:a14="http://schemas.microsoft.com/office/drawing/2010/main" w="9525">
                   <a:solidFill>
                     <a:srgbClr val="000000"/>
                   </a:solidFill>
@@ -22647,7 +22614,7 @@
             </a:ln>
             <a:extLst>
               <a:ext uri="{91240B29-F687-4F45-9708-019B960494DF}">
-                <a14:hiddenLine xmlns:a14="http://schemas.microsoft.com/office/drawing/2010/main" xmlns="" w="9525">
+                <a14:hiddenLine xmlns="" xmlns:a14="http://schemas.microsoft.com/office/drawing/2010/main" w="9525">
                   <a:solidFill>
                     <a:srgbClr val="000000"/>
                   </a:solidFill>
@@ -22803,7 +22770,7 @@
             </a:ln>
             <a:extLst>
               <a:ext uri="{91240B29-F687-4F45-9708-019B960494DF}">
-                <a14:hiddenLine xmlns:a14="http://schemas.microsoft.com/office/drawing/2010/main" xmlns="" w="9525">
+                <a14:hiddenLine xmlns="" xmlns:a14="http://schemas.microsoft.com/office/drawing/2010/main" w="9525">
                   <a:solidFill>
                     <a:srgbClr val="000000"/>
                   </a:solidFill>
@@ -22850,7 +22817,7 @@
             </a:ln>
             <a:extLst>
               <a:ext uri="{91240B29-F687-4F45-9708-019B960494DF}">
-                <a14:hiddenLine xmlns:a14="http://schemas.microsoft.com/office/drawing/2010/main" xmlns="" w="9525">
+                <a14:hiddenLine xmlns="" xmlns:a14="http://schemas.microsoft.com/office/drawing/2010/main" w="9525">
                   <a:solidFill>
                     <a:srgbClr val="000000"/>
                   </a:solidFill>
@@ -23036,7 +23003,7 @@
             </a:ln>
             <a:extLst>
               <a:ext uri="{91240B29-F687-4F45-9708-019B960494DF}">
-                <a14:hiddenLine xmlns:a14="http://schemas.microsoft.com/office/drawing/2010/main" xmlns="" w="9525">
+                <a14:hiddenLine xmlns="" xmlns:a14="http://schemas.microsoft.com/office/drawing/2010/main" w="9525">
                   <a:solidFill>
                     <a:srgbClr val="000000"/>
                   </a:solidFill>
@@ -23083,7 +23050,7 @@
             </a:ln>
             <a:extLst>
               <a:ext uri="{91240B29-F687-4F45-9708-019B960494DF}">
-                <a14:hiddenLine xmlns:a14="http://schemas.microsoft.com/office/drawing/2010/main" xmlns="" w="9525">
+                <a14:hiddenLine xmlns="" xmlns:a14="http://schemas.microsoft.com/office/drawing/2010/main" w="9525">
                   <a:solidFill>
                     <a:srgbClr val="000000"/>
                   </a:solidFill>
@@ -23289,7 +23256,7 @@
             </a:ln>
             <a:extLst>
               <a:ext uri="{91240B29-F687-4F45-9708-019B960494DF}">
-                <a14:hiddenLine xmlns:a14="http://schemas.microsoft.com/office/drawing/2010/main" xmlns="" w="9525">
+                <a14:hiddenLine xmlns="" xmlns:a14="http://schemas.microsoft.com/office/drawing/2010/main" w="9525">
                   <a:solidFill>
                     <a:srgbClr val="000000"/>
                   </a:solidFill>
@@ -23336,7 +23303,7 @@
             </a:ln>
             <a:extLst>
               <a:ext uri="{91240B29-F687-4F45-9708-019B960494DF}">
-                <a14:hiddenLine xmlns:a14="http://schemas.microsoft.com/office/drawing/2010/main" xmlns="" w="9525">
+                <a14:hiddenLine xmlns="" xmlns:a14="http://schemas.microsoft.com/office/drawing/2010/main" w="9525">
                   <a:solidFill>
                     <a:srgbClr val="000000"/>
                   </a:solidFill>
@@ -23532,7 +23499,7 @@
             </a:ln>
             <a:extLst>
               <a:ext uri="{91240B29-F687-4F45-9708-019B960494DF}">
-                <a14:hiddenLine xmlns:a14="http://schemas.microsoft.com/office/drawing/2010/main" xmlns="" w="9525">
+                <a14:hiddenLine xmlns="" xmlns:a14="http://schemas.microsoft.com/office/drawing/2010/main" w="9525">
                   <a:solidFill>
                     <a:srgbClr val="000000"/>
                   </a:solidFill>
@@ -23579,7 +23546,7 @@
             </a:ln>
             <a:extLst>
               <a:ext uri="{91240B29-F687-4F45-9708-019B960494DF}">
-                <a14:hiddenLine xmlns:a14="http://schemas.microsoft.com/office/drawing/2010/main" xmlns="" w="9525">
+                <a14:hiddenLine xmlns="" xmlns:a14="http://schemas.microsoft.com/office/drawing/2010/main" w="9525">
                   <a:solidFill>
                     <a:srgbClr val="000000"/>
                   </a:solidFill>
@@ -24390,7 +24357,7 @@
             </a:ln>
             <a:extLst>
               <a:ext uri="{91240B29-F687-4F45-9708-019B960494DF}">
-                <a14:hiddenLine xmlns:a14="http://schemas.microsoft.com/office/drawing/2010/main" xmlns="" w="9525">
+                <a14:hiddenLine xmlns="" xmlns:a14="http://schemas.microsoft.com/office/drawing/2010/main" w="9525">
                   <a:solidFill>
                     <a:srgbClr val="000000"/>
                   </a:solidFill>
@@ -25091,7 +25058,7 @@
           </a:ln>
           <a:extLst>
             <a:ext uri="{91240B29-F687-4F45-9708-019B960494DF}">
-              <a14:hiddenLine xmlns:a14="http://schemas.microsoft.com/office/drawing/2010/main" xmlns="" w="9525">
+              <a14:hiddenLine xmlns="" xmlns:a14="http://schemas.microsoft.com/office/drawing/2010/main" w="9525">
                 <a:solidFill>
                   <a:srgbClr val="000000"/>
                 </a:solidFill>
@@ -25551,7 +25518,7 @@
           </a:ln>
           <a:extLst>
             <a:ext uri="{91240B29-F687-4F45-9708-019B960494DF}">
-              <a14:hiddenLine xmlns:a14="http://schemas.microsoft.com/office/drawing/2010/main" xmlns="" w="9525">
+              <a14:hiddenLine xmlns="" xmlns:a14="http://schemas.microsoft.com/office/drawing/2010/main" w="9525">
                 <a:solidFill>
                   <a:srgbClr val="000000"/>
                 </a:solidFill>
@@ -25709,7 +25676,7 @@
             </a:ln>
             <a:extLst>
               <a:ext uri="{91240B29-F687-4F45-9708-019B960494DF}">
-                <a14:hiddenLine xmlns:a14="http://schemas.microsoft.com/office/drawing/2010/main" xmlns="" w="9525">
+                <a14:hiddenLine xmlns="" xmlns:a14="http://schemas.microsoft.com/office/drawing/2010/main" w="9525">
                   <a:solidFill>
                     <a:srgbClr val="000000"/>
                   </a:solidFill>
@@ -25970,7 +25937,7 @@
             </a:ln>
             <a:extLst>
               <a:ext uri="{91240B29-F687-4F45-9708-019B960494DF}">
-                <a14:hiddenLine xmlns:a14="http://schemas.microsoft.com/office/drawing/2010/main" xmlns="" w="9525">
+                <a14:hiddenLine xmlns="" xmlns:a14="http://schemas.microsoft.com/office/drawing/2010/main" w="9525">
                   <a:solidFill>
                     <a:srgbClr val="000000"/>
                   </a:solidFill>
@@ -26161,7 +26128,7 @@
             </a:ln>
             <a:extLst>
               <a:ext uri="{91240B29-F687-4F45-9708-019B960494DF}">
-                <a14:hiddenLine xmlns:a14="http://schemas.microsoft.com/office/drawing/2010/main" xmlns="" w="9525">
+                <a14:hiddenLine xmlns="" xmlns:a14="http://schemas.microsoft.com/office/drawing/2010/main" w="9525">
                   <a:solidFill>
                     <a:srgbClr val="000000"/>
                   </a:solidFill>
@@ -26422,7 +26389,7 @@
             </a:ln>
             <a:extLst>
               <a:ext uri="{91240B29-F687-4F45-9708-019B960494DF}">
-                <a14:hiddenLine xmlns:a14="http://schemas.microsoft.com/office/drawing/2010/main" xmlns="" w="9525">
+                <a14:hiddenLine xmlns="" xmlns:a14="http://schemas.microsoft.com/office/drawing/2010/main" w="9525">
                   <a:solidFill>
                     <a:srgbClr val="000000"/>
                   </a:solidFill>
@@ -26683,7 +26650,7 @@
             </a:ln>
             <a:extLst>
               <a:ext uri="{91240B29-F687-4F45-9708-019B960494DF}">
-                <a14:hiddenLine xmlns:a14="http://schemas.microsoft.com/office/drawing/2010/main" xmlns="" w="9525">
+                <a14:hiddenLine xmlns="" xmlns:a14="http://schemas.microsoft.com/office/drawing/2010/main" w="9525">
                   <a:solidFill>
                     <a:srgbClr val="000000"/>
                   </a:solidFill>
@@ -26997,7 +26964,7 @@
             </a:ln>
             <a:extLst>
               <a:ext uri="{91240B29-F687-4F45-9708-019B960494DF}">
-                <a14:hiddenLine xmlns:a14="http://schemas.microsoft.com/office/drawing/2010/main" xmlns="" w="9525">
+                <a14:hiddenLine xmlns="" xmlns:a14="http://schemas.microsoft.com/office/drawing/2010/main" w="9525">
                   <a:solidFill>
                     <a:srgbClr val="000000"/>
                   </a:solidFill>
@@ -27152,7 +27119,7 @@
             </a:ln>
             <a:extLst>
               <a:ext uri="{91240B29-F687-4F45-9708-019B960494DF}">
-                <a14:hiddenLine xmlns:a14="http://schemas.microsoft.com/office/drawing/2010/main" xmlns="" w="9525">
+                <a14:hiddenLine xmlns="" xmlns:a14="http://schemas.microsoft.com/office/drawing/2010/main" w="9525">
                   <a:solidFill>
                     <a:srgbClr val="000000"/>
                   </a:solidFill>
@@ -27346,7 +27313,7 @@
             </a:ln>
             <a:extLst>
               <a:ext uri="{91240B29-F687-4F45-9708-019B960494DF}">
-                <a14:hiddenLine xmlns:a14="http://schemas.microsoft.com/office/drawing/2010/main" xmlns="" w="9525">
+                <a14:hiddenLine xmlns="" xmlns:a14="http://schemas.microsoft.com/office/drawing/2010/main" w="9525">
                   <a:solidFill>
                     <a:srgbClr val="000000"/>
                   </a:solidFill>
@@ -27537,7 +27504,7 @@
             </a:ln>
             <a:extLst>
               <a:ext uri="{91240B29-F687-4F45-9708-019B960494DF}">
-                <a14:hiddenLine xmlns:a14="http://schemas.microsoft.com/office/drawing/2010/main" xmlns="" w="9525">
+                <a14:hiddenLine xmlns="" xmlns:a14="http://schemas.microsoft.com/office/drawing/2010/main" w="9525">
                   <a:solidFill>
                     <a:srgbClr val="000000"/>
                   </a:solidFill>
@@ -27730,7 +27697,7 @@
             </a:ln>
             <a:extLst>
               <a:ext uri="{91240B29-F687-4F45-9708-019B960494DF}">
-                <a14:hiddenLine xmlns:a14="http://schemas.microsoft.com/office/drawing/2010/main" xmlns="" w="9525">
+                <a14:hiddenLine xmlns="" xmlns:a14="http://schemas.microsoft.com/office/drawing/2010/main" w="9525">
                   <a:solidFill>
                     <a:srgbClr val="000000"/>
                   </a:solidFill>
@@ -27856,7 +27823,7 @@
             </a:ln>
             <a:extLst>
               <a:ext uri="{91240B29-F687-4F45-9708-019B960494DF}">
-                <a14:hiddenLine xmlns:a14="http://schemas.microsoft.com/office/drawing/2010/main" xmlns="" w="9525">
+                <a14:hiddenLine xmlns="" xmlns:a14="http://schemas.microsoft.com/office/drawing/2010/main" w="9525">
                   <a:solidFill>
                     <a:srgbClr val="000000"/>
                   </a:solidFill>
@@ -27972,7 +27939,7 @@
             </a:ln>
             <a:extLst>
               <a:ext uri="{91240B29-F687-4F45-9708-019B960494DF}">
-                <a14:hiddenLine xmlns:a14="http://schemas.microsoft.com/office/drawing/2010/main" xmlns="" w="9525">
+                <a14:hiddenLine xmlns="" xmlns:a14="http://schemas.microsoft.com/office/drawing/2010/main" w="9525">
                   <a:solidFill>
                     <a:srgbClr val="000000"/>
                   </a:solidFill>
@@ -28108,7 +28075,7 @@
             </a:ln>
             <a:extLst>
               <a:ext uri="{91240B29-F687-4F45-9708-019B960494DF}">
-                <a14:hiddenLine xmlns:a14="http://schemas.microsoft.com/office/drawing/2010/main" xmlns="" w="9525">
+                <a14:hiddenLine xmlns="" xmlns:a14="http://schemas.microsoft.com/office/drawing/2010/main" w="9525">
                   <a:solidFill>
                     <a:srgbClr val="000000"/>
                   </a:solidFill>
@@ -28170,7 +28137,7 @@
             </a:ln>
             <a:extLst>
               <a:ext uri="{91240B29-F687-4F45-9708-019B960494DF}">
-                <a14:hiddenLine xmlns:a14="http://schemas.microsoft.com/office/drawing/2010/main" xmlns="" w="9525">
+                <a14:hiddenLine xmlns="" xmlns:a14="http://schemas.microsoft.com/office/drawing/2010/main" w="9525">
                   <a:solidFill>
                     <a:srgbClr val="000000"/>
                   </a:solidFill>
@@ -28331,7 +28298,7 @@
             </a:ln>
             <a:extLst>
               <a:ext uri="{91240B29-F687-4F45-9708-019B960494DF}">
-                <a14:hiddenLine xmlns:a14="http://schemas.microsoft.com/office/drawing/2010/main" xmlns="" w="9525">
+                <a14:hiddenLine xmlns="" xmlns:a14="http://schemas.microsoft.com/office/drawing/2010/main" w="9525">
                   <a:solidFill>
                     <a:srgbClr val="000000"/>
                   </a:solidFill>
@@ -28447,7 +28414,7 @@
             </a:ln>
             <a:extLst>
               <a:ext uri="{91240B29-F687-4F45-9708-019B960494DF}">
-                <a14:hiddenLine xmlns:a14="http://schemas.microsoft.com/office/drawing/2010/main" xmlns="" w="9525">
+                <a14:hiddenLine xmlns="" xmlns:a14="http://schemas.microsoft.com/office/drawing/2010/main" w="9525">
                   <a:solidFill>
                     <a:srgbClr val="000000"/>
                   </a:solidFill>
@@ -28553,7 +28520,7 @@
             </a:ln>
             <a:extLst>
               <a:ext uri="{91240B29-F687-4F45-9708-019B960494DF}">
-                <a14:hiddenLine xmlns:a14="http://schemas.microsoft.com/office/drawing/2010/main" xmlns="" w="9525">
+                <a14:hiddenLine xmlns="" xmlns:a14="http://schemas.microsoft.com/office/drawing/2010/main" w="9525">
                   <a:solidFill>
                     <a:srgbClr val="000000"/>
                   </a:solidFill>
@@ -28708,7 +28675,7 @@
             </a:ln>
             <a:extLst>
               <a:ext uri="{91240B29-F687-4F45-9708-019B960494DF}">
-                <a14:hiddenLine xmlns:a14="http://schemas.microsoft.com/office/drawing/2010/main" xmlns="" w="9525">
+                <a14:hiddenLine xmlns="" xmlns:a14="http://schemas.microsoft.com/office/drawing/2010/main" w="9525">
                   <a:solidFill>
                     <a:srgbClr val="000000"/>
                   </a:solidFill>
@@ -28842,7 +28809,7 @@
             </a:ln>
             <a:extLst>
               <a:ext uri="{91240B29-F687-4F45-9708-019B960494DF}">
-                <a14:hiddenLine xmlns:a14="http://schemas.microsoft.com/office/drawing/2010/main" xmlns="" w="9525">
+                <a14:hiddenLine xmlns="" xmlns:a14="http://schemas.microsoft.com/office/drawing/2010/main" w="9525">
                   <a:solidFill>
                     <a:srgbClr val="000000"/>
                   </a:solidFill>
@@ -28889,7 +28856,7 @@
             </a:ln>
             <a:extLst>
               <a:ext uri="{91240B29-F687-4F45-9708-019B960494DF}">
-                <a14:hiddenLine xmlns:a14="http://schemas.microsoft.com/office/drawing/2010/main" xmlns="" w="9525">
+                <a14:hiddenLine xmlns="" xmlns:a14="http://schemas.microsoft.com/office/drawing/2010/main" w="9525">
                   <a:solidFill>
                     <a:srgbClr val="000000"/>
                   </a:solidFill>
@@ -29237,7 +29204,7 @@
             </a:ln>
             <a:extLst>
               <a:ext uri="{91240B29-F687-4F45-9708-019B960494DF}">
-                <a14:hiddenLine xmlns:a14="http://schemas.microsoft.com/office/drawing/2010/main" xmlns="" w="9525">
+                <a14:hiddenLine xmlns="" xmlns:a14="http://schemas.microsoft.com/office/drawing/2010/main" w="9525">
                   <a:solidFill>
                     <a:srgbClr val="000000"/>
                   </a:solidFill>
@@ -29433,7 +29400,7 @@
             </a:ln>
             <a:extLst>
               <a:ext uri="{91240B29-F687-4F45-9708-019B960494DF}">
-                <a14:hiddenLine xmlns:a14="http://schemas.microsoft.com/office/drawing/2010/main" xmlns="" w="9525">
+                <a14:hiddenLine xmlns="" xmlns:a14="http://schemas.microsoft.com/office/drawing/2010/main" w="9525">
                   <a:solidFill>
                     <a:srgbClr val="000000"/>
                   </a:solidFill>
@@ -29588,7 +29555,7 @@
             </a:ln>
             <a:extLst>
               <a:ext uri="{91240B29-F687-4F45-9708-019B960494DF}">
-                <a14:hiddenLine xmlns:a14="http://schemas.microsoft.com/office/drawing/2010/main" xmlns="" w="9525">
+                <a14:hiddenLine xmlns="" xmlns:a14="http://schemas.microsoft.com/office/drawing/2010/main" w="9525">
                   <a:solidFill>
                     <a:srgbClr val="000000"/>
                   </a:solidFill>
@@ -29802,7 +29769,7 @@
             </a:ln>
             <a:extLst>
               <a:ext uri="{91240B29-F687-4F45-9708-019B960494DF}">
-                <a14:hiddenLine xmlns:a14="http://schemas.microsoft.com/office/drawing/2010/main" xmlns="" w="9525">
+                <a14:hiddenLine xmlns="" xmlns:a14="http://schemas.microsoft.com/office/drawing/2010/main" w="9525">
                   <a:solidFill>
                     <a:srgbClr val="000000"/>
                   </a:solidFill>
@@ -29849,7 +29816,7 @@
             </a:ln>
             <a:extLst>
               <a:ext uri="{91240B29-F687-4F45-9708-019B960494DF}">
-                <a14:hiddenLine xmlns:a14="http://schemas.microsoft.com/office/drawing/2010/main" xmlns="" w="9525">
+                <a14:hiddenLine xmlns="" xmlns:a14="http://schemas.microsoft.com/office/drawing/2010/main" w="9525">
                   <a:solidFill>
                     <a:srgbClr val="000000"/>
                   </a:solidFill>
@@ -30476,7 +30443,7 @@
             </a:ln>
             <a:extLst>
               <a:ext uri="{91240B29-F687-4F45-9708-019B960494DF}">
-                <a14:hiddenLine xmlns:a14="http://schemas.microsoft.com/office/drawing/2010/main" xmlns="" w="9525">
+                <a14:hiddenLine xmlns="" xmlns:a14="http://schemas.microsoft.com/office/drawing/2010/main" w="9525">
                   <a:solidFill>
                     <a:srgbClr val="000000"/>
                   </a:solidFill>
@@ -31060,7 +31027,7 @@
             </a:ln>
             <a:extLst>
               <a:ext uri="{91240B29-F687-4F45-9708-019B960494DF}">
-                <a14:hiddenLine xmlns:a14="http://schemas.microsoft.com/office/drawing/2010/main" xmlns="" w="9525">
+                <a14:hiddenLine xmlns="" xmlns:a14="http://schemas.microsoft.com/office/drawing/2010/main" w="9525">
                   <a:solidFill>
                     <a:srgbClr val="000000"/>
                   </a:solidFill>
@@ -31215,7 +31182,7 @@
             </a:ln>
             <a:extLst>
               <a:ext uri="{91240B29-F687-4F45-9708-019B960494DF}">
-                <a14:hiddenLine xmlns:a14="http://schemas.microsoft.com/office/drawing/2010/main" xmlns="" w="9525">
+                <a14:hiddenLine xmlns="" xmlns:a14="http://schemas.microsoft.com/office/drawing/2010/main" w="9525">
                   <a:solidFill>
                     <a:srgbClr val="000000"/>
                   </a:solidFill>
@@ -31399,7 +31366,7 @@
             </a:ln>
             <a:extLst>
               <a:ext uri="{91240B29-F687-4F45-9708-019B960494DF}">
-                <a14:hiddenLine xmlns:a14="http://schemas.microsoft.com/office/drawing/2010/main" xmlns="" w="9525">
+                <a14:hiddenLine xmlns="" xmlns:a14="http://schemas.microsoft.com/office/drawing/2010/main" w="9525">
                   <a:solidFill>
                     <a:srgbClr val="000000"/>
                   </a:solidFill>
@@ -31446,7 +31413,7 @@
             </a:ln>
             <a:extLst>
               <a:ext uri="{91240B29-F687-4F45-9708-019B960494DF}">
-                <a14:hiddenLine xmlns:a14="http://schemas.microsoft.com/office/drawing/2010/main" xmlns="" w="9525">
+                <a14:hiddenLine xmlns="" xmlns:a14="http://schemas.microsoft.com/office/drawing/2010/main" w="9525">
                   <a:solidFill>
                     <a:srgbClr val="000000"/>
                   </a:solidFill>
@@ -31616,7 +31583,7 @@
             </a:ln>
             <a:extLst>
               <a:ext uri="{91240B29-F687-4F45-9708-019B960494DF}">
-                <a14:hiddenLine xmlns:a14="http://schemas.microsoft.com/office/drawing/2010/main" xmlns="" w="9525">
+                <a14:hiddenLine xmlns="" xmlns:a14="http://schemas.microsoft.com/office/drawing/2010/main" w="9525">
                   <a:solidFill>
                     <a:srgbClr val="000000"/>
                   </a:solidFill>
@@ -31782,7 +31749,7 @@
             </a:ln>
             <a:extLst>
               <a:ext uri="{91240B29-F687-4F45-9708-019B960494DF}">
-                <a14:hiddenLine xmlns:a14="http://schemas.microsoft.com/office/drawing/2010/main" xmlns="" w="9525">
+                <a14:hiddenLine xmlns="" xmlns:a14="http://schemas.microsoft.com/office/drawing/2010/main" w="9525">
                   <a:solidFill>
                     <a:srgbClr val="000000"/>
                   </a:solidFill>
@@ -31906,7 +31873,7 @@
             </a:ln>
             <a:extLst>
               <a:ext uri="{91240B29-F687-4F45-9708-019B960494DF}">
-                <a14:hiddenLine xmlns:a14="http://schemas.microsoft.com/office/drawing/2010/main" xmlns="" w="9525">
+                <a14:hiddenLine xmlns="" xmlns:a14="http://schemas.microsoft.com/office/drawing/2010/main" w="9525">
                   <a:solidFill>
                     <a:srgbClr val="000000"/>
                   </a:solidFill>
@@ -32030,7 +31997,7 @@
             </a:ln>
             <a:extLst>
               <a:ext uri="{91240B29-F687-4F45-9708-019B960494DF}">
-                <a14:hiddenLine xmlns:a14="http://schemas.microsoft.com/office/drawing/2010/main" xmlns="" w="9525">
+                <a14:hiddenLine xmlns="" xmlns:a14="http://schemas.microsoft.com/office/drawing/2010/main" w="9525">
                   <a:solidFill>
                     <a:srgbClr val="000000"/>
                   </a:solidFill>
@@ -32154,7 +32121,7 @@
             </a:ln>
             <a:extLst>
               <a:ext uri="{91240B29-F687-4F45-9708-019B960494DF}">
-                <a14:hiddenLine xmlns:a14="http://schemas.microsoft.com/office/drawing/2010/main" xmlns="" w="9525">
+                <a14:hiddenLine xmlns="" xmlns:a14="http://schemas.microsoft.com/office/drawing/2010/main" w="9525">
                   <a:solidFill>
                     <a:srgbClr val="000000"/>
                   </a:solidFill>
@@ -32278,7 +32245,7 @@
             </a:ln>
             <a:extLst>
               <a:ext uri="{91240B29-F687-4F45-9708-019B960494DF}">
-                <a14:hiddenLine xmlns:a14="http://schemas.microsoft.com/office/drawing/2010/main" xmlns="" w="9525">
+                <a14:hiddenLine xmlns="" xmlns:a14="http://schemas.microsoft.com/office/drawing/2010/main" w="9525">
                   <a:solidFill>
                     <a:srgbClr val="000000"/>
                   </a:solidFill>
@@ -32433,7 +32400,7 @@
             </a:ln>
             <a:extLst>
               <a:ext uri="{91240B29-F687-4F45-9708-019B960494DF}">
-                <a14:hiddenLine xmlns:a14="http://schemas.microsoft.com/office/drawing/2010/main" xmlns="" w="9525">
+                <a14:hiddenLine xmlns="" xmlns:a14="http://schemas.microsoft.com/office/drawing/2010/main" w="9525">
                   <a:solidFill>
                     <a:srgbClr val="000000"/>
                   </a:solidFill>
@@ -32620,7 +32587,7 @@
             </a:ln>
             <a:extLst>
               <a:ext uri="{91240B29-F687-4F45-9708-019B960494DF}">
-                <a14:hiddenLine xmlns:a14="http://schemas.microsoft.com/office/drawing/2010/main" xmlns="" w="9525">
+                <a14:hiddenLine xmlns="" xmlns:a14="http://schemas.microsoft.com/office/drawing/2010/main" w="9525">
                   <a:solidFill>
                     <a:srgbClr val="000000"/>
                   </a:solidFill>
@@ -32667,7 +32634,7 @@
             </a:ln>
             <a:extLst>
               <a:ext uri="{91240B29-F687-4F45-9708-019B960494DF}">
-                <a14:hiddenLine xmlns:a14="http://schemas.microsoft.com/office/drawing/2010/main" xmlns="" w="9525">
+                <a14:hiddenLine xmlns="" xmlns:a14="http://schemas.microsoft.com/office/drawing/2010/main" w="9525">
                   <a:solidFill>
                     <a:srgbClr val="000000"/>
                   </a:solidFill>
@@ -32729,7 +32696,7 @@
             </a:ln>
             <a:extLst>
               <a:ext uri="{91240B29-F687-4F45-9708-019B960494DF}">
-                <a14:hiddenLine xmlns:a14="http://schemas.microsoft.com/office/drawing/2010/main" xmlns="" w="9525">
+                <a14:hiddenLine xmlns="" xmlns:a14="http://schemas.microsoft.com/office/drawing/2010/main" w="9525">
                   <a:solidFill>
                     <a:srgbClr val="000000"/>
                   </a:solidFill>
@@ -32855,7 +32822,7 @@
             </a:ln>
             <a:extLst>
               <a:ext uri="{91240B29-F687-4F45-9708-019B960494DF}">
-                <a14:hiddenLine xmlns:a14="http://schemas.microsoft.com/office/drawing/2010/main" xmlns="" w="9525">
+                <a14:hiddenLine xmlns="" xmlns:a14="http://schemas.microsoft.com/office/drawing/2010/main" w="9525">
                   <a:solidFill>
                     <a:srgbClr val="000000"/>
                   </a:solidFill>
@@ -33101,7 +33068,7 @@
             </a:ln>
             <a:extLst>
               <a:ext uri="{91240B29-F687-4F45-9708-019B960494DF}">
-                <a14:hiddenLine xmlns:a14="http://schemas.microsoft.com/office/drawing/2010/main" xmlns="" w="9525">
+                <a14:hiddenLine xmlns="" xmlns:a14="http://schemas.microsoft.com/office/drawing/2010/main" w="9525">
                   <a:solidFill>
                     <a:srgbClr val="000000"/>
                   </a:solidFill>
@@ -33256,7 +33223,7 @@
             </a:ln>
             <a:extLst>
               <a:ext uri="{91240B29-F687-4F45-9708-019B960494DF}">
-                <a14:hiddenLine xmlns:a14="http://schemas.microsoft.com/office/drawing/2010/main" xmlns="" w="9525">
+                <a14:hiddenLine xmlns="" xmlns:a14="http://schemas.microsoft.com/office/drawing/2010/main" w="9525">
                   <a:solidFill>
                     <a:srgbClr val="000000"/>
                   </a:solidFill>
@@ -33470,7 +33437,7 @@
             </a:ln>
             <a:extLst>
               <a:ext uri="{91240B29-F687-4F45-9708-019B960494DF}">
-                <a14:hiddenLine xmlns:a14="http://schemas.microsoft.com/office/drawing/2010/main" xmlns="" w="9525">
+                <a14:hiddenLine xmlns="" xmlns:a14="http://schemas.microsoft.com/office/drawing/2010/main" w="9525">
                   <a:solidFill>
                     <a:srgbClr val="000000"/>
                   </a:solidFill>
@@ -33715,20 +33682,7 @@
                 <a:ea typeface="Arial Unicode MS" panose="020B0604020202020204" pitchFamily="34" charset="-122"/>
                 <a:cs typeface="Arial Unicode MS" panose="020B0604020202020204" pitchFamily="34" charset="-122"/>
               </a:rPr>
-              <a:t>付费</a:t>
-            </a:r>
-            <a:r>
-              <a:rPr lang="zh-CN" altLang="en-US" sz="2000" dirty="0" smtClean="0">
-                <a:solidFill>
-                  <a:schemeClr val="accent2">
-                    <a:lumMod val="75000"/>
-                  </a:schemeClr>
-                </a:solidFill>
-                <a:latin typeface="Arial Unicode MS" panose="020B0604020202020204" pitchFamily="34" charset="-122"/>
-                <a:ea typeface="Arial Unicode MS" panose="020B0604020202020204" pitchFamily="34" charset="-122"/>
-                <a:cs typeface="Arial Unicode MS" panose="020B0604020202020204" pitchFamily="34" charset="-122"/>
-              </a:rPr>
-              <a:t>服务</a:t>
+              <a:t>付费服务</a:t>
             </a:r>
             <a:endParaRPr lang="zh-CN" altLang="en-US" sz="2000" dirty="0">
               <a:solidFill>
@@ -33776,20 +33730,7 @@
                 <a:ea typeface="Arial Unicode MS" panose="020B0604020202020204" pitchFamily="34" charset="-122"/>
                 <a:cs typeface="Arial Unicode MS" panose="020B0604020202020204" pitchFamily="34" charset="-122"/>
               </a:rPr>
-              <a:t>允许</a:t>
-            </a:r>
-            <a:r>
-              <a:rPr lang="zh-CN" altLang="en-US" sz="2000" dirty="0" smtClean="0">
-                <a:solidFill>
-                  <a:schemeClr val="accent2">
-                    <a:lumMod val="75000"/>
-                  </a:schemeClr>
-                </a:solidFill>
-                <a:latin typeface="Arial Unicode MS" panose="020B0604020202020204" pitchFamily="34" charset="-122"/>
-                <a:ea typeface="Arial Unicode MS" panose="020B0604020202020204" pitchFamily="34" charset="-122"/>
-                <a:cs typeface="Arial Unicode MS" panose="020B0604020202020204" pitchFamily="34" charset="-122"/>
-              </a:rPr>
-              <a:t>代码</a:t>
+              <a:t>允许代码</a:t>
             </a:r>
             <a:endParaRPr lang="en-US" altLang="zh-CN" sz="2000" dirty="0" smtClean="0">
               <a:solidFill>
@@ -33948,20 +33889,7 @@
                 <a:latin typeface="微软雅黑" panose="020B0503020204020204" pitchFamily="34" charset="-122"/>
                 <a:ea typeface="微软雅黑" panose="020B0503020204020204" pitchFamily="34" charset="-122"/>
               </a:rPr>
-              <a:t>开</a:t>
-            </a:r>
-            <a:r>
-              <a:rPr lang="zh-CN" altLang="en-US" sz="2000" dirty="0" smtClean="0">
-                <a:solidFill>
-                  <a:schemeClr val="tx1">
-                    <a:lumMod val="65000"/>
-                    <a:lumOff val="35000"/>
-                  </a:schemeClr>
-                </a:solidFill>
-                <a:latin typeface="微软雅黑" panose="020B0503020204020204" pitchFamily="34" charset="-122"/>
-                <a:ea typeface="微软雅黑" panose="020B0503020204020204" pitchFamily="34" charset="-122"/>
-              </a:rPr>
-              <a:t>源许可是</a:t>
+              <a:t>开源许可是</a:t>
             </a:r>
             <a:r>
               <a:rPr lang="en-US" altLang="zh-CN" sz="2000" dirty="0" smtClean="0">
@@ -34306,20 +34234,7 @@
                 <a:latin typeface="微软雅黑" panose="020B0503020204020204" pitchFamily="34" charset="-122"/>
                 <a:ea typeface="微软雅黑" panose="020B0503020204020204" pitchFamily="34" charset="-122"/>
               </a:rPr>
-              <a:t>提供免费和付费的技术支持</a:t>
-            </a:r>
-            <a:r>
-              <a:rPr lang="zh-CN" altLang="en-US" sz="2000" dirty="0" smtClean="0">
-                <a:solidFill>
-                  <a:schemeClr val="tx1">
-                    <a:lumMod val="65000"/>
-                    <a:lumOff val="35000"/>
-                  </a:schemeClr>
-                </a:solidFill>
-                <a:latin typeface="微软雅黑" panose="020B0503020204020204" pitchFamily="34" charset="-122"/>
-                <a:ea typeface="微软雅黑" panose="020B0503020204020204" pitchFamily="34" charset="-122"/>
-              </a:rPr>
-              <a:t>服务</a:t>
+              <a:t>提供免费和付费的技术支持服务</a:t>
             </a:r>
             <a:endParaRPr lang="en-US" altLang="zh-CN" sz="2000" dirty="0" smtClean="0">
               <a:solidFill>
@@ -34409,20 +34324,7 @@
                 <a:latin typeface="微软雅黑" panose="020B0503020204020204" pitchFamily="34" charset="-122"/>
                 <a:ea typeface="微软雅黑" panose="020B0503020204020204" pitchFamily="34" charset="-122"/>
               </a:rPr>
-              <a:t>付</a:t>
-            </a:r>
-            <a:r>
-              <a:rPr lang="zh-CN" altLang="en-US" sz="2000" dirty="0" smtClean="0">
-                <a:solidFill>
-                  <a:schemeClr val="tx1">
-                    <a:lumMod val="65000"/>
-                    <a:lumOff val="35000"/>
-                  </a:schemeClr>
-                </a:solidFill>
-                <a:latin typeface="微软雅黑" panose="020B0503020204020204" pitchFamily="34" charset="-122"/>
-                <a:ea typeface="微软雅黑" panose="020B0503020204020204" pitchFamily="34" charset="-122"/>
-              </a:rPr>
-              <a:t>费技术支持服务：</a:t>
+              <a:t>付费技术支持服务：</a:t>
             </a:r>
             <a:r>
               <a:rPr lang="en-US" altLang="zh-CN" sz="2000" dirty="0" smtClean="0">
@@ -34643,7 +34545,7 @@
             <a:effectLst/>
             <a:extLst>
               <a:ext uri="{91240B29-F687-4F45-9708-019B960494DF}">
-                <a14:hiddenLine xmlns:a14="http://schemas.microsoft.com/office/drawing/2010/main" xmlns="" w="9525">
+                <a14:hiddenLine xmlns="" xmlns:a14="http://schemas.microsoft.com/office/drawing/2010/main" w="9525">
                   <a:solidFill>
                     <a:srgbClr val="000000"/>
                   </a:solidFill>
@@ -34756,7 +34658,7 @@
             </a:effectLst>
             <a:extLst>
               <a:ext uri="{91240B29-F687-4F45-9708-019B960494DF}">
-                <a14:hiddenLine xmlns:a14="http://schemas.microsoft.com/office/drawing/2010/main" xmlns="" w="9525">
+                <a14:hiddenLine xmlns="" xmlns:a14="http://schemas.microsoft.com/office/drawing/2010/main" w="9525">
                   <a:solidFill>
                     <a:srgbClr val="000000"/>
                   </a:solidFill>
@@ -34869,7 +34771,7 @@
             </a:effectLst>
             <a:extLst>
               <a:ext uri="{91240B29-F687-4F45-9708-019B960494DF}">
-                <a14:hiddenLine xmlns:a14="http://schemas.microsoft.com/office/drawing/2010/main" xmlns="" w="9525">
+                <a14:hiddenLine xmlns="" xmlns:a14="http://schemas.microsoft.com/office/drawing/2010/main" w="9525">
                   <a:solidFill>
                     <a:srgbClr val="000000"/>
                   </a:solidFill>
@@ -34982,7 +34884,7 @@
             </a:effectLst>
             <a:extLst>
               <a:ext uri="{91240B29-F687-4F45-9708-019B960494DF}">
-                <a14:hiddenLine xmlns:a14="http://schemas.microsoft.com/office/drawing/2010/main" xmlns="" w="9525">
+                <a14:hiddenLine xmlns="" xmlns:a14="http://schemas.microsoft.com/office/drawing/2010/main" w="9525">
                   <a:solidFill>
                     <a:srgbClr val="000000"/>
                   </a:solidFill>
@@ -35088,15 +34990,7 @@
                   <a:schemeClr val="bg1"/>
                 </a:solidFill>
               </a:rPr>
-              <a:t>通用型</a:t>
-            </a:r>
-            <a:r>
-              <a:rPr lang="zh-CN" altLang="en-US" sz="2400" smtClean="0">
-                <a:solidFill>
-                  <a:schemeClr val="bg1"/>
-                </a:solidFill>
-              </a:rPr>
-              <a:t>进</a:t>
+              <a:t>通用型进</a:t>
             </a:r>
             <a:r>
               <a:rPr lang="zh-CN" altLang="en-US" sz="2400" dirty="0" smtClean="0">
@@ -35966,7 +35860,7 @@
           </a:ln>
           <a:extLst>
             <a:ext uri="{91240B29-F687-4F45-9708-019B960494DF}">
-              <a14:hiddenLine xmlns:a14="http://schemas.microsoft.com/office/drawing/2010/main" xmlns="" w="9525">
+              <a14:hiddenLine xmlns="" xmlns:a14="http://schemas.microsoft.com/office/drawing/2010/main" w="9525">
                 <a:solidFill>
                   <a:srgbClr val="000000"/>
                 </a:solidFill>
@@ -36292,7 +36186,7 @@
           </a:ln>
           <a:extLst>
             <a:ext uri="{91240B29-F687-4F45-9708-019B960494DF}">
-              <a14:hiddenLine xmlns:a14="http://schemas.microsoft.com/office/drawing/2010/main" xmlns="" w="9525">
+              <a14:hiddenLine xmlns="" xmlns:a14="http://schemas.microsoft.com/office/drawing/2010/main" w="9525">
                 <a:solidFill>
                   <a:srgbClr val="000000"/>
                 </a:solidFill>
@@ -36458,7 +36352,7 @@
           </a:ln>
           <a:extLst>
             <a:ext uri="{91240B29-F687-4F45-9708-019B960494DF}">
-              <a14:hiddenLine xmlns:a14="http://schemas.microsoft.com/office/drawing/2010/main" xmlns="" w="9525">
+              <a14:hiddenLine xmlns="" xmlns:a14="http://schemas.microsoft.com/office/drawing/2010/main" w="9525">
                 <a:solidFill>
                   <a:srgbClr val="000000"/>
                 </a:solidFill>
@@ -36614,7 +36508,7 @@
           </a:ln>
           <a:extLst>
             <a:ext uri="{91240B29-F687-4F45-9708-019B960494DF}">
-              <a14:hiddenLine xmlns:a14="http://schemas.microsoft.com/office/drawing/2010/main" xmlns="" w="9525">
+              <a14:hiddenLine xmlns="" xmlns:a14="http://schemas.microsoft.com/office/drawing/2010/main" w="9525">
                 <a:solidFill>
                   <a:srgbClr val="000000"/>
                 </a:solidFill>
@@ -36744,7 +36638,7 @@
           </a:ln>
           <a:extLst>
             <a:ext uri="{91240B29-F687-4F45-9708-019B960494DF}">
-              <a14:hiddenLine xmlns:a14="http://schemas.microsoft.com/office/drawing/2010/main" xmlns="" w="9525">
+              <a14:hiddenLine xmlns="" xmlns:a14="http://schemas.microsoft.com/office/drawing/2010/main" w="9525">
                 <a:solidFill>
                   <a:srgbClr val="000000"/>
                 </a:solidFill>
@@ -36990,7 +36884,7 @@
           </a:ln>
           <a:extLst>
             <a:ext uri="{91240B29-F687-4F45-9708-019B960494DF}">
-              <a14:hiddenLine xmlns:a14="http://schemas.microsoft.com/office/drawing/2010/main" xmlns="" w="9525">
+              <a14:hiddenLine xmlns="" xmlns:a14="http://schemas.microsoft.com/office/drawing/2010/main" w="9525">
                 <a:solidFill>
                   <a:srgbClr val="000000"/>
                 </a:solidFill>
@@ -37346,7 +37240,7 @@
           </a:ln>
           <a:extLst>
             <a:ext uri="{91240B29-F687-4F45-9708-019B960494DF}">
-              <a14:hiddenLine xmlns:a14="http://schemas.microsoft.com/office/drawing/2010/main" xmlns="" w="9525">
+              <a14:hiddenLine xmlns="" xmlns:a14="http://schemas.microsoft.com/office/drawing/2010/main" w="9525">
                 <a:solidFill>
                   <a:srgbClr val="000000"/>
                 </a:solidFill>
@@ -37549,7 +37443,7 @@
           </a:ln>
           <a:extLst>
             <a:ext uri="{91240B29-F687-4F45-9708-019B960494DF}">
-              <a14:hiddenLine xmlns:a14="http://schemas.microsoft.com/office/drawing/2010/main" xmlns="" w="9525">
+              <a14:hiddenLine xmlns="" xmlns:a14="http://schemas.microsoft.com/office/drawing/2010/main" w="9525">
                 <a:solidFill>
                   <a:srgbClr val="000000"/>
                 </a:solidFill>
@@ -38245,7 +38139,7 @@
           </a:ln>
           <a:extLst>
             <a:ext uri="{91240B29-F687-4F45-9708-019B960494DF}">
-              <a14:hiddenLine xmlns:a14="http://schemas.microsoft.com/office/drawing/2010/main" xmlns="" w="9525">
+              <a14:hiddenLine xmlns="" xmlns:a14="http://schemas.microsoft.com/office/drawing/2010/main" w="9525">
                 <a:solidFill>
                   <a:srgbClr val="000000"/>
                 </a:solidFill>
@@ -38639,7 +38533,7 @@
           </a:ln>
           <a:extLst>
             <a:ext uri="{91240B29-F687-4F45-9708-019B960494DF}">
-              <a14:hiddenLine xmlns:a14="http://schemas.microsoft.com/office/drawing/2010/main" xmlns="" w="9525">
+              <a14:hiddenLine xmlns="" xmlns:a14="http://schemas.microsoft.com/office/drawing/2010/main" w="9525">
                 <a:solidFill>
                   <a:srgbClr val="000000"/>
                 </a:solidFill>
@@ -39244,7 +39138,7 @@
           </a:ln>
           <a:extLst>
             <a:ext uri="{91240B29-F687-4F45-9708-019B960494DF}">
-              <a14:hiddenLine xmlns:a14="http://schemas.microsoft.com/office/drawing/2010/main" xmlns="" w="9525">
+              <a14:hiddenLine xmlns="" xmlns:a14="http://schemas.microsoft.com/office/drawing/2010/main" w="9525">
                 <a:solidFill>
                   <a:srgbClr val="000000"/>
                 </a:solidFill>
@@ -39685,7 +39579,7 @@
           </a:ln>
           <a:extLst>
             <a:ext uri="{91240B29-F687-4F45-9708-019B960494DF}">
-              <a14:hiddenLine xmlns:a14="http://schemas.microsoft.com/office/drawing/2010/main" xmlns="" w="9525">
+              <a14:hiddenLine xmlns="" xmlns:a14="http://schemas.microsoft.com/office/drawing/2010/main" w="9525">
                 <a:solidFill>
                   <a:srgbClr val="000000"/>
                 </a:solidFill>
@@ -39882,18 +39776,7 @@
                 <a:ea typeface="Arial Unicode MS" panose="020B0604020202020204" pitchFamily="34" charset="-122"/>
                 <a:cs typeface="Arial Unicode MS" panose="020B0604020202020204" pitchFamily="34" charset="-122"/>
               </a:rPr>
-              <a:t>微</a:t>
-            </a:r>
-            <a:r>
-              <a:rPr lang="zh-CN" altLang="en-US" sz="2000" dirty="0" smtClean="0">
-                <a:solidFill>
-                  <a:schemeClr val="bg1"/>
-                </a:solidFill>
-                <a:latin typeface="Arial Unicode MS" panose="020B0604020202020204" pitchFamily="34" charset="-122"/>
-                <a:ea typeface="Arial Unicode MS" panose="020B0604020202020204" pitchFamily="34" charset="-122"/>
-                <a:cs typeface="Arial Unicode MS" panose="020B0604020202020204" pitchFamily="34" charset="-122"/>
-              </a:rPr>
-              <a:t>信公众号</a:t>
+              <a:t>微信公众号</a:t>
             </a:r>
             <a:endParaRPr lang="zh-CN" altLang="en-US" sz="2000" dirty="0">
               <a:solidFill>
@@ -40037,20 +39920,7 @@
                 <a:latin typeface="微软雅黑" panose="020B0503020204020204" pitchFamily="34" charset="-122"/>
                 <a:ea typeface="微软雅黑" panose="020B0503020204020204" pitchFamily="34" charset="-122"/>
               </a:rPr>
-              <a:t>项目</a:t>
-            </a:r>
-            <a:r>
-              <a:rPr lang="zh-CN" altLang="en-US" sz="2400" dirty="0" smtClean="0">
-                <a:solidFill>
-                  <a:schemeClr val="tx1">
-                    <a:lumMod val="65000"/>
-                    <a:lumOff val="35000"/>
-                  </a:schemeClr>
-                </a:solidFill>
-                <a:latin typeface="微软雅黑" panose="020B0503020204020204" pitchFamily="34" charset="-122"/>
-                <a:ea typeface="微软雅黑" panose="020B0503020204020204" pitchFamily="34" charset="-122"/>
-              </a:rPr>
-              <a:t>经理</a:t>
+              <a:t>项目经理</a:t>
             </a:r>
             <a:endParaRPr lang="en-US" altLang="zh-CN" sz="2400" dirty="0" smtClean="0">
               <a:solidFill>
@@ -40334,20 +40204,7 @@
                 <a:latin typeface="微软雅黑" panose="020B0503020204020204" pitchFamily="34" charset="-122"/>
                 <a:ea typeface="微软雅黑" panose="020B0503020204020204" pitchFamily="34" charset="-122"/>
               </a:rPr>
-              <a:t>信息</a:t>
-            </a:r>
-            <a:r>
-              <a:rPr lang="zh-CN" altLang="en-US" sz="2400" dirty="0" smtClean="0">
-                <a:solidFill>
-                  <a:schemeClr val="tx1">
-                    <a:lumMod val="65000"/>
-                    <a:lumOff val="35000"/>
-                  </a:schemeClr>
-                </a:solidFill>
-                <a:latin typeface="微软雅黑" panose="020B0503020204020204" pitchFamily="34" charset="-122"/>
-                <a:ea typeface="微软雅黑" panose="020B0503020204020204" pitchFamily="34" charset="-122"/>
-              </a:rPr>
-              <a:t>发布、宣传性质</a:t>
+              <a:t>信息发布、宣传性质</a:t>
             </a:r>
             <a:endParaRPr lang="en-US" altLang="zh-CN" sz="2400" dirty="0" smtClean="0">
               <a:solidFill>
@@ -40506,14 +40363,14 @@
           </a:ln>
           <a:extLst>
             <a:ext uri="{909E8E84-426E-40DD-AFC4-6F175D3DCCD1}">
-              <a14:hiddenFill xmlns="" xmlns:a14="http://schemas.microsoft.com/office/drawing/2010/main">
+              <a14:hiddenFill xmlns:a14="http://schemas.microsoft.com/office/drawing/2010/main" xmlns="">
                 <a:solidFill>
                   <a:srgbClr val="FFFFFF"/>
                 </a:solidFill>
               </a14:hiddenFill>
             </a:ext>
             <a:ext uri="{91240B29-F687-4F45-9708-019B960494DF}">
-              <a14:hiddenLine xmlns="" xmlns:a14="http://schemas.microsoft.com/office/drawing/2010/main" w="9525">
+              <a14:hiddenLine xmlns:a14="http://schemas.microsoft.com/office/drawing/2010/main" xmlns="" w="9525">
                 <a:solidFill>
                   <a:srgbClr val="000000"/>
                 </a:solidFill>
@@ -40616,14 +40473,14 @@
           </a:ln>
           <a:extLst>
             <a:ext uri="{909E8E84-426E-40DD-AFC4-6F175D3DCCD1}">
-              <a14:hiddenFill xmlns="" xmlns:a14="http://schemas.microsoft.com/office/drawing/2010/main">
+              <a14:hiddenFill xmlns:a14="http://schemas.microsoft.com/office/drawing/2010/main" xmlns="">
                 <a:solidFill>
                   <a:srgbClr val="FFFFFF"/>
                 </a:solidFill>
               </a14:hiddenFill>
             </a:ext>
             <a:ext uri="{91240B29-F687-4F45-9708-019B960494DF}">
-              <a14:hiddenLine xmlns="" xmlns:a14="http://schemas.microsoft.com/office/drawing/2010/main" w="9525">
+              <a14:hiddenLine xmlns:a14="http://schemas.microsoft.com/office/drawing/2010/main" xmlns="" w="9525">
                 <a:solidFill>
                   <a:srgbClr val="000000"/>
                 </a:solidFill>
@@ -40767,7 +40624,7 @@
           </a:ln>
           <a:extLst>
             <a:ext uri="{91240B29-F687-4F45-9708-019B960494DF}">
-              <a14:hiddenLine xmlns="" xmlns:a14="http://schemas.microsoft.com/office/drawing/2010/main" w="9525">
+              <a14:hiddenLine xmlns:a14="http://schemas.microsoft.com/office/drawing/2010/main" xmlns="" w="9525">
                 <a:solidFill>
                   <a:srgbClr val="000000"/>
                 </a:solidFill>
@@ -40870,14 +40727,14 @@
           </a:ln>
           <a:extLst>
             <a:ext uri="{909E8E84-426E-40DD-AFC4-6F175D3DCCD1}">
-              <a14:hiddenFill xmlns="" xmlns:a14="http://schemas.microsoft.com/office/drawing/2010/main">
+              <a14:hiddenFill xmlns:a14="http://schemas.microsoft.com/office/drawing/2010/main" xmlns="">
                 <a:solidFill>
                   <a:srgbClr val="FFFFFF"/>
                 </a:solidFill>
               </a14:hiddenFill>
             </a:ext>
             <a:ext uri="{91240B29-F687-4F45-9708-019B960494DF}">
-              <a14:hiddenLine xmlns="" xmlns:a14="http://schemas.microsoft.com/office/drawing/2010/main" w="9525">
+              <a14:hiddenLine xmlns:a14="http://schemas.microsoft.com/office/drawing/2010/main" xmlns="" w="9525">
                 <a:solidFill>
                   <a:srgbClr val="000000"/>
                 </a:solidFill>
@@ -40983,7 +40840,7 @@
           </a:ln>
           <a:extLst>
             <a:ext uri="{91240B29-F687-4F45-9708-019B960494DF}">
-              <a14:hiddenLine xmlns="" xmlns:a14="http://schemas.microsoft.com/office/drawing/2010/main" w="9525">
+              <a14:hiddenLine xmlns:a14="http://schemas.microsoft.com/office/drawing/2010/main" xmlns="" w="9525">
                 <a:solidFill>
                   <a:srgbClr val="000000"/>
                 </a:solidFill>
@@ -41086,14 +40943,14 @@
           </a:ln>
           <a:extLst>
             <a:ext uri="{909E8E84-426E-40DD-AFC4-6F175D3DCCD1}">
-              <a14:hiddenFill xmlns="" xmlns:a14="http://schemas.microsoft.com/office/drawing/2010/main">
+              <a14:hiddenFill xmlns:a14="http://schemas.microsoft.com/office/drawing/2010/main" xmlns="">
                 <a:solidFill>
                   <a:srgbClr val="FFFFFF"/>
                 </a:solidFill>
               </a14:hiddenFill>
             </a:ext>
             <a:ext uri="{91240B29-F687-4F45-9708-019B960494DF}">
-              <a14:hiddenLine xmlns="" xmlns:a14="http://schemas.microsoft.com/office/drawing/2010/main" w="9525">
+              <a14:hiddenLine xmlns:a14="http://schemas.microsoft.com/office/drawing/2010/main" xmlns="" w="9525">
                 <a:solidFill>
                   <a:srgbClr val="000000"/>
                 </a:solidFill>
@@ -41199,7 +41056,7 @@
           </a:ln>
           <a:extLst>
             <a:ext uri="{91240B29-F687-4F45-9708-019B960494DF}">
-              <a14:hiddenLine xmlns="" xmlns:a14="http://schemas.microsoft.com/office/drawing/2010/main" w="9525">
+              <a14:hiddenLine xmlns:a14="http://schemas.microsoft.com/office/drawing/2010/main" xmlns="" w="9525">
                 <a:solidFill>
                   <a:srgbClr val="000000"/>
                 </a:solidFill>
@@ -41302,14 +41159,14 @@
           </a:ln>
           <a:extLst>
             <a:ext uri="{909E8E84-426E-40DD-AFC4-6F175D3DCCD1}">
-              <a14:hiddenFill xmlns="" xmlns:a14="http://schemas.microsoft.com/office/drawing/2010/main">
+              <a14:hiddenFill xmlns:a14="http://schemas.microsoft.com/office/drawing/2010/main" xmlns="">
                 <a:solidFill>
                   <a:srgbClr val="FFFFFF"/>
                 </a:solidFill>
               </a14:hiddenFill>
             </a:ext>
             <a:ext uri="{91240B29-F687-4F45-9708-019B960494DF}">
-              <a14:hiddenLine xmlns="" xmlns:a14="http://schemas.microsoft.com/office/drawing/2010/main" w="9525">
+              <a14:hiddenLine xmlns:a14="http://schemas.microsoft.com/office/drawing/2010/main" xmlns="" w="9525">
                 <a:solidFill>
                   <a:srgbClr val="000000"/>
                 </a:solidFill>
@@ -41415,7 +41272,7 @@
           </a:ln>
           <a:extLst>
             <a:ext uri="{91240B29-F687-4F45-9708-019B960494DF}">
-              <a14:hiddenLine xmlns="" xmlns:a14="http://schemas.microsoft.com/office/drawing/2010/main" w="9525">
+              <a14:hiddenLine xmlns:a14="http://schemas.microsoft.com/office/drawing/2010/main" xmlns="" w="9525">
                 <a:solidFill>
                   <a:srgbClr val="000000"/>
                 </a:solidFill>
@@ -41518,14 +41375,14 @@
           </a:ln>
           <a:extLst>
             <a:ext uri="{909E8E84-426E-40DD-AFC4-6F175D3DCCD1}">
-              <a14:hiddenFill xmlns="" xmlns:a14="http://schemas.microsoft.com/office/drawing/2010/main">
+              <a14:hiddenFill xmlns:a14="http://schemas.microsoft.com/office/drawing/2010/main" xmlns="">
                 <a:solidFill>
                   <a:srgbClr val="FFFFFF"/>
                 </a:solidFill>
               </a14:hiddenFill>
             </a:ext>
             <a:ext uri="{91240B29-F687-4F45-9708-019B960494DF}">
-              <a14:hiddenLine xmlns="" xmlns:a14="http://schemas.microsoft.com/office/drawing/2010/main" w="9525">
+              <a14:hiddenLine xmlns:a14="http://schemas.microsoft.com/office/drawing/2010/main" xmlns="" w="9525">
                 <a:solidFill>
                   <a:srgbClr val="000000"/>
                 </a:solidFill>
@@ -41572,7 +41429,7 @@
           </a:ln>
           <a:extLst>
             <a:ext uri="{91240B29-F687-4F45-9708-019B960494DF}">
-              <a14:hiddenLine xmlns="" xmlns:a14="http://schemas.microsoft.com/office/drawing/2010/main" w="9525">
+              <a14:hiddenLine xmlns:a14="http://schemas.microsoft.com/office/drawing/2010/main" xmlns="" w="9525">
                 <a:solidFill>
                   <a:srgbClr val="000000"/>
                 </a:solidFill>
@@ -41707,7 +41564,7 @@
           </a:ln>
           <a:extLst>
             <a:ext uri="{91240B29-F687-4F45-9708-019B960494DF}">
-              <a14:hiddenLine xmlns="" xmlns:a14="http://schemas.microsoft.com/office/drawing/2010/main" w="9525">
+              <a14:hiddenLine xmlns:a14="http://schemas.microsoft.com/office/drawing/2010/main" xmlns="" w="9525">
                 <a:solidFill>
                   <a:srgbClr val="000000"/>
                 </a:solidFill>
@@ -41821,7 +41678,7 @@
           </a:ln>
           <a:extLst>
             <a:ext uri="{91240B29-F687-4F45-9708-019B960494DF}">
-              <a14:hiddenLine xmlns="" xmlns:a14="http://schemas.microsoft.com/office/drawing/2010/main" w="9525">
+              <a14:hiddenLine xmlns:a14="http://schemas.microsoft.com/office/drawing/2010/main" xmlns="" w="9525">
                 <a:solidFill>
                   <a:srgbClr val="000000"/>
                 </a:solidFill>
@@ -41935,7 +41792,7 @@
           </a:ln>
           <a:extLst>
             <a:ext uri="{91240B29-F687-4F45-9708-019B960494DF}">
-              <a14:hiddenLine xmlns="" xmlns:a14="http://schemas.microsoft.com/office/drawing/2010/main" w="9525">
+              <a14:hiddenLine xmlns:a14="http://schemas.microsoft.com/office/drawing/2010/main" xmlns="" w="9525">
                 <a:solidFill>
                   <a:srgbClr val="000000"/>
                 </a:solidFill>
@@ -42049,7 +41906,7 @@
           </a:ln>
           <a:extLst>
             <a:ext uri="{91240B29-F687-4F45-9708-019B960494DF}">
-              <a14:hiddenLine xmlns="" xmlns:a14="http://schemas.microsoft.com/office/drawing/2010/main" w="9525">
+              <a14:hiddenLine xmlns:a14="http://schemas.microsoft.com/office/drawing/2010/main" xmlns="" w="9525">
                 <a:solidFill>
                   <a:srgbClr val="000000"/>
                 </a:solidFill>
@@ -42189,7 +42046,7 @@
             </a:ln>
             <a:extLst>
               <a:ext uri="{91240B29-F687-4F45-9708-019B960494DF}">
-                <a14:hiddenLine xmlns="" xmlns:a14="http://schemas.microsoft.com/office/drawing/2010/main" w="9525">
+                <a14:hiddenLine xmlns:a14="http://schemas.microsoft.com/office/drawing/2010/main" xmlns="" w="9525">
                   <a:solidFill>
                     <a:srgbClr val="000000"/>
                   </a:solidFill>
@@ -42315,7 +42172,7 @@
             </a:ln>
             <a:extLst>
               <a:ext uri="{91240B29-F687-4F45-9708-019B960494DF}">
-                <a14:hiddenLine xmlns="" xmlns:a14="http://schemas.microsoft.com/office/drawing/2010/main" w="9525">
+                <a14:hiddenLine xmlns:a14="http://schemas.microsoft.com/office/drawing/2010/main" xmlns="" w="9525">
                   <a:solidFill>
                     <a:srgbClr val="000000"/>
                   </a:solidFill>
@@ -42441,7 +42298,7 @@
             </a:ln>
             <a:extLst>
               <a:ext uri="{91240B29-F687-4F45-9708-019B960494DF}">
-                <a14:hiddenLine xmlns="" xmlns:a14="http://schemas.microsoft.com/office/drawing/2010/main" w="9525">
+                <a14:hiddenLine xmlns:a14="http://schemas.microsoft.com/office/drawing/2010/main" xmlns="" w="9525">
                   <a:solidFill>
                     <a:srgbClr val="000000"/>
                   </a:solidFill>
@@ -42567,7 +42424,7 @@
             </a:ln>
             <a:extLst>
               <a:ext uri="{91240B29-F687-4F45-9708-019B960494DF}">
-                <a14:hiddenLine xmlns="" xmlns:a14="http://schemas.microsoft.com/office/drawing/2010/main" w="9525">
+                <a14:hiddenLine xmlns:a14="http://schemas.microsoft.com/office/drawing/2010/main" xmlns="" w="9525">
                   <a:solidFill>
                     <a:srgbClr val="000000"/>
                   </a:solidFill>
@@ -42693,7 +42550,7 @@
             </a:ln>
             <a:extLst>
               <a:ext uri="{91240B29-F687-4F45-9708-019B960494DF}">
-                <a14:hiddenLine xmlns="" xmlns:a14="http://schemas.microsoft.com/office/drawing/2010/main" w="9525">
+                <a14:hiddenLine xmlns:a14="http://schemas.microsoft.com/office/drawing/2010/main" xmlns="" w="9525">
                   <a:solidFill>
                     <a:srgbClr val="000000"/>
                   </a:solidFill>
@@ -42834,7 +42691,7 @@
             </a:ln>
             <a:extLst>
               <a:ext uri="{91240B29-F687-4F45-9708-019B960494DF}">
-                <a14:hiddenLine xmlns="" xmlns:a14="http://schemas.microsoft.com/office/drawing/2010/main" w="9525">
+                <a14:hiddenLine xmlns:a14="http://schemas.microsoft.com/office/drawing/2010/main" xmlns="" w="9525">
                   <a:solidFill>
                     <a:srgbClr val="000000"/>
                   </a:solidFill>
@@ -42960,7 +42817,7 @@
             </a:ln>
             <a:extLst>
               <a:ext uri="{91240B29-F687-4F45-9708-019B960494DF}">
-                <a14:hiddenLine xmlns="" xmlns:a14="http://schemas.microsoft.com/office/drawing/2010/main" w="9525">
+                <a14:hiddenLine xmlns:a14="http://schemas.microsoft.com/office/drawing/2010/main" xmlns="" w="9525">
                   <a:solidFill>
                     <a:srgbClr val="000000"/>
                   </a:solidFill>
@@ -43086,7 +42943,7 @@
             </a:ln>
             <a:extLst>
               <a:ext uri="{91240B29-F687-4F45-9708-019B960494DF}">
-                <a14:hiddenLine xmlns="" xmlns:a14="http://schemas.microsoft.com/office/drawing/2010/main" w="9525">
+                <a14:hiddenLine xmlns:a14="http://schemas.microsoft.com/office/drawing/2010/main" xmlns="" w="9525">
                   <a:solidFill>
                     <a:srgbClr val="000000"/>
                   </a:solidFill>
@@ -43212,7 +43069,7 @@
             </a:ln>
             <a:extLst>
               <a:ext uri="{91240B29-F687-4F45-9708-019B960494DF}">
-                <a14:hiddenLine xmlns="" xmlns:a14="http://schemas.microsoft.com/office/drawing/2010/main" w="9525">
+                <a14:hiddenLine xmlns:a14="http://schemas.microsoft.com/office/drawing/2010/main" xmlns="" w="9525">
                   <a:solidFill>
                     <a:srgbClr val="000000"/>
                   </a:solidFill>
@@ -43338,7 +43195,7 @@
             </a:ln>
             <a:extLst>
               <a:ext uri="{91240B29-F687-4F45-9708-019B960494DF}">
-                <a14:hiddenLine xmlns="" xmlns:a14="http://schemas.microsoft.com/office/drawing/2010/main" w="9525">
+                <a14:hiddenLine xmlns:a14="http://schemas.microsoft.com/office/drawing/2010/main" xmlns="" w="9525">
                   <a:solidFill>
                     <a:srgbClr val="000000"/>
                   </a:solidFill>
@@ -43452,7 +43309,7 @@
             </a:ln>
             <a:extLst>
               <a:ext uri="{91240B29-F687-4F45-9708-019B960494DF}">
-                <a14:hiddenLine xmlns="" xmlns:a14="http://schemas.microsoft.com/office/drawing/2010/main" w="9525">
+                <a14:hiddenLine xmlns:a14="http://schemas.microsoft.com/office/drawing/2010/main" xmlns="" w="9525">
                   <a:solidFill>
                     <a:srgbClr val="000000"/>
                   </a:solidFill>
@@ -43578,7 +43435,7 @@
             </a:ln>
             <a:extLst>
               <a:ext uri="{91240B29-F687-4F45-9708-019B960494DF}">
-                <a14:hiddenLine xmlns="" xmlns:a14="http://schemas.microsoft.com/office/drawing/2010/main" w="9525">
+                <a14:hiddenLine xmlns:a14="http://schemas.microsoft.com/office/drawing/2010/main" xmlns="" w="9525">
                   <a:solidFill>
                     <a:srgbClr val="000000"/>
                   </a:solidFill>
@@ -43640,7 +43497,7 @@
             </a:ln>
             <a:extLst>
               <a:ext uri="{91240B29-F687-4F45-9708-019B960494DF}">
-                <a14:hiddenLine xmlns="" xmlns:a14="http://schemas.microsoft.com/office/drawing/2010/main" w="9525">
+                <a14:hiddenLine xmlns:a14="http://schemas.microsoft.com/office/drawing/2010/main" xmlns="" w="9525">
                   <a:solidFill>
                     <a:srgbClr val="000000"/>
                   </a:solidFill>
@@ -43786,7 +43643,7 @@
             </a:ln>
             <a:extLst>
               <a:ext uri="{91240B29-F687-4F45-9708-019B960494DF}">
-                <a14:hiddenLine xmlns="" xmlns:a14="http://schemas.microsoft.com/office/drawing/2010/main" w="9525">
+                <a14:hiddenLine xmlns:a14="http://schemas.microsoft.com/office/drawing/2010/main" xmlns="" w="9525">
                   <a:solidFill>
                     <a:srgbClr val="000000"/>
                   </a:solidFill>
@@ -43833,7 +43690,7 @@
             </a:ln>
             <a:extLst>
               <a:ext uri="{91240B29-F687-4F45-9708-019B960494DF}">
-                <a14:hiddenLine xmlns="" xmlns:a14="http://schemas.microsoft.com/office/drawing/2010/main" w="9525">
+                <a14:hiddenLine xmlns:a14="http://schemas.microsoft.com/office/drawing/2010/main" xmlns="" w="9525">
                   <a:solidFill>
                     <a:srgbClr val="000000"/>
                   </a:solidFill>
@@ -43979,7 +43836,7 @@
             </a:ln>
             <a:extLst>
               <a:ext uri="{91240B29-F687-4F45-9708-019B960494DF}">
-                <a14:hiddenLine xmlns="" xmlns:a14="http://schemas.microsoft.com/office/drawing/2010/main" w="9525">
+                <a14:hiddenLine xmlns:a14="http://schemas.microsoft.com/office/drawing/2010/main" xmlns="" w="9525">
                   <a:solidFill>
                     <a:srgbClr val="000000"/>
                   </a:solidFill>
@@ -44026,7 +43883,7 @@
             </a:ln>
             <a:extLst>
               <a:ext uri="{91240B29-F687-4F45-9708-019B960494DF}">
-                <a14:hiddenLine xmlns="" xmlns:a14="http://schemas.microsoft.com/office/drawing/2010/main" w="9525">
+                <a14:hiddenLine xmlns:a14="http://schemas.microsoft.com/office/drawing/2010/main" xmlns="" w="9525">
                   <a:solidFill>
                     <a:srgbClr val="000000"/>
                   </a:solidFill>
@@ -44172,7 +44029,7 @@
             </a:ln>
             <a:extLst>
               <a:ext uri="{91240B29-F687-4F45-9708-019B960494DF}">
-                <a14:hiddenLine xmlns="" xmlns:a14="http://schemas.microsoft.com/office/drawing/2010/main" w="9525">
+                <a14:hiddenLine xmlns:a14="http://schemas.microsoft.com/office/drawing/2010/main" xmlns="" w="9525">
                   <a:solidFill>
                     <a:srgbClr val="000000"/>
                   </a:solidFill>
@@ -44219,7 +44076,7 @@
             </a:ln>
             <a:extLst>
               <a:ext uri="{91240B29-F687-4F45-9708-019B960494DF}">
-                <a14:hiddenLine xmlns="" xmlns:a14="http://schemas.microsoft.com/office/drawing/2010/main" w="9525">
+                <a14:hiddenLine xmlns:a14="http://schemas.microsoft.com/office/drawing/2010/main" xmlns="" w="9525">
                   <a:solidFill>
                     <a:srgbClr val="000000"/>
                   </a:solidFill>
@@ -44365,7 +44222,7 @@
             </a:ln>
             <a:extLst>
               <a:ext uri="{91240B29-F687-4F45-9708-019B960494DF}">
-                <a14:hiddenLine xmlns="" xmlns:a14="http://schemas.microsoft.com/office/drawing/2010/main" w="9525">
+                <a14:hiddenLine xmlns:a14="http://schemas.microsoft.com/office/drawing/2010/main" xmlns="" w="9525">
                   <a:solidFill>
                     <a:srgbClr val="000000"/>
                   </a:solidFill>
@@ -44412,7 +44269,7 @@
             </a:ln>
             <a:extLst>
               <a:ext uri="{91240B29-F687-4F45-9708-019B960494DF}">
-                <a14:hiddenLine xmlns="" xmlns:a14="http://schemas.microsoft.com/office/drawing/2010/main" w="9525">
+                <a14:hiddenLine xmlns:a14="http://schemas.microsoft.com/office/drawing/2010/main" xmlns="" w="9525">
                   <a:solidFill>
                     <a:srgbClr val="000000"/>
                   </a:solidFill>
@@ -44558,7 +44415,7 @@
             </a:ln>
             <a:extLst>
               <a:ext uri="{91240B29-F687-4F45-9708-019B960494DF}">
-                <a14:hiddenLine xmlns="" xmlns:a14="http://schemas.microsoft.com/office/drawing/2010/main" w="9525">
+                <a14:hiddenLine xmlns:a14="http://schemas.microsoft.com/office/drawing/2010/main" xmlns="" w="9525">
                   <a:solidFill>
                     <a:srgbClr val="000000"/>
                   </a:solidFill>
@@ -44728,7 +44585,7 @@
             </a:ln>
             <a:extLst>
               <a:ext uri="{91240B29-F687-4F45-9708-019B960494DF}">
-                <a14:hiddenLine xmlns="" xmlns:a14="http://schemas.microsoft.com/office/drawing/2010/main" w="9525">
+                <a14:hiddenLine xmlns:a14="http://schemas.microsoft.com/office/drawing/2010/main" xmlns="" w="9525">
                   <a:solidFill>
                     <a:srgbClr val="000000"/>
                   </a:solidFill>
@@ -44923,7 +44780,7 @@
             </a:ln>
             <a:extLst>
               <a:ext uri="{91240B29-F687-4F45-9708-019B960494DF}">
-                <a14:hiddenLine xmlns="" xmlns:a14="http://schemas.microsoft.com/office/drawing/2010/main" w="9525">
+                <a14:hiddenLine xmlns:a14="http://schemas.microsoft.com/office/drawing/2010/main" xmlns="" w="9525">
                   <a:solidFill>
                     <a:srgbClr val="000000"/>
                   </a:solidFill>
@@ -45158,7 +45015,7 @@
             </a:ln>
             <a:extLst>
               <a:ext uri="{91240B29-F687-4F45-9708-019B960494DF}">
-                <a14:hiddenLine xmlns="" xmlns:a14="http://schemas.microsoft.com/office/drawing/2010/main" w="9525">
+                <a14:hiddenLine xmlns:a14="http://schemas.microsoft.com/office/drawing/2010/main" xmlns="" w="9525">
                   <a:solidFill>
                     <a:srgbClr val="000000"/>
                   </a:solidFill>
@@ -45205,7 +45062,7 @@
             </a:ln>
             <a:extLst>
               <a:ext uri="{91240B29-F687-4F45-9708-019B960494DF}">
-                <a14:hiddenLine xmlns="" xmlns:a14="http://schemas.microsoft.com/office/drawing/2010/main" w="9525">
+                <a14:hiddenLine xmlns:a14="http://schemas.microsoft.com/office/drawing/2010/main" xmlns="" w="9525">
                   <a:solidFill>
                     <a:srgbClr val="000000"/>
                   </a:solidFill>
@@ -45252,7 +45109,7 @@
             </a:ln>
             <a:extLst>
               <a:ext uri="{91240B29-F687-4F45-9708-019B960494DF}">
-                <a14:hiddenLine xmlns="" xmlns:a14="http://schemas.microsoft.com/office/drawing/2010/main" w="9525">
+                <a14:hiddenLine xmlns:a14="http://schemas.microsoft.com/office/drawing/2010/main" xmlns="" w="9525">
                   <a:solidFill>
                     <a:srgbClr val="000000"/>
                   </a:solidFill>
@@ -45299,7 +45156,7 @@
             </a:ln>
             <a:extLst>
               <a:ext uri="{91240B29-F687-4F45-9708-019B960494DF}">
-                <a14:hiddenLine xmlns="" xmlns:a14="http://schemas.microsoft.com/office/drawing/2010/main" w="9525">
+                <a14:hiddenLine xmlns:a14="http://schemas.microsoft.com/office/drawing/2010/main" xmlns="" w="9525">
                   <a:solidFill>
                     <a:srgbClr val="000000"/>
                   </a:solidFill>
@@ -45346,7 +45203,7 @@
             </a:ln>
             <a:extLst>
               <a:ext uri="{91240B29-F687-4F45-9708-019B960494DF}">
-                <a14:hiddenLine xmlns="" xmlns:a14="http://schemas.microsoft.com/office/drawing/2010/main" w="9525">
+                <a14:hiddenLine xmlns:a14="http://schemas.microsoft.com/office/drawing/2010/main" xmlns="" w="9525">
                   <a:solidFill>
                     <a:srgbClr val="000000"/>
                   </a:solidFill>
@@ -45673,18 +45530,7 @@
                 <a:ea typeface="Arial Unicode MS" panose="020B0604020202020204" pitchFamily="34" charset="-122"/>
                 <a:cs typeface="Arial Unicode MS" panose="020B0604020202020204" pitchFamily="34" charset="-122"/>
               </a:rPr>
-              <a:t>管理</a:t>
-            </a:r>
-            <a:r>
-              <a:rPr lang="zh-CN" altLang="en-US" sz="2000" dirty="0" smtClean="0">
-                <a:solidFill>
-                  <a:schemeClr val="bg1"/>
-                </a:solidFill>
-                <a:latin typeface="Arial Unicode MS" panose="020B0604020202020204" pitchFamily="34" charset="-122"/>
-                <a:ea typeface="Arial Unicode MS" panose="020B0604020202020204" pitchFamily="34" charset="-122"/>
-                <a:cs typeface="Arial Unicode MS" panose="020B0604020202020204" pitchFamily="34" charset="-122"/>
-              </a:rPr>
-              <a:t>软件</a:t>
+              <a:t>管理软件</a:t>
             </a:r>
             <a:r>
               <a:rPr lang="en-US" altLang="zh-CN" sz="2000" dirty="0" smtClean="0">
@@ -46226,7 +46072,7 @@
             </a:ln>
             <a:extLst>
               <a:ext uri="{91240B29-F687-4F45-9708-019B960494DF}">
-                <a14:hiddenLine xmlns:a14="http://schemas.microsoft.com/office/drawing/2010/main" xmlns="" w="9525">
+                <a14:hiddenLine xmlns="" xmlns:a14="http://schemas.microsoft.com/office/drawing/2010/main" w="9525">
                   <a:solidFill>
                     <a:srgbClr val="000000"/>
                   </a:solidFill>
@@ -46350,7 +46196,7 @@
             </a:ln>
             <a:extLst>
               <a:ext uri="{91240B29-F687-4F45-9708-019B960494DF}">
-                <a14:hiddenLine xmlns:a14="http://schemas.microsoft.com/office/drawing/2010/main" xmlns="" w="9525">
+                <a14:hiddenLine xmlns="" xmlns:a14="http://schemas.microsoft.com/office/drawing/2010/main" w="9525">
                   <a:solidFill>
                     <a:srgbClr val="000000"/>
                   </a:solidFill>
@@ -46474,7 +46320,7 @@
             </a:ln>
             <a:extLst>
               <a:ext uri="{91240B29-F687-4F45-9708-019B960494DF}">
-                <a14:hiddenLine xmlns:a14="http://schemas.microsoft.com/office/drawing/2010/main" xmlns="" w="9525">
+                <a14:hiddenLine xmlns="" xmlns:a14="http://schemas.microsoft.com/office/drawing/2010/main" w="9525">
                   <a:solidFill>
                     <a:srgbClr val="000000"/>
                   </a:solidFill>
@@ -46598,7 +46444,7 @@
             </a:ln>
             <a:extLst>
               <a:ext uri="{91240B29-F687-4F45-9708-019B960494DF}">
-                <a14:hiddenLine xmlns:a14="http://schemas.microsoft.com/office/drawing/2010/main" xmlns="" w="9525">
+                <a14:hiddenLine xmlns="" xmlns:a14="http://schemas.microsoft.com/office/drawing/2010/main" w="9525">
                   <a:solidFill>
                     <a:srgbClr val="000000"/>
                   </a:solidFill>
@@ -46722,7 +46568,7 @@
             </a:ln>
             <a:extLst>
               <a:ext uri="{91240B29-F687-4F45-9708-019B960494DF}">
-                <a14:hiddenLine xmlns:a14="http://schemas.microsoft.com/office/drawing/2010/main" xmlns="" w="9525">
+                <a14:hiddenLine xmlns="" xmlns:a14="http://schemas.microsoft.com/office/drawing/2010/main" w="9525">
                   <a:solidFill>
                     <a:srgbClr val="000000"/>
                   </a:solidFill>
@@ -46978,7 +46824,7 @@
             </a:ln>
             <a:extLst>
               <a:ext uri="{91240B29-F687-4F45-9708-019B960494DF}">
-                <a14:hiddenLine xmlns:a14="http://schemas.microsoft.com/office/drawing/2010/main" xmlns="" w="9525">
+                <a14:hiddenLine xmlns="" xmlns:a14="http://schemas.microsoft.com/office/drawing/2010/main" w="9525">
                   <a:solidFill>
                     <a:srgbClr val="000000"/>
                   </a:solidFill>
@@ -47482,7 +47328,7 @@
             </a:ln>
             <a:extLst>
               <a:ext uri="{91240B29-F687-4F45-9708-019B960494DF}">
-                <a14:hiddenLine xmlns:a14="http://schemas.microsoft.com/office/drawing/2010/main" xmlns="" w="9525">
+                <a14:hiddenLine xmlns="" xmlns:a14="http://schemas.microsoft.com/office/drawing/2010/main" w="9525">
                   <a:solidFill>
                     <a:srgbClr val="000000"/>
                   </a:solidFill>
@@ -47708,7 +47554,7 @@
             </a:ln>
             <a:extLst>
               <a:ext uri="{91240B29-F687-4F45-9708-019B960494DF}">
-                <a14:hiddenLine xmlns:a14="http://schemas.microsoft.com/office/drawing/2010/main" xmlns="" w="9525">
+                <a14:hiddenLine xmlns="" xmlns:a14="http://schemas.microsoft.com/office/drawing/2010/main" w="9525">
                   <a:solidFill>
                     <a:srgbClr val="000000"/>
                   </a:solidFill>
@@ -47755,7 +47601,7 @@
             </a:ln>
             <a:extLst>
               <a:ext uri="{91240B29-F687-4F45-9708-019B960494DF}">
-                <a14:hiddenLine xmlns:a14="http://schemas.microsoft.com/office/drawing/2010/main" xmlns="" w="9525">
+                <a14:hiddenLine xmlns="" xmlns:a14="http://schemas.microsoft.com/office/drawing/2010/main" w="9525">
                   <a:solidFill>
                     <a:srgbClr val="000000"/>
                   </a:solidFill>
@@ -48308,7 +48154,7 @@
             </a:ln>
             <a:extLst>
               <a:ext uri="{91240B29-F687-4F45-9708-019B960494DF}">
-                <a14:hiddenLine xmlns:a14="http://schemas.microsoft.com/office/drawing/2010/main" xmlns="" w="9525">
+                <a14:hiddenLine xmlns="" xmlns:a14="http://schemas.microsoft.com/office/drawing/2010/main" w="9525">
                   <a:solidFill>
                     <a:srgbClr val="000000"/>
                   </a:solidFill>
@@ -48504,7 +48350,7 @@
             </a:ln>
             <a:extLst>
               <a:ext uri="{91240B29-F687-4F45-9708-019B960494DF}">
-                <a14:hiddenLine xmlns:a14="http://schemas.microsoft.com/office/drawing/2010/main" xmlns="" w="9525">
+                <a14:hiddenLine xmlns="" xmlns:a14="http://schemas.microsoft.com/office/drawing/2010/main" w="9525">
                   <a:solidFill>
                     <a:srgbClr val="000000"/>
                   </a:solidFill>
@@ -48600,7 +48446,7 @@
             </a:ln>
             <a:extLst>
               <a:ext uri="{91240B29-F687-4F45-9708-019B960494DF}">
-                <a14:hiddenLine xmlns:a14="http://schemas.microsoft.com/office/drawing/2010/main" xmlns="" w="9525">
+                <a14:hiddenLine xmlns="" xmlns:a14="http://schemas.microsoft.com/office/drawing/2010/main" w="9525">
                   <a:solidFill>
                     <a:srgbClr val="000000"/>
                   </a:solidFill>
@@ -48706,7 +48552,7 @@
             </a:ln>
             <a:extLst>
               <a:ext uri="{91240B29-F687-4F45-9708-019B960494DF}">
-                <a14:hiddenLine xmlns:a14="http://schemas.microsoft.com/office/drawing/2010/main" xmlns="" w="9525">
+                <a14:hiddenLine xmlns="" xmlns:a14="http://schemas.microsoft.com/office/drawing/2010/main" w="9525">
                   <a:solidFill>
                     <a:srgbClr val="000000"/>
                   </a:solidFill>
@@ -48812,7 +48658,7 @@
             </a:ln>
             <a:extLst>
               <a:ext uri="{91240B29-F687-4F45-9708-019B960494DF}">
-                <a14:hiddenLine xmlns:a14="http://schemas.microsoft.com/office/drawing/2010/main" xmlns="" w="9525">
+                <a14:hiddenLine xmlns="" xmlns:a14="http://schemas.microsoft.com/office/drawing/2010/main" w="9525">
                   <a:solidFill>
                     <a:srgbClr val="000000"/>
                   </a:solidFill>
@@ -48928,7 +48774,7 @@
             </a:ln>
             <a:extLst>
               <a:ext uri="{91240B29-F687-4F45-9708-019B960494DF}">
-                <a14:hiddenLine xmlns:a14="http://schemas.microsoft.com/office/drawing/2010/main" xmlns="" w="9525">
+                <a14:hiddenLine xmlns="" xmlns:a14="http://schemas.microsoft.com/office/drawing/2010/main" w="9525">
                   <a:solidFill>
                     <a:srgbClr val="000000"/>
                   </a:solidFill>
@@ -49032,7 +48878,7 @@
             </a:ln>
             <a:extLst>
               <a:ext uri="{91240B29-F687-4F45-9708-019B960494DF}">
-                <a14:hiddenLine xmlns:a14="http://schemas.microsoft.com/office/drawing/2010/main" xmlns="" w="9525">
+                <a14:hiddenLine xmlns="" xmlns:a14="http://schemas.microsoft.com/office/drawing/2010/main" w="9525">
                   <a:solidFill>
                     <a:srgbClr val="000000"/>
                   </a:solidFill>
@@ -49128,7 +48974,7 @@
             </a:ln>
             <a:extLst>
               <a:ext uri="{91240B29-F687-4F45-9708-019B960494DF}">
-                <a14:hiddenLine xmlns:a14="http://schemas.microsoft.com/office/drawing/2010/main" xmlns="" w="9525">
+                <a14:hiddenLine xmlns="" xmlns:a14="http://schemas.microsoft.com/office/drawing/2010/main" w="9525">
                   <a:solidFill>
                     <a:srgbClr val="000000"/>
                   </a:solidFill>
@@ -49234,7 +49080,7 @@
             </a:ln>
             <a:extLst>
               <a:ext uri="{91240B29-F687-4F45-9708-019B960494DF}">
-                <a14:hiddenLine xmlns:a14="http://schemas.microsoft.com/office/drawing/2010/main" xmlns="" w="9525">
+                <a14:hiddenLine xmlns="" xmlns:a14="http://schemas.microsoft.com/office/drawing/2010/main" w="9525">
                   <a:solidFill>
                     <a:srgbClr val="000000"/>
                   </a:solidFill>
@@ -49360,7 +49206,7 @@
             </a:ln>
             <a:extLst>
               <a:ext uri="{91240B29-F687-4F45-9708-019B960494DF}">
-                <a14:hiddenLine xmlns:a14="http://schemas.microsoft.com/office/drawing/2010/main" xmlns="" w="9525">
+                <a14:hiddenLine xmlns="" xmlns:a14="http://schemas.microsoft.com/office/drawing/2010/main" w="9525">
                   <a:solidFill>
                     <a:srgbClr val="000000"/>
                   </a:solidFill>
@@ -49476,7 +49322,7 @@
             </a:ln>
             <a:extLst>
               <a:ext uri="{91240B29-F687-4F45-9708-019B960494DF}">
-                <a14:hiddenLine xmlns:a14="http://schemas.microsoft.com/office/drawing/2010/main" xmlns="" w="9525">
+                <a14:hiddenLine xmlns="" xmlns:a14="http://schemas.microsoft.com/office/drawing/2010/main" w="9525">
                   <a:solidFill>
                     <a:srgbClr val="000000"/>
                   </a:solidFill>
@@ -49572,7 +49418,7 @@
             </a:ln>
             <a:extLst>
               <a:ext uri="{91240B29-F687-4F45-9708-019B960494DF}">
-                <a14:hiddenLine xmlns:a14="http://schemas.microsoft.com/office/drawing/2010/main" xmlns="" w="9525">
+                <a14:hiddenLine xmlns="" xmlns:a14="http://schemas.microsoft.com/office/drawing/2010/main" w="9525">
                   <a:solidFill>
                     <a:srgbClr val="000000"/>
                   </a:solidFill>
@@ -49698,7 +49544,7 @@
             </a:ln>
             <a:extLst>
               <a:ext uri="{91240B29-F687-4F45-9708-019B960494DF}">
-                <a14:hiddenLine xmlns:a14="http://schemas.microsoft.com/office/drawing/2010/main" xmlns="" w="9525">
+                <a14:hiddenLine xmlns="" xmlns:a14="http://schemas.microsoft.com/office/drawing/2010/main" w="9525">
                   <a:solidFill>
                     <a:srgbClr val="000000"/>
                   </a:solidFill>
@@ -49804,7 +49650,7 @@
             </a:ln>
             <a:extLst>
               <a:ext uri="{91240B29-F687-4F45-9708-019B960494DF}">
-                <a14:hiddenLine xmlns:a14="http://schemas.microsoft.com/office/drawing/2010/main" xmlns="" w="9525">
+                <a14:hiddenLine xmlns="" xmlns:a14="http://schemas.microsoft.com/office/drawing/2010/main" w="9525">
                   <a:solidFill>
                     <a:srgbClr val="000000"/>
                   </a:solidFill>
@@ -49910,7 +49756,7 @@
             </a:ln>
             <a:extLst>
               <a:ext uri="{91240B29-F687-4F45-9708-019B960494DF}">
-                <a14:hiddenLine xmlns:a14="http://schemas.microsoft.com/office/drawing/2010/main" xmlns="" w="9525">
+                <a14:hiddenLine xmlns="" xmlns:a14="http://schemas.microsoft.com/office/drawing/2010/main" w="9525">
                   <a:solidFill>
                     <a:srgbClr val="000000"/>
                   </a:solidFill>
@@ -50006,7 +49852,7 @@
             </a:ln>
             <a:extLst>
               <a:ext uri="{91240B29-F687-4F45-9708-019B960494DF}">
-                <a14:hiddenLine xmlns:a14="http://schemas.microsoft.com/office/drawing/2010/main" xmlns="" w="9525">
+                <a14:hiddenLine xmlns="" xmlns:a14="http://schemas.microsoft.com/office/drawing/2010/main" w="9525">
                   <a:solidFill>
                     <a:srgbClr val="000000"/>
                   </a:solidFill>
@@ -50112,7 +49958,7 @@
             </a:ln>
             <a:extLst>
               <a:ext uri="{91240B29-F687-4F45-9708-019B960494DF}">
-                <a14:hiddenLine xmlns:a14="http://schemas.microsoft.com/office/drawing/2010/main" xmlns="" w="9525">
+                <a14:hiddenLine xmlns="" xmlns:a14="http://schemas.microsoft.com/office/drawing/2010/main" w="9525">
                   <a:solidFill>
                     <a:srgbClr val="000000"/>
                   </a:solidFill>
@@ -50218,7 +50064,7 @@
             </a:ln>
             <a:extLst>
               <a:ext uri="{91240B29-F687-4F45-9708-019B960494DF}">
-                <a14:hiddenLine xmlns:a14="http://schemas.microsoft.com/office/drawing/2010/main" xmlns="" w="9525">
+                <a14:hiddenLine xmlns="" xmlns:a14="http://schemas.microsoft.com/office/drawing/2010/main" w="9525">
                   <a:solidFill>
                     <a:srgbClr val="000000"/>
                   </a:solidFill>
@@ -50467,7 +50313,7 @@
             </a:ln>
             <a:extLst>
               <a:ext uri="{91240B29-F687-4F45-9708-019B960494DF}">
-                <a14:hiddenLine xmlns:a14="http://schemas.microsoft.com/office/drawing/2010/main" xmlns="" w="9525">
+                <a14:hiddenLine xmlns="" xmlns:a14="http://schemas.microsoft.com/office/drawing/2010/main" w="9525">
                   <a:solidFill>
                     <a:srgbClr val="000000"/>
                   </a:solidFill>
@@ -50499,7 +50345,7 @@
         </p:nvSpPr>
         <p:spPr>
           <a:xfrm>
-            <a:off x="5906130" y="2788174"/>
+            <a:off x="5906130" y="3402764"/>
             <a:ext cx="4801314" cy="1200329"/>
           </a:xfrm>
           <a:prstGeom prst="rect">
@@ -50556,6 +50402,64 @@
                 <a:srgbClr val="F6F5F5"/>
               </a:solidFill>
             </a:endParaRPr>
+          </a:p>
+        </p:txBody>
+      </p:sp>
+      <p:sp>
+        <p:nvSpPr>
+          <p:cNvPr id="34" name="TextBox 33"/>
+          <p:cNvSpPr txBox="1"/>
+          <p:nvPr/>
+        </p:nvSpPr>
+        <p:spPr>
+          <a:xfrm>
+            <a:off x="5666282" y="569626"/>
+            <a:ext cx="4352474" cy="2554545"/>
+          </a:xfrm>
+          <a:prstGeom prst="rect">
+            <a:avLst/>
+          </a:prstGeom>
+          <a:noFill/>
+        </p:spPr>
+        <p:txBody>
+          <a:bodyPr wrap="none" rtlCol="0">
+            <a:spAutoFit/>
+          </a:bodyPr>
+          <a:lstStyle/>
+          <a:p>
+            <a:r>
+              <a:rPr lang="en-US" altLang="zh-CN" sz="4000" dirty="0" smtClean="0"/>
+              <a:t>“</a:t>
+            </a:r>
+          </a:p>
+          <a:p>
+            <a:r>
+              <a:rPr lang="en-US" altLang="zh-CN" sz="4000" dirty="0" smtClean="0"/>
+              <a:t> </a:t>
+            </a:r>
+            <a:r>
+              <a:rPr lang="en-US" altLang="zh-CN" sz="4000" dirty="0" smtClean="0"/>
+              <a:t>    </a:t>
+            </a:r>
+            <a:r>
+              <a:rPr lang="zh-CN" altLang="en-US" sz="4000" dirty="0" smtClean="0"/>
+              <a:t>如果批评不自由</a:t>
+            </a:r>
+            <a:endParaRPr lang="en-US" altLang="zh-CN" sz="4000" dirty="0" smtClean="0"/>
+          </a:p>
+          <a:p>
+            <a:r>
+              <a:rPr lang="zh-CN" altLang="en-US" sz="4000" dirty="0" smtClean="0"/>
+              <a:t>     则赞美无意义</a:t>
+            </a:r>
+            <a:endParaRPr lang="en-US" altLang="zh-CN" sz="4000" dirty="0" smtClean="0"/>
+          </a:p>
+          <a:p>
+            <a:r>
+              <a:rPr lang="en-US" altLang="zh-CN" sz="4000" dirty="0" smtClean="0"/>
+              <a:t>”</a:t>
+            </a:r>
+            <a:endParaRPr lang="zh-CN" altLang="en-US" sz="4000" dirty="0"/>
           </a:p>
         </p:txBody>
       </p:sp>
@@ -50769,7 +50673,7 @@
   <a:extraClrSchemeLst/>
   <a:extLst>
     <a:ext uri="{05A4C25C-085E-4340-85A3-A5531E510DB2}">
-      <thm15:themeFamily xmlns="" xmlns:thm15="http://schemas.microsoft.com/office/thememl/2012/main" name="Office Theme" id="{62F939B6-93AF-4DB8-9C6B-D6C7DFDC589F}" vid="{4A3C46E8-61CC-4603-A589-7422A47A8E4A}"/>
+      <thm15:themeFamily xmlns:thm15="http://schemas.microsoft.com/office/thememl/2012/main" xmlns="" name="Office Theme" id="{62F939B6-93AF-4DB8-9C6B-D6C7DFDC589F}" vid="{4A3C46E8-61CC-4603-A589-7422A47A8E4A}"/>
     </a:ext>
   </a:extLst>
 </a:theme>
@@ -51030,7 +50934,7 @@
   <a:extraClrSchemeLst/>
   <a:extLst>
     <a:ext uri="{05A4C25C-085E-4340-85A3-A5531E510DB2}">
-      <thm15:themeFamily xmlns="" xmlns:thm15="http://schemas.microsoft.com/office/thememl/2012/main" name="Office Theme" id="{62F939B6-93AF-4DB8-9C6B-D6C7DFDC589F}" vid="{4A3C46E8-61CC-4603-A589-7422A47A8E4A}"/>
+      <thm15:themeFamily xmlns:thm15="http://schemas.microsoft.com/office/thememl/2012/main" xmlns="" name="Office Theme" id="{62F939B6-93AF-4DB8-9C6B-D6C7DFDC589F}" vid="{4A3C46E8-61CC-4603-A589-7422A47A8E4A}"/>
     </a:ext>
   </a:extLst>
 </a:theme>

--- a/doc/01 概要设计/PSI.pptx
+++ b/doc/01 概要设计/PSI.pptx
@@ -116,7 +116,7 @@
   </p:defaultTextStyle>
   <p:extLst>
     <p:ext uri="{EFAFB233-063F-42B5-8137-9DF3F51BA10A}">
-      <p15:sldGuideLst xmlns:p15="http://schemas.microsoft.com/office/powerpoint/2012/main" xmlns="">
+      <p15:sldGuideLst xmlns="" xmlns:p15="http://schemas.microsoft.com/office/powerpoint/2012/main">
         <p15:guide id="2" pos="3863" userDrawn="1">
           <p15:clr>
             <a:srgbClr val="A4A3A4"/>
@@ -216,7 +216,7 @@
             <a:fld id="{C86B11F5-5059-4E45-9721-EB94D5B4201D}" type="datetimeFigureOut">
               <a:rPr lang="zh-CN" altLang="en-US" smtClean="0"/>
               <a:pPr/>
-              <a:t>2015/3/8</a:t>
+              <a:t>2015/3/9</a:t>
             </a:fld>
             <a:endParaRPr lang="zh-CN" altLang="en-US"/>
           </a:p>
@@ -385,7 +385,7 @@
     </p:spTree>
     <p:extLst>
       <p:ext uri="{BB962C8B-B14F-4D97-AF65-F5344CB8AC3E}">
-        <p14:creationId xmlns:p14="http://schemas.microsoft.com/office/powerpoint/2010/main" xmlns="" val="2524148835"/>
+        <p14:creationId xmlns="" xmlns:p14="http://schemas.microsoft.com/office/powerpoint/2010/main" val="2524148835"/>
       </p:ext>
     </p:extLst>
   </p:cSld>
@@ -514,7 +514,7 @@
           <a:blip r:embed="rId2" cstate="screen">
             <a:extLst>
               <a:ext uri="{28A0092B-C50C-407E-A947-70E740481C1C}">
-                <a14:useLocalDpi xmlns:a14="http://schemas.microsoft.com/office/drawing/2010/main" xmlns=""/>
+                <a14:useLocalDpi xmlns="" xmlns:a14="http://schemas.microsoft.com/office/drawing/2010/main"/>
               </a:ext>
             </a:extLst>
           </a:blip>
@@ -1117,7 +1117,7 @@
             </a:ln>
             <a:extLst>
               <a:ext uri="{909E8E84-426E-40DD-AFC4-6F175D3DCCD1}">
-                <a14:hiddenFill xmlns:a14="http://schemas.microsoft.com/office/drawing/2010/main" xmlns="">
+                <a14:hiddenFill xmlns="" xmlns:a14="http://schemas.microsoft.com/office/drawing/2010/main">
                   <a:solidFill>
                     <a:srgbClr val="FFFFFF"/>
                   </a:solidFill>
@@ -1165,7 +1165,7 @@
             </a:ln>
             <a:extLst>
               <a:ext uri="{909E8E84-426E-40DD-AFC4-6F175D3DCCD1}">
-                <a14:hiddenFill xmlns:a14="http://schemas.microsoft.com/office/drawing/2010/main" xmlns="">
+                <a14:hiddenFill xmlns="" xmlns:a14="http://schemas.microsoft.com/office/drawing/2010/main">
                   <a:noFill/>
                 </a14:hiddenFill>
               </a:ext>
@@ -1262,7 +1262,7 @@
             </a:ln>
             <a:extLst>
               <a:ext uri="{909E8E84-426E-40DD-AFC4-6F175D3DCCD1}">
-                <a14:hiddenFill xmlns:a14="http://schemas.microsoft.com/office/drawing/2010/main" xmlns="">
+                <a14:hiddenFill xmlns="" xmlns:a14="http://schemas.microsoft.com/office/drawing/2010/main">
                   <a:solidFill>
                     <a:srgbClr val="FFFFFF"/>
                   </a:solidFill>
@@ -3826,7 +3826,7 @@
     </p:spTree>
     <p:extLst>
       <p:ext uri="{BB962C8B-B14F-4D97-AF65-F5344CB8AC3E}">
-        <p14:creationId xmlns:p14="http://schemas.microsoft.com/office/powerpoint/2010/main" xmlns="" val="2830079814"/>
+        <p14:creationId xmlns="" xmlns:p14="http://schemas.microsoft.com/office/powerpoint/2010/main" val="2830079814"/>
       </p:ext>
     </p:extLst>
   </p:cSld>
@@ -3875,7 +3875,7 @@
           <a:blip r:embed="rId2" cstate="screen">
             <a:extLst>
               <a:ext uri="{28A0092B-C50C-407E-A947-70E740481C1C}">
-                <a14:useLocalDpi xmlns:a14="http://schemas.microsoft.com/office/drawing/2010/main" xmlns=""/>
+                <a14:useLocalDpi xmlns="" xmlns:a14="http://schemas.microsoft.com/office/drawing/2010/main"/>
               </a:ext>
             </a:extLst>
           </a:blip>
@@ -3935,7 +3935,7 @@
             </a:ln>
             <a:extLst>
               <a:ext uri="{909E8E84-426E-40DD-AFC4-6F175D3DCCD1}">
-                <a14:hiddenFill xmlns:a14="http://schemas.microsoft.com/office/drawing/2010/main" xmlns="">
+                <a14:hiddenFill xmlns="" xmlns:a14="http://schemas.microsoft.com/office/drawing/2010/main">
                   <a:solidFill>
                     <a:srgbClr val="FFFFFF"/>
                   </a:solidFill>
@@ -3983,7 +3983,7 @@
             </a:ln>
             <a:extLst>
               <a:ext uri="{909E8E84-426E-40DD-AFC4-6F175D3DCCD1}">
-                <a14:hiddenFill xmlns:a14="http://schemas.microsoft.com/office/drawing/2010/main" xmlns="">
+                <a14:hiddenFill xmlns="" xmlns:a14="http://schemas.microsoft.com/office/drawing/2010/main">
                   <a:noFill/>
                 </a14:hiddenFill>
               </a:ext>
@@ -4080,7 +4080,7 @@
             </a:ln>
             <a:extLst>
               <a:ext uri="{909E8E84-426E-40DD-AFC4-6F175D3DCCD1}">
-                <a14:hiddenFill xmlns:a14="http://schemas.microsoft.com/office/drawing/2010/main" xmlns="">
+                <a14:hiddenFill xmlns="" xmlns:a14="http://schemas.microsoft.com/office/drawing/2010/main">
                   <a:solidFill>
                     <a:srgbClr val="FFFFFF"/>
                   </a:solidFill>
@@ -4282,7 +4282,7 @@
           </a:ln>
           <a:extLst>
             <a:ext uri="{91240B29-F687-4F45-9708-019B960494DF}">
-              <a14:hiddenLine xmlns:a14="http://schemas.microsoft.com/office/drawing/2010/main" xmlns="" w="9525">
+              <a14:hiddenLine xmlns="" xmlns:a14="http://schemas.microsoft.com/office/drawing/2010/main" w="9525">
                 <a:solidFill>
                   <a:srgbClr val="000000"/>
                 </a:solidFill>
@@ -4622,7 +4622,7 @@
               </a:ln>
               <a:extLst>
                 <a:ext uri="{91240B29-F687-4F45-9708-019B960494DF}">
-                  <a14:hiddenLine xmlns:a14="http://schemas.microsoft.com/office/drawing/2010/main" xmlns="" w="9525">
+                  <a14:hiddenLine xmlns="" xmlns:a14="http://schemas.microsoft.com/office/drawing/2010/main" w="9525">
                     <a:solidFill>
                       <a:srgbClr val="000000"/>
                     </a:solidFill>
@@ -4795,7 +4795,7 @@
               </a:ln>
               <a:extLst>
                 <a:ext uri="{91240B29-F687-4F45-9708-019B960494DF}">
-                  <a14:hiddenLine xmlns:a14="http://schemas.microsoft.com/office/drawing/2010/main" xmlns="" w="9525">
+                  <a14:hiddenLine xmlns="" xmlns:a14="http://schemas.microsoft.com/office/drawing/2010/main" w="9525">
                     <a:solidFill>
                       <a:srgbClr val="000000"/>
                     </a:solidFill>
@@ -4958,7 +4958,7 @@
               </a:ln>
               <a:extLst>
                 <a:ext uri="{91240B29-F687-4F45-9708-019B960494DF}">
-                  <a14:hiddenLine xmlns:a14="http://schemas.microsoft.com/office/drawing/2010/main" xmlns="" w="9525">
+                  <a14:hiddenLine xmlns="" xmlns:a14="http://schemas.microsoft.com/office/drawing/2010/main" w="9525">
                     <a:solidFill>
                       <a:srgbClr val="000000"/>
                     </a:solidFill>
@@ -5160,7 +5160,7 @@
               </a:ln>
               <a:extLst>
                 <a:ext uri="{91240B29-F687-4F45-9708-019B960494DF}">
-                  <a14:hiddenLine xmlns:a14="http://schemas.microsoft.com/office/drawing/2010/main" xmlns="" w="9525">
+                  <a14:hiddenLine xmlns="" xmlns:a14="http://schemas.microsoft.com/office/drawing/2010/main" w="9525">
                     <a:solidFill>
                       <a:srgbClr val="000000"/>
                     </a:solidFill>
@@ -5700,7 +5700,7 @@
               </a:ln>
               <a:extLst>
                 <a:ext uri="{91240B29-F687-4F45-9708-019B960494DF}">
-                  <a14:hiddenLine xmlns:a14="http://schemas.microsoft.com/office/drawing/2010/main" xmlns="" w="9525">
+                  <a14:hiddenLine xmlns="" xmlns:a14="http://schemas.microsoft.com/office/drawing/2010/main" w="9525">
                     <a:solidFill>
                       <a:srgbClr val="000000"/>
                     </a:solidFill>
@@ -6204,7 +6204,7 @@
               </a:ln>
               <a:extLst>
                 <a:ext uri="{91240B29-F687-4F45-9708-019B960494DF}">
-                  <a14:hiddenLine xmlns:a14="http://schemas.microsoft.com/office/drawing/2010/main" xmlns="" w="9525">
+                  <a14:hiddenLine xmlns="" xmlns:a14="http://schemas.microsoft.com/office/drawing/2010/main" w="9525">
                     <a:solidFill>
                       <a:srgbClr val="000000"/>
                     </a:solidFill>
@@ -6742,7 +6742,7 @@
     </p:spTree>
     <p:extLst>
       <p:ext uri="{BB962C8B-B14F-4D97-AF65-F5344CB8AC3E}">
-        <p14:creationId xmlns:p14="http://schemas.microsoft.com/office/powerpoint/2010/main" xmlns="" val="1955931793"/>
+        <p14:creationId xmlns="" xmlns:p14="http://schemas.microsoft.com/office/powerpoint/2010/main" val="1955931793"/>
       </p:ext>
     </p:extLst>
   </p:cSld>
@@ -6999,7 +6999,7 @@
           <a:blip r:embed="rId2">
             <a:extLst>
               <a:ext uri="{28A0092B-C50C-407E-A947-70E740481C1C}">
-                <a14:useLocalDpi xmlns:a14="http://schemas.microsoft.com/office/drawing/2010/main" xmlns="" val="0"/>
+                <a14:useLocalDpi xmlns="" xmlns:a14="http://schemas.microsoft.com/office/drawing/2010/main" val="0"/>
               </a:ext>
             </a:extLst>
           </a:blip>
@@ -7211,7 +7211,7 @@
     </p:spTree>
     <p:extLst>
       <p:ext uri="{BB962C8B-B14F-4D97-AF65-F5344CB8AC3E}">
-        <p14:creationId xmlns:p14="http://schemas.microsoft.com/office/powerpoint/2010/main" xmlns="" val="2366049688"/>
+        <p14:creationId xmlns="" xmlns:p14="http://schemas.microsoft.com/office/powerpoint/2010/main" val="2366049688"/>
       </p:ext>
     </p:extLst>
   </p:cSld>
@@ -7219,7 +7219,7 @@
     <a:masterClrMapping/>
   </p:clrMapOvr>
   <mc:AlternateContent xmlns:mc="http://schemas.openxmlformats.org/markup-compatibility/2006">
-    <mc:Choice xmlns:p14="http://schemas.microsoft.com/office/powerpoint/2010/main" xmlns="" Requires="p14">
+    <mc:Choice xmlns="" xmlns:p14="http://schemas.microsoft.com/office/powerpoint/2010/main" Requires="p14">
       <p:transition spd="med">
         <p14:flip dir="r"/>
       </p:transition>
@@ -7508,14 +7508,14 @@
             </a:ln>
             <a:extLst>
               <a:ext uri="{909E8E84-426E-40DD-AFC4-6F175D3DCCD1}">
-                <a14:hiddenFill xmlns:a14="http://schemas.microsoft.com/office/drawing/2010/main" xmlns="">
+                <a14:hiddenFill xmlns="" xmlns:a14="http://schemas.microsoft.com/office/drawing/2010/main">
                   <a:solidFill>
                     <a:srgbClr val="FFFFFF"/>
                   </a:solidFill>
                 </a14:hiddenFill>
               </a:ext>
               <a:ext uri="{91240B29-F687-4F45-9708-019B960494DF}">
-                <a14:hiddenLine xmlns:a14="http://schemas.microsoft.com/office/drawing/2010/main" xmlns="" w="9525">
+                <a14:hiddenLine xmlns="" xmlns:a14="http://schemas.microsoft.com/office/drawing/2010/main" w="9525">
                   <a:solidFill>
                     <a:srgbClr val="000000"/>
                   </a:solidFill>
@@ -7680,7 +7680,7 @@
             </a:ln>
             <a:extLst>
               <a:ext uri="{91240B29-F687-4F45-9708-019B960494DF}">
-                <a14:hiddenLine xmlns:a14="http://schemas.microsoft.com/office/drawing/2010/main" xmlns="" w="9525">
+                <a14:hiddenLine xmlns="" xmlns:a14="http://schemas.microsoft.com/office/drawing/2010/main" w="9525">
                   <a:solidFill>
                     <a:srgbClr val="000000"/>
                   </a:solidFill>
@@ -7845,7 +7845,7 @@
             </a:ln>
             <a:extLst>
               <a:ext uri="{91240B29-F687-4F45-9708-019B960494DF}">
-                <a14:hiddenLine xmlns:a14="http://schemas.microsoft.com/office/drawing/2010/main" xmlns="" w="9525">
+                <a14:hiddenLine xmlns="" xmlns:a14="http://schemas.microsoft.com/office/drawing/2010/main" w="9525">
                   <a:solidFill>
                     <a:srgbClr val="000000"/>
                   </a:solidFill>
@@ -9132,7 +9132,7 @@
     </p:spTree>
     <p:extLst>
       <p:ext uri="{BB962C8B-B14F-4D97-AF65-F5344CB8AC3E}">
-        <p14:creationId xmlns:p14="http://schemas.microsoft.com/office/powerpoint/2010/main" xmlns="" val="3513966317"/>
+        <p14:creationId xmlns="" xmlns:p14="http://schemas.microsoft.com/office/powerpoint/2010/main" val="3513966317"/>
       </p:ext>
     </p:extLst>
   </p:cSld>
@@ -9140,7 +9140,7 @@
     <a:masterClrMapping/>
   </p:clrMapOvr>
   <mc:AlternateContent xmlns:mc="http://schemas.openxmlformats.org/markup-compatibility/2006">
-    <mc:Choice xmlns:p14="http://schemas.microsoft.com/office/powerpoint/2010/main" xmlns="" Requires="p14">
+    <mc:Choice xmlns="" xmlns:p14="http://schemas.microsoft.com/office/powerpoint/2010/main" Requires="p14">
       <p:transition spd="med">
         <p14:prism/>
       </p:transition>
@@ -9285,7 +9285,7 @@
           <a:blip r:embed="rId2" cstate="email">
             <a:extLst>
               <a:ext uri="{28A0092B-C50C-407E-A947-70E740481C1C}">
-                <a14:useLocalDpi xmlns:a14="http://schemas.microsoft.com/office/drawing/2010/main" xmlns=""/>
+                <a14:useLocalDpi xmlns="" xmlns:a14="http://schemas.microsoft.com/office/drawing/2010/main"/>
               </a:ext>
             </a:extLst>
           </a:blip>
@@ -9308,7 +9308,7 @@
     </p:spTree>
     <p:extLst>
       <p:ext uri="{BB962C8B-B14F-4D97-AF65-F5344CB8AC3E}">
-        <p14:creationId xmlns:p14="http://schemas.microsoft.com/office/powerpoint/2010/main" xmlns="" val="3873080681"/>
+        <p14:creationId xmlns="" xmlns:p14="http://schemas.microsoft.com/office/powerpoint/2010/main" val="3873080681"/>
       </p:ext>
     </p:extLst>
   </p:cSld>
@@ -9433,7 +9433,7 @@
     </p:spTree>
     <p:extLst>
       <p:ext uri="{BB962C8B-B14F-4D97-AF65-F5344CB8AC3E}">
-        <p14:creationId xmlns:p14="http://schemas.microsoft.com/office/powerpoint/2010/main" xmlns="" val="3452816623"/>
+        <p14:creationId xmlns="" xmlns:p14="http://schemas.microsoft.com/office/powerpoint/2010/main" val="3452816623"/>
       </p:ext>
     </p:extLst>
   </p:cSld>
@@ -9491,7 +9491,7 @@
             </a:duotone>
             <a:extLst>
               <a:ext uri="{BEBA8EAE-BF5A-486C-A8C5-ECC9F3942E4B}">
-                <a14:imgProps xmlns:a14="http://schemas.microsoft.com/office/drawing/2010/main" xmlns="">
+                <a14:imgProps xmlns="" xmlns:a14="http://schemas.microsoft.com/office/drawing/2010/main">
                   <a14:imgLayer r:embed="rId9">
                     <a14:imgEffect>
                       <a14:saturation sat="0"/>
@@ -9500,7 +9500,7 @@
                 </a14:imgProps>
               </a:ext>
               <a:ext uri="{28A0092B-C50C-407E-A947-70E740481C1C}">
-                <a14:useLocalDpi xmlns:a14="http://schemas.microsoft.com/office/drawing/2010/main" xmlns="" val="0"/>
+                <a14:useLocalDpi xmlns="" xmlns:a14="http://schemas.microsoft.com/office/drawing/2010/main" val="0"/>
               </a:ext>
             </a:extLst>
           </a:blip>
@@ -9521,7 +9521,7 @@
     </p:spTree>
     <p:extLst>
       <p:ext uri="{BB962C8B-B14F-4D97-AF65-F5344CB8AC3E}">
-        <p14:creationId xmlns:p14="http://schemas.microsoft.com/office/powerpoint/2010/main" xmlns="" val="3587497191"/>
+        <p14:creationId xmlns="" xmlns:p14="http://schemas.microsoft.com/office/powerpoint/2010/main" val="3587497191"/>
       </p:ext>
     </p:extLst>
   </p:cSld>
@@ -10083,7 +10083,7 @@
           </a:ln>
           <a:extLst>
             <a:ext uri="{91240B29-F687-4F45-9708-019B960494DF}">
-              <a14:hiddenLine xmlns:a14="http://schemas.microsoft.com/office/drawing/2010/main" xmlns="" w="9525">
+              <a14:hiddenLine xmlns="" xmlns:a14="http://schemas.microsoft.com/office/drawing/2010/main" w="9525">
                 <a:solidFill>
                   <a:srgbClr val="000000"/>
                 </a:solidFill>
@@ -10186,14 +10186,14 @@
           </a:ln>
           <a:extLst>
             <a:ext uri="{909E8E84-426E-40DD-AFC4-6F175D3DCCD1}">
-              <a14:hiddenFill xmlns:a14="http://schemas.microsoft.com/office/drawing/2010/main" xmlns="">
+              <a14:hiddenFill xmlns="" xmlns:a14="http://schemas.microsoft.com/office/drawing/2010/main">
                 <a:solidFill>
                   <a:srgbClr val="FFFFFF"/>
                 </a:solidFill>
               </a14:hiddenFill>
             </a:ext>
             <a:ext uri="{91240B29-F687-4F45-9708-019B960494DF}">
-              <a14:hiddenLine xmlns:a14="http://schemas.microsoft.com/office/drawing/2010/main" xmlns="" w="9525">
+              <a14:hiddenLine xmlns="" xmlns:a14="http://schemas.microsoft.com/office/drawing/2010/main" w="9525">
                 <a:solidFill>
                   <a:srgbClr val="000000"/>
                 </a:solidFill>
@@ -10299,7 +10299,7 @@
           </a:ln>
           <a:extLst>
             <a:ext uri="{91240B29-F687-4F45-9708-019B960494DF}">
-              <a14:hiddenLine xmlns:a14="http://schemas.microsoft.com/office/drawing/2010/main" xmlns="" w="9525">
+              <a14:hiddenLine xmlns="" xmlns:a14="http://schemas.microsoft.com/office/drawing/2010/main" w="9525">
                 <a:solidFill>
                   <a:srgbClr val="000000"/>
                 </a:solidFill>
@@ -10402,14 +10402,14 @@
           </a:ln>
           <a:extLst>
             <a:ext uri="{909E8E84-426E-40DD-AFC4-6F175D3DCCD1}">
-              <a14:hiddenFill xmlns:a14="http://schemas.microsoft.com/office/drawing/2010/main" xmlns="">
+              <a14:hiddenFill xmlns="" xmlns:a14="http://schemas.microsoft.com/office/drawing/2010/main">
                 <a:solidFill>
                   <a:srgbClr val="FFFFFF"/>
                 </a:solidFill>
               </a14:hiddenFill>
             </a:ext>
             <a:ext uri="{91240B29-F687-4F45-9708-019B960494DF}">
-              <a14:hiddenLine xmlns:a14="http://schemas.microsoft.com/office/drawing/2010/main" xmlns="" w="9525">
+              <a14:hiddenLine xmlns="" xmlns:a14="http://schemas.microsoft.com/office/drawing/2010/main" w="9525">
                 <a:solidFill>
                   <a:srgbClr val="000000"/>
                 </a:solidFill>
@@ -10515,7 +10515,7 @@
           </a:ln>
           <a:extLst>
             <a:ext uri="{91240B29-F687-4F45-9708-019B960494DF}">
-              <a14:hiddenLine xmlns:a14="http://schemas.microsoft.com/office/drawing/2010/main" xmlns="" w="9525">
+              <a14:hiddenLine xmlns="" xmlns:a14="http://schemas.microsoft.com/office/drawing/2010/main" w="9525">
                 <a:solidFill>
                   <a:srgbClr val="000000"/>
                 </a:solidFill>
@@ -10618,14 +10618,14 @@
           </a:ln>
           <a:extLst>
             <a:ext uri="{909E8E84-426E-40DD-AFC4-6F175D3DCCD1}">
-              <a14:hiddenFill xmlns:a14="http://schemas.microsoft.com/office/drawing/2010/main" xmlns="">
+              <a14:hiddenFill xmlns="" xmlns:a14="http://schemas.microsoft.com/office/drawing/2010/main">
                 <a:solidFill>
                   <a:srgbClr val="FFFFFF"/>
                 </a:solidFill>
               </a14:hiddenFill>
             </a:ext>
             <a:ext uri="{91240B29-F687-4F45-9708-019B960494DF}">
-              <a14:hiddenLine xmlns:a14="http://schemas.microsoft.com/office/drawing/2010/main" xmlns="" w="9525">
+              <a14:hiddenLine xmlns="" xmlns:a14="http://schemas.microsoft.com/office/drawing/2010/main" w="9525">
                 <a:solidFill>
                   <a:srgbClr val="000000"/>
                 </a:solidFill>
@@ -10731,7 +10731,7 @@
           </a:ln>
           <a:extLst>
             <a:ext uri="{91240B29-F687-4F45-9708-019B960494DF}">
-              <a14:hiddenLine xmlns:a14="http://schemas.microsoft.com/office/drawing/2010/main" xmlns="" w="9525">
+              <a14:hiddenLine xmlns="" xmlns:a14="http://schemas.microsoft.com/office/drawing/2010/main" w="9525">
                 <a:solidFill>
                   <a:srgbClr val="000000"/>
                 </a:solidFill>
@@ -10834,14 +10834,14 @@
           </a:ln>
           <a:extLst>
             <a:ext uri="{909E8E84-426E-40DD-AFC4-6F175D3DCCD1}">
-              <a14:hiddenFill xmlns:a14="http://schemas.microsoft.com/office/drawing/2010/main" xmlns="">
+              <a14:hiddenFill xmlns="" xmlns:a14="http://schemas.microsoft.com/office/drawing/2010/main">
                 <a:solidFill>
                   <a:srgbClr val="FFFFFF"/>
                 </a:solidFill>
               </a14:hiddenFill>
             </a:ext>
             <a:ext uri="{91240B29-F687-4F45-9708-019B960494DF}">
-              <a14:hiddenLine xmlns:a14="http://schemas.microsoft.com/office/drawing/2010/main" xmlns="" w="9525">
+              <a14:hiddenLine xmlns="" xmlns:a14="http://schemas.microsoft.com/office/drawing/2010/main" w="9525">
                 <a:solidFill>
                   <a:srgbClr val="000000"/>
                 </a:solidFill>
@@ -10888,7 +10888,7 @@
           </a:ln>
           <a:extLst>
             <a:ext uri="{91240B29-F687-4F45-9708-019B960494DF}">
-              <a14:hiddenLine xmlns:a14="http://schemas.microsoft.com/office/drawing/2010/main" xmlns="" w="9525">
+              <a14:hiddenLine xmlns="" xmlns:a14="http://schemas.microsoft.com/office/drawing/2010/main" w="9525">
                 <a:solidFill>
                   <a:srgbClr val="000000"/>
                 </a:solidFill>
@@ -11023,7 +11023,7 @@
           </a:ln>
           <a:extLst>
             <a:ext uri="{91240B29-F687-4F45-9708-019B960494DF}">
-              <a14:hiddenLine xmlns:a14="http://schemas.microsoft.com/office/drawing/2010/main" xmlns="" w="9525">
+              <a14:hiddenLine xmlns="" xmlns:a14="http://schemas.microsoft.com/office/drawing/2010/main" w="9525">
                 <a:solidFill>
                   <a:srgbClr val="000000"/>
                 </a:solidFill>
@@ -11137,7 +11137,7 @@
           </a:ln>
           <a:extLst>
             <a:ext uri="{91240B29-F687-4F45-9708-019B960494DF}">
-              <a14:hiddenLine xmlns:a14="http://schemas.microsoft.com/office/drawing/2010/main" xmlns="" w="9525">
+              <a14:hiddenLine xmlns="" xmlns:a14="http://schemas.microsoft.com/office/drawing/2010/main" w="9525">
                 <a:solidFill>
                   <a:srgbClr val="000000"/>
                 </a:solidFill>
@@ -11251,7 +11251,7 @@
           </a:ln>
           <a:extLst>
             <a:ext uri="{91240B29-F687-4F45-9708-019B960494DF}">
-              <a14:hiddenLine xmlns:a14="http://schemas.microsoft.com/office/drawing/2010/main" xmlns="" w="9525">
+              <a14:hiddenLine xmlns="" xmlns:a14="http://schemas.microsoft.com/office/drawing/2010/main" w="9525">
                 <a:solidFill>
                   <a:srgbClr val="000000"/>
                 </a:solidFill>
@@ -11365,7 +11365,7 @@
           </a:ln>
           <a:extLst>
             <a:ext uri="{91240B29-F687-4F45-9708-019B960494DF}">
-              <a14:hiddenLine xmlns:a14="http://schemas.microsoft.com/office/drawing/2010/main" xmlns="" w="9525">
+              <a14:hiddenLine xmlns="" xmlns:a14="http://schemas.microsoft.com/office/drawing/2010/main" w="9525">
                 <a:solidFill>
                   <a:srgbClr val="000000"/>
                 </a:solidFill>
@@ -11505,7 +11505,7 @@
             </a:ln>
             <a:extLst>
               <a:ext uri="{91240B29-F687-4F45-9708-019B960494DF}">
-                <a14:hiddenLine xmlns:a14="http://schemas.microsoft.com/office/drawing/2010/main" xmlns="" w="9525">
+                <a14:hiddenLine xmlns="" xmlns:a14="http://schemas.microsoft.com/office/drawing/2010/main" w="9525">
                   <a:solidFill>
                     <a:srgbClr val="000000"/>
                   </a:solidFill>
@@ -11631,7 +11631,7 @@
             </a:ln>
             <a:extLst>
               <a:ext uri="{91240B29-F687-4F45-9708-019B960494DF}">
-                <a14:hiddenLine xmlns:a14="http://schemas.microsoft.com/office/drawing/2010/main" xmlns="" w="9525">
+                <a14:hiddenLine xmlns="" xmlns:a14="http://schemas.microsoft.com/office/drawing/2010/main" w="9525">
                   <a:solidFill>
                     <a:srgbClr val="000000"/>
                   </a:solidFill>
@@ -11757,7 +11757,7 @@
             </a:ln>
             <a:extLst>
               <a:ext uri="{91240B29-F687-4F45-9708-019B960494DF}">
-                <a14:hiddenLine xmlns:a14="http://schemas.microsoft.com/office/drawing/2010/main" xmlns="" w="9525">
+                <a14:hiddenLine xmlns="" xmlns:a14="http://schemas.microsoft.com/office/drawing/2010/main" w="9525">
                   <a:solidFill>
                     <a:srgbClr val="000000"/>
                   </a:solidFill>
@@ -11883,7 +11883,7 @@
             </a:ln>
             <a:extLst>
               <a:ext uri="{91240B29-F687-4F45-9708-019B960494DF}">
-                <a14:hiddenLine xmlns:a14="http://schemas.microsoft.com/office/drawing/2010/main" xmlns="" w="9525">
+                <a14:hiddenLine xmlns="" xmlns:a14="http://schemas.microsoft.com/office/drawing/2010/main" w="9525">
                   <a:solidFill>
                     <a:srgbClr val="000000"/>
                   </a:solidFill>
@@ -12009,7 +12009,7 @@
             </a:ln>
             <a:extLst>
               <a:ext uri="{91240B29-F687-4F45-9708-019B960494DF}">
-                <a14:hiddenLine xmlns:a14="http://schemas.microsoft.com/office/drawing/2010/main" xmlns="" w="9525">
+                <a14:hiddenLine xmlns="" xmlns:a14="http://schemas.microsoft.com/office/drawing/2010/main" w="9525">
                   <a:solidFill>
                     <a:srgbClr val="000000"/>
                   </a:solidFill>
@@ -12150,7 +12150,7 @@
             </a:ln>
             <a:extLst>
               <a:ext uri="{91240B29-F687-4F45-9708-019B960494DF}">
-                <a14:hiddenLine xmlns:a14="http://schemas.microsoft.com/office/drawing/2010/main" xmlns="" w="9525">
+                <a14:hiddenLine xmlns="" xmlns:a14="http://schemas.microsoft.com/office/drawing/2010/main" w="9525">
                   <a:solidFill>
                     <a:srgbClr val="000000"/>
                   </a:solidFill>
@@ -12276,7 +12276,7 @@
             </a:ln>
             <a:extLst>
               <a:ext uri="{91240B29-F687-4F45-9708-019B960494DF}">
-                <a14:hiddenLine xmlns:a14="http://schemas.microsoft.com/office/drawing/2010/main" xmlns="" w="9525">
+                <a14:hiddenLine xmlns="" xmlns:a14="http://schemas.microsoft.com/office/drawing/2010/main" w="9525">
                   <a:solidFill>
                     <a:srgbClr val="000000"/>
                   </a:solidFill>
@@ -12402,7 +12402,7 @@
             </a:ln>
             <a:extLst>
               <a:ext uri="{91240B29-F687-4F45-9708-019B960494DF}">
-                <a14:hiddenLine xmlns:a14="http://schemas.microsoft.com/office/drawing/2010/main" xmlns="" w="9525">
+                <a14:hiddenLine xmlns="" xmlns:a14="http://schemas.microsoft.com/office/drawing/2010/main" w="9525">
                   <a:solidFill>
                     <a:srgbClr val="000000"/>
                   </a:solidFill>
@@ -12528,7 +12528,7 @@
             </a:ln>
             <a:extLst>
               <a:ext uri="{91240B29-F687-4F45-9708-019B960494DF}">
-                <a14:hiddenLine xmlns:a14="http://schemas.microsoft.com/office/drawing/2010/main" xmlns="" w="9525">
+                <a14:hiddenLine xmlns="" xmlns:a14="http://schemas.microsoft.com/office/drawing/2010/main" w="9525">
                   <a:solidFill>
                     <a:srgbClr val="000000"/>
                   </a:solidFill>
@@ -12654,7 +12654,7 @@
             </a:ln>
             <a:extLst>
               <a:ext uri="{91240B29-F687-4F45-9708-019B960494DF}">
-                <a14:hiddenLine xmlns:a14="http://schemas.microsoft.com/office/drawing/2010/main" xmlns="" w="9525">
+                <a14:hiddenLine xmlns="" xmlns:a14="http://schemas.microsoft.com/office/drawing/2010/main" w="9525">
                   <a:solidFill>
                     <a:srgbClr val="000000"/>
                   </a:solidFill>
@@ -12768,7 +12768,7 @@
             </a:ln>
             <a:extLst>
               <a:ext uri="{91240B29-F687-4F45-9708-019B960494DF}">
-                <a14:hiddenLine xmlns:a14="http://schemas.microsoft.com/office/drawing/2010/main" xmlns="" w="9525">
+                <a14:hiddenLine xmlns="" xmlns:a14="http://schemas.microsoft.com/office/drawing/2010/main" w="9525">
                   <a:solidFill>
                     <a:srgbClr val="000000"/>
                   </a:solidFill>
@@ -12894,7 +12894,7 @@
             </a:ln>
             <a:extLst>
               <a:ext uri="{91240B29-F687-4F45-9708-019B960494DF}">
-                <a14:hiddenLine xmlns:a14="http://schemas.microsoft.com/office/drawing/2010/main" xmlns="" w="9525">
+                <a14:hiddenLine xmlns="" xmlns:a14="http://schemas.microsoft.com/office/drawing/2010/main" w="9525">
                   <a:solidFill>
                     <a:srgbClr val="000000"/>
                   </a:solidFill>
@@ -12956,7 +12956,7 @@
             </a:ln>
             <a:extLst>
               <a:ext uri="{91240B29-F687-4F45-9708-019B960494DF}">
-                <a14:hiddenLine xmlns:a14="http://schemas.microsoft.com/office/drawing/2010/main" xmlns="" w="9525">
+                <a14:hiddenLine xmlns="" xmlns:a14="http://schemas.microsoft.com/office/drawing/2010/main" w="9525">
                   <a:solidFill>
                     <a:srgbClr val="000000"/>
                   </a:solidFill>
@@ -13102,7 +13102,7 @@
             </a:ln>
             <a:extLst>
               <a:ext uri="{91240B29-F687-4F45-9708-019B960494DF}">
-                <a14:hiddenLine xmlns:a14="http://schemas.microsoft.com/office/drawing/2010/main" xmlns="" w="9525">
+                <a14:hiddenLine xmlns="" xmlns:a14="http://schemas.microsoft.com/office/drawing/2010/main" w="9525">
                   <a:solidFill>
                     <a:srgbClr val="000000"/>
                   </a:solidFill>
@@ -13149,7 +13149,7 @@
             </a:ln>
             <a:extLst>
               <a:ext uri="{91240B29-F687-4F45-9708-019B960494DF}">
-                <a14:hiddenLine xmlns:a14="http://schemas.microsoft.com/office/drawing/2010/main" xmlns="" w="9525">
+                <a14:hiddenLine xmlns="" xmlns:a14="http://schemas.microsoft.com/office/drawing/2010/main" w="9525">
                   <a:solidFill>
                     <a:srgbClr val="000000"/>
                   </a:solidFill>
@@ -13295,7 +13295,7 @@
             </a:ln>
             <a:extLst>
               <a:ext uri="{91240B29-F687-4F45-9708-019B960494DF}">
-                <a14:hiddenLine xmlns:a14="http://schemas.microsoft.com/office/drawing/2010/main" xmlns="" w="9525">
+                <a14:hiddenLine xmlns="" xmlns:a14="http://schemas.microsoft.com/office/drawing/2010/main" w="9525">
                   <a:solidFill>
                     <a:srgbClr val="000000"/>
                   </a:solidFill>
@@ -13342,7 +13342,7 @@
             </a:ln>
             <a:extLst>
               <a:ext uri="{91240B29-F687-4F45-9708-019B960494DF}">
-                <a14:hiddenLine xmlns:a14="http://schemas.microsoft.com/office/drawing/2010/main" xmlns="" w="9525">
+                <a14:hiddenLine xmlns="" xmlns:a14="http://schemas.microsoft.com/office/drawing/2010/main" w="9525">
                   <a:solidFill>
                     <a:srgbClr val="000000"/>
                   </a:solidFill>
@@ -13488,7 +13488,7 @@
             </a:ln>
             <a:extLst>
               <a:ext uri="{91240B29-F687-4F45-9708-019B960494DF}">
-                <a14:hiddenLine xmlns:a14="http://schemas.microsoft.com/office/drawing/2010/main" xmlns="" w="9525">
+                <a14:hiddenLine xmlns="" xmlns:a14="http://schemas.microsoft.com/office/drawing/2010/main" w="9525">
                   <a:solidFill>
                     <a:srgbClr val="000000"/>
                   </a:solidFill>
@@ -13535,7 +13535,7 @@
             </a:ln>
             <a:extLst>
               <a:ext uri="{91240B29-F687-4F45-9708-019B960494DF}">
-                <a14:hiddenLine xmlns:a14="http://schemas.microsoft.com/office/drawing/2010/main" xmlns="" w="9525">
+                <a14:hiddenLine xmlns="" xmlns:a14="http://schemas.microsoft.com/office/drawing/2010/main" w="9525">
                   <a:solidFill>
                     <a:srgbClr val="000000"/>
                   </a:solidFill>
@@ -13681,7 +13681,7 @@
             </a:ln>
             <a:extLst>
               <a:ext uri="{91240B29-F687-4F45-9708-019B960494DF}">
-                <a14:hiddenLine xmlns:a14="http://schemas.microsoft.com/office/drawing/2010/main" xmlns="" w="9525">
+                <a14:hiddenLine xmlns="" xmlns:a14="http://schemas.microsoft.com/office/drawing/2010/main" w="9525">
                   <a:solidFill>
                     <a:srgbClr val="000000"/>
                   </a:solidFill>
@@ -13728,7 +13728,7 @@
             </a:ln>
             <a:extLst>
               <a:ext uri="{91240B29-F687-4F45-9708-019B960494DF}">
-                <a14:hiddenLine xmlns:a14="http://schemas.microsoft.com/office/drawing/2010/main" xmlns="" w="9525">
+                <a14:hiddenLine xmlns="" xmlns:a14="http://schemas.microsoft.com/office/drawing/2010/main" w="9525">
                   <a:solidFill>
                     <a:srgbClr val="000000"/>
                   </a:solidFill>
@@ -13874,7 +13874,7 @@
             </a:ln>
             <a:extLst>
               <a:ext uri="{91240B29-F687-4F45-9708-019B960494DF}">
-                <a14:hiddenLine xmlns:a14="http://schemas.microsoft.com/office/drawing/2010/main" xmlns="" w="9525">
+                <a14:hiddenLine xmlns="" xmlns:a14="http://schemas.microsoft.com/office/drawing/2010/main" w="9525">
                   <a:solidFill>
                     <a:srgbClr val="000000"/>
                   </a:solidFill>
@@ -14044,7 +14044,7 @@
             </a:ln>
             <a:extLst>
               <a:ext uri="{91240B29-F687-4F45-9708-019B960494DF}">
-                <a14:hiddenLine xmlns:a14="http://schemas.microsoft.com/office/drawing/2010/main" xmlns="" w="9525">
+                <a14:hiddenLine xmlns="" xmlns:a14="http://schemas.microsoft.com/office/drawing/2010/main" w="9525">
                   <a:solidFill>
                     <a:srgbClr val="000000"/>
                   </a:solidFill>
@@ -14239,7 +14239,7 @@
             </a:ln>
             <a:extLst>
               <a:ext uri="{91240B29-F687-4F45-9708-019B960494DF}">
-                <a14:hiddenLine xmlns:a14="http://schemas.microsoft.com/office/drawing/2010/main" xmlns="" w="9525">
+                <a14:hiddenLine xmlns="" xmlns:a14="http://schemas.microsoft.com/office/drawing/2010/main" w="9525">
                   <a:solidFill>
                     <a:srgbClr val="000000"/>
                   </a:solidFill>
@@ -14474,7 +14474,7 @@
             </a:ln>
             <a:extLst>
               <a:ext uri="{91240B29-F687-4F45-9708-019B960494DF}">
-                <a14:hiddenLine xmlns:a14="http://schemas.microsoft.com/office/drawing/2010/main" xmlns="" w="9525">
+                <a14:hiddenLine xmlns="" xmlns:a14="http://schemas.microsoft.com/office/drawing/2010/main" w="9525">
                   <a:solidFill>
                     <a:srgbClr val="000000"/>
                   </a:solidFill>
@@ -14521,7 +14521,7 @@
             </a:ln>
             <a:extLst>
               <a:ext uri="{91240B29-F687-4F45-9708-019B960494DF}">
-                <a14:hiddenLine xmlns:a14="http://schemas.microsoft.com/office/drawing/2010/main" xmlns="" w="9525">
+                <a14:hiddenLine xmlns="" xmlns:a14="http://schemas.microsoft.com/office/drawing/2010/main" w="9525">
                   <a:solidFill>
                     <a:srgbClr val="000000"/>
                   </a:solidFill>
@@ -14568,7 +14568,7 @@
             </a:ln>
             <a:extLst>
               <a:ext uri="{91240B29-F687-4F45-9708-019B960494DF}">
-                <a14:hiddenLine xmlns:a14="http://schemas.microsoft.com/office/drawing/2010/main" xmlns="" w="9525">
+                <a14:hiddenLine xmlns="" xmlns:a14="http://schemas.microsoft.com/office/drawing/2010/main" w="9525">
                   <a:solidFill>
                     <a:srgbClr val="000000"/>
                   </a:solidFill>
@@ -14615,7 +14615,7 @@
             </a:ln>
             <a:extLst>
               <a:ext uri="{91240B29-F687-4F45-9708-019B960494DF}">
-                <a14:hiddenLine xmlns:a14="http://schemas.microsoft.com/office/drawing/2010/main" xmlns="" w="9525">
+                <a14:hiddenLine xmlns="" xmlns:a14="http://schemas.microsoft.com/office/drawing/2010/main" w="9525">
                   <a:solidFill>
                     <a:srgbClr val="000000"/>
                   </a:solidFill>
@@ -14662,7 +14662,7 @@
             </a:ln>
             <a:extLst>
               <a:ext uri="{91240B29-F687-4F45-9708-019B960494DF}">
-                <a14:hiddenLine xmlns:a14="http://schemas.microsoft.com/office/drawing/2010/main" xmlns="" w="9525">
+                <a14:hiddenLine xmlns="" xmlns:a14="http://schemas.microsoft.com/office/drawing/2010/main" w="9525">
                   <a:solidFill>
                     <a:srgbClr val="000000"/>
                   </a:solidFill>
@@ -15424,7 +15424,7 @@
     </p:spTree>
     <p:extLst>
       <p:ext uri="{BB962C8B-B14F-4D97-AF65-F5344CB8AC3E}">
-        <p14:creationId xmlns:p14="http://schemas.microsoft.com/office/powerpoint/2010/main" xmlns="" val="528797613"/>
+        <p14:creationId xmlns="" xmlns:p14="http://schemas.microsoft.com/office/powerpoint/2010/main" val="528797613"/>
       </p:ext>
     </p:extLst>
   </p:cSld>
@@ -15660,7 +15660,7 @@
           </a:ln>
           <a:extLst>
             <a:ext uri="{91240B29-F687-4F45-9708-019B960494DF}">
-              <a14:hiddenLine xmlns="" xmlns:a14="http://schemas.microsoft.com/office/drawing/2010/main" w="9525">
+              <a14:hiddenLine xmlns:a14="http://schemas.microsoft.com/office/drawing/2010/main" xmlns="" w="9525">
                 <a:solidFill>
                   <a:srgbClr val="000000"/>
                 </a:solidFill>
@@ -15886,7 +15886,7 @@
           </a:ln>
           <a:extLst>
             <a:ext uri="{91240B29-F687-4F45-9708-019B960494DF}">
-              <a14:hiddenLine xmlns="" xmlns:a14="http://schemas.microsoft.com/office/drawing/2010/main" w="9525">
+              <a14:hiddenLine xmlns:a14="http://schemas.microsoft.com/office/drawing/2010/main" xmlns="" w="9525">
                 <a:solidFill>
                   <a:srgbClr val="000000"/>
                 </a:solidFill>
@@ -16232,7 +16232,7 @@
           </a:ln>
           <a:extLst>
             <a:ext uri="{91240B29-F687-4F45-9708-019B960494DF}">
-              <a14:hiddenLine xmlns="" xmlns:a14="http://schemas.microsoft.com/office/drawing/2010/main" w="9525">
+              <a14:hiddenLine xmlns:a14="http://schemas.microsoft.com/office/drawing/2010/main" xmlns="" w="9525">
                 <a:solidFill>
                   <a:srgbClr val="000000"/>
                 </a:solidFill>
@@ -16378,7 +16378,7 @@
           </a:ln>
           <a:extLst>
             <a:ext uri="{91240B29-F687-4F45-9708-019B960494DF}">
-              <a14:hiddenLine xmlns="" xmlns:a14="http://schemas.microsoft.com/office/drawing/2010/main" w="9525">
+              <a14:hiddenLine xmlns:a14="http://schemas.microsoft.com/office/drawing/2010/main" xmlns="" w="9525">
                 <a:solidFill>
                   <a:srgbClr val="000000"/>
                 </a:solidFill>
@@ -16484,7 +16484,7 @@
           </a:ln>
           <a:extLst>
             <a:ext uri="{91240B29-F687-4F45-9708-019B960494DF}">
-              <a14:hiddenLine xmlns="" xmlns:a14="http://schemas.microsoft.com/office/drawing/2010/main" w="9525">
+              <a14:hiddenLine xmlns:a14="http://schemas.microsoft.com/office/drawing/2010/main" xmlns="" w="9525">
                 <a:solidFill>
                   <a:srgbClr val="000000"/>
                 </a:solidFill>
@@ -16590,7 +16590,7 @@
           </a:ln>
           <a:extLst>
             <a:ext uri="{91240B29-F687-4F45-9708-019B960494DF}">
-              <a14:hiddenLine xmlns="" xmlns:a14="http://schemas.microsoft.com/office/drawing/2010/main" w="9525">
+              <a14:hiddenLine xmlns:a14="http://schemas.microsoft.com/office/drawing/2010/main" xmlns="" w="9525">
                 <a:solidFill>
                   <a:srgbClr val="000000"/>
                 </a:solidFill>
@@ -16696,7 +16696,7 @@
           </a:ln>
           <a:extLst>
             <a:ext uri="{91240B29-F687-4F45-9708-019B960494DF}">
-              <a14:hiddenLine xmlns="" xmlns:a14="http://schemas.microsoft.com/office/drawing/2010/main" w="9525">
+              <a14:hiddenLine xmlns:a14="http://schemas.microsoft.com/office/drawing/2010/main" xmlns="" w="9525">
                 <a:solidFill>
                   <a:srgbClr val="000000"/>
                 </a:solidFill>
@@ -16826,7 +16826,7 @@
           </a:ln>
           <a:extLst>
             <a:ext uri="{91240B29-F687-4F45-9708-019B960494DF}">
-              <a14:hiddenLine xmlns="" xmlns:a14="http://schemas.microsoft.com/office/drawing/2010/main" w="9525">
+              <a14:hiddenLine xmlns:a14="http://schemas.microsoft.com/office/drawing/2010/main" xmlns="" w="9525">
                 <a:solidFill>
                   <a:srgbClr val="000000"/>
                 </a:solidFill>
@@ -16972,7 +16972,7 @@
           </a:ln>
           <a:extLst>
             <a:ext uri="{91240B29-F687-4F45-9708-019B960494DF}">
-              <a14:hiddenLine xmlns="" xmlns:a14="http://schemas.microsoft.com/office/drawing/2010/main" w="9525">
+              <a14:hiddenLine xmlns:a14="http://schemas.microsoft.com/office/drawing/2010/main" xmlns="" w="9525">
                 <a:solidFill>
                   <a:srgbClr val="000000"/>
                 </a:solidFill>
@@ -17198,7 +17198,7 @@
           </a:ln>
           <a:extLst>
             <a:ext uri="{91240B29-F687-4F45-9708-019B960494DF}">
-              <a14:hiddenLine xmlns="" xmlns:a14="http://schemas.microsoft.com/office/drawing/2010/main" w="9525">
+              <a14:hiddenLine xmlns:a14="http://schemas.microsoft.com/office/drawing/2010/main" xmlns="" w="9525">
                 <a:solidFill>
                   <a:srgbClr val="000000"/>
                 </a:solidFill>
@@ -17544,7 +17544,7 @@
           </a:ln>
           <a:extLst>
             <a:ext uri="{91240B29-F687-4F45-9708-019B960494DF}">
-              <a14:hiddenLine xmlns="" xmlns:a14="http://schemas.microsoft.com/office/drawing/2010/main" w="9525">
+              <a14:hiddenLine xmlns:a14="http://schemas.microsoft.com/office/drawing/2010/main" xmlns="" w="9525">
                 <a:solidFill>
                   <a:srgbClr val="000000"/>
                 </a:solidFill>
@@ -17690,7 +17690,7 @@
           </a:ln>
           <a:extLst>
             <a:ext uri="{91240B29-F687-4F45-9708-019B960494DF}">
-              <a14:hiddenLine xmlns="" xmlns:a14="http://schemas.microsoft.com/office/drawing/2010/main" w="9525">
+              <a14:hiddenLine xmlns:a14="http://schemas.microsoft.com/office/drawing/2010/main" xmlns="" w="9525">
                 <a:solidFill>
                   <a:srgbClr val="000000"/>
                 </a:solidFill>
@@ -17796,7 +17796,7 @@
           </a:ln>
           <a:extLst>
             <a:ext uri="{91240B29-F687-4F45-9708-019B960494DF}">
-              <a14:hiddenLine xmlns="" xmlns:a14="http://schemas.microsoft.com/office/drawing/2010/main" w="9525">
+              <a14:hiddenLine xmlns:a14="http://schemas.microsoft.com/office/drawing/2010/main" xmlns="" w="9525">
                 <a:solidFill>
                   <a:srgbClr val="000000"/>
                 </a:solidFill>
@@ -17902,7 +17902,7 @@
           </a:ln>
           <a:extLst>
             <a:ext uri="{91240B29-F687-4F45-9708-019B960494DF}">
-              <a14:hiddenLine xmlns="" xmlns:a14="http://schemas.microsoft.com/office/drawing/2010/main" w="9525">
+              <a14:hiddenLine xmlns:a14="http://schemas.microsoft.com/office/drawing/2010/main" xmlns="" w="9525">
                 <a:solidFill>
                   <a:srgbClr val="000000"/>
                 </a:solidFill>
@@ -18008,7 +18008,7 @@
           </a:ln>
           <a:extLst>
             <a:ext uri="{91240B29-F687-4F45-9708-019B960494DF}">
-              <a14:hiddenLine xmlns="" xmlns:a14="http://schemas.microsoft.com/office/drawing/2010/main" w="9525">
+              <a14:hiddenLine xmlns:a14="http://schemas.microsoft.com/office/drawing/2010/main" xmlns="" w="9525">
                 <a:solidFill>
                   <a:srgbClr val="000000"/>
                 </a:solidFill>
@@ -18214,7 +18214,7 @@
           </a:ln>
           <a:extLst>
             <a:ext uri="{91240B29-F687-4F45-9708-019B960494DF}">
-              <a14:hiddenLine xmlns="" xmlns:a14="http://schemas.microsoft.com/office/drawing/2010/main" w="9525">
+              <a14:hiddenLine xmlns:a14="http://schemas.microsoft.com/office/drawing/2010/main" xmlns="" w="9525">
                 <a:solidFill>
                   <a:srgbClr val="000000"/>
                 </a:solidFill>
@@ -18360,7 +18360,7 @@
           </a:ln>
           <a:extLst>
             <a:ext uri="{91240B29-F687-4F45-9708-019B960494DF}">
-              <a14:hiddenLine xmlns="" xmlns:a14="http://schemas.microsoft.com/office/drawing/2010/main" w="9525">
+              <a14:hiddenLine xmlns:a14="http://schemas.microsoft.com/office/drawing/2010/main" xmlns="" w="9525">
                 <a:solidFill>
                   <a:srgbClr val="000000"/>
                 </a:solidFill>
@@ -18586,7 +18586,7 @@
           </a:ln>
           <a:extLst>
             <a:ext uri="{91240B29-F687-4F45-9708-019B960494DF}">
-              <a14:hiddenLine xmlns="" xmlns:a14="http://schemas.microsoft.com/office/drawing/2010/main" w="9525">
+              <a14:hiddenLine xmlns:a14="http://schemas.microsoft.com/office/drawing/2010/main" xmlns="" w="9525">
                 <a:solidFill>
                   <a:srgbClr val="000000"/>
                 </a:solidFill>
@@ -18932,7 +18932,7 @@
           </a:ln>
           <a:extLst>
             <a:ext uri="{91240B29-F687-4F45-9708-019B960494DF}">
-              <a14:hiddenLine xmlns="" xmlns:a14="http://schemas.microsoft.com/office/drawing/2010/main" w="9525">
+              <a14:hiddenLine xmlns:a14="http://schemas.microsoft.com/office/drawing/2010/main" xmlns="" w="9525">
                 <a:solidFill>
                   <a:srgbClr val="000000"/>
                 </a:solidFill>
@@ -19078,7 +19078,7 @@
           </a:ln>
           <a:extLst>
             <a:ext uri="{91240B29-F687-4F45-9708-019B960494DF}">
-              <a14:hiddenLine xmlns="" xmlns:a14="http://schemas.microsoft.com/office/drawing/2010/main" w="9525">
+              <a14:hiddenLine xmlns:a14="http://schemas.microsoft.com/office/drawing/2010/main" xmlns="" w="9525">
                 <a:solidFill>
                   <a:srgbClr val="000000"/>
                 </a:solidFill>
@@ -19184,7 +19184,7 @@
           </a:ln>
           <a:extLst>
             <a:ext uri="{91240B29-F687-4F45-9708-019B960494DF}">
-              <a14:hiddenLine xmlns="" xmlns:a14="http://schemas.microsoft.com/office/drawing/2010/main" w="9525">
+              <a14:hiddenLine xmlns:a14="http://schemas.microsoft.com/office/drawing/2010/main" xmlns="" w="9525">
                 <a:solidFill>
                   <a:srgbClr val="000000"/>
                 </a:solidFill>
@@ -19290,7 +19290,7 @@
           </a:ln>
           <a:extLst>
             <a:ext uri="{91240B29-F687-4F45-9708-019B960494DF}">
-              <a14:hiddenLine xmlns="" xmlns:a14="http://schemas.microsoft.com/office/drawing/2010/main" w="9525">
+              <a14:hiddenLine xmlns:a14="http://schemas.microsoft.com/office/drawing/2010/main" xmlns="" w="9525">
                 <a:solidFill>
                   <a:srgbClr val="000000"/>
                 </a:solidFill>
@@ -19396,7 +19396,7 @@
           </a:ln>
           <a:extLst>
             <a:ext uri="{91240B29-F687-4F45-9708-019B960494DF}">
-              <a14:hiddenLine xmlns="" xmlns:a14="http://schemas.microsoft.com/office/drawing/2010/main" w="9525">
+              <a14:hiddenLine xmlns:a14="http://schemas.microsoft.com/office/drawing/2010/main" xmlns="" w="9525">
                 <a:solidFill>
                   <a:srgbClr val="000000"/>
                 </a:solidFill>
@@ -19652,7 +19652,7 @@
           </a:ln>
           <a:extLst>
             <a:ext uri="{91240B29-F687-4F45-9708-019B960494DF}">
-              <a14:hiddenLine xmlns="" xmlns:a14="http://schemas.microsoft.com/office/drawing/2010/main" w="9525">
+              <a14:hiddenLine xmlns:a14="http://schemas.microsoft.com/office/drawing/2010/main" xmlns="" w="9525">
                 <a:solidFill>
                   <a:srgbClr val="000000"/>
                 </a:solidFill>
@@ -19798,7 +19798,7 @@
           </a:ln>
           <a:extLst>
             <a:ext uri="{91240B29-F687-4F45-9708-019B960494DF}">
-              <a14:hiddenLine xmlns="" xmlns:a14="http://schemas.microsoft.com/office/drawing/2010/main" w="9525">
+              <a14:hiddenLine xmlns:a14="http://schemas.microsoft.com/office/drawing/2010/main" xmlns="" w="9525">
                 <a:solidFill>
                   <a:srgbClr val="000000"/>
                 </a:solidFill>
@@ -20024,7 +20024,7 @@
           </a:ln>
           <a:extLst>
             <a:ext uri="{91240B29-F687-4F45-9708-019B960494DF}">
-              <a14:hiddenLine xmlns="" xmlns:a14="http://schemas.microsoft.com/office/drawing/2010/main" w="9525">
+              <a14:hiddenLine xmlns:a14="http://schemas.microsoft.com/office/drawing/2010/main" xmlns="" w="9525">
                 <a:solidFill>
                   <a:srgbClr val="000000"/>
                 </a:solidFill>
@@ -20370,7 +20370,7 @@
           </a:ln>
           <a:extLst>
             <a:ext uri="{91240B29-F687-4F45-9708-019B960494DF}">
-              <a14:hiddenLine xmlns="" xmlns:a14="http://schemas.microsoft.com/office/drawing/2010/main" w="9525">
+              <a14:hiddenLine xmlns:a14="http://schemas.microsoft.com/office/drawing/2010/main" xmlns="" w="9525">
                 <a:solidFill>
                   <a:srgbClr val="000000"/>
                 </a:solidFill>
@@ -20516,7 +20516,7 @@
           </a:ln>
           <a:extLst>
             <a:ext uri="{91240B29-F687-4F45-9708-019B960494DF}">
-              <a14:hiddenLine xmlns="" xmlns:a14="http://schemas.microsoft.com/office/drawing/2010/main" w="9525">
+              <a14:hiddenLine xmlns:a14="http://schemas.microsoft.com/office/drawing/2010/main" xmlns="" w="9525">
                 <a:solidFill>
                   <a:srgbClr val="000000"/>
                 </a:solidFill>
@@ -20622,7 +20622,7 @@
           </a:ln>
           <a:extLst>
             <a:ext uri="{91240B29-F687-4F45-9708-019B960494DF}">
-              <a14:hiddenLine xmlns="" xmlns:a14="http://schemas.microsoft.com/office/drawing/2010/main" w="9525">
+              <a14:hiddenLine xmlns:a14="http://schemas.microsoft.com/office/drawing/2010/main" xmlns="" w="9525">
                 <a:solidFill>
                   <a:srgbClr val="000000"/>
                 </a:solidFill>
@@ -20728,7 +20728,7 @@
           </a:ln>
           <a:extLst>
             <a:ext uri="{91240B29-F687-4F45-9708-019B960494DF}">
-              <a14:hiddenLine xmlns="" xmlns:a14="http://schemas.microsoft.com/office/drawing/2010/main" w="9525">
+              <a14:hiddenLine xmlns:a14="http://schemas.microsoft.com/office/drawing/2010/main" xmlns="" w="9525">
                 <a:solidFill>
                   <a:srgbClr val="000000"/>
                 </a:solidFill>
@@ -20834,7 +20834,7 @@
           </a:ln>
           <a:extLst>
             <a:ext uri="{91240B29-F687-4F45-9708-019B960494DF}">
-              <a14:hiddenLine xmlns="" xmlns:a14="http://schemas.microsoft.com/office/drawing/2010/main" w="9525">
+              <a14:hiddenLine xmlns:a14="http://schemas.microsoft.com/office/drawing/2010/main" xmlns="" w="9525">
                 <a:solidFill>
                   <a:srgbClr val="000000"/>
                 </a:solidFill>
@@ -21069,7 +21069,7 @@
           </a:ln>
           <a:extLst>
             <a:ext uri="{91240B29-F687-4F45-9708-019B960494DF}">
-              <a14:hiddenLine xmlns="" xmlns:a14="http://schemas.microsoft.com/office/drawing/2010/main" w="9525">
+              <a14:hiddenLine xmlns:a14="http://schemas.microsoft.com/office/drawing/2010/main" xmlns="" w="9525">
                 <a:solidFill>
                   <a:srgbClr val="000000"/>
                 </a:solidFill>
@@ -21565,7 +21565,7 @@
             </a:ln>
             <a:extLst>
               <a:ext uri="{91240B29-F687-4F45-9708-019B960494DF}">
-                <a14:hiddenLine xmlns="" xmlns:a14="http://schemas.microsoft.com/office/drawing/2010/main" w="9525">
+                <a14:hiddenLine xmlns:a14="http://schemas.microsoft.com/office/drawing/2010/main" xmlns="" w="9525">
                   <a:solidFill>
                     <a:srgbClr val="000000"/>
                   </a:solidFill>
@@ -21612,7 +21612,7 @@
             </a:ln>
             <a:extLst>
               <a:ext uri="{91240B29-F687-4F45-9708-019B960494DF}">
-                <a14:hiddenLine xmlns="" xmlns:a14="http://schemas.microsoft.com/office/drawing/2010/main" w="9525">
+                <a14:hiddenLine xmlns:a14="http://schemas.microsoft.com/office/drawing/2010/main" xmlns="" w="9525">
                   <a:solidFill>
                     <a:srgbClr val="000000"/>
                   </a:solidFill>
@@ -21828,7 +21828,7 @@
             </a:ln>
             <a:extLst>
               <a:ext uri="{91240B29-F687-4F45-9708-019B960494DF}">
-                <a14:hiddenLine xmlns="" xmlns:a14="http://schemas.microsoft.com/office/drawing/2010/main" w="9525">
+                <a14:hiddenLine xmlns:a14="http://schemas.microsoft.com/office/drawing/2010/main" xmlns="" w="9525">
                   <a:solidFill>
                     <a:srgbClr val="000000"/>
                   </a:solidFill>
@@ -21875,7 +21875,7 @@
             </a:ln>
             <a:extLst>
               <a:ext uri="{91240B29-F687-4F45-9708-019B960494DF}">
-                <a14:hiddenLine xmlns="" xmlns:a14="http://schemas.microsoft.com/office/drawing/2010/main" w="9525">
+                <a14:hiddenLine xmlns:a14="http://schemas.microsoft.com/office/drawing/2010/main" xmlns="" w="9525">
                   <a:solidFill>
                     <a:srgbClr val="000000"/>
                   </a:solidFill>
@@ -22171,7 +22171,7 @@
             </a:ln>
             <a:extLst>
               <a:ext uri="{91240B29-F687-4F45-9708-019B960494DF}">
-                <a14:hiddenLine xmlns="" xmlns:a14="http://schemas.microsoft.com/office/drawing/2010/main" w="9525">
+                <a14:hiddenLine xmlns:a14="http://schemas.microsoft.com/office/drawing/2010/main" xmlns="" w="9525">
                   <a:solidFill>
                     <a:srgbClr val="000000"/>
                   </a:solidFill>
@@ -22218,7 +22218,7 @@
             </a:ln>
             <a:extLst>
               <a:ext uri="{91240B29-F687-4F45-9708-019B960494DF}">
-                <a14:hiddenLine xmlns="" xmlns:a14="http://schemas.microsoft.com/office/drawing/2010/main" w="9525">
+                <a14:hiddenLine xmlns:a14="http://schemas.microsoft.com/office/drawing/2010/main" xmlns="" w="9525">
                   <a:solidFill>
                     <a:srgbClr val="000000"/>
                   </a:solidFill>
@@ -22384,7 +22384,7 @@
             </a:ln>
             <a:extLst>
               <a:ext uri="{91240B29-F687-4F45-9708-019B960494DF}">
-                <a14:hiddenLine xmlns="" xmlns:a14="http://schemas.microsoft.com/office/drawing/2010/main" w="9525">
+                <a14:hiddenLine xmlns:a14="http://schemas.microsoft.com/office/drawing/2010/main" xmlns="" w="9525">
                   <a:solidFill>
                     <a:srgbClr val="000000"/>
                   </a:solidFill>
@@ -22431,7 +22431,7 @@
             </a:ln>
             <a:extLst>
               <a:ext uri="{91240B29-F687-4F45-9708-019B960494DF}">
-                <a14:hiddenLine xmlns="" xmlns:a14="http://schemas.microsoft.com/office/drawing/2010/main" w="9525">
+                <a14:hiddenLine xmlns:a14="http://schemas.microsoft.com/office/drawing/2010/main" xmlns="" w="9525">
                   <a:solidFill>
                     <a:srgbClr val="000000"/>
                   </a:solidFill>
@@ -22567,7 +22567,7 @@
             </a:ln>
             <a:extLst>
               <a:ext uri="{91240B29-F687-4F45-9708-019B960494DF}">
-                <a14:hiddenLine xmlns="" xmlns:a14="http://schemas.microsoft.com/office/drawing/2010/main" w="9525">
+                <a14:hiddenLine xmlns:a14="http://schemas.microsoft.com/office/drawing/2010/main" xmlns="" w="9525">
                   <a:solidFill>
                     <a:srgbClr val="000000"/>
                   </a:solidFill>
@@ -22614,7 +22614,7 @@
             </a:ln>
             <a:extLst>
               <a:ext uri="{91240B29-F687-4F45-9708-019B960494DF}">
-                <a14:hiddenLine xmlns="" xmlns:a14="http://schemas.microsoft.com/office/drawing/2010/main" w="9525">
+                <a14:hiddenLine xmlns:a14="http://schemas.microsoft.com/office/drawing/2010/main" xmlns="" w="9525">
                   <a:solidFill>
                     <a:srgbClr val="000000"/>
                   </a:solidFill>
@@ -22770,7 +22770,7 @@
             </a:ln>
             <a:extLst>
               <a:ext uri="{91240B29-F687-4F45-9708-019B960494DF}">
-                <a14:hiddenLine xmlns="" xmlns:a14="http://schemas.microsoft.com/office/drawing/2010/main" w="9525">
+                <a14:hiddenLine xmlns:a14="http://schemas.microsoft.com/office/drawing/2010/main" xmlns="" w="9525">
                   <a:solidFill>
                     <a:srgbClr val="000000"/>
                   </a:solidFill>
@@ -22817,7 +22817,7 @@
             </a:ln>
             <a:extLst>
               <a:ext uri="{91240B29-F687-4F45-9708-019B960494DF}">
-                <a14:hiddenLine xmlns="" xmlns:a14="http://schemas.microsoft.com/office/drawing/2010/main" w="9525">
+                <a14:hiddenLine xmlns:a14="http://schemas.microsoft.com/office/drawing/2010/main" xmlns="" w="9525">
                   <a:solidFill>
                     <a:srgbClr val="000000"/>
                   </a:solidFill>
@@ -23003,7 +23003,7 @@
             </a:ln>
             <a:extLst>
               <a:ext uri="{91240B29-F687-4F45-9708-019B960494DF}">
-                <a14:hiddenLine xmlns="" xmlns:a14="http://schemas.microsoft.com/office/drawing/2010/main" w="9525">
+                <a14:hiddenLine xmlns:a14="http://schemas.microsoft.com/office/drawing/2010/main" xmlns="" w="9525">
                   <a:solidFill>
                     <a:srgbClr val="000000"/>
                   </a:solidFill>
@@ -23050,7 +23050,7 @@
             </a:ln>
             <a:extLst>
               <a:ext uri="{91240B29-F687-4F45-9708-019B960494DF}">
-                <a14:hiddenLine xmlns="" xmlns:a14="http://schemas.microsoft.com/office/drawing/2010/main" w="9525">
+                <a14:hiddenLine xmlns:a14="http://schemas.microsoft.com/office/drawing/2010/main" xmlns="" w="9525">
                   <a:solidFill>
                     <a:srgbClr val="000000"/>
                   </a:solidFill>
@@ -23256,7 +23256,7 @@
             </a:ln>
             <a:extLst>
               <a:ext uri="{91240B29-F687-4F45-9708-019B960494DF}">
-                <a14:hiddenLine xmlns="" xmlns:a14="http://schemas.microsoft.com/office/drawing/2010/main" w="9525">
+                <a14:hiddenLine xmlns:a14="http://schemas.microsoft.com/office/drawing/2010/main" xmlns="" w="9525">
                   <a:solidFill>
                     <a:srgbClr val="000000"/>
                   </a:solidFill>
@@ -23303,7 +23303,7 @@
             </a:ln>
             <a:extLst>
               <a:ext uri="{91240B29-F687-4F45-9708-019B960494DF}">
-                <a14:hiddenLine xmlns="" xmlns:a14="http://schemas.microsoft.com/office/drawing/2010/main" w="9525">
+                <a14:hiddenLine xmlns:a14="http://schemas.microsoft.com/office/drawing/2010/main" xmlns="" w="9525">
                   <a:solidFill>
                     <a:srgbClr val="000000"/>
                   </a:solidFill>
@@ -23499,7 +23499,7 @@
             </a:ln>
             <a:extLst>
               <a:ext uri="{91240B29-F687-4F45-9708-019B960494DF}">
-                <a14:hiddenLine xmlns="" xmlns:a14="http://schemas.microsoft.com/office/drawing/2010/main" w="9525">
+                <a14:hiddenLine xmlns:a14="http://schemas.microsoft.com/office/drawing/2010/main" xmlns="" w="9525">
                   <a:solidFill>
                     <a:srgbClr val="000000"/>
                   </a:solidFill>
@@ -23546,7 +23546,7 @@
             </a:ln>
             <a:extLst>
               <a:ext uri="{91240B29-F687-4F45-9708-019B960494DF}">
-                <a14:hiddenLine xmlns="" xmlns:a14="http://schemas.microsoft.com/office/drawing/2010/main" w="9525">
+                <a14:hiddenLine xmlns:a14="http://schemas.microsoft.com/office/drawing/2010/main" xmlns="" w="9525">
                   <a:solidFill>
                     <a:srgbClr val="000000"/>
                   </a:solidFill>
@@ -24357,7 +24357,7 @@
             </a:ln>
             <a:extLst>
               <a:ext uri="{91240B29-F687-4F45-9708-019B960494DF}">
-                <a14:hiddenLine xmlns="" xmlns:a14="http://schemas.microsoft.com/office/drawing/2010/main" w="9525">
+                <a14:hiddenLine xmlns:a14="http://schemas.microsoft.com/office/drawing/2010/main" xmlns="" w="9525">
                   <a:solidFill>
                     <a:srgbClr val="000000"/>
                   </a:solidFill>
@@ -25058,7 +25058,7 @@
           </a:ln>
           <a:extLst>
             <a:ext uri="{91240B29-F687-4F45-9708-019B960494DF}">
-              <a14:hiddenLine xmlns="" xmlns:a14="http://schemas.microsoft.com/office/drawing/2010/main" w="9525">
+              <a14:hiddenLine xmlns:a14="http://schemas.microsoft.com/office/drawing/2010/main" xmlns="" w="9525">
                 <a:solidFill>
                   <a:srgbClr val="000000"/>
                 </a:solidFill>
@@ -25518,7 +25518,7 @@
           </a:ln>
           <a:extLst>
             <a:ext uri="{91240B29-F687-4F45-9708-019B960494DF}">
-              <a14:hiddenLine xmlns="" xmlns:a14="http://schemas.microsoft.com/office/drawing/2010/main" w="9525">
+              <a14:hiddenLine xmlns:a14="http://schemas.microsoft.com/office/drawing/2010/main" xmlns="" w="9525">
                 <a:solidFill>
                   <a:srgbClr val="000000"/>
                 </a:solidFill>
@@ -25676,7 +25676,7 @@
             </a:ln>
             <a:extLst>
               <a:ext uri="{91240B29-F687-4F45-9708-019B960494DF}">
-                <a14:hiddenLine xmlns="" xmlns:a14="http://schemas.microsoft.com/office/drawing/2010/main" w="9525">
+                <a14:hiddenLine xmlns:a14="http://schemas.microsoft.com/office/drawing/2010/main" xmlns="" w="9525">
                   <a:solidFill>
                     <a:srgbClr val="000000"/>
                   </a:solidFill>
@@ -25937,7 +25937,7 @@
             </a:ln>
             <a:extLst>
               <a:ext uri="{91240B29-F687-4F45-9708-019B960494DF}">
-                <a14:hiddenLine xmlns="" xmlns:a14="http://schemas.microsoft.com/office/drawing/2010/main" w="9525">
+                <a14:hiddenLine xmlns:a14="http://schemas.microsoft.com/office/drawing/2010/main" xmlns="" w="9525">
                   <a:solidFill>
                     <a:srgbClr val="000000"/>
                   </a:solidFill>
@@ -26128,7 +26128,7 @@
             </a:ln>
             <a:extLst>
               <a:ext uri="{91240B29-F687-4F45-9708-019B960494DF}">
-                <a14:hiddenLine xmlns="" xmlns:a14="http://schemas.microsoft.com/office/drawing/2010/main" w="9525">
+                <a14:hiddenLine xmlns:a14="http://schemas.microsoft.com/office/drawing/2010/main" xmlns="" w="9525">
                   <a:solidFill>
                     <a:srgbClr val="000000"/>
                   </a:solidFill>
@@ -26389,7 +26389,7 @@
             </a:ln>
             <a:extLst>
               <a:ext uri="{91240B29-F687-4F45-9708-019B960494DF}">
-                <a14:hiddenLine xmlns="" xmlns:a14="http://schemas.microsoft.com/office/drawing/2010/main" w="9525">
+                <a14:hiddenLine xmlns:a14="http://schemas.microsoft.com/office/drawing/2010/main" xmlns="" w="9525">
                   <a:solidFill>
                     <a:srgbClr val="000000"/>
                   </a:solidFill>
@@ -26650,7 +26650,7 @@
             </a:ln>
             <a:extLst>
               <a:ext uri="{91240B29-F687-4F45-9708-019B960494DF}">
-                <a14:hiddenLine xmlns="" xmlns:a14="http://schemas.microsoft.com/office/drawing/2010/main" w="9525">
+                <a14:hiddenLine xmlns:a14="http://schemas.microsoft.com/office/drawing/2010/main" xmlns="" w="9525">
                   <a:solidFill>
                     <a:srgbClr val="000000"/>
                   </a:solidFill>
@@ -26964,7 +26964,7 @@
             </a:ln>
             <a:extLst>
               <a:ext uri="{91240B29-F687-4F45-9708-019B960494DF}">
-                <a14:hiddenLine xmlns="" xmlns:a14="http://schemas.microsoft.com/office/drawing/2010/main" w="9525">
+                <a14:hiddenLine xmlns:a14="http://schemas.microsoft.com/office/drawing/2010/main" xmlns="" w="9525">
                   <a:solidFill>
                     <a:srgbClr val="000000"/>
                   </a:solidFill>
@@ -27119,7 +27119,7 @@
             </a:ln>
             <a:extLst>
               <a:ext uri="{91240B29-F687-4F45-9708-019B960494DF}">
-                <a14:hiddenLine xmlns="" xmlns:a14="http://schemas.microsoft.com/office/drawing/2010/main" w="9525">
+                <a14:hiddenLine xmlns:a14="http://schemas.microsoft.com/office/drawing/2010/main" xmlns="" w="9525">
                   <a:solidFill>
                     <a:srgbClr val="000000"/>
                   </a:solidFill>
@@ -27313,7 +27313,7 @@
             </a:ln>
             <a:extLst>
               <a:ext uri="{91240B29-F687-4F45-9708-019B960494DF}">
-                <a14:hiddenLine xmlns="" xmlns:a14="http://schemas.microsoft.com/office/drawing/2010/main" w="9525">
+                <a14:hiddenLine xmlns:a14="http://schemas.microsoft.com/office/drawing/2010/main" xmlns="" w="9525">
                   <a:solidFill>
                     <a:srgbClr val="000000"/>
                   </a:solidFill>
@@ -27504,7 +27504,7 @@
             </a:ln>
             <a:extLst>
               <a:ext uri="{91240B29-F687-4F45-9708-019B960494DF}">
-                <a14:hiddenLine xmlns="" xmlns:a14="http://schemas.microsoft.com/office/drawing/2010/main" w="9525">
+                <a14:hiddenLine xmlns:a14="http://schemas.microsoft.com/office/drawing/2010/main" xmlns="" w="9525">
                   <a:solidFill>
                     <a:srgbClr val="000000"/>
                   </a:solidFill>
@@ -27697,7 +27697,7 @@
             </a:ln>
             <a:extLst>
               <a:ext uri="{91240B29-F687-4F45-9708-019B960494DF}">
-                <a14:hiddenLine xmlns="" xmlns:a14="http://schemas.microsoft.com/office/drawing/2010/main" w="9525">
+                <a14:hiddenLine xmlns:a14="http://schemas.microsoft.com/office/drawing/2010/main" xmlns="" w="9525">
                   <a:solidFill>
                     <a:srgbClr val="000000"/>
                   </a:solidFill>
@@ -27823,7 +27823,7 @@
             </a:ln>
             <a:extLst>
               <a:ext uri="{91240B29-F687-4F45-9708-019B960494DF}">
-                <a14:hiddenLine xmlns="" xmlns:a14="http://schemas.microsoft.com/office/drawing/2010/main" w="9525">
+                <a14:hiddenLine xmlns:a14="http://schemas.microsoft.com/office/drawing/2010/main" xmlns="" w="9525">
                   <a:solidFill>
                     <a:srgbClr val="000000"/>
                   </a:solidFill>
@@ -27939,7 +27939,7 @@
             </a:ln>
             <a:extLst>
               <a:ext uri="{91240B29-F687-4F45-9708-019B960494DF}">
-                <a14:hiddenLine xmlns="" xmlns:a14="http://schemas.microsoft.com/office/drawing/2010/main" w="9525">
+                <a14:hiddenLine xmlns:a14="http://schemas.microsoft.com/office/drawing/2010/main" xmlns="" w="9525">
                   <a:solidFill>
                     <a:srgbClr val="000000"/>
                   </a:solidFill>
@@ -28075,7 +28075,7 @@
             </a:ln>
             <a:extLst>
               <a:ext uri="{91240B29-F687-4F45-9708-019B960494DF}">
-                <a14:hiddenLine xmlns="" xmlns:a14="http://schemas.microsoft.com/office/drawing/2010/main" w="9525">
+                <a14:hiddenLine xmlns:a14="http://schemas.microsoft.com/office/drawing/2010/main" xmlns="" w="9525">
                   <a:solidFill>
                     <a:srgbClr val="000000"/>
                   </a:solidFill>
@@ -28137,7 +28137,7 @@
             </a:ln>
             <a:extLst>
               <a:ext uri="{91240B29-F687-4F45-9708-019B960494DF}">
-                <a14:hiddenLine xmlns="" xmlns:a14="http://schemas.microsoft.com/office/drawing/2010/main" w="9525">
+                <a14:hiddenLine xmlns:a14="http://schemas.microsoft.com/office/drawing/2010/main" xmlns="" w="9525">
                   <a:solidFill>
                     <a:srgbClr val="000000"/>
                   </a:solidFill>
@@ -28298,7 +28298,7 @@
             </a:ln>
             <a:extLst>
               <a:ext uri="{91240B29-F687-4F45-9708-019B960494DF}">
-                <a14:hiddenLine xmlns="" xmlns:a14="http://schemas.microsoft.com/office/drawing/2010/main" w="9525">
+                <a14:hiddenLine xmlns:a14="http://schemas.microsoft.com/office/drawing/2010/main" xmlns="" w="9525">
                   <a:solidFill>
                     <a:srgbClr val="000000"/>
                   </a:solidFill>
@@ -28414,7 +28414,7 @@
             </a:ln>
             <a:extLst>
               <a:ext uri="{91240B29-F687-4F45-9708-019B960494DF}">
-                <a14:hiddenLine xmlns="" xmlns:a14="http://schemas.microsoft.com/office/drawing/2010/main" w="9525">
+                <a14:hiddenLine xmlns:a14="http://schemas.microsoft.com/office/drawing/2010/main" xmlns="" w="9525">
                   <a:solidFill>
                     <a:srgbClr val="000000"/>
                   </a:solidFill>
@@ -28520,7 +28520,7 @@
             </a:ln>
             <a:extLst>
               <a:ext uri="{91240B29-F687-4F45-9708-019B960494DF}">
-                <a14:hiddenLine xmlns="" xmlns:a14="http://schemas.microsoft.com/office/drawing/2010/main" w="9525">
+                <a14:hiddenLine xmlns:a14="http://schemas.microsoft.com/office/drawing/2010/main" xmlns="" w="9525">
                   <a:solidFill>
                     <a:srgbClr val="000000"/>
                   </a:solidFill>
@@ -28675,7 +28675,7 @@
             </a:ln>
             <a:extLst>
               <a:ext uri="{91240B29-F687-4F45-9708-019B960494DF}">
-                <a14:hiddenLine xmlns="" xmlns:a14="http://schemas.microsoft.com/office/drawing/2010/main" w="9525">
+                <a14:hiddenLine xmlns:a14="http://schemas.microsoft.com/office/drawing/2010/main" xmlns="" w="9525">
                   <a:solidFill>
                     <a:srgbClr val="000000"/>
                   </a:solidFill>
@@ -28809,7 +28809,7 @@
             </a:ln>
             <a:extLst>
               <a:ext uri="{91240B29-F687-4F45-9708-019B960494DF}">
-                <a14:hiddenLine xmlns="" xmlns:a14="http://schemas.microsoft.com/office/drawing/2010/main" w="9525">
+                <a14:hiddenLine xmlns:a14="http://schemas.microsoft.com/office/drawing/2010/main" xmlns="" w="9525">
                   <a:solidFill>
                     <a:srgbClr val="000000"/>
                   </a:solidFill>
@@ -28856,7 +28856,7 @@
             </a:ln>
             <a:extLst>
               <a:ext uri="{91240B29-F687-4F45-9708-019B960494DF}">
-                <a14:hiddenLine xmlns="" xmlns:a14="http://schemas.microsoft.com/office/drawing/2010/main" w="9525">
+                <a14:hiddenLine xmlns:a14="http://schemas.microsoft.com/office/drawing/2010/main" xmlns="" w="9525">
                   <a:solidFill>
                     <a:srgbClr val="000000"/>
                   </a:solidFill>
@@ -29204,7 +29204,7 @@
             </a:ln>
             <a:extLst>
               <a:ext uri="{91240B29-F687-4F45-9708-019B960494DF}">
-                <a14:hiddenLine xmlns="" xmlns:a14="http://schemas.microsoft.com/office/drawing/2010/main" w="9525">
+                <a14:hiddenLine xmlns:a14="http://schemas.microsoft.com/office/drawing/2010/main" xmlns="" w="9525">
                   <a:solidFill>
                     <a:srgbClr val="000000"/>
                   </a:solidFill>
@@ -29400,7 +29400,7 @@
             </a:ln>
             <a:extLst>
               <a:ext uri="{91240B29-F687-4F45-9708-019B960494DF}">
-                <a14:hiddenLine xmlns="" xmlns:a14="http://schemas.microsoft.com/office/drawing/2010/main" w="9525">
+                <a14:hiddenLine xmlns:a14="http://schemas.microsoft.com/office/drawing/2010/main" xmlns="" w="9525">
                   <a:solidFill>
                     <a:srgbClr val="000000"/>
                   </a:solidFill>
@@ -29555,7 +29555,7 @@
             </a:ln>
             <a:extLst>
               <a:ext uri="{91240B29-F687-4F45-9708-019B960494DF}">
-                <a14:hiddenLine xmlns="" xmlns:a14="http://schemas.microsoft.com/office/drawing/2010/main" w="9525">
+                <a14:hiddenLine xmlns:a14="http://schemas.microsoft.com/office/drawing/2010/main" xmlns="" w="9525">
                   <a:solidFill>
                     <a:srgbClr val="000000"/>
                   </a:solidFill>
@@ -29769,7 +29769,7 @@
             </a:ln>
             <a:extLst>
               <a:ext uri="{91240B29-F687-4F45-9708-019B960494DF}">
-                <a14:hiddenLine xmlns="" xmlns:a14="http://schemas.microsoft.com/office/drawing/2010/main" w="9525">
+                <a14:hiddenLine xmlns:a14="http://schemas.microsoft.com/office/drawing/2010/main" xmlns="" w="9525">
                   <a:solidFill>
                     <a:srgbClr val="000000"/>
                   </a:solidFill>
@@ -29816,7 +29816,7 @@
             </a:ln>
             <a:extLst>
               <a:ext uri="{91240B29-F687-4F45-9708-019B960494DF}">
-                <a14:hiddenLine xmlns="" xmlns:a14="http://schemas.microsoft.com/office/drawing/2010/main" w="9525">
+                <a14:hiddenLine xmlns:a14="http://schemas.microsoft.com/office/drawing/2010/main" xmlns="" w="9525">
                   <a:solidFill>
                     <a:srgbClr val="000000"/>
                   </a:solidFill>
@@ -30443,7 +30443,7 @@
             </a:ln>
             <a:extLst>
               <a:ext uri="{91240B29-F687-4F45-9708-019B960494DF}">
-                <a14:hiddenLine xmlns="" xmlns:a14="http://schemas.microsoft.com/office/drawing/2010/main" w="9525">
+                <a14:hiddenLine xmlns:a14="http://schemas.microsoft.com/office/drawing/2010/main" xmlns="" w="9525">
                   <a:solidFill>
                     <a:srgbClr val="000000"/>
                   </a:solidFill>
@@ -31027,7 +31027,7 @@
             </a:ln>
             <a:extLst>
               <a:ext uri="{91240B29-F687-4F45-9708-019B960494DF}">
-                <a14:hiddenLine xmlns="" xmlns:a14="http://schemas.microsoft.com/office/drawing/2010/main" w="9525">
+                <a14:hiddenLine xmlns:a14="http://schemas.microsoft.com/office/drawing/2010/main" xmlns="" w="9525">
                   <a:solidFill>
                     <a:srgbClr val="000000"/>
                   </a:solidFill>
@@ -31182,7 +31182,7 @@
             </a:ln>
             <a:extLst>
               <a:ext uri="{91240B29-F687-4F45-9708-019B960494DF}">
-                <a14:hiddenLine xmlns="" xmlns:a14="http://schemas.microsoft.com/office/drawing/2010/main" w="9525">
+                <a14:hiddenLine xmlns:a14="http://schemas.microsoft.com/office/drawing/2010/main" xmlns="" w="9525">
                   <a:solidFill>
                     <a:srgbClr val="000000"/>
                   </a:solidFill>
@@ -31366,7 +31366,7 @@
             </a:ln>
             <a:extLst>
               <a:ext uri="{91240B29-F687-4F45-9708-019B960494DF}">
-                <a14:hiddenLine xmlns="" xmlns:a14="http://schemas.microsoft.com/office/drawing/2010/main" w="9525">
+                <a14:hiddenLine xmlns:a14="http://schemas.microsoft.com/office/drawing/2010/main" xmlns="" w="9525">
                   <a:solidFill>
                     <a:srgbClr val="000000"/>
                   </a:solidFill>
@@ -31413,7 +31413,7 @@
             </a:ln>
             <a:extLst>
               <a:ext uri="{91240B29-F687-4F45-9708-019B960494DF}">
-                <a14:hiddenLine xmlns="" xmlns:a14="http://schemas.microsoft.com/office/drawing/2010/main" w="9525">
+                <a14:hiddenLine xmlns:a14="http://schemas.microsoft.com/office/drawing/2010/main" xmlns="" w="9525">
                   <a:solidFill>
                     <a:srgbClr val="000000"/>
                   </a:solidFill>
@@ -31583,7 +31583,7 @@
             </a:ln>
             <a:extLst>
               <a:ext uri="{91240B29-F687-4F45-9708-019B960494DF}">
-                <a14:hiddenLine xmlns="" xmlns:a14="http://schemas.microsoft.com/office/drawing/2010/main" w="9525">
+                <a14:hiddenLine xmlns:a14="http://schemas.microsoft.com/office/drawing/2010/main" xmlns="" w="9525">
                   <a:solidFill>
                     <a:srgbClr val="000000"/>
                   </a:solidFill>
@@ -31749,7 +31749,7 @@
             </a:ln>
             <a:extLst>
               <a:ext uri="{91240B29-F687-4F45-9708-019B960494DF}">
-                <a14:hiddenLine xmlns="" xmlns:a14="http://schemas.microsoft.com/office/drawing/2010/main" w="9525">
+                <a14:hiddenLine xmlns:a14="http://schemas.microsoft.com/office/drawing/2010/main" xmlns="" w="9525">
                   <a:solidFill>
                     <a:srgbClr val="000000"/>
                   </a:solidFill>
@@ -31873,7 +31873,7 @@
             </a:ln>
             <a:extLst>
               <a:ext uri="{91240B29-F687-4F45-9708-019B960494DF}">
-                <a14:hiddenLine xmlns="" xmlns:a14="http://schemas.microsoft.com/office/drawing/2010/main" w="9525">
+                <a14:hiddenLine xmlns:a14="http://schemas.microsoft.com/office/drawing/2010/main" xmlns="" w="9525">
                   <a:solidFill>
                     <a:srgbClr val="000000"/>
                   </a:solidFill>
@@ -31997,7 +31997,7 @@
             </a:ln>
             <a:extLst>
               <a:ext uri="{91240B29-F687-4F45-9708-019B960494DF}">
-                <a14:hiddenLine xmlns="" xmlns:a14="http://schemas.microsoft.com/office/drawing/2010/main" w="9525">
+                <a14:hiddenLine xmlns:a14="http://schemas.microsoft.com/office/drawing/2010/main" xmlns="" w="9525">
                   <a:solidFill>
                     <a:srgbClr val="000000"/>
                   </a:solidFill>
@@ -32121,7 +32121,7 @@
             </a:ln>
             <a:extLst>
               <a:ext uri="{91240B29-F687-4F45-9708-019B960494DF}">
-                <a14:hiddenLine xmlns="" xmlns:a14="http://schemas.microsoft.com/office/drawing/2010/main" w="9525">
+                <a14:hiddenLine xmlns:a14="http://schemas.microsoft.com/office/drawing/2010/main" xmlns="" w="9525">
                   <a:solidFill>
                     <a:srgbClr val="000000"/>
                   </a:solidFill>
@@ -32245,7 +32245,7 @@
             </a:ln>
             <a:extLst>
               <a:ext uri="{91240B29-F687-4F45-9708-019B960494DF}">
-                <a14:hiddenLine xmlns="" xmlns:a14="http://schemas.microsoft.com/office/drawing/2010/main" w="9525">
+                <a14:hiddenLine xmlns:a14="http://schemas.microsoft.com/office/drawing/2010/main" xmlns="" w="9525">
                   <a:solidFill>
                     <a:srgbClr val="000000"/>
                   </a:solidFill>
@@ -32400,7 +32400,7 @@
             </a:ln>
             <a:extLst>
               <a:ext uri="{91240B29-F687-4F45-9708-019B960494DF}">
-                <a14:hiddenLine xmlns="" xmlns:a14="http://schemas.microsoft.com/office/drawing/2010/main" w="9525">
+                <a14:hiddenLine xmlns:a14="http://schemas.microsoft.com/office/drawing/2010/main" xmlns="" w="9525">
                   <a:solidFill>
                     <a:srgbClr val="000000"/>
                   </a:solidFill>
@@ -32587,7 +32587,7 @@
             </a:ln>
             <a:extLst>
               <a:ext uri="{91240B29-F687-4F45-9708-019B960494DF}">
-                <a14:hiddenLine xmlns="" xmlns:a14="http://schemas.microsoft.com/office/drawing/2010/main" w="9525">
+                <a14:hiddenLine xmlns:a14="http://schemas.microsoft.com/office/drawing/2010/main" xmlns="" w="9525">
                   <a:solidFill>
                     <a:srgbClr val="000000"/>
                   </a:solidFill>
@@ -32634,7 +32634,7 @@
             </a:ln>
             <a:extLst>
               <a:ext uri="{91240B29-F687-4F45-9708-019B960494DF}">
-                <a14:hiddenLine xmlns="" xmlns:a14="http://schemas.microsoft.com/office/drawing/2010/main" w="9525">
+                <a14:hiddenLine xmlns:a14="http://schemas.microsoft.com/office/drawing/2010/main" xmlns="" w="9525">
                   <a:solidFill>
                     <a:srgbClr val="000000"/>
                   </a:solidFill>
@@ -32696,7 +32696,7 @@
             </a:ln>
             <a:extLst>
               <a:ext uri="{91240B29-F687-4F45-9708-019B960494DF}">
-                <a14:hiddenLine xmlns="" xmlns:a14="http://schemas.microsoft.com/office/drawing/2010/main" w="9525">
+                <a14:hiddenLine xmlns:a14="http://schemas.microsoft.com/office/drawing/2010/main" xmlns="" w="9525">
                   <a:solidFill>
                     <a:srgbClr val="000000"/>
                   </a:solidFill>
@@ -32822,7 +32822,7 @@
             </a:ln>
             <a:extLst>
               <a:ext uri="{91240B29-F687-4F45-9708-019B960494DF}">
-                <a14:hiddenLine xmlns="" xmlns:a14="http://schemas.microsoft.com/office/drawing/2010/main" w="9525">
+                <a14:hiddenLine xmlns:a14="http://schemas.microsoft.com/office/drawing/2010/main" xmlns="" w="9525">
                   <a:solidFill>
                     <a:srgbClr val="000000"/>
                   </a:solidFill>
@@ -33068,7 +33068,7 @@
             </a:ln>
             <a:extLst>
               <a:ext uri="{91240B29-F687-4F45-9708-019B960494DF}">
-                <a14:hiddenLine xmlns="" xmlns:a14="http://schemas.microsoft.com/office/drawing/2010/main" w="9525">
+                <a14:hiddenLine xmlns:a14="http://schemas.microsoft.com/office/drawing/2010/main" xmlns="" w="9525">
                   <a:solidFill>
                     <a:srgbClr val="000000"/>
                   </a:solidFill>
@@ -33223,7 +33223,7 @@
             </a:ln>
             <a:extLst>
               <a:ext uri="{91240B29-F687-4F45-9708-019B960494DF}">
-                <a14:hiddenLine xmlns="" xmlns:a14="http://schemas.microsoft.com/office/drawing/2010/main" w="9525">
+                <a14:hiddenLine xmlns:a14="http://schemas.microsoft.com/office/drawing/2010/main" xmlns="" w="9525">
                   <a:solidFill>
                     <a:srgbClr val="000000"/>
                   </a:solidFill>
@@ -33437,7 +33437,7 @@
             </a:ln>
             <a:extLst>
               <a:ext uri="{91240B29-F687-4F45-9708-019B960494DF}">
-                <a14:hiddenLine xmlns="" xmlns:a14="http://schemas.microsoft.com/office/drawing/2010/main" w="9525">
+                <a14:hiddenLine xmlns:a14="http://schemas.microsoft.com/office/drawing/2010/main" xmlns="" w="9525">
                   <a:solidFill>
                     <a:srgbClr val="000000"/>
                   </a:solidFill>
@@ -34545,7 +34545,7 @@
             <a:effectLst/>
             <a:extLst>
               <a:ext uri="{91240B29-F687-4F45-9708-019B960494DF}">
-                <a14:hiddenLine xmlns="" xmlns:a14="http://schemas.microsoft.com/office/drawing/2010/main" w="9525">
+                <a14:hiddenLine xmlns:a14="http://schemas.microsoft.com/office/drawing/2010/main" xmlns="" w="9525">
                   <a:solidFill>
                     <a:srgbClr val="000000"/>
                   </a:solidFill>
@@ -34658,7 +34658,7 @@
             </a:effectLst>
             <a:extLst>
               <a:ext uri="{91240B29-F687-4F45-9708-019B960494DF}">
-                <a14:hiddenLine xmlns="" xmlns:a14="http://schemas.microsoft.com/office/drawing/2010/main" w="9525">
+                <a14:hiddenLine xmlns:a14="http://schemas.microsoft.com/office/drawing/2010/main" xmlns="" w="9525">
                   <a:solidFill>
                     <a:srgbClr val="000000"/>
                   </a:solidFill>
@@ -34771,7 +34771,7 @@
             </a:effectLst>
             <a:extLst>
               <a:ext uri="{91240B29-F687-4F45-9708-019B960494DF}">
-                <a14:hiddenLine xmlns="" xmlns:a14="http://schemas.microsoft.com/office/drawing/2010/main" w="9525">
+                <a14:hiddenLine xmlns:a14="http://schemas.microsoft.com/office/drawing/2010/main" xmlns="" w="9525">
                   <a:solidFill>
                     <a:srgbClr val="000000"/>
                   </a:solidFill>
@@ -34884,7 +34884,7 @@
             </a:effectLst>
             <a:extLst>
               <a:ext uri="{91240B29-F687-4F45-9708-019B960494DF}">
-                <a14:hiddenLine xmlns="" xmlns:a14="http://schemas.microsoft.com/office/drawing/2010/main" w="9525">
+                <a14:hiddenLine xmlns:a14="http://schemas.microsoft.com/office/drawing/2010/main" xmlns="" w="9525">
                   <a:solidFill>
                     <a:srgbClr val="000000"/>
                   </a:solidFill>
@@ -35860,7 +35860,7 @@
           </a:ln>
           <a:extLst>
             <a:ext uri="{91240B29-F687-4F45-9708-019B960494DF}">
-              <a14:hiddenLine xmlns="" xmlns:a14="http://schemas.microsoft.com/office/drawing/2010/main" w="9525">
+              <a14:hiddenLine xmlns:a14="http://schemas.microsoft.com/office/drawing/2010/main" xmlns="" w="9525">
                 <a:solidFill>
                   <a:srgbClr val="000000"/>
                 </a:solidFill>
@@ -36186,7 +36186,7 @@
           </a:ln>
           <a:extLst>
             <a:ext uri="{91240B29-F687-4F45-9708-019B960494DF}">
-              <a14:hiddenLine xmlns="" xmlns:a14="http://schemas.microsoft.com/office/drawing/2010/main" w="9525">
+              <a14:hiddenLine xmlns:a14="http://schemas.microsoft.com/office/drawing/2010/main" xmlns="" w="9525">
                 <a:solidFill>
                   <a:srgbClr val="000000"/>
                 </a:solidFill>
@@ -36352,7 +36352,7 @@
           </a:ln>
           <a:extLst>
             <a:ext uri="{91240B29-F687-4F45-9708-019B960494DF}">
-              <a14:hiddenLine xmlns="" xmlns:a14="http://schemas.microsoft.com/office/drawing/2010/main" w="9525">
+              <a14:hiddenLine xmlns:a14="http://schemas.microsoft.com/office/drawing/2010/main" xmlns="" w="9525">
                 <a:solidFill>
                   <a:srgbClr val="000000"/>
                 </a:solidFill>
@@ -36508,7 +36508,7 @@
           </a:ln>
           <a:extLst>
             <a:ext uri="{91240B29-F687-4F45-9708-019B960494DF}">
-              <a14:hiddenLine xmlns="" xmlns:a14="http://schemas.microsoft.com/office/drawing/2010/main" w="9525">
+              <a14:hiddenLine xmlns:a14="http://schemas.microsoft.com/office/drawing/2010/main" xmlns="" w="9525">
                 <a:solidFill>
                   <a:srgbClr val="000000"/>
                 </a:solidFill>
@@ -36638,7 +36638,7 @@
           </a:ln>
           <a:extLst>
             <a:ext uri="{91240B29-F687-4F45-9708-019B960494DF}">
-              <a14:hiddenLine xmlns="" xmlns:a14="http://schemas.microsoft.com/office/drawing/2010/main" w="9525">
+              <a14:hiddenLine xmlns:a14="http://schemas.microsoft.com/office/drawing/2010/main" xmlns="" w="9525">
                 <a:solidFill>
                   <a:srgbClr val="000000"/>
                 </a:solidFill>
@@ -36884,7 +36884,7 @@
           </a:ln>
           <a:extLst>
             <a:ext uri="{91240B29-F687-4F45-9708-019B960494DF}">
-              <a14:hiddenLine xmlns="" xmlns:a14="http://schemas.microsoft.com/office/drawing/2010/main" w="9525">
+              <a14:hiddenLine xmlns:a14="http://schemas.microsoft.com/office/drawing/2010/main" xmlns="" w="9525">
                 <a:solidFill>
                   <a:srgbClr val="000000"/>
                 </a:solidFill>
@@ -37240,7 +37240,7 @@
           </a:ln>
           <a:extLst>
             <a:ext uri="{91240B29-F687-4F45-9708-019B960494DF}">
-              <a14:hiddenLine xmlns="" xmlns:a14="http://schemas.microsoft.com/office/drawing/2010/main" w="9525">
+              <a14:hiddenLine xmlns:a14="http://schemas.microsoft.com/office/drawing/2010/main" xmlns="" w="9525">
                 <a:solidFill>
                   <a:srgbClr val="000000"/>
                 </a:solidFill>
@@ -37443,7 +37443,7 @@
           </a:ln>
           <a:extLst>
             <a:ext uri="{91240B29-F687-4F45-9708-019B960494DF}">
-              <a14:hiddenLine xmlns="" xmlns:a14="http://schemas.microsoft.com/office/drawing/2010/main" w="9525">
+              <a14:hiddenLine xmlns:a14="http://schemas.microsoft.com/office/drawing/2010/main" xmlns="" w="9525">
                 <a:solidFill>
                   <a:srgbClr val="000000"/>
                 </a:solidFill>
@@ -38139,7 +38139,7 @@
           </a:ln>
           <a:extLst>
             <a:ext uri="{91240B29-F687-4F45-9708-019B960494DF}">
-              <a14:hiddenLine xmlns="" xmlns:a14="http://schemas.microsoft.com/office/drawing/2010/main" w="9525">
+              <a14:hiddenLine xmlns:a14="http://schemas.microsoft.com/office/drawing/2010/main" xmlns="" w="9525">
                 <a:solidFill>
                   <a:srgbClr val="000000"/>
                 </a:solidFill>
@@ -38533,7 +38533,7 @@
           </a:ln>
           <a:extLst>
             <a:ext uri="{91240B29-F687-4F45-9708-019B960494DF}">
-              <a14:hiddenLine xmlns="" xmlns:a14="http://schemas.microsoft.com/office/drawing/2010/main" w="9525">
+              <a14:hiddenLine xmlns:a14="http://schemas.microsoft.com/office/drawing/2010/main" xmlns="" w="9525">
                 <a:solidFill>
                   <a:srgbClr val="000000"/>
                 </a:solidFill>
@@ -39138,7 +39138,7 @@
           </a:ln>
           <a:extLst>
             <a:ext uri="{91240B29-F687-4F45-9708-019B960494DF}">
-              <a14:hiddenLine xmlns="" xmlns:a14="http://schemas.microsoft.com/office/drawing/2010/main" w="9525">
+              <a14:hiddenLine xmlns:a14="http://schemas.microsoft.com/office/drawing/2010/main" xmlns="" w="9525">
                 <a:solidFill>
                   <a:srgbClr val="000000"/>
                 </a:solidFill>
@@ -39579,7 +39579,7 @@
           </a:ln>
           <a:extLst>
             <a:ext uri="{91240B29-F687-4F45-9708-019B960494DF}">
-              <a14:hiddenLine xmlns="" xmlns:a14="http://schemas.microsoft.com/office/drawing/2010/main" w="9525">
+              <a14:hiddenLine xmlns:a14="http://schemas.microsoft.com/office/drawing/2010/main" xmlns="" w="9525">
                 <a:solidFill>
                   <a:srgbClr val="000000"/>
                 </a:solidFill>
@@ -40363,14 +40363,14 @@
           </a:ln>
           <a:extLst>
             <a:ext uri="{909E8E84-426E-40DD-AFC4-6F175D3DCCD1}">
-              <a14:hiddenFill xmlns:a14="http://schemas.microsoft.com/office/drawing/2010/main" xmlns="">
+              <a14:hiddenFill xmlns="" xmlns:a14="http://schemas.microsoft.com/office/drawing/2010/main">
                 <a:solidFill>
                   <a:srgbClr val="FFFFFF"/>
                 </a:solidFill>
               </a14:hiddenFill>
             </a:ext>
             <a:ext uri="{91240B29-F687-4F45-9708-019B960494DF}">
-              <a14:hiddenLine xmlns:a14="http://schemas.microsoft.com/office/drawing/2010/main" xmlns="" w="9525">
+              <a14:hiddenLine xmlns="" xmlns:a14="http://schemas.microsoft.com/office/drawing/2010/main" w="9525">
                 <a:solidFill>
                   <a:srgbClr val="000000"/>
                 </a:solidFill>
@@ -40473,14 +40473,14 @@
           </a:ln>
           <a:extLst>
             <a:ext uri="{909E8E84-426E-40DD-AFC4-6F175D3DCCD1}">
-              <a14:hiddenFill xmlns:a14="http://schemas.microsoft.com/office/drawing/2010/main" xmlns="">
+              <a14:hiddenFill xmlns="" xmlns:a14="http://schemas.microsoft.com/office/drawing/2010/main">
                 <a:solidFill>
                   <a:srgbClr val="FFFFFF"/>
                 </a:solidFill>
               </a14:hiddenFill>
             </a:ext>
             <a:ext uri="{91240B29-F687-4F45-9708-019B960494DF}">
-              <a14:hiddenLine xmlns:a14="http://schemas.microsoft.com/office/drawing/2010/main" xmlns="" w="9525">
+              <a14:hiddenLine xmlns="" xmlns:a14="http://schemas.microsoft.com/office/drawing/2010/main" w="9525">
                 <a:solidFill>
                   <a:srgbClr val="000000"/>
                 </a:solidFill>
@@ -40624,7 +40624,7 @@
           </a:ln>
           <a:extLst>
             <a:ext uri="{91240B29-F687-4F45-9708-019B960494DF}">
-              <a14:hiddenLine xmlns:a14="http://schemas.microsoft.com/office/drawing/2010/main" xmlns="" w="9525">
+              <a14:hiddenLine xmlns="" xmlns:a14="http://schemas.microsoft.com/office/drawing/2010/main" w="9525">
                 <a:solidFill>
                   <a:srgbClr val="000000"/>
                 </a:solidFill>
@@ -40727,14 +40727,14 @@
           </a:ln>
           <a:extLst>
             <a:ext uri="{909E8E84-426E-40DD-AFC4-6F175D3DCCD1}">
-              <a14:hiddenFill xmlns:a14="http://schemas.microsoft.com/office/drawing/2010/main" xmlns="">
+              <a14:hiddenFill xmlns="" xmlns:a14="http://schemas.microsoft.com/office/drawing/2010/main">
                 <a:solidFill>
                   <a:srgbClr val="FFFFFF"/>
                 </a:solidFill>
               </a14:hiddenFill>
             </a:ext>
             <a:ext uri="{91240B29-F687-4F45-9708-019B960494DF}">
-              <a14:hiddenLine xmlns:a14="http://schemas.microsoft.com/office/drawing/2010/main" xmlns="" w="9525">
+              <a14:hiddenLine xmlns="" xmlns:a14="http://schemas.microsoft.com/office/drawing/2010/main" w="9525">
                 <a:solidFill>
                   <a:srgbClr val="000000"/>
                 </a:solidFill>
@@ -40840,7 +40840,7 @@
           </a:ln>
           <a:extLst>
             <a:ext uri="{91240B29-F687-4F45-9708-019B960494DF}">
-              <a14:hiddenLine xmlns:a14="http://schemas.microsoft.com/office/drawing/2010/main" xmlns="" w="9525">
+              <a14:hiddenLine xmlns="" xmlns:a14="http://schemas.microsoft.com/office/drawing/2010/main" w="9525">
                 <a:solidFill>
                   <a:srgbClr val="000000"/>
                 </a:solidFill>
@@ -40943,14 +40943,14 @@
           </a:ln>
           <a:extLst>
             <a:ext uri="{909E8E84-426E-40DD-AFC4-6F175D3DCCD1}">
-              <a14:hiddenFill xmlns:a14="http://schemas.microsoft.com/office/drawing/2010/main" xmlns="">
+              <a14:hiddenFill xmlns="" xmlns:a14="http://schemas.microsoft.com/office/drawing/2010/main">
                 <a:solidFill>
                   <a:srgbClr val="FFFFFF"/>
                 </a:solidFill>
               </a14:hiddenFill>
             </a:ext>
             <a:ext uri="{91240B29-F687-4F45-9708-019B960494DF}">
-              <a14:hiddenLine xmlns:a14="http://schemas.microsoft.com/office/drawing/2010/main" xmlns="" w="9525">
+              <a14:hiddenLine xmlns="" xmlns:a14="http://schemas.microsoft.com/office/drawing/2010/main" w="9525">
                 <a:solidFill>
                   <a:srgbClr val="000000"/>
                 </a:solidFill>
@@ -41056,7 +41056,7 @@
           </a:ln>
           <a:extLst>
             <a:ext uri="{91240B29-F687-4F45-9708-019B960494DF}">
-              <a14:hiddenLine xmlns:a14="http://schemas.microsoft.com/office/drawing/2010/main" xmlns="" w="9525">
+              <a14:hiddenLine xmlns="" xmlns:a14="http://schemas.microsoft.com/office/drawing/2010/main" w="9525">
                 <a:solidFill>
                   <a:srgbClr val="000000"/>
                 </a:solidFill>
@@ -41159,14 +41159,14 @@
           </a:ln>
           <a:extLst>
             <a:ext uri="{909E8E84-426E-40DD-AFC4-6F175D3DCCD1}">
-              <a14:hiddenFill xmlns:a14="http://schemas.microsoft.com/office/drawing/2010/main" xmlns="">
+              <a14:hiddenFill xmlns="" xmlns:a14="http://schemas.microsoft.com/office/drawing/2010/main">
                 <a:solidFill>
                   <a:srgbClr val="FFFFFF"/>
                 </a:solidFill>
               </a14:hiddenFill>
             </a:ext>
             <a:ext uri="{91240B29-F687-4F45-9708-019B960494DF}">
-              <a14:hiddenLine xmlns:a14="http://schemas.microsoft.com/office/drawing/2010/main" xmlns="" w="9525">
+              <a14:hiddenLine xmlns="" xmlns:a14="http://schemas.microsoft.com/office/drawing/2010/main" w="9525">
                 <a:solidFill>
                   <a:srgbClr val="000000"/>
                 </a:solidFill>
@@ -41272,7 +41272,7 @@
           </a:ln>
           <a:extLst>
             <a:ext uri="{91240B29-F687-4F45-9708-019B960494DF}">
-              <a14:hiddenLine xmlns:a14="http://schemas.microsoft.com/office/drawing/2010/main" xmlns="" w="9525">
+              <a14:hiddenLine xmlns="" xmlns:a14="http://schemas.microsoft.com/office/drawing/2010/main" w="9525">
                 <a:solidFill>
                   <a:srgbClr val="000000"/>
                 </a:solidFill>
@@ -41375,14 +41375,14 @@
           </a:ln>
           <a:extLst>
             <a:ext uri="{909E8E84-426E-40DD-AFC4-6F175D3DCCD1}">
-              <a14:hiddenFill xmlns:a14="http://schemas.microsoft.com/office/drawing/2010/main" xmlns="">
+              <a14:hiddenFill xmlns="" xmlns:a14="http://schemas.microsoft.com/office/drawing/2010/main">
                 <a:solidFill>
                   <a:srgbClr val="FFFFFF"/>
                 </a:solidFill>
               </a14:hiddenFill>
             </a:ext>
             <a:ext uri="{91240B29-F687-4F45-9708-019B960494DF}">
-              <a14:hiddenLine xmlns:a14="http://schemas.microsoft.com/office/drawing/2010/main" xmlns="" w="9525">
+              <a14:hiddenLine xmlns="" xmlns:a14="http://schemas.microsoft.com/office/drawing/2010/main" w="9525">
                 <a:solidFill>
                   <a:srgbClr val="000000"/>
                 </a:solidFill>
@@ -41429,7 +41429,7 @@
           </a:ln>
           <a:extLst>
             <a:ext uri="{91240B29-F687-4F45-9708-019B960494DF}">
-              <a14:hiddenLine xmlns:a14="http://schemas.microsoft.com/office/drawing/2010/main" xmlns="" w="9525">
+              <a14:hiddenLine xmlns="" xmlns:a14="http://schemas.microsoft.com/office/drawing/2010/main" w="9525">
                 <a:solidFill>
                   <a:srgbClr val="000000"/>
                 </a:solidFill>
@@ -41564,7 +41564,7 @@
           </a:ln>
           <a:extLst>
             <a:ext uri="{91240B29-F687-4F45-9708-019B960494DF}">
-              <a14:hiddenLine xmlns:a14="http://schemas.microsoft.com/office/drawing/2010/main" xmlns="" w="9525">
+              <a14:hiddenLine xmlns="" xmlns:a14="http://schemas.microsoft.com/office/drawing/2010/main" w="9525">
                 <a:solidFill>
                   <a:srgbClr val="000000"/>
                 </a:solidFill>
@@ -41678,7 +41678,7 @@
           </a:ln>
           <a:extLst>
             <a:ext uri="{91240B29-F687-4F45-9708-019B960494DF}">
-              <a14:hiddenLine xmlns:a14="http://schemas.microsoft.com/office/drawing/2010/main" xmlns="" w="9525">
+              <a14:hiddenLine xmlns="" xmlns:a14="http://schemas.microsoft.com/office/drawing/2010/main" w="9525">
                 <a:solidFill>
                   <a:srgbClr val="000000"/>
                 </a:solidFill>
@@ -41792,7 +41792,7 @@
           </a:ln>
           <a:extLst>
             <a:ext uri="{91240B29-F687-4F45-9708-019B960494DF}">
-              <a14:hiddenLine xmlns:a14="http://schemas.microsoft.com/office/drawing/2010/main" xmlns="" w="9525">
+              <a14:hiddenLine xmlns="" xmlns:a14="http://schemas.microsoft.com/office/drawing/2010/main" w="9525">
                 <a:solidFill>
                   <a:srgbClr val="000000"/>
                 </a:solidFill>
@@ -41906,7 +41906,7 @@
           </a:ln>
           <a:extLst>
             <a:ext uri="{91240B29-F687-4F45-9708-019B960494DF}">
-              <a14:hiddenLine xmlns:a14="http://schemas.microsoft.com/office/drawing/2010/main" xmlns="" w="9525">
+              <a14:hiddenLine xmlns="" xmlns:a14="http://schemas.microsoft.com/office/drawing/2010/main" w="9525">
                 <a:solidFill>
                   <a:srgbClr val="000000"/>
                 </a:solidFill>
@@ -42046,7 +42046,7 @@
             </a:ln>
             <a:extLst>
               <a:ext uri="{91240B29-F687-4F45-9708-019B960494DF}">
-                <a14:hiddenLine xmlns:a14="http://schemas.microsoft.com/office/drawing/2010/main" xmlns="" w="9525">
+                <a14:hiddenLine xmlns="" xmlns:a14="http://schemas.microsoft.com/office/drawing/2010/main" w="9525">
                   <a:solidFill>
                     <a:srgbClr val="000000"/>
                   </a:solidFill>
@@ -42172,7 +42172,7 @@
             </a:ln>
             <a:extLst>
               <a:ext uri="{91240B29-F687-4F45-9708-019B960494DF}">
-                <a14:hiddenLine xmlns:a14="http://schemas.microsoft.com/office/drawing/2010/main" xmlns="" w="9525">
+                <a14:hiddenLine xmlns="" xmlns:a14="http://schemas.microsoft.com/office/drawing/2010/main" w="9525">
                   <a:solidFill>
                     <a:srgbClr val="000000"/>
                   </a:solidFill>
@@ -42298,7 +42298,7 @@
             </a:ln>
             <a:extLst>
               <a:ext uri="{91240B29-F687-4F45-9708-019B960494DF}">
-                <a14:hiddenLine xmlns:a14="http://schemas.microsoft.com/office/drawing/2010/main" xmlns="" w="9525">
+                <a14:hiddenLine xmlns="" xmlns:a14="http://schemas.microsoft.com/office/drawing/2010/main" w="9525">
                   <a:solidFill>
                     <a:srgbClr val="000000"/>
                   </a:solidFill>
@@ -42424,7 +42424,7 @@
             </a:ln>
             <a:extLst>
               <a:ext uri="{91240B29-F687-4F45-9708-019B960494DF}">
-                <a14:hiddenLine xmlns:a14="http://schemas.microsoft.com/office/drawing/2010/main" xmlns="" w="9525">
+                <a14:hiddenLine xmlns="" xmlns:a14="http://schemas.microsoft.com/office/drawing/2010/main" w="9525">
                   <a:solidFill>
                     <a:srgbClr val="000000"/>
                   </a:solidFill>
@@ -42550,7 +42550,7 @@
             </a:ln>
             <a:extLst>
               <a:ext uri="{91240B29-F687-4F45-9708-019B960494DF}">
-                <a14:hiddenLine xmlns:a14="http://schemas.microsoft.com/office/drawing/2010/main" xmlns="" w="9525">
+                <a14:hiddenLine xmlns="" xmlns:a14="http://schemas.microsoft.com/office/drawing/2010/main" w="9525">
                   <a:solidFill>
                     <a:srgbClr val="000000"/>
                   </a:solidFill>
@@ -42691,7 +42691,7 @@
             </a:ln>
             <a:extLst>
               <a:ext uri="{91240B29-F687-4F45-9708-019B960494DF}">
-                <a14:hiddenLine xmlns:a14="http://schemas.microsoft.com/office/drawing/2010/main" xmlns="" w="9525">
+                <a14:hiddenLine xmlns="" xmlns:a14="http://schemas.microsoft.com/office/drawing/2010/main" w="9525">
                   <a:solidFill>
                     <a:srgbClr val="000000"/>
                   </a:solidFill>
@@ -42817,7 +42817,7 @@
             </a:ln>
             <a:extLst>
               <a:ext uri="{91240B29-F687-4F45-9708-019B960494DF}">
-                <a14:hiddenLine xmlns:a14="http://schemas.microsoft.com/office/drawing/2010/main" xmlns="" w="9525">
+                <a14:hiddenLine xmlns="" xmlns:a14="http://schemas.microsoft.com/office/drawing/2010/main" w="9525">
                   <a:solidFill>
                     <a:srgbClr val="000000"/>
                   </a:solidFill>
@@ -42943,7 +42943,7 @@
             </a:ln>
             <a:extLst>
               <a:ext uri="{91240B29-F687-4F45-9708-019B960494DF}">
-                <a14:hiddenLine xmlns:a14="http://schemas.microsoft.com/office/drawing/2010/main" xmlns="" w="9525">
+                <a14:hiddenLine xmlns="" xmlns:a14="http://schemas.microsoft.com/office/drawing/2010/main" w="9525">
                   <a:solidFill>
                     <a:srgbClr val="000000"/>
                   </a:solidFill>
@@ -43069,7 +43069,7 @@
             </a:ln>
             <a:extLst>
               <a:ext uri="{91240B29-F687-4F45-9708-019B960494DF}">
-                <a14:hiddenLine xmlns:a14="http://schemas.microsoft.com/office/drawing/2010/main" xmlns="" w="9525">
+                <a14:hiddenLine xmlns="" xmlns:a14="http://schemas.microsoft.com/office/drawing/2010/main" w="9525">
                   <a:solidFill>
                     <a:srgbClr val="000000"/>
                   </a:solidFill>
@@ -43195,7 +43195,7 @@
             </a:ln>
             <a:extLst>
               <a:ext uri="{91240B29-F687-4F45-9708-019B960494DF}">
-                <a14:hiddenLine xmlns:a14="http://schemas.microsoft.com/office/drawing/2010/main" xmlns="" w="9525">
+                <a14:hiddenLine xmlns="" xmlns:a14="http://schemas.microsoft.com/office/drawing/2010/main" w="9525">
                   <a:solidFill>
                     <a:srgbClr val="000000"/>
                   </a:solidFill>
@@ -43309,7 +43309,7 @@
             </a:ln>
             <a:extLst>
               <a:ext uri="{91240B29-F687-4F45-9708-019B960494DF}">
-                <a14:hiddenLine xmlns:a14="http://schemas.microsoft.com/office/drawing/2010/main" xmlns="" w="9525">
+                <a14:hiddenLine xmlns="" xmlns:a14="http://schemas.microsoft.com/office/drawing/2010/main" w="9525">
                   <a:solidFill>
                     <a:srgbClr val="000000"/>
                   </a:solidFill>
@@ -43435,7 +43435,7 @@
             </a:ln>
             <a:extLst>
               <a:ext uri="{91240B29-F687-4F45-9708-019B960494DF}">
-                <a14:hiddenLine xmlns:a14="http://schemas.microsoft.com/office/drawing/2010/main" xmlns="" w="9525">
+                <a14:hiddenLine xmlns="" xmlns:a14="http://schemas.microsoft.com/office/drawing/2010/main" w="9525">
                   <a:solidFill>
                     <a:srgbClr val="000000"/>
                   </a:solidFill>
@@ -43497,7 +43497,7 @@
             </a:ln>
             <a:extLst>
               <a:ext uri="{91240B29-F687-4F45-9708-019B960494DF}">
-                <a14:hiddenLine xmlns:a14="http://schemas.microsoft.com/office/drawing/2010/main" xmlns="" w="9525">
+                <a14:hiddenLine xmlns="" xmlns:a14="http://schemas.microsoft.com/office/drawing/2010/main" w="9525">
                   <a:solidFill>
                     <a:srgbClr val="000000"/>
                   </a:solidFill>
@@ -43643,7 +43643,7 @@
             </a:ln>
             <a:extLst>
               <a:ext uri="{91240B29-F687-4F45-9708-019B960494DF}">
-                <a14:hiddenLine xmlns:a14="http://schemas.microsoft.com/office/drawing/2010/main" xmlns="" w="9525">
+                <a14:hiddenLine xmlns="" xmlns:a14="http://schemas.microsoft.com/office/drawing/2010/main" w="9525">
                   <a:solidFill>
                     <a:srgbClr val="000000"/>
                   </a:solidFill>
@@ -43690,7 +43690,7 @@
             </a:ln>
             <a:extLst>
               <a:ext uri="{91240B29-F687-4F45-9708-019B960494DF}">
-                <a14:hiddenLine xmlns:a14="http://schemas.microsoft.com/office/drawing/2010/main" xmlns="" w="9525">
+                <a14:hiddenLine xmlns="" xmlns:a14="http://schemas.microsoft.com/office/drawing/2010/main" w="9525">
                   <a:solidFill>
                     <a:srgbClr val="000000"/>
                   </a:solidFill>
@@ -43836,7 +43836,7 @@
             </a:ln>
             <a:extLst>
               <a:ext uri="{91240B29-F687-4F45-9708-019B960494DF}">
-                <a14:hiddenLine xmlns:a14="http://schemas.microsoft.com/office/drawing/2010/main" xmlns="" w="9525">
+                <a14:hiddenLine xmlns="" xmlns:a14="http://schemas.microsoft.com/office/drawing/2010/main" w="9525">
                   <a:solidFill>
                     <a:srgbClr val="000000"/>
                   </a:solidFill>
@@ -43883,7 +43883,7 @@
             </a:ln>
             <a:extLst>
               <a:ext uri="{91240B29-F687-4F45-9708-019B960494DF}">
-                <a14:hiddenLine xmlns:a14="http://schemas.microsoft.com/office/drawing/2010/main" xmlns="" w="9525">
+                <a14:hiddenLine xmlns="" xmlns:a14="http://schemas.microsoft.com/office/drawing/2010/main" w="9525">
                   <a:solidFill>
                     <a:srgbClr val="000000"/>
                   </a:solidFill>
@@ -44029,7 +44029,7 @@
             </a:ln>
             <a:extLst>
               <a:ext uri="{91240B29-F687-4F45-9708-019B960494DF}">
-                <a14:hiddenLine xmlns:a14="http://schemas.microsoft.com/office/drawing/2010/main" xmlns="" w="9525">
+                <a14:hiddenLine xmlns="" xmlns:a14="http://schemas.microsoft.com/office/drawing/2010/main" w="9525">
                   <a:solidFill>
                     <a:srgbClr val="000000"/>
                   </a:solidFill>
@@ -44076,7 +44076,7 @@
             </a:ln>
             <a:extLst>
               <a:ext uri="{91240B29-F687-4F45-9708-019B960494DF}">
-                <a14:hiddenLine xmlns:a14="http://schemas.microsoft.com/office/drawing/2010/main" xmlns="" w="9525">
+                <a14:hiddenLine xmlns="" xmlns:a14="http://schemas.microsoft.com/office/drawing/2010/main" w="9525">
                   <a:solidFill>
                     <a:srgbClr val="000000"/>
                   </a:solidFill>
@@ -44222,7 +44222,7 @@
             </a:ln>
             <a:extLst>
               <a:ext uri="{91240B29-F687-4F45-9708-019B960494DF}">
-                <a14:hiddenLine xmlns:a14="http://schemas.microsoft.com/office/drawing/2010/main" xmlns="" w="9525">
+                <a14:hiddenLine xmlns="" xmlns:a14="http://schemas.microsoft.com/office/drawing/2010/main" w="9525">
                   <a:solidFill>
                     <a:srgbClr val="000000"/>
                   </a:solidFill>
@@ -44269,7 +44269,7 @@
             </a:ln>
             <a:extLst>
               <a:ext uri="{91240B29-F687-4F45-9708-019B960494DF}">
-                <a14:hiddenLine xmlns:a14="http://schemas.microsoft.com/office/drawing/2010/main" xmlns="" w="9525">
+                <a14:hiddenLine xmlns="" xmlns:a14="http://schemas.microsoft.com/office/drawing/2010/main" w="9525">
                   <a:solidFill>
                     <a:srgbClr val="000000"/>
                   </a:solidFill>
@@ -44415,7 +44415,7 @@
             </a:ln>
             <a:extLst>
               <a:ext uri="{91240B29-F687-4F45-9708-019B960494DF}">
-                <a14:hiddenLine xmlns:a14="http://schemas.microsoft.com/office/drawing/2010/main" xmlns="" w="9525">
+                <a14:hiddenLine xmlns="" xmlns:a14="http://schemas.microsoft.com/office/drawing/2010/main" w="9525">
                   <a:solidFill>
                     <a:srgbClr val="000000"/>
                   </a:solidFill>
@@ -44585,7 +44585,7 @@
             </a:ln>
             <a:extLst>
               <a:ext uri="{91240B29-F687-4F45-9708-019B960494DF}">
-                <a14:hiddenLine xmlns:a14="http://schemas.microsoft.com/office/drawing/2010/main" xmlns="" w="9525">
+                <a14:hiddenLine xmlns="" xmlns:a14="http://schemas.microsoft.com/office/drawing/2010/main" w="9525">
                   <a:solidFill>
                     <a:srgbClr val="000000"/>
                   </a:solidFill>
@@ -44780,7 +44780,7 @@
             </a:ln>
             <a:extLst>
               <a:ext uri="{91240B29-F687-4F45-9708-019B960494DF}">
-                <a14:hiddenLine xmlns:a14="http://schemas.microsoft.com/office/drawing/2010/main" xmlns="" w="9525">
+                <a14:hiddenLine xmlns="" xmlns:a14="http://schemas.microsoft.com/office/drawing/2010/main" w="9525">
                   <a:solidFill>
                     <a:srgbClr val="000000"/>
                   </a:solidFill>
@@ -45015,7 +45015,7 @@
             </a:ln>
             <a:extLst>
               <a:ext uri="{91240B29-F687-4F45-9708-019B960494DF}">
-                <a14:hiddenLine xmlns:a14="http://schemas.microsoft.com/office/drawing/2010/main" xmlns="" w="9525">
+                <a14:hiddenLine xmlns="" xmlns:a14="http://schemas.microsoft.com/office/drawing/2010/main" w="9525">
                   <a:solidFill>
                     <a:srgbClr val="000000"/>
                   </a:solidFill>
@@ -45062,7 +45062,7 @@
             </a:ln>
             <a:extLst>
               <a:ext uri="{91240B29-F687-4F45-9708-019B960494DF}">
-                <a14:hiddenLine xmlns:a14="http://schemas.microsoft.com/office/drawing/2010/main" xmlns="" w="9525">
+                <a14:hiddenLine xmlns="" xmlns:a14="http://schemas.microsoft.com/office/drawing/2010/main" w="9525">
                   <a:solidFill>
                     <a:srgbClr val="000000"/>
                   </a:solidFill>
@@ -45109,7 +45109,7 @@
             </a:ln>
             <a:extLst>
               <a:ext uri="{91240B29-F687-4F45-9708-019B960494DF}">
-                <a14:hiddenLine xmlns:a14="http://schemas.microsoft.com/office/drawing/2010/main" xmlns="" w="9525">
+                <a14:hiddenLine xmlns="" xmlns:a14="http://schemas.microsoft.com/office/drawing/2010/main" w="9525">
                   <a:solidFill>
                     <a:srgbClr val="000000"/>
                   </a:solidFill>
@@ -45156,7 +45156,7 @@
             </a:ln>
             <a:extLst>
               <a:ext uri="{91240B29-F687-4F45-9708-019B960494DF}">
-                <a14:hiddenLine xmlns:a14="http://schemas.microsoft.com/office/drawing/2010/main" xmlns="" w="9525">
+                <a14:hiddenLine xmlns="" xmlns:a14="http://schemas.microsoft.com/office/drawing/2010/main" w="9525">
                   <a:solidFill>
                     <a:srgbClr val="000000"/>
                   </a:solidFill>
@@ -45203,7 +45203,7 @@
             </a:ln>
             <a:extLst>
               <a:ext uri="{91240B29-F687-4F45-9708-019B960494DF}">
-                <a14:hiddenLine xmlns:a14="http://schemas.microsoft.com/office/drawing/2010/main" xmlns="" w="9525">
+                <a14:hiddenLine xmlns="" xmlns:a14="http://schemas.microsoft.com/office/drawing/2010/main" w="9525">
                   <a:solidFill>
                     <a:srgbClr val="000000"/>
                   </a:solidFill>
@@ -46072,7 +46072,7 @@
             </a:ln>
             <a:extLst>
               <a:ext uri="{91240B29-F687-4F45-9708-019B960494DF}">
-                <a14:hiddenLine xmlns="" xmlns:a14="http://schemas.microsoft.com/office/drawing/2010/main" w="9525">
+                <a14:hiddenLine xmlns:a14="http://schemas.microsoft.com/office/drawing/2010/main" xmlns="" w="9525">
                   <a:solidFill>
                     <a:srgbClr val="000000"/>
                   </a:solidFill>
@@ -46196,7 +46196,7 @@
             </a:ln>
             <a:extLst>
               <a:ext uri="{91240B29-F687-4F45-9708-019B960494DF}">
-                <a14:hiddenLine xmlns="" xmlns:a14="http://schemas.microsoft.com/office/drawing/2010/main" w="9525">
+                <a14:hiddenLine xmlns:a14="http://schemas.microsoft.com/office/drawing/2010/main" xmlns="" w="9525">
                   <a:solidFill>
                     <a:srgbClr val="000000"/>
                   </a:solidFill>
@@ -46320,7 +46320,7 @@
             </a:ln>
             <a:extLst>
               <a:ext uri="{91240B29-F687-4F45-9708-019B960494DF}">
-                <a14:hiddenLine xmlns="" xmlns:a14="http://schemas.microsoft.com/office/drawing/2010/main" w="9525">
+                <a14:hiddenLine xmlns:a14="http://schemas.microsoft.com/office/drawing/2010/main" xmlns="" w="9525">
                   <a:solidFill>
                     <a:srgbClr val="000000"/>
                   </a:solidFill>
@@ -46444,7 +46444,7 @@
             </a:ln>
             <a:extLst>
               <a:ext uri="{91240B29-F687-4F45-9708-019B960494DF}">
-                <a14:hiddenLine xmlns="" xmlns:a14="http://schemas.microsoft.com/office/drawing/2010/main" w="9525">
+                <a14:hiddenLine xmlns:a14="http://schemas.microsoft.com/office/drawing/2010/main" xmlns="" w="9525">
                   <a:solidFill>
                     <a:srgbClr val="000000"/>
                   </a:solidFill>
@@ -46568,7 +46568,7 @@
             </a:ln>
             <a:extLst>
               <a:ext uri="{91240B29-F687-4F45-9708-019B960494DF}">
-                <a14:hiddenLine xmlns="" xmlns:a14="http://schemas.microsoft.com/office/drawing/2010/main" w="9525">
+                <a14:hiddenLine xmlns:a14="http://schemas.microsoft.com/office/drawing/2010/main" xmlns="" w="9525">
                   <a:solidFill>
                     <a:srgbClr val="000000"/>
                   </a:solidFill>
@@ -46824,7 +46824,7 @@
             </a:ln>
             <a:extLst>
               <a:ext uri="{91240B29-F687-4F45-9708-019B960494DF}">
-                <a14:hiddenLine xmlns="" xmlns:a14="http://schemas.microsoft.com/office/drawing/2010/main" w="9525">
+                <a14:hiddenLine xmlns:a14="http://schemas.microsoft.com/office/drawing/2010/main" xmlns="" w="9525">
                   <a:solidFill>
                     <a:srgbClr val="000000"/>
                   </a:solidFill>
@@ -47328,7 +47328,7 @@
             </a:ln>
             <a:extLst>
               <a:ext uri="{91240B29-F687-4F45-9708-019B960494DF}">
-                <a14:hiddenLine xmlns="" xmlns:a14="http://schemas.microsoft.com/office/drawing/2010/main" w="9525">
+                <a14:hiddenLine xmlns:a14="http://schemas.microsoft.com/office/drawing/2010/main" xmlns="" w="9525">
                   <a:solidFill>
                     <a:srgbClr val="000000"/>
                   </a:solidFill>
@@ -47554,7 +47554,7 @@
             </a:ln>
             <a:extLst>
               <a:ext uri="{91240B29-F687-4F45-9708-019B960494DF}">
-                <a14:hiddenLine xmlns="" xmlns:a14="http://schemas.microsoft.com/office/drawing/2010/main" w="9525">
+                <a14:hiddenLine xmlns:a14="http://schemas.microsoft.com/office/drawing/2010/main" xmlns="" w="9525">
                   <a:solidFill>
                     <a:srgbClr val="000000"/>
                   </a:solidFill>
@@ -47601,7 +47601,7 @@
             </a:ln>
             <a:extLst>
               <a:ext uri="{91240B29-F687-4F45-9708-019B960494DF}">
-                <a14:hiddenLine xmlns="" xmlns:a14="http://schemas.microsoft.com/office/drawing/2010/main" w="9525">
+                <a14:hiddenLine xmlns:a14="http://schemas.microsoft.com/office/drawing/2010/main" xmlns="" w="9525">
                   <a:solidFill>
                     <a:srgbClr val="000000"/>
                   </a:solidFill>
@@ -48154,7 +48154,7 @@
             </a:ln>
             <a:extLst>
               <a:ext uri="{91240B29-F687-4F45-9708-019B960494DF}">
-                <a14:hiddenLine xmlns="" xmlns:a14="http://schemas.microsoft.com/office/drawing/2010/main" w="9525">
+                <a14:hiddenLine xmlns:a14="http://schemas.microsoft.com/office/drawing/2010/main" xmlns="" w="9525">
                   <a:solidFill>
                     <a:srgbClr val="000000"/>
                   </a:solidFill>
@@ -48350,7 +48350,7 @@
             </a:ln>
             <a:extLst>
               <a:ext uri="{91240B29-F687-4F45-9708-019B960494DF}">
-                <a14:hiddenLine xmlns="" xmlns:a14="http://schemas.microsoft.com/office/drawing/2010/main" w="9525">
+                <a14:hiddenLine xmlns:a14="http://schemas.microsoft.com/office/drawing/2010/main" xmlns="" w="9525">
                   <a:solidFill>
                     <a:srgbClr val="000000"/>
                   </a:solidFill>
@@ -48446,7 +48446,7 @@
             </a:ln>
             <a:extLst>
               <a:ext uri="{91240B29-F687-4F45-9708-019B960494DF}">
-                <a14:hiddenLine xmlns="" xmlns:a14="http://schemas.microsoft.com/office/drawing/2010/main" w="9525">
+                <a14:hiddenLine xmlns:a14="http://schemas.microsoft.com/office/drawing/2010/main" xmlns="" w="9525">
                   <a:solidFill>
                     <a:srgbClr val="000000"/>
                   </a:solidFill>
@@ -48552,7 +48552,7 @@
             </a:ln>
             <a:extLst>
               <a:ext uri="{91240B29-F687-4F45-9708-019B960494DF}">
-                <a14:hiddenLine xmlns="" xmlns:a14="http://schemas.microsoft.com/office/drawing/2010/main" w="9525">
+                <a14:hiddenLine xmlns:a14="http://schemas.microsoft.com/office/drawing/2010/main" xmlns="" w="9525">
                   <a:solidFill>
                     <a:srgbClr val="000000"/>
                   </a:solidFill>
@@ -48658,7 +48658,7 @@
             </a:ln>
             <a:extLst>
               <a:ext uri="{91240B29-F687-4F45-9708-019B960494DF}">
-                <a14:hiddenLine xmlns="" xmlns:a14="http://schemas.microsoft.com/office/drawing/2010/main" w="9525">
+                <a14:hiddenLine xmlns:a14="http://schemas.microsoft.com/office/drawing/2010/main" xmlns="" w="9525">
                   <a:solidFill>
                     <a:srgbClr val="000000"/>
                   </a:solidFill>
@@ -48774,7 +48774,7 @@
             </a:ln>
             <a:extLst>
               <a:ext uri="{91240B29-F687-4F45-9708-019B960494DF}">
-                <a14:hiddenLine xmlns="" xmlns:a14="http://schemas.microsoft.com/office/drawing/2010/main" w="9525">
+                <a14:hiddenLine xmlns:a14="http://schemas.microsoft.com/office/drawing/2010/main" xmlns="" w="9525">
                   <a:solidFill>
                     <a:srgbClr val="000000"/>
                   </a:solidFill>
@@ -48878,7 +48878,7 @@
             </a:ln>
             <a:extLst>
               <a:ext uri="{91240B29-F687-4F45-9708-019B960494DF}">
-                <a14:hiddenLine xmlns="" xmlns:a14="http://schemas.microsoft.com/office/drawing/2010/main" w="9525">
+                <a14:hiddenLine xmlns:a14="http://schemas.microsoft.com/office/drawing/2010/main" xmlns="" w="9525">
                   <a:solidFill>
                     <a:srgbClr val="000000"/>
                   </a:solidFill>
@@ -48974,7 +48974,7 @@
             </a:ln>
             <a:extLst>
               <a:ext uri="{91240B29-F687-4F45-9708-019B960494DF}">
-                <a14:hiddenLine xmlns="" xmlns:a14="http://schemas.microsoft.com/office/drawing/2010/main" w="9525">
+                <a14:hiddenLine xmlns:a14="http://schemas.microsoft.com/office/drawing/2010/main" xmlns="" w="9525">
                   <a:solidFill>
                     <a:srgbClr val="000000"/>
                   </a:solidFill>
@@ -49080,7 +49080,7 @@
             </a:ln>
             <a:extLst>
               <a:ext uri="{91240B29-F687-4F45-9708-019B960494DF}">
-                <a14:hiddenLine xmlns="" xmlns:a14="http://schemas.microsoft.com/office/drawing/2010/main" w="9525">
+                <a14:hiddenLine xmlns:a14="http://schemas.microsoft.com/office/drawing/2010/main" xmlns="" w="9525">
                   <a:solidFill>
                     <a:srgbClr val="000000"/>
                   </a:solidFill>
@@ -49206,7 +49206,7 @@
             </a:ln>
             <a:extLst>
               <a:ext uri="{91240B29-F687-4F45-9708-019B960494DF}">
-                <a14:hiddenLine xmlns="" xmlns:a14="http://schemas.microsoft.com/office/drawing/2010/main" w="9525">
+                <a14:hiddenLine xmlns:a14="http://schemas.microsoft.com/office/drawing/2010/main" xmlns="" w="9525">
                   <a:solidFill>
                     <a:srgbClr val="000000"/>
                   </a:solidFill>
@@ -49322,7 +49322,7 @@
             </a:ln>
             <a:extLst>
               <a:ext uri="{91240B29-F687-4F45-9708-019B960494DF}">
-                <a14:hiddenLine xmlns="" xmlns:a14="http://schemas.microsoft.com/office/drawing/2010/main" w="9525">
+                <a14:hiddenLine xmlns:a14="http://schemas.microsoft.com/office/drawing/2010/main" xmlns="" w="9525">
                   <a:solidFill>
                     <a:srgbClr val="000000"/>
                   </a:solidFill>
@@ -49418,7 +49418,7 @@
             </a:ln>
             <a:extLst>
               <a:ext uri="{91240B29-F687-4F45-9708-019B960494DF}">
-                <a14:hiddenLine xmlns="" xmlns:a14="http://schemas.microsoft.com/office/drawing/2010/main" w="9525">
+                <a14:hiddenLine xmlns:a14="http://schemas.microsoft.com/office/drawing/2010/main" xmlns="" w="9525">
                   <a:solidFill>
                     <a:srgbClr val="000000"/>
                   </a:solidFill>
@@ -49544,7 +49544,7 @@
             </a:ln>
             <a:extLst>
               <a:ext uri="{91240B29-F687-4F45-9708-019B960494DF}">
-                <a14:hiddenLine xmlns="" xmlns:a14="http://schemas.microsoft.com/office/drawing/2010/main" w="9525">
+                <a14:hiddenLine xmlns:a14="http://schemas.microsoft.com/office/drawing/2010/main" xmlns="" w="9525">
                   <a:solidFill>
                     <a:srgbClr val="000000"/>
                   </a:solidFill>
@@ -49650,7 +49650,7 @@
             </a:ln>
             <a:extLst>
               <a:ext uri="{91240B29-F687-4F45-9708-019B960494DF}">
-                <a14:hiddenLine xmlns="" xmlns:a14="http://schemas.microsoft.com/office/drawing/2010/main" w="9525">
+                <a14:hiddenLine xmlns:a14="http://schemas.microsoft.com/office/drawing/2010/main" xmlns="" w="9525">
                   <a:solidFill>
                     <a:srgbClr val="000000"/>
                   </a:solidFill>
@@ -49756,7 +49756,7 @@
             </a:ln>
             <a:extLst>
               <a:ext uri="{91240B29-F687-4F45-9708-019B960494DF}">
-                <a14:hiddenLine xmlns="" xmlns:a14="http://schemas.microsoft.com/office/drawing/2010/main" w="9525">
+                <a14:hiddenLine xmlns:a14="http://schemas.microsoft.com/office/drawing/2010/main" xmlns="" w="9525">
                   <a:solidFill>
                     <a:srgbClr val="000000"/>
                   </a:solidFill>
@@ -49852,7 +49852,7 @@
             </a:ln>
             <a:extLst>
               <a:ext uri="{91240B29-F687-4F45-9708-019B960494DF}">
-                <a14:hiddenLine xmlns="" xmlns:a14="http://schemas.microsoft.com/office/drawing/2010/main" w="9525">
+                <a14:hiddenLine xmlns:a14="http://schemas.microsoft.com/office/drawing/2010/main" xmlns="" w="9525">
                   <a:solidFill>
                     <a:srgbClr val="000000"/>
                   </a:solidFill>
@@ -49958,7 +49958,7 @@
             </a:ln>
             <a:extLst>
               <a:ext uri="{91240B29-F687-4F45-9708-019B960494DF}">
-                <a14:hiddenLine xmlns="" xmlns:a14="http://schemas.microsoft.com/office/drawing/2010/main" w="9525">
+                <a14:hiddenLine xmlns:a14="http://schemas.microsoft.com/office/drawing/2010/main" xmlns="" w="9525">
                   <a:solidFill>
                     <a:srgbClr val="000000"/>
                   </a:solidFill>
@@ -50064,7 +50064,7 @@
             </a:ln>
             <a:extLst>
               <a:ext uri="{91240B29-F687-4F45-9708-019B960494DF}">
-                <a14:hiddenLine xmlns="" xmlns:a14="http://schemas.microsoft.com/office/drawing/2010/main" w="9525">
+                <a14:hiddenLine xmlns:a14="http://schemas.microsoft.com/office/drawing/2010/main" xmlns="" w="9525">
                   <a:solidFill>
                     <a:srgbClr val="000000"/>
                   </a:solidFill>
@@ -50313,7 +50313,7 @@
             </a:ln>
             <a:extLst>
               <a:ext uri="{91240B29-F687-4F45-9708-019B960494DF}">
-                <a14:hiddenLine xmlns="" xmlns:a14="http://schemas.microsoft.com/office/drawing/2010/main" w="9525">
+                <a14:hiddenLine xmlns:a14="http://schemas.microsoft.com/office/drawing/2010/main" xmlns="" w="9525">
                   <a:solidFill>
                     <a:srgbClr val="000000"/>
                   </a:solidFill>
@@ -50414,7 +50414,7 @@
         <p:spPr>
           <a:xfrm>
             <a:off x="5666282" y="569626"/>
-            <a:ext cx="4352474" cy="2554545"/>
+            <a:ext cx="3839513" cy="2554545"/>
           </a:xfrm>
           <a:prstGeom prst="rect">
             <a:avLst/>
@@ -50428,38 +50428,82 @@
           <a:lstStyle/>
           <a:p>
             <a:r>
-              <a:rPr lang="en-US" altLang="zh-CN" sz="4000" dirty="0" smtClean="0"/>
+              <a:rPr lang="en-US" altLang="zh-CN" sz="4000" dirty="0" smtClean="0">
+                <a:solidFill>
+                  <a:srgbClr val="00A0E9"/>
+                </a:solidFill>
+              </a:rPr>
               <a:t>“</a:t>
             </a:r>
           </a:p>
           <a:p>
             <a:r>
-              <a:rPr lang="en-US" altLang="zh-CN" sz="4000" dirty="0" smtClean="0"/>
-              <a:t> </a:t>
+              <a:rPr lang="en-US" altLang="zh-CN" sz="4000" dirty="0" smtClean="0">
+                <a:solidFill>
+                  <a:srgbClr val="00A0E9"/>
+                </a:solidFill>
+              </a:rPr>
+              <a:t>     </a:t>
             </a:r>
             <a:r>
-              <a:rPr lang="en-US" altLang="zh-CN" sz="4000" dirty="0" smtClean="0"/>
-              <a:t>    </a:t>
+              <a:rPr lang="zh-CN" altLang="en-US" sz="4000" dirty="0" smtClean="0">
+                <a:solidFill>
+                  <a:srgbClr val="00A0E9"/>
+                </a:solidFill>
+              </a:rPr>
+              <a:t>若</a:t>
             </a:r>
             <a:r>
-              <a:rPr lang="zh-CN" altLang="en-US" sz="4000" dirty="0" smtClean="0"/>
-              <a:t>如果批评不自由</a:t>
+              <a:rPr lang="zh-CN" altLang="en-US" sz="4000" dirty="0" smtClean="0">
+                <a:solidFill>
+                  <a:srgbClr val="00A0E9"/>
+                </a:solidFill>
+              </a:rPr>
+              <a:t>批评</a:t>
             </a:r>
-            <a:endParaRPr lang="en-US" altLang="zh-CN" sz="4000" dirty="0" smtClean="0"/>
+            <a:r>
+              <a:rPr lang="zh-CN" altLang="en-US" sz="4000" dirty="0" smtClean="0">
+                <a:solidFill>
+                  <a:srgbClr val="00A0E9"/>
+                </a:solidFill>
+              </a:rPr>
+              <a:t>不自由</a:t>
+            </a:r>
+            <a:endParaRPr lang="en-US" altLang="zh-CN" sz="4000" dirty="0" smtClean="0">
+              <a:solidFill>
+                <a:srgbClr val="00A0E9"/>
+              </a:solidFill>
+            </a:endParaRPr>
           </a:p>
           <a:p>
             <a:r>
-              <a:rPr lang="zh-CN" altLang="en-US" sz="4000" dirty="0" smtClean="0"/>
+              <a:rPr lang="zh-CN" altLang="en-US" sz="4000" dirty="0" smtClean="0">
+                <a:solidFill>
+                  <a:srgbClr val="00A0E9"/>
+                </a:solidFill>
+              </a:rPr>
               <a:t>     则赞美无意义</a:t>
             </a:r>
-            <a:endParaRPr lang="en-US" altLang="zh-CN" sz="4000" dirty="0" smtClean="0"/>
+            <a:endParaRPr lang="en-US" altLang="zh-CN" sz="4000" dirty="0" smtClean="0">
+              <a:solidFill>
+                <a:srgbClr val="00A0E9"/>
+              </a:solidFill>
+            </a:endParaRPr>
           </a:p>
           <a:p>
             <a:r>
-              <a:rPr lang="en-US" altLang="zh-CN" sz="4000" dirty="0" smtClean="0"/>
+              <a:rPr lang="en-US" altLang="zh-CN" sz="4000" dirty="0" smtClean="0">
+                <a:solidFill>
+                  <a:srgbClr val="00A0E9"/>
+                </a:solidFill>
+              </a:rPr>
               <a:t>”</a:t>
             </a:r>
-            <a:endParaRPr lang="zh-CN" altLang="en-US" sz="4000" dirty="0"/>
+            <a:endParaRPr lang="zh-CN" altLang="en-US" sz="4000" dirty="0">
+              <a:solidFill>
+                <a:srgbClr val="00A0E9"/>
+              </a:solidFill>
+            </a:endParaRPr>
           </a:p>
         </p:txBody>
       </p:sp>
@@ -50673,7 +50717,7 @@
   <a:extraClrSchemeLst/>
   <a:extLst>
     <a:ext uri="{05A4C25C-085E-4340-85A3-A5531E510DB2}">
-      <thm15:themeFamily xmlns:thm15="http://schemas.microsoft.com/office/thememl/2012/main" xmlns="" name="Office Theme" id="{62F939B6-93AF-4DB8-9C6B-D6C7DFDC589F}" vid="{4A3C46E8-61CC-4603-A589-7422A47A8E4A}"/>
+      <thm15:themeFamily xmlns="" xmlns:thm15="http://schemas.microsoft.com/office/thememl/2012/main" name="Office Theme" id="{62F939B6-93AF-4DB8-9C6B-D6C7DFDC589F}" vid="{4A3C46E8-61CC-4603-A589-7422A47A8E4A}"/>
     </a:ext>
   </a:extLst>
 </a:theme>
@@ -50934,7 +50978,7 @@
   <a:extraClrSchemeLst/>
   <a:extLst>
     <a:ext uri="{05A4C25C-085E-4340-85A3-A5531E510DB2}">
-      <thm15:themeFamily xmlns:thm15="http://schemas.microsoft.com/office/thememl/2012/main" xmlns="" name="Office Theme" id="{62F939B6-93AF-4DB8-9C6B-D6C7DFDC589F}" vid="{4A3C46E8-61CC-4603-A589-7422A47A8E4A}"/>
+      <thm15:themeFamily xmlns="" xmlns:thm15="http://schemas.microsoft.com/office/thememl/2012/main" name="Office Theme" id="{62F939B6-93AF-4DB8-9C6B-D6C7DFDC589F}" vid="{4A3C46E8-61CC-4603-A589-7422A47A8E4A}"/>
     </a:ext>
   </a:extLst>
 </a:theme>

--- a/doc/01 概要设计/PSI.pptx
+++ b/doc/01 概要设计/PSI.pptx
@@ -116,7 +116,7 @@
   </p:defaultTextStyle>
   <p:extLst>
     <p:ext uri="{EFAFB233-063F-42B5-8137-9DF3F51BA10A}">
-      <p15:sldGuideLst xmlns="" xmlns:p15="http://schemas.microsoft.com/office/powerpoint/2012/main">
+      <p15:sldGuideLst xmlns:p15="http://schemas.microsoft.com/office/powerpoint/2012/main" xmlns="">
         <p15:guide id="2" pos="3863" userDrawn="1">
           <p15:clr>
             <a:srgbClr val="A4A3A4"/>
@@ -216,7 +216,7 @@
             <a:fld id="{C86B11F5-5059-4E45-9721-EB94D5B4201D}" type="datetimeFigureOut">
               <a:rPr lang="zh-CN" altLang="en-US" smtClean="0"/>
               <a:pPr/>
-              <a:t>2015/3/9</a:t>
+              <a:t>2015/3/18</a:t>
             </a:fld>
             <a:endParaRPr lang="zh-CN" altLang="en-US"/>
           </a:p>
@@ -385,7 +385,7 @@
     </p:spTree>
     <p:extLst>
       <p:ext uri="{BB962C8B-B14F-4D97-AF65-F5344CB8AC3E}">
-        <p14:creationId xmlns="" xmlns:p14="http://schemas.microsoft.com/office/powerpoint/2010/main" val="2524148835"/>
+        <p14:creationId xmlns:p14="http://schemas.microsoft.com/office/powerpoint/2010/main" xmlns="" val="2524148835"/>
       </p:ext>
     </p:extLst>
   </p:cSld>
@@ -514,7 +514,7 @@
           <a:blip r:embed="rId2" cstate="screen">
             <a:extLst>
               <a:ext uri="{28A0092B-C50C-407E-A947-70E740481C1C}">
-                <a14:useLocalDpi xmlns="" xmlns:a14="http://schemas.microsoft.com/office/drawing/2010/main"/>
+                <a14:useLocalDpi xmlns:a14="http://schemas.microsoft.com/office/drawing/2010/main" xmlns=""/>
               </a:ext>
             </a:extLst>
           </a:blip>
@@ -1117,7 +1117,7 @@
             </a:ln>
             <a:extLst>
               <a:ext uri="{909E8E84-426E-40DD-AFC4-6F175D3DCCD1}">
-                <a14:hiddenFill xmlns="" xmlns:a14="http://schemas.microsoft.com/office/drawing/2010/main">
+                <a14:hiddenFill xmlns:a14="http://schemas.microsoft.com/office/drawing/2010/main" xmlns="">
                   <a:solidFill>
                     <a:srgbClr val="FFFFFF"/>
                   </a:solidFill>
@@ -1165,7 +1165,7 @@
             </a:ln>
             <a:extLst>
               <a:ext uri="{909E8E84-426E-40DD-AFC4-6F175D3DCCD1}">
-                <a14:hiddenFill xmlns="" xmlns:a14="http://schemas.microsoft.com/office/drawing/2010/main">
+                <a14:hiddenFill xmlns:a14="http://schemas.microsoft.com/office/drawing/2010/main" xmlns="">
                   <a:noFill/>
                 </a14:hiddenFill>
               </a:ext>
@@ -1262,7 +1262,7 @@
             </a:ln>
             <a:extLst>
               <a:ext uri="{909E8E84-426E-40DD-AFC4-6F175D3DCCD1}">
-                <a14:hiddenFill xmlns="" xmlns:a14="http://schemas.microsoft.com/office/drawing/2010/main">
+                <a14:hiddenFill xmlns:a14="http://schemas.microsoft.com/office/drawing/2010/main" xmlns="">
                   <a:solidFill>
                     <a:srgbClr val="FFFFFF"/>
                   </a:solidFill>
@@ -3826,7 +3826,7 @@
     </p:spTree>
     <p:extLst>
       <p:ext uri="{BB962C8B-B14F-4D97-AF65-F5344CB8AC3E}">
-        <p14:creationId xmlns="" xmlns:p14="http://schemas.microsoft.com/office/powerpoint/2010/main" val="2830079814"/>
+        <p14:creationId xmlns:p14="http://schemas.microsoft.com/office/powerpoint/2010/main" xmlns="" val="2830079814"/>
       </p:ext>
     </p:extLst>
   </p:cSld>
@@ -3875,7 +3875,7 @@
           <a:blip r:embed="rId2" cstate="screen">
             <a:extLst>
               <a:ext uri="{28A0092B-C50C-407E-A947-70E740481C1C}">
-                <a14:useLocalDpi xmlns="" xmlns:a14="http://schemas.microsoft.com/office/drawing/2010/main"/>
+                <a14:useLocalDpi xmlns:a14="http://schemas.microsoft.com/office/drawing/2010/main" xmlns=""/>
               </a:ext>
             </a:extLst>
           </a:blip>
@@ -3935,7 +3935,7 @@
             </a:ln>
             <a:extLst>
               <a:ext uri="{909E8E84-426E-40DD-AFC4-6F175D3DCCD1}">
-                <a14:hiddenFill xmlns="" xmlns:a14="http://schemas.microsoft.com/office/drawing/2010/main">
+                <a14:hiddenFill xmlns:a14="http://schemas.microsoft.com/office/drawing/2010/main" xmlns="">
                   <a:solidFill>
                     <a:srgbClr val="FFFFFF"/>
                   </a:solidFill>
@@ -3983,7 +3983,7 @@
             </a:ln>
             <a:extLst>
               <a:ext uri="{909E8E84-426E-40DD-AFC4-6F175D3DCCD1}">
-                <a14:hiddenFill xmlns="" xmlns:a14="http://schemas.microsoft.com/office/drawing/2010/main">
+                <a14:hiddenFill xmlns:a14="http://schemas.microsoft.com/office/drawing/2010/main" xmlns="">
                   <a:noFill/>
                 </a14:hiddenFill>
               </a:ext>
@@ -4080,7 +4080,7 @@
             </a:ln>
             <a:extLst>
               <a:ext uri="{909E8E84-426E-40DD-AFC4-6F175D3DCCD1}">
-                <a14:hiddenFill xmlns="" xmlns:a14="http://schemas.microsoft.com/office/drawing/2010/main">
+                <a14:hiddenFill xmlns:a14="http://schemas.microsoft.com/office/drawing/2010/main" xmlns="">
                   <a:solidFill>
                     <a:srgbClr val="FFFFFF"/>
                   </a:solidFill>
@@ -4282,7 +4282,7 @@
           </a:ln>
           <a:extLst>
             <a:ext uri="{91240B29-F687-4F45-9708-019B960494DF}">
-              <a14:hiddenLine xmlns="" xmlns:a14="http://schemas.microsoft.com/office/drawing/2010/main" w="9525">
+              <a14:hiddenLine xmlns:a14="http://schemas.microsoft.com/office/drawing/2010/main" xmlns="" w="9525">
                 <a:solidFill>
                   <a:srgbClr val="000000"/>
                 </a:solidFill>
@@ -4622,7 +4622,7 @@
               </a:ln>
               <a:extLst>
                 <a:ext uri="{91240B29-F687-4F45-9708-019B960494DF}">
-                  <a14:hiddenLine xmlns="" xmlns:a14="http://schemas.microsoft.com/office/drawing/2010/main" w="9525">
+                  <a14:hiddenLine xmlns:a14="http://schemas.microsoft.com/office/drawing/2010/main" xmlns="" w="9525">
                     <a:solidFill>
                       <a:srgbClr val="000000"/>
                     </a:solidFill>
@@ -4795,7 +4795,7 @@
               </a:ln>
               <a:extLst>
                 <a:ext uri="{91240B29-F687-4F45-9708-019B960494DF}">
-                  <a14:hiddenLine xmlns="" xmlns:a14="http://schemas.microsoft.com/office/drawing/2010/main" w="9525">
+                  <a14:hiddenLine xmlns:a14="http://schemas.microsoft.com/office/drawing/2010/main" xmlns="" w="9525">
                     <a:solidFill>
                       <a:srgbClr val="000000"/>
                     </a:solidFill>
@@ -4958,7 +4958,7 @@
               </a:ln>
               <a:extLst>
                 <a:ext uri="{91240B29-F687-4F45-9708-019B960494DF}">
-                  <a14:hiddenLine xmlns="" xmlns:a14="http://schemas.microsoft.com/office/drawing/2010/main" w="9525">
+                  <a14:hiddenLine xmlns:a14="http://schemas.microsoft.com/office/drawing/2010/main" xmlns="" w="9525">
                     <a:solidFill>
                       <a:srgbClr val="000000"/>
                     </a:solidFill>
@@ -5160,7 +5160,7 @@
               </a:ln>
               <a:extLst>
                 <a:ext uri="{91240B29-F687-4F45-9708-019B960494DF}">
-                  <a14:hiddenLine xmlns="" xmlns:a14="http://schemas.microsoft.com/office/drawing/2010/main" w="9525">
+                  <a14:hiddenLine xmlns:a14="http://schemas.microsoft.com/office/drawing/2010/main" xmlns="" w="9525">
                     <a:solidFill>
                       <a:srgbClr val="000000"/>
                     </a:solidFill>
@@ -5700,7 +5700,7 @@
               </a:ln>
               <a:extLst>
                 <a:ext uri="{91240B29-F687-4F45-9708-019B960494DF}">
-                  <a14:hiddenLine xmlns="" xmlns:a14="http://schemas.microsoft.com/office/drawing/2010/main" w="9525">
+                  <a14:hiddenLine xmlns:a14="http://schemas.microsoft.com/office/drawing/2010/main" xmlns="" w="9525">
                     <a:solidFill>
                       <a:srgbClr val="000000"/>
                     </a:solidFill>
@@ -6204,7 +6204,7 @@
               </a:ln>
               <a:extLst>
                 <a:ext uri="{91240B29-F687-4F45-9708-019B960494DF}">
-                  <a14:hiddenLine xmlns="" xmlns:a14="http://schemas.microsoft.com/office/drawing/2010/main" w="9525">
+                  <a14:hiddenLine xmlns:a14="http://schemas.microsoft.com/office/drawing/2010/main" xmlns="" w="9525">
                     <a:solidFill>
                       <a:srgbClr val="000000"/>
                     </a:solidFill>
@@ -6742,7 +6742,7 @@
     </p:spTree>
     <p:extLst>
       <p:ext uri="{BB962C8B-B14F-4D97-AF65-F5344CB8AC3E}">
-        <p14:creationId xmlns="" xmlns:p14="http://schemas.microsoft.com/office/powerpoint/2010/main" val="1955931793"/>
+        <p14:creationId xmlns:p14="http://schemas.microsoft.com/office/powerpoint/2010/main" xmlns="" val="1955931793"/>
       </p:ext>
     </p:extLst>
   </p:cSld>
@@ -6999,7 +6999,7 @@
           <a:blip r:embed="rId2">
             <a:extLst>
               <a:ext uri="{28A0092B-C50C-407E-A947-70E740481C1C}">
-                <a14:useLocalDpi xmlns="" xmlns:a14="http://schemas.microsoft.com/office/drawing/2010/main" val="0"/>
+                <a14:useLocalDpi xmlns:a14="http://schemas.microsoft.com/office/drawing/2010/main" xmlns="" val="0"/>
               </a:ext>
             </a:extLst>
           </a:blip>
@@ -7211,7 +7211,7 @@
     </p:spTree>
     <p:extLst>
       <p:ext uri="{BB962C8B-B14F-4D97-AF65-F5344CB8AC3E}">
-        <p14:creationId xmlns="" xmlns:p14="http://schemas.microsoft.com/office/powerpoint/2010/main" val="2366049688"/>
+        <p14:creationId xmlns:p14="http://schemas.microsoft.com/office/powerpoint/2010/main" xmlns="" val="2366049688"/>
       </p:ext>
     </p:extLst>
   </p:cSld>
@@ -7219,7 +7219,7 @@
     <a:masterClrMapping/>
   </p:clrMapOvr>
   <mc:AlternateContent xmlns:mc="http://schemas.openxmlformats.org/markup-compatibility/2006">
-    <mc:Choice xmlns="" xmlns:p14="http://schemas.microsoft.com/office/powerpoint/2010/main" Requires="p14">
+    <mc:Choice xmlns:p14="http://schemas.microsoft.com/office/powerpoint/2010/main" xmlns="" Requires="p14">
       <p:transition spd="med">
         <p14:flip dir="r"/>
       </p:transition>
@@ -7508,14 +7508,14 @@
             </a:ln>
             <a:extLst>
               <a:ext uri="{909E8E84-426E-40DD-AFC4-6F175D3DCCD1}">
-                <a14:hiddenFill xmlns="" xmlns:a14="http://schemas.microsoft.com/office/drawing/2010/main">
+                <a14:hiddenFill xmlns:a14="http://schemas.microsoft.com/office/drawing/2010/main" xmlns="">
                   <a:solidFill>
                     <a:srgbClr val="FFFFFF"/>
                   </a:solidFill>
                 </a14:hiddenFill>
               </a:ext>
               <a:ext uri="{91240B29-F687-4F45-9708-019B960494DF}">
-                <a14:hiddenLine xmlns="" xmlns:a14="http://schemas.microsoft.com/office/drawing/2010/main" w="9525">
+                <a14:hiddenLine xmlns:a14="http://schemas.microsoft.com/office/drawing/2010/main" xmlns="" w="9525">
                   <a:solidFill>
                     <a:srgbClr val="000000"/>
                   </a:solidFill>
@@ -7680,7 +7680,7 @@
             </a:ln>
             <a:extLst>
               <a:ext uri="{91240B29-F687-4F45-9708-019B960494DF}">
-                <a14:hiddenLine xmlns="" xmlns:a14="http://schemas.microsoft.com/office/drawing/2010/main" w="9525">
+                <a14:hiddenLine xmlns:a14="http://schemas.microsoft.com/office/drawing/2010/main" xmlns="" w="9525">
                   <a:solidFill>
                     <a:srgbClr val="000000"/>
                   </a:solidFill>
@@ -7845,7 +7845,7 @@
             </a:ln>
             <a:extLst>
               <a:ext uri="{91240B29-F687-4F45-9708-019B960494DF}">
-                <a14:hiddenLine xmlns="" xmlns:a14="http://schemas.microsoft.com/office/drawing/2010/main" w="9525">
+                <a14:hiddenLine xmlns:a14="http://schemas.microsoft.com/office/drawing/2010/main" xmlns="" w="9525">
                   <a:solidFill>
                     <a:srgbClr val="000000"/>
                   </a:solidFill>
@@ -9132,7 +9132,7 @@
     </p:spTree>
     <p:extLst>
       <p:ext uri="{BB962C8B-B14F-4D97-AF65-F5344CB8AC3E}">
-        <p14:creationId xmlns="" xmlns:p14="http://schemas.microsoft.com/office/powerpoint/2010/main" val="3513966317"/>
+        <p14:creationId xmlns:p14="http://schemas.microsoft.com/office/powerpoint/2010/main" xmlns="" val="3513966317"/>
       </p:ext>
     </p:extLst>
   </p:cSld>
@@ -9140,7 +9140,7 @@
     <a:masterClrMapping/>
   </p:clrMapOvr>
   <mc:AlternateContent xmlns:mc="http://schemas.openxmlformats.org/markup-compatibility/2006">
-    <mc:Choice xmlns="" xmlns:p14="http://schemas.microsoft.com/office/powerpoint/2010/main" Requires="p14">
+    <mc:Choice xmlns:p14="http://schemas.microsoft.com/office/powerpoint/2010/main" xmlns="" Requires="p14">
       <p:transition spd="med">
         <p14:prism/>
       </p:transition>
@@ -9285,7 +9285,7 @@
           <a:blip r:embed="rId2" cstate="email">
             <a:extLst>
               <a:ext uri="{28A0092B-C50C-407E-A947-70E740481C1C}">
-                <a14:useLocalDpi xmlns="" xmlns:a14="http://schemas.microsoft.com/office/drawing/2010/main"/>
+                <a14:useLocalDpi xmlns:a14="http://schemas.microsoft.com/office/drawing/2010/main" xmlns=""/>
               </a:ext>
             </a:extLst>
           </a:blip>
@@ -9308,7 +9308,7 @@
     </p:spTree>
     <p:extLst>
       <p:ext uri="{BB962C8B-B14F-4D97-AF65-F5344CB8AC3E}">
-        <p14:creationId xmlns="" xmlns:p14="http://schemas.microsoft.com/office/powerpoint/2010/main" val="3873080681"/>
+        <p14:creationId xmlns:p14="http://schemas.microsoft.com/office/powerpoint/2010/main" xmlns="" val="3873080681"/>
       </p:ext>
     </p:extLst>
   </p:cSld>
@@ -9433,7 +9433,7 @@
     </p:spTree>
     <p:extLst>
       <p:ext uri="{BB962C8B-B14F-4D97-AF65-F5344CB8AC3E}">
-        <p14:creationId xmlns="" xmlns:p14="http://schemas.microsoft.com/office/powerpoint/2010/main" val="3452816623"/>
+        <p14:creationId xmlns:p14="http://schemas.microsoft.com/office/powerpoint/2010/main" xmlns="" val="3452816623"/>
       </p:ext>
     </p:extLst>
   </p:cSld>
@@ -9491,7 +9491,7 @@
             </a:duotone>
             <a:extLst>
               <a:ext uri="{BEBA8EAE-BF5A-486C-A8C5-ECC9F3942E4B}">
-                <a14:imgProps xmlns="" xmlns:a14="http://schemas.microsoft.com/office/drawing/2010/main">
+                <a14:imgProps xmlns:a14="http://schemas.microsoft.com/office/drawing/2010/main" xmlns="">
                   <a14:imgLayer r:embed="rId9">
                     <a14:imgEffect>
                       <a14:saturation sat="0"/>
@@ -9500,7 +9500,7 @@
                 </a14:imgProps>
               </a:ext>
               <a:ext uri="{28A0092B-C50C-407E-A947-70E740481C1C}">
-                <a14:useLocalDpi xmlns="" xmlns:a14="http://schemas.microsoft.com/office/drawing/2010/main" val="0"/>
+                <a14:useLocalDpi xmlns:a14="http://schemas.microsoft.com/office/drawing/2010/main" xmlns="" val="0"/>
               </a:ext>
             </a:extLst>
           </a:blip>
@@ -9521,7 +9521,7 @@
     </p:spTree>
     <p:extLst>
       <p:ext uri="{BB962C8B-B14F-4D97-AF65-F5344CB8AC3E}">
-        <p14:creationId xmlns="" xmlns:p14="http://schemas.microsoft.com/office/powerpoint/2010/main" val="3587497191"/>
+        <p14:creationId xmlns:p14="http://schemas.microsoft.com/office/powerpoint/2010/main" xmlns="" val="3587497191"/>
       </p:ext>
     </p:extLst>
   </p:cSld>
@@ -10083,7 +10083,7 @@
           </a:ln>
           <a:extLst>
             <a:ext uri="{91240B29-F687-4F45-9708-019B960494DF}">
-              <a14:hiddenLine xmlns="" xmlns:a14="http://schemas.microsoft.com/office/drawing/2010/main" w="9525">
+              <a14:hiddenLine xmlns:a14="http://schemas.microsoft.com/office/drawing/2010/main" xmlns="" w="9525">
                 <a:solidFill>
                   <a:srgbClr val="000000"/>
                 </a:solidFill>
@@ -10186,14 +10186,14 @@
           </a:ln>
           <a:extLst>
             <a:ext uri="{909E8E84-426E-40DD-AFC4-6F175D3DCCD1}">
-              <a14:hiddenFill xmlns="" xmlns:a14="http://schemas.microsoft.com/office/drawing/2010/main">
+              <a14:hiddenFill xmlns:a14="http://schemas.microsoft.com/office/drawing/2010/main" xmlns="">
                 <a:solidFill>
                   <a:srgbClr val="FFFFFF"/>
                 </a:solidFill>
               </a14:hiddenFill>
             </a:ext>
             <a:ext uri="{91240B29-F687-4F45-9708-019B960494DF}">
-              <a14:hiddenLine xmlns="" xmlns:a14="http://schemas.microsoft.com/office/drawing/2010/main" w="9525">
+              <a14:hiddenLine xmlns:a14="http://schemas.microsoft.com/office/drawing/2010/main" xmlns="" w="9525">
                 <a:solidFill>
                   <a:srgbClr val="000000"/>
                 </a:solidFill>
@@ -10299,7 +10299,7 @@
           </a:ln>
           <a:extLst>
             <a:ext uri="{91240B29-F687-4F45-9708-019B960494DF}">
-              <a14:hiddenLine xmlns="" xmlns:a14="http://schemas.microsoft.com/office/drawing/2010/main" w="9525">
+              <a14:hiddenLine xmlns:a14="http://schemas.microsoft.com/office/drawing/2010/main" xmlns="" w="9525">
                 <a:solidFill>
                   <a:srgbClr val="000000"/>
                 </a:solidFill>
@@ -10402,14 +10402,14 @@
           </a:ln>
           <a:extLst>
             <a:ext uri="{909E8E84-426E-40DD-AFC4-6F175D3DCCD1}">
-              <a14:hiddenFill xmlns="" xmlns:a14="http://schemas.microsoft.com/office/drawing/2010/main">
+              <a14:hiddenFill xmlns:a14="http://schemas.microsoft.com/office/drawing/2010/main" xmlns="">
                 <a:solidFill>
                   <a:srgbClr val="FFFFFF"/>
                 </a:solidFill>
               </a14:hiddenFill>
             </a:ext>
             <a:ext uri="{91240B29-F687-4F45-9708-019B960494DF}">
-              <a14:hiddenLine xmlns="" xmlns:a14="http://schemas.microsoft.com/office/drawing/2010/main" w="9525">
+              <a14:hiddenLine xmlns:a14="http://schemas.microsoft.com/office/drawing/2010/main" xmlns="" w="9525">
                 <a:solidFill>
                   <a:srgbClr val="000000"/>
                 </a:solidFill>
@@ -10515,7 +10515,7 @@
           </a:ln>
           <a:extLst>
             <a:ext uri="{91240B29-F687-4F45-9708-019B960494DF}">
-              <a14:hiddenLine xmlns="" xmlns:a14="http://schemas.microsoft.com/office/drawing/2010/main" w="9525">
+              <a14:hiddenLine xmlns:a14="http://schemas.microsoft.com/office/drawing/2010/main" xmlns="" w="9525">
                 <a:solidFill>
                   <a:srgbClr val="000000"/>
                 </a:solidFill>
@@ -10618,14 +10618,14 @@
           </a:ln>
           <a:extLst>
             <a:ext uri="{909E8E84-426E-40DD-AFC4-6F175D3DCCD1}">
-              <a14:hiddenFill xmlns="" xmlns:a14="http://schemas.microsoft.com/office/drawing/2010/main">
+              <a14:hiddenFill xmlns:a14="http://schemas.microsoft.com/office/drawing/2010/main" xmlns="">
                 <a:solidFill>
                   <a:srgbClr val="FFFFFF"/>
                 </a:solidFill>
               </a14:hiddenFill>
             </a:ext>
             <a:ext uri="{91240B29-F687-4F45-9708-019B960494DF}">
-              <a14:hiddenLine xmlns="" xmlns:a14="http://schemas.microsoft.com/office/drawing/2010/main" w="9525">
+              <a14:hiddenLine xmlns:a14="http://schemas.microsoft.com/office/drawing/2010/main" xmlns="" w="9525">
                 <a:solidFill>
                   <a:srgbClr val="000000"/>
                 </a:solidFill>
@@ -10731,7 +10731,7 @@
           </a:ln>
           <a:extLst>
             <a:ext uri="{91240B29-F687-4F45-9708-019B960494DF}">
-              <a14:hiddenLine xmlns="" xmlns:a14="http://schemas.microsoft.com/office/drawing/2010/main" w="9525">
+              <a14:hiddenLine xmlns:a14="http://schemas.microsoft.com/office/drawing/2010/main" xmlns="" w="9525">
                 <a:solidFill>
                   <a:srgbClr val="000000"/>
                 </a:solidFill>
@@ -10834,14 +10834,14 @@
           </a:ln>
           <a:extLst>
             <a:ext uri="{909E8E84-426E-40DD-AFC4-6F175D3DCCD1}">
-              <a14:hiddenFill xmlns="" xmlns:a14="http://schemas.microsoft.com/office/drawing/2010/main">
+              <a14:hiddenFill xmlns:a14="http://schemas.microsoft.com/office/drawing/2010/main" xmlns="">
                 <a:solidFill>
                   <a:srgbClr val="FFFFFF"/>
                 </a:solidFill>
               </a14:hiddenFill>
             </a:ext>
             <a:ext uri="{91240B29-F687-4F45-9708-019B960494DF}">
-              <a14:hiddenLine xmlns="" xmlns:a14="http://schemas.microsoft.com/office/drawing/2010/main" w="9525">
+              <a14:hiddenLine xmlns:a14="http://schemas.microsoft.com/office/drawing/2010/main" xmlns="" w="9525">
                 <a:solidFill>
                   <a:srgbClr val="000000"/>
                 </a:solidFill>
@@ -10888,7 +10888,7 @@
           </a:ln>
           <a:extLst>
             <a:ext uri="{91240B29-F687-4F45-9708-019B960494DF}">
-              <a14:hiddenLine xmlns="" xmlns:a14="http://schemas.microsoft.com/office/drawing/2010/main" w="9525">
+              <a14:hiddenLine xmlns:a14="http://schemas.microsoft.com/office/drawing/2010/main" xmlns="" w="9525">
                 <a:solidFill>
                   <a:srgbClr val="000000"/>
                 </a:solidFill>
@@ -11023,7 +11023,7 @@
           </a:ln>
           <a:extLst>
             <a:ext uri="{91240B29-F687-4F45-9708-019B960494DF}">
-              <a14:hiddenLine xmlns="" xmlns:a14="http://schemas.microsoft.com/office/drawing/2010/main" w="9525">
+              <a14:hiddenLine xmlns:a14="http://schemas.microsoft.com/office/drawing/2010/main" xmlns="" w="9525">
                 <a:solidFill>
                   <a:srgbClr val="000000"/>
                 </a:solidFill>
@@ -11137,7 +11137,7 @@
           </a:ln>
           <a:extLst>
             <a:ext uri="{91240B29-F687-4F45-9708-019B960494DF}">
-              <a14:hiddenLine xmlns="" xmlns:a14="http://schemas.microsoft.com/office/drawing/2010/main" w="9525">
+              <a14:hiddenLine xmlns:a14="http://schemas.microsoft.com/office/drawing/2010/main" xmlns="" w="9525">
                 <a:solidFill>
                   <a:srgbClr val="000000"/>
                 </a:solidFill>
@@ -11251,7 +11251,7 @@
           </a:ln>
           <a:extLst>
             <a:ext uri="{91240B29-F687-4F45-9708-019B960494DF}">
-              <a14:hiddenLine xmlns="" xmlns:a14="http://schemas.microsoft.com/office/drawing/2010/main" w="9525">
+              <a14:hiddenLine xmlns:a14="http://schemas.microsoft.com/office/drawing/2010/main" xmlns="" w="9525">
                 <a:solidFill>
                   <a:srgbClr val="000000"/>
                 </a:solidFill>
@@ -11365,7 +11365,7 @@
           </a:ln>
           <a:extLst>
             <a:ext uri="{91240B29-F687-4F45-9708-019B960494DF}">
-              <a14:hiddenLine xmlns="" xmlns:a14="http://schemas.microsoft.com/office/drawing/2010/main" w="9525">
+              <a14:hiddenLine xmlns:a14="http://schemas.microsoft.com/office/drawing/2010/main" xmlns="" w="9525">
                 <a:solidFill>
                   <a:srgbClr val="000000"/>
                 </a:solidFill>
@@ -11505,7 +11505,7 @@
             </a:ln>
             <a:extLst>
               <a:ext uri="{91240B29-F687-4F45-9708-019B960494DF}">
-                <a14:hiddenLine xmlns="" xmlns:a14="http://schemas.microsoft.com/office/drawing/2010/main" w="9525">
+                <a14:hiddenLine xmlns:a14="http://schemas.microsoft.com/office/drawing/2010/main" xmlns="" w="9525">
                   <a:solidFill>
                     <a:srgbClr val="000000"/>
                   </a:solidFill>
@@ -11631,7 +11631,7 @@
             </a:ln>
             <a:extLst>
               <a:ext uri="{91240B29-F687-4F45-9708-019B960494DF}">
-                <a14:hiddenLine xmlns="" xmlns:a14="http://schemas.microsoft.com/office/drawing/2010/main" w="9525">
+                <a14:hiddenLine xmlns:a14="http://schemas.microsoft.com/office/drawing/2010/main" xmlns="" w="9525">
                   <a:solidFill>
                     <a:srgbClr val="000000"/>
                   </a:solidFill>
@@ -11757,7 +11757,7 @@
             </a:ln>
             <a:extLst>
               <a:ext uri="{91240B29-F687-4F45-9708-019B960494DF}">
-                <a14:hiddenLine xmlns="" xmlns:a14="http://schemas.microsoft.com/office/drawing/2010/main" w="9525">
+                <a14:hiddenLine xmlns:a14="http://schemas.microsoft.com/office/drawing/2010/main" xmlns="" w="9525">
                   <a:solidFill>
                     <a:srgbClr val="000000"/>
                   </a:solidFill>
@@ -11883,7 +11883,7 @@
             </a:ln>
             <a:extLst>
               <a:ext uri="{91240B29-F687-4F45-9708-019B960494DF}">
-                <a14:hiddenLine xmlns="" xmlns:a14="http://schemas.microsoft.com/office/drawing/2010/main" w="9525">
+                <a14:hiddenLine xmlns:a14="http://schemas.microsoft.com/office/drawing/2010/main" xmlns="" w="9525">
                   <a:solidFill>
                     <a:srgbClr val="000000"/>
                   </a:solidFill>
@@ -12009,7 +12009,7 @@
             </a:ln>
             <a:extLst>
               <a:ext uri="{91240B29-F687-4F45-9708-019B960494DF}">
-                <a14:hiddenLine xmlns="" xmlns:a14="http://schemas.microsoft.com/office/drawing/2010/main" w="9525">
+                <a14:hiddenLine xmlns:a14="http://schemas.microsoft.com/office/drawing/2010/main" xmlns="" w="9525">
                   <a:solidFill>
                     <a:srgbClr val="000000"/>
                   </a:solidFill>
@@ -12150,7 +12150,7 @@
             </a:ln>
             <a:extLst>
               <a:ext uri="{91240B29-F687-4F45-9708-019B960494DF}">
-                <a14:hiddenLine xmlns="" xmlns:a14="http://schemas.microsoft.com/office/drawing/2010/main" w="9525">
+                <a14:hiddenLine xmlns:a14="http://schemas.microsoft.com/office/drawing/2010/main" xmlns="" w="9525">
                   <a:solidFill>
                     <a:srgbClr val="000000"/>
                   </a:solidFill>
@@ -12276,7 +12276,7 @@
             </a:ln>
             <a:extLst>
               <a:ext uri="{91240B29-F687-4F45-9708-019B960494DF}">
-                <a14:hiddenLine xmlns="" xmlns:a14="http://schemas.microsoft.com/office/drawing/2010/main" w="9525">
+                <a14:hiddenLine xmlns:a14="http://schemas.microsoft.com/office/drawing/2010/main" xmlns="" w="9525">
                   <a:solidFill>
                     <a:srgbClr val="000000"/>
                   </a:solidFill>
@@ -12402,7 +12402,7 @@
             </a:ln>
             <a:extLst>
               <a:ext uri="{91240B29-F687-4F45-9708-019B960494DF}">
-                <a14:hiddenLine xmlns="" xmlns:a14="http://schemas.microsoft.com/office/drawing/2010/main" w="9525">
+                <a14:hiddenLine xmlns:a14="http://schemas.microsoft.com/office/drawing/2010/main" xmlns="" w="9525">
                   <a:solidFill>
                     <a:srgbClr val="000000"/>
                   </a:solidFill>
@@ -12528,7 +12528,7 @@
             </a:ln>
             <a:extLst>
               <a:ext uri="{91240B29-F687-4F45-9708-019B960494DF}">
-                <a14:hiddenLine xmlns="" xmlns:a14="http://schemas.microsoft.com/office/drawing/2010/main" w="9525">
+                <a14:hiddenLine xmlns:a14="http://schemas.microsoft.com/office/drawing/2010/main" xmlns="" w="9525">
                   <a:solidFill>
                     <a:srgbClr val="000000"/>
                   </a:solidFill>
@@ -12654,7 +12654,7 @@
             </a:ln>
             <a:extLst>
               <a:ext uri="{91240B29-F687-4F45-9708-019B960494DF}">
-                <a14:hiddenLine xmlns="" xmlns:a14="http://schemas.microsoft.com/office/drawing/2010/main" w="9525">
+                <a14:hiddenLine xmlns:a14="http://schemas.microsoft.com/office/drawing/2010/main" xmlns="" w="9525">
                   <a:solidFill>
                     <a:srgbClr val="000000"/>
                   </a:solidFill>
@@ -12768,7 +12768,7 @@
             </a:ln>
             <a:extLst>
               <a:ext uri="{91240B29-F687-4F45-9708-019B960494DF}">
-                <a14:hiddenLine xmlns="" xmlns:a14="http://schemas.microsoft.com/office/drawing/2010/main" w="9525">
+                <a14:hiddenLine xmlns:a14="http://schemas.microsoft.com/office/drawing/2010/main" xmlns="" w="9525">
                   <a:solidFill>
                     <a:srgbClr val="000000"/>
                   </a:solidFill>
@@ -12894,7 +12894,7 @@
             </a:ln>
             <a:extLst>
               <a:ext uri="{91240B29-F687-4F45-9708-019B960494DF}">
-                <a14:hiddenLine xmlns="" xmlns:a14="http://schemas.microsoft.com/office/drawing/2010/main" w="9525">
+                <a14:hiddenLine xmlns:a14="http://schemas.microsoft.com/office/drawing/2010/main" xmlns="" w="9525">
                   <a:solidFill>
                     <a:srgbClr val="000000"/>
                   </a:solidFill>
@@ -12956,7 +12956,7 @@
             </a:ln>
             <a:extLst>
               <a:ext uri="{91240B29-F687-4F45-9708-019B960494DF}">
-                <a14:hiddenLine xmlns="" xmlns:a14="http://schemas.microsoft.com/office/drawing/2010/main" w="9525">
+                <a14:hiddenLine xmlns:a14="http://schemas.microsoft.com/office/drawing/2010/main" xmlns="" w="9525">
                   <a:solidFill>
                     <a:srgbClr val="000000"/>
                   </a:solidFill>
@@ -13102,7 +13102,7 @@
             </a:ln>
             <a:extLst>
               <a:ext uri="{91240B29-F687-4F45-9708-019B960494DF}">
-                <a14:hiddenLine xmlns="" xmlns:a14="http://schemas.microsoft.com/office/drawing/2010/main" w="9525">
+                <a14:hiddenLine xmlns:a14="http://schemas.microsoft.com/office/drawing/2010/main" xmlns="" w="9525">
                   <a:solidFill>
                     <a:srgbClr val="000000"/>
                   </a:solidFill>
@@ -13149,7 +13149,7 @@
             </a:ln>
             <a:extLst>
               <a:ext uri="{91240B29-F687-4F45-9708-019B960494DF}">
-                <a14:hiddenLine xmlns="" xmlns:a14="http://schemas.microsoft.com/office/drawing/2010/main" w="9525">
+                <a14:hiddenLine xmlns:a14="http://schemas.microsoft.com/office/drawing/2010/main" xmlns="" w="9525">
                   <a:solidFill>
                     <a:srgbClr val="000000"/>
                   </a:solidFill>
@@ -13295,7 +13295,7 @@
             </a:ln>
             <a:extLst>
               <a:ext uri="{91240B29-F687-4F45-9708-019B960494DF}">
-                <a14:hiddenLine xmlns="" xmlns:a14="http://schemas.microsoft.com/office/drawing/2010/main" w="9525">
+                <a14:hiddenLine xmlns:a14="http://schemas.microsoft.com/office/drawing/2010/main" xmlns="" w="9525">
                   <a:solidFill>
                     <a:srgbClr val="000000"/>
                   </a:solidFill>
@@ -13342,7 +13342,7 @@
             </a:ln>
             <a:extLst>
               <a:ext uri="{91240B29-F687-4F45-9708-019B960494DF}">
-                <a14:hiddenLine xmlns="" xmlns:a14="http://schemas.microsoft.com/office/drawing/2010/main" w="9525">
+                <a14:hiddenLine xmlns:a14="http://schemas.microsoft.com/office/drawing/2010/main" xmlns="" w="9525">
                   <a:solidFill>
                     <a:srgbClr val="000000"/>
                   </a:solidFill>
@@ -13488,7 +13488,7 @@
             </a:ln>
             <a:extLst>
               <a:ext uri="{91240B29-F687-4F45-9708-019B960494DF}">
-                <a14:hiddenLine xmlns="" xmlns:a14="http://schemas.microsoft.com/office/drawing/2010/main" w="9525">
+                <a14:hiddenLine xmlns:a14="http://schemas.microsoft.com/office/drawing/2010/main" xmlns="" w="9525">
                   <a:solidFill>
                     <a:srgbClr val="000000"/>
                   </a:solidFill>
@@ -13535,7 +13535,7 @@
             </a:ln>
             <a:extLst>
               <a:ext uri="{91240B29-F687-4F45-9708-019B960494DF}">
-                <a14:hiddenLine xmlns="" xmlns:a14="http://schemas.microsoft.com/office/drawing/2010/main" w="9525">
+                <a14:hiddenLine xmlns:a14="http://schemas.microsoft.com/office/drawing/2010/main" xmlns="" w="9525">
                   <a:solidFill>
                     <a:srgbClr val="000000"/>
                   </a:solidFill>
@@ -13681,7 +13681,7 @@
             </a:ln>
             <a:extLst>
               <a:ext uri="{91240B29-F687-4F45-9708-019B960494DF}">
-                <a14:hiddenLine xmlns="" xmlns:a14="http://schemas.microsoft.com/office/drawing/2010/main" w="9525">
+                <a14:hiddenLine xmlns:a14="http://schemas.microsoft.com/office/drawing/2010/main" xmlns="" w="9525">
                   <a:solidFill>
                     <a:srgbClr val="000000"/>
                   </a:solidFill>
@@ -13728,7 +13728,7 @@
             </a:ln>
             <a:extLst>
               <a:ext uri="{91240B29-F687-4F45-9708-019B960494DF}">
-                <a14:hiddenLine xmlns="" xmlns:a14="http://schemas.microsoft.com/office/drawing/2010/main" w="9525">
+                <a14:hiddenLine xmlns:a14="http://schemas.microsoft.com/office/drawing/2010/main" xmlns="" w="9525">
                   <a:solidFill>
                     <a:srgbClr val="000000"/>
                   </a:solidFill>
@@ -13874,7 +13874,7 @@
             </a:ln>
             <a:extLst>
               <a:ext uri="{91240B29-F687-4F45-9708-019B960494DF}">
-                <a14:hiddenLine xmlns="" xmlns:a14="http://schemas.microsoft.com/office/drawing/2010/main" w="9525">
+                <a14:hiddenLine xmlns:a14="http://schemas.microsoft.com/office/drawing/2010/main" xmlns="" w="9525">
                   <a:solidFill>
                     <a:srgbClr val="000000"/>
                   </a:solidFill>
@@ -14044,7 +14044,7 @@
             </a:ln>
             <a:extLst>
               <a:ext uri="{91240B29-F687-4F45-9708-019B960494DF}">
-                <a14:hiddenLine xmlns="" xmlns:a14="http://schemas.microsoft.com/office/drawing/2010/main" w="9525">
+                <a14:hiddenLine xmlns:a14="http://schemas.microsoft.com/office/drawing/2010/main" xmlns="" w="9525">
                   <a:solidFill>
                     <a:srgbClr val="000000"/>
                   </a:solidFill>
@@ -14239,7 +14239,7 @@
             </a:ln>
             <a:extLst>
               <a:ext uri="{91240B29-F687-4F45-9708-019B960494DF}">
-                <a14:hiddenLine xmlns="" xmlns:a14="http://schemas.microsoft.com/office/drawing/2010/main" w="9525">
+                <a14:hiddenLine xmlns:a14="http://schemas.microsoft.com/office/drawing/2010/main" xmlns="" w="9525">
                   <a:solidFill>
                     <a:srgbClr val="000000"/>
                   </a:solidFill>
@@ -14474,7 +14474,7 @@
             </a:ln>
             <a:extLst>
               <a:ext uri="{91240B29-F687-4F45-9708-019B960494DF}">
-                <a14:hiddenLine xmlns="" xmlns:a14="http://schemas.microsoft.com/office/drawing/2010/main" w="9525">
+                <a14:hiddenLine xmlns:a14="http://schemas.microsoft.com/office/drawing/2010/main" xmlns="" w="9525">
                   <a:solidFill>
                     <a:srgbClr val="000000"/>
                   </a:solidFill>
@@ -14521,7 +14521,7 @@
             </a:ln>
             <a:extLst>
               <a:ext uri="{91240B29-F687-4F45-9708-019B960494DF}">
-                <a14:hiddenLine xmlns="" xmlns:a14="http://schemas.microsoft.com/office/drawing/2010/main" w="9525">
+                <a14:hiddenLine xmlns:a14="http://schemas.microsoft.com/office/drawing/2010/main" xmlns="" w="9525">
                   <a:solidFill>
                     <a:srgbClr val="000000"/>
                   </a:solidFill>
@@ -14568,7 +14568,7 @@
             </a:ln>
             <a:extLst>
               <a:ext uri="{91240B29-F687-4F45-9708-019B960494DF}">
-                <a14:hiddenLine xmlns="" xmlns:a14="http://schemas.microsoft.com/office/drawing/2010/main" w="9525">
+                <a14:hiddenLine xmlns:a14="http://schemas.microsoft.com/office/drawing/2010/main" xmlns="" w="9525">
                   <a:solidFill>
                     <a:srgbClr val="000000"/>
                   </a:solidFill>
@@ -14615,7 +14615,7 @@
             </a:ln>
             <a:extLst>
               <a:ext uri="{91240B29-F687-4F45-9708-019B960494DF}">
-                <a14:hiddenLine xmlns="" xmlns:a14="http://schemas.microsoft.com/office/drawing/2010/main" w="9525">
+                <a14:hiddenLine xmlns:a14="http://schemas.microsoft.com/office/drawing/2010/main" xmlns="" w="9525">
                   <a:solidFill>
                     <a:srgbClr val="000000"/>
                   </a:solidFill>
@@ -14662,7 +14662,7 @@
             </a:ln>
             <a:extLst>
               <a:ext uri="{91240B29-F687-4F45-9708-019B960494DF}">
-                <a14:hiddenLine xmlns="" xmlns:a14="http://schemas.microsoft.com/office/drawing/2010/main" w="9525">
+                <a14:hiddenLine xmlns:a14="http://schemas.microsoft.com/office/drawing/2010/main" xmlns="" w="9525">
                   <a:solidFill>
                     <a:srgbClr val="000000"/>
                   </a:solidFill>
@@ -15424,7 +15424,7 @@
     </p:spTree>
     <p:extLst>
       <p:ext uri="{BB962C8B-B14F-4D97-AF65-F5344CB8AC3E}">
-        <p14:creationId xmlns="" xmlns:p14="http://schemas.microsoft.com/office/powerpoint/2010/main" val="528797613"/>
+        <p14:creationId xmlns:p14="http://schemas.microsoft.com/office/powerpoint/2010/main" xmlns="" val="528797613"/>
       </p:ext>
     </p:extLst>
   </p:cSld>
@@ -15508,7 +15508,7 @@
         <p:spPr>
           <a:xfrm>
             <a:off x="374759" y="779492"/>
-            <a:ext cx="6061531" cy="707886"/>
+            <a:ext cx="4224233" cy="707886"/>
           </a:xfrm>
           <a:prstGeom prst="rect">
             <a:avLst/>
@@ -15527,11 +15527,7 @@
             </a:r>
             <a:r>
               <a:rPr lang="zh-CN" altLang="en-US" sz="4000" dirty="0" smtClean="0"/>
-              <a:t>：</a:t>
-            </a:r>
-            <a:r>
-              <a:rPr lang="en-US" altLang="zh-CN" sz="4000" dirty="0" smtClean="0"/>
-              <a:t>Software as a Service</a:t>
+              <a:t>：软件即服务</a:t>
             </a:r>
             <a:endParaRPr lang="zh-CN" altLang="en-US" sz="4000" dirty="0"/>
           </a:p>
@@ -15660,7 +15656,7 @@
           </a:ln>
           <a:extLst>
             <a:ext uri="{91240B29-F687-4F45-9708-019B960494DF}">
-              <a14:hiddenLine xmlns:a14="http://schemas.microsoft.com/office/drawing/2010/main" xmlns="" w="9525">
+              <a14:hiddenLine xmlns="" xmlns:a14="http://schemas.microsoft.com/office/drawing/2010/main" w="9525">
                 <a:solidFill>
                   <a:srgbClr val="000000"/>
                 </a:solidFill>
@@ -15886,7 +15882,7 @@
           </a:ln>
           <a:extLst>
             <a:ext uri="{91240B29-F687-4F45-9708-019B960494DF}">
-              <a14:hiddenLine xmlns:a14="http://schemas.microsoft.com/office/drawing/2010/main" xmlns="" w="9525">
+              <a14:hiddenLine xmlns="" xmlns:a14="http://schemas.microsoft.com/office/drawing/2010/main" w="9525">
                 <a:solidFill>
                   <a:srgbClr val="000000"/>
                 </a:solidFill>
@@ -16232,7 +16228,7 @@
           </a:ln>
           <a:extLst>
             <a:ext uri="{91240B29-F687-4F45-9708-019B960494DF}">
-              <a14:hiddenLine xmlns:a14="http://schemas.microsoft.com/office/drawing/2010/main" xmlns="" w="9525">
+              <a14:hiddenLine xmlns="" xmlns:a14="http://schemas.microsoft.com/office/drawing/2010/main" w="9525">
                 <a:solidFill>
                   <a:srgbClr val="000000"/>
                 </a:solidFill>
@@ -16378,7 +16374,7 @@
           </a:ln>
           <a:extLst>
             <a:ext uri="{91240B29-F687-4F45-9708-019B960494DF}">
-              <a14:hiddenLine xmlns:a14="http://schemas.microsoft.com/office/drawing/2010/main" xmlns="" w="9525">
+              <a14:hiddenLine xmlns="" xmlns:a14="http://schemas.microsoft.com/office/drawing/2010/main" w="9525">
                 <a:solidFill>
                   <a:srgbClr val="000000"/>
                 </a:solidFill>
@@ -16484,7 +16480,7 @@
           </a:ln>
           <a:extLst>
             <a:ext uri="{91240B29-F687-4F45-9708-019B960494DF}">
-              <a14:hiddenLine xmlns:a14="http://schemas.microsoft.com/office/drawing/2010/main" xmlns="" w="9525">
+              <a14:hiddenLine xmlns="" xmlns:a14="http://schemas.microsoft.com/office/drawing/2010/main" w="9525">
                 <a:solidFill>
                   <a:srgbClr val="000000"/>
                 </a:solidFill>
@@ -16590,7 +16586,7 @@
           </a:ln>
           <a:extLst>
             <a:ext uri="{91240B29-F687-4F45-9708-019B960494DF}">
-              <a14:hiddenLine xmlns:a14="http://schemas.microsoft.com/office/drawing/2010/main" xmlns="" w="9525">
+              <a14:hiddenLine xmlns="" xmlns:a14="http://schemas.microsoft.com/office/drawing/2010/main" w="9525">
                 <a:solidFill>
                   <a:srgbClr val="000000"/>
                 </a:solidFill>
@@ -16696,7 +16692,7 @@
           </a:ln>
           <a:extLst>
             <a:ext uri="{91240B29-F687-4F45-9708-019B960494DF}">
-              <a14:hiddenLine xmlns:a14="http://schemas.microsoft.com/office/drawing/2010/main" xmlns="" w="9525">
+              <a14:hiddenLine xmlns="" xmlns:a14="http://schemas.microsoft.com/office/drawing/2010/main" w="9525">
                 <a:solidFill>
                   <a:srgbClr val="000000"/>
                 </a:solidFill>
@@ -16826,7 +16822,7 @@
           </a:ln>
           <a:extLst>
             <a:ext uri="{91240B29-F687-4F45-9708-019B960494DF}">
-              <a14:hiddenLine xmlns:a14="http://schemas.microsoft.com/office/drawing/2010/main" xmlns="" w="9525">
+              <a14:hiddenLine xmlns="" xmlns:a14="http://schemas.microsoft.com/office/drawing/2010/main" w="9525">
                 <a:solidFill>
                   <a:srgbClr val="000000"/>
                 </a:solidFill>
@@ -16972,7 +16968,7 @@
           </a:ln>
           <a:extLst>
             <a:ext uri="{91240B29-F687-4F45-9708-019B960494DF}">
-              <a14:hiddenLine xmlns:a14="http://schemas.microsoft.com/office/drawing/2010/main" xmlns="" w="9525">
+              <a14:hiddenLine xmlns="" xmlns:a14="http://schemas.microsoft.com/office/drawing/2010/main" w="9525">
                 <a:solidFill>
                   <a:srgbClr val="000000"/>
                 </a:solidFill>
@@ -17198,7 +17194,7 @@
           </a:ln>
           <a:extLst>
             <a:ext uri="{91240B29-F687-4F45-9708-019B960494DF}">
-              <a14:hiddenLine xmlns:a14="http://schemas.microsoft.com/office/drawing/2010/main" xmlns="" w="9525">
+              <a14:hiddenLine xmlns="" xmlns:a14="http://schemas.microsoft.com/office/drawing/2010/main" w="9525">
                 <a:solidFill>
                   <a:srgbClr val="000000"/>
                 </a:solidFill>
@@ -17544,7 +17540,7 @@
           </a:ln>
           <a:extLst>
             <a:ext uri="{91240B29-F687-4F45-9708-019B960494DF}">
-              <a14:hiddenLine xmlns:a14="http://schemas.microsoft.com/office/drawing/2010/main" xmlns="" w="9525">
+              <a14:hiddenLine xmlns="" xmlns:a14="http://schemas.microsoft.com/office/drawing/2010/main" w="9525">
                 <a:solidFill>
                   <a:srgbClr val="000000"/>
                 </a:solidFill>
@@ -17690,7 +17686,7 @@
           </a:ln>
           <a:extLst>
             <a:ext uri="{91240B29-F687-4F45-9708-019B960494DF}">
-              <a14:hiddenLine xmlns:a14="http://schemas.microsoft.com/office/drawing/2010/main" xmlns="" w="9525">
+              <a14:hiddenLine xmlns="" xmlns:a14="http://schemas.microsoft.com/office/drawing/2010/main" w="9525">
                 <a:solidFill>
                   <a:srgbClr val="000000"/>
                 </a:solidFill>
@@ -17796,7 +17792,7 @@
           </a:ln>
           <a:extLst>
             <a:ext uri="{91240B29-F687-4F45-9708-019B960494DF}">
-              <a14:hiddenLine xmlns:a14="http://schemas.microsoft.com/office/drawing/2010/main" xmlns="" w="9525">
+              <a14:hiddenLine xmlns="" xmlns:a14="http://schemas.microsoft.com/office/drawing/2010/main" w="9525">
                 <a:solidFill>
                   <a:srgbClr val="000000"/>
                 </a:solidFill>
@@ -17902,7 +17898,7 @@
           </a:ln>
           <a:extLst>
             <a:ext uri="{91240B29-F687-4F45-9708-019B960494DF}">
-              <a14:hiddenLine xmlns:a14="http://schemas.microsoft.com/office/drawing/2010/main" xmlns="" w="9525">
+              <a14:hiddenLine xmlns="" xmlns:a14="http://schemas.microsoft.com/office/drawing/2010/main" w="9525">
                 <a:solidFill>
                   <a:srgbClr val="000000"/>
                 </a:solidFill>
@@ -18008,7 +18004,7 @@
           </a:ln>
           <a:extLst>
             <a:ext uri="{91240B29-F687-4F45-9708-019B960494DF}">
-              <a14:hiddenLine xmlns:a14="http://schemas.microsoft.com/office/drawing/2010/main" xmlns="" w="9525">
+              <a14:hiddenLine xmlns="" xmlns:a14="http://schemas.microsoft.com/office/drawing/2010/main" w="9525">
                 <a:solidFill>
                   <a:srgbClr val="000000"/>
                 </a:solidFill>
@@ -18214,7 +18210,7 @@
           </a:ln>
           <a:extLst>
             <a:ext uri="{91240B29-F687-4F45-9708-019B960494DF}">
-              <a14:hiddenLine xmlns:a14="http://schemas.microsoft.com/office/drawing/2010/main" xmlns="" w="9525">
+              <a14:hiddenLine xmlns="" xmlns:a14="http://schemas.microsoft.com/office/drawing/2010/main" w="9525">
                 <a:solidFill>
                   <a:srgbClr val="000000"/>
                 </a:solidFill>
@@ -18360,7 +18356,7 @@
           </a:ln>
           <a:extLst>
             <a:ext uri="{91240B29-F687-4F45-9708-019B960494DF}">
-              <a14:hiddenLine xmlns:a14="http://schemas.microsoft.com/office/drawing/2010/main" xmlns="" w="9525">
+              <a14:hiddenLine xmlns="" xmlns:a14="http://schemas.microsoft.com/office/drawing/2010/main" w="9525">
                 <a:solidFill>
                   <a:srgbClr val="000000"/>
                 </a:solidFill>
@@ -18586,7 +18582,7 @@
           </a:ln>
           <a:extLst>
             <a:ext uri="{91240B29-F687-4F45-9708-019B960494DF}">
-              <a14:hiddenLine xmlns:a14="http://schemas.microsoft.com/office/drawing/2010/main" xmlns="" w="9525">
+              <a14:hiddenLine xmlns="" xmlns:a14="http://schemas.microsoft.com/office/drawing/2010/main" w="9525">
                 <a:solidFill>
                   <a:srgbClr val="000000"/>
                 </a:solidFill>
@@ -18932,7 +18928,7 @@
           </a:ln>
           <a:extLst>
             <a:ext uri="{91240B29-F687-4F45-9708-019B960494DF}">
-              <a14:hiddenLine xmlns:a14="http://schemas.microsoft.com/office/drawing/2010/main" xmlns="" w="9525">
+              <a14:hiddenLine xmlns="" xmlns:a14="http://schemas.microsoft.com/office/drawing/2010/main" w="9525">
                 <a:solidFill>
                   <a:srgbClr val="000000"/>
                 </a:solidFill>
@@ -19078,7 +19074,7 @@
           </a:ln>
           <a:extLst>
             <a:ext uri="{91240B29-F687-4F45-9708-019B960494DF}">
-              <a14:hiddenLine xmlns:a14="http://schemas.microsoft.com/office/drawing/2010/main" xmlns="" w="9525">
+              <a14:hiddenLine xmlns="" xmlns:a14="http://schemas.microsoft.com/office/drawing/2010/main" w="9525">
                 <a:solidFill>
                   <a:srgbClr val="000000"/>
                 </a:solidFill>
@@ -19184,7 +19180,7 @@
           </a:ln>
           <a:extLst>
             <a:ext uri="{91240B29-F687-4F45-9708-019B960494DF}">
-              <a14:hiddenLine xmlns:a14="http://schemas.microsoft.com/office/drawing/2010/main" xmlns="" w="9525">
+              <a14:hiddenLine xmlns="" xmlns:a14="http://schemas.microsoft.com/office/drawing/2010/main" w="9525">
                 <a:solidFill>
                   <a:srgbClr val="000000"/>
                 </a:solidFill>
@@ -19290,7 +19286,7 @@
           </a:ln>
           <a:extLst>
             <a:ext uri="{91240B29-F687-4F45-9708-019B960494DF}">
-              <a14:hiddenLine xmlns:a14="http://schemas.microsoft.com/office/drawing/2010/main" xmlns="" w="9525">
+              <a14:hiddenLine xmlns="" xmlns:a14="http://schemas.microsoft.com/office/drawing/2010/main" w="9525">
                 <a:solidFill>
                   <a:srgbClr val="000000"/>
                 </a:solidFill>
@@ -19396,7 +19392,7 @@
           </a:ln>
           <a:extLst>
             <a:ext uri="{91240B29-F687-4F45-9708-019B960494DF}">
-              <a14:hiddenLine xmlns:a14="http://schemas.microsoft.com/office/drawing/2010/main" xmlns="" w="9525">
+              <a14:hiddenLine xmlns="" xmlns:a14="http://schemas.microsoft.com/office/drawing/2010/main" w="9525">
                 <a:solidFill>
                   <a:srgbClr val="000000"/>
                 </a:solidFill>
@@ -19652,7 +19648,7 @@
           </a:ln>
           <a:extLst>
             <a:ext uri="{91240B29-F687-4F45-9708-019B960494DF}">
-              <a14:hiddenLine xmlns:a14="http://schemas.microsoft.com/office/drawing/2010/main" xmlns="" w="9525">
+              <a14:hiddenLine xmlns="" xmlns:a14="http://schemas.microsoft.com/office/drawing/2010/main" w="9525">
                 <a:solidFill>
                   <a:srgbClr val="000000"/>
                 </a:solidFill>
@@ -19798,7 +19794,7 @@
           </a:ln>
           <a:extLst>
             <a:ext uri="{91240B29-F687-4F45-9708-019B960494DF}">
-              <a14:hiddenLine xmlns:a14="http://schemas.microsoft.com/office/drawing/2010/main" xmlns="" w="9525">
+              <a14:hiddenLine xmlns="" xmlns:a14="http://schemas.microsoft.com/office/drawing/2010/main" w="9525">
                 <a:solidFill>
                   <a:srgbClr val="000000"/>
                 </a:solidFill>
@@ -20024,7 +20020,7 @@
           </a:ln>
           <a:extLst>
             <a:ext uri="{91240B29-F687-4F45-9708-019B960494DF}">
-              <a14:hiddenLine xmlns:a14="http://schemas.microsoft.com/office/drawing/2010/main" xmlns="" w="9525">
+              <a14:hiddenLine xmlns="" xmlns:a14="http://schemas.microsoft.com/office/drawing/2010/main" w="9525">
                 <a:solidFill>
                   <a:srgbClr val="000000"/>
                 </a:solidFill>
@@ -20370,7 +20366,7 @@
           </a:ln>
           <a:extLst>
             <a:ext uri="{91240B29-F687-4F45-9708-019B960494DF}">
-              <a14:hiddenLine xmlns:a14="http://schemas.microsoft.com/office/drawing/2010/main" xmlns="" w="9525">
+              <a14:hiddenLine xmlns="" xmlns:a14="http://schemas.microsoft.com/office/drawing/2010/main" w="9525">
                 <a:solidFill>
                   <a:srgbClr val="000000"/>
                 </a:solidFill>
@@ -20516,7 +20512,7 @@
           </a:ln>
           <a:extLst>
             <a:ext uri="{91240B29-F687-4F45-9708-019B960494DF}">
-              <a14:hiddenLine xmlns:a14="http://schemas.microsoft.com/office/drawing/2010/main" xmlns="" w="9525">
+              <a14:hiddenLine xmlns="" xmlns:a14="http://schemas.microsoft.com/office/drawing/2010/main" w="9525">
                 <a:solidFill>
                   <a:srgbClr val="000000"/>
                 </a:solidFill>
@@ -20622,7 +20618,7 @@
           </a:ln>
           <a:extLst>
             <a:ext uri="{91240B29-F687-4F45-9708-019B960494DF}">
-              <a14:hiddenLine xmlns:a14="http://schemas.microsoft.com/office/drawing/2010/main" xmlns="" w="9525">
+              <a14:hiddenLine xmlns="" xmlns:a14="http://schemas.microsoft.com/office/drawing/2010/main" w="9525">
                 <a:solidFill>
                   <a:srgbClr val="000000"/>
                 </a:solidFill>
@@ -20728,7 +20724,7 @@
           </a:ln>
           <a:extLst>
             <a:ext uri="{91240B29-F687-4F45-9708-019B960494DF}">
-              <a14:hiddenLine xmlns:a14="http://schemas.microsoft.com/office/drawing/2010/main" xmlns="" w="9525">
+              <a14:hiddenLine xmlns="" xmlns:a14="http://schemas.microsoft.com/office/drawing/2010/main" w="9525">
                 <a:solidFill>
                   <a:srgbClr val="000000"/>
                 </a:solidFill>
@@ -20834,7 +20830,7 @@
           </a:ln>
           <a:extLst>
             <a:ext uri="{91240B29-F687-4F45-9708-019B960494DF}">
-              <a14:hiddenLine xmlns:a14="http://schemas.microsoft.com/office/drawing/2010/main" xmlns="" w="9525">
+              <a14:hiddenLine xmlns="" xmlns:a14="http://schemas.microsoft.com/office/drawing/2010/main" w="9525">
                 <a:solidFill>
                   <a:srgbClr val="000000"/>
                 </a:solidFill>
@@ -21069,7 +21065,7 @@
           </a:ln>
           <a:extLst>
             <a:ext uri="{91240B29-F687-4F45-9708-019B960494DF}">
-              <a14:hiddenLine xmlns:a14="http://schemas.microsoft.com/office/drawing/2010/main" xmlns="" w="9525">
+              <a14:hiddenLine xmlns="" xmlns:a14="http://schemas.microsoft.com/office/drawing/2010/main" w="9525">
                 <a:solidFill>
                   <a:srgbClr val="000000"/>
                 </a:solidFill>
@@ -21565,7 +21561,7 @@
             </a:ln>
             <a:extLst>
               <a:ext uri="{91240B29-F687-4F45-9708-019B960494DF}">
-                <a14:hiddenLine xmlns:a14="http://schemas.microsoft.com/office/drawing/2010/main" xmlns="" w="9525">
+                <a14:hiddenLine xmlns="" xmlns:a14="http://schemas.microsoft.com/office/drawing/2010/main" w="9525">
                   <a:solidFill>
                     <a:srgbClr val="000000"/>
                   </a:solidFill>
@@ -21612,7 +21608,7 @@
             </a:ln>
             <a:extLst>
               <a:ext uri="{91240B29-F687-4F45-9708-019B960494DF}">
-                <a14:hiddenLine xmlns:a14="http://schemas.microsoft.com/office/drawing/2010/main" xmlns="" w="9525">
+                <a14:hiddenLine xmlns="" xmlns:a14="http://schemas.microsoft.com/office/drawing/2010/main" w="9525">
                   <a:solidFill>
                     <a:srgbClr val="000000"/>
                   </a:solidFill>
@@ -21828,7 +21824,7 @@
             </a:ln>
             <a:extLst>
               <a:ext uri="{91240B29-F687-4F45-9708-019B960494DF}">
-                <a14:hiddenLine xmlns:a14="http://schemas.microsoft.com/office/drawing/2010/main" xmlns="" w="9525">
+                <a14:hiddenLine xmlns="" xmlns:a14="http://schemas.microsoft.com/office/drawing/2010/main" w="9525">
                   <a:solidFill>
                     <a:srgbClr val="000000"/>
                   </a:solidFill>
@@ -21875,7 +21871,7 @@
             </a:ln>
             <a:extLst>
               <a:ext uri="{91240B29-F687-4F45-9708-019B960494DF}">
-                <a14:hiddenLine xmlns:a14="http://schemas.microsoft.com/office/drawing/2010/main" xmlns="" w="9525">
+                <a14:hiddenLine xmlns="" xmlns:a14="http://schemas.microsoft.com/office/drawing/2010/main" w="9525">
                   <a:solidFill>
                     <a:srgbClr val="000000"/>
                   </a:solidFill>
@@ -22171,7 +22167,7 @@
             </a:ln>
             <a:extLst>
               <a:ext uri="{91240B29-F687-4F45-9708-019B960494DF}">
-                <a14:hiddenLine xmlns:a14="http://schemas.microsoft.com/office/drawing/2010/main" xmlns="" w="9525">
+                <a14:hiddenLine xmlns="" xmlns:a14="http://schemas.microsoft.com/office/drawing/2010/main" w="9525">
                   <a:solidFill>
                     <a:srgbClr val="000000"/>
                   </a:solidFill>
@@ -22218,7 +22214,7 @@
             </a:ln>
             <a:extLst>
               <a:ext uri="{91240B29-F687-4F45-9708-019B960494DF}">
-                <a14:hiddenLine xmlns:a14="http://schemas.microsoft.com/office/drawing/2010/main" xmlns="" w="9525">
+                <a14:hiddenLine xmlns="" xmlns:a14="http://schemas.microsoft.com/office/drawing/2010/main" w="9525">
                   <a:solidFill>
                     <a:srgbClr val="000000"/>
                   </a:solidFill>
@@ -22384,7 +22380,7 @@
             </a:ln>
             <a:extLst>
               <a:ext uri="{91240B29-F687-4F45-9708-019B960494DF}">
-                <a14:hiddenLine xmlns:a14="http://schemas.microsoft.com/office/drawing/2010/main" xmlns="" w="9525">
+                <a14:hiddenLine xmlns="" xmlns:a14="http://schemas.microsoft.com/office/drawing/2010/main" w="9525">
                   <a:solidFill>
                     <a:srgbClr val="000000"/>
                   </a:solidFill>
@@ -22431,7 +22427,7 @@
             </a:ln>
             <a:extLst>
               <a:ext uri="{91240B29-F687-4F45-9708-019B960494DF}">
-                <a14:hiddenLine xmlns:a14="http://schemas.microsoft.com/office/drawing/2010/main" xmlns="" w="9525">
+                <a14:hiddenLine xmlns="" xmlns:a14="http://schemas.microsoft.com/office/drawing/2010/main" w="9525">
                   <a:solidFill>
                     <a:srgbClr val="000000"/>
                   </a:solidFill>
@@ -22567,7 +22563,7 @@
             </a:ln>
             <a:extLst>
               <a:ext uri="{91240B29-F687-4F45-9708-019B960494DF}">
-                <a14:hiddenLine xmlns:a14="http://schemas.microsoft.com/office/drawing/2010/main" xmlns="" w="9525">
+                <a14:hiddenLine xmlns="" xmlns:a14="http://schemas.microsoft.com/office/drawing/2010/main" w="9525">
                   <a:solidFill>
                     <a:srgbClr val="000000"/>
                   </a:solidFill>
@@ -22614,7 +22610,7 @@
             </a:ln>
             <a:extLst>
               <a:ext uri="{91240B29-F687-4F45-9708-019B960494DF}">
-                <a14:hiddenLine xmlns:a14="http://schemas.microsoft.com/office/drawing/2010/main" xmlns="" w="9525">
+                <a14:hiddenLine xmlns="" xmlns:a14="http://schemas.microsoft.com/office/drawing/2010/main" w="9525">
                   <a:solidFill>
                     <a:srgbClr val="000000"/>
                   </a:solidFill>
@@ -22770,7 +22766,7 @@
             </a:ln>
             <a:extLst>
               <a:ext uri="{91240B29-F687-4F45-9708-019B960494DF}">
-                <a14:hiddenLine xmlns:a14="http://schemas.microsoft.com/office/drawing/2010/main" xmlns="" w="9525">
+                <a14:hiddenLine xmlns="" xmlns:a14="http://schemas.microsoft.com/office/drawing/2010/main" w="9525">
                   <a:solidFill>
                     <a:srgbClr val="000000"/>
                   </a:solidFill>
@@ -22817,7 +22813,7 @@
             </a:ln>
             <a:extLst>
               <a:ext uri="{91240B29-F687-4F45-9708-019B960494DF}">
-                <a14:hiddenLine xmlns:a14="http://schemas.microsoft.com/office/drawing/2010/main" xmlns="" w="9525">
+                <a14:hiddenLine xmlns="" xmlns:a14="http://schemas.microsoft.com/office/drawing/2010/main" w="9525">
                   <a:solidFill>
                     <a:srgbClr val="000000"/>
                   </a:solidFill>
@@ -23003,7 +22999,7 @@
             </a:ln>
             <a:extLst>
               <a:ext uri="{91240B29-F687-4F45-9708-019B960494DF}">
-                <a14:hiddenLine xmlns:a14="http://schemas.microsoft.com/office/drawing/2010/main" xmlns="" w="9525">
+                <a14:hiddenLine xmlns="" xmlns:a14="http://schemas.microsoft.com/office/drawing/2010/main" w="9525">
                   <a:solidFill>
                     <a:srgbClr val="000000"/>
                   </a:solidFill>
@@ -23050,7 +23046,7 @@
             </a:ln>
             <a:extLst>
               <a:ext uri="{91240B29-F687-4F45-9708-019B960494DF}">
-                <a14:hiddenLine xmlns:a14="http://schemas.microsoft.com/office/drawing/2010/main" xmlns="" w="9525">
+                <a14:hiddenLine xmlns="" xmlns:a14="http://schemas.microsoft.com/office/drawing/2010/main" w="9525">
                   <a:solidFill>
                     <a:srgbClr val="000000"/>
                   </a:solidFill>
@@ -23256,7 +23252,7 @@
             </a:ln>
             <a:extLst>
               <a:ext uri="{91240B29-F687-4F45-9708-019B960494DF}">
-                <a14:hiddenLine xmlns:a14="http://schemas.microsoft.com/office/drawing/2010/main" xmlns="" w="9525">
+                <a14:hiddenLine xmlns="" xmlns:a14="http://schemas.microsoft.com/office/drawing/2010/main" w="9525">
                   <a:solidFill>
                     <a:srgbClr val="000000"/>
                   </a:solidFill>
@@ -23303,7 +23299,7 @@
             </a:ln>
             <a:extLst>
               <a:ext uri="{91240B29-F687-4F45-9708-019B960494DF}">
-                <a14:hiddenLine xmlns:a14="http://schemas.microsoft.com/office/drawing/2010/main" xmlns="" w="9525">
+                <a14:hiddenLine xmlns="" xmlns:a14="http://schemas.microsoft.com/office/drawing/2010/main" w="9525">
                   <a:solidFill>
                     <a:srgbClr val="000000"/>
                   </a:solidFill>
@@ -23499,7 +23495,7 @@
             </a:ln>
             <a:extLst>
               <a:ext uri="{91240B29-F687-4F45-9708-019B960494DF}">
-                <a14:hiddenLine xmlns:a14="http://schemas.microsoft.com/office/drawing/2010/main" xmlns="" w="9525">
+                <a14:hiddenLine xmlns="" xmlns:a14="http://schemas.microsoft.com/office/drawing/2010/main" w="9525">
                   <a:solidFill>
                     <a:srgbClr val="000000"/>
                   </a:solidFill>
@@ -23546,7 +23542,7 @@
             </a:ln>
             <a:extLst>
               <a:ext uri="{91240B29-F687-4F45-9708-019B960494DF}">
-                <a14:hiddenLine xmlns:a14="http://schemas.microsoft.com/office/drawing/2010/main" xmlns="" w="9525">
+                <a14:hiddenLine xmlns="" xmlns:a14="http://schemas.microsoft.com/office/drawing/2010/main" w="9525">
                   <a:solidFill>
                     <a:srgbClr val="000000"/>
                   </a:solidFill>
@@ -24357,7 +24353,7 @@
             </a:ln>
             <a:extLst>
               <a:ext uri="{91240B29-F687-4F45-9708-019B960494DF}">
-                <a14:hiddenLine xmlns:a14="http://schemas.microsoft.com/office/drawing/2010/main" xmlns="" w="9525">
+                <a14:hiddenLine xmlns="" xmlns:a14="http://schemas.microsoft.com/office/drawing/2010/main" w="9525">
                   <a:solidFill>
                     <a:srgbClr val="000000"/>
                   </a:solidFill>
@@ -25058,7 +25054,7 @@
           </a:ln>
           <a:extLst>
             <a:ext uri="{91240B29-F687-4F45-9708-019B960494DF}">
-              <a14:hiddenLine xmlns:a14="http://schemas.microsoft.com/office/drawing/2010/main" xmlns="" w="9525">
+              <a14:hiddenLine xmlns="" xmlns:a14="http://schemas.microsoft.com/office/drawing/2010/main" w="9525">
                 <a:solidFill>
                   <a:srgbClr val="000000"/>
                 </a:solidFill>
@@ -25518,7 +25514,7 @@
           </a:ln>
           <a:extLst>
             <a:ext uri="{91240B29-F687-4F45-9708-019B960494DF}">
-              <a14:hiddenLine xmlns:a14="http://schemas.microsoft.com/office/drawing/2010/main" xmlns="" w="9525">
+              <a14:hiddenLine xmlns="" xmlns:a14="http://schemas.microsoft.com/office/drawing/2010/main" w="9525">
                 <a:solidFill>
                   <a:srgbClr val="000000"/>
                 </a:solidFill>
@@ -25676,7 +25672,7 @@
             </a:ln>
             <a:extLst>
               <a:ext uri="{91240B29-F687-4F45-9708-019B960494DF}">
-                <a14:hiddenLine xmlns:a14="http://schemas.microsoft.com/office/drawing/2010/main" xmlns="" w="9525">
+                <a14:hiddenLine xmlns="" xmlns:a14="http://schemas.microsoft.com/office/drawing/2010/main" w="9525">
                   <a:solidFill>
                     <a:srgbClr val="000000"/>
                   </a:solidFill>
@@ -25937,7 +25933,7 @@
             </a:ln>
             <a:extLst>
               <a:ext uri="{91240B29-F687-4F45-9708-019B960494DF}">
-                <a14:hiddenLine xmlns:a14="http://schemas.microsoft.com/office/drawing/2010/main" xmlns="" w="9525">
+                <a14:hiddenLine xmlns="" xmlns:a14="http://schemas.microsoft.com/office/drawing/2010/main" w="9525">
                   <a:solidFill>
                     <a:srgbClr val="000000"/>
                   </a:solidFill>
@@ -26128,7 +26124,7 @@
             </a:ln>
             <a:extLst>
               <a:ext uri="{91240B29-F687-4F45-9708-019B960494DF}">
-                <a14:hiddenLine xmlns:a14="http://schemas.microsoft.com/office/drawing/2010/main" xmlns="" w="9525">
+                <a14:hiddenLine xmlns="" xmlns:a14="http://schemas.microsoft.com/office/drawing/2010/main" w="9525">
                   <a:solidFill>
                     <a:srgbClr val="000000"/>
                   </a:solidFill>
@@ -26389,7 +26385,7 @@
             </a:ln>
             <a:extLst>
               <a:ext uri="{91240B29-F687-4F45-9708-019B960494DF}">
-                <a14:hiddenLine xmlns:a14="http://schemas.microsoft.com/office/drawing/2010/main" xmlns="" w="9525">
+                <a14:hiddenLine xmlns="" xmlns:a14="http://schemas.microsoft.com/office/drawing/2010/main" w="9525">
                   <a:solidFill>
                     <a:srgbClr val="000000"/>
                   </a:solidFill>
@@ -26650,7 +26646,7 @@
             </a:ln>
             <a:extLst>
               <a:ext uri="{91240B29-F687-4F45-9708-019B960494DF}">
-                <a14:hiddenLine xmlns:a14="http://schemas.microsoft.com/office/drawing/2010/main" xmlns="" w="9525">
+                <a14:hiddenLine xmlns="" xmlns:a14="http://schemas.microsoft.com/office/drawing/2010/main" w="9525">
                   <a:solidFill>
                     <a:srgbClr val="000000"/>
                   </a:solidFill>
@@ -26964,7 +26960,7 @@
             </a:ln>
             <a:extLst>
               <a:ext uri="{91240B29-F687-4F45-9708-019B960494DF}">
-                <a14:hiddenLine xmlns:a14="http://schemas.microsoft.com/office/drawing/2010/main" xmlns="" w="9525">
+                <a14:hiddenLine xmlns="" xmlns:a14="http://schemas.microsoft.com/office/drawing/2010/main" w="9525">
                   <a:solidFill>
                     <a:srgbClr val="000000"/>
                   </a:solidFill>
@@ -27119,7 +27115,7 @@
             </a:ln>
             <a:extLst>
               <a:ext uri="{91240B29-F687-4F45-9708-019B960494DF}">
-                <a14:hiddenLine xmlns:a14="http://schemas.microsoft.com/office/drawing/2010/main" xmlns="" w="9525">
+                <a14:hiddenLine xmlns="" xmlns:a14="http://schemas.microsoft.com/office/drawing/2010/main" w="9525">
                   <a:solidFill>
                     <a:srgbClr val="000000"/>
                   </a:solidFill>
@@ -27313,7 +27309,7 @@
             </a:ln>
             <a:extLst>
               <a:ext uri="{91240B29-F687-4F45-9708-019B960494DF}">
-                <a14:hiddenLine xmlns:a14="http://schemas.microsoft.com/office/drawing/2010/main" xmlns="" w="9525">
+                <a14:hiddenLine xmlns="" xmlns:a14="http://schemas.microsoft.com/office/drawing/2010/main" w="9525">
                   <a:solidFill>
                     <a:srgbClr val="000000"/>
                   </a:solidFill>
@@ -27504,7 +27500,7 @@
             </a:ln>
             <a:extLst>
               <a:ext uri="{91240B29-F687-4F45-9708-019B960494DF}">
-                <a14:hiddenLine xmlns:a14="http://schemas.microsoft.com/office/drawing/2010/main" xmlns="" w="9525">
+                <a14:hiddenLine xmlns="" xmlns:a14="http://schemas.microsoft.com/office/drawing/2010/main" w="9525">
                   <a:solidFill>
                     <a:srgbClr val="000000"/>
                   </a:solidFill>
@@ -27697,7 +27693,7 @@
             </a:ln>
             <a:extLst>
               <a:ext uri="{91240B29-F687-4F45-9708-019B960494DF}">
-                <a14:hiddenLine xmlns:a14="http://schemas.microsoft.com/office/drawing/2010/main" xmlns="" w="9525">
+                <a14:hiddenLine xmlns="" xmlns:a14="http://schemas.microsoft.com/office/drawing/2010/main" w="9525">
                   <a:solidFill>
                     <a:srgbClr val="000000"/>
                   </a:solidFill>
@@ -27823,7 +27819,7 @@
             </a:ln>
             <a:extLst>
               <a:ext uri="{91240B29-F687-4F45-9708-019B960494DF}">
-                <a14:hiddenLine xmlns:a14="http://schemas.microsoft.com/office/drawing/2010/main" xmlns="" w="9525">
+                <a14:hiddenLine xmlns="" xmlns:a14="http://schemas.microsoft.com/office/drawing/2010/main" w="9525">
                   <a:solidFill>
                     <a:srgbClr val="000000"/>
                   </a:solidFill>
@@ -27939,7 +27935,7 @@
             </a:ln>
             <a:extLst>
               <a:ext uri="{91240B29-F687-4F45-9708-019B960494DF}">
-                <a14:hiddenLine xmlns:a14="http://schemas.microsoft.com/office/drawing/2010/main" xmlns="" w="9525">
+                <a14:hiddenLine xmlns="" xmlns:a14="http://schemas.microsoft.com/office/drawing/2010/main" w="9525">
                   <a:solidFill>
                     <a:srgbClr val="000000"/>
                   </a:solidFill>
@@ -28075,7 +28071,7 @@
             </a:ln>
             <a:extLst>
               <a:ext uri="{91240B29-F687-4F45-9708-019B960494DF}">
-                <a14:hiddenLine xmlns:a14="http://schemas.microsoft.com/office/drawing/2010/main" xmlns="" w="9525">
+                <a14:hiddenLine xmlns="" xmlns:a14="http://schemas.microsoft.com/office/drawing/2010/main" w="9525">
                   <a:solidFill>
                     <a:srgbClr val="000000"/>
                   </a:solidFill>
@@ -28137,7 +28133,7 @@
             </a:ln>
             <a:extLst>
               <a:ext uri="{91240B29-F687-4F45-9708-019B960494DF}">
-                <a14:hiddenLine xmlns:a14="http://schemas.microsoft.com/office/drawing/2010/main" xmlns="" w="9525">
+                <a14:hiddenLine xmlns="" xmlns:a14="http://schemas.microsoft.com/office/drawing/2010/main" w="9525">
                   <a:solidFill>
                     <a:srgbClr val="000000"/>
                   </a:solidFill>
@@ -28298,7 +28294,7 @@
             </a:ln>
             <a:extLst>
               <a:ext uri="{91240B29-F687-4F45-9708-019B960494DF}">
-                <a14:hiddenLine xmlns:a14="http://schemas.microsoft.com/office/drawing/2010/main" xmlns="" w="9525">
+                <a14:hiddenLine xmlns="" xmlns:a14="http://schemas.microsoft.com/office/drawing/2010/main" w="9525">
                   <a:solidFill>
                     <a:srgbClr val="000000"/>
                   </a:solidFill>
@@ -28414,7 +28410,7 @@
             </a:ln>
             <a:extLst>
               <a:ext uri="{91240B29-F687-4F45-9708-019B960494DF}">
-                <a14:hiddenLine xmlns:a14="http://schemas.microsoft.com/office/drawing/2010/main" xmlns="" w="9525">
+                <a14:hiddenLine xmlns="" xmlns:a14="http://schemas.microsoft.com/office/drawing/2010/main" w="9525">
                   <a:solidFill>
                     <a:srgbClr val="000000"/>
                   </a:solidFill>
@@ -28520,7 +28516,7 @@
             </a:ln>
             <a:extLst>
               <a:ext uri="{91240B29-F687-4F45-9708-019B960494DF}">
-                <a14:hiddenLine xmlns:a14="http://schemas.microsoft.com/office/drawing/2010/main" xmlns="" w="9525">
+                <a14:hiddenLine xmlns="" xmlns:a14="http://schemas.microsoft.com/office/drawing/2010/main" w="9525">
                   <a:solidFill>
                     <a:srgbClr val="000000"/>
                   </a:solidFill>
@@ -28675,7 +28671,7 @@
             </a:ln>
             <a:extLst>
               <a:ext uri="{91240B29-F687-4F45-9708-019B960494DF}">
-                <a14:hiddenLine xmlns:a14="http://schemas.microsoft.com/office/drawing/2010/main" xmlns="" w="9525">
+                <a14:hiddenLine xmlns="" xmlns:a14="http://schemas.microsoft.com/office/drawing/2010/main" w="9525">
                   <a:solidFill>
                     <a:srgbClr val="000000"/>
                   </a:solidFill>
@@ -28809,7 +28805,7 @@
             </a:ln>
             <a:extLst>
               <a:ext uri="{91240B29-F687-4F45-9708-019B960494DF}">
-                <a14:hiddenLine xmlns:a14="http://schemas.microsoft.com/office/drawing/2010/main" xmlns="" w="9525">
+                <a14:hiddenLine xmlns="" xmlns:a14="http://schemas.microsoft.com/office/drawing/2010/main" w="9525">
                   <a:solidFill>
                     <a:srgbClr val="000000"/>
                   </a:solidFill>
@@ -28856,7 +28852,7 @@
             </a:ln>
             <a:extLst>
               <a:ext uri="{91240B29-F687-4F45-9708-019B960494DF}">
-                <a14:hiddenLine xmlns:a14="http://schemas.microsoft.com/office/drawing/2010/main" xmlns="" w="9525">
+                <a14:hiddenLine xmlns="" xmlns:a14="http://schemas.microsoft.com/office/drawing/2010/main" w="9525">
                   <a:solidFill>
                     <a:srgbClr val="000000"/>
                   </a:solidFill>
@@ -29204,7 +29200,7 @@
             </a:ln>
             <a:extLst>
               <a:ext uri="{91240B29-F687-4F45-9708-019B960494DF}">
-                <a14:hiddenLine xmlns:a14="http://schemas.microsoft.com/office/drawing/2010/main" xmlns="" w="9525">
+                <a14:hiddenLine xmlns="" xmlns:a14="http://schemas.microsoft.com/office/drawing/2010/main" w="9525">
                   <a:solidFill>
                     <a:srgbClr val="000000"/>
                   </a:solidFill>
@@ -29400,7 +29396,7 @@
             </a:ln>
             <a:extLst>
               <a:ext uri="{91240B29-F687-4F45-9708-019B960494DF}">
-                <a14:hiddenLine xmlns:a14="http://schemas.microsoft.com/office/drawing/2010/main" xmlns="" w="9525">
+                <a14:hiddenLine xmlns="" xmlns:a14="http://schemas.microsoft.com/office/drawing/2010/main" w="9525">
                   <a:solidFill>
                     <a:srgbClr val="000000"/>
                   </a:solidFill>
@@ -29555,7 +29551,7 @@
             </a:ln>
             <a:extLst>
               <a:ext uri="{91240B29-F687-4F45-9708-019B960494DF}">
-                <a14:hiddenLine xmlns:a14="http://schemas.microsoft.com/office/drawing/2010/main" xmlns="" w="9525">
+                <a14:hiddenLine xmlns="" xmlns:a14="http://schemas.microsoft.com/office/drawing/2010/main" w="9525">
                   <a:solidFill>
                     <a:srgbClr val="000000"/>
                   </a:solidFill>
@@ -29769,7 +29765,7 @@
             </a:ln>
             <a:extLst>
               <a:ext uri="{91240B29-F687-4F45-9708-019B960494DF}">
-                <a14:hiddenLine xmlns:a14="http://schemas.microsoft.com/office/drawing/2010/main" xmlns="" w="9525">
+                <a14:hiddenLine xmlns="" xmlns:a14="http://schemas.microsoft.com/office/drawing/2010/main" w="9525">
                   <a:solidFill>
                     <a:srgbClr val="000000"/>
                   </a:solidFill>
@@ -29816,7 +29812,7 @@
             </a:ln>
             <a:extLst>
               <a:ext uri="{91240B29-F687-4F45-9708-019B960494DF}">
-                <a14:hiddenLine xmlns:a14="http://schemas.microsoft.com/office/drawing/2010/main" xmlns="" w="9525">
+                <a14:hiddenLine xmlns="" xmlns:a14="http://schemas.microsoft.com/office/drawing/2010/main" w="9525">
                   <a:solidFill>
                     <a:srgbClr val="000000"/>
                   </a:solidFill>
@@ -30443,7 +30439,7 @@
             </a:ln>
             <a:extLst>
               <a:ext uri="{91240B29-F687-4F45-9708-019B960494DF}">
-                <a14:hiddenLine xmlns:a14="http://schemas.microsoft.com/office/drawing/2010/main" xmlns="" w="9525">
+                <a14:hiddenLine xmlns="" xmlns:a14="http://schemas.microsoft.com/office/drawing/2010/main" w="9525">
                   <a:solidFill>
                     <a:srgbClr val="000000"/>
                   </a:solidFill>
@@ -31027,7 +31023,7 @@
             </a:ln>
             <a:extLst>
               <a:ext uri="{91240B29-F687-4F45-9708-019B960494DF}">
-                <a14:hiddenLine xmlns:a14="http://schemas.microsoft.com/office/drawing/2010/main" xmlns="" w="9525">
+                <a14:hiddenLine xmlns="" xmlns:a14="http://schemas.microsoft.com/office/drawing/2010/main" w="9525">
                   <a:solidFill>
                     <a:srgbClr val="000000"/>
                   </a:solidFill>
@@ -31182,7 +31178,7 @@
             </a:ln>
             <a:extLst>
               <a:ext uri="{91240B29-F687-4F45-9708-019B960494DF}">
-                <a14:hiddenLine xmlns:a14="http://schemas.microsoft.com/office/drawing/2010/main" xmlns="" w="9525">
+                <a14:hiddenLine xmlns="" xmlns:a14="http://schemas.microsoft.com/office/drawing/2010/main" w="9525">
                   <a:solidFill>
                     <a:srgbClr val="000000"/>
                   </a:solidFill>
@@ -31366,7 +31362,7 @@
             </a:ln>
             <a:extLst>
               <a:ext uri="{91240B29-F687-4F45-9708-019B960494DF}">
-                <a14:hiddenLine xmlns:a14="http://schemas.microsoft.com/office/drawing/2010/main" xmlns="" w="9525">
+                <a14:hiddenLine xmlns="" xmlns:a14="http://schemas.microsoft.com/office/drawing/2010/main" w="9525">
                   <a:solidFill>
                     <a:srgbClr val="000000"/>
                   </a:solidFill>
@@ -31413,7 +31409,7 @@
             </a:ln>
             <a:extLst>
               <a:ext uri="{91240B29-F687-4F45-9708-019B960494DF}">
-                <a14:hiddenLine xmlns:a14="http://schemas.microsoft.com/office/drawing/2010/main" xmlns="" w="9525">
+                <a14:hiddenLine xmlns="" xmlns:a14="http://schemas.microsoft.com/office/drawing/2010/main" w="9525">
                   <a:solidFill>
                     <a:srgbClr val="000000"/>
                   </a:solidFill>
@@ -31583,7 +31579,7 @@
             </a:ln>
             <a:extLst>
               <a:ext uri="{91240B29-F687-4F45-9708-019B960494DF}">
-                <a14:hiddenLine xmlns:a14="http://schemas.microsoft.com/office/drawing/2010/main" xmlns="" w="9525">
+                <a14:hiddenLine xmlns="" xmlns:a14="http://schemas.microsoft.com/office/drawing/2010/main" w="9525">
                   <a:solidFill>
                     <a:srgbClr val="000000"/>
                   </a:solidFill>
@@ -31749,7 +31745,7 @@
             </a:ln>
             <a:extLst>
               <a:ext uri="{91240B29-F687-4F45-9708-019B960494DF}">
-                <a14:hiddenLine xmlns:a14="http://schemas.microsoft.com/office/drawing/2010/main" xmlns="" w="9525">
+                <a14:hiddenLine xmlns="" xmlns:a14="http://schemas.microsoft.com/office/drawing/2010/main" w="9525">
                   <a:solidFill>
                     <a:srgbClr val="000000"/>
                   </a:solidFill>
@@ -31873,7 +31869,7 @@
             </a:ln>
             <a:extLst>
               <a:ext uri="{91240B29-F687-4F45-9708-019B960494DF}">
-                <a14:hiddenLine xmlns:a14="http://schemas.microsoft.com/office/drawing/2010/main" xmlns="" w="9525">
+                <a14:hiddenLine xmlns="" xmlns:a14="http://schemas.microsoft.com/office/drawing/2010/main" w="9525">
                   <a:solidFill>
                     <a:srgbClr val="000000"/>
                   </a:solidFill>
@@ -31997,7 +31993,7 @@
             </a:ln>
             <a:extLst>
               <a:ext uri="{91240B29-F687-4F45-9708-019B960494DF}">
-                <a14:hiddenLine xmlns:a14="http://schemas.microsoft.com/office/drawing/2010/main" xmlns="" w="9525">
+                <a14:hiddenLine xmlns="" xmlns:a14="http://schemas.microsoft.com/office/drawing/2010/main" w="9525">
                   <a:solidFill>
                     <a:srgbClr val="000000"/>
                   </a:solidFill>
@@ -32121,7 +32117,7 @@
             </a:ln>
             <a:extLst>
               <a:ext uri="{91240B29-F687-4F45-9708-019B960494DF}">
-                <a14:hiddenLine xmlns:a14="http://schemas.microsoft.com/office/drawing/2010/main" xmlns="" w="9525">
+                <a14:hiddenLine xmlns="" xmlns:a14="http://schemas.microsoft.com/office/drawing/2010/main" w="9525">
                   <a:solidFill>
                     <a:srgbClr val="000000"/>
                   </a:solidFill>
@@ -32245,7 +32241,7 @@
             </a:ln>
             <a:extLst>
               <a:ext uri="{91240B29-F687-4F45-9708-019B960494DF}">
-                <a14:hiddenLine xmlns:a14="http://schemas.microsoft.com/office/drawing/2010/main" xmlns="" w="9525">
+                <a14:hiddenLine xmlns="" xmlns:a14="http://schemas.microsoft.com/office/drawing/2010/main" w="9525">
                   <a:solidFill>
                     <a:srgbClr val="000000"/>
                   </a:solidFill>
@@ -32400,7 +32396,7 @@
             </a:ln>
             <a:extLst>
               <a:ext uri="{91240B29-F687-4F45-9708-019B960494DF}">
-                <a14:hiddenLine xmlns:a14="http://schemas.microsoft.com/office/drawing/2010/main" xmlns="" w="9525">
+                <a14:hiddenLine xmlns="" xmlns:a14="http://schemas.microsoft.com/office/drawing/2010/main" w="9525">
                   <a:solidFill>
                     <a:srgbClr val="000000"/>
                   </a:solidFill>
@@ -32587,7 +32583,7 @@
             </a:ln>
             <a:extLst>
               <a:ext uri="{91240B29-F687-4F45-9708-019B960494DF}">
-                <a14:hiddenLine xmlns:a14="http://schemas.microsoft.com/office/drawing/2010/main" xmlns="" w="9525">
+                <a14:hiddenLine xmlns="" xmlns:a14="http://schemas.microsoft.com/office/drawing/2010/main" w="9525">
                   <a:solidFill>
                     <a:srgbClr val="000000"/>
                   </a:solidFill>
@@ -32634,7 +32630,7 @@
             </a:ln>
             <a:extLst>
               <a:ext uri="{91240B29-F687-4F45-9708-019B960494DF}">
-                <a14:hiddenLine xmlns:a14="http://schemas.microsoft.com/office/drawing/2010/main" xmlns="" w="9525">
+                <a14:hiddenLine xmlns="" xmlns:a14="http://schemas.microsoft.com/office/drawing/2010/main" w="9525">
                   <a:solidFill>
                     <a:srgbClr val="000000"/>
                   </a:solidFill>
@@ -32696,7 +32692,7 @@
             </a:ln>
             <a:extLst>
               <a:ext uri="{91240B29-F687-4F45-9708-019B960494DF}">
-                <a14:hiddenLine xmlns:a14="http://schemas.microsoft.com/office/drawing/2010/main" xmlns="" w="9525">
+                <a14:hiddenLine xmlns="" xmlns:a14="http://schemas.microsoft.com/office/drawing/2010/main" w="9525">
                   <a:solidFill>
                     <a:srgbClr val="000000"/>
                   </a:solidFill>
@@ -32822,7 +32818,7 @@
             </a:ln>
             <a:extLst>
               <a:ext uri="{91240B29-F687-4F45-9708-019B960494DF}">
-                <a14:hiddenLine xmlns:a14="http://schemas.microsoft.com/office/drawing/2010/main" xmlns="" w="9525">
+                <a14:hiddenLine xmlns="" xmlns:a14="http://schemas.microsoft.com/office/drawing/2010/main" w="9525">
                   <a:solidFill>
                     <a:srgbClr val="000000"/>
                   </a:solidFill>
@@ -33068,7 +33064,7 @@
             </a:ln>
             <a:extLst>
               <a:ext uri="{91240B29-F687-4F45-9708-019B960494DF}">
-                <a14:hiddenLine xmlns:a14="http://schemas.microsoft.com/office/drawing/2010/main" xmlns="" w="9525">
+                <a14:hiddenLine xmlns="" xmlns:a14="http://schemas.microsoft.com/office/drawing/2010/main" w="9525">
                   <a:solidFill>
                     <a:srgbClr val="000000"/>
                   </a:solidFill>
@@ -33223,7 +33219,7 @@
             </a:ln>
             <a:extLst>
               <a:ext uri="{91240B29-F687-4F45-9708-019B960494DF}">
-                <a14:hiddenLine xmlns:a14="http://schemas.microsoft.com/office/drawing/2010/main" xmlns="" w="9525">
+                <a14:hiddenLine xmlns="" xmlns:a14="http://schemas.microsoft.com/office/drawing/2010/main" w="9525">
                   <a:solidFill>
                     <a:srgbClr val="000000"/>
                   </a:solidFill>
@@ -33437,7 +33433,7 @@
             </a:ln>
             <a:extLst>
               <a:ext uri="{91240B29-F687-4F45-9708-019B960494DF}">
-                <a14:hiddenLine xmlns:a14="http://schemas.microsoft.com/office/drawing/2010/main" xmlns="" w="9525">
+                <a14:hiddenLine xmlns="" xmlns:a14="http://schemas.microsoft.com/office/drawing/2010/main" w="9525">
                   <a:solidFill>
                     <a:srgbClr val="000000"/>
                   </a:solidFill>
@@ -34545,7 +34541,7 @@
             <a:effectLst/>
             <a:extLst>
               <a:ext uri="{91240B29-F687-4F45-9708-019B960494DF}">
-                <a14:hiddenLine xmlns:a14="http://schemas.microsoft.com/office/drawing/2010/main" xmlns="" w="9525">
+                <a14:hiddenLine xmlns="" xmlns:a14="http://schemas.microsoft.com/office/drawing/2010/main" w="9525">
                   <a:solidFill>
                     <a:srgbClr val="000000"/>
                   </a:solidFill>
@@ -34658,7 +34654,7 @@
             </a:effectLst>
             <a:extLst>
               <a:ext uri="{91240B29-F687-4F45-9708-019B960494DF}">
-                <a14:hiddenLine xmlns:a14="http://schemas.microsoft.com/office/drawing/2010/main" xmlns="" w="9525">
+                <a14:hiddenLine xmlns="" xmlns:a14="http://schemas.microsoft.com/office/drawing/2010/main" w="9525">
                   <a:solidFill>
                     <a:srgbClr val="000000"/>
                   </a:solidFill>
@@ -34771,7 +34767,7 @@
             </a:effectLst>
             <a:extLst>
               <a:ext uri="{91240B29-F687-4F45-9708-019B960494DF}">
-                <a14:hiddenLine xmlns:a14="http://schemas.microsoft.com/office/drawing/2010/main" xmlns="" w="9525">
+                <a14:hiddenLine xmlns="" xmlns:a14="http://schemas.microsoft.com/office/drawing/2010/main" w="9525">
                   <a:solidFill>
                     <a:srgbClr val="000000"/>
                   </a:solidFill>
@@ -34884,7 +34880,7 @@
             </a:effectLst>
             <a:extLst>
               <a:ext uri="{91240B29-F687-4F45-9708-019B960494DF}">
-                <a14:hiddenLine xmlns:a14="http://schemas.microsoft.com/office/drawing/2010/main" xmlns="" w="9525">
+                <a14:hiddenLine xmlns="" xmlns:a14="http://schemas.microsoft.com/office/drawing/2010/main" w="9525">
                   <a:solidFill>
                     <a:srgbClr val="000000"/>
                   </a:solidFill>
@@ -35860,7 +35856,7 @@
           </a:ln>
           <a:extLst>
             <a:ext uri="{91240B29-F687-4F45-9708-019B960494DF}">
-              <a14:hiddenLine xmlns:a14="http://schemas.microsoft.com/office/drawing/2010/main" xmlns="" w="9525">
+              <a14:hiddenLine xmlns="" xmlns:a14="http://schemas.microsoft.com/office/drawing/2010/main" w="9525">
                 <a:solidFill>
                   <a:srgbClr val="000000"/>
                 </a:solidFill>
@@ -36186,7 +36182,7 @@
           </a:ln>
           <a:extLst>
             <a:ext uri="{91240B29-F687-4F45-9708-019B960494DF}">
-              <a14:hiddenLine xmlns:a14="http://schemas.microsoft.com/office/drawing/2010/main" xmlns="" w="9525">
+              <a14:hiddenLine xmlns="" xmlns:a14="http://schemas.microsoft.com/office/drawing/2010/main" w="9525">
                 <a:solidFill>
                   <a:srgbClr val="000000"/>
                 </a:solidFill>
@@ -36352,7 +36348,7 @@
           </a:ln>
           <a:extLst>
             <a:ext uri="{91240B29-F687-4F45-9708-019B960494DF}">
-              <a14:hiddenLine xmlns:a14="http://schemas.microsoft.com/office/drawing/2010/main" xmlns="" w="9525">
+              <a14:hiddenLine xmlns="" xmlns:a14="http://schemas.microsoft.com/office/drawing/2010/main" w="9525">
                 <a:solidFill>
                   <a:srgbClr val="000000"/>
                 </a:solidFill>
@@ -36508,7 +36504,7 @@
           </a:ln>
           <a:extLst>
             <a:ext uri="{91240B29-F687-4F45-9708-019B960494DF}">
-              <a14:hiddenLine xmlns:a14="http://schemas.microsoft.com/office/drawing/2010/main" xmlns="" w="9525">
+              <a14:hiddenLine xmlns="" xmlns:a14="http://schemas.microsoft.com/office/drawing/2010/main" w="9525">
                 <a:solidFill>
                   <a:srgbClr val="000000"/>
                 </a:solidFill>
@@ -36638,7 +36634,7 @@
           </a:ln>
           <a:extLst>
             <a:ext uri="{91240B29-F687-4F45-9708-019B960494DF}">
-              <a14:hiddenLine xmlns:a14="http://schemas.microsoft.com/office/drawing/2010/main" xmlns="" w="9525">
+              <a14:hiddenLine xmlns="" xmlns:a14="http://schemas.microsoft.com/office/drawing/2010/main" w="9525">
                 <a:solidFill>
                   <a:srgbClr val="000000"/>
                 </a:solidFill>
@@ -36884,7 +36880,7 @@
           </a:ln>
           <a:extLst>
             <a:ext uri="{91240B29-F687-4F45-9708-019B960494DF}">
-              <a14:hiddenLine xmlns:a14="http://schemas.microsoft.com/office/drawing/2010/main" xmlns="" w="9525">
+              <a14:hiddenLine xmlns="" xmlns:a14="http://schemas.microsoft.com/office/drawing/2010/main" w="9525">
                 <a:solidFill>
                   <a:srgbClr val="000000"/>
                 </a:solidFill>
@@ -37240,7 +37236,7 @@
           </a:ln>
           <a:extLst>
             <a:ext uri="{91240B29-F687-4F45-9708-019B960494DF}">
-              <a14:hiddenLine xmlns:a14="http://schemas.microsoft.com/office/drawing/2010/main" xmlns="" w="9525">
+              <a14:hiddenLine xmlns="" xmlns:a14="http://schemas.microsoft.com/office/drawing/2010/main" w="9525">
                 <a:solidFill>
                   <a:srgbClr val="000000"/>
                 </a:solidFill>
@@ -37443,7 +37439,7 @@
           </a:ln>
           <a:extLst>
             <a:ext uri="{91240B29-F687-4F45-9708-019B960494DF}">
-              <a14:hiddenLine xmlns:a14="http://schemas.microsoft.com/office/drawing/2010/main" xmlns="" w="9525">
+              <a14:hiddenLine xmlns="" xmlns:a14="http://schemas.microsoft.com/office/drawing/2010/main" w="9525">
                 <a:solidFill>
                   <a:srgbClr val="000000"/>
                 </a:solidFill>
@@ -38139,7 +38135,7 @@
           </a:ln>
           <a:extLst>
             <a:ext uri="{91240B29-F687-4F45-9708-019B960494DF}">
-              <a14:hiddenLine xmlns:a14="http://schemas.microsoft.com/office/drawing/2010/main" xmlns="" w="9525">
+              <a14:hiddenLine xmlns="" xmlns:a14="http://schemas.microsoft.com/office/drawing/2010/main" w="9525">
                 <a:solidFill>
                   <a:srgbClr val="000000"/>
                 </a:solidFill>
@@ -38533,7 +38529,7 @@
           </a:ln>
           <a:extLst>
             <a:ext uri="{91240B29-F687-4F45-9708-019B960494DF}">
-              <a14:hiddenLine xmlns:a14="http://schemas.microsoft.com/office/drawing/2010/main" xmlns="" w="9525">
+              <a14:hiddenLine xmlns="" xmlns:a14="http://schemas.microsoft.com/office/drawing/2010/main" w="9525">
                 <a:solidFill>
                   <a:srgbClr val="000000"/>
                 </a:solidFill>
@@ -39138,7 +39134,7 @@
           </a:ln>
           <a:extLst>
             <a:ext uri="{91240B29-F687-4F45-9708-019B960494DF}">
-              <a14:hiddenLine xmlns:a14="http://schemas.microsoft.com/office/drawing/2010/main" xmlns="" w="9525">
+              <a14:hiddenLine xmlns="" xmlns:a14="http://schemas.microsoft.com/office/drawing/2010/main" w="9525">
                 <a:solidFill>
                   <a:srgbClr val="000000"/>
                 </a:solidFill>
@@ -39579,7 +39575,7 @@
           </a:ln>
           <a:extLst>
             <a:ext uri="{91240B29-F687-4F45-9708-019B960494DF}">
-              <a14:hiddenLine xmlns:a14="http://schemas.microsoft.com/office/drawing/2010/main" xmlns="" w="9525">
+              <a14:hiddenLine xmlns="" xmlns:a14="http://schemas.microsoft.com/office/drawing/2010/main" w="9525">
                 <a:solidFill>
                   <a:srgbClr val="000000"/>
                 </a:solidFill>
@@ -40363,14 +40359,14 @@
           </a:ln>
           <a:extLst>
             <a:ext uri="{909E8E84-426E-40DD-AFC4-6F175D3DCCD1}">
-              <a14:hiddenFill xmlns="" xmlns:a14="http://schemas.microsoft.com/office/drawing/2010/main">
+              <a14:hiddenFill xmlns:a14="http://schemas.microsoft.com/office/drawing/2010/main" xmlns="">
                 <a:solidFill>
                   <a:srgbClr val="FFFFFF"/>
                 </a:solidFill>
               </a14:hiddenFill>
             </a:ext>
             <a:ext uri="{91240B29-F687-4F45-9708-019B960494DF}">
-              <a14:hiddenLine xmlns="" xmlns:a14="http://schemas.microsoft.com/office/drawing/2010/main" w="9525">
+              <a14:hiddenLine xmlns:a14="http://schemas.microsoft.com/office/drawing/2010/main" xmlns="" w="9525">
                 <a:solidFill>
                   <a:srgbClr val="000000"/>
                 </a:solidFill>
@@ -40473,14 +40469,14 @@
           </a:ln>
           <a:extLst>
             <a:ext uri="{909E8E84-426E-40DD-AFC4-6F175D3DCCD1}">
-              <a14:hiddenFill xmlns="" xmlns:a14="http://schemas.microsoft.com/office/drawing/2010/main">
+              <a14:hiddenFill xmlns:a14="http://schemas.microsoft.com/office/drawing/2010/main" xmlns="">
                 <a:solidFill>
                   <a:srgbClr val="FFFFFF"/>
                 </a:solidFill>
               </a14:hiddenFill>
             </a:ext>
             <a:ext uri="{91240B29-F687-4F45-9708-019B960494DF}">
-              <a14:hiddenLine xmlns="" xmlns:a14="http://schemas.microsoft.com/office/drawing/2010/main" w="9525">
+              <a14:hiddenLine xmlns:a14="http://schemas.microsoft.com/office/drawing/2010/main" xmlns="" w="9525">
                 <a:solidFill>
                   <a:srgbClr val="000000"/>
                 </a:solidFill>
@@ -40624,7 +40620,7 @@
           </a:ln>
           <a:extLst>
             <a:ext uri="{91240B29-F687-4F45-9708-019B960494DF}">
-              <a14:hiddenLine xmlns="" xmlns:a14="http://schemas.microsoft.com/office/drawing/2010/main" w="9525">
+              <a14:hiddenLine xmlns:a14="http://schemas.microsoft.com/office/drawing/2010/main" xmlns="" w="9525">
                 <a:solidFill>
                   <a:srgbClr val="000000"/>
                 </a:solidFill>
@@ -40727,14 +40723,14 @@
           </a:ln>
           <a:extLst>
             <a:ext uri="{909E8E84-426E-40DD-AFC4-6F175D3DCCD1}">
-              <a14:hiddenFill xmlns="" xmlns:a14="http://schemas.microsoft.com/office/drawing/2010/main">
+              <a14:hiddenFill xmlns:a14="http://schemas.microsoft.com/office/drawing/2010/main" xmlns="">
                 <a:solidFill>
                   <a:srgbClr val="FFFFFF"/>
                 </a:solidFill>
               </a14:hiddenFill>
             </a:ext>
             <a:ext uri="{91240B29-F687-4F45-9708-019B960494DF}">
-              <a14:hiddenLine xmlns="" xmlns:a14="http://schemas.microsoft.com/office/drawing/2010/main" w="9525">
+              <a14:hiddenLine xmlns:a14="http://schemas.microsoft.com/office/drawing/2010/main" xmlns="" w="9525">
                 <a:solidFill>
                   <a:srgbClr val="000000"/>
                 </a:solidFill>
@@ -40840,7 +40836,7 @@
           </a:ln>
           <a:extLst>
             <a:ext uri="{91240B29-F687-4F45-9708-019B960494DF}">
-              <a14:hiddenLine xmlns="" xmlns:a14="http://schemas.microsoft.com/office/drawing/2010/main" w="9525">
+              <a14:hiddenLine xmlns:a14="http://schemas.microsoft.com/office/drawing/2010/main" xmlns="" w="9525">
                 <a:solidFill>
                   <a:srgbClr val="000000"/>
                 </a:solidFill>
@@ -40943,14 +40939,14 @@
           </a:ln>
           <a:extLst>
             <a:ext uri="{909E8E84-426E-40DD-AFC4-6F175D3DCCD1}">
-              <a14:hiddenFill xmlns="" xmlns:a14="http://schemas.microsoft.com/office/drawing/2010/main">
+              <a14:hiddenFill xmlns:a14="http://schemas.microsoft.com/office/drawing/2010/main" xmlns="">
                 <a:solidFill>
                   <a:srgbClr val="FFFFFF"/>
                 </a:solidFill>
               </a14:hiddenFill>
             </a:ext>
             <a:ext uri="{91240B29-F687-4F45-9708-019B960494DF}">
-              <a14:hiddenLine xmlns="" xmlns:a14="http://schemas.microsoft.com/office/drawing/2010/main" w="9525">
+              <a14:hiddenLine xmlns:a14="http://schemas.microsoft.com/office/drawing/2010/main" xmlns="" w="9525">
                 <a:solidFill>
                   <a:srgbClr val="000000"/>
                 </a:solidFill>
@@ -41056,7 +41052,7 @@
           </a:ln>
           <a:extLst>
             <a:ext uri="{91240B29-F687-4F45-9708-019B960494DF}">
-              <a14:hiddenLine xmlns="" xmlns:a14="http://schemas.microsoft.com/office/drawing/2010/main" w="9525">
+              <a14:hiddenLine xmlns:a14="http://schemas.microsoft.com/office/drawing/2010/main" xmlns="" w="9525">
                 <a:solidFill>
                   <a:srgbClr val="000000"/>
                 </a:solidFill>
@@ -41159,14 +41155,14 @@
           </a:ln>
           <a:extLst>
             <a:ext uri="{909E8E84-426E-40DD-AFC4-6F175D3DCCD1}">
-              <a14:hiddenFill xmlns="" xmlns:a14="http://schemas.microsoft.com/office/drawing/2010/main">
+              <a14:hiddenFill xmlns:a14="http://schemas.microsoft.com/office/drawing/2010/main" xmlns="">
                 <a:solidFill>
                   <a:srgbClr val="FFFFFF"/>
                 </a:solidFill>
               </a14:hiddenFill>
             </a:ext>
             <a:ext uri="{91240B29-F687-4F45-9708-019B960494DF}">
-              <a14:hiddenLine xmlns="" xmlns:a14="http://schemas.microsoft.com/office/drawing/2010/main" w="9525">
+              <a14:hiddenLine xmlns:a14="http://schemas.microsoft.com/office/drawing/2010/main" xmlns="" w="9525">
                 <a:solidFill>
                   <a:srgbClr val="000000"/>
                 </a:solidFill>
@@ -41272,7 +41268,7 @@
           </a:ln>
           <a:extLst>
             <a:ext uri="{91240B29-F687-4F45-9708-019B960494DF}">
-              <a14:hiddenLine xmlns="" xmlns:a14="http://schemas.microsoft.com/office/drawing/2010/main" w="9525">
+              <a14:hiddenLine xmlns:a14="http://schemas.microsoft.com/office/drawing/2010/main" xmlns="" w="9525">
                 <a:solidFill>
                   <a:srgbClr val="000000"/>
                 </a:solidFill>
@@ -41375,14 +41371,14 @@
           </a:ln>
           <a:extLst>
             <a:ext uri="{909E8E84-426E-40DD-AFC4-6F175D3DCCD1}">
-              <a14:hiddenFill xmlns="" xmlns:a14="http://schemas.microsoft.com/office/drawing/2010/main">
+              <a14:hiddenFill xmlns:a14="http://schemas.microsoft.com/office/drawing/2010/main" xmlns="">
                 <a:solidFill>
                   <a:srgbClr val="FFFFFF"/>
                 </a:solidFill>
               </a14:hiddenFill>
             </a:ext>
             <a:ext uri="{91240B29-F687-4F45-9708-019B960494DF}">
-              <a14:hiddenLine xmlns="" xmlns:a14="http://schemas.microsoft.com/office/drawing/2010/main" w="9525">
+              <a14:hiddenLine xmlns:a14="http://schemas.microsoft.com/office/drawing/2010/main" xmlns="" w="9525">
                 <a:solidFill>
                   <a:srgbClr val="000000"/>
                 </a:solidFill>
@@ -41429,7 +41425,7 @@
           </a:ln>
           <a:extLst>
             <a:ext uri="{91240B29-F687-4F45-9708-019B960494DF}">
-              <a14:hiddenLine xmlns="" xmlns:a14="http://schemas.microsoft.com/office/drawing/2010/main" w="9525">
+              <a14:hiddenLine xmlns:a14="http://schemas.microsoft.com/office/drawing/2010/main" xmlns="" w="9525">
                 <a:solidFill>
                   <a:srgbClr val="000000"/>
                 </a:solidFill>
@@ -41564,7 +41560,7 @@
           </a:ln>
           <a:extLst>
             <a:ext uri="{91240B29-F687-4F45-9708-019B960494DF}">
-              <a14:hiddenLine xmlns="" xmlns:a14="http://schemas.microsoft.com/office/drawing/2010/main" w="9525">
+              <a14:hiddenLine xmlns:a14="http://schemas.microsoft.com/office/drawing/2010/main" xmlns="" w="9525">
                 <a:solidFill>
                   <a:srgbClr val="000000"/>
                 </a:solidFill>
@@ -41678,7 +41674,7 @@
           </a:ln>
           <a:extLst>
             <a:ext uri="{91240B29-F687-4F45-9708-019B960494DF}">
-              <a14:hiddenLine xmlns="" xmlns:a14="http://schemas.microsoft.com/office/drawing/2010/main" w="9525">
+              <a14:hiddenLine xmlns:a14="http://schemas.microsoft.com/office/drawing/2010/main" xmlns="" w="9525">
                 <a:solidFill>
                   <a:srgbClr val="000000"/>
                 </a:solidFill>
@@ -41792,7 +41788,7 @@
           </a:ln>
           <a:extLst>
             <a:ext uri="{91240B29-F687-4F45-9708-019B960494DF}">
-              <a14:hiddenLine xmlns="" xmlns:a14="http://schemas.microsoft.com/office/drawing/2010/main" w="9525">
+              <a14:hiddenLine xmlns:a14="http://schemas.microsoft.com/office/drawing/2010/main" xmlns="" w="9525">
                 <a:solidFill>
                   <a:srgbClr val="000000"/>
                 </a:solidFill>
@@ -41906,7 +41902,7 @@
           </a:ln>
           <a:extLst>
             <a:ext uri="{91240B29-F687-4F45-9708-019B960494DF}">
-              <a14:hiddenLine xmlns="" xmlns:a14="http://schemas.microsoft.com/office/drawing/2010/main" w="9525">
+              <a14:hiddenLine xmlns:a14="http://schemas.microsoft.com/office/drawing/2010/main" xmlns="" w="9525">
                 <a:solidFill>
                   <a:srgbClr val="000000"/>
                 </a:solidFill>
@@ -42046,7 +42042,7 @@
             </a:ln>
             <a:extLst>
               <a:ext uri="{91240B29-F687-4F45-9708-019B960494DF}">
-                <a14:hiddenLine xmlns="" xmlns:a14="http://schemas.microsoft.com/office/drawing/2010/main" w="9525">
+                <a14:hiddenLine xmlns:a14="http://schemas.microsoft.com/office/drawing/2010/main" xmlns="" w="9525">
                   <a:solidFill>
                     <a:srgbClr val="000000"/>
                   </a:solidFill>
@@ -42172,7 +42168,7 @@
             </a:ln>
             <a:extLst>
               <a:ext uri="{91240B29-F687-4F45-9708-019B960494DF}">
-                <a14:hiddenLine xmlns="" xmlns:a14="http://schemas.microsoft.com/office/drawing/2010/main" w="9525">
+                <a14:hiddenLine xmlns:a14="http://schemas.microsoft.com/office/drawing/2010/main" xmlns="" w="9525">
                   <a:solidFill>
                     <a:srgbClr val="000000"/>
                   </a:solidFill>
@@ -42298,7 +42294,7 @@
             </a:ln>
             <a:extLst>
               <a:ext uri="{91240B29-F687-4F45-9708-019B960494DF}">
-                <a14:hiddenLine xmlns="" xmlns:a14="http://schemas.microsoft.com/office/drawing/2010/main" w="9525">
+                <a14:hiddenLine xmlns:a14="http://schemas.microsoft.com/office/drawing/2010/main" xmlns="" w="9525">
                   <a:solidFill>
                     <a:srgbClr val="000000"/>
                   </a:solidFill>
@@ -42424,7 +42420,7 @@
             </a:ln>
             <a:extLst>
               <a:ext uri="{91240B29-F687-4F45-9708-019B960494DF}">
-                <a14:hiddenLine xmlns="" xmlns:a14="http://schemas.microsoft.com/office/drawing/2010/main" w="9525">
+                <a14:hiddenLine xmlns:a14="http://schemas.microsoft.com/office/drawing/2010/main" xmlns="" w="9525">
                   <a:solidFill>
                     <a:srgbClr val="000000"/>
                   </a:solidFill>
@@ -42550,7 +42546,7 @@
             </a:ln>
             <a:extLst>
               <a:ext uri="{91240B29-F687-4F45-9708-019B960494DF}">
-                <a14:hiddenLine xmlns="" xmlns:a14="http://schemas.microsoft.com/office/drawing/2010/main" w="9525">
+                <a14:hiddenLine xmlns:a14="http://schemas.microsoft.com/office/drawing/2010/main" xmlns="" w="9525">
                   <a:solidFill>
                     <a:srgbClr val="000000"/>
                   </a:solidFill>
@@ -42691,7 +42687,7 @@
             </a:ln>
             <a:extLst>
               <a:ext uri="{91240B29-F687-4F45-9708-019B960494DF}">
-                <a14:hiddenLine xmlns="" xmlns:a14="http://schemas.microsoft.com/office/drawing/2010/main" w="9525">
+                <a14:hiddenLine xmlns:a14="http://schemas.microsoft.com/office/drawing/2010/main" xmlns="" w="9525">
                   <a:solidFill>
                     <a:srgbClr val="000000"/>
                   </a:solidFill>
@@ -42817,7 +42813,7 @@
             </a:ln>
             <a:extLst>
               <a:ext uri="{91240B29-F687-4F45-9708-019B960494DF}">
-                <a14:hiddenLine xmlns="" xmlns:a14="http://schemas.microsoft.com/office/drawing/2010/main" w="9525">
+                <a14:hiddenLine xmlns:a14="http://schemas.microsoft.com/office/drawing/2010/main" xmlns="" w="9525">
                   <a:solidFill>
                     <a:srgbClr val="000000"/>
                   </a:solidFill>
@@ -42943,7 +42939,7 @@
             </a:ln>
             <a:extLst>
               <a:ext uri="{91240B29-F687-4F45-9708-019B960494DF}">
-                <a14:hiddenLine xmlns="" xmlns:a14="http://schemas.microsoft.com/office/drawing/2010/main" w="9525">
+                <a14:hiddenLine xmlns:a14="http://schemas.microsoft.com/office/drawing/2010/main" xmlns="" w="9525">
                   <a:solidFill>
                     <a:srgbClr val="000000"/>
                   </a:solidFill>
@@ -43069,7 +43065,7 @@
             </a:ln>
             <a:extLst>
               <a:ext uri="{91240B29-F687-4F45-9708-019B960494DF}">
-                <a14:hiddenLine xmlns="" xmlns:a14="http://schemas.microsoft.com/office/drawing/2010/main" w="9525">
+                <a14:hiddenLine xmlns:a14="http://schemas.microsoft.com/office/drawing/2010/main" xmlns="" w="9525">
                   <a:solidFill>
                     <a:srgbClr val="000000"/>
                   </a:solidFill>
@@ -43195,7 +43191,7 @@
             </a:ln>
             <a:extLst>
               <a:ext uri="{91240B29-F687-4F45-9708-019B960494DF}">
-                <a14:hiddenLine xmlns="" xmlns:a14="http://schemas.microsoft.com/office/drawing/2010/main" w="9525">
+                <a14:hiddenLine xmlns:a14="http://schemas.microsoft.com/office/drawing/2010/main" xmlns="" w="9525">
                   <a:solidFill>
                     <a:srgbClr val="000000"/>
                   </a:solidFill>
@@ -43309,7 +43305,7 @@
             </a:ln>
             <a:extLst>
               <a:ext uri="{91240B29-F687-4F45-9708-019B960494DF}">
-                <a14:hiddenLine xmlns="" xmlns:a14="http://schemas.microsoft.com/office/drawing/2010/main" w="9525">
+                <a14:hiddenLine xmlns:a14="http://schemas.microsoft.com/office/drawing/2010/main" xmlns="" w="9525">
                   <a:solidFill>
                     <a:srgbClr val="000000"/>
                   </a:solidFill>
@@ -43435,7 +43431,7 @@
             </a:ln>
             <a:extLst>
               <a:ext uri="{91240B29-F687-4F45-9708-019B960494DF}">
-                <a14:hiddenLine xmlns="" xmlns:a14="http://schemas.microsoft.com/office/drawing/2010/main" w="9525">
+                <a14:hiddenLine xmlns:a14="http://schemas.microsoft.com/office/drawing/2010/main" xmlns="" w="9525">
                   <a:solidFill>
                     <a:srgbClr val="000000"/>
                   </a:solidFill>
@@ -43497,7 +43493,7 @@
             </a:ln>
             <a:extLst>
               <a:ext uri="{91240B29-F687-4F45-9708-019B960494DF}">
-                <a14:hiddenLine xmlns="" xmlns:a14="http://schemas.microsoft.com/office/drawing/2010/main" w="9525">
+                <a14:hiddenLine xmlns:a14="http://schemas.microsoft.com/office/drawing/2010/main" xmlns="" w="9525">
                   <a:solidFill>
                     <a:srgbClr val="000000"/>
                   </a:solidFill>
@@ -43643,7 +43639,7 @@
             </a:ln>
             <a:extLst>
               <a:ext uri="{91240B29-F687-4F45-9708-019B960494DF}">
-                <a14:hiddenLine xmlns="" xmlns:a14="http://schemas.microsoft.com/office/drawing/2010/main" w="9525">
+                <a14:hiddenLine xmlns:a14="http://schemas.microsoft.com/office/drawing/2010/main" xmlns="" w="9525">
                   <a:solidFill>
                     <a:srgbClr val="000000"/>
                   </a:solidFill>
@@ -43690,7 +43686,7 @@
             </a:ln>
             <a:extLst>
               <a:ext uri="{91240B29-F687-4F45-9708-019B960494DF}">
-                <a14:hiddenLine xmlns="" xmlns:a14="http://schemas.microsoft.com/office/drawing/2010/main" w="9525">
+                <a14:hiddenLine xmlns:a14="http://schemas.microsoft.com/office/drawing/2010/main" xmlns="" w="9525">
                   <a:solidFill>
                     <a:srgbClr val="000000"/>
                   </a:solidFill>
@@ -43836,7 +43832,7 @@
             </a:ln>
             <a:extLst>
               <a:ext uri="{91240B29-F687-4F45-9708-019B960494DF}">
-                <a14:hiddenLine xmlns="" xmlns:a14="http://schemas.microsoft.com/office/drawing/2010/main" w="9525">
+                <a14:hiddenLine xmlns:a14="http://schemas.microsoft.com/office/drawing/2010/main" xmlns="" w="9525">
                   <a:solidFill>
                     <a:srgbClr val="000000"/>
                   </a:solidFill>
@@ -43883,7 +43879,7 @@
             </a:ln>
             <a:extLst>
               <a:ext uri="{91240B29-F687-4F45-9708-019B960494DF}">
-                <a14:hiddenLine xmlns="" xmlns:a14="http://schemas.microsoft.com/office/drawing/2010/main" w="9525">
+                <a14:hiddenLine xmlns:a14="http://schemas.microsoft.com/office/drawing/2010/main" xmlns="" w="9525">
                   <a:solidFill>
                     <a:srgbClr val="000000"/>
                   </a:solidFill>
@@ -44029,7 +44025,7 @@
             </a:ln>
             <a:extLst>
               <a:ext uri="{91240B29-F687-4F45-9708-019B960494DF}">
-                <a14:hiddenLine xmlns="" xmlns:a14="http://schemas.microsoft.com/office/drawing/2010/main" w="9525">
+                <a14:hiddenLine xmlns:a14="http://schemas.microsoft.com/office/drawing/2010/main" xmlns="" w="9525">
                   <a:solidFill>
                     <a:srgbClr val="000000"/>
                   </a:solidFill>
@@ -44076,7 +44072,7 @@
             </a:ln>
             <a:extLst>
               <a:ext uri="{91240B29-F687-4F45-9708-019B960494DF}">
-                <a14:hiddenLine xmlns="" xmlns:a14="http://schemas.microsoft.com/office/drawing/2010/main" w="9525">
+                <a14:hiddenLine xmlns:a14="http://schemas.microsoft.com/office/drawing/2010/main" xmlns="" w="9525">
                   <a:solidFill>
                     <a:srgbClr val="000000"/>
                   </a:solidFill>
@@ -44222,7 +44218,7 @@
             </a:ln>
             <a:extLst>
               <a:ext uri="{91240B29-F687-4F45-9708-019B960494DF}">
-                <a14:hiddenLine xmlns="" xmlns:a14="http://schemas.microsoft.com/office/drawing/2010/main" w="9525">
+                <a14:hiddenLine xmlns:a14="http://schemas.microsoft.com/office/drawing/2010/main" xmlns="" w="9525">
                   <a:solidFill>
                     <a:srgbClr val="000000"/>
                   </a:solidFill>
@@ -44269,7 +44265,7 @@
             </a:ln>
             <a:extLst>
               <a:ext uri="{91240B29-F687-4F45-9708-019B960494DF}">
-                <a14:hiddenLine xmlns="" xmlns:a14="http://schemas.microsoft.com/office/drawing/2010/main" w="9525">
+                <a14:hiddenLine xmlns:a14="http://schemas.microsoft.com/office/drawing/2010/main" xmlns="" w="9525">
                   <a:solidFill>
                     <a:srgbClr val="000000"/>
                   </a:solidFill>
@@ -44415,7 +44411,7 @@
             </a:ln>
             <a:extLst>
               <a:ext uri="{91240B29-F687-4F45-9708-019B960494DF}">
-                <a14:hiddenLine xmlns="" xmlns:a14="http://schemas.microsoft.com/office/drawing/2010/main" w="9525">
+                <a14:hiddenLine xmlns:a14="http://schemas.microsoft.com/office/drawing/2010/main" xmlns="" w="9525">
                   <a:solidFill>
                     <a:srgbClr val="000000"/>
                   </a:solidFill>
@@ -44585,7 +44581,7 @@
             </a:ln>
             <a:extLst>
               <a:ext uri="{91240B29-F687-4F45-9708-019B960494DF}">
-                <a14:hiddenLine xmlns="" xmlns:a14="http://schemas.microsoft.com/office/drawing/2010/main" w="9525">
+                <a14:hiddenLine xmlns:a14="http://schemas.microsoft.com/office/drawing/2010/main" xmlns="" w="9525">
                   <a:solidFill>
                     <a:srgbClr val="000000"/>
                   </a:solidFill>
@@ -44780,7 +44776,7 @@
             </a:ln>
             <a:extLst>
               <a:ext uri="{91240B29-F687-4F45-9708-019B960494DF}">
-                <a14:hiddenLine xmlns="" xmlns:a14="http://schemas.microsoft.com/office/drawing/2010/main" w="9525">
+                <a14:hiddenLine xmlns:a14="http://schemas.microsoft.com/office/drawing/2010/main" xmlns="" w="9525">
                   <a:solidFill>
                     <a:srgbClr val="000000"/>
                   </a:solidFill>
@@ -45015,7 +45011,7 @@
             </a:ln>
             <a:extLst>
               <a:ext uri="{91240B29-F687-4F45-9708-019B960494DF}">
-                <a14:hiddenLine xmlns="" xmlns:a14="http://schemas.microsoft.com/office/drawing/2010/main" w="9525">
+                <a14:hiddenLine xmlns:a14="http://schemas.microsoft.com/office/drawing/2010/main" xmlns="" w="9525">
                   <a:solidFill>
                     <a:srgbClr val="000000"/>
                   </a:solidFill>
@@ -45062,7 +45058,7 @@
             </a:ln>
             <a:extLst>
               <a:ext uri="{91240B29-F687-4F45-9708-019B960494DF}">
-                <a14:hiddenLine xmlns="" xmlns:a14="http://schemas.microsoft.com/office/drawing/2010/main" w="9525">
+                <a14:hiddenLine xmlns:a14="http://schemas.microsoft.com/office/drawing/2010/main" xmlns="" w="9525">
                   <a:solidFill>
                     <a:srgbClr val="000000"/>
                   </a:solidFill>
@@ -45109,7 +45105,7 @@
             </a:ln>
             <a:extLst>
               <a:ext uri="{91240B29-F687-4F45-9708-019B960494DF}">
-                <a14:hiddenLine xmlns="" xmlns:a14="http://schemas.microsoft.com/office/drawing/2010/main" w="9525">
+                <a14:hiddenLine xmlns:a14="http://schemas.microsoft.com/office/drawing/2010/main" xmlns="" w="9525">
                   <a:solidFill>
                     <a:srgbClr val="000000"/>
                   </a:solidFill>
@@ -45156,7 +45152,7 @@
             </a:ln>
             <a:extLst>
               <a:ext uri="{91240B29-F687-4F45-9708-019B960494DF}">
-                <a14:hiddenLine xmlns="" xmlns:a14="http://schemas.microsoft.com/office/drawing/2010/main" w="9525">
+                <a14:hiddenLine xmlns:a14="http://schemas.microsoft.com/office/drawing/2010/main" xmlns="" w="9525">
                   <a:solidFill>
                     <a:srgbClr val="000000"/>
                   </a:solidFill>
@@ -45203,7 +45199,7 @@
             </a:ln>
             <a:extLst>
               <a:ext uri="{91240B29-F687-4F45-9708-019B960494DF}">
-                <a14:hiddenLine xmlns="" xmlns:a14="http://schemas.microsoft.com/office/drawing/2010/main" w="9525">
+                <a14:hiddenLine xmlns:a14="http://schemas.microsoft.com/office/drawing/2010/main" xmlns="" w="9525">
                   <a:solidFill>
                     <a:srgbClr val="000000"/>
                   </a:solidFill>
@@ -46072,7 +46068,7 @@
             </a:ln>
             <a:extLst>
               <a:ext uri="{91240B29-F687-4F45-9708-019B960494DF}">
-                <a14:hiddenLine xmlns:a14="http://schemas.microsoft.com/office/drawing/2010/main" xmlns="" w="9525">
+                <a14:hiddenLine xmlns="" xmlns:a14="http://schemas.microsoft.com/office/drawing/2010/main" w="9525">
                   <a:solidFill>
                     <a:srgbClr val="000000"/>
                   </a:solidFill>
@@ -46196,7 +46192,7 @@
             </a:ln>
             <a:extLst>
               <a:ext uri="{91240B29-F687-4F45-9708-019B960494DF}">
-                <a14:hiddenLine xmlns:a14="http://schemas.microsoft.com/office/drawing/2010/main" xmlns="" w="9525">
+                <a14:hiddenLine xmlns="" xmlns:a14="http://schemas.microsoft.com/office/drawing/2010/main" w="9525">
                   <a:solidFill>
                     <a:srgbClr val="000000"/>
                   </a:solidFill>
@@ -46320,7 +46316,7 @@
             </a:ln>
             <a:extLst>
               <a:ext uri="{91240B29-F687-4F45-9708-019B960494DF}">
-                <a14:hiddenLine xmlns:a14="http://schemas.microsoft.com/office/drawing/2010/main" xmlns="" w="9525">
+                <a14:hiddenLine xmlns="" xmlns:a14="http://schemas.microsoft.com/office/drawing/2010/main" w="9525">
                   <a:solidFill>
                     <a:srgbClr val="000000"/>
                   </a:solidFill>
@@ -46444,7 +46440,7 @@
             </a:ln>
             <a:extLst>
               <a:ext uri="{91240B29-F687-4F45-9708-019B960494DF}">
-                <a14:hiddenLine xmlns:a14="http://schemas.microsoft.com/office/drawing/2010/main" xmlns="" w="9525">
+                <a14:hiddenLine xmlns="" xmlns:a14="http://schemas.microsoft.com/office/drawing/2010/main" w="9525">
                   <a:solidFill>
                     <a:srgbClr val="000000"/>
                   </a:solidFill>
@@ -46568,7 +46564,7 @@
             </a:ln>
             <a:extLst>
               <a:ext uri="{91240B29-F687-4F45-9708-019B960494DF}">
-                <a14:hiddenLine xmlns:a14="http://schemas.microsoft.com/office/drawing/2010/main" xmlns="" w="9525">
+                <a14:hiddenLine xmlns="" xmlns:a14="http://schemas.microsoft.com/office/drawing/2010/main" w="9525">
                   <a:solidFill>
                     <a:srgbClr val="000000"/>
                   </a:solidFill>
@@ -46824,7 +46820,7 @@
             </a:ln>
             <a:extLst>
               <a:ext uri="{91240B29-F687-4F45-9708-019B960494DF}">
-                <a14:hiddenLine xmlns:a14="http://schemas.microsoft.com/office/drawing/2010/main" xmlns="" w="9525">
+                <a14:hiddenLine xmlns="" xmlns:a14="http://schemas.microsoft.com/office/drawing/2010/main" w="9525">
                   <a:solidFill>
                     <a:srgbClr val="000000"/>
                   </a:solidFill>
@@ -47328,7 +47324,7 @@
             </a:ln>
             <a:extLst>
               <a:ext uri="{91240B29-F687-4F45-9708-019B960494DF}">
-                <a14:hiddenLine xmlns:a14="http://schemas.microsoft.com/office/drawing/2010/main" xmlns="" w="9525">
+                <a14:hiddenLine xmlns="" xmlns:a14="http://schemas.microsoft.com/office/drawing/2010/main" w="9525">
                   <a:solidFill>
                     <a:srgbClr val="000000"/>
                   </a:solidFill>
@@ -47554,7 +47550,7 @@
             </a:ln>
             <a:extLst>
               <a:ext uri="{91240B29-F687-4F45-9708-019B960494DF}">
-                <a14:hiddenLine xmlns:a14="http://schemas.microsoft.com/office/drawing/2010/main" xmlns="" w="9525">
+                <a14:hiddenLine xmlns="" xmlns:a14="http://schemas.microsoft.com/office/drawing/2010/main" w="9525">
                   <a:solidFill>
                     <a:srgbClr val="000000"/>
                   </a:solidFill>
@@ -47601,7 +47597,7 @@
             </a:ln>
             <a:extLst>
               <a:ext uri="{91240B29-F687-4F45-9708-019B960494DF}">
-                <a14:hiddenLine xmlns:a14="http://schemas.microsoft.com/office/drawing/2010/main" xmlns="" w="9525">
+                <a14:hiddenLine xmlns="" xmlns:a14="http://schemas.microsoft.com/office/drawing/2010/main" w="9525">
                   <a:solidFill>
                     <a:srgbClr val="000000"/>
                   </a:solidFill>
@@ -48154,7 +48150,7 @@
             </a:ln>
             <a:extLst>
               <a:ext uri="{91240B29-F687-4F45-9708-019B960494DF}">
-                <a14:hiddenLine xmlns:a14="http://schemas.microsoft.com/office/drawing/2010/main" xmlns="" w="9525">
+                <a14:hiddenLine xmlns="" xmlns:a14="http://schemas.microsoft.com/office/drawing/2010/main" w="9525">
                   <a:solidFill>
                     <a:srgbClr val="000000"/>
                   </a:solidFill>
@@ -48350,7 +48346,7 @@
             </a:ln>
             <a:extLst>
               <a:ext uri="{91240B29-F687-4F45-9708-019B960494DF}">
-                <a14:hiddenLine xmlns:a14="http://schemas.microsoft.com/office/drawing/2010/main" xmlns="" w="9525">
+                <a14:hiddenLine xmlns="" xmlns:a14="http://schemas.microsoft.com/office/drawing/2010/main" w="9525">
                   <a:solidFill>
                     <a:srgbClr val="000000"/>
                   </a:solidFill>
@@ -48446,7 +48442,7 @@
             </a:ln>
             <a:extLst>
               <a:ext uri="{91240B29-F687-4F45-9708-019B960494DF}">
-                <a14:hiddenLine xmlns:a14="http://schemas.microsoft.com/office/drawing/2010/main" xmlns="" w="9525">
+                <a14:hiddenLine xmlns="" xmlns:a14="http://schemas.microsoft.com/office/drawing/2010/main" w="9525">
                   <a:solidFill>
                     <a:srgbClr val="000000"/>
                   </a:solidFill>
@@ -48552,7 +48548,7 @@
             </a:ln>
             <a:extLst>
               <a:ext uri="{91240B29-F687-4F45-9708-019B960494DF}">
-                <a14:hiddenLine xmlns:a14="http://schemas.microsoft.com/office/drawing/2010/main" xmlns="" w="9525">
+                <a14:hiddenLine xmlns="" xmlns:a14="http://schemas.microsoft.com/office/drawing/2010/main" w="9525">
                   <a:solidFill>
                     <a:srgbClr val="000000"/>
                   </a:solidFill>
@@ -48658,7 +48654,7 @@
             </a:ln>
             <a:extLst>
               <a:ext uri="{91240B29-F687-4F45-9708-019B960494DF}">
-                <a14:hiddenLine xmlns:a14="http://schemas.microsoft.com/office/drawing/2010/main" xmlns="" w="9525">
+                <a14:hiddenLine xmlns="" xmlns:a14="http://schemas.microsoft.com/office/drawing/2010/main" w="9525">
                   <a:solidFill>
                     <a:srgbClr val="000000"/>
                   </a:solidFill>
@@ -48774,7 +48770,7 @@
             </a:ln>
             <a:extLst>
               <a:ext uri="{91240B29-F687-4F45-9708-019B960494DF}">
-                <a14:hiddenLine xmlns:a14="http://schemas.microsoft.com/office/drawing/2010/main" xmlns="" w="9525">
+                <a14:hiddenLine xmlns="" xmlns:a14="http://schemas.microsoft.com/office/drawing/2010/main" w="9525">
                   <a:solidFill>
                     <a:srgbClr val="000000"/>
                   </a:solidFill>
@@ -48878,7 +48874,7 @@
             </a:ln>
             <a:extLst>
               <a:ext uri="{91240B29-F687-4F45-9708-019B960494DF}">
-                <a14:hiddenLine xmlns:a14="http://schemas.microsoft.com/office/drawing/2010/main" xmlns="" w="9525">
+                <a14:hiddenLine xmlns="" xmlns:a14="http://schemas.microsoft.com/office/drawing/2010/main" w="9525">
                   <a:solidFill>
                     <a:srgbClr val="000000"/>
                   </a:solidFill>
@@ -48974,7 +48970,7 @@
             </a:ln>
             <a:extLst>
               <a:ext uri="{91240B29-F687-4F45-9708-019B960494DF}">
-                <a14:hiddenLine xmlns:a14="http://schemas.microsoft.com/office/drawing/2010/main" xmlns="" w="9525">
+                <a14:hiddenLine xmlns="" xmlns:a14="http://schemas.microsoft.com/office/drawing/2010/main" w="9525">
                   <a:solidFill>
                     <a:srgbClr val="000000"/>
                   </a:solidFill>
@@ -49080,7 +49076,7 @@
             </a:ln>
             <a:extLst>
               <a:ext uri="{91240B29-F687-4F45-9708-019B960494DF}">
-                <a14:hiddenLine xmlns:a14="http://schemas.microsoft.com/office/drawing/2010/main" xmlns="" w="9525">
+                <a14:hiddenLine xmlns="" xmlns:a14="http://schemas.microsoft.com/office/drawing/2010/main" w="9525">
                   <a:solidFill>
                     <a:srgbClr val="000000"/>
                   </a:solidFill>
@@ -49206,7 +49202,7 @@
             </a:ln>
             <a:extLst>
               <a:ext uri="{91240B29-F687-4F45-9708-019B960494DF}">
-                <a14:hiddenLine xmlns:a14="http://schemas.microsoft.com/office/drawing/2010/main" xmlns="" w="9525">
+                <a14:hiddenLine xmlns="" xmlns:a14="http://schemas.microsoft.com/office/drawing/2010/main" w="9525">
                   <a:solidFill>
                     <a:srgbClr val="000000"/>
                   </a:solidFill>
@@ -49322,7 +49318,7 @@
             </a:ln>
             <a:extLst>
               <a:ext uri="{91240B29-F687-4F45-9708-019B960494DF}">
-                <a14:hiddenLine xmlns:a14="http://schemas.microsoft.com/office/drawing/2010/main" xmlns="" w="9525">
+                <a14:hiddenLine xmlns="" xmlns:a14="http://schemas.microsoft.com/office/drawing/2010/main" w="9525">
                   <a:solidFill>
                     <a:srgbClr val="000000"/>
                   </a:solidFill>
@@ -49418,7 +49414,7 @@
             </a:ln>
             <a:extLst>
               <a:ext uri="{91240B29-F687-4F45-9708-019B960494DF}">
-                <a14:hiddenLine xmlns:a14="http://schemas.microsoft.com/office/drawing/2010/main" xmlns="" w="9525">
+                <a14:hiddenLine xmlns="" xmlns:a14="http://schemas.microsoft.com/office/drawing/2010/main" w="9525">
                   <a:solidFill>
                     <a:srgbClr val="000000"/>
                   </a:solidFill>
@@ -49544,7 +49540,7 @@
             </a:ln>
             <a:extLst>
               <a:ext uri="{91240B29-F687-4F45-9708-019B960494DF}">
-                <a14:hiddenLine xmlns:a14="http://schemas.microsoft.com/office/drawing/2010/main" xmlns="" w="9525">
+                <a14:hiddenLine xmlns="" xmlns:a14="http://schemas.microsoft.com/office/drawing/2010/main" w="9525">
                   <a:solidFill>
                     <a:srgbClr val="000000"/>
                   </a:solidFill>
@@ -49650,7 +49646,7 @@
             </a:ln>
             <a:extLst>
               <a:ext uri="{91240B29-F687-4F45-9708-019B960494DF}">
-                <a14:hiddenLine xmlns:a14="http://schemas.microsoft.com/office/drawing/2010/main" xmlns="" w="9525">
+                <a14:hiddenLine xmlns="" xmlns:a14="http://schemas.microsoft.com/office/drawing/2010/main" w="9525">
                   <a:solidFill>
                     <a:srgbClr val="000000"/>
                   </a:solidFill>
@@ -49756,7 +49752,7 @@
             </a:ln>
             <a:extLst>
               <a:ext uri="{91240B29-F687-4F45-9708-019B960494DF}">
-                <a14:hiddenLine xmlns:a14="http://schemas.microsoft.com/office/drawing/2010/main" xmlns="" w="9525">
+                <a14:hiddenLine xmlns="" xmlns:a14="http://schemas.microsoft.com/office/drawing/2010/main" w="9525">
                   <a:solidFill>
                     <a:srgbClr val="000000"/>
                   </a:solidFill>
@@ -49852,7 +49848,7 @@
             </a:ln>
             <a:extLst>
               <a:ext uri="{91240B29-F687-4F45-9708-019B960494DF}">
-                <a14:hiddenLine xmlns:a14="http://schemas.microsoft.com/office/drawing/2010/main" xmlns="" w="9525">
+                <a14:hiddenLine xmlns="" xmlns:a14="http://schemas.microsoft.com/office/drawing/2010/main" w="9525">
                   <a:solidFill>
                     <a:srgbClr val="000000"/>
                   </a:solidFill>
@@ -49958,7 +49954,7 @@
             </a:ln>
             <a:extLst>
               <a:ext uri="{91240B29-F687-4F45-9708-019B960494DF}">
-                <a14:hiddenLine xmlns:a14="http://schemas.microsoft.com/office/drawing/2010/main" xmlns="" w="9525">
+                <a14:hiddenLine xmlns="" xmlns:a14="http://schemas.microsoft.com/office/drawing/2010/main" w="9525">
                   <a:solidFill>
                     <a:srgbClr val="000000"/>
                   </a:solidFill>
@@ -50064,7 +50060,7 @@
             </a:ln>
             <a:extLst>
               <a:ext uri="{91240B29-F687-4F45-9708-019B960494DF}">
-                <a14:hiddenLine xmlns:a14="http://schemas.microsoft.com/office/drawing/2010/main" xmlns="" w="9525">
+                <a14:hiddenLine xmlns="" xmlns:a14="http://schemas.microsoft.com/office/drawing/2010/main" w="9525">
                   <a:solidFill>
                     <a:srgbClr val="000000"/>
                   </a:solidFill>
@@ -50313,7 +50309,7 @@
             </a:ln>
             <a:extLst>
               <a:ext uri="{91240B29-F687-4F45-9708-019B960494DF}">
-                <a14:hiddenLine xmlns:a14="http://schemas.microsoft.com/office/drawing/2010/main" xmlns="" w="9525">
+                <a14:hiddenLine xmlns="" xmlns:a14="http://schemas.microsoft.com/office/drawing/2010/main" w="9525">
                   <a:solidFill>
                     <a:srgbClr val="000000"/>
                   </a:solidFill>
@@ -50451,23 +50447,7 @@
                   <a:srgbClr val="00A0E9"/>
                 </a:solidFill>
               </a:rPr>
-              <a:t>若</a:t>
-            </a:r>
-            <a:r>
-              <a:rPr lang="zh-CN" altLang="en-US" sz="4000" dirty="0" smtClean="0">
-                <a:solidFill>
-                  <a:srgbClr val="00A0E9"/>
-                </a:solidFill>
-              </a:rPr>
-              <a:t>批评</a:t>
-            </a:r>
-            <a:r>
-              <a:rPr lang="zh-CN" altLang="en-US" sz="4000" dirty="0" smtClean="0">
-                <a:solidFill>
-                  <a:srgbClr val="00A0E9"/>
-                </a:solidFill>
-              </a:rPr>
-              <a:t>不自由</a:t>
+              <a:t>若批评不自由</a:t>
             </a:r>
             <a:endParaRPr lang="en-US" altLang="zh-CN" sz="4000" dirty="0" smtClean="0">
               <a:solidFill>
@@ -50717,7 +50697,7 @@
   <a:extraClrSchemeLst/>
   <a:extLst>
     <a:ext uri="{05A4C25C-085E-4340-85A3-A5531E510DB2}">
-      <thm15:themeFamily xmlns="" xmlns:thm15="http://schemas.microsoft.com/office/thememl/2012/main" name="Office Theme" id="{62F939B6-93AF-4DB8-9C6B-D6C7DFDC589F}" vid="{4A3C46E8-61CC-4603-A589-7422A47A8E4A}"/>
+      <thm15:themeFamily xmlns:thm15="http://schemas.microsoft.com/office/thememl/2012/main" xmlns="" name="Office Theme" id="{62F939B6-93AF-4DB8-9C6B-D6C7DFDC589F}" vid="{4A3C46E8-61CC-4603-A589-7422A47A8E4A}"/>
     </a:ext>
   </a:extLst>
 </a:theme>
@@ -50978,7 +50958,7 @@
   <a:extraClrSchemeLst/>
   <a:extLst>
     <a:ext uri="{05A4C25C-085E-4340-85A3-A5531E510DB2}">
-      <thm15:themeFamily xmlns="" xmlns:thm15="http://schemas.microsoft.com/office/thememl/2012/main" name="Office Theme" id="{62F939B6-93AF-4DB8-9C6B-D6C7DFDC589F}" vid="{4A3C46E8-61CC-4603-A589-7422A47A8E4A}"/>
+      <thm15:themeFamily xmlns:thm15="http://schemas.microsoft.com/office/thememl/2012/main" xmlns="" name="Office Theme" id="{62F939B6-93AF-4DB8-9C6B-D6C7DFDC589F}" vid="{4A3C46E8-61CC-4603-A589-7422A47A8E4A}"/>
     </a:ext>
   </a:extLst>
 </a:theme>

--- a/doc/01 概要设计/PSI.pptx
+++ b/doc/01 概要设计/PSI.pptx
@@ -116,7 +116,7 @@
   </p:defaultTextStyle>
   <p:extLst>
     <p:ext uri="{EFAFB233-063F-42B5-8137-9DF3F51BA10A}">
-      <p15:sldGuideLst xmlns:p15="http://schemas.microsoft.com/office/powerpoint/2012/main" xmlns="">
+      <p15:sldGuideLst xmlns="" xmlns:p15="http://schemas.microsoft.com/office/powerpoint/2012/main">
         <p15:guide id="2" pos="3863" userDrawn="1">
           <p15:clr>
             <a:srgbClr val="A4A3A4"/>
@@ -216,7 +216,7 @@
             <a:fld id="{C86B11F5-5059-4E45-9721-EB94D5B4201D}" type="datetimeFigureOut">
               <a:rPr lang="zh-CN" altLang="en-US" smtClean="0"/>
               <a:pPr/>
-              <a:t>2015/3/18</a:t>
+              <a:t>2017/10/31</a:t>
             </a:fld>
             <a:endParaRPr lang="zh-CN" altLang="en-US"/>
           </a:p>
@@ -385,7 +385,7 @@
     </p:spTree>
     <p:extLst>
       <p:ext uri="{BB962C8B-B14F-4D97-AF65-F5344CB8AC3E}">
-        <p14:creationId xmlns:p14="http://schemas.microsoft.com/office/powerpoint/2010/main" xmlns="" val="2524148835"/>
+        <p14:creationId xmlns="" xmlns:p14="http://schemas.microsoft.com/office/powerpoint/2010/main" val="2524148835"/>
       </p:ext>
     </p:extLst>
   </p:cSld>
@@ -514,7 +514,7 @@
           <a:blip r:embed="rId2" cstate="screen">
             <a:extLst>
               <a:ext uri="{28A0092B-C50C-407E-A947-70E740481C1C}">
-                <a14:useLocalDpi xmlns:a14="http://schemas.microsoft.com/office/drawing/2010/main" xmlns=""/>
+                <a14:useLocalDpi xmlns="" xmlns:a14="http://schemas.microsoft.com/office/drawing/2010/main"/>
               </a:ext>
             </a:extLst>
           </a:blip>
@@ -1117,7 +1117,7 @@
             </a:ln>
             <a:extLst>
               <a:ext uri="{909E8E84-426E-40DD-AFC4-6F175D3DCCD1}">
-                <a14:hiddenFill xmlns:a14="http://schemas.microsoft.com/office/drawing/2010/main" xmlns="">
+                <a14:hiddenFill xmlns="" xmlns:a14="http://schemas.microsoft.com/office/drawing/2010/main">
                   <a:solidFill>
                     <a:srgbClr val="FFFFFF"/>
                   </a:solidFill>
@@ -1165,7 +1165,7 @@
             </a:ln>
             <a:extLst>
               <a:ext uri="{909E8E84-426E-40DD-AFC4-6F175D3DCCD1}">
-                <a14:hiddenFill xmlns:a14="http://schemas.microsoft.com/office/drawing/2010/main" xmlns="">
+                <a14:hiddenFill xmlns="" xmlns:a14="http://schemas.microsoft.com/office/drawing/2010/main">
                   <a:noFill/>
                 </a14:hiddenFill>
               </a:ext>
@@ -1262,7 +1262,7 @@
             </a:ln>
             <a:extLst>
               <a:ext uri="{909E8E84-426E-40DD-AFC4-6F175D3DCCD1}">
-                <a14:hiddenFill xmlns:a14="http://schemas.microsoft.com/office/drawing/2010/main" xmlns="">
+                <a14:hiddenFill xmlns="" xmlns:a14="http://schemas.microsoft.com/office/drawing/2010/main">
                   <a:solidFill>
                     <a:srgbClr val="FFFFFF"/>
                   </a:solidFill>
@@ -3826,7 +3826,7 @@
     </p:spTree>
     <p:extLst>
       <p:ext uri="{BB962C8B-B14F-4D97-AF65-F5344CB8AC3E}">
-        <p14:creationId xmlns:p14="http://schemas.microsoft.com/office/powerpoint/2010/main" xmlns="" val="2830079814"/>
+        <p14:creationId xmlns="" xmlns:p14="http://schemas.microsoft.com/office/powerpoint/2010/main" val="2830079814"/>
       </p:ext>
     </p:extLst>
   </p:cSld>
@@ -3875,7 +3875,7 @@
           <a:blip r:embed="rId2" cstate="screen">
             <a:extLst>
               <a:ext uri="{28A0092B-C50C-407E-A947-70E740481C1C}">
-                <a14:useLocalDpi xmlns:a14="http://schemas.microsoft.com/office/drawing/2010/main" xmlns=""/>
+                <a14:useLocalDpi xmlns="" xmlns:a14="http://schemas.microsoft.com/office/drawing/2010/main"/>
               </a:ext>
             </a:extLst>
           </a:blip>
@@ -3935,7 +3935,7 @@
             </a:ln>
             <a:extLst>
               <a:ext uri="{909E8E84-426E-40DD-AFC4-6F175D3DCCD1}">
-                <a14:hiddenFill xmlns:a14="http://schemas.microsoft.com/office/drawing/2010/main" xmlns="">
+                <a14:hiddenFill xmlns="" xmlns:a14="http://schemas.microsoft.com/office/drawing/2010/main">
                   <a:solidFill>
                     <a:srgbClr val="FFFFFF"/>
                   </a:solidFill>
@@ -3983,7 +3983,7 @@
             </a:ln>
             <a:extLst>
               <a:ext uri="{909E8E84-426E-40DD-AFC4-6F175D3DCCD1}">
-                <a14:hiddenFill xmlns:a14="http://schemas.microsoft.com/office/drawing/2010/main" xmlns="">
+                <a14:hiddenFill xmlns="" xmlns:a14="http://schemas.microsoft.com/office/drawing/2010/main">
                   <a:noFill/>
                 </a14:hiddenFill>
               </a:ext>
@@ -4080,7 +4080,7 @@
             </a:ln>
             <a:extLst>
               <a:ext uri="{909E8E84-426E-40DD-AFC4-6F175D3DCCD1}">
-                <a14:hiddenFill xmlns:a14="http://schemas.microsoft.com/office/drawing/2010/main" xmlns="">
+                <a14:hiddenFill xmlns="" xmlns:a14="http://schemas.microsoft.com/office/drawing/2010/main">
                   <a:solidFill>
                     <a:srgbClr val="FFFFFF"/>
                   </a:solidFill>
@@ -4282,7 +4282,7 @@
           </a:ln>
           <a:extLst>
             <a:ext uri="{91240B29-F687-4F45-9708-019B960494DF}">
-              <a14:hiddenLine xmlns:a14="http://schemas.microsoft.com/office/drawing/2010/main" xmlns="" w="9525">
+              <a14:hiddenLine xmlns="" xmlns:a14="http://schemas.microsoft.com/office/drawing/2010/main" w="9525">
                 <a:solidFill>
                   <a:srgbClr val="000000"/>
                 </a:solidFill>
@@ -4622,7 +4622,7 @@
               </a:ln>
               <a:extLst>
                 <a:ext uri="{91240B29-F687-4F45-9708-019B960494DF}">
-                  <a14:hiddenLine xmlns:a14="http://schemas.microsoft.com/office/drawing/2010/main" xmlns="" w="9525">
+                  <a14:hiddenLine xmlns="" xmlns:a14="http://schemas.microsoft.com/office/drawing/2010/main" w="9525">
                     <a:solidFill>
                       <a:srgbClr val="000000"/>
                     </a:solidFill>
@@ -4795,7 +4795,7 @@
               </a:ln>
               <a:extLst>
                 <a:ext uri="{91240B29-F687-4F45-9708-019B960494DF}">
-                  <a14:hiddenLine xmlns:a14="http://schemas.microsoft.com/office/drawing/2010/main" xmlns="" w="9525">
+                  <a14:hiddenLine xmlns="" xmlns:a14="http://schemas.microsoft.com/office/drawing/2010/main" w="9525">
                     <a:solidFill>
                       <a:srgbClr val="000000"/>
                     </a:solidFill>
@@ -4958,7 +4958,7 @@
               </a:ln>
               <a:extLst>
                 <a:ext uri="{91240B29-F687-4F45-9708-019B960494DF}">
-                  <a14:hiddenLine xmlns:a14="http://schemas.microsoft.com/office/drawing/2010/main" xmlns="" w="9525">
+                  <a14:hiddenLine xmlns="" xmlns:a14="http://schemas.microsoft.com/office/drawing/2010/main" w="9525">
                     <a:solidFill>
                       <a:srgbClr val="000000"/>
                     </a:solidFill>
@@ -5160,7 +5160,7 @@
               </a:ln>
               <a:extLst>
                 <a:ext uri="{91240B29-F687-4F45-9708-019B960494DF}">
-                  <a14:hiddenLine xmlns:a14="http://schemas.microsoft.com/office/drawing/2010/main" xmlns="" w="9525">
+                  <a14:hiddenLine xmlns="" xmlns:a14="http://schemas.microsoft.com/office/drawing/2010/main" w="9525">
                     <a:solidFill>
                       <a:srgbClr val="000000"/>
                     </a:solidFill>
@@ -5700,7 +5700,7 @@
               </a:ln>
               <a:extLst>
                 <a:ext uri="{91240B29-F687-4F45-9708-019B960494DF}">
-                  <a14:hiddenLine xmlns:a14="http://schemas.microsoft.com/office/drawing/2010/main" xmlns="" w="9525">
+                  <a14:hiddenLine xmlns="" xmlns:a14="http://schemas.microsoft.com/office/drawing/2010/main" w="9525">
                     <a:solidFill>
                       <a:srgbClr val="000000"/>
                     </a:solidFill>
@@ -6204,7 +6204,7 @@
               </a:ln>
               <a:extLst>
                 <a:ext uri="{91240B29-F687-4F45-9708-019B960494DF}">
-                  <a14:hiddenLine xmlns:a14="http://schemas.microsoft.com/office/drawing/2010/main" xmlns="" w="9525">
+                  <a14:hiddenLine xmlns="" xmlns:a14="http://schemas.microsoft.com/office/drawing/2010/main" w="9525">
                     <a:solidFill>
                       <a:srgbClr val="000000"/>
                     </a:solidFill>
@@ -6742,7 +6742,7 @@
     </p:spTree>
     <p:extLst>
       <p:ext uri="{BB962C8B-B14F-4D97-AF65-F5344CB8AC3E}">
-        <p14:creationId xmlns:p14="http://schemas.microsoft.com/office/powerpoint/2010/main" xmlns="" val="1955931793"/>
+        <p14:creationId xmlns="" xmlns:p14="http://schemas.microsoft.com/office/powerpoint/2010/main" val="1955931793"/>
       </p:ext>
     </p:extLst>
   </p:cSld>
@@ -6999,7 +6999,7 @@
           <a:blip r:embed="rId2">
             <a:extLst>
               <a:ext uri="{28A0092B-C50C-407E-A947-70E740481C1C}">
-                <a14:useLocalDpi xmlns:a14="http://schemas.microsoft.com/office/drawing/2010/main" xmlns="" val="0"/>
+                <a14:useLocalDpi xmlns="" xmlns:a14="http://schemas.microsoft.com/office/drawing/2010/main" val="0"/>
               </a:ext>
             </a:extLst>
           </a:blip>
@@ -7211,7 +7211,7 @@
     </p:spTree>
     <p:extLst>
       <p:ext uri="{BB962C8B-B14F-4D97-AF65-F5344CB8AC3E}">
-        <p14:creationId xmlns:p14="http://schemas.microsoft.com/office/powerpoint/2010/main" xmlns="" val="2366049688"/>
+        <p14:creationId xmlns="" xmlns:p14="http://schemas.microsoft.com/office/powerpoint/2010/main" val="2366049688"/>
       </p:ext>
     </p:extLst>
   </p:cSld>
@@ -7219,7 +7219,7 @@
     <a:masterClrMapping/>
   </p:clrMapOvr>
   <mc:AlternateContent xmlns:mc="http://schemas.openxmlformats.org/markup-compatibility/2006">
-    <mc:Choice xmlns:p14="http://schemas.microsoft.com/office/powerpoint/2010/main" xmlns="" Requires="p14">
+    <mc:Choice xmlns="" xmlns:p14="http://schemas.microsoft.com/office/powerpoint/2010/main" Requires="p14">
       <p:transition spd="med">
         <p14:flip dir="r"/>
       </p:transition>
@@ -7508,14 +7508,14 @@
             </a:ln>
             <a:extLst>
               <a:ext uri="{909E8E84-426E-40DD-AFC4-6F175D3DCCD1}">
-                <a14:hiddenFill xmlns:a14="http://schemas.microsoft.com/office/drawing/2010/main" xmlns="">
+                <a14:hiddenFill xmlns="" xmlns:a14="http://schemas.microsoft.com/office/drawing/2010/main">
                   <a:solidFill>
                     <a:srgbClr val="FFFFFF"/>
                   </a:solidFill>
                 </a14:hiddenFill>
               </a:ext>
               <a:ext uri="{91240B29-F687-4F45-9708-019B960494DF}">
-                <a14:hiddenLine xmlns:a14="http://schemas.microsoft.com/office/drawing/2010/main" xmlns="" w="9525">
+                <a14:hiddenLine xmlns="" xmlns:a14="http://schemas.microsoft.com/office/drawing/2010/main" w="9525">
                   <a:solidFill>
                     <a:srgbClr val="000000"/>
                   </a:solidFill>
@@ -7680,7 +7680,7 @@
             </a:ln>
             <a:extLst>
               <a:ext uri="{91240B29-F687-4F45-9708-019B960494DF}">
-                <a14:hiddenLine xmlns:a14="http://schemas.microsoft.com/office/drawing/2010/main" xmlns="" w="9525">
+                <a14:hiddenLine xmlns="" xmlns:a14="http://schemas.microsoft.com/office/drawing/2010/main" w="9525">
                   <a:solidFill>
                     <a:srgbClr val="000000"/>
                   </a:solidFill>
@@ -7845,7 +7845,7 @@
             </a:ln>
             <a:extLst>
               <a:ext uri="{91240B29-F687-4F45-9708-019B960494DF}">
-                <a14:hiddenLine xmlns:a14="http://schemas.microsoft.com/office/drawing/2010/main" xmlns="" w="9525">
+                <a14:hiddenLine xmlns="" xmlns:a14="http://schemas.microsoft.com/office/drawing/2010/main" w="9525">
                   <a:solidFill>
                     <a:srgbClr val="000000"/>
                   </a:solidFill>
@@ -9132,7 +9132,7 @@
     </p:spTree>
     <p:extLst>
       <p:ext uri="{BB962C8B-B14F-4D97-AF65-F5344CB8AC3E}">
-        <p14:creationId xmlns:p14="http://schemas.microsoft.com/office/powerpoint/2010/main" xmlns="" val="3513966317"/>
+        <p14:creationId xmlns="" xmlns:p14="http://schemas.microsoft.com/office/powerpoint/2010/main" val="3513966317"/>
       </p:ext>
     </p:extLst>
   </p:cSld>
@@ -9140,7 +9140,7 @@
     <a:masterClrMapping/>
   </p:clrMapOvr>
   <mc:AlternateContent xmlns:mc="http://schemas.openxmlformats.org/markup-compatibility/2006">
-    <mc:Choice xmlns:p14="http://schemas.microsoft.com/office/powerpoint/2010/main" xmlns="" Requires="p14">
+    <mc:Choice xmlns="" xmlns:p14="http://schemas.microsoft.com/office/powerpoint/2010/main" Requires="p14">
       <p:transition spd="med">
         <p14:prism/>
       </p:transition>
@@ -9285,7 +9285,7 @@
           <a:blip r:embed="rId2" cstate="email">
             <a:extLst>
               <a:ext uri="{28A0092B-C50C-407E-A947-70E740481C1C}">
-                <a14:useLocalDpi xmlns:a14="http://schemas.microsoft.com/office/drawing/2010/main" xmlns=""/>
+                <a14:useLocalDpi xmlns="" xmlns:a14="http://schemas.microsoft.com/office/drawing/2010/main"/>
               </a:ext>
             </a:extLst>
           </a:blip>
@@ -9308,7 +9308,7 @@
     </p:spTree>
     <p:extLst>
       <p:ext uri="{BB962C8B-B14F-4D97-AF65-F5344CB8AC3E}">
-        <p14:creationId xmlns:p14="http://schemas.microsoft.com/office/powerpoint/2010/main" xmlns="" val="3873080681"/>
+        <p14:creationId xmlns="" xmlns:p14="http://schemas.microsoft.com/office/powerpoint/2010/main" val="3873080681"/>
       </p:ext>
     </p:extLst>
   </p:cSld>
@@ -9433,7 +9433,7 @@
     </p:spTree>
     <p:extLst>
       <p:ext uri="{BB962C8B-B14F-4D97-AF65-F5344CB8AC3E}">
-        <p14:creationId xmlns:p14="http://schemas.microsoft.com/office/powerpoint/2010/main" xmlns="" val="3452816623"/>
+        <p14:creationId xmlns="" xmlns:p14="http://schemas.microsoft.com/office/powerpoint/2010/main" val="3452816623"/>
       </p:ext>
     </p:extLst>
   </p:cSld>
@@ -9491,7 +9491,7 @@
             </a:duotone>
             <a:extLst>
               <a:ext uri="{BEBA8EAE-BF5A-486C-A8C5-ECC9F3942E4B}">
-                <a14:imgProps xmlns:a14="http://schemas.microsoft.com/office/drawing/2010/main" xmlns="">
+                <a14:imgProps xmlns="" xmlns:a14="http://schemas.microsoft.com/office/drawing/2010/main">
                   <a14:imgLayer r:embed="rId9">
                     <a14:imgEffect>
                       <a14:saturation sat="0"/>
@@ -9500,7 +9500,7 @@
                 </a14:imgProps>
               </a:ext>
               <a:ext uri="{28A0092B-C50C-407E-A947-70E740481C1C}">
-                <a14:useLocalDpi xmlns:a14="http://schemas.microsoft.com/office/drawing/2010/main" xmlns="" val="0"/>
+                <a14:useLocalDpi xmlns="" xmlns:a14="http://schemas.microsoft.com/office/drawing/2010/main" val="0"/>
               </a:ext>
             </a:extLst>
           </a:blip>
@@ -9521,7 +9521,7 @@
     </p:spTree>
     <p:extLst>
       <p:ext uri="{BB962C8B-B14F-4D97-AF65-F5344CB8AC3E}">
-        <p14:creationId xmlns:p14="http://schemas.microsoft.com/office/powerpoint/2010/main" xmlns="" val="3587497191"/>
+        <p14:creationId xmlns="" xmlns:p14="http://schemas.microsoft.com/office/powerpoint/2010/main" val="3587497191"/>
       </p:ext>
     </p:extLst>
   </p:cSld>
@@ -9865,12 +9865,16 @@
           <a:p>
             <a:pPr algn="ctr"/>
             <a:r>
+              <a:rPr lang="en-US" altLang="zh-CN" sz="9600" dirty="0" smtClean="0"/>
+              <a:t>PSI – </a:t>
+            </a:r>
+            <a:r>
               <a:rPr lang="zh-CN" altLang="en-US" sz="9600" dirty="0" smtClean="0"/>
-              <a:t>开源进销存</a:t>
+              <a:t>开源</a:t>
             </a:r>
             <a:r>
               <a:rPr lang="en-US" altLang="zh-CN" sz="9600" dirty="0" smtClean="0"/>
-              <a:t>PSI</a:t>
+              <a:t>ERP</a:t>
             </a:r>
             <a:endParaRPr lang="zh-CN" altLang="en-US" sz="9600" dirty="0"/>
           </a:p>
@@ -9885,7 +9889,7 @@
         <p:spPr>
           <a:xfrm>
             <a:off x="674561" y="359766"/>
-            <a:ext cx="1620957" cy="369332"/>
+            <a:ext cx="1505540" cy="369332"/>
           </a:xfrm>
           <a:prstGeom prst="rect">
             <a:avLst/>
@@ -9899,12 +9903,20 @@
           <a:lstStyle/>
           <a:p>
             <a:r>
+              <a:rPr lang="en-US" altLang="zh-CN" dirty="0" smtClean="0">
+                <a:solidFill>
+                  <a:srgbClr val="F6F5F5"/>
+                </a:solidFill>
+              </a:rPr>
+              <a:t>PSI – </a:t>
+            </a:r>
+            <a:r>
               <a:rPr lang="zh-CN" altLang="en-US" dirty="0" smtClean="0">
                 <a:solidFill>
                   <a:srgbClr val="F6F5F5"/>
                 </a:solidFill>
               </a:rPr>
-              <a:t>开源进销存</a:t>
+              <a:t>开源</a:t>
             </a:r>
             <a:r>
               <a:rPr lang="en-US" altLang="zh-CN" dirty="0" smtClean="0">
@@ -9912,7 +9924,7 @@
                   <a:srgbClr val="F6F5F5"/>
                 </a:solidFill>
               </a:rPr>
-              <a:t>PSI</a:t>
+              <a:t>ERP</a:t>
             </a:r>
             <a:endParaRPr lang="zh-CN" altLang="en-US" dirty="0">
               <a:solidFill>
@@ -10083,7 +10095,7 @@
           </a:ln>
           <a:extLst>
             <a:ext uri="{91240B29-F687-4F45-9708-019B960494DF}">
-              <a14:hiddenLine xmlns:a14="http://schemas.microsoft.com/office/drawing/2010/main" xmlns="" w="9525">
+              <a14:hiddenLine xmlns="" xmlns:a14="http://schemas.microsoft.com/office/drawing/2010/main" w="9525">
                 <a:solidFill>
                   <a:srgbClr val="000000"/>
                 </a:solidFill>
@@ -10186,14 +10198,14 @@
           </a:ln>
           <a:extLst>
             <a:ext uri="{909E8E84-426E-40DD-AFC4-6F175D3DCCD1}">
-              <a14:hiddenFill xmlns:a14="http://schemas.microsoft.com/office/drawing/2010/main" xmlns="">
+              <a14:hiddenFill xmlns="" xmlns:a14="http://schemas.microsoft.com/office/drawing/2010/main">
                 <a:solidFill>
                   <a:srgbClr val="FFFFFF"/>
                 </a:solidFill>
               </a14:hiddenFill>
             </a:ext>
             <a:ext uri="{91240B29-F687-4F45-9708-019B960494DF}">
-              <a14:hiddenLine xmlns:a14="http://schemas.microsoft.com/office/drawing/2010/main" xmlns="" w="9525">
+              <a14:hiddenLine xmlns="" xmlns:a14="http://schemas.microsoft.com/office/drawing/2010/main" w="9525">
                 <a:solidFill>
                   <a:srgbClr val="000000"/>
                 </a:solidFill>
@@ -10299,7 +10311,7 @@
           </a:ln>
           <a:extLst>
             <a:ext uri="{91240B29-F687-4F45-9708-019B960494DF}">
-              <a14:hiddenLine xmlns:a14="http://schemas.microsoft.com/office/drawing/2010/main" xmlns="" w="9525">
+              <a14:hiddenLine xmlns="" xmlns:a14="http://schemas.microsoft.com/office/drawing/2010/main" w="9525">
                 <a:solidFill>
                   <a:srgbClr val="000000"/>
                 </a:solidFill>
@@ -10402,14 +10414,14 @@
           </a:ln>
           <a:extLst>
             <a:ext uri="{909E8E84-426E-40DD-AFC4-6F175D3DCCD1}">
-              <a14:hiddenFill xmlns:a14="http://schemas.microsoft.com/office/drawing/2010/main" xmlns="">
+              <a14:hiddenFill xmlns="" xmlns:a14="http://schemas.microsoft.com/office/drawing/2010/main">
                 <a:solidFill>
                   <a:srgbClr val="FFFFFF"/>
                 </a:solidFill>
               </a14:hiddenFill>
             </a:ext>
             <a:ext uri="{91240B29-F687-4F45-9708-019B960494DF}">
-              <a14:hiddenLine xmlns:a14="http://schemas.microsoft.com/office/drawing/2010/main" xmlns="" w="9525">
+              <a14:hiddenLine xmlns="" xmlns:a14="http://schemas.microsoft.com/office/drawing/2010/main" w="9525">
                 <a:solidFill>
                   <a:srgbClr val="000000"/>
                 </a:solidFill>
@@ -10515,7 +10527,7 @@
           </a:ln>
           <a:extLst>
             <a:ext uri="{91240B29-F687-4F45-9708-019B960494DF}">
-              <a14:hiddenLine xmlns:a14="http://schemas.microsoft.com/office/drawing/2010/main" xmlns="" w="9525">
+              <a14:hiddenLine xmlns="" xmlns:a14="http://schemas.microsoft.com/office/drawing/2010/main" w="9525">
                 <a:solidFill>
                   <a:srgbClr val="000000"/>
                 </a:solidFill>
@@ -10618,14 +10630,14 @@
           </a:ln>
           <a:extLst>
             <a:ext uri="{909E8E84-426E-40DD-AFC4-6F175D3DCCD1}">
-              <a14:hiddenFill xmlns:a14="http://schemas.microsoft.com/office/drawing/2010/main" xmlns="">
+              <a14:hiddenFill xmlns="" xmlns:a14="http://schemas.microsoft.com/office/drawing/2010/main">
                 <a:solidFill>
                   <a:srgbClr val="FFFFFF"/>
                 </a:solidFill>
               </a14:hiddenFill>
             </a:ext>
             <a:ext uri="{91240B29-F687-4F45-9708-019B960494DF}">
-              <a14:hiddenLine xmlns:a14="http://schemas.microsoft.com/office/drawing/2010/main" xmlns="" w="9525">
+              <a14:hiddenLine xmlns="" xmlns:a14="http://schemas.microsoft.com/office/drawing/2010/main" w="9525">
                 <a:solidFill>
                   <a:srgbClr val="000000"/>
                 </a:solidFill>
@@ -10731,7 +10743,7 @@
           </a:ln>
           <a:extLst>
             <a:ext uri="{91240B29-F687-4F45-9708-019B960494DF}">
-              <a14:hiddenLine xmlns:a14="http://schemas.microsoft.com/office/drawing/2010/main" xmlns="" w="9525">
+              <a14:hiddenLine xmlns="" xmlns:a14="http://schemas.microsoft.com/office/drawing/2010/main" w="9525">
                 <a:solidFill>
                   <a:srgbClr val="000000"/>
                 </a:solidFill>
@@ -10834,14 +10846,14 @@
           </a:ln>
           <a:extLst>
             <a:ext uri="{909E8E84-426E-40DD-AFC4-6F175D3DCCD1}">
-              <a14:hiddenFill xmlns:a14="http://schemas.microsoft.com/office/drawing/2010/main" xmlns="">
+              <a14:hiddenFill xmlns="" xmlns:a14="http://schemas.microsoft.com/office/drawing/2010/main">
                 <a:solidFill>
                   <a:srgbClr val="FFFFFF"/>
                 </a:solidFill>
               </a14:hiddenFill>
             </a:ext>
             <a:ext uri="{91240B29-F687-4F45-9708-019B960494DF}">
-              <a14:hiddenLine xmlns:a14="http://schemas.microsoft.com/office/drawing/2010/main" xmlns="" w="9525">
+              <a14:hiddenLine xmlns="" xmlns:a14="http://schemas.microsoft.com/office/drawing/2010/main" w="9525">
                 <a:solidFill>
                   <a:srgbClr val="000000"/>
                 </a:solidFill>
@@ -10888,7 +10900,7 @@
           </a:ln>
           <a:extLst>
             <a:ext uri="{91240B29-F687-4F45-9708-019B960494DF}">
-              <a14:hiddenLine xmlns:a14="http://schemas.microsoft.com/office/drawing/2010/main" xmlns="" w="9525">
+              <a14:hiddenLine xmlns="" xmlns:a14="http://schemas.microsoft.com/office/drawing/2010/main" w="9525">
                 <a:solidFill>
                   <a:srgbClr val="000000"/>
                 </a:solidFill>
@@ -10918,7 +10930,15 @@
             <a:pPr algn="ctr"/>
             <a:r>
               <a:rPr lang="zh-CN" altLang="en-US" sz="2000" dirty="0" smtClean="0"/>
-              <a:t>开源进销存</a:t>
+              <a:t>开</a:t>
+            </a:r>
+            <a:r>
+              <a:rPr lang="zh-CN" altLang="en-US" sz="2000" dirty="0" smtClean="0"/>
+              <a:t>源</a:t>
+            </a:r>
+            <a:r>
+              <a:rPr lang="en-US" altLang="zh-CN" sz="2000" dirty="0" smtClean="0"/>
+              <a:t>ERP</a:t>
             </a:r>
             <a:endParaRPr lang="en-US" altLang="zh-CN" sz="2000" dirty="0" smtClean="0"/>
           </a:p>
@@ -11023,7 +11043,7 @@
           </a:ln>
           <a:extLst>
             <a:ext uri="{91240B29-F687-4F45-9708-019B960494DF}">
-              <a14:hiddenLine xmlns:a14="http://schemas.microsoft.com/office/drawing/2010/main" xmlns="" w="9525">
+              <a14:hiddenLine xmlns="" xmlns:a14="http://schemas.microsoft.com/office/drawing/2010/main" w="9525">
                 <a:solidFill>
                   <a:srgbClr val="000000"/>
                 </a:solidFill>
@@ -11137,7 +11157,7 @@
           </a:ln>
           <a:extLst>
             <a:ext uri="{91240B29-F687-4F45-9708-019B960494DF}">
-              <a14:hiddenLine xmlns:a14="http://schemas.microsoft.com/office/drawing/2010/main" xmlns="" w="9525">
+              <a14:hiddenLine xmlns="" xmlns:a14="http://schemas.microsoft.com/office/drawing/2010/main" w="9525">
                 <a:solidFill>
                   <a:srgbClr val="000000"/>
                 </a:solidFill>
@@ -11251,7 +11271,7 @@
           </a:ln>
           <a:extLst>
             <a:ext uri="{91240B29-F687-4F45-9708-019B960494DF}">
-              <a14:hiddenLine xmlns:a14="http://schemas.microsoft.com/office/drawing/2010/main" xmlns="" w="9525">
+              <a14:hiddenLine xmlns="" xmlns:a14="http://schemas.microsoft.com/office/drawing/2010/main" w="9525">
                 <a:solidFill>
                   <a:srgbClr val="000000"/>
                 </a:solidFill>
@@ -11365,7 +11385,7 @@
           </a:ln>
           <a:extLst>
             <a:ext uri="{91240B29-F687-4F45-9708-019B960494DF}">
-              <a14:hiddenLine xmlns:a14="http://schemas.microsoft.com/office/drawing/2010/main" xmlns="" w="9525">
+              <a14:hiddenLine xmlns="" xmlns:a14="http://schemas.microsoft.com/office/drawing/2010/main" w="9525">
                 <a:solidFill>
                   <a:srgbClr val="000000"/>
                 </a:solidFill>
@@ -11505,7 +11525,7 @@
             </a:ln>
             <a:extLst>
               <a:ext uri="{91240B29-F687-4F45-9708-019B960494DF}">
-                <a14:hiddenLine xmlns:a14="http://schemas.microsoft.com/office/drawing/2010/main" xmlns="" w="9525">
+                <a14:hiddenLine xmlns="" xmlns:a14="http://schemas.microsoft.com/office/drawing/2010/main" w="9525">
                   <a:solidFill>
                     <a:srgbClr val="000000"/>
                   </a:solidFill>
@@ -11631,7 +11651,7 @@
             </a:ln>
             <a:extLst>
               <a:ext uri="{91240B29-F687-4F45-9708-019B960494DF}">
-                <a14:hiddenLine xmlns:a14="http://schemas.microsoft.com/office/drawing/2010/main" xmlns="" w="9525">
+                <a14:hiddenLine xmlns="" xmlns:a14="http://schemas.microsoft.com/office/drawing/2010/main" w="9525">
                   <a:solidFill>
                     <a:srgbClr val="000000"/>
                   </a:solidFill>
@@ -11757,7 +11777,7 @@
             </a:ln>
             <a:extLst>
               <a:ext uri="{91240B29-F687-4F45-9708-019B960494DF}">
-                <a14:hiddenLine xmlns:a14="http://schemas.microsoft.com/office/drawing/2010/main" xmlns="" w="9525">
+                <a14:hiddenLine xmlns="" xmlns:a14="http://schemas.microsoft.com/office/drawing/2010/main" w="9525">
                   <a:solidFill>
                     <a:srgbClr val="000000"/>
                   </a:solidFill>
@@ -11883,7 +11903,7 @@
             </a:ln>
             <a:extLst>
               <a:ext uri="{91240B29-F687-4F45-9708-019B960494DF}">
-                <a14:hiddenLine xmlns:a14="http://schemas.microsoft.com/office/drawing/2010/main" xmlns="" w="9525">
+                <a14:hiddenLine xmlns="" xmlns:a14="http://schemas.microsoft.com/office/drawing/2010/main" w="9525">
                   <a:solidFill>
                     <a:srgbClr val="000000"/>
                   </a:solidFill>
@@ -12009,7 +12029,7 @@
             </a:ln>
             <a:extLst>
               <a:ext uri="{91240B29-F687-4F45-9708-019B960494DF}">
-                <a14:hiddenLine xmlns:a14="http://schemas.microsoft.com/office/drawing/2010/main" xmlns="" w="9525">
+                <a14:hiddenLine xmlns="" xmlns:a14="http://schemas.microsoft.com/office/drawing/2010/main" w="9525">
                   <a:solidFill>
                     <a:srgbClr val="000000"/>
                   </a:solidFill>
@@ -12150,7 +12170,7 @@
             </a:ln>
             <a:extLst>
               <a:ext uri="{91240B29-F687-4F45-9708-019B960494DF}">
-                <a14:hiddenLine xmlns:a14="http://schemas.microsoft.com/office/drawing/2010/main" xmlns="" w="9525">
+                <a14:hiddenLine xmlns="" xmlns:a14="http://schemas.microsoft.com/office/drawing/2010/main" w="9525">
                   <a:solidFill>
                     <a:srgbClr val="000000"/>
                   </a:solidFill>
@@ -12276,7 +12296,7 @@
             </a:ln>
             <a:extLst>
               <a:ext uri="{91240B29-F687-4F45-9708-019B960494DF}">
-                <a14:hiddenLine xmlns:a14="http://schemas.microsoft.com/office/drawing/2010/main" xmlns="" w="9525">
+                <a14:hiddenLine xmlns="" xmlns:a14="http://schemas.microsoft.com/office/drawing/2010/main" w="9525">
                   <a:solidFill>
                     <a:srgbClr val="000000"/>
                   </a:solidFill>
@@ -12402,7 +12422,7 @@
             </a:ln>
             <a:extLst>
               <a:ext uri="{91240B29-F687-4F45-9708-019B960494DF}">
-                <a14:hiddenLine xmlns:a14="http://schemas.microsoft.com/office/drawing/2010/main" xmlns="" w="9525">
+                <a14:hiddenLine xmlns="" xmlns:a14="http://schemas.microsoft.com/office/drawing/2010/main" w="9525">
                   <a:solidFill>
                     <a:srgbClr val="000000"/>
                   </a:solidFill>
@@ -12528,7 +12548,7 @@
             </a:ln>
             <a:extLst>
               <a:ext uri="{91240B29-F687-4F45-9708-019B960494DF}">
-                <a14:hiddenLine xmlns:a14="http://schemas.microsoft.com/office/drawing/2010/main" xmlns="" w="9525">
+                <a14:hiddenLine xmlns="" xmlns:a14="http://schemas.microsoft.com/office/drawing/2010/main" w="9525">
                   <a:solidFill>
                     <a:srgbClr val="000000"/>
                   </a:solidFill>
@@ -12654,7 +12674,7 @@
             </a:ln>
             <a:extLst>
               <a:ext uri="{91240B29-F687-4F45-9708-019B960494DF}">
-                <a14:hiddenLine xmlns:a14="http://schemas.microsoft.com/office/drawing/2010/main" xmlns="" w="9525">
+                <a14:hiddenLine xmlns="" xmlns:a14="http://schemas.microsoft.com/office/drawing/2010/main" w="9525">
                   <a:solidFill>
                     <a:srgbClr val="000000"/>
                   </a:solidFill>
@@ -12768,7 +12788,7 @@
             </a:ln>
             <a:extLst>
               <a:ext uri="{91240B29-F687-4F45-9708-019B960494DF}">
-                <a14:hiddenLine xmlns:a14="http://schemas.microsoft.com/office/drawing/2010/main" xmlns="" w="9525">
+                <a14:hiddenLine xmlns="" xmlns:a14="http://schemas.microsoft.com/office/drawing/2010/main" w="9525">
                   <a:solidFill>
                     <a:srgbClr val="000000"/>
                   </a:solidFill>
@@ -12894,7 +12914,7 @@
             </a:ln>
             <a:extLst>
               <a:ext uri="{91240B29-F687-4F45-9708-019B960494DF}">
-                <a14:hiddenLine xmlns:a14="http://schemas.microsoft.com/office/drawing/2010/main" xmlns="" w="9525">
+                <a14:hiddenLine xmlns="" xmlns:a14="http://schemas.microsoft.com/office/drawing/2010/main" w="9525">
                   <a:solidFill>
                     <a:srgbClr val="000000"/>
                   </a:solidFill>
@@ -12956,7 +12976,7 @@
             </a:ln>
             <a:extLst>
               <a:ext uri="{91240B29-F687-4F45-9708-019B960494DF}">
-                <a14:hiddenLine xmlns:a14="http://schemas.microsoft.com/office/drawing/2010/main" xmlns="" w="9525">
+                <a14:hiddenLine xmlns="" xmlns:a14="http://schemas.microsoft.com/office/drawing/2010/main" w="9525">
                   <a:solidFill>
                     <a:srgbClr val="000000"/>
                   </a:solidFill>
@@ -13102,7 +13122,7 @@
             </a:ln>
             <a:extLst>
               <a:ext uri="{91240B29-F687-4F45-9708-019B960494DF}">
-                <a14:hiddenLine xmlns:a14="http://schemas.microsoft.com/office/drawing/2010/main" xmlns="" w="9525">
+                <a14:hiddenLine xmlns="" xmlns:a14="http://schemas.microsoft.com/office/drawing/2010/main" w="9525">
                   <a:solidFill>
                     <a:srgbClr val="000000"/>
                   </a:solidFill>
@@ -13149,7 +13169,7 @@
             </a:ln>
             <a:extLst>
               <a:ext uri="{91240B29-F687-4F45-9708-019B960494DF}">
-                <a14:hiddenLine xmlns:a14="http://schemas.microsoft.com/office/drawing/2010/main" xmlns="" w="9525">
+                <a14:hiddenLine xmlns="" xmlns:a14="http://schemas.microsoft.com/office/drawing/2010/main" w="9525">
                   <a:solidFill>
                     <a:srgbClr val="000000"/>
                   </a:solidFill>
@@ -13295,7 +13315,7 @@
             </a:ln>
             <a:extLst>
               <a:ext uri="{91240B29-F687-4F45-9708-019B960494DF}">
-                <a14:hiddenLine xmlns:a14="http://schemas.microsoft.com/office/drawing/2010/main" xmlns="" w="9525">
+                <a14:hiddenLine xmlns="" xmlns:a14="http://schemas.microsoft.com/office/drawing/2010/main" w="9525">
                   <a:solidFill>
                     <a:srgbClr val="000000"/>
                   </a:solidFill>
@@ -13342,7 +13362,7 @@
             </a:ln>
             <a:extLst>
               <a:ext uri="{91240B29-F687-4F45-9708-019B960494DF}">
-                <a14:hiddenLine xmlns:a14="http://schemas.microsoft.com/office/drawing/2010/main" xmlns="" w="9525">
+                <a14:hiddenLine xmlns="" xmlns:a14="http://schemas.microsoft.com/office/drawing/2010/main" w="9525">
                   <a:solidFill>
                     <a:srgbClr val="000000"/>
                   </a:solidFill>
@@ -13488,7 +13508,7 @@
             </a:ln>
             <a:extLst>
               <a:ext uri="{91240B29-F687-4F45-9708-019B960494DF}">
-                <a14:hiddenLine xmlns:a14="http://schemas.microsoft.com/office/drawing/2010/main" xmlns="" w="9525">
+                <a14:hiddenLine xmlns="" xmlns:a14="http://schemas.microsoft.com/office/drawing/2010/main" w="9525">
                   <a:solidFill>
                     <a:srgbClr val="000000"/>
                   </a:solidFill>
@@ -13535,7 +13555,7 @@
             </a:ln>
             <a:extLst>
               <a:ext uri="{91240B29-F687-4F45-9708-019B960494DF}">
-                <a14:hiddenLine xmlns:a14="http://schemas.microsoft.com/office/drawing/2010/main" xmlns="" w="9525">
+                <a14:hiddenLine xmlns="" xmlns:a14="http://schemas.microsoft.com/office/drawing/2010/main" w="9525">
                   <a:solidFill>
                     <a:srgbClr val="000000"/>
                   </a:solidFill>
@@ -13681,7 +13701,7 @@
             </a:ln>
             <a:extLst>
               <a:ext uri="{91240B29-F687-4F45-9708-019B960494DF}">
-                <a14:hiddenLine xmlns:a14="http://schemas.microsoft.com/office/drawing/2010/main" xmlns="" w="9525">
+                <a14:hiddenLine xmlns="" xmlns:a14="http://schemas.microsoft.com/office/drawing/2010/main" w="9525">
                   <a:solidFill>
                     <a:srgbClr val="000000"/>
                   </a:solidFill>
@@ -13728,7 +13748,7 @@
             </a:ln>
             <a:extLst>
               <a:ext uri="{91240B29-F687-4F45-9708-019B960494DF}">
-                <a14:hiddenLine xmlns:a14="http://schemas.microsoft.com/office/drawing/2010/main" xmlns="" w="9525">
+                <a14:hiddenLine xmlns="" xmlns:a14="http://schemas.microsoft.com/office/drawing/2010/main" w="9525">
                   <a:solidFill>
                     <a:srgbClr val="000000"/>
                   </a:solidFill>
@@ -13874,7 +13894,7 @@
             </a:ln>
             <a:extLst>
               <a:ext uri="{91240B29-F687-4F45-9708-019B960494DF}">
-                <a14:hiddenLine xmlns:a14="http://schemas.microsoft.com/office/drawing/2010/main" xmlns="" w="9525">
+                <a14:hiddenLine xmlns="" xmlns:a14="http://schemas.microsoft.com/office/drawing/2010/main" w="9525">
                   <a:solidFill>
                     <a:srgbClr val="000000"/>
                   </a:solidFill>
@@ -14044,7 +14064,7 @@
             </a:ln>
             <a:extLst>
               <a:ext uri="{91240B29-F687-4F45-9708-019B960494DF}">
-                <a14:hiddenLine xmlns:a14="http://schemas.microsoft.com/office/drawing/2010/main" xmlns="" w="9525">
+                <a14:hiddenLine xmlns="" xmlns:a14="http://schemas.microsoft.com/office/drawing/2010/main" w="9525">
                   <a:solidFill>
                     <a:srgbClr val="000000"/>
                   </a:solidFill>
@@ -14239,7 +14259,7 @@
             </a:ln>
             <a:extLst>
               <a:ext uri="{91240B29-F687-4F45-9708-019B960494DF}">
-                <a14:hiddenLine xmlns:a14="http://schemas.microsoft.com/office/drawing/2010/main" xmlns="" w="9525">
+                <a14:hiddenLine xmlns="" xmlns:a14="http://schemas.microsoft.com/office/drawing/2010/main" w="9525">
                   <a:solidFill>
                     <a:srgbClr val="000000"/>
                   </a:solidFill>
@@ -14474,7 +14494,7 @@
             </a:ln>
             <a:extLst>
               <a:ext uri="{91240B29-F687-4F45-9708-019B960494DF}">
-                <a14:hiddenLine xmlns:a14="http://schemas.microsoft.com/office/drawing/2010/main" xmlns="" w="9525">
+                <a14:hiddenLine xmlns="" xmlns:a14="http://schemas.microsoft.com/office/drawing/2010/main" w="9525">
                   <a:solidFill>
                     <a:srgbClr val="000000"/>
                   </a:solidFill>
@@ -14521,7 +14541,7 @@
             </a:ln>
             <a:extLst>
               <a:ext uri="{91240B29-F687-4F45-9708-019B960494DF}">
-                <a14:hiddenLine xmlns:a14="http://schemas.microsoft.com/office/drawing/2010/main" xmlns="" w="9525">
+                <a14:hiddenLine xmlns="" xmlns:a14="http://schemas.microsoft.com/office/drawing/2010/main" w="9525">
                   <a:solidFill>
                     <a:srgbClr val="000000"/>
                   </a:solidFill>
@@ -14568,7 +14588,7 @@
             </a:ln>
             <a:extLst>
               <a:ext uri="{91240B29-F687-4F45-9708-019B960494DF}">
-                <a14:hiddenLine xmlns:a14="http://schemas.microsoft.com/office/drawing/2010/main" xmlns="" w="9525">
+                <a14:hiddenLine xmlns="" xmlns:a14="http://schemas.microsoft.com/office/drawing/2010/main" w="9525">
                   <a:solidFill>
                     <a:srgbClr val="000000"/>
                   </a:solidFill>
@@ -14615,7 +14635,7 @@
             </a:ln>
             <a:extLst>
               <a:ext uri="{91240B29-F687-4F45-9708-019B960494DF}">
-                <a14:hiddenLine xmlns:a14="http://schemas.microsoft.com/office/drawing/2010/main" xmlns="" w="9525">
+                <a14:hiddenLine xmlns="" xmlns:a14="http://schemas.microsoft.com/office/drawing/2010/main" w="9525">
                   <a:solidFill>
                     <a:srgbClr val="000000"/>
                   </a:solidFill>
@@ -14662,7 +14682,7 @@
             </a:ln>
             <a:extLst>
               <a:ext uri="{91240B29-F687-4F45-9708-019B960494DF}">
-                <a14:hiddenLine xmlns:a14="http://schemas.microsoft.com/office/drawing/2010/main" xmlns="" w="9525">
+                <a14:hiddenLine xmlns="" xmlns:a14="http://schemas.microsoft.com/office/drawing/2010/main" w="9525">
                   <a:solidFill>
                     <a:srgbClr val="000000"/>
                   </a:solidFill>
@@ -15339,7 +15359,20 @@
                 <a:latin typeface="微软雅黑" panose="020B0503020204020204" pitchFamily="34" charset="-122"/>
                 <a:ea typeface="微软雅黑" panose="020B0503020204020204" pitchFamily="34" charset="-122"/>
               </a:rPr>
-              <a:t>产品网址：</a:t>
+              <a:t>产品网址</a:t>
+            </a:r>
+            <a:r>
+              <a:rPr lang="zh-CN" altLang="en-US" dirty="0" smtClean="0">
+                <a:solidFill>
+                  <a:schemeClr val="tx1">
+                    <a:lumMod val="65000"/>
+                    <a:lumOff val="35000"/>
+                  </a:schemeClr>
+                </a:solidFill>
+                <a:latin typeface="微软雅黑" panose="020B0503020204020204" pitchFamily="34" charset="-122"/>
+                <a:ea typeface="微软雅黑" panose="020B0503020204020204" pitchFamily="34" charset="-122"/>
+              </a:rPr>
+              <a:t>：</a:t>
             </a:r>
             <a:r>
               <a:rPr lang="en-US" altLang="zh-CN" dirty="0" smtClean="0">
@@ -15352,7 +15385,7 @@
                 <a:latin typeface="微软雅黑" panose="020B0503020204020204" pitchFamily="34" charset="-122"/>
                 <a:ea typeface="微软雅黑" panose="020B0503020204020204" pitchFamily="34" charset="-122"/>
               </a:rPr>
-              <a:t>http://git.oschina.net/crm8000/PSI</a:t>
+              <a:t>https://gitee.com/crm8000/PSI</a:t>
             </a:r>
             <a:endParaRPr lang="en-US" altLang="zh-CN" dirty="0">
               <a:solidFill>
@@ -15424,7 +15457,7 @@
     </p:spTree>
     <p:extLst>
       <p:ext uri="{BB962C8B-B14F-4D97-AF65-F5344CB8AC3E}">
-        <p14:creationId xmlns:p14="http://schemas.microsoft.com/office/powerpoint/2010/main" xmlns="" val="528797613"/>
+        <p14:creationId xmlns="" xmlns:p14="http://schemas.microsoft.com/office/powerpoint/2010/main" val="528797613"/>
       </p:ext>
     </p:extLst>
   </p:cSld>
@@ -15656,7 +15689,7 @@
           </a:ln>
           <a:extLst>
             <a:ext uri="{91240B29-F687-4F45-9708-019B960494DF}">
-              <a14:hiddenLine xmlns="" xmlns:a14="http://schemas.microsoft.com/office/drawing/2010/main" w="9525">
+              <a14:hiddenLine xmlns:a14="http://schemas.microsoft.com/office/drawing/2010/main" xmlns="" w="9525">
                 <a:solidFill>
                   <a:srgbClr val="000000"/>
                 </a:solidFill>
@@ -15882,7 +15915,7 @@
           </a:ln>
           <a:extLst>
             <a:ext uri="{91240B29-F687-4F45-9708-019B960494DF}">
-              <a14:hiddenLine xmlns="" xmlns:a14="http://schemas.microsoft.com/office/drawing/2010/main" w="9525">
+              <a14:hiddenLine xmlns:a14="http://schemas.microsoft.com/office/drawing/2010/main" xmlns="" w="9525">
                 <a:solidFill>
                   <a:srgbClr val="000000"/>
                 </a:solidFill>
@@ -16228,7 +16261,7 @@
           </a:ln>
           <a:extLst>
             <a:ext uri="{91240B29-F687-4F45-9708-019B960494DF}">
-              <a14:hiddenLine xmlns="" xmlns:a14="http://schemas.microsoft.com/office/drawing/2010/main" w="9525">
+              <a14:hiddenLine xmlns:a14="http://schemas.microsoft.com/office/drawing/2010/main" xmlns="" w="9525">
                 <a:solidFill>
                   <a:srgbClr val="000000"/>
                 </a:solidFill>
@@ -16374,7 +16407,7 @@
           </a:ln>
           <a:extLst>
             <a:ext uri="{91240B29-F687-4F45-9708-019B960494DF}">
-              <a14:hiddenLine xmlns="" xmlns:a14="http://schemas.microsoft.com/office/drawing/2010/main" w="9525">
+              <a14:hiddenLine xmlns:a14="http://schemas.microsoft.com/office/drawing/2010/main" xmlns="" w="9525">
                 <a:solidFill>
                   <a:srgbClr val="000000"/>
                 </a:solidFill>
@@ -16480,7 +16513,7 @@
           </a:ln>
           <a:extLst>
             <a:ext uri="{91240B29-F687-4F45-9708-019B960494DF}">
-              <a14:hiddenLine xmlns="" xmlns:a14="http://schemas.microsoft.com/office/drawing/2010/main" w="9525">
+              <a14:hiddenLine xmlns:a14="http://schemas.microsoft.com/office/drawing/2010/main" xmlns="" w="9525">
                 <a:solidFill>
                   <a:srgbClr val="000000"/>
                 </a:solidFill>
@@ -16586,7 +16619,7 @@
           </a:ln>
           <a:extLst>
             <a:ext uri="{91240B29-F687-4F45-9708-019B960494DF}">
-              <a14:hiddenLine xmlns="" xmlns:a14="http://schemas.microsoft.com/office/drawing/2010/main" w="9525">
+              <a14:hiddenLine xmlns:a14="http://schemas.microsoft.com/office/drawing/2010/main" xmlns="" w="9525">
                 <a:solidFill>
                   <a:srgbClr val="000000"/>
                 </a:solidFill>
@@ -16692,7 +16725,7 @@
           </a:ln>
           <a:extLst>
             <a:ext uri="{91240B29-F687-4F45-9708-019B960494DF}">
-              <a14:hiddenLine xmlns="" xmlns:a14="http://schemas.microsoft.com/office/drawing/2010/main" w="9525">
+              <a14:hiddenLine xmlns:a14="http://schemas.microsoft.com/office/drawing/2010/main" xmlns="" w="9525">
                 <a:solidFill>
                   <a:srgbClr val="000000"/>
                 </a:solidFill>
@@ -16822,7 +16855,7 @@
           </a:ln>
           <a:extLst>
             <a:ext uri="{91240B29-F687-4F45-9708-019B960494DF}">
-              <a14:hiddenLine xmlns="" xmlns:a14="http://schemas.microsoft.com/office/drawing/2010/main" w="9525">
+              <a14:hiddenLine xmlns:a14="http://schemas.microsoft.com/office/drawing/2010/main" xmlns="" w="9525">
                 <a:solidFill>
                   <a:srgbClr val="000000"/>
                 </a:solidFill>
@@ -16968,7 +17001,7 @@
           </a:ln>
           <a:extLst>
             <a:ext uri="{91240B29-F687-4F45-9708-019B960494DF}">
-              <a14:hiddenLine xmlns="" xmlns:a14="http://schemas.microsoft.com/office/drawing/2010/main" w="9525">
+              <a14:hiddenLine xmlns:a14="http://schemas.microsoft.com/office/drawing/2010/main" xmlns="" w="9525">
                 <a:solidFill>
                   <a:srgbClr val="000000"/>
                 </a:solidFill>
@@ -17194,7 +17227,7 @@
           </a:ln>
           <a:extLst>
             <a:ext uri="{91240B29-F687-4F45-9708-019B960494DF}">
-              <a14:hiddenLine xmlns="" xmlns:a14="http://schemas.microsoft.com/office/drawing/2010/main" w="9525">
+              <a14:hiddenLine xmlns:a14="http://schemas.microsoft.com/office/drawing/2010/main" xmlns="" w="9525">
                 <a:solidFill>
                   <a:srgbClr val="000000"/>
                 </a:solidFill>
@@ -17540,7 +17573,7 @@
           </a:ln>
           <a:extLst>
             <a:ext uri="{91240B29-F687-4F45-9708-019B960494DF}">
-              <a14:hiddenLine xmlns="" xmlns:a14="http://schemas.microsoft.com/office/drawing/2010/main" w="9525">
+              <a14:hiddenLine xmlns:a14="http://schemas.microsoft.com/office/drawing/2010/main" xmlns="" w="9525">
                 <a:solidFill>
                   <a:srgbClr val="000000"/>
                 </a:solidFill>
@@ -17686,7 +17719,7 @@
           </a:ln>
           <a:extLst>
             <a:ext uri="{91240B29-F687-4F45-9708-019B960494DF}">
-              <a14:hiddenLine xmlns="" xmlns:a14="http://schemas.microsoft.com/office/drawing/2010/main" w="9525">
+              <a14:hiddenLine xmlns:a14="http://schemas.microsoft.com/office/drawing/2010/main" xmlns="" w="9525">
                 <a:solidFill>
                   <a:srgbClr val="000000"/>
                 </a:solidFill>
@@ -17792,7 +17825,7 @@
           </a:ln>
           <a:extLst>
             <a:ext uri="{91240B29-F687-4F45-9708-019B960494DF}">
-              <a14:hiddenLine xmlns="" xmlns:a14="http://schemas.microsoft.com/office/drawing/2010/main" w="9525">
+              <a14:hiddenLine xmlns:a14="http://schemas.microsoft.com/office/drawing/2010/main" xmlns="" w="9525">
                 <a:solidFill>
                   <a:srgbClr val="000000"/>
                 </a:solidFill>
@@ -17898,7 +17931,7 @@
           </a:ln>
           <a:extLst>
             <a:ext uri="{91240B29-F687-4F45-9708-019B960494DF}">
-              <a14:hiddenLine xmlns="" xmlns:a14="http://schemas.microsoft.com/office/drawing/2010/main" w="9525">
+              <a14:hiddenLine xmlns:a14="http://schemas.microsoft.com/office/drawing/2010/main" xmlns="" w="9525">
                 <a:solidFill>
                   <a:srgbClr val="000000"/>
                 </a:solidFill>
@@ -18004,7 +18037,7 @@
           </a:ln>
           <a:extLst>
             <a:ext uri="{91240B29-F687-4F45-9708-019B960494DF}">
-              <a14:hiddenLine xmlns="" xmlns:a14="http://schemas.microsoft.com/office/drawing/2010/main" w="9525">
+              <a14:hiddenLine xmlns:a14="http://schemas.microsoft.com/office/drawing/2010/main" xmlns="" w="9525">
                 <a:solidFill>
                   <a:srgbClr val="000000"/>
                 </a:solidFill>
@@ -18210,7 +18243,7 @@
           </a:ln>
           <a:extLst>
             <a:ext uri="{91240B29-F687-4F45-9708-019B960494DF}">
-              <a14:hiddenLine xmlns="" xmlns:a14="http://schemas.microsoft.com/office/drawing/2010/main" w="9525">
+              <a14:hiddenLine xmlns:a14="http://schemas.microsoft.com/office/drawing/2010/main" xmlns="" w="9525">
                 <a:solidFill>
                   <a:srgbClr val="000000"/>
                 </a:solidFill>
@@ -18356,7 +18389,7 @@
           </a:ln>
           <a:extLst>
             <a:ext uri="{91240B29-F687-4F45-9708-019B960494DF}">
-              <a14:hiddenLine xmlns="" xmlns:a14="http://schemas.microsoft.com/office/drawing/2010/main" w="9525">
+              <a14:hiddenLine xmlns:a14="http://schemas.microsoft.com/office/drawing/2010/main" xmlns="" w="9525">
                 <a:solidFill>
                   <a:srgbClr val="000000"/>
                 </a:solidFill>
@@ -18582,7 +18615,7 @@
           </a:ln>
           <a:extLst>
             <a:ext uri="{91240B29-F687-4F45-9708-019B960494DF}">
-              <a14:hiddenLine xmlns="" xmlns:a14="http://schemas.microsoft.com/office/drawing/2010/main" w="9525">
+              <a14:hiddenLine xmlns:a14="http://schemas.microsoft.com/office/drawing/2010/main" xmlns="" w="9525">
                 <a:solidFill>
                   <a:srgbClr val="000000"/>
                 </a:solidFill>
@@ -18928,7 +18961,7 @@
           </a:ln>
           <a:extLst>
             <a:ext uri="{91240B29-F687-4F45-9708-019B960494DF}">
-              <a14:hiddenLine xmlns="" xmlns:a14="http://schemas.microsoft.com/office/drawing/2010/main" w="9525">
+              <a14:hiddenLine xmlns:a14="http://schemas.microsoft.com/office/drawing/2010/main" xmlns="" w="9525">
                 <a:solidFill>
                   <a:srgbClr val="000000"/>
                 </a:solidFill>
@@ -19074,7 +19107,7 @@
           </a:ln>
           <a:extLst>
             <a:ext uri="{91240B29-F687-4F45-9708-019B960494DF}">
-              <a14:hiddenLine xmlns="" xmlns:a14="http://schemas.microsoft.com/office/drawing/2010/main" w="9525">
+              <a14:hiddenLine xmlns:a14="http://schemas.microsoft.com/office/drawing/2010/main" xmlns="" w="9525">
                 <a:solidFill>
                   <a:srgbClr val="000000"/>
                 </a:solidFill>
@@ -19180,7 +19213,7 @@
           </a:ln>
           <a:extLst>
             <a:ext uri="{91240B29-F687-4F45-9708-019B960494DF}">
-              <a14:hiddenLine xmlns="" xmlns:a14="http://schemas.microsoft.com/office/drawing/2010/main" w="9525">
+              <a14:hiddenLine xmlns:a14="http://schemas.microsoft.com/office/drawing/2010/main" xmlns="" w="9525">
                 <a:solidFill>
                   <a:srgbClr val="000000"/>
                 </a:solidFill>
@@ -19286,7 +19319,7 @@
           </a:ln>
           <a:extLst>
             <a:ext uri="{91240B29-F687-4F45-9708-019B960494DF}">
-              <a14:hiddenLine xmlns="" xmlns:a14="http://schemas.microsoft.com/office/drawing/2010/main" w="9525">
+              <a14:hiddenLine xmlns:a14="http://schemas.microsoft.com/office/drawing/2010/main" xmlns="" w="9525">
                 <a:solidFill>
                   <a:srgbClr val="000000"/>
                 </a:solidFill>
@@ -19392,7 +19425,7 @@
           </a:ln>
           <a:extLst>
             <a:ext uri="{91240B29-F687-4F45-9708-019B960494DF}">
-              <a14:hiddenLine xmlns="" xmlns:a14="http://schemas.microsoft.com/office/drawing/2010/main" w="9525">
+              <a14:hiddenLine xmlns:a14="http://schemas.microsoft.com/office/drawing/2010/main" xmlns="" w="9525">
                 <a:solidFill>
                   <a:srgbClr val="000000"/>
                 </a:solidFill>
@@ -19648,7 +19681,7 @@
           </a:ln>
           <a:extLst>
             <a:ext uri="{91240B29-F687-4F45-9708-019B960494DF}">
-              <a14:hiddenLine xmlns="" xmlns:a14="http://schemas.microsoft.com/office/drawing/2010/main" w="9525">
+              <a14:hiddenLine xmlns:a14="http://schemas.microsoft.com/office/drawing/2010/main" xmlns="" w="9525">
                 <a:solidFill>
                   <a:srgbClr val="000000"/>
                 </a:solidFill>
@@ -19794,7 +19827,7 @@
           </a:ln>
           <a:extLst>
             <a:ext uri="{91240B29-F687-4F45-9708-019B960494DF}">
-              <a14:hiddenLine xmlns="" xmlns:a14="http://schemas.microsoft.com/office/drawing/2010/main" w="9525">
+              <a14:hiddenLine xmlns:a14="http://schemas.microsoft.com/office/drawing/2010/main" xmlns="" w="9525">
                 <a:solidFill>
                   <a:srgbClr val="000000"/>
                 </a:solidFill>
@@ -20020,7 +20053,7 @@
           </a:ln>
           <a:extLst>
             <a:ext uri="{91240B29-F687-4F45-9708-019B960494DF}">
-              <a14:hiddenLine xmlns="" xmlns:a14="http://schemas.microsoft.com/office/drawing/2010/main" w="9525">
+              <a14:hiddenLine xmlns:a14="http://schemas.microsoft.com/office/drawing/2010/main" xmlns="" w="9525">
                 <a:solidFill>
                   <a:srgbClr val="000000"/>
                 </a:solidFill>
@@ -20366,7 +20399,7 @@
           </a:ln>
           <a:extLst>
             <a:ext uri="{91240B29-F687-4F45-9708-019B960494DF}">
-              <a14:hiddenLine xmlns="" xmlns:a14="http://schemas.microsoft.com/office/drawing/2010/main" w="9525">
+              <a14:hiddenLine xmlns:a14="http://schemas.microsoft.com/office/drawing/2010/main" xmlns="" w="9525">
                 <a:solidFill>
                   <a:srgbClr val="000000"/>
                 </a:solidFill>
@@ -20512,7 +20545,7 @@
           </a:ln>
           <a:extLst>
             <a:ext uri="{91240B29-F687-4F45-9708-019B960494DF}">
-              <a14:hiddenLine xmlns="" xmlns:a14="http://schemas.microsoft.com/office/drawing/2010/main" w="9525">
+              <a14:hiddenLine xmlns:a14="http://schemas.microsoft.com/office/drawing/2010/main" xmlns="" w="9525">
                 <a:solidFill>
                   <a:srgbClr val="000000"/>
                 </a:solidFill>
@@ -20618,7 +20651,7 @@
           </a:ln>
           <a:extLst>
             <a:ext uri="{91240B29-F687-4F45-9708-019B960494DF}">
-              <a14:hiddenLine xmlns="" xmlns:a14="http://schemas.microsoft.com/office/drawing/2010/main" w="9525">
+              <a14:hiddenLine xmlns:a14="http://schemas.microsoft.com/office/drawing/2010/main" xmlns="" w="9525">
                 <a:solidFill>
                   <a:srgbClr val="000000"/>
                 </a:solidFill>
@@ -20724,7 +20757,7 @@
           </a:ln>
           <a:extLst>
             <a:ext uri="{91240B29-F687-4F45-9708-019B960494DF}">
-              <a14:hiddenLine xmlns="" xmlns:a14="http://schemas.microsoft.com/office/drawing/2010/main" w="9525">
+              <a14:hiddenLine xmlns:a14="http://schemas.microsoft.com/office/drawing/2010/main" xmlns="" w="9525">
                 <a:solidFill>
                   <a:srgbClr val="000000"/>
                 </a:solidFill>
@@ -20830,7 +20863,7 @@
           </a:ln>
           <a:extLst>
             <a:ext uri="{91240B29-F687-4F45-9708-019B960494DF}">
-              <a14:hiddenLine xmlns="" xmlns:a14="http://schemas.microsoft.com/office/drawing/2010/main" w="9525">
+              <a14:hiddenLine xmlns:a14="http://schemas.microsoft.com/office/drawing/2010/main" xmlns="" w="9525">
                 <a:solidFill>
                   <a:srgbClr val="000000"/>
                 </a:solidFill>
@@ -21065,7 +21098,7 @@
           </a:ln>
           <a:extLst>
             <a:ext uri="{91240B29-F687-4F45-9708-019B960494DF}">
-              <a14:hiddenLine xmlns="" xmlns:a14="http://schemas.microsoft.com/office/drawing/2010/main" w="9525">
+              <a14:hiddenLine xmlns:a14="http://schemas.microsoft.com/office/drawing/2010/main" xmlns="" w="9525">
                 <a:solidFill>
                   <a:srgbClr val="000000"/>
                 </a:solidFill>
@@ -21561,7 +21594,7 @@
             </a:ln>
             <a:extLst>
               <a:ext uri="{91240B29-F687-4F45-9708-019B960494DF}">
-                <a14:hiddenLine xmlns="" xmlns:a14="http://schemas.microsoft.com/office/drawing/2010/main" w="9525">
+                <a14:hiddenLine xmlns:a14="http://schemas.microsoft.com/office/drawing/2010/main" xmlns="" w="9525">
                   <a:solidFill>
                     <a:srgbClr val="000000"/>
                   </a:solidFill>
@@ -21608,7 +21641,7 @@
             </a:ln>
             <a:extLst>
               <a:ext uri="{91240B29-F687-4F45-9708-019B960494DF}">
-                <a14:hiddenLine xmlns="" xmlns:a14="http://schemas.microsoft.com/office/drawing/2010/main" w="9525">
+                <a14:hiddenLine xmlns:a14="http://schemas.microsoft.com/office/drawing/2010/main" xmlns="" w="9525">
                   <a:solidFill>
                     <a:srgbClr val="000000"/>
                   </a:solidFill>
@@ -21824,7 +21857,7 @@
             </a:ln>
             <a:extLst>
               <a:ext uri="{91240B29-F687-4F45-9708-019B960494DF}">
-                <a14:hiddenLine xmlns="" xmlns:a14="http://schemas.microsoft.com/office/drawing/2010/main" w="9525">
+                <a14:hiddenLine xmlns:a14="http://schemas.microsoft.com/office/drawing/2010/main" xmlns="" w="9525">
                   <a:solidFill>
                     <a:srgbClr val="000000"/>
                   </a:solidFill>
@@ -21871,7 +21904,7 @@
             </a:ln>
             <a:extLst>
               <a:ext uri="{91240B29-F687-4F45-9708-019B960494DF}">
-                <a14:hiddenLine xmlns="" xmlns:a14="http://schemas.microsoft.com/office/drawing/2010/main" w="9525">
+                <a14:hiddenLine xmlns:a14="http://schemas.microsoft.com/office/drawing/2010/main" xmlns="" w="9525">
                   <a:solidFill>
                     <a:srgbClr val="000000"/>
                   </a:solidFill>
@@ -22167,7 +22200,7 @@
             </a:ln>
             <a:extLst>
               <a:ext uri="{91240B29-F687-4F45-9708-019B960494DF}">
-                <a14:hiddenLine xmlns="" xmlns:a14="http://schemas.microsoft.com/office/drawing/2010/main" w="9525">
+                <a14:hiddenLine xmlns:a14="http://schemas.microsoft.com/office/drawing/2010/main" xmlns="" w="9525">
                   <a:solidFill>
                     <a:srgbClr val="000000"/>
                   </a:solidFill>
@@ -22214,7 +22247,7 @@
             </a:ln>
             <a:extLst>
               <a:ext uri="{91240B29-F687-4F45-9708-019B960494DF}">
-                <a14:hiddenLine xmlns="" xmlns:a14="http://schemas.microsoft.com/office/drawing/2010/main" w="9525">
+                <a14:hiddenLine xmlns:a14="http://schemas.microsoft.com/office/drawing/2010/main" xmlns="" w="9525">
                   <a:solidFill>
                     <a:srgbClr val="000000"/>
                   </a:solidFill>
@@ -22380,7 +22413,7 @@
             </a:ln>
             <a:extLst>
               <a:ext uri="{91240B29-F687-4F45-9708-019B960494DF}">
-                <a14:hiddenLine xmlns="" xmlns:a14="http://schemas.microsoft.com/office/drawing/2010/main" w="9525">
+                <a14:hiddenLine xmlns:a14="http://schemas.microsoft.com/office/drawing/2010/main" xmlns="" w="9525">
                   <a:solidFill>
                     <a:srgbClr val="000000"/>
                   </a:solidFill>
@@ -22427,7 +22460,7 @@
             </a:ln>
             <a:extLst>
               <a:ext uri="{91240B29-F687-4F45-9708-019B960494DF}">
-                <a14:hiddenLine xmlns="" xmlns:a14="http://schemas.microsoft.com/office/drawing/2010/main" w="9525">
+                <a14:hiddenLine xmlns:a14="http://schemas.microsoft.com/office/drawing/2010/main" xmlns="" w="9525">
                   <a:solidFill>
                     <a:srgbClr val="000000"/>
                   </a:solidFill>
@@ -22563,7 +22596,7 @@
             </a:ln>
             <a:extLst>
               <a:ext uri="{91240B29-F687-4F45-9708-019B960494DF}">
-                <a14:hiddenLine xmlns="" xmlns:a14="http://schemas.microsoft.com/office/drawing/2010/main" w="9525">
+                <a14:hiddenLine xmlns:a14="http://schemas.microsoft.com/office/drawing/2010/main" xmlns="" w="9525">
                   <a:solidFill>
                     <a:srgbClr val="000000"/>
                   </a:solidFill>
@@ -22610,7 +22643,7 @@
             </a:ln>
             <a:extLst>
               <a:ext uri="{91240B29-F687-4F45-9708-019B960494DF}">
-                <a14:hiddenLine xmlns="" xmlns:a14="http://schemas.microsoft.com/office/drawing/2010/main" w="9525">
+                <a14:hiddenLine xmlns:a14="http://schemas.microsoft.com/office/drawing/2010/main" xmlns="" w="9525">
                   <a:solidFill>
                     <a:srgbClr val="000000"/>
                   </a:solidFill>
@@ -22766,7 +22799,7 @@
             </a:ln>
             <a:extLst>
               <a:ext uri="{91240B29-F687-4F45-9708-019B960494DF}">
-                <a14:hiddenLine xmlns="" xmlns:a14="http://schemas.microsoft.com/office/drawing/2010/main" w="9525">
+                <a14:hiddenLine xmlns:a14="http://schemas.microsoft.com/office/drawing/2010/main" xmlns="" w="9525">
                   <a:solidFill>
                     <a:srgbClr val="000000"/>
                   </a:solidFill>
@@ -22813,7 +22846,7 @@
             </a:ln>
             <a:extLst>
               <a:ext uri="{91240B29-F687-4F45-9708-019B960494DF}">
-                <a14:hiddenLine xmlns="" xmlns:a14="http://schemas.microsoft.com/office/drawing/2010/main" w="9525">
+                <a14:hiddenLine xmlns:a14="http://schemas.microsoft.com/office/drawing/2010/main" xmlns="" w="9525">
                   <a:solidFill>
                     <a:srgbClr val="000000"/>
                   </a:solidFill>
@@ -22999,7 +23032,7 @@
             </a:ln>
             <a:extLst>
               <a:ext uri="{91240B29-F687-4F45-9708-019B960494DF}">
-                <a14:hiddenLine xmlns="" xmlns:a14="http://schemas.microsoft.com/office/drawing/2010/main" w="9525">
+                <a14:hiddenLine xmlns:a14="http://schemas.microsoft.com/office/drawing/2010/main" xmlns="" w="9525">
                   <a:solidFill>
                     <a:srgbClr val="000000"/>
                   </a:solidFill>
@@ -23046,7 +23079,7 @@
             </a:ln>
             <a:extLst>
               <a:ext uri="{91240B29-F687-4F45-9708-019B960494DF}">
-                <a14:hiddenLine xmlns="" xmlns:a14="http://schemas.microsoft.com/office/drawing/2010/main" w="9525">
+                <a14:hiddenLine xmlns:a14="http://schemas.microsoft.com/office/drawing/2010/main" xmlns="" w="9525">
                   <a:solidFill>
                     <a:srgbClr val="000000"/>
                   </a:solidFill>
@@ -23252,7 +23285,7 @@
             </a:ln>
             <a:extLst>
               <a:ext uri="{91240B29-F687-4F45-9708-019B960494DF}">
-                <a14:hiddenLine xmlns="" xmlns:a14="http://schemas.microsoft.com/office/drawing/2010/main" w="9525">
+                <a14:hiddenLine xmlns:a14="http://schemas.microsoft.com/office/drawing/2010/main" xmlns="" w="9525">
                   <a:solidFill>
                     <a:srgbClr val="000000"/>
                   </a:solidFill>
@@ -23299,7 +23332,7 @@
             </a:ln>
             <a:extLst>
               <a:ext uri="{91240B29-F687-4F45-9708-019B960494DF}">
-                <a14:hiddenLine xmlns="" xmlns:a14="http://schemas.microsoft.com/office/drawing/2010/main" w="9525">
+                <a14:hiddenLine xmlns:a14="http://schemas.microsoft.com/office/drawing/2010/main" xmlns="" w="9525">
                   <a:solidFill>
                     <a:srgbClr val="000000"/>
                   </a:solidFill>
@@ -23495,7 +23528,7 @@
             </a:ln>
             <a:extLst>
               <a:ext uri="{91240B29-F687-4F45-9708-019B960494DF}">
-                <a14:hiddenLine xmlns="" xmlns:a14="http://schemas.microsoft.com/office/drawing/2010/main" w="9525">
+                <a14:hiddenLine xmlns:a14="http://schemas.microsoft.com/office/drawing/2010/main" xmlns="" w="9525">
                   <a:solidFill>
                     <a:srgbClr val="000000"/>
                   </a:solidFill>
@@ -23542,7 +23575,7 @@
             </a:ln>
             <a:extLst>
               <a:ext uri="{91240B29-F687-4F45-9708-019B960494DF}">
-                <a14:hiddenLine xmlns="" xmlns:a14="http://schemas.microsoft.com/office/drawing/2010/main" w="9525">
+                <a14:hiddenLine xmlns:a14="http://schemas.microsoft.com/office/drawing/2010/main" xmlns="" w="9525">
                   <a:solidFill>
                     <a:srgbClr val="000000"/>
                   </a:solidFill>
@@ -24353,7 +24386,7 @@
             </a:ln>
             <a:extLst>
               <a:ext uri="{91240B29-F687-4F45-9708-019B960494DF}">
-                <a14:hiddenLine xmlns="" xmlns:a14="http://schemas.microsoft.com/office/drawing/2010/main" w="9525">
+                <a14:hiddenLine xmlns:a14="http://schemas.microsoft.com/office/drawing/2010/main" xmlns="" w="9525">
                   <a:solidFill>
                     <a:srgbClr val="000000"/>
                   </a:solidFill>
@@ -25054,7 +25087,7 @@
           </a:ln>
           <a:extLst>
             <a:ext uri="{91240B29-F687-4F45-9708-019B960494DF}">
-              <a14:hiddenLine xmlns="" xmlns:a14="http://schemas.microsoft.com/office/drawing/2010/main" w="9525">
+              <a14:hiddenLine xmlns:a14="http://schemas.microsoft.com/office/drawing/2010/main" xmlns="" w="9525">
                 <a:solidFill>
                   <a:srgbClr val="000000"/>
                 </a:solidFill>
@@ -25514,7 +25547,7 @@
           </a:ln>
           <a:extLst>
             <a:ext uri="{91240B29-F687-4F45-9708-019B960494DF}">
-              <a14:hiddenLine xmlns="" xmlns:a14="http://schemas.microsoft.com/office/drawing/2010/main" w="9525">
+              <a14:hiddenLine xmlns:a14="http://schemas.microsoft.com/office/drawing/2010/main" xmlns="" w="9525">
                 <a:solidFill>
                   <a:srgbClr val="000000"/>
                 </a:solidFill>
@@ -25672,7 +25705,7 @@
             </a:ln>
             <a:extLst>
               <a:ext uri="{91240B29-F687-4F45-9708-019B960494DF}">
-                <a14:hiddenLine xmlns="" xmlns:a14="http://schemas.microsoft.com/office/drawing/2010/main" w="9525">
+                <a14:hiddenLine xmlns:a14="http://schemas.microsoft.com/office/drawing/2010/main" xmlns="" w="9525">
                   <a:solidFill>
                     <a:srgbClr val="000000"/>
                   </a:solidFill>
@@ -25933,7 +25966,7 @@
             </a:ln>
             <a:extLst>
               <a:ext uri="{91240B29-F687-4F45-9708-019B960494DF}">
-                <a14:hiddenLine xmlns="" xmlns:a14="http://schemas.microsoft.com/office/drawing/2010/main" w="9525">
+                <a14:hiddenLine xmlns:a14="http://schemas.microsoft.com/office/drawing/2010/main" xmlns="" w="9525">
                   <a:solidFill>
                     <a:srgbClr val="000000"/>
                   </a:solidFill>
@@ -26124,7 +26157,7 @@
             </a:ln>
             <a:extLst>
               <a:ext uri="{91240B29-F687-4F45-9708-019B960494DF}">
-                <a14:hiddenLine xmlns="" xmlns:a14="http://schemas.microsoft.com/office/drawing/2010/main" w="9525">
+                <a14:hiddenLine xmlns:a14="http://schemas.microsoft.com/office/drawing/2010/main" xmlns="" w="9525">
                   <a:solidFill>
                     <a:srgbClr val="000000"/>
                   </a:solidFill>
@@ -26385,7 +26418,7 @@
             </a:ln>
             <a:extLst>
               <a:ext uri="{91240B29-F687-4F45-9708-019B960494DF}">
-                <a14:hiddenLine xmlns="" xmlns:a14="http://schemas.microsoft.com/office/drawing/2010/main" w="9525">
+                <a14:hiddenLine xmlns:a14="http://schemas.microsoft.com/office/drawing/2010/main" xmlns="" w="9525">
                   <a:solidFill>
                     <a:srgbClr val="000000"/>
                   </a:solidFill>
@@ -26646,7 +26679,7 @@
             </a:ln>
             <a:extLst>
               <a:ext uri="{91240B29-F687-4F45-9708-019B960494DF}">
-                <a14:hiddenLine xmlns="" xmlns:a14="http://schemas.microsoft.com/office/drawing/2010/main" w="9525">
+                <a14:hiddenLine xmlns:a14="http://schemas.microsoft.com/office/drawing/2010/main" xmlns="" w="9525">
                   <a:solidFill>
                     <a:srgbClr val="000000"/>
                   </a:solidFill>
@@ -26960,7 +26993,7 @@
             </a:ln>
             <a:extLst>
               <a:ext uri="{91240B29-F687-4F45-9708-019B960494DF}">
-                <a14:hiddenLine xmlns="" xmlns:a14="http://schemas.microsoft.com/office/drawing/2010/main" w="9525">
+                <a14:hiddenLine xmlns:a14="http://schemas.microsoft.com/office/drawing/2010/main" xmlns="" w="9525">
                   <a:solidFill>
                     <a:srgbClr val="000000"/>
                   </a:solidFill>
@@ -27115,7 +27148,7 @@
             </a:ln>
             <a:extLst>
               <a:ext uri="{91240B29-F687-4F45-9708-019B960494DF}">
-                <a14:hiddenLine xmlns="" xmlns:a14="http://schemas.microsoft.com/office/drawing/2010/main" w="9525">
+                <a14:hiddenLine xmlns:a14="http://schemas.microsoft.com/office/drawing/2010/main" xmlns="" w="9525">
                   <a:solidFill>
                     <a:srgbClr val="000000"/>
                   </a:solidFill>
@@ -27309,7 +27342,7 @@
             </a:ln>
             <a:extLst>
               <a:ext uri="{91240B29-F687-4F45-9708-019B960494DF}">
-                <a14:hiddenLine xmlns="" xmlns:a14="http://schemas.microsoft.com/office/drawing/2010/main" w="9525">
+                <a14:hiddenLine xmlns:a14="http://schemas.microsoft.com/office/drawing/2010/main" xmlns="" w="9525">
                   <a:solidFill>
                     <a:srgbClr val="000000"/>
                   </a:solidFill>
@@ -27500,7 +27533,7 @@
             </a:ln>
             <a:extLst>
               <a:ext uri="{91240B29-F687-4F45-9708-019B960494DF}">
-                <a14:hiddenLine xmlns="" xmlns:a14="http://schemas.microsoft.com/office/drawing/2010/main" w="9525">
+                <a14:hiddenLine xmlns:a14="http://schemas.microsoft.com/office/drawing/2010/main" xmlns="" w="9525">
                   <a:solidFill>
                     <a:srgbClr val="000000"/>
                   </a:solidFill>
@@ -27693,7 +27726,7 @@
             </a:ln>
             <a:extLst>
               <a:ext uri="{91240B29-F687-4F45-9708-019B960494DF}">
-                <a14:hiddenLine xmlns="" xmlns:a14="http://schemas.microsoft.com/office/drawing/2010/main" w="9525">
+                <a14:hiddenLine xmlns:a14="http://schemas.microsoft.com/office/drawing/2010/main" xmlns="" w="9525">
                   <a:solidFill>
                     <a:srgbClr val="000000"/>
                   </a:solidFill>
@@ -27819,7 +27852,7 @@
             </a:ln>
             <a:extLst>
               <a:ext uri="{91240B29-F687-4F45-9708-019B960494DF}">
-                <a14:hiddenLine xmlns="" xmlns:a14="http://schemas.microsoft.com/office/drawing/2010/main" w="9525">
+                <a14:hiddenLine xmlns:a14="http://schemas.microsoft.com/office/drawing/2010/main" xmlns="" w="9525">
                   <a:solidFill>
                     <a:srgbClr val="000000"/>
                   </a:solidFill>
@@ -27935,7 +27968,7 @@
             </a:ln>
             <a:extLst>
               <a:ext uri="{91240B29-F687-4F45-9708-019B960494DF}">
-                <a14:hiddenLine xmlns="" xmlns:a14="http://schemas.microsoft.com/office/drawing/2010/main" w="9525">
+                <a14:hiddenLine xmlns:a14="http://schemas.microsoft.com/office/drawing/2010/main" xmlns="" w="9525">
                   <a:solidFill>
                     <a:srgbClr val="000000"/>
                   </a:solidFill>
@@ -28071,7 +28104,7 @@
             </a:ln>
             <a:extLst>
               <a:ext uri="{91240B29-F687-4F45-9708-019B960494DF}">
-                <a14:hiddenLine xmlns="" xmlns:a14="http://schemas.microsoft.com/office/drawing/2010/main" w="9525">
+                <a14:hiddenLine xmlns:a14="http://schemas.microsoft.com/office/drawing/2010/main" xmlns="" w="9525">
                   <a:solidFill>
                     <a:srgbClr val="000000"/>
                   </a:solidFill>
@@ -28133,7 +28166,7 @@
             </a:ln>
             <a:extLst>
               <a:ext uri="{91240B29-F687-4F45-9708-019B960494DF}">
-                <a14:hiddenLine xmlns="" xmlns:a14="http://schemas.microsoft.com/office/drawing/2010/main" w="9525">
+                <a14:hiddenLine xmlns:a14="http://schemas.microsoft.com/office/drawing/2010/main" xmlns="" w="9525">
                   <a:solidFill>
                     <a:srgbClr val="000000"/>
                   </a:solidFill>
@@ -28294,7 +28327,7 @@
             </a:ln>
             <a:extLst>
               <a:ext uri="{91240B29-F687-4F45-9708-019B960494DF}">
-                <a14:hiddenLine xmlns="" xmlns:a14="http://schemas.microsoft.com/office/drawing/2010/main" w="9525">
+                <a14:hiddenLine xmlns:a14="http://schemas.microsoft.com/office/drawing/2010/main" xmlns="" w="9525">
                   <a:solidFill>
                     <a:srgbClr val="000000"/>
                   </a:solidFill>
@@ -28410,7 +28443,7 @@
             </a:ln>
             <a:extLst>
               <a:ext uri="{91240B29-F687-4F45-9708-019B960494DF}">
-                <a14:hiddenLine xmlns="" xmlns:a14="http://schemas.microsoft.com/office/drawing/2010/main" w="9525">
+                <a14:hiddenLine xmlns:a14="http://schemas.microsoft.com/office/drawing/2010/main" xmlns="" w="9525">
                   <a:solidFill>
                     <a:srgbClr val="000000"/>
                   </a:solidFill>
@@ -28516,7 +28549,7 @@
             </a:ln>
             <a:extLst>
               <a:ext uri="{91240B29-F687-4F45-9708-019B960494DF}">
-                <a14:hiddenLine xmlns="" xmlns:a14="http://schemas.microsoft.com/office/drawing/2010/main" w="9525">
+                <a14:hiddenLine xmlns:a14="http://schemas.microsoft.com/office/drawing/2010/main" xmlns="" w="9525">
                   <a:solidFill>
                     <a:srgbClr val="000000"/>
                   </a:solidFill>
@@ -28671,7 +28704,7 @@
             </a:ln>
             <a:extLst>
               <a:ext uri="{91240B29-F687-4F45-9708-019B960494DF}">
-                <a14:hiddenLine xmlns="" xmlns:a14="http://schemas.microsoft.com/office/drawing/2010/main" w="9525">
+                <a14:hiddenLine xmlns:a14="http://schemas.microsoft.com/office/drawing/2010/main" xmlns="" w="9525">
                   <a:solidFill>
                     <a:srgbClr val="000000"/>
                   </a:solidFill>
@@ -28805,7 +28838,7 @@
             </a:ln>
             <a:extLst>
               <a:ext uri="{91240B29-F687-4F45-9708-019B960494DF}">
-                <a14:hiddenLine xmlns="" xmlns:a14="http://schemas.microsoft.com/office/drawing/2010/main" w="9525">
+                <a14:hiddenLine xmlns:a14="http://schemas.microsoft.com/office/drawing/2010/main" xmlns="" w="9525">
                   <a:solidFill>
                     <a:srgbClr val="000000"/>
                   </a:solidFill>
@@ -28852,7 +28885,7 @@
             </a:ln>
             <a:extLst>
               <a:ext uri="{91240B29-F687-4F45-9708-019B960494DF}">
-                <a14:hiddenLine xmlns="" xmlns:a14="http://schemas.microsoft.com/office/drawing/2010/main" w="9525">
+                <a14:hiddenLine xmlns:a14="http://schemas.microsoft.com/office/drawing/2010/main" xmlns="" w="9525">
                   <a:solidFill>
                     <a:srgbClr val="000000"/>
                   </a:solidFill>
@@ -29200,7 +29233,7 @@
             </a:ln>
             <a:extLst>
               <a:ext uri="{91240B29-F687-4F45-9708-019B960494DF}">
-                <a14:hiddenLine xmlns="" xmlns:a14="http://schemas.microsoft.com/office/drawing/2010/main" w="9525">
+                <a14:hiddenLine xmlns:a14="http://schemas.microsoft.com/office/drawing/2010/main" xmlns="" w="9525">
                   <a:solidFill>
                     <a:srgbClr val="000000"/>
                   </a:solidFill>
@@ -29396,7 +29429,7 @@
             </a:ln>
             <a:extLst>
               <a:ext uri="{91240B29-F687-4F45-9708-019B960494DF}">
-                <a14:hiddenLine xmlns="" xmlns:a14="http://schemas.microsoft.com/office/drawing/2010/main" w="9525">
+                <a14:hiddenLine xmlns:a14="http://schemas.microsoft.com/office/drawing/2010/main" xmlns="" w="9525">
                   <a:solidFill>
                     <a:srgbClr val="000000"/>
                   </a:solidFill>
@@ -29551,7 +29584,7 @@
             </a:ln>
             <a:extLst>
               <a:ext uri="{91240B29-F687-4F45-9708-019B960494DF}">
-                <a14:hiddenLine xmlns="" xmlns:a14="http://schemas.microsoft.com/office/drawing/2010/main" w="9525">
+                <a14:hiddenLine xmlns:a14="http://schemas.microsoft.com/office/drawing/2010/main" xmlns="" w="9525">
                   <a:solidFill>
                     <a:srgbClr val="000000"/>
                   </a:solidFill>
@@ -29765,7 +29798,7 @@
             </a:ln>
             <a:extLst>
               <a:ext uri="{91240B29-F687-4F45-9708-019B960494DF}">
-                <a14:hiddenLine xmlns="" xmlns:a14="http://schemas.microsoft.com/office/drawing/2010/main" w="9525">
+                <a14:hiddenLine xmlns:a14="http://schemas.microsoft.com/office/drawing/2010/main" xmlns="" w="9525">
                   <a:solidFill>
                     <a:srgbClr val="000000"/>
                   </a:solidFill>
@@ -29812,7 +29845,7 @@
             </a:ln>
             <a:extLst>
               <a:ext uri="{91240B29-F687-4F45-9708-019B960494DF}">
-                <a14:hiddenLine xmlns="" xmlns:a14="http://schemas.microsoft.com/office/drawing/2010/main" w="9525">
+                <a14:hiddenLine xmlns:a14="http://schemas.microsoft.com/office/drawing/2010/main" xmlns="" w="9525">
                   <a:solidFill>
                     <a:srgbClr val="000000"/>
                   </a:solidFill>
@@ -30439,7 +30472,7 @@
             </a:ln>
             <a:extLst>
               <a:ext uri="{91240B29-F687-4F45-9708-019B960494DF}">
-                <a14:hiddenLine xmlns="" xmlns:a14="http://schemas.microsoft.com/office/drawing/2010/main" w="9525">
+                <a14:hiddenLine xmlns:a14="http://schemas.microsoft.com/office/drawing/2010/main" xmlns="" w="9525">
                   <a:solidFill>
                     <a:srgbClr val="000000"/>
                   </a:solidFill>
@@ -31023,7 +31056,7 @@
             </a:ln>
             <a:extLst>
               <a:ext uri="{91240B29-F687-4F45-9708-019B960494DF}">
-                <a14:hiddenLine xmlns="" xmlns:a14="http://schemas.microsoft.com/office/drawing/2010/main" w="9525">
+                <a14:hiddenLine xmlns:a14="http://schemas.microsoft.com/office/drawing/2010/main" xmlns="" w="9525">
                   <a:solidFill>
                     <a:srgbClr val="000000"/>
                   </a:solidFill>
@@ -31178,7 +31211,7 @@
             </a:ln>
             <a:extLst>
               <a:ext uri="{91240B29-F687-4F45-9708-019B960494DF}">
-                <a14:hiddenLine xmlns="" xmlns:a14="http://schemas.microsoft.com/office/drawing/2010/main" w="9525">
+                <a14:hiddenLine xmlns:a14="http://schemas.microsoft.com/office/drawing/2010/main" xmlns="" w="9525">
                   <a:solidFill>
                     <a:srgbClr val="000000"/>
                   </a:solidFill>
@@ -31362,7 +31395,7 @@
             </a:ln>
             <a:extLst>
               <a:ext uri="{91240B29-F687-4F45-9708-019B960494DF}">
-                <a14:hiddenLine xmlns="" xmlns:a14="http://schemas.microsoft.com/office/drawing/2010/main" w="9525">
+                <a14:hiddenLine xmlns:a14="http://schemas.microsoft.com/office/drawing/2010/main" xmlns="" w="9525">
                   <a:solidFill>
                     <a:srgbClr val="000000"/>
                   </a:solidFill>
@@ -31409,7 +31442,7 @@
             </a:ln>
             <a:extLst>
               <a:ext uri="{91240B29-F687-4F45-9708-019B960494DF}">
-                <a14:hiddenLine xmlns="" xmlns:a14="http://schemas.microsoft.com/office/drawing/2010/main" w="9525">
+                <a14:hiddenLine xmlns:a14="http://schemas.microsoft.com/office/drawing/2010/main" xmlns="" w="9525">
                   <a:solidFill>
                     <a:srgbClr val="000000"/>
                   </a:solidFill>
@@ -31579,7 +31612,7 @@
             </a:ln>
             <a:extLst>
               <a:ext uri="{91240B29-F687-4F45-9708-019B960494DF}">
-                <a14:hiddenLine xmlns="" xmlns:a14="http://schemas.microsoft.com/office/drawing/2010/main" w="9525">
+                <a14:hiddenLine xmlns:a14="http://schemas.microsoft.com/office/drawing/2010/main" xmlns="" w="9525">
                   <a:solidFill>
                     <a:srgbClr val="000000"/>
                   </a:solidFill>
@@ -31745,7 +31778,7 @@
             </a:ln>
             <a:extLst>
               <a:ext uri="{91240B29-F687-4F45-9708-019B960494DF}">
-                <a14:hiddenLine xmlns="" xmlns:a14="http://schemas.microsoft.com/office/drawing/2010/main" w="9525">
+                <a14:hiddenLine xmlns:a14="http://schemas.microsoft.com/office/drawing/2010/main" xmlns="" w="9525">
                   <a:solidFill>
                     <a:srgbClr val="000000"/>
                   </a:solidFill>
@@ -31869,7 +31902,7 @@
             </a:ln>
             <a:extLst>
               <a:ext uri="{91240B29-F687-4F45-9708-019B960494DF}">
-                <a14:hiddenLine xmlns="" xmlns:a14="http://schemas.microsoft.com/office/drawing/2010/main" w="9525">
+                <a14:hiddenLine xmlns:a14="http://schemas.microsoft.com/office/drawing/2010/main" xmlns="" w="9525">
                   <a:solidFill>
                     <a:srgbClr val="000000"/>
                   </a:solidFill>
@@ -31993,7 +32026,7 @@
             </a:ln>
             <a:extLst>
               <a:ext uri="{91240B29-F687-4F45-9708-019B960494DF}">
-                <a14:hiddenLine xmlns="" xmlns:a14="http://schemas.microsoft.com/office/drawing/2010/main" w="9525">
+                <a14:hiddenLine xmlns:a14="http://schemas.microsoft.com/office/drawing/2010/main" xmlns="" w="9525">
                   <a:solidFill>
                     <a:srgbClr val="000000"/>
                   </a:solidFill>
@@ -32117,7 +32150,7 @@
             </a:ln>
             <a:extLst>
               <a:ext uri="{91240B29-F687-4F45-9708-019B960494DF}">
-                <a14:hiddenLine xmlns="" xmlns:a14="http://schemas.microsoft.com/office/drawing/2010/main" w="9525">
+                <a14:hiddenLine xmlns:a14="http://schemas.microsoft.com/office/drawing/2010/main" xmlns="" w="9525">
                   <a:solidFill>
                     <a:srgbClr val="000000"/>
                   </a:solidFill>
@@ -32241,7 +32274,7 @@
             </a:ln>
             <a:extLst>
               <a:ext uri="{91240B29-F687-4F45-9708-019B960494DF}">
-                <a14:hiddenLine xmlns="" xmlns:a14="http://schemas.microsoft.com/office/drawing/2010/main" w="9525">
+                <a14:hiddenLine xmlns:a14="http://schemas.microsoft.com/office/drawing/2010/main" xmlns="" w="9525">
                   <a:solidFill>
                     <a:srgbClr val="000000"/>
                   </a:solidFill>
@@ -32396,7 +32429,7 @@
             </a:ln>
             <a:extLst>
               <a:ext uri="{91240B29-F687-4F45-9708-019B960494DF}">
-                <a14:hiddenLine xmlns="" xmlns:a14="http://schemas.microsoft.com/office/drawing/2010/main" w="9525">
+                <a14:hiddenLine xmlns:a14="http://schemas.microsoft.com/office/drawing/2010/main" xmlns="" w="9525">
                   <a:solidFill>
                     <a:srgbClr val="000000"/>
                   </a:solidFill>
@@ -32583,7 +32616,7 @@
             </a:ln>
             <a:extLst>
               <a:ext uri="{91240B29-F687-4F45-9708-019B960494DF}">
-                <a14:hiddenLine xmlns="" xmlns:a14="http://schemas.microsoft.com/office/drawing/2010/main" w="9525">
+                <a14:hiddenLine xmlns:a14="http://schemas.microsoft.com/office/drawing/2010/main" xmlns="" w="9525">
                   <a:solidFill>
                     <a:srgbClr val="000000"/>
                   </a:solidFill>
@@ -32630,7 +32663,7 @@
             </a:ln>
             <a:extLst>
               <a:ext uri="{91240B29-F687-4F45-9708-019B960494DF}">
-                <a14:hiddenLine xmlns="" xmlns:a14="http://schemas.microsoft.com/office/drawing/2010/main" w="9525">
+                <a14:hiddenLine xmlns:a14="http://schemas.microsoft.com/office/drawing/2010/main" xmlns="" w="9525">
                   <a:solidFill>
                     <a:srgbClr val="000000"/>
                   </a:solidFill>
@@ -32692,7 +32725,7 @@
             </a:ln>
             <a:extLst>
               <a:ext uri="{91240B29-F687-4F45-9708-019B960494DF}">
-                <a14:hiddenLine xmlns="" xmlns:a14="http://schemas.microsoft.com/office/drawing/2010/main" w="9525">
+                <a14:hiddenLine xmlns:a14="http://schemas.microsoft.com/office/drawing/2010/main" xmlns="" w="9525">
                   <a:solidFill>
                     <a:srgbClr val="000000"/>
                   </a:solidFill>
@@ -32818,7 +32851,7 @@
             </a:ln>
             <a:extLst>
               <a:ext uri="{91240B29-F687-4F45-9708-019B960494DF}">
-                <a14:hiddenLine xmlns="" xmlns:a14="http://schemas.microsoft.com/office/drawing/2010/main" w="9525">
+                <a14:hiddenLine xmlns:a14="http://schemas.microsoft.com/office/drawing/2010/main" xmlns="" w="9525">
                   <a:solidFill>
                     <a:srgbClr val="000000"/>
                   </a:solidFill>
@@ -33064,7 +33097,7 @@
             </a:ln>
             <a:extLst>
               <a:ext uri="{91240B29-F687-4F45-9708-019B960494DF}">
-                <a14:hiddenLine xmlns="" xmlns:a14="http://schemas.microsoft.com/office/drawing/2010/main" w="9525">
+                <a14:hiddenLine xmlns:a14="http://schemas.microsoft.com/office/drawing/2010/main" xmlns="" w="9525">
                   <a:solidFill>
                     <a:srgbClr val="000000"/>
                   </a:solidFill>
@@ -33219,7 +33252,7 @@
             </a:ln>
             <a:extLst>
               <a:ext uri="{91240B29-F687-4F45-9708-019B960494DF}">
-                <a14:hiddenLine xmlns="" xmlns:a14="http://schemas.microsoft.com/office/drawing/2010/main" w="9525">
+                <a14:hiddenLine xmlns:a14="http://schemas.microsoft.com/office/drawing/2010/main" xmlns="" w="9525">
                   <a:solidFill>
                     <a:srgbClr val="000000"/>
                   </a:solidFill>
@@ -33433,7 +33466,7 @@
             </a:ln>
             <a:extLst>
               <a:ext uri="{91240B29-F687-4F45-9708-019B960494DF}">
-                <a14:hiddenLine xmlns="" xmlns:a14="http://schemas.microsoft.com/office/drawing/2010/main" w="9525">
+                <a14:hiddenLine xmlns:a14="http://schemas.microsoft.com/office/drawing/2010/main" xmlns="" w="9525">
                   <a:solidFill>
                     <a:srgbClr val="000000"/>
                   </a:solidFill>
@@ -33819,7 +33852,7 @@
         <p:spPr>
           <a:xfrm>
             <a:off x="179882" y="749513"/>
-            <a:ext cx="5501390" cy="6001643"/>
+            <a:ext cx="5501390" cy="5632311"/>
           </a:xfrm>
           <a:prstGeom prst="rect">
             <a:avLst/>
@@ -33885,7 +33918,20 @@
                 <a:latin typeface="微软雅黑" panose="020B0503020204020204" pitchFamily="34" charset="-122"/>
                 <a:ea typeface="微软雅黑" panose="020B0503020204020204" pitchFamily="34" charset="-122"/>
               </a:rPr>
-              <a:t>开源许可是</a:t>
+              <a:t>开源许可</a:t>
+            </a:r>
+            <a:r>
+              <a:rPr lang="zh-CN" altLang="en-US" sz="2000" dirty="0" smtClean="0">
+                <a:solidFill>
+                  <a:schemeClr val="tx1">
+                    <a:lumMod val="65000"/>
+                    <a:lumOff val="35000"/>
+                  </a:schemeClr>
+                </a:solidFill>
+                <a:latin typeface="微软雅黑" panose="020B0503020204020204" pitchFamily="34" charset="-122"/>
+                <a:ea typeface="微软雅黑" panose="020B0503020204020204" pitchFamily="34" charset="-122"/>
+              </a:rPr>
+              <a:t>是</a:t>
             </a:r>
             <a:r>
               <a:rPr lang="en-US" altLang="zh-CN" sz="2000" dirty="0" smtClean="0">
@@ -33898,29 +33944,7 @@
                 <a:latin typeface="微软雅黑" panose="020B0503020204020204" pitchFamily="34" charset="-122"/>
                 <a:ea typeface="微软雅黑" panose="020B0503020204020204" pitchFamily="34" charset="-122"/>
               </a:rPr>
-              <a:t>Apache License v2</a:t>
-            </a:r>
-          </a:p>
-          <a:p>
-            <a:pPr marL="742950" lvl="1" indent="-285750">
-              <a:lnSpc>
-                <a:spcPct val="120000"/>
-              </a:lnSpc>
-              <a:buFont typeface="Wingdings" panose="05000000000000000000" pitchFamily="2" charset="2"/>
-              <a:buChar char="n"/>
-            </a:pPr>
-            <a:r>
-              <a:rPr lang="zh-CN" altLang="en-US" sz="2000" dirty="0" smtClean="0">
-                <a:solidFill>
-                  <a:schemeClr val="tx1">
-                    <a:lumMod val="65000"/>
-                    <a:lumOff val="35000"/>
-                  </a:schemeClr>
-                </a:solidFill>
-                <a:latin typeface="微软雅黑" panose="020B0503020204020204" pitchFamily="34" charset="-122"/>
-                <a:ea typeface="微软雅黑" panose="020B0503020204020204" pitchFamily="34" charset="-122"/>
-              </a:rPr>
-              <a:t>商业友好的开源许可</a:t>
+              <a:t>GPL v3</a:t>
             </a:r>
             <a:endParaRPr lang="en-US" altLang="zh-CN" sz="2000" dirty="0" smtClean="0">
               <a:solidFill>
@@ -34333,7 +34357,7 @@
                 <a:latin typeface="微软雅黑" panose="020B0503020204020204" pitchFamily="34" charset="-122"/>
                 <a:ea typeface="微软雅黑" panose="020B0503020204020204" pitchFamily="34" charset="-122"/>
               </a:rPr>
-              <a:t>365</a:t>
+              <a:t>3650</a:t>
             </a:r>
             <a:r>
               <a:rPr lang="zh-CN" altLang="en-US" sz="2000" dirty="0" smtClean="0">
@@ -34541,7 +34565,7 @@
             <a:effectLst/>
             <a:extLst>
               <a:ext uri="{91240B29-F687-4F45-9708-019B960494DF}">
-                <a14:hiddenLine xmlns="" xmlns:a14="http://schemas.microsoft.com/office/drawing/2010/main" w="9525">
+                <a14:hiddenLine xmlns:a14="http://schemas.microsoft.com/office/drawing/2010/main" xmlns="" w="9525">
                   <a:solidFill>
                     <a:srgbClr val="000000"/>
                   </a:solidFill>
@@ -34654,7 +34678,7 @@
             </a:effectLst>
             <a:extLst>
               <a:ext uri="{91240B29-F687-4F45-9708-019B960494DF}">
-                <a14:hiddenLine xmlns="" xmlns:a14="http://schemas.microsoft.com/office/drawing/2010/main" w="9525">
+                <a14:hiddenLine xmlns:a14="http://schemas.microsoft.com/office/drawing/2010/main" xmlns="" w="9525">
                   <a:solidFill>
                     <a:srgbClr val="000000"/>
                   </a:solidFill>
@@ -34767,7 +34791,7 @@
             </a:effectLst>
             <a:extLst>
               <a:ext uri="{91240B29-F687-4F45-9708-019B960494DF}">
-                <a14:hiddenLine xmlns="" xmlns:a14="http://schemas.microsoft.com/office/drawing/2010/main" w="9525">
+                <a14:hiddenLine xmlns:a14="http://schemas.microsoft.com/office/drawing/2010/main" xmlns="" w="9525">
                   <a:solidFill>
                     <a:srgbClr val="000000"/>
                   </a:solidFill>
@@ -34880,7 +34904,7 @@
             </a:effectLst>
             <a:extLst>
               <a:ext uri="{91240B29-F687-4F45-9708-019B960494DF}">
-                <a14:hiddenLine xmlns="" xmlns:a14="http://schemas.microsoft.com/office/drawing/2010/main" w="9525">
+                <a14:hiddenLine xmlns:a14="http://schemas.microsoft.com/office/drawing/2010/main" xmlns="" w="9525">
                   <a:solidFill>
                     <a:srgbClr val="000000"/>
                   </a:solidFill>
@@ -35856,7 +35880,7 @@
           </a:ln>
           <a:extLst>
             <a:ext uri="{91240B29-F687-4F45-9708-019B960494DF}">
-              <a14:hiddenLine xmlns="" xmlns:a14="http://schemas.microsoft.com/office/drawing/2010/main" w="9525">
+              <a14:hiddenLine xmlns:a14="http://schemas.microsoft.com/office/drawing/2010/main" xmlns="" w="9525">
                 <a:solidFill>
                   <a:srgbClr val="000000"/>
                 </a:solidFill>
@@ -36182,7 +36206,7 @@
           </a:ln>
           <a:extLst>
             <a:ext uri="{91240B29-F687-4F45-9708-019B960494DF}">
-              <a14:hiddenLine xmlns="" xmlns:a14="http://schemas.microsoft.com/office/drawing/2010/main" w="9525">
+              <a14:hiddenLine xmlns:a14="http://schemas.microsoft.com/office/drawing/2010/main" xmlns="" w="9525">
                 <a:solidFill>
                   <a:srgbClr val="000000"/>
                 </a:solidFill>
@@ -36348,7 +36372,7 @@
           </a:ln>
           <a:extLst>
             <a:ext uri="{91240B29-F687-4F45-9708-019B960494DF}">
-              <a14:hiddenLine xmlns="" xmlns:a14="http://schemas.microsoft.com/office/drawing/2010/main" w="9525">
+              <a14:hiddenLine xmlns:a14="http://schemas.microsoft.com/office/drawing/2010/main" xmlns="" w="9525">
                 <a:solidFill>
                   <a:srgbClr val="000000"/>
                 </a:solidFill>
@@ -36504,7 +36528,7 @@
           </a:ln>
           <a:extLst>
             <a:ext uri="{91240B29-F687-4F45-9708-019B960494DF}">
-              <a14:hiddenLine xmlns="" xmlns:a14="http://schemas.microsoft.com/office/drawing/2010/main" w="9525">
+              <a14:hiddenLine xmlns:a14="http://schemas.microsoft.com/office/drawing/2010/main" xmlns="" w="9525">
                 <a:solidFill>
                   <a:srgbClr val="000000"/>
                 </a:solidFill>
@@ -36634,7 +36658,7 @@
           </a:ln>
           <a:extLst>
             <a:ext uri="{91240B29-F687-4F45-9708-019B960494DF}">
-              <a14:hiddenLine xmlns="" xmlns:a14="http://schemas.microsoft.com/office/drawing/2010/main" w="9525">
+              <a14:hiddenLine xmlns:a14="http://schemas.microsoft.com/office/drawing/2010/main" xmlns="" w="9525">
                 <a:solidFill>
                   <a:srgbClr val="000000"/>
                 </a:solidFill>
@@ -36880,7 +36904,7 @@
           </a:ln>
           <a:extLst>
             <a:ext uri="{91240B29-F687-4F45-9708-019B960494DF}">
-              <a14:hiddenLine xmlns="" xmlns:a14="http://schemas.microsoft.com/office/drawing/2010/main" w="9525">
+              <a14:hiddenLine xmlns:a14="http://schemas.microsoft.com/office/drawing/2010/main" xmlns="" w="9525">
                 <a:solidFill>
                   <a:srgbClr val="000000"/>
                 </a:solidFill>
@@ -37236,7 +37260,7 @@
           </a:ln>
           <a:extLst>
             <a:ext uri="{91240B29-F687-4F45-9708-019B960494DF}">
-              <a14:hiddenLine xmlns="" xmlns:a14="http://schemas.microsoft.com/office/drawing/2010/main" w="9525">
+              <a14:hiddenLine xmlns:a14="http://schemas.microsoft.com/office/drawing/2010/main" xmlns="" w="9525">
                 <a:solidFill>
                   <a:srgbClr val="000000"/>
                 </a:solidFill>
@@ -37439,7 +37463,7 @@
           </a:ln>
           <a:extLst>
             <a:ext uri="{91240B29-F687-4F45-9708-019B960494DF}">
-              <a14:hiddenLine xmlns="" xmlns:a14="http://schemas.microsoft.com/office/drawing/2010/main" w="9525">
+              <a14:hiddenLine xmlns:a14="http://schemas.microsoft.com/office/drawing/2010/main" xmlns="" w="9525">
                 <a:solidFill>
                   <a:srgbClr val="000000"/>
                 </a:solidFill>
@@ -38135,7 +38159,7 @@
           </a:ln>
           <a:extLst>
             <a:ext uri="{91240B29-F687-4F45-9708-019B960494DF}">
-              <a14:hiddenLine xmlns="" xmlns:a14="http://schemas.microsoft.com/office/drawing/2010/main" w="9525">
+              <a14:hiddenLine xmlns:a14="http://schemas.microsoft.com/office/drawing/2010/main" xmlns="" w="9525">
                 <a:solidFill>
                   <a:srgbClr val="000000"/>
                 </a:solidFill>
@@ -38529,7 +38553,7 @@
           </a:ln>
           <a:extLst>
             <a:ext uri="{91240B29-F687-4F45-9708-019B960494DF}">
-              <a14:hiddenLine xmlns="" xmlns:a14="http://schemas.microsoft.com/office/drawing/2010/main" w="9525">
+              <a14:hiddenLine xmlns:a14="http://schemas.microsoft.com/office/drawing/2010/main" xmlns="" w="9525">
                 <a:solidFill>
                   <a:srgbClr val="000000"/>
                 </a:solidFill>
@@ -39134,7 +39158,7 @@
           </a:ln>
           <a:extLst>
             <a:ext uri="{91240B29-F687-4F45-9708-019B960494DF}">
-              <a14:hiddenLine xmlns="" xmlns:a14="http://schemas.microsoft.com/office/drawing/2010/main" w="9525">
+              <a14:hiddenLine xmlns:a14="http://schemas.microsoft.com/office/drawing/2010/main" xmlns="" w="9525">
                 <a:solidFill>
                   <a:srgbClr val="000000"/>
                 </a:solidFill>
@@ -39575,7 +39599,7 @@
           </a:ln>
           <a:extLst>
             <a:ext uri="{91240B29-F687-4F45-9708-019B960494DF}">
-              <a14:hiddenLine xmlns="" xmlns:a14="http://schemas.microsoft.com/office/drawing/2010/main" w="9525">
+              <a14:hiddenLine xmlns:a14="http://schemas.microsoft.com/office/drawing/2010/main" xmlns="" w="9525">
                 <a:solidFill>
                   <a:srgbClr val="000000"/>
                 </a:solidFill>
@@ -40359,14 +40383,14 @@
           </a:ln>
           <a:extLst>
             <a:ext uri="{909E8E84-426E-40DD-AFC4-6F175D3DCCD1}">
-              <a14:hiddenFill xmlns:a14="http://schemas.microsoft.com/office/drawing/2010/main" xmlns="">
+              <a14:hiddenFill xmlns="" xmlns:a14="http://schemas.microsoft.com/office/drawing/2010/main">
                 <a:solidFill>
                   <a:srgbClr val="FFFFFF"/>
                 </a:solidFill>
               </a14:hiddenFill>
             </a:ext>
             <a:ext uri="{91240B29-F687-4F45-9708-019B960494DF}">
-              <a14:hiddenLine xmlns:a14="http://schemas.microsoft.com/office/drawing/2010/main" xmlns="" w="9525">
+              <a14:hiddenLine xmlns="" xmlns:a14="http://schemas.microsoft.com/office/drawing/2010/main" w="9525">
                 <a:solidFill>
                   <a:srgbClr val="000000"/>
                 </a:solidFill>
@@ -40469,14 +40493,14 @@
           </a:ln>
           <a:extLst>
             <a:ext uri="{909E8E84-426E-40DD-AFC4-6F175D3DCCD1}">
-              <a14:hiddenFill xmlns:a14="http://schemas.microsoft.com/office/drawing/2010/main" xmlns="">
+              <a14:hiddenFill xmlns="" xmlns:a14="http://schemas.microsoft.com/office/drawing/2010/main">
                 <a:solidFill>
                   <a:srgbClr val="FFFFFF"/>
                 </a:solidFill>
               </a14:hiddenFill>
             </a:ext>
             <a:ext uri="{91240B29-F687-4F45-9708-019B960494DF}">
-              <a14:hiddenLine xmlns:a14="http://schemas.microsoft.com/office/drawing/2010/main" xmlns="" w="9525">
+              <a14:hiddenLine xmlns="" xmlns:a14="http://schemas.microsoft.com/office/drawing/2010/main" w="9525">
                 <a:solidFill>
                   <a:srgbClr val="000000"/>
                 </a:solidFill>
@@ -40620,7 +40644,7 @@
           </a:ln>
           <a:extLst>
             <a:ext uri="{91240B29-F687-4F45-9708-019B960494DF}">
-              <a14:hiddenLine xmlns:a14="http://schemas.microsoft.com/office/drawing/2010/main" xmlns="" w="9525">
+              <a14:hiddenLine xmlns="" xmlns:a14="http://schemas.microsoft.com/office/drawing/2010/main" w="9525">
                 <a:solidFill>
                   <a:srgbClr val="000000"/>
                 </a:solidFill>
@@ -40723,14 +40747,14 @@
           </a:ln>
           <a:extLst>
             <a:ext uri="{909E8E84-426E-40DD-AFC4-6F175D3DCCD1}">
-              <a14:hiddenFill xmlns:a14="http://schemas.microsoft.com/office/drawing/2010/main" xmlns="">
+              <a14:hiddenFill xmlns="" xmlns:a14="http://schemas.microsoft.com/office/drawing/2010/main">
                 <a:solidFill>
                   <a:srgbClr val="FFFFFF"/>
                 </a:solidFill>
               </a14:hiddenFill>
             </a:ext>
             <a:ext uri="{91240B29-F687-4F45-9708-019B960494DF}">
-              <a14:hiddenLine xmlns:a14="http://schemas.microsoft.com/office/drawing/2010/main" xmlns="" w="9525">
+              <a14:hiddenLine xmlns="" xmlns:a14="http://schemas.microsoft.com/office/drawing/2010/main" w="9525">
                 <a:solidFill>
                   <a:srgbClr val="000000"/>
                 </a:solidFill>
@@ -40836,7 +40860,7 @@
           </a:ln>
           <a:extLst>
             <a:ext uri="{91240B29-F687-4F45-9708-019B960494DF}">
-              <a14:hiddenLine xmlns:a14="http://schemas.microsoft.com/office/drawing/2010/main" xmlns="" w="9525">
+              <a14:hiddenLine xmlns="" xmlns:a14="http://schemas.microsoft.com/office/drawing/2010/main" w="9525">
                 <a:solidFill>
                   <a:srgbClr val="000000"/>
                 </a:solidFill>
@@ -40939,14 +40963,14 @@
           </a:ln>
           <a:extLst>
             <a:ext uri="{909E8E84-426E-40DD-AFC4-6F175D3DCCD1}">
-              <a14:hiddenFill xmlns:a14="http://schemas.microsoft.com/office/drawing/2010/main" xmlns="">
+              <a14:hiddenFill xmlns="" xmlns:a14="http://schemas.microsoft.com/office/drawing/2010/main">
                 <a:solidFill>
                   <a:srgbClr val="FFFFFF"/>
                 </a:solidFill>
               </a14:hiddenFill>
             </a:ext>
             <a:ext uri="{91240B29-F687-4F45-9708-019B960494DF}">
-              <a14:hiddenLine xmlns:a14="http://schemas.microsoft.com/office/drawing/2010/main" xmlns="" w="9525">
+              <a14:hiddenLine xmlns="" xmlns:a14="http://schemas.microsoft.com/office/drawing/2010/main" w="9525">
                 <a:solidFill>
                   <a:srgbClr val="000000"/>
                 </a:solidFill>
@@ -41052,7 +41076,7 @@
           </a:ln>
           <a:extLst>
             <a:ext uri="{91240B29-F687-4F45-9708-019B960494DF}">
-              <a14:hiddenLine xmlns:a14="http://schemas.microsoft.com/office/drawing/2010/main" xmlns="" w="9525">
+              <a14:hiddenLine xmlns="" xmlns:a14="http://schemas.microsoft.com/office/drawing/2010/main" w="9525">
                 <a:solidFill>
                   <a:srgbClr val="000000"/>
                 </a:solidFill>
@@ -41155,14 +41179,14 @@
           </a:ln>
           <a:extLst>
             <a:ext uri="{909E8E84-426E-40DD-AFC4-6F175D3DCCD1}">
-              <a14:hiddenFill xmlns:a14="http://schemas.microsoft.com/office/drawing/2010/main" xmlns="">
+              <a14:hiddenFill xmlns="" xmlns:a14="http://schemas.microsoft.com/office/drawing/2010/main">
                 <a:solidFill>
                   <a:srgbClr val="FFFFFF"/>
                 </a:solidFill>
               </a14:hiddenFill>
             </a:ext>
             <a:ext uri="{91240B29-F687-4F45-9708-019B960494DF}">
-              <a14:hiddenLine xmlns:a14="http://schemas.microsoft.com/office/drawing/2010/main" xmlns="" w="9525">
+              <a14:hiddenLine xmlns="" xmlns:a14="http://schemas.microsoft.com/office/drawing/2010/main" w="9525">
                 <a:solidFill>
                   <a:srgbClr val="000000"/>
                 </a:solidFill>
@@ -41268,7 +41292,7 @@
           </a:ln>
           <a:extLst>
             <a:ext uri="{91240B29-F687-4F45-9708-019B960494DF}">
-              <a14:hiddenLine xmlns:a14="http://schemas.microsoft.com/office/drawing/2010/main" xmlns="" w="9525">
+              <a14:hiddenLine xmlns="" xmlns:a14="http://schemas.microsoft.com/office/drawing/2010/main" w="9525">
                 <a:solidFill>
                   <a:srgbClr val="000000"/>
                 </a:solidFill>
@@ -41371,14 +41395,14 @@
           </a:ln>
           <a:extLst>
             <a:ext uri="{909E8E84-426E-40DD-AFC4-6F175D3DCCD1}">
-              <a14:hiddenFill xmlns:a14="http://schemas.microsoft.com/office/drawing/2010/main" xmlns="">
+              <a14:hiddenFill xmlns="" xmlns:a14="http://schemas.microsoft.com/office/drawing/2010/main">
                 <a:solidFill>
                   <a:srgbClr val="FFFFFF"/>
                 </a:solidFill>
               </a14:hiddenFill>
             </a:ext>
             <a:ext uri="{91240B29-F687-4F45-9708-019B960494DF}">
-              <a14:hiddenLine xmlns:a14="http://schemas.microsoft.com/office/drawing/2010/main" xmlns="" w="9525">
+              <a14:hiddenLine xmlns="" xmlns:a14="http://schemas.microsoft.com/office/drawing/2010/main" w="9525">
                 <a:solidFill>
                   <a:srgbClr val="000000"/>
                 </a:solidFill>
@@ -41425,7 +41449,7 @@
           </a:ln>
           <a:extLst>
             <a:ext uri="{91240B29-F687-4F45-9708-019B960494DF}">
-              <a14:hiddenLine xmlns:a14="http://schemas.microsoft.com/office/drawing/2010/main" xmlns="" w="9525">
+              <a14:hiddenLine xmlns="" xmlns:a14="http://schemas.microsoft.com/office/drawing/2010/main" w="9525">
                 <a:solidFill>
                   <a:srgbClr val="000000"/>
                 </a:solidFill>
@@ -41455,7 +41479,15 @@
             <a:pPr algn="ctr"/>
             <a:r>
               <a:rPr lang="zh-CN" altLang="en-US" sz="2000" dirty="0" smtClean="0"/>
-              <a:t>开源进销存</a:t>
+              <a:t>开</a:t>
+            </a:r>
+            <a:r>
+              <a:rPr lang="zh-CN" altLang="en-US" sz="2000" dirty="0" smtClean="0"/>
+              <a:t>源</a:t>
+            </a:r>
+            <a:r>
+              <a:rPr lang="en-US" altLang="zh-CN" sz="2000" dirty="0" smtClean="0"/>
+              <a:t>ERP</a:t>
             </a:r>
             <a:endParaRPr lang="en-US" altLang="zh-CN" sz="2000" dirty="0" smtClean="0"/>
           </a:p>
@@ -41560,7 +41592,7 @@
           </a:ln>
           <a:extLst>
             <a:ext uri="{91240B29-F687-4F45-9708-019B960494DF}">
-              <a14:hiddenLine xmlns:a14="http://schemas.microsoft.com/office/drawing/2010/main" xmlns="" w="9525">
+              <a14:hiddenLine xmlns="" xmlns:a14="http://schemas.microsoft.com/office/drawing/2010/main" w="9525">
                 <a:solidFill>
                   <a:srgbClr val="000000"/>
                 </a:solidFill>
@@ -41674,7 +41706,7 @@
           </a:ln>
           <a:extLst>
             <a:ext uri="{91240B29-F687-4F45-9708-019B960494DF}">
-              <a14:hiddenLine xmlns:a14="http://schemas.microsoft.com/office/drawing/2010/main" xmlns="" w="9525">
+              <a14:hiddenLine xmlns="" xmlns:a14="http://schemas.microsoft.com/office/drawing/2010/main" w="9525">
                 <a:solidFill>
                   <a:srgbClr val="000000"/>
                 </a:solidFill>
@@ -41788,7 +41820,7 @@
           </a:ln>
           <a:extLst>
             <a:ext uri="{91240B29-F687-4F45-9708-019B960494DF}">
-              <a14:hiddenLine xmlns:a14="http://schemas.microsoft.com/office/drawing/2010/main" xmlns="" w="9525">
+              <a14:hiddenLine xmlns="" xmlns:a14="http://schemas.microsoft.com/office/drawing/2010/main" w="9525">
                 <a:solidFill>
                   <a:srgbClr val="000000"/>
                 </a:solidFill>
@@ -41902,7 +41934,7 @@
           </a:ln>
           <a:extLst>
             <a:ext uri="{91240B29-F687-4F45-9708-019B960494DF}">
-              <a14:hiddenLine xmlns:a14="http://schemas.microsoft.com/office/drawing/2010/main" xmlns="" w="9525">
+              <a14:hiddenLine xmlns="" xmlns:a14="http://schemas.microsoft.com/office/drawing/2010/main" w="9525">
                 <a:solidFill>
                   <a:srgbClr val="000000"/>
                 </a:solidFill>
@@ -42042,7 +42074,7 @@
             </a:ln>
             <a:extLst>
               <a:ext uri="{91240B29-F687-4F45-9708-019B960494DF}">
-                <a14:hiddenLine xmlns:a14="http://schemas.microsoft.com/office/drawing/2010/main" xmlns="" w="9525">
+                <a14:hiddenLine xmlns="" xmlns:a14="http://schemas.microsoft.com/office/drawing/2010/main" w="9525">
                   <a:solidFill>
                     <a:srgbClr val="000000"/>
                   </a:solidFill>
@@ -42168,7 +42200,7 @@
             </a:ln>
             <a:extLst>
               <a:ext uri="{91240B29-F687-4F45-9708-019B960494DF}">
-                <a14:hiddenLine xmlns:a14="http://schemas.microsoft.com/office/drawing/2010/main" xmlns="" w="9525">
+                <a14:hiddenLine xmlns="" xmlns:a14="http://schemas.microsoft.com/office/drawing/2010/main" w="9525">
                   <a:solidFill>
                     <a:srgbClr val="000000"/>
                   </a:solidFill>
@@ -42294,7 +42326,7 @@
             </a:ln>
             <a:extLst>
               <a:ext uri="{91240B29-F687-4F45-9708-019B960494DF}">
-                <a14:hiddenLine xmlns:a14="http://schemas.microsoft.com/office/drawing/2010/main" xmlns="" w="9525">
+                <a14:hiddenLine xmlns="" xmlns:a14="http://schemas.microsoft.com/office/drawing/2010/main" w="9525">
                   <a:solidFill>
                     <a:srgbClr val="000000"/>
                   </a:solidFill>
@@ -42420,7 +42452,7 @@
             </a:ln>
             <a:extLst>
               <a:ext uri="{91240B29-F687-4F45-9708-019B960494DF}">
-                <a14:hiddenLine xmlns:a14="http://schemas.microsoft.com/office/drawing/2010/main" xmlns="" w="9525">
+                <a14:hiddenLine xmlns="" xmlns:a14="http://schemas.microsoft.com/office/drawing/2010/main" w="9525">
                   <a:solidFill>
                     <a:srgbClr val="000000"/>
                   </a:solidFill>
@@ -42546,7 +42578,7 @@
             </a:ln>
             <a:extLst>
               <a:ext uri="{91240B29-F687-4F45-9708-019B960494DF}">
-                <a14:hiddenLine xmlns:a14="http://schemas.microsoft.com/office/drawing/2010/main" xmlns="" w="9525">
+                <a14:hiddenLine xmlns="" xmlns:a14="http://schemas.microsoft.com/office/drawing/2010/main" w="9525">
                   <a:solidFill>
                     <a:srgbClr val="000000"/>
                   </a:solidFill>
@@ -42687,7 +42719,7 @@
             </a:ln>
             <a:extLst>
               <a:ext uri="{91240B29-F687-4F45-9708-019B960494DF}">
-                <a14:hiddenLine xmlns:a14="http://schemas.microsoft.com/office/drawing/2010/main" xmlns="" w="9525">
+                <a14:hiddenLine xmlns="" xmlns:a14="http://schemas.microsoft.com/office/drawing/2010/main" w="9525">
                   <a:solidFill>
                     <a:srgbClr val="000000"/>
                   </a:solidFill>
@@ -42813,7 +42845,7 @@
             </a:ln>
             <a:extLst>
               <a:ext uri="{91240B29-F687-4F45-9708-019B960494DF}">
-                <a14:hiddenLine xmlns:a14="http://schemas.microsoft.com/office/drawing/2010/main" xmlns="" w="9525">
+                <a14:hiddenLine xmlns="" xmlns:a14="http://schemas.microsoft.com/office/drawing/2010/main" w="9525">
                   <a:solidFill>
                     <a:srgbClr val="000000"/>
                   </a:solidFill>
@@ -42939,7 +42971,7 @@
             </a:ln>
             <a:extLst>
               <a:ext uri="{91240B29-F687-4F45-9708-019B960494DF}">
-                <a14:hiddenLine xmlns:a14="http://schemas.microsoft.com/office/drawing/2010/main" xmlns="" w="9525">
+                <a14:hiddenLine xmlns="" xmlns:a14="http://schemas.microsoft.com/office/drawing/2010/main" w="9525">
                   <a:solidFill>
                     <a:srgbClr val="000000"/>
                   </a:solidFill>
@@ -43065,7 +43097,7 @@
             </a:ln>
             <a:extLst>
               <a:ext uri="{91240B29-F687-4F45-9708-019B960494DF}">
-                <a14:hiddenLine xmlns:a14="http://schemas.microsoft.com/office/drawing/2010/main" xmlns="" w="9525">
+                <a14:hiddenLine xmlns="" xmlns:a14="http://schemas.microsoft.com/office/drawing/2010/main" w="9525">
                   <a:solidFill>
                     <a:srgbClr val="000000"/>
                   </a:solidFill>
@@ -43191,7 +43223,7 @@
             </a:ln>
             <a:extLst>
               <a:ext uri="{91240B29-F687-4F45-9708-019B960494DF}">
-                <a14:hiddenLine xmlns:a14="http://schemas.microsoft.com/office/drawing/2010/main" xmlns="" w="9525">
+                <a14:hiddenLine xmlns="" xmlns:a14="http://schemas.microsoft.com/office/drawing/2010/main" w="9525">
                   <a:solidFill>
                     <a:srgbClr val="000000"/>
                   </a:solidFill>
@@ -43305,7 +43337,7 @@
             </a:ln>
             <a:extLst>
               <a:ext uri="{91240B29-F687-4F45-9708-019B960494DF}">
-                <a14:hiddenLine xmlns:a14="http://schemas.microsoft.com/office/drawing/2010/main" xmlns="" w="9525">
+                <a14:hiddenLine xmlns="" xmlns:a14="http://schemas.microsoft.com/office/drawing/2010/main" w="9525">
                   <a:solidFill>
                     <a:srgbClr val="000000"/>
                   </a:solidFill>
@@ -43431,7 +43463,7 @@
             </a:ln>
             <a:extLst>
               <a:ext uri="{91240B29-F687-4F45-9708-019B960494DF}">
-                <a14:hiddenLine xmlns:a14="http://schemas.microsoft.com/office/drawing/2010/main" xmlns="" w="9525">
+                <a14:hiddenLine xmlns="" xmlns:a14="http://schemas.microsoft.com/office/drawing/2010/main" w="9525">
                   <a:solidFill>
                     <a:srgbClr val="000000"/>
                   </a:solidFill>
@@ -43493,7 +43525,7 @@
             </a:ln>
             <a:extLst>
               <a:ext uri="{91240B29-F687-4F45-9708-019B960494DF}">
-                <a14:hiddenLine xmlns:a14="http://schemas.microsoft.com/office/drawing/2010/main" xmlns="" w="9525">
+                <a14:hiddenLine xmlns="" xmlns:a14="http://schemas.microsoft.com/office/drawing/2010/main" w="9525">
                   <a:solidFill>
                     <a:srgbClr val="000000"/>
                   </a:solidFill>
@@ -43639,7 +43671,7 @@
             </a:ln>
             <a:extLst>
               <a:ext uri="{91240B29-F687-4F45-9708-019B960494DF}">
-                <a14:hiddenLine xmlns:a14="http://schemas.microsoft.com/office/drawing/2010/main" xmlns="" w="9525">
+                <a14:hiddenLine xmlns="" xmlns:a14="http://schemas.microsoft.com/office/drawing/2010/main" w="9525">
                   <a:solidFill>
                     <a:srgbClr val="000000"/>
                   </a:solidFill>
@@ -43686,7 +43718,7 @@
             </a:ln>
             <a:extLst>
               <a:ext uri="{91240B29-F687-4F45-9708-019B960494DF}">
-                <a14:hiddenLine xmlns:a14="http://schemas.microsoft.com/office/drawing/2010/main" xmlns="" w="9525">
+                <a14:hiddenLine xmlns="" xmlns:a14="http://schemas.microsoft.com/office/drawing/2010/main" w="9525">
                   <a:solidFill>
                     <a:srgbClr val="000000"/>
                   </a:solidFill>
@@ -43832,7 +43864,7 @@
             </a:ln>
             <a:extLst>
               <a:ext uri="{91240B29-F687-4F45-9708-019B960494DF}">
-                <a14:hiddenLine xmlns:a14="http://schemas.microsoft.com/office/drawing/2010/main" xmlns="" w="9525">
+                <a14:hiddenLine xmlns="" xmlns:a14="http://schemas.microsoft.com/office/drawing/2010/main" w="9525">
                   <a:solidFill>
                     <a:srgbClr val="000000"/>
                   </a:solidFill>
@@ -43879,7 +43911,7 @@
             </a:ln>
             <a:extLst>
               <a:ext uri="{91240B29-F687-4F45-9708-019B960494DF}">
-                <a14:hiddenLine xmlns:a14="http://schemas.microsoft.com/office/drawing/2010/main" xmlns="" w="9525">
+                <a14:hiddenLine xmlns="" xmlns:a14="http://schemas.microsoft.com/office/drawing/2010/main" w="9525">
                   <a:solidFill>
                     <a:srgbClr val="000000"/>
                   </a:solidFill>
@@ -44025,7 +44057,7 @@
             </a:ln>
             <a:extLst>
               <a:ext uri="{91240B29-F687-4F45-9708-019B960494DF}">
-                <a14:hiddenLine xmlns:a14="http://schemas.microsoft.com/office/drawing/2010/main" xmlns="" w="9525">
+                <a14:hiddenLine xmlns="" xmlns:a14="http://schemas.microsoft.com/office/drawing/2010/main" w="9525">
                   <a:solidFill>
                     <a:srgbClr val="000000"/>
                   </a:solidFill>
@@ -44072,7 +44104,7 @@
             </a:ln>
             <a:extLst>
               <a:ext uri="{91240B29-F687-4F45-9708-019B960494DF}">
-                <a14:hiddenLine xmlns:a14="http://schemas.microsoft.com/office/drawing/2010/main" xmlns="" w="9525">
+                <a14:hiddenLine xmlns="" xmlns:a14="http://schemas.microsoft.com/office/drawing/2010/main" w="9525">
                   <a:solidFill>
                     <a:srgbClr val="000000"/>
                   </a:solidFill>
@@ -44218,7 +44250,7 @@
             </a:ln>
             <a:extLst>
               <a:ext uri="{91240B29-F687-4F45-9708-019B960494DF}">
-                <a14:hiddenLine xmlns:a14="http://schemas.microsoft.com/office/drawing/2010/main" xmlns="" w="9525">
+                <a14:hiddenLine xmlns="" xmlns:a14="http://schemas.microsoft.com/office/drawing/2010/main" w="9525">
                   <a:solidFill>
                     <a:srgbClr val="000000"/>
                   </a:solidFill>
@@ -44265,7 +44297,7 @@
             </a:ln>
             <a:extLst>
               <a:ext uri="{91240B29-F687-4F45-9708-019B960494DF}">
-                <a14:hiddenLine xmlns:a14="http://schemas.microsoft.com/office/drawing/2010/main" xmlns="" w="9525">
+                <a14:hiddenLine xmlns="" xmlns:a14="http://schemas.microsoft.com/office/drawing/2010/main" w="9525">
                   <a:solidFill>
                     <a:srgbClr val="000000"/>
                   </a:solidFill>
@@ -44411,7 +44443,7 @@
             </a:ln>
             <a:extLst>
               <a:ext uri="{91240B29-F687-4F45-9708-019B960494DF}">
-                <a14:hiddenLine xmlns:a14="http://schemas.microsoft.com/office/drawing/2010/main" xmlns="" w="9525">
+                <a14:hiddenLine xmlns="" xmlns:a14="http://schemas.microsoft.com/office/drawing/2010/main" w="9525">
                   <a:solidFill>
                     <a:srgbClr val="000000"/>
                   </a:solidFill>
@@ -44581,7 +44613,7 @@
             </a:ln>
             <a:extLst>
               <a:ext uri="{91240B29-F687-4F45-9708-019B960494DF}">
-                <a14:hiddenLine xmlns:a14="http://schemas.microsoft.com/office/drawing/2010/main" xmlns="" w="9525">
+                <a14:hiddenLine xmlns="" xmlns:a14="http://schemas.microsoft.com/office/drawing/2010/main" w="9525">
                   <a:solidFill>
                     <a:srgbClr val="000000"/>
                   </a:solidFill>
@@ -44776,7 +44808,7 @@
             </a:ln>
             <a:extLst>
               <a:ext uri="{91240B29-F687-4F45-9708-019B960494DF}">
-                <a14:hiddenLine xmlns:a14="http://schemas.microsoft.com/office/drawing/2010/main" xmlns="" w="9525">
+                <a14:hiddenLine xmlns="" xmlns:a14="http://schemas.microsoft.com/office/drawing/2010/main" w="9525">
                   <a:solidFill>
                     <a:srgbClr val="000000"/>
                   </a:solidFill>
@@ -45011,7 +45043,7 @@
             </a:ln>
             <a:extLst>
               <a:ext uri="{91240B29-F687-4F45-9708-019B960494DF}">
-                <a14:hiddenLine xmlns:a14="http://schemas.microsoft.com/office/drawing/2010/main" xmlns="" w="9525">
+                <a14:hiddenLine xmlns="" xmlns:a14="http://schemas.microsoft.com/office/drawing/2010/main" w="9525">
                   <a:solidFill>
                     <a:srgbClr val="000000"/>
                   </a:solidFill>
@@ -45058,7 +45090,7 @@
             </a:ln>
             <a:extLst>
               <a:ext uri="{91240B29-F687-4F45-9708-019B960494DF}">
-                <a14:hiddenLine xmlns:a14="http://schemas.microsoft.com/office/drawing/2010/main" xmlns="" w="9525">
+                <a14:hiddenLine xmlns="" xmlns:a14="http://schemas.microsoft.com/office/drawing/2010/main" w="9525">
                   <a:solidFill>
                     <a:srgbClr val="000000"/>
                   </a:solidFill>
@@ -45105,7 +45137,7 @@
             </a:ln>
             <a:extLst>
               <a:ext uri="{91240B29-F687-4F45-9708-019B960494DF}">
-                <a14:hiddenLine xmlns:a14="http://schemas.microsoft.com/office/drawing/2010/main" xmlns="" w="9525">
+                <a14:hiddenLine xmlns="" xmlns:a14="http://schemas.microsoft.com/office/drawing/2010/main" w="9525">
                   <a:solidFill>
                     <a:srgbClr val="000000"/>
                   </a:solidFill>
@@ -45152,7 +45184,7 @@
             </a:ln>
             <a:extLst>
               <a:ext uri="{91240B29-F687-4F45-9708-019B960494DF}">
-                <a14:hiddenLine xmlns:a14="http://schemas.microsoft.com/office/drawing/2010/main" xmlns="" w="9525">
+                <a14:hiddenLine xmlns="" xmlns:a14="http://schemas.microsoft.com/office/drawing/2010/main" w="9525">
                   <a:solidFill>
                     <a:srgbClr val="000000"/>
                   </a:solidFill>
@@ -45199,7 +45231,7 @@
             </a:ln>
             <a:extLst>
               <a:ext uri="{91240B29-F687-4F45-9708-019B960494DF}">
-                <a14:hiddenLine xmlns:a14="http://schemas.microsoft.com/office/drawing/2010/main" xmlns="" w="9525">
+                <a14:hiddenLine xmlns="" xmlns:a14="http://schemas.microsoft.com/office/drawing/2010/main" w="9525">
                   <a:solidFill>
                     <a:srgbClr val="000000"/>
                   </a:solidFill>
@@ -45822,7 +45854,20 @@
                 <a:latin typeface="微软雅黑" panose="020B0503020204020204" pitchFamily="34" charset="-122"/>
                 <a:ea typeface="微软雅黑" panose="020B0503020204020204" pitchFamily="34" charset="-122"/>
               </a:rPr>
-              <a:t>业务领域：进销存</a:t>
+              <a:t>业务领域</a:t>
+            </a:r>
+            <a:r>
+              <a:rPr lang="zh-CN" altLang="en-US" sz="3200" dirty="0" smtClean="0">
+                <a:solidFill>
+                  <a:schemeClr val="tx1">
+                    <a:lumMod val="65000"/>
+                    <a:lumOff val="35000"/>
+                  </a:schemeClr>
+                </a:solidFill>
+                <a:latin typeface="微软雅黑" panose="020B0503020204020204" pitchFamily="34" charset="-122"/>
+                <a:ea typeface="微软雅黑" panose="020B0503020204020204" pitchFamily="34" charset="-122"/>
+              </a:rPr>
+              <a:t>：企业管理软件</a:t>
             </a:r>
             <a:endParaRPr lang="en-US" altLang="zh-CN" sz="3200" dirty="0" smtClean="0">
               <a:solidFill>
@@ -46068,7 +46113,7 @@
             </a:ln>
             <a:extLst>
               <a:ext uri="{91240B29-F687-4F45-9708-019B960494DF}">
-                <a14:hiddenLine xmlns="" xmlns:a14="http://schemas.microsoft.com/office/drawing/2010/main" w="9525">
+                <a14:hiddenLine xmlns:a14="http://schemas.microsoft.com/office/drawing/2010/main" xmlns="" w="9525">
                   <a:solidFill>
                     <a:srgbClr val="000000"/>
                   </a:solidFill>
@@ -46192,7 +46237,7 @@
             </a:ln>
             <a:extLst>
               <a:ext uri="{91240B29-F687-4F45-9708-019B960494DF}">
-                <a14:hiddenLine xmlns="" xmlns:a14="http://schemas.microsoft.com/office/drawing/2010/main" w="9525">
+                <a14:hiddenLine xmlns:a14="http://schemas.microsoft.com/office/drawing/2010/main" xmlns="" w="9525">
                   <a:solidFill>
                     <a:srgbClr val="000000"/>
                   </a:solidFill>
@@ -46316,7 +46361,7 @@
             </a:ln>
             <a:extLst>
               <a:ext uri="{91240B29-F687-4F45-9708-019B960494DF}">
-                <a14:hiddenLine xmlns="" xmlns:a14="http://schemas.microsoft.com/office/drawing/2010/main" w="9525">
+                <a14:hiddenLine xmlns:a14="http://schemas.microsoft.com/office/drawing/2010/main" xmlns="" w="9525">
                   <a:solidFill>
                     <a:srgbClr val="000000"/>
                   </a:solidFill>
@@ -46440,7 +46485,7 @@
             </a:ln>
             <a:extLst>
               <a:ext uri="{91240B29-F687-4F45-9708-019B960494DF}">
-                <a14:hiddenLine xmlns="" xmlns:a14="http://schemas.microsoft.com/office/drawing/2010/main" w="9525">
+                <a14:hiddenLine xmlns:a14="http://schemas.microsoft.com/office/drawing/2010/main" xmlns="" w="9525">
                   <a:solidFill>
                     <a:srgbClr val="000000"/>
                   </a:solidFill>
@@ -46564,7 +46609,7 @@
             </a:ln>
             <a:extLst>
               <a:ext uri="{91240B29-F687-4F45-9708-019B960494DF}">
-                <a14:hiddenLine xmlns="" xmlns:a14="http://schemas.microsoft.com/office/drawing/2010/main" w="9525">
+                <a14:hiddenLine xmlns:a14="http://schemas.microsoft.com/office/drawing/2010/main" xmlns="" w="9525">
                   <a:solidFill>
                     <a:srgbClr val="000000"/>
                   </a:solidFill>
@@ -46820,7 +46865,7 @@
             </a:ln>
             <a:extLst>
               <a:ext uri="{91240B29-F687-4F45-9708-019B960494DF}">
-                <a14:hiddenLine xmlns="" xmlns:a14="http://schemas.microsoft.com/office/drawing/2010/main" w="9525">
+                <a14:hiddenLine xmlns:a14="http://schemas.microsoft.com/office/drawing/2010/main" xmlns="" w="9525">
                   <a:solidFill>
                     <a:srgbClr val="000000"/>
                   </a:solidFill>
@@ -47324,7 +47369,7 @@
             </a:ln>
             <a:extLst>
               <a:ext uri="{91240B29-F687-4F45-9708-019B960494DF}">
-                <a14:hiddenLine xmlns="" xmlns:a14="http://schemas.microsoft.com/office/drawing/2010/main" w="9525">
+                <a14:hiddenLine xmlns:a14="http://schemas.microsoft.com/office/drawing/2010/main" xmlns="" w="9525">
                   <a:solidFill>
                     <a:srgbClr val="000000"/>
                   </a:solidFill>
@@ -47550,7 +47595,7 @@
             </a:ln>
             <a:extLst>
               <a:ext uri="{91240B29-F687-4F45-9708-019B960494DF}">
-                <a14:hiddenLine xmlns="" xmlns:a14="http://schemas.microsoft.com/office/drawing/2010/main" w="9525">
+                <a14:hiddenLine xmlns:a14="http://schemas.microsoft.com/office/drawing/2010/main" xmlns="" w="9525">
                   <a:solidFill>
                     <a:srgbClr val="000000"/>
                   </a:solidFill>
@@ -47597,7 +47642,7 @@
             </a:ln>
             <a:extLst>
               <a:ext uri="{91240B29-F687-4F45-9708-019B960494DF}">
-                <a14:hiddenLine xmlns="" xmlns:a14="http://schemas.microsoft.com/office/drawing/2010/main" w="9525">
+                <a14:hiddenLine xmlns:a14="http://schemas.microsoft.com/office/drawing/2010/main" xmlns="" w="9525">
                   <a:solidFill>
                     <a:srgbClr val="000000"/>
                   </a:solidFill>
@@ -48150,7 +48195,7 @@
             </a:ln>
             <a:extLst>
               <a:ext uri="{91240B29-F687-4F45-9708-019B960494DF}">
-                <a14:hiddenLine xmlns="" xmlns:a14="http://schemas.microsoft.com/office/drawing/2010/main" w="9525">
+                <a14:hiddenLine xmlns:a14="http://schemas.microsoft.com/office/drawing/2010/main" xmlns="" w="9525">
                   <a:solidFill>
                     <a:srgbClr val="000000"/>
                   </a:solidFill>
@@ -48346,7 +48391,7 @@
             </a:ln>
             <a:extLst>
               <a:ext uri="{91240B29-F687-4F45-9708-019B960494DF}">
-                <a14:hiddenLine xmlns="" xmlns:a14="http://schemas.microsoft.com/office/drawing/2010/main" w="9525">
+                <a14:hiddenLine xmlns:a14="http://schemas.microsoft.com/office/drawing/2010/main" xmlns="" w="9525">
                   <a:solidFill>
                     <a:srgbClr val="000000"/>
                   </a:solidFill>
@@ -48442,7 +48487,7 @@
             </a:ln>
             <a:extLst>
               <a:ext uri="{91240B29-F687-4F45-9708-019B960494DF}">
-                <a14:hiddenLine xmlns="" xmlns:a14="http://schemas.microsoft.com/office/drawing/2010/main" w="9525">
+                <a14:hiddenLine xmlns:a14="http://schemas.microsoft.com/office/drawing/2010/main" xmlns="" w="9525">
                   <a:solidFill>
                     <a:srgbClr val="000000"/>
                   </a:solidFill>
@@ -48548,7 +48593,7 @@
             </a:ln>
             <a:extLst>
               <a:ext uri="{91240B29-F687-4F45-9708-019B960494DF}">
-                <a14:hiddenLine xmlns="" xmlns:a14="http://schemas.microsoft.com/office/drawing/2010/main" w="9525">
+                <a14:hiddenLine xmlns:a14="http://schemas.microsoft.com/office/drawing/2010/main" xmlns="" w="9525">
                   <a:solidFill>
                     <a:srgbClr val="000000"/>
                   </a:solidFill>
@@ -48654,7 +48699,7 @@
             </a:ln>
             <a:extLst>
               <a:ext uri="{91240B29-F687-4F45-9708-019B960494DF}">
-                <a14:hiddenLine xmlns="" xmlns:a14="http://schemas.microsoft.com/office/drawing/2010/main" w="9525">
+                <a14:hiddenLine xmlns:a14="http://schemas.microsoft.com/office/drawing/2010/main" xmlns="" w="9525">
                   <a:solidFill>
                     <a:srgbClr val="000000"/>
                   </a:solidFill>
@@ -48770,7 +48815,7 @@
             </a:ln>
             <a:extLst>
               <a:ext uri="{91240B29-F687-4F45-9708-019B960494DF}">
-                <a14:hiddenLine xmlns="" xmlns:a14="http://schemas.microsoft.com/office/drawing/2010/main" w="9525">
+                <a14:hiddenLine xmlns:a14="http://schemas.microsoft.com/office/drawing/2010/main" xmlns="" w="9525">
                   <a:solidFill>
                     <a:srgbClr val="000000"/>
                   </a:solidFill>
@@ -48874,7 +48919,7 @@
             </a:ln>
             <a:extLst>
               <a:ext uri="{91240B29-F687-4F45-9708-019B960494DF}">
-                <a14:hiddenLine xmlns="" xmlns:a14="http://schemas.microsoft.com/office/drawing/2010/main" w="9525">
+                <a14:hiddenLine xmlns:a14="http://schemas.microsoft.com/office/drawing/2010/main" xmlns="" w="9525">
                   <a:solidFill>
                     <a:srgbClr val="000000"/>
                   </a:solidFill>
@@ -48970,7 +49015,7 @@
             </a:ln>
             <a:extLst>
               <a:ext uri="{91240B29-F687-4F45-9708-019B960494DF}">
-                <a14:hiddenLine xmlns="" xmlns:a14="http://schemas.microsoft.com/office/drawing/2010/main" w="9525">
+                <a14:hiddenLine xmlns:a14="http://schemas.microsoft.com/office/drawing/2010/main" xmlns="" w="9525">
                   <a:solidFill>
                     <a:srgbClr val="000000"/>
                   </a:solidFill>
@@ -49076,7 +49121,7 @@
             </a:ln>
             <a:extLst>
               <a:ext uri="{91240B29-F687-4F45-9708-019B960494DF}">
-                <a14:hiddenLine xmlns="" xmlns:a14="http://schemas.microsoft.com/office/drawing/2010/main" w="9525">
+                <a14:hiddenLine xmlns:a14="http://schemas.microsoft.com/office/drawing/2010/main" xmlns="" w="9525">
                   <a:solidFill>
                     <a:srgbClr val="000000"/>
                   </a:solidFill>
@@ -49202,7 +49247,7 @@
             </a:ln>
             <a:extLst>
               <a:ext uri="{91240B29-F687-4F45-9708-019B960494DF}">
-                <a14:hiddenLine xmlns="" xmlns:a14="http://schemas.microsoft.com/office/drawing/2010/main" w="9525">
+                <a14:hiddenLine xmlns:a14="http://schemas.microsoft.com/office/drawing/2010/main" xmlns="" w="9525">
                   <a:solidFill>
                     <a:srgbClr val="000000"/>
                   </a:solidFill>
@@ -49318,7 +49363,7 @@
             </a:ln>
             <a:extLst>
               <a:ext uri="{91240B29-F687-4F45-9708-019B960494DF}">
-                <a14:hiddenLine xmlns="" xmlns:a14="http://schemas.microsoft.com/office/drawing/2010/main" w="9525">
+                <a14:hiddenLine xmlns:a14="http://schemas.microsoft.com/office/drawing/2010/main" xmlns="" w="9525">
                   <a:solidFill>
                     <a:srgbClr val="000000"/>
                   </a:solidFill>
@@ -49414,7 +49459,7 @@
             </a:ln>
             <a:extLst>
               <a:ext uri="{91240B29-F687-4F45-9708-019B960494DF}">
-                <a14:hiddenLine xmlns="" xmlns:a14="http://schemas.microsoft.com/office/drawing/2010/main" w="9525">
+                <a14:hiddenLine xmlns:a14="http://schemas.microsoft.com/office/drawing/2010/main" xmlns="" w="9525">
                   <a:solidFill>
                     <a:srgbClr val="000000"/>
                   </a:solidFill>
@@ -49540,7 +49585,7 @@
             </a:ln>
             <a:extLst>
               <a:ext uri="{91240B29-F687-4F45-9708-019B960494DF}">
-                <a14:hiddenLine xmlns="" xmlns:a14="http://schemas.microsoft.com/office/drawing/2010/main" w="9525">
+                <a14:hiddenLine xmlns:a14="http://schemas.microsoft.com/office/drawing/2010/main" xmlns="" w="9525">
                   <a:solidFill>
                     <a:srgbClr val="000000"/>
                   </a:solidFill>
@@ -49646,7 +49691,7 @@
             </a:ln>
             <a:extLst>
               <a:ext uri="{91240B29-F687-4F45-9708-019B960494DF}">
-                <a14:hiddenLine xmlns="" xmlns:a14="http://schemas.microsoft.com/office/drawing/2010/main" w="9525">
+                <a14:hiddenLine xmlns:a14="http://schemas.microsoft.com/office/drawing/2010/main" xmlns="" w="9525">
                   <a:solidFill>
                     <a:srgbClr val="000000"/>
                   </a:solidFill>
@@ -49752,7 +49797,7 @@
             </a:ln>
             <a:extLst>
               <a:ext uri="{91240B29-F687-4F45-9708-019B960494DF}">
-                <a14:hiddenLine xmlns="" xmlns:a14="http://schemas.microsoft.com/office/drawing/2010/main" w="9525">
+                <a14:hiddenLine xmlns:a14="http://schemas.microsoft.com/office/drawing/2010/main" xmlns="" w="9525">
                   <a:solidFill>
                     <a:srgbClr val="000000"/>
                   </a:solidFill>
@@ -49848,7 +49893,7 @@
             </a:ln>
             <a:extLst>
               <a:ext uri="{91240B29-F687-4F45-9708-019B960494DF}">
-                <a14:hiddenLine xmlns="" xmlns:a14="http://schemas.microsoft.com/office/drawing/2010/main" w="9525">
+                <a14:hiddenLine xmlns:a14="http://schemas.microsoft.com/office/drawing/2010/main" xmlns="" w="9525">
                   <a:solidFill>
                     <a:srgbClr val="000000"/>
                   </a:solidFill>
@@ -49954,7 +49999,7 @@
             </a:ln>
             <a:extLst>
               <a:ext uri="{91240B29-F687-4F45-9708-019B960494DF}">
-                <a14:hiddenLine xmlns="" xmlns:a14="http://schemas.microsoft.com/office/drawing/2010/main" w="9525">
+                <a14:hiddenLine xmlns:a14="http://schemas.microsoft.com/office/drawing/2010/main" xmlns="" w="9525">
                   <a:solidFill>
                     <a:srgbClr val="000000"/>
                   </a:solidFill>
@@ -50060,7 +50105,7 @@
             </a:ln>
             <a:extLst>
               <a:ext uri="{91240B29-F687-4F45-9708-019B960494DF}">
-                <a14:hiddenLine xmlns="" xmlns:a14="http://schemas.microsoft.com/office/drawing/2010/main" w="9525">
+                <a14:hiddenLine xmlns:a14="http://schemas.microsoft.com/office/drawing/2010/main" xmlns="" w="9525">
                   <a:solidFill>
                     <a:srgbClr val="000000"/>
                   </a:solidFill>
@@ -50309,7 +50354,7 @@
             </a:ln>
             <a:extLst>
               <a:ext uri="{91240B29-F687-4F45-9708-019B960494DF}">
-                <a14:hiddenLine xmlns="" xmlns:a14="http://schemas.microsoft.com/office/drawing/2010/main" w="9525">
+                <a14:hiddenLine xmlns:a14="http://schemas.microsoft.com/office/drawing/2010/main" xmlns="" w="9525">
                   <a:solidFill>
                     <a:srgbClr val="000000"/>
                   </a:solidFill>
@@ -50697,7 +50742,7 @@
   <a:extraClrSchemeLst/>
   <a:extLst>
     <a:ext uri="{05A4C25C-085E-4340-85A3-A5531E510DB2}">
-      <thm15:themeFamily xmlns:thm15="http://schemas.microsoft.com/office/thememl/2012/main" xmlns="" name="Office Theme" id="{62F939B6-93AF-4DB8-9C6B-D6C7DFDC589F}" vid="{4A3C46E8-61CC-4603-A589-7422A47A8E4A}"/>
+      <thm15:themeFamily xmlns="" xmlns:thm15="http://schemas.microsoft.com/office/thememl/2012/main" name="Office Theme" id="{62F939B6-93AF-4DB8-9C6B-D6C7DFDC589F}" vid="{4A3C46E8-61CC-4603-A589-7422A47A8E4A}"/>
     </a:ext>
   </a:extLst>
 </a:theme>
@@ -50958,7 +51003,7 @@
   <a:extraClrSchemeLst/>
   <a:extLst>
     <a:ext uri="{05A4C25C-085E-4340-85A3-A5531E510DB2}">
-      <thm15:themeFamily xmlns:thm15="http://schemas.microsoft.com/office/thememl/2012/main" xmlns="" name="Office Theme" id="{62F939B6-93AF-4DB8-9C6B-D6C7DFDC589F}" vid="{4A3C46E8-61CC-4603-A589-7422A47A8E4A}"/>
+      <thm15:themeFamily xmlns="" xmlns:thm15="http://schemas.microsoft.com/office/thememl/2012/main" name="Office Theme" id="{62F939B6-93AF-4DB8-9C6B-D6C7DFDC589F}" vid="{4A3C46E8-61CC-4603-A589-7422A47A8E4A}"/>
     </a:ext>
   </a:extLst>
 </a:theme>

--- a/doc/01 概要设计/PSI.pptx
+++ b/doc/01 概要设计/PSI.pptx
@@ -116,7 +116,7 @@
   </p:defaultTextStyle>
   <p:extLst>
     <p:ext uri="{EFAFB233-063F-42B5-8137-9DF3F51BA10A}">
-      <p15:sldGuideLst xmlns="" xmlns:p15="http://schemas.microsoft.com/office/powerpoint/2012/main">
+      <p15:sldGuideLst xmlns:p15="http://schemas.microsoft.com/office/powerpoint/2012/main" xmlns="">
         <p15:guide id="2" pos="3863" userDrawn="1">
           <p15:clr>
             <a:srgbClr val="A4A3A4"/>
@@ -216,7 +216,7 @@
             <a:fld id="{C86B11F5-5059-4E45-9721-EB94D5B4201D}" type="datetimeFigureOut">
               <a:rPr lang="zh-CN" altLang="en-US" smtClean="0"/>
               <a:pPr/>
-              <a:t>2017/10/31</a:t>
+              <a:t>2018/9/17</a:t>
             </a:fld>
             <a:endParaRPr lang="zh-CN" altLang="en-US"/>
           </a:p>
@@ -385,7 +385,7 @@
     </p:spTree>
     <p:extLst>
       <p:ext uri="{BB962C8B-B14F-4D97-AF65-F5344CB8AC3E}">
-        <p14:creationId xmlns="" xmlns:p14="http://schemas.microsoft.com/office/powerpoint/2010/main" val="2524148835"/>
+        <p14:creationId xmlns:p14="http://schemas.microsoft.com/office/powerpoint/2010/main" xmlns="" val="2524148835"/>
       </p:ext>
     </p:extLst>
   </p:cSld>
@@ -514,7 +514,7 @@
           <a:blip r:embed="rId2" cstate="screen">
             <a:extLst>
               <a:ext uri="{28A0092B-C50C-407E-A947-70E740481C1C}">
-                <a14:useLocalDpi xmlns="" xmlns:a14="http://schemas.microsoft.com/office/drawing/2010/main"/>
+                <a14:useLocalDpi xmlns:a14="http://schemas.microsoft.com/office/drawing/2010/main" xmlns=""/>
               </a:ext>
             </a:extLst>
           </a:blip>
@@ -1117,7 +1117,7 @@
             </a:ln>
             <a:extLst>
               <a:ext uri="{909E8E84-426E-40DD-AFC4-6F175D3DCCD1}">
-                <a14:hiddenFill xmlns="" xmlns:a14="http://schemas.microsoft.com/office/drawing/2010/main">
+                <a14:hiddenFill xmlns:a14="http://schemas.microsoft.com/office/drawing/2010/main" xmlns="">
                   <a:solidFill>
                     <a:srgbClr val="FFFFFF"/>
                   </a:solidFill>
@@ -1165,7 +1165,7 @@
             </a:ln>
             <a:extLst>
               <a:ext uri="{909E8E84-426E-40DD-AFC4-6F175D3DCCD1}">
-                <a14:hiddenFill xmlns="" xmlns:a14="http://schemas.microsoft.com/office/drawing/2010/main">
+                <a14:hiddenFill xmlns:a14="http://schemas.microsoft.com/office/drawing/2010/main" xmlns="">
                   <a:noFill/>
                 </a14:hiddenFill>
               </a:ext>
@@ -1262,7 +1262,7 @@
             </a:ln>
             <a:extLst>
               <a:ext uri="{909E8E84-426E-40DD-AFC4-6F175D3DCCD1}">
-                <a14:hiddenFill xmlns="" xmlns:a14="http://schemas.microsoft.com/office/drawing/2010/main">
+                <a14:hiddenFill xmlns:a14="http://schemas.microsoft.com/office/drawing/2010/main" xmlns="">
                   <a:solidFill>
                     <a:srgbClr val="FFFFFF"/>
                   </a:solidFill>
@@ -3826,7 +3826,7 @@
     </p:spTree>
     <p:extLst>
       <p:ext uri="{BB962C8B-B14F-4D97-AF65-F5344CB8AC3E}">
-        <p14:creationId xmlns="" xmlns:p14="http://schemas.microsoft.com/office/powerpoint/2010/main" val="2830079814"/>
+        <p14:creationId xmlns:p14="http://schemas.microsoft.com/office/powerpoint/2010/main" xmlns="" val="2830079814"/>
       </p:ext>
     </p:extLst>
   </p:cSld>
@@ -3875,7 +3875,7 @@
           <a:blip r:embed="rId2" cstate="screen">
             <a:extLst>
               <a:ext uri="{28A0092B-C50C-407E-A947-70E740481C1C}">
-                <a14:useLocalDpi xmlns="" xmlns:a14="http://schemas.microsoft.com/office/drawing/2010/main"/>
+                <a14:useLocalDpi xmlns:a14="http://schemas.microsoft.com/office/drawing/2010/main" xmlns=""/>
               </a:ext>
             </a:extLst>
           </a:blip>
@@ -3935,7 +3935,7 @@
             </a:ln>
             <a:extLst>
               <a:ext uri="{909E8E84-426E-40DD-AFC4-6F175D3DCCD1}">
-                <a14:hiddenFill xmlns="" xmlns:a14="http://schemas.microsoft.com/office/drawing/2010/main">
+                <a14:hiddenFill xmlns:a14="http://schemas.microsoft.com/office/drawing/2010/main" xmlns="">
                   <a:solidFill>
                     <a:srgbClr val="FFFFFF"/>
                   </a:solidFill>
@@ -3983,7 +3983,7 @@
             </a:ln>
             <a:extLst>
               <a:ext uri="{909E8E84-426E-40DD-AFC4-6F175D3DCCD1}">
-                <a14:hiddenFill xmlns="" xmlns:a14="http://schemas.microsoft.com/office/drawing/2010/main">
+                <a14:hiddenFill xmlns:a14="http://schemas.microsoft.com/office/drawing/2010/main" xmlns="">
                   <a:noFill/>
                 </a14:hiddenFill>
               </a:ext>
@@ -4080,7 +4080,7 @@
             </a:ln>
             <a:extLst>
               <a:ext uri="{909E8E84-426E-40DD-AFC4-6F175D3DCCD1}">
-                <a14:hiddenFill xmlns="" xmlns:a14="http://schemas.microsoft.com/office/drawing/2010/main">
+                <a14:hiddenFill xmlns:a14="http://schemas.microsoft.com/office/drawing/2010/main" xmlns="">
                   <a:solidFill>
                     <a:srgbClr val="FFFFFF"/>
                   </a:solidFill>
@@ -4282,7 +4282,7 @@
           </a:ln>
           <a:extLst>
             <a:ext uri="{91240B29-F687-4F45-9708-019B960494DF}">
-              <a14:hiddenLine xmlns="" xmlns:a14="http://schemas.microsoft.com/office/drawing/2010/main" w="9525">
+              <a14:hiddenLine xmlns:a14="http://schemas.microsoft.com/office/drawing/2010/main" xmlns="" w="9525">
                 <a:solidFill>
                   <a:srgbClr val="000000"/>
                 </a:solidFill>
@@ -4622,7 +4622,7 @@
               </a:ln>
               <a:extLst>
                 <a:ext uri="{91240B29-F687-4F45-9708-019B960494DF}">
-                  <a14:hiddenLine xmlns="" xmlns:a14="http://schemas.microsoft.com/office/drawing/2010/main" w="9525">
+                  <a14:hiddenLine xmlns:a14="http://schemas.microsoft.com/office/drawing/2010/main" xmlns="" w="9525">
                     <a:solidFill>
                       <a:srgbClr val="000000"/>
                     </a:solidFill>
@@ -4795,7 +4795,7 @@
               </a:ln>
               <a:extLst>
                 <a:ext uri="{91240B29-F687-4F45-9708-019B960494DF}">
-                  <a14:hiddenLine xmlns="" xmlns:a14="http://schemas.microsoft.com/office/drawing/2010/main" w="9525">
+                  <a14:hiddenLine xmlns:a14="http://schemas.microsoft.com/office/drawing/2010/main" xmlns="" w="9525">
                     <a:solidFill>
                       <a:srgbClr val="000000"/>
                     </a:solidFill>
@@ -4958,7 +4958,7 @@
               </a:ln>
               <a:extLst>
                 <a:ext uri="{91240B29-F687-4F45-9708-019B960494DF}">
-                  <a14:hiddenLine xmlns="" xmlns:a14="http://schemas.microsoft.com/office/drawing/2010/main" w="9525">
+                  <a14:hiddenLine xmlns:a14="http://schemas.microsoft.com/office/drawing/2010/main" xmlns="" w="9525">
                     <a:solidFill>
                       <a:srgbClr val="000000"/>
                     </a:solidFill>
@@ -5160,7 +5160,7 @@
               </a:ln>
               <a:extLst>
                 <a:ext uri="{91240B29-F687-4F45-9708-019B960494DF}">
-                  <a14:hiddenLine xmlns="" xmlns:a14="http://schemas.microsoft.com/office/drawing/2010/main" w="9525">
+                  <a14:hiddenLine xmlns:a14="http://schemas.microsoft.com/office/drawing/2010/main" xmlns="" w="9525">
                     <a:solidFill>
                       <a:srgbClr val="000000"/>
                     </a:solidFill>
@@ -5700,7 +5700,7 @@
               </a:ln>
               <a:extLst>
                 <a:ext uri="{91240B29-F687-4F45-9708-019B960494DF}">
-                  <a14:hiddenLine xmlns="" xmlns:a14="http://schemas.microsoft.com/office/drawing/2010/main" w="9525">
+                  <a14:hiddenLine xmlns:a14="http://schemas.microsoft.com/office/drawing/2010/main" xmlns="" w="9525">
                     <a:solidFill>
                       <a:srgbClr val="000000"/>
                     </a:solidFill>
@@ -6204,7 +6204,7 @@
               </a:ln>
               <a:extLst>
                 <a:ext uri="{91240B29-F687-4F45-9708-019B960494DF}">
-                  <a14:hiddenLine xmlns="" xmlns:a14="http://schemas.microsoft.com/office/drawing/2010/main" w="9525">
+                  <a14:hiddenLine xmlns:a14="http://schemas.microsoft.com/office/drawing/2010/main" xmlns="" w="9525">
                     <a:solidFill>
                       <a:srgbClr val="000000"/>
                     </a:solidFill>
@@ -6742,7 +6742,7 @@
     </p:spTree>
     <p:extLst>
       <p:ext uri="{BB962C8B-B14F-4D97-AF65-F5344CB8AC3E}">
-        <p14:creationId xmlns="" xmlns:p14="http://schemas.microsoft.com/office/powerpoint/2010/main" val="1955931793"/>
+        <p14:creationId xmlns:p14="http://schemas.microsoft.com/office/powerpoint/2010/main" xmlns="" val="1955931793"/>
       </p:ext>
     </p:extLst>
   </p:cSld>
@@ -6999,7 +6999,7 @@
           <a:blip r:embed="rId2">
             <a:extLst>
               <a:ext uri="{28A0092B-C50C-407E-A947-70E740481C1C}">
-                <a14:useLocalDpi xmlns="" xmlns:a14="http://schemas.microsoft.com/office/drawing/2010/main" val="0"/>
+                <a14:useLocalDpi xmlns:a14="http://schemas.microsoft.com/office/drawing/2010/main" xmlns="" val="0"/>
               </a:ext>
             </a:extLst>
           </a:blip>
@@ -7211,7 +7211,7 @@
     </p:spTree>
     <p:extLst>
       <p:ext uri="{BB962C8B-B14F-4D97-AF65-F5344CB8AC3E}">
-        <p14:creationId xmlns="" xmlns:p14="http://schemas.microsoft.com/office/powerpoint/2010/main" val="2366049688"/>
+        <p14:creationId xmlns:p14="http://schemas.microsoft.com/office/powerpoint/2010/main" xmlns="" val="2366049688"/>
       </p:ext>
     </p:extLst>
   </p:cSld>
@@ -7219,7 +7219,7 @@
     <a:masterClrMapping/>
   </p:clrMapOvr>
   <mc:AlternateContent xmlns:mc="http://schemas.openxmlformats.org/markup-compatibility/2006">
-    <mc:Choice xmlns="" xmlns:p14="http://schemas.microsoft.com/office/powerpoint/2010/main" Requires="p14">
+    <mc:Choice xmlns:p14="http://schemas.microsoft.com/office/powerpoint/2010/main" xmlns="" Requires="p14">
       <p:transition spd="med">
         <p14:flip dir="r"/>
       </p:transition>
@@ -7508,14 +7508,14 @@
             </a:ln>
             <a:extLst>
               <a:ext uri="{909E8E84-426E-40DD-AFC4-6F175D3DCCD1}">
-                <a14:hiddenFill xmlns="" xmlns:a14="http://schemas.microsoft.com/office/drawing/2010/main">
+                <a14:hiddenFill xmlns:a14="http://schemas.microsoft.com/office/drawing/2010/main" xmlns="">
                   <a:solidFill>
                     <a:srgbClr val="FFFFFF"/>
                   </a:solidFill>
                 </a14:hiddenFill>
               </a:ext>
               <a:ext uri="{91240B29-F687-4F45-9708-019B960494DF}">
-                <a14:hiddenLine xmlns="" xmlns:a14="http://schemas.microsoft.com/office/drawing/2010/main" w="9525">
+                <a14:hiddenLine xmlns:a14="http://schemas.microsoft.com/office/drawing/2010/main" xmlns="" w="9525">
                   <a:solidFill>
                     <a:srgbClr val="000000"/>
                   </a:solidFill>
@@ -7680,7 +7680,7 @@
             </a:ln>
             <a:extLst>
               <a:ext uri="{91240B29-F687-4F45-9708-019B960494DF}">
-                <a14:hiddenLine xmlns="" xmlns:a14="http://schemas.microsoft.com/office/drawing/2010/main" w="9525">
+                <a14:hiddenLine xmlns:a14="http://schemas.microsoft.com/office/drawing/2010/main" xmlns="" w="9525">
                   <a:solidFill>
                     <a:srgbClr val="000000"/>
                   </a:solidFill>
@@ -7845,7 +7845,7 @@
             </a:ln>
             <a:extLst>
               <a:ext uri="{91240B29-F687-4F45-9708-019B960494DF}">
-                <a14:hiddenLine xmlns="" xmlns:a14="http://schemas.microsoft.com/office/drawing/2010/main" w="9525">
+                <a14:hiddenLine xmlns:a14="http://schemas.microsoft.com/office/drawing/2010/main" xmlns="" w="9525">
                   <a:solidFill>
                     <a:srgbClr val="000000"/>
                   </a:solidFill>
@@ -9132,7 +9132,7 @@
     </p:spTree>
     <p:extLst>
       <p:ext uri="{BB962C8B-B14F-4D97-AF65-F5344CB8AC3E}">
-        <p14:creationId xmlns="" xmlns:p14="http://schemas.microsoft.com/office/powerpoint/2010/main" val="3513966317"/>
+        <p14:creationId xmlns:p14="http://schemas.microsoft.com/office/powerpoint/2010/main" xmlns="" val="3513966317"/>
       </p:ext>
     </p:extLst>
   </p:cSld>
@@ -9140,7 +9140,7 @@
     <a:masterClrMapping/>
   </p:clrMapOvr>
   <mc:AlternateContent xmlns:mc="http://schemas.openxmlformats.org/markup-compatibility/2006">
-    <mc:Choice xmlns="" xmlns:p14="http://schemas.microsoft.com/office/powerpoint/2010/main" Requires="p14">
+    <mc:Choice xmlns:p14="http://schemas.microsoft.com/office/powerpoint/2010/main" xmlns="" Requires="p14">
       <p:transition spd="med">
         <p14:prism/>
       </p:transition>
@@ -9285,7 +9285,7 @@
           <a:blip r:embed="rId2" cstate="email">
             <a:extLst>
               <a:ext uri="{28A0092B-C50C-407E-A947-70E740481C1C}">
-                <a14:useLocalDpi xmlns="" xmlns:a14="http://schemas.microsoft.com/office/drawing/2010/main"/>
+                <a14:useLocalDpi xmlns:a14="http://schemas.microsoft.com/office/drawing/2010/main" xmlns=""/>
               </a:ext>
             </a:extLst>
           </a:blip>
@@ -9308,7 +9308,7 @@
     </p:spTree>
     <p:extLst>
       <p:ext uri="{BB962C8B-B14F-4D97-AF65-F5344CB8AC3E}">
-        <p14:creationId xmlns="" xmlns:p14="http://schemas.microsoft.com/office/powerpoint/2010/main" val="3873080681"/>
+        <p14:creationId xmlns:p14="http://schemas.microsoft.com/office/powerpoint/2010/main" xmlns="" val="3873080681"/>
       </p:ext>
     </p:extLst>
   </p:cSld>
@@ -9433,7 +9433,7 @@
     </p:spTree>
     <p:extLst>
       <p:ext uri="{BB962C8B-B14F-4D97-AF65-F5344CB8AC3E}">
-        <p14:creationId xmlns="" xmlns:p14="http://schemas.microsoft.com/office/powerpoint/2010/main" val="3452816623"/>
+        <p14:creationId xmlns:p14="http://schemas.microsoft.com/office/powerpoint/2010/main" xmlns="" val="3452816623"/>
       </p:ext>
     </p:extLst>
   </p:cSld>
@@ -9491,7 +9491,7 @@
             </a:duotone>
             <a:extLst>
               <a:ext uri="{BEBA8EAE-BF5A-486C-A8C5-ECC9F3942E4B}">
-                <a14:imgProps xmlns="" xmlns:a14="http://schemas.microsoft.com/office/drawing/2010/main">
+                <a14:imgProps xmlns:a14="http://schemas.microsoft.com/office/drawing/2010/main" xmlns="">
                   <a14:imgLayer r:embed="rId9">
                     <a14:imgEffect>
                       <a14:saturation sat="0"/>
@@ -9500,7 +9500,7 @@
                 </a14:imgProps>
               </a:ext>
               <a:ext uri="{28A0092B-C50C-407E-A947-70E740481C1C}">
-                <a14:useLocalDpi xmlns="" xmlns:a14="http://schemas.microsoft.com/office/drawing/2010/main" val="0"/>
+                <a14:useLocalDpi xmlns:a14="http://schemas.microsoft.com/office/drawing/2010/main" xmlns="" val="0"/>
               </a:ext>
             </a:extLst>
           </a:blip>
@@ -9521,7 +9521,7 @@
     </p:spTree>
     <p:extLst>
       <p:ext uri="{BB962C8B-B14F-4D97-AF65-F5344CB8AC3E}">
-        <p14:creationId xmlns="" xmlns:p14="http://schemas.microsoft.com/office/powerpoint/2010/main" val="3587497191"/>
+        <p14:creationId xmlns:p14="http://schemas.microsoft.com/office/powerpoint/2010/main" xmlns="" val="3587497191"/>
       </p:ext>
     </p:extLst>
   </p:cSld>
@@ -10095,7 +10095,7 @@
           </a:ln>
           <a:extLst>
             <a:ext uri="{91240B29-F687-4F45-9708-019B960494DF}">
-              <a14:hiddenLine xmlns="" xmlns:a14="http://schemas.microsoft.com/office/drawing/2010/main" w="9525">
+              <a14:hiddenLine xmlns:a14="http://schemas.microsoft.com/office/drawing/2010/main" xmlns="" w="9525">
                 <a:solidFill>
                   <a:srgbClr val="000000"/>
                 </a:solidFill>
@@ -10198,14 +10198,14 @@
           </a:ln>
           <a:extLst>
             <a:ext uri="{909E8E84-426E-40DD-AFC4-6F175D3DCCD1}">
-              <a14:hiddenFill xmlns="" xmlns:a14="http://schemas.microsoft.com/office/drawing/2010/main">
+              <a14:hiddenFill xmlns:a14="http://schemas.microsoft.com/office/drawing/2010/main" xmlns="">
                 <a:solidFill>
                   <a:srgbClr val="FFFFFF"/>
                 </a:solidFill>
               </a14:hiddenFill>
             </a:ext>
             <a:ext uri="{91240B29-F687-4F45-9708-019B960494DF}">
-              <a14:hiddenLine xmlns="" xmlns:a14="http://schemas.microsoft.com/office/drawing/2010/main" w="9525">
+              <a14:hiddenLine xmlns:a14="http://schemas.microsoft.com/office/drawing/2010/main" xmlns="" w="9525">
                 <a:solidFill>
                   <a:srgbClr val="000000"/>
                 </a:solidFill>
@@ -10311,7 +10311,7 @@
           </a:ln>
           <a:extLst>
             <a:ext uri="{91240B29-F687-4F45-9708-019B960494DF}">
-              <a14:hiddenLine xmlns="" xmlns:a14="http://schemas.microsoft.com/office/drawing/2010/main" w="9525">
+              <a14:hiddenLine xmlns:a14="http://schemas.microsoft.com/office/drawing/2010/main" xmlns="" w="9525">
                 <a:solidFill>
                   <a:srgbClr val="000000"/>
                 </a:solidFill>
@@ -10414,14 +10414,14 @@
           </a:ln>
           <a:extLst>
             <a:ext uri="{909E8E84-426E-40DD-AFC4-6F175D3DCCD1}">
-              <a14:hiddenFill xmlns="" xmlns:a14="http://schemas.microsoft.com/office/drawing/2010/main">
+              <a14:hiddenFill xmlns:a14="http://schemas.microsoft.com/office/drawing/2010/main" xmlns="">
                 <a:solidFill>
                   <a:srgbClr val="FFFFFF"/>
                 </a:solidFill>
               </a14:hiddenFill>
             </a:ext>
             <a:ext uri="{91240B29-F687-4F45-9708-019B960494DF}">
-              <a14:hiddenLine xmlns="" xmlns:a14="http://schemas.microsoft.com/office/drawing/2010/main" w="9525">
+              <a14:hiddenLine xmlns:a14="http://schemas.microsoft.com/office/drawing/2010/main" xmlns="" w="9525">
                 <a:solidFill>
                   <a:srgbClr val="000000"/>
                 </a:solidFill>
@@ -10527,7 +10527,7 @@
           </a:ln>
           <a:extLst>
             <a:ext uri="{91240B29-F687-4F45-9708-019B960494DF}">
-              <a14:hiddenLine xmlns="" xmlns:a14="http://schemas.microsoft.com/office/drawing/2010/main" w="9525">
+              <a14:hiddenLine xmlns:a14="http://schemas.microsoft.com/office/drawing/2010/main" xmlns="" w="9525">
                 <a:solidFill>
                   <a:srgbClr val="000000"/>
                 </a:solidFill>
@@ -10630,14 +10630,14 @@
           </a:ln>
           <a:extLst>
             <a:ext uri="{909E8E84-426E-40DD-AFC4-6F175D3DCCD1}">
-              <a14:hiddenFill xmlns="" xmlns:a14="http://schemas.microsoft.com/office/drawing/2010/main">
+              <a14:hiddenFill xmlns:a14="http://schemas.microsoft.com/office/drawing/2010/main" xmlns="">
                 <a:solidFill>
                   <a:srgbClr val="FFFFFF"/>
                 </a:solidFill>
               </a14:hiddenFill>
             </a:ext>
             <a:ext uri="{91240B29-F687-4F45-9708-019B960494DF}">
-              <a14:hiddenLine xmlns="" xmlns:a14="http://schemas.microsoft.com/office/drawing/2010/main" w="9525">
+              <a14:hiddenLine xmlns:a14="http://schemas.microsoft.com/office/drawing/2010/main" xmlns="" w="9525">
                 <a:solidFill>
                   <a:srgbClr val="000000"/>
                 </a:solidFill>
@@ -10743,7 +10743,7 @@
           </a:ln>
           <a:extLst>
             <a:ext uri="{91240B29-F687-4F45-9708-019B960494DF}">
-              <a14:hiddenLine xmlns="" xmlns:a14="http://schemas.microsoft.com/office/drawing/2010/main" w="9525">
+              <a14:hiddenLine xmlns:a14="http://schemas.microsoft.com/office/drawing/2010/main" xmlns="" w="9525">
                 <a:solidFill>
                   <a:srgbClr val="000000"/>
                 </a:solidFill>
@@ -10846,14 +10846,14 @@
           </a:ln>
           <a:extLst>
             <a:ext uri="{909E8E84-426E-40DD-AFC4-6F175D3DCCD1}">
-              <a14:hiddenFill xmlns="" xmlns:a14="http://schemas.microsoft.com/office/drawing/2010/main">
+              <a14:hiddenFill xmlns:a14="http://schemas.microsoft.com/office/drawing/2010/main" xmlns="">
                 <a:solidFill>
                   <a:srgbClr val="FFFFFF"/>
                 </a:solidFill>
               </a14:hiddenFill>
             </a:ext>
             <a:ext uri="{91240B29-F687-4F45-9708-019B960494DF}">
-              <a14:hiddenLine xmlns="" xmlns:a14="http://schemas.microsoft.com/office/drawing/2010/main" w="9525">
+              <a14:hiddenLine xmlns:a14="http://schemas.microsoft.com/office/drawing/2010/main" xmlns="" w="9525">
                 <a:solidFill>
                   <a:srgbClr val="000000"/>
                 </a:solidFill>
@@ -10900,7 +10900,7 @@
           </a:ln>
           <a:extLst>
             <a:ext uri="{91240B29-F687-4F45-9708-019B960494DF}">
-              <a14:hiddenLine xmlns="" xmlns:a14="http://schemas.microsoft.com/office/drawing/2010/main" w="9525">
+              <a14:hiddenLine xmlns:a14="http://schemas.microsoft.com/office/drawing/2010/main" xmlns="" w="9525">
                 <a:solidFill>
                   <a:srgbClr val="000000"/>
                 </a:solidFill>
@@ -10930,17 +10930,12 @@
             <a:pPr algn="ctr"/>
             <a:r>
               <a:rPr lang="zh-CN" altLang="en-US" sz="2000" dirty="0" smtClean="0"/>
-              <a:t>开</a:t>
-            </a:r>
-            <a:r>
-              <a:rPr lang="zh-CN" altLang="en-US" sz="2000" dirty="0" smtClean="0"/>
-              <a:t>源</a:t>
+              <a:t>开源</a:t>
             </a:r>
             <a:r>
               <a:rPr lang="en-US" altLang="zh-CN" sz="2000" dirty="0" smtClean="0"/>
               <a:t>ERP</a:t>
             </a:r>
-            <a:endParaRPr lang="en-US" altLang="zh-CN" sz="2000" dirty="0" smtClean="0"/>
           </a:p>
           <a:p>
             <a:pPr algn="ctr"/>
@@ -11043,7 +11038,7 @@
           </a:ln>
           <a:extLst>
             <a:ext uri="{91240B29-F687-4F45-9708-019B960494DF}">
-              <a14:hiddenLine xmlns="" xmlns:a14="http://schemas.microsoft.com/office/drawing/2010/main" w="9525">
+              <a14:hiddenLine xmlns:a14="http://schemas.microsoft.com/office/drawing/2010/main" xmlns="" w="9525">
                 <a:solidFill>
                   <a:srgbClr val="000000"/>
                 </a:solidFill>
@@ -11157,7 +11152,7 @@
           </a:ln>
           <a:extLst>
             <a:ext uri="{91240B29-F687-4F45-9708-019B960494DF}">
-              <a14:hiddenLine xmlns="" xmlns:a14="http://schemas.microsoft.com/office/drawing/2010/main" w="9525">
+              <a14:hiddenLine xmlns:a14="http://schemas.microsoft.com/office/drawing/2010/main" xmlns="" w="9525">
                 <a:solidFill>
                   <a:srgbClr val="000000"/>
                 </a:solidFill>
@@ -11271,7 +11266,7 @@
           </a:ln>
           <a:extLst>
             <a:ext uri="{91240B29-F687-4F45-9708-019B960494DF}">
-              <a14:hiddenLine xmlns="" xmlns:a14="http://schemas.microsoft.com/office/drawing/2010/main" w="9525">
+              <a14:hiddenLine xmlns:a14="http://schemas.microsoft.com/office/drawing/2010/main" xmlns="" w="9525">
                 <a:solidFill>
                   <a:srgbClr val="000000"/>
                 </a:solidFill>
@@ -11385,7 +11380,7 @@
           </a:ln>
           <a:extLst>
             <a:ext uri="{91240B29-F687-4F45-9708-019B960494DF}">
-              <a14:hiddenLine xmlns="" xmlns:a14="http://schemas.microsoft.com/office/drawing/2010/main" w="9525">
+              <a14:hiddenLine xmlns:a14="http://schemas.microsoft.com/office/drawing/2010/main" xmlns="" w="9525">
                 <a:solidFill>
                   <a:srgbClr val="000000"/>
                 </a:solidFill>
@@ -11525,7 +11520,7 @@
             </a:ln>
             <a:extLst>
               <a:ext uri="{91240B29-F687-4F45-9708-019B960494DF}">
-                <a14:hiddenLine xmlns="" xmlns:a14="http://schemas.microsoft.com/office/drawing/2010/main" w="9525">
+                <a14:hiddenLine xmlns:a14="http://schemas.microsoft.com/office/drawing/2010/main" xmlns="" w="9525">
                   <a:solidFill>
                     <a:srgbClr val="000000"/>
                   </a:solidFill>
@@ -11651,7 +11646,7 @@
             </a:ln>
             <a:extLst>
               <a:ext uri="{91240B29-F687-4F45-9708-019B960494DF}">
-                <a14:hiddenLine xmlns="" xmlns:a14="http://schemas.microsoft.com/office/drawing/2010/main" w="9525">
+                <a14:hiddenLine xmlns:a14="http://schemas.microsoft.com/office/drawing/2010/main" xmlns="" w="9525">
                   <a:solidFill>
                     <a:srgbClr val="000000"/>
                   </a:solidFill>
@@ -11777,7 +11772,7 @@
             </a:ln>
             <a:extLst>
               <a:ext uri="{91240B29-F687-4F45-9708-019B960494DF}">
-                <a14:hiddenLine xmlns="" xmlns:a14="http://schemas.microsoft.com/office/drawing/2010/main" w="9525">
+                <a14:hiddenLine xmlns:a14="http://schemas.microsoft.com/office/drawing/2010/main" xmlns="" w="9525">
                   <a:solidFill>
                     <a:srgbClr val="000000"/>
                   </a:solidFill>
@@ -11903,7 +11898,7 @@
             </a:ln>
             <a:extLst>
               <a:ext uri="{91240B29-F687-4F45-9708-019B960494DF}">
-                <a14:hiddenLine xmlns="" xmlns:a14="http://schemas.microsoft.com/office/drawing/2010/main" w="9525">
+                <a14:hiddenLine xmlns:a14="http://schemas.microsoft.com/office/drawing/2010/main" xmlns="" w="9525">
                   <a:solidFill>
                     <a:srgbClr val="000000"/>
                   </a:solidFill>
@@ -12029,7 +12024,7 @@
             </a:ln>
             <a:extLst>
               <a:ext uri="{91240B29-F687-4F45-9708-019B960494DF}">
-                <a14:hiddenLine xmlns="" xmlns:a14="http://schemas.microsoft.com/office/drawing/2010/main" w="9525">
+                <a14:hiddenLine xmlns:a14="http://schemas.microsoft.com/office/drawing/2010/main" xmlns="" w="9525">
                   <a:solidFill>
                     <a:srgbClr val="000000"/>
                   </a:solidFill>
@@ -12170,7 +12165,7 @@
             </a:ln>
             <a:extLst>
               <a:ext uri="{91240B29-F687-4F45-9708-019B960494DF}">
-                <a14:hiddenLine xmlns="" xmlns:a14="http://schemas.microsoft.com/office/drawing/2010/main" w="9525">
+                <a14:hiddenLine xmlns:a14="http://schemas.microsoft.com/office/drawing/2010/main" xmlns="" w="9525">
                   <a:solidFill>
                     <a:srgbClr val="000000"/>
                   </a:solidFill>
@@ -12296,7 +12291,7 @@
             </a:ln>
             <a:extLst>
               <a:ext uri="{91240B29-F687-4F45-9708-019B960494DF}">
-                <a14:hiddenLine xmlns="" xmlns:a14="http://schemas.microsoft.com/office/drawing/2010/main" w="9525">
+                <a14:hiddenLine xmlns:a14="http://schemas.microsoft.com/office/drawing/2010/main" xmlns="" w="9525">
                   <a:solidFill>
                     <a:srgbClr val="000000"/>
                   </a:solidFill>
@@ -12422,7 +12417,7 @@
             </a:ln>
             <a:extLst>
               <a:ext uri="{91240B29-F687-4F45-9708-019B960494DF}">
-                <a14:hiddenLine xmlns="" xmlns:a14="http://schemas.microsoft.com/office/drawing/2010/main" w="9525">
+                <a14:hiddenLine xmlns:a14="http://schemas.microsoft.com/office/drawing/2010/main" xmlns="" w="9525">
                   <a:solidFill>
                     <a:srgbClr val="000000"/>
                   </a:solidFill>
@@ -12548,7 +12543,7 @@
             </a:ln>
             <a:extLst>
               <a:ext uri="{91240B29-F687-4F45-9708-019B960494DF}">
-                <a14:hiddenLine xmlns="" xmlns:a14="http://schemas.microsoft.com/office/drawing/2010/main" w="9525">
+                <a14:hiddenLine xmlns:a14="http://schemas.microsoft.com/office/drawing/2010/main" xmlns="" w="9525">
                   <a:solidFill>
                     <a:srgbClr val="000000"/>
                   </a:solidFill>
@@ -12674,7 +12669,7 @@
             </a:ln>
             <a:extLst>
               <a:ext uri="{91240B29-F687-4F45-9708-019B960494DF}">
-                <a14:hiddenLine xmlns="" xmlns:a14="http://schemas.microsoft.com/office/drawing/2010/main" w="9525">
+                <a14:hiddenLine xmlns:a14="http://schemas.microsoft.com/office/drawing/2010/main" xmlns="" w="9525">
                   <a:solidFill>
                     <a:srgbClr val="000000"/>
                   </a:solidFill>
@@ -12788,7 +12783,7 @@
             </a:ln>
             <a:extLst>
               <a:ext uri="{91240B29-F687-4F45-9708-019B960494DF}">
-                <a14:hiddenLine xmlns="" xmlns:a14="http://schemas.microsoft.com/office/drawing/2010/main" w="9525">
+                <a14:hiddenLine xmlns:a14="http://schemas.microsoft.com/office/drawing/2010/main" xmlns="" w="9525">
                   <a:solidFill>
                     <a:srgbClr val="000000"/>
                   </a:solidFill>
@@ -12914,7 +12909,7 @@
             </a:ln>
             <a:extLst>
               <a:ext uri="{91240B29-F687-4F45-9708-019B960494DF}">
-                <a14:hiddenLine xmlns="" xmlns:a14="http://schemas.microsoft.com/office/drawing/2010/main" w="9525">
+                <a14:hiddenLine xmlns:a14="http://schemas.microsoft.com/office/drawing/2010/main" xmlns="" w="9525">
                   <a:solidFill>
                     <a:srgbClr val="000000"/>
                   </a:solidFill>
@@ -12976,7 +12971,7 @@
             </a:ln>
             <a:extLst>
               <a:ext uri="{91240B29-F687-4F45-9708-019B960494DF}">
-                <a14:hiddenLine xmlns="" xmlns:a14="http://schemas.microsoft.com/office/drawing/2010/main" w="9525">
+                <a14:hiddenLine xmlns:a14="http://schemas.microsoft.com/office/drawing/2010/main" xmlns="" w="9525">
                   <a:solidFill>
                     <a:srgbClr val="000000"/>
                   </a:solidFill>
@@ -13122,7 +13117,7 @@
             </a:ln>
             <a:extLst>
               <a:ext uri="{91240B29-F687-4F45-9708-019B960494DF}">
-                <a14:hiddenLine xmlns="" xmlns:a14="http://schemas.microsoft.com/office/drawing/2010/main" w="9525">
+                <a14:hiddenLine xmlns:a14="http://schemas.microsoft.com/office/drawing/2010/main" xmlns="" w="9525">
                   <a:solidFill>
                     <a:srgbClr val="000000"/>
                   </a:solidFill>
@@ -13169,7 +13164,7 @@
             </a:ln>
             <a:extLst>
               <a:ext uri="{91240B29-F687-4F45-9708-019B960494DF}">
-                <a14:hiddenLine xmlns="" xmlns:a14="http://schemas.microsoft.com/office/drawing/2010/main" w="9525">
+                <a14:hiddenLine xmlns:a14="http://schemas.microsoft.com/office/drawing/2010/main" xmlns="" w="9525">
                   <a:solidFill>
                     <a:srgbClr val="000000"/>
                   </a:solidFill>
@@ -13315,7 +13310,7 @@
             </a:ln>
             <a:extLst>
               <a:ext uri="{91240B29-F687-4F45-9708-019B960494DF}">
-                <a14:hiddenLine xmlns="" xmlns:a14="http://schemas.microsoft.com/office/drawing/2010/main" w="9525">
+                <a14:hiddenLine xmlns:a14="http://schemas.microsoft.com/office/drawing/2010/main" xmlns="" w="9525">
                   <a:solidFill>
                     <a:srgbClr val="000000"/>
                   </a:solidFill>
@@ -13362,7 +13357,7 @@
             </a:ln>
             <a:extLst>
               <a:ext uri="{91240B29-F687-4F45-9708-019B960494DF}">
-                <a14:hiddenLine xmlns="" xmlns:a14="http://schemas.microsoft.com/office/drawing/2010/main" w="9525">
+                <a14:hiddenLine xmlns:a14="http://schemas.microsoft.com/office/drawing/2010/main" xmlns="" w="9525">
                   <a:solidFill>
                     <a:srgbClr val="000000"/>
                   </a:solidFill>
@@ -13508,7 +13503,7 @@
             </a:ln>
             <a:extLst>
               <a:ext uri="{91240B29-F687-4F45-9708-019B960494DF}">
-                <a14:hiddenLine xmlns="" xmlns:a14="http://schemas.microsoft.com/office/drawing/2010/main" w="9525">
+                <a14:hiddenLine xmlns:a14="http://schemas.microsoft.com/office/drawing/2010/main" xmlns="" w="9525">
                   <a:solidFill>
                     <a:srgbClr val="000000"/>
                   </a:solidFill>
@@ -13555,7 +13550,7 @@
             </a:ln>
             <a:extLst>
               <a:ext uri="{91240B29-F687-4F45-9708-019B960494DF}">
-                <a14:hiddenLine xmlns="" xmlns:a14="http://schemas.microsoft.com/office/drawing/2010/main" w="9525">
+                <a14:hiddenLine xmlns:a14="http://schemas.microsoft.com/office/drawing/2010/main" xmlns="" w="9525">
                   <a:solidFill>
                     <a:srgbClr val="000000"/>
                   </a:solidFill>
@@ -13701,7 +13696,7 @@
             </a:ln>
             <a:extLst>
               <a:ext uri="{91240B29-F687-4F45-9708-019B960494DF}">
-                <a14:hiddenLine xmlns="" xmlns:a14="http://schemas.microsoft.com/office/drawing/2010/main" w="9525">
+                <a14:hiddenLine xmlns:a14="http://schemas.microsoft.com/office/drawing/2010/main" xmlns="" w="9525">
                   <a:solidFill>
                     <a:srgbClr val="000000"/>
                   </a:solidFill>
@@ -13748,7 +13743,7 @@
             </a:ln>
             <a:extLst>
               <a:ext uri="{91240B29-F687-4F45-9708-019B960494DF}">
-                <a14:hiddenLine xmlns="" xmlns:a14="http://schemas.microsoft.com/office/drawing/2010/main" w="9525">
+                <a14:hiddenLine xmlns:a14="http://schemas.microsoft.com/office/drawing/2010/main" xmlns="" w="9525">
                   <a:solidFill>
                     <a:srgbClr val="000000"/>
                   </a:solidFill>
@@ -13894,7 +13889,7 @@
             </a:ln>
             <a:extLst>
               <a:ext uri="{91240B29-F687-4F45-9708-019B960494DF}">
-                <a14:hiddenLine xmlns="" xmlns:a14="http://schemas.microsoft.com/office/drawing/2010/main" w="9525">
+                <a14:hiddenLine xmlns:a14="http://schemas.microsoft.com/office/drawing/2010/main" xmlns="" w="9525">
                   <a:solidFill>
                     <a:srgbClr val="000000"/>
                   </a:solidFill>
@@ -14064,7 +14059,7 @@
             </a:ln>
             <a:extLst>
               <a:ext uri="{91240B29-F687-4F45-9708-019B960494DF}">
-                <a14:hiddenLine xmlns="" xmlns:a14="http://schemas.microsoft.com/office/drawing/2010/main" w="9525">
+                <a14:hiddenLine xmlns:a14="http://schemas.microsoft.com/office/drawing/2010/main" xmlns="" w="9525">
                   <a:solidFill>
                     <a:srgbClr val="000000"/>
                   </a:solidFill>
@@ -14259,7 +14254,7 @@
             </a:ln>
             <a:extLst>
               <a:ext uri="{91240B29-F687-4F45-9708-019B960494DF}">
-                <a14:hiddenLine xmlns="" xmlns:a14="http://schemas.microsoft.com/office/drawing/2010/main" w="9525">
+                <a14:hiddenLine xmlns:a14="http://schemas.microsoft.com/office/drawing/2010/main" xmlns="" w="9525">
                   <a:solidFill>
                     <a:srgbClr val="000000"/>
                   </a:solidFill>
@@ -14494,7 +14489,7 @@
             </a:ln>
             <a:extLst>
               <a:ext uri="{91240B29-F687-4F45-9708-019B960494DF}">
-                <a14:hiddenLine xmlns="" xmlns:a14="http://schemas.microsoft.com/office/drawing/2010/main" w="9525">
+                <a14:hiddenLine xmlns:a14="http://schemas.microsoft.com/office/drawing/2010/main" xmlns="" w="9525">
                   <a:solidFill>
                     <a:srgbClr val="000000"/>
                   </a:solidFill>
@@ -14541,7 +14536,7 @@
             </a:ln>
             <a:extLst>
               <a:ext uri="{91240B29-F687-4F45-9708-019B960494DF}">
-                <a14:hiddenLine xmlns="" xmlns:a14="http://schemas.microsoft.com/office/drawing/2010/main" w="9525">
+                <a14:hiddenLine xmlns:a14="http://schemas.microsoft.com/office/drawing/2010/main" xmlns="" w="9525">
                   <a:solidFill>
                     <a:srgbClr val="000000"/>
                   </a:solidFill>
@@ -14588,7 +14583,7 @@
             </a:ln>
             <a:extLst>
               <a:ext uri="{91240B29-F687-4F45-9708-019B960494DF}">
-                <a14:hiddenLine xmlns="" xmlns:a14="http://schemas.microsoft.com/office/drawing/2010/main" w="9525">
+                <a14:hiddenLine xmlns:a14="http://schemas.microsoft.com/office/drawing/2010/main" xmlns="" w="9525">
                   <a:solidFill>
                     <a:srgbClr val="000000"/>
                   </a:solidFill>
@@ -14635,7 +14630,7 @@
             </a:ln>
             <a:extLst>
               <a:ext uri="{91240B29-F687-4F45-9708-019B960494DF}">
-                <a14:hiddenLine xmlns="" xmlns:a14="http://schemas.microsoft.com/office/drawing/2010/main" w="9525">
+                <a14:hiddenLine xmlns:a14="http://schemas.microsoft.com/office/drawing/2010/main" xmlns="" w="9525">
                   <a:solidFill>
                     <a:srgbClr val="000000"/>
                   </a:solidFill>
@@ -14682,7 +14677,7 @@
             </a:ln>
             <a:extLst>
               <a:ext uri="{91240B29-F687-4F45-9708-019B960494DF}">
-                <a14:hiddenLine xmlns="" xmlns:a14="http://schemas.microsoft.com/office/drawing/2010/main" w="9525">
+                <a14:hiddenLine xmlns:a14="http://schemas.microsoft.com/office/drawing/2010/main" xmlns="" w="9525">
                   <a:solidFill>
                     <a:srgbClr val="000000"/>
                   </a:solidFill>
@@ -15359,20 +15354,7 @@
                 <a:latin typeface="微软雅黑" panose="020B0503020204020204" pitchFamily="34" charset="-122"/>
                 <a:ea typeface="微软雅黑" panose="020B0503020204020204" pitchFamily="34" charset="-122"/>
               </a:rPr>
-              <a:t>产品网址</a:t>
-            </a:r>
-            <a:r>
-              <a:rPr lang="zh-CN" altLang="en-US" dirty="0" smtClean="0">
-                <a:solidFill>
-                  <a:schemeClr val="tx1">
-                    <a:lumMod val="65000"/>
-                    <a:lumOff val="35000"/>
-                  </a:schemeClr>
-                </a:solidFill>
-                <a:latin typeface="微软雅黑" panose="020B0503020204020204" pitchFamily="34" charset="-122"/>
-                <a:ea typeface="微软雅黑" panose="020B0503020204020204" pitchFamily="34" charset="-122"/>
-              </a:rPr>
-              <a:t>：</a:t>
+              <a:t>产品网址：</a:t>
             </a:r>
             <a:r>
               <a:rPr lang="en-US" altLang="zh-CN" dirty="0" smtClean="0">
@@ -15457,7 +15439,7 @@
     </p:spTree>
     <p:extLst>
       <p:ext uri="{BB962C8B-B14F-4D97-AF65-F5344CB8AC3E}">
-        <p14:creationId xmlns="" xmlns:p14="http://schemas.microsoft.com/office/powerpoint/2010/main" val="528797613"/>
+        <p14:creationId xmlns:p14="http://schemas.microsoft.com/office/powerpoint/2010/main" xmlns="" val="528797613"/>
       </p:ext>
     </p:extLst>
   </p:cSld>
@@ -15689,7 +15671,7 @@
           </a:ln>
           <a:extLst>
             <a:ext uri="{91240B29-F687-4F45-9708-019B960494DF}">
-              <a14:hiddenLine xmlns:a14="http://schemas.microsoft.com/office/drawing/2010/main" xmlns="" w="9525">
+              <a14:hiddenLine xmlns="" xmlns:a14="http://schemas.microsoft.com/office/drawing/2010/main" w="9525">
                 <a:solidFill>
                   <a:srgbClr val="000000"/>
                 </a:solidFill>
@@ -15915,7 +15897,7 @@
           </a:ln>
           <a:extLst>
             <a:ext uri="{91240B29-F687-4F45-9708-019B960494DF}">
-              <a14:hiddenLine xmlns:a14="http://schemas.microsoft.com/office/drawing/2010/main" xmlns="" w="9525">
+              <a14:hiddenLine xmlns="" xmlns:a14="http://schemas.microsoft.com/office/drawing/2010/main" w="9525">
                 <a:solidFill>
                   <a:srgbClr val="000000"/>
                 </a:solidFill>
@@ -16261,7 +16243,7 @@
           </a:ln>
           <a:extLst>
             <a:ext uri="{91240B29-F687-4F45-9708-019B960494DF}">
-              <a14:hiddenLine xmlns:a14="http://schemas.microsoft.com/office/drawing/2010/main" xmlns="" w="9525">
+              <a14:hiddenLine xmlns="" xmlns:a14="http://schemas.microsoft.com/office/drawing/2010/main" w="9525">
                 <a:solidFill>
                   <a:srgbClr val="000000"/>
                 </a:solidFill>
@@ -16407,7 +16389,7 @@
           </a:ln>
           <a:extLst>
             <a:ext uri="{91240B29-F687-4F45-9708-019B960494DF}">
-              <a14:hiddenLine xmlns:a14="http://schemas.microsoft.com/office/drawing/2010/main" xmlns="" w="9525">
+              <a14:hiddenLine xmlns="" xmlns:a14="http://schemas.microsoft.com/office/drawing/2010/main" w="9525">
                 <a:solidFill>
                   <a:srgbClr val="000000"/>
                 </a:solidFill>
@@ -16513,7 +16495,7 @@
           </a:ln>
           <a:extLst>
             <a:ext uri="{91240B29-F687-4F45-9708-019B960494DF}">
-              <a14:hiddenLine xmlns:a14="http://schemas.microsoft.com/office/drawing/2010/main" xmlns="" w="9525">
+              <a14:hiddenLine xmlns="" xmlns:a14="http://schemas.microsoft.com/office/drawing/2010/main" w="9525">
                 <a:solidFill>
                   <a:srgbClr val="000000"/>
                 </a:solidFill>
@@ -16619,7 +16601,7 @@
           </a:ln>
           <a:extLst>
             <a:ext uri="{91240B29-F687-4F45-9708-019B960494DF}">
-              <a14:hiddenLine xmlns:a14="http://schemas.microsoft.com/office/drawing/2010/main" xmlns="" w="9525">
+              <a14:hiddenLine xmlns="" xmlns:a14="http://schemas.microsoft.com/office/drawing/2010/main" w="9525">
                 <a:solidFill>
                   <a:srgbClr val="000000"/>
                 </a:solidFill>
@@ -16725,7 +16707,7 @@
           </a:ln>
           <a:extLst>
             <a:ext uri="{91240B29-F687-4F45-9708-019B960494DF}">
-              <a14:hiddenLine xmlns:a14="http://schemas.microsoft.com/office/drawing/2010/main" xmlns="" w="9525">
+              <a14:hiddenLine xmlns="" xmlns:a14="http://schemas.microsoft.com/office/drawing/2010/main" w="9525">
                 <a:solidFill>
                   <a:srgbClr val="000000"/>
                 </a:solidFill>
@@ -16855,7 +16837,7 @@
           </a:ln>
           <a:extLst>
             <a:ext uri="{91240B29-F687-4F45-9708-019B960494DF}">
-              <a14:hiddenLine xmlns:a14="http://schemas.microsoft.com/office/drawing/2010/main" xmlns="" w="9525">
+              <a14:hiddenLine xmlns="" xmlns:a14="http://schemas.microsoft.com/office/drawing/2010/main" w="9525">
                 <a:solidFill>
                   <a:srgbClr val="000000"/>
                 </a:solidFill>
@@ -17001,7 +16983,7 @@
           </a:ln>
           <a:extLst>
             <a:ext uri="{91240B29-F687-4F45-9708-019B960494DF}">
-              <a14:hiddenLine xmlns:a14="http://schemas.microsoft.com/office/drawing/2010/main" xmlns="" w="9525">
+              <a14:hiddenLine xmlns="" xmlns:a14="http://schemas.microsoft.com/office/drawing/2010/main" w="9525">
                 <a:solidFill>
                   <a:srgbClr val="000000"/>
                 </a:solidFill>
@@ -17227,7 +17209,7 @@
           </a:ln>
           <a:extLst>
             <a:ext uri="{91240B29-F687-4F45-9708-019B960494DF}">
-              <a14:hiddenLine xmlns:a14="http://schemas.microsoft.com/office/drawing/2010/main" xmlns="" w="9525">
+              <a14:hiddenLine xmlns="" xmlns:a14="http://schemas.microsoft.com/office/drawing/2010/main" w="9525">
                 <a:solidFill>
                   <a:srgbClr val="000000"/>
                 </a:solidFill>
@@ -17573,7 +17555,7 @@
           </a:ln>
           <a:extLst>
             <a:ext uri="{91240B29-F687-4F45-9708-019B960494DF}">
-              <a14:hiddenLine xmlns:a14="http://schemas.microsoft.com/office/drawing/2010/main" xmlns="" w="9525">
+              <a14:hiddenLine xmlns="" xmlns:a14="http://schemas.microsoft.com/office/drawing/2010/main" w="9525">
                 <a:solidFill>
                   <a:srgbClr val="000000"/>
                 </a:solidFill>
@@ -17719,7 +17701,7 @@
           </a:ln>
           <a:extLst>
             <a:ext uri="{91240B29-F687-4F45-9708-019B960494DF}">
-              <a14:hiddenLine xmlns:a14="http://schemas.microsoft.com/office/drawing/2010/main" xmlns="" w="9525">
+              <a14:hiddenLine xmlns="" xmlns:a14="http://schemas.microsoft.com/office/drawing/2010/main" w="9525">
                 <a:solidFill>
                   <a:srgbClr val="000000"/>
                 </a:solidFill>
@@ -17825,7 +17807,7 @@
           </a:ln>
           <a:extLst>
             <a:ext uri="{91240B29-F687-4F45-9708-019B960494DF}">
-              <a14:hiddenLine xmlns:a14="http://schemas.microsoft.com/office/drawing/2010/main" xmlns="" w="9525">
+              <a14:hiddenLine xmlns="" xmlns:a14="http://schemas.microsoft.com/office/drawing/2010/main" w="9525">
                 <a:solidFill>
                   <a:srgbClr val="000000"/>
                 </a:solidFill>
@@ -17931,7 +17913,7 @@
           </a:ln>
           <a:extLst>
             <a:ext uri="{91240B29-F687-4F45-9708-019B960494DF}">
-              <a14:hiddenLine xmlns:a14="http://schemas.microsoft.com/office/drawing/2010/main" xmlns="" w="9525">
+              <a14:hiddenLine xmlns="" xmlns:a14="http://schemas.microsoft.com/office/drawing/2010/main" w="9525">
                 <a:solidFill>
                   <a:srgbClr val="000000"/>
                 </a:solidFill>
@@ -18037,7 +18019,7 @@
           </a:ln>
           <a:extLst>
             <a:ext uri="{91240B29-F687-4F45-9708-019B960494DF}">
-              <a14:hiddenLine xmlns:a14="http://schemas.microsoft.com/office/drawing/2010/main" xmlns="" w="9525">
+              <a14:hiddenLine xmlns="" xmlns:a14="http://schemas.microsoft.com/office/drawing/2010/main" w="9525">
                 <a:solidFill>
                   <a:srgbClr val="000000"/>
                 </a:solidFill>
@@ -18243,7 +18225,7 @@
           </a:ln>
           <a:extLst>
             <a:ext uri="{91240B29-F687-4F45-9708-019B960494DF}">
-              <a14:hiddenLine xmlns:a14="http://schemas.microsoft.com/office/drawing/2010/main" xmlns="" w="9525">
+              <a14:hiddenLine xmlns="" xmlns:a14="http://schemas.microsoft.com/office/drawing/2010/main" w="9525">
                 <a:solidFill>
                   <a:srgbClr val="000000"/>
                 </a:solidFill>
@@ -18389,7 +18371,7 @@
           </a:ln>
           <a:extLst>
             <a:ext uri="{91240B29-F687-4F45-9708-019B960494DF}">
-              <a14:hiddenLine xmlns:a14="http://schemas.microsoft.com/office/drawing/2010/main" xmlns="" w="9525">
+              <a14:hiddenLine xmlns="" xmlns:a14="http://schemas.microsoft.com/office/drawing/2010/main" w="9525">
                 <a:solidFill>
                   <a:srgbClr val="000000"/>
                 </a:solidFill>
@@ -18615,7 +18597,7 @@
           </a:ln>
           <a:extLst>
             <a:ext uri="{91240B29-F687-4F45-9708-019B960494DF}">
-              <a14:hiddenLine xmlns:a14="http://schemas.microsoft.com/office/drawing/2010/main" xmlns="" w="9525">
+              <a14:hiddenLine xmlns="" xmlns:a14="http://schemas.microsoft.com/office/drawing/2010/main" w="9525">
                 <a:solidFill>
                   <a:srgbClr val="000000"/>
                 </a:solidFill>
@@ -18961,7 +18943,7 @@
           </a:ln>
           <a:extLst>
             <a:ext uri="{91240B29-F687-4F45-9708-019B960494DF}">
-              <a14:hiddenLine xmlns:a14="http://schemas.microsoft.com/office/drawing/2010/main" xmlns="" w="9525">
+              <a14:hiddenLine xmlns="" xmlns:a14="http://schemas.microsoft.com/office/drawing/2010/main" w="9525">
                 <a:solidFill>
                   <a:srgbClr val="000000"/>
                 </a:solidFill>
@@ -19107,7 +19089,7 @@
           </a:ln>
           <a:extLst>
             <a:ext uri="{91240B29-F687-4F45-9708-019B960494DF}">
-              <a14:hiddenLine xmlns:a14="http://schemas.microsoft.com/office/drawing/2010/main" xmlns="" w="9525">
+              <a14:hiddenLine xmlns="" xmlns:a14="http://schemas.microsoft.com/office/drawing/2010/main" w="9525">
                 <a:solidFill>
                   <a:srgbClr val="000000"/>
                 </a:solidFill>
@@ -19213,7 +19195,7 @@
           </a:ln>
           <a:extLst>
             <a:ext uri="{91240B29-F687-4F45-9708-019B960494DF}">
-              <a14:hiddenLine xmlns:a14="http://schemas.microsoft.com/office/drawing/2010/main" xmlns="" w="9525">
+              <a14:hiddenLine xmlns="" xmlns:a14="http://schemas.microsoft.com/office/drawing/2010/main" w="9525">
                 <a:solidFill>
                   <a:srgbClr val="000000"/>
                 </a:solidFill>
@@ -19319,7 +19301,7 @@
           </a:ln>
           <a:extLst>
             <a:ext uri="{91240B29-F687-4F45-9708-019B960494DF}">
-              <a14:hiddenLine xmlns:a14="http://schemas.microsoft.com/office/drawing/2010/main" xmlns="" w="9525">
+              <a14:hiddenLine xmlns="" xmlns:a14="http://schemas.microsoft.com/office/drawing/2010/main" w="9525">
                 <a:solidFill>
                   <a:srgbClr val="000000"/>
                 </a:solidFill>
@@ -19425,7 +19407,7 @@
           </a:ln>
           <a:extLst>
             <a:ext uri="{91240B29-F687-4F45-9708-019B960494DF}">
-              <a14:hiddenLine xmlns:a14="http://schemas.microsoft.com/office/drawing/2010/main" xmlns="" w="9525">
+              <a14:hiddenLine xmlns="" xmlns:a14="http://schemas.microsoft.com/office/drawing/2010/main" w="9525">
                 <a:solidFill>
                   <a:srgbClr val="000000"/>
                 </a:solidFill>
@@ -19681,7 +19663,7 @@
           </a:ln>
           <a:extLst>
             <a:ext uri="{91240B29-F687-4F45-9708-019B960494DF}">
-              <a14:hiddenLine xmlns:a14="http://schemas.microsoft.com/office/drawing/2010/main" xmlns="" w="9525">
+              <a14:hiddenLine xmlns="" xmlns:a14="http://schemas.microsoft.com/office/drawing/2010/main" w="9525">
                 <a:solidFill>
                   <a:srgbClr val="000000"/>
                 </a:solidFill>
@@ -19827,7 +19809,7 @@
           </a:ln>
           <a:extLst>
             <a:ext uri="{91240B29-F687-4F45-9708-019B960494DF}">
-              <a14:hiddenLine xmlns:a14="http://schemas.microsoft.com/office/drawing/2010/main" xmlns="" w="9525">
+              <a14:hiddenLine xmlns="" xmlns:a14="http://schemas.microsoft.com/office/drawing/2010/main" w="9525">
                 <a:solidFill>
                   <a:srgbClr val="000000"/>
                 </a:solidFill>
@@ -20053,7 +20035,7 @@
           </a:ln>
           <a:extLst>
             <a:ext uri="{91240B29-F687-4F45-9708-019B960494DF}">
-              <a14:hiddenLine xmlns:a14="http://schemas.microsoft.com/office/drawing/2010/main" xmlns="" w="9525">
+              <a14:hiddenLine xmlns="" xmlns:a14="http://schemas.microsoft.com/office/drawing/2010/main" w="9525">
                 <a:solidFill>
                   <a:srgbClr val="000000"/>
                 </a:solidFill>
@@ -20399,7 +20381,7 @@
           </a:ln>
           <a:extLst>
             <a:ext uri="{91240B29-F687-4F45-9708-019B960494DF}">
-              <a14:hiddenLine xmlns:a14="http://schemas.microsoft.com/office/drawing/2010/main" xmlns="" w="9525">
+              <a14:hiddenLine xmlns="" xmlns:a14="http://schemas.microsoft.com/office/drawing/2010/main" w="9525">
                 <a:solidFill>
                   <a:srgbClr val="000000"/>
                 </a:solidFill>
@@ -20545,7 +20527,7 @@
           </a:ln>
           <a:extLst>
             <a:ext uri="{91240B29-F687-4F45-9708-019B960494DF}">
-              <a14:hiddenLine xmlns:a14="http://schemas.microsoft.com/office/drawing/2010/main" xmlns="" w="9525">
+              <a14:hiddenLine xmlns="" xmlns:a14="http://schemas.microsoft.com/office/drawing/2010/main" w="9525">
                 <a:solidFill>
                   <a:srgbClr val="000000"/>
                 </a:solidFill>
@@ -20651,7 +20633,7 @@
           </a:ln>
           <a:extLst>
             <a:ext uri="{91240B29-F687-4F45-9708-019B960494DF}">
-              <a14:hiddenLine xmlns:a14="http://schemas.microsoft.com/office/drawing/2010/main" xmlns="" w="9525">
+              <a14:hiddenLine xmlns="" xmlns:a14="http://schemas.microsoft.com/office/drawing/2010/main" w="9525">
                 <a:solidFill>
                   <a:srgbClr val="000000"/>
                 </a:solidFill>
@@ -20757,7 +20739,7 @@
           </a:ln>
           <a:extLst>
             <a:ext uri="{91240B29-F687-4F45-9708-019B960494DF}">
-              <a14:hiddenLine xmlns:a14="http://schemas.microsoft.com/office/drawing/2010/main" xmlns="" w="9525">
+              <a14:hiddenLine xmlns="" xmlns:a14="http://schemas.microsoft.com/office/drawing/2010/main" w="9525">
                 <a:solidFill>
                   <a:srgbClr val="000000"/>
                 </a:solidFill>
@@ -20863,7 +20845,7 @@
           </a:ln>
           <a:extLst>
             <a:ext uri="{91240B29-F687-4F45-9708-019B960494DF}">
-              <a14:hiddenLine xmlns:a14="http://schemas.microsoft.com/office/drawing/2010/main" xmlns="" w="9525">
+              <a14:hiddenLine xmlns="" xmlns:a14="http://schemas.microsoft.com/office/drawing/2010/main" w="9525">
                 <a:solidFill>
                   <a:srgbClr val="000000"/>
                 </a:solidFill>
@@ -21098,7 +21080,7 @@
           </a:ln>
           <a:extLst>
             <a:ext uri="{91240B29-F687-4F45-9708-019B960494DF}">
-              <a14:hiddenLine xmlns:a14="http://schemas.microsoft.com/office/drawing/2010/main" xmlns="" w="9525">
+              <a14:hiddenLine xmlns="" xmlns:a14="http://schemas.microsoft.com/office/drawing/2010/main" w="9525">
                 <a:solidFill>
                   <a:srgbClr val="000000"/>
                 </a:solidFill>
@@ -21594,7 +21576,7 @@
             </a:ln>
             <a:extLst>
               <a:ext uri="{91240B29-F687-4F45-9708-019B960494DF}">
-                <a14:hiddenLine xmlns:a14="http://schemas.microsoft.com/office/drawing/2010/main" xmlns="" w="9525">
+                <a14:hiddenLine xmlns="" xmlns:a14="http://schemas.microsoft.com/office/drawing/2010/main" w="9525">
                   <a:solidFill>
                     <a:srgbClr val="000000"/>
                   </a:solidFill>
@@ -21641,7 +21623,7 @@
             </a:ln>
             <a:extLst>
               <a:ext uri="{91240B29-F687-4F45-9708-019B960494DF}">
-                <a14:hiddenLine xmlns:a14="http://schemas.microsoft.com/office/drawing/2010/main" xmlns="" w="9525">
+                <a14:hiddenLine xmlns="" xmlns:a14="http://schemas.microsoft.com/office/drawing/2010/main" w="9525">
                   <a:solidFill>
                     <a:srgbClr val="000000"/>
                   </a:solidFill>
@@ -21857,7 +21839,7 @@
             </a:ln>
             <a:extLst>
               <a:ext uri="{91240B29-F687-4F45-9708-019B960494DF}">
-                <a14:hiddenLine xmlns:a14="http://schemas.microsoft.com/office/drawing/2010/main" xmlns="" w="9525">
+                <a14:hiddenLine xmlns="" xmlns:a14="http://schemas.microsoft.com/office/drawing/2010/main" w="9525">
                   <a:solidFill>
                     <a:srgbClr val="000000"/>
                   </a:solidFill>
@@ -21904,7 +21886,7 @@
             </a:ln>
             <a:extLst>
               <a:ext uri="{91240B29-F687-4F45-9708-019B960494DF}">
-                <a14:hiddenLine xmlns:a14="http://schemas.microsoft.com/office/drawing/2010/main" xmlns="" w="9525">
+                <a14:hiddenLine xmlns="" xmlns:a14="http://schemas.microsoft.com/office/drawing/2010/main" w="9525">
                   <a:solidFill>
                     <a:srgbClr val="000000"/>
                   </a:solidFill>
@@ -22200,7 +22182,7 @@
             </a:ln>
             <a:extLst>
               <a:ext uri="{91240B29-F687-4F45-9708-019B960494DF}">
-                <a14:hiddenLine xmlns:a14="http://schemas.microsoft.com/office/drawing/2010/main" xmlns="" w="9525">
+                <a14:hiddenLine xmlns="" xmlns:a14="http://schemas.microsoft.com/office/drawing/2010/main" w="9525">
                   <a:solidFill>
                     <a:srgbClr val="000000"/>
                   </a:solidFill>
@@ -22247,7 +22229,7 @@
             </a:ln>
             <a:extLst>
               <a:ext uri="{91240B29-F687-4F45-9708-019B960494DF}">
-                <a14:hiddenLine xmlns:a14="http://schemas.microsoft.com/office/drawing/2010/main" xmlns="" w="9525">
+                <a14:hiddenLine xmlns="" xmlns:a14="http://schemas.microsoft.com/office/drawing/2010/main" w="9525">
                   <a:solidFill>
                     <a:srgbClr val="000000"/>
                   </a:solidFill>
@@ -22413,7 +22395,7 @@
             </a:ln>
             <a:extLst>
               <a:ext uri="{91240B29-F687-4F45-9708-019B960494DF}">
-                <a14:hiddenLine xmlns:a14="http://schemas.microsoft.com/office/drawing/2010/main" xmlns="" w="9525">
+                <a14:hiddenLine xmlns="" xmlns:a14="http://schemas.microsoft.com/office/drawing/2010/main" w="9525">
                   <a:solidFill>
                     <a:srgbClr val="000000"/>
                   </a:solidFill>
@@ -22460,7 +22442,7 @@
             </a:ln>
             <a:extLst>
               <a:ext uri="{91240B29-F687-4F45-9708-019B960494DF}">
-                <a14:hiddenLine xmlns:a14="http://schemas.microsoft.com/office/drawing/2010/main" xmlns="" w="9525">
+                <a14:hiddenLine xmlns="" xmlns:a14="http://schemas.microsoft.com/office/drawing/2010/main" w="9525">
                   <a:solidFill>
                     <a:srgbClr val="000000"/>
                   </a:solidFill>
@@ -22596,7 +22578,7 @@
             </a:ln>
             <a:extLst>
               <a:ext uri="{91240B29-F687-4F45-9708-019B960494DF}">
-                <a14:hiddenLine xmlns:a14="http://schemas.microsoft.com/office/drawing/2010/main" xmlns="" w="9525">
+                <a14:hiddenLine xmlns="" xmlns:a14="http://schemas.microsoft.com/office/drawing/2010/main" w="9525">
                   <a:solidFill>
                     <a:srgbClr val="000000"/>
                   </a:solidFill>
@@ -22643,7 +22625,7 @@
             </a:ln>
             <a:extLst>
               <a:ext uri="{91240B29-F687-4F45-9708-019B960494DF}">
-                <a14:hiddenLine xmlns:a14="http://schemas.microsoft.com/office/drawing/2010/main" xmlns="" w="9525">
+                <a14:hiddenLine xmlns="" xmlns:a14="http://schemas.microsoft.com/office/drawing/2010/main" w="9525">
                   <a:solidFill>
                     <a:srgbClr val="000000"/>
                   </a:solidFill>
@@ -22799,7 +22781,7 @@
             </a:ln>
             <a:extLst>
               <a:ext uri="{91240B29-F687-4F45-9708-019B960494DF}">
-                <a14:hiddenLine xmlns:a14="http://schemas.microsoft.com/office/drawing/2010/main" xmlns="" w="9525">
+                <a14:hiddenLine xmlns="" xmlns:a14="http://schemas.microsoft.com/office/drawing/2010/main" w="9525">
                   <a:solidFill>
                     <a:srgbClr val="000000"/>
                   </a:solidFill>
@@ -22846,7 +22828,7 @@
             </a:ln>
             <a:extLst>
               <a:ext uri="{91240B29-F687-4F45-9708-019B960494DF}">
-                <a14:hiddenLine xmlns:a14="http://schemas.microsoft.com/office/drawing/2010/main" xmlns="" w="9525">
+                <a14:hiddenLine xmlns="" xmlns:a14="http://schemas.microsoft.com/office/drawing/2010/main" w="9525">
                   <a:solidFill>
                     <a:srgbClr val="000000"/>
                   </a:solidFill>
@@ -23032,7 +23014,7 @@
             </a:ln>
             <a:extLst>
               <a:ext uri="{91240B29-F687-4F45-9708-019B960494DF}">
-                <a14:hiddenLine xmlns:a14="http://schemas.microsoft.com/office/drawing/2010/main" xmlns="" w="9525">
+                <a14:hiddenLine xmlns="" xmlns:a14="http://schemas.microsoft.com/office/drawing/2010/main" w="9525">
                   <a:solidFill>
                     <a:srgbClr val="000000"/>
                   </a:solidFill>
@@ -23079,7 +23061,7 @@
             </a:ln>
             <a:extLst>
               <a:ext uri="{91240B29-F687-4F45-9708-019B960494DF}">
-                <a14:hiddenLine xmlns:a14="http://schemas.microsoft.com/office/drawing/2010/main" xmlns="" w="9525">
+                <a14:hiddenLine xmlns="" xmlns:a14="http://schemas.microsoft.com/office/drawing/2010/main" w="9525">
                   <a:solidFill>
                     <a:srgbClr val="000000"/>
                   </a:solidFill>
@@ -23285,7 +23267,7 @@
             </a:ln>
             <a:extLst>
               <a:ext uri="{91240B29-F687-4F45-9708-019B960494DF}">
-                <a14:hiddenLine xmlns:a14="http://schemas.microsoft.com/office/drawing/2010/main" xmlns="" w="9525">
+                <a14:hiddenLine xmlns="" xmlns:a14="http://schemas.microsoft.com/office/drawing/2010/main" w="9525">
                   <a:solidFill>
                     <a:srgbClr val="000000"/>
                   </a:solidFill>
@@ -23332,7 +23314,7 @@
             </a:ln>
             <a:extLst>
               <a:ext uri="{91240B29-F687-4F45-9708-019B960494DF}">
-                <a14:hiddenLine xmlns:a14="http://schemas.microsoft.com/office/drawing/2010/main" xmlns="" w="9525">
+                <a14:hiddenLine xmlns="" xmlns:a14="http://schemas.microsoft.com/office/drawing/2010/main" w="9525">
                   <a:solidFill>
                     <a:srgbClr val="000000"/>
                   </a:solidFill>
@@ -23528,7 +23510,7 @@
             </a:ln>
             <a:extLst>
               <a:ext uri="{91240B29-F687-4F45-9708-019B960494DF}">
-                <a14:hiddenLine xmlns:a14="http://schemas.microsoft.com/office/drawing/2010/main" xmlns="" w="9525">
+                <a14:hiddenLine xmlns="" xmlns:a14="http://schemas.microsoft.com/office/drawing/2010/main" w="9525">
                   <a:solidFill>
                     <a:srgbClr val="000000"/>
                   </a:solidFill>
@@ -23575,7 +23557,7 @@
             </a:ln>
             <a:extLst>
               <a:ext uri="{91240B29-F687-4F45-9708-019B960494DF}">
-                <a14:hiddenLine xmlns:a14="http://schemas.microsoft.com/office/drawing/2010/main" xmlns="" w="9525">
+                <a14:hiddenLine xmlns="" xmlns:a14="http://schemas.microsoft.com/office/drawing/2010/main" w="9525">
                   <a:solidFill>
                     <a:srgbClr val="000000"/>
                   </a:solidFill>
@@ -24386,7 +24368,7 @@
             </a:ln>
             <a:extLst>
               <a:ext uri="{91240B29-F687-4F45-9708-019B960494DF}">
-                <a14:hiddenLine xmlns:a14="http://schemas.microsoft.com/office/drawing/2010/main" xmlns="" w="9525">
+                <a14:hiddenLine xmlns="" xmlns:a14="http://schemas.microsoft.com/office/drawing/2010/main" w="9525">
                   <a:solidFill>
                     <a:srgbClr val="000000"/>
                   </a:solidFill>
@@ -25087,7 +25069,7 @@
           </a:ln>
           <a:extLst>
             <a:ext uri="{91240B29-F687-4F45-9708-019B960494DF}">
-              <a14:hiddenLine xmlns:a14="http://schemas.microsoft.com/office/drawing/2010/main" xmlns="" w="9525">
+              <a14:hiddenLine xmlns="" xmlns:a14="http://schemas.microsoft.com/office/drawing/2010/main" w="9525">
                 <a:solidFill>
                   <a:srgbClr val="000000"/>
                 </a:solidFill>
@@ -25547,7 +25529,7 @@
           </a:ln>
           <a:extLst>
             <a:ext uri="{91240B29-F687-4F45-9708-019B960494DF}">
-              <a14:hiddenLine xmlns:a14="http://schemas.microsoft.com/office/drawing/2010/main" xmlns="" w="9525">
+              <a14:hiddenLine xmlns="" xmlns:a14="http://schemas.microsoft.com/office/drawing/2010/main" w="9525">
                 <a:solidFill>
                   <a:srgbClr val="000000"/>
                 </a:solidFill>
@@ -25705,7 +25687,7 @@
             </a:ln>
             <a:extLst>
               <a:ext uri="{91240B29-F687-4F45-9708-019B960494DF}">
-                <a14:hiddenLine xmlns:a14="http://schemas.microsoft.com/office/drawing/2010/main" xmlns="" w="9525">
+                <a14:hiddenLine xmlns="" xmlns:a14="http://schemas.microsoft.com/office/drawing/2010/main" w="9525">
                   <a:solidFill>
                     <a:srgbClr val="000000"/>
                   </a:solidFill>
@@ -25966,7 +25948,7 @@
             </a:ln>
             <a:extLst>
               <a:ext uri="{91240B29-F687-4F45-9708-019B960494DF}">
-                <a14:hiddenLine xmlns:a14="http://schemas.microsoft.com/office/drawing/2010/main" xmlns="" w="9525">
+                <a14:hiddenLine xmlns="" xmlns:a14="http://schemas.microsoft.com/office/drawing/2010/main" w="9525">
                   <a:solidFill>
                     <a:srgbClr val="000000"/>
                   </a:solidFill>
@@ -26157,7 +26139,7 @@
             </a:ln>
             <a:extLst>
               <a:ext uri="{91240B29-F687-4F45-9708-019B960494DF}">
-                <a14:hiddenLine xmlns:a14="http://schemas.microsoft.com/office/drawing/2010/main" xmlns="" w="9525">
+                <a14:hiddenLine xmlns="" xmlns:a14="http://schemas.microsoft.com/office/drawing/2010/main" w="9525">
                   <a:solidFill>
                     <a:srgbClr val="000000"/>
                   </a:solidFill>
@@ -26418,7 +26400,7 @@
             </a:ln>
             <a:extLst>
               <a:ext uri="{91240B29-F687-4F45-9708-019B960494DF}">
-                <a14:hiddenLine xmlns:a14="http://schemas.microsoft.com/office/drawing/2010/main" xmlns="" w="9525">
+                <a14:hiddenLine xmlns="" xmlns:a14="http://schemas.microsoft.com/office/drawing/2010/main" w="9525">
                   <a:solidFill>
                     <a:srgbClr val="000000"/>
                   </a:solidFill>
@@ -26679,7 +26661,7 @@
             </a:ln>
             <a:extLst>
               <a:ext uri="{91240B29-F687-4F45-9708-019B960494DF}">
-                <a14:hiddenLine xmlns:a14="http://schemas.microsoft.com/office/drawing/2010/main" xmlns="" w="9525">
+                <a14:hiddenLine xmlns="" xmlns:a14="http://schemas.microsoft.com/office/drawing/2010/main" w="9525">
                   <a:solidFill>
                     <a:srgbClr val="000000"/>
                   </a:solidFill>
@@ -26993,7 +26975,7 @@
             </a:ln>
             <a:extLst>
               <a:ext uri="{91240B29-F687-4F45-9708-019B960494DF}">
-                <a14:hiddenLine xmlns:a14="http://schemas.microsoft.com/office/drawing/2010/main" xmlns="" w="9525">
+                <a14:hiddenLine xmlns="" xmlns:a14="http://schemas.microsoft.com/office/drawing/2010/main" w="9525">
                   <a:solidFill>
                     <a:srgbClr val="000000"/>
                   </a:solidFill>
@@ -27148,7 +27130,7 @@
             </a:ln>
             <a:extLst>
               <a:ext uri="{91240B29-F687-4F45-9708-019B960494DF}">
-                <a14:hiddenLine xmlns:a14="http://schemas.microsoft.com/office/drawing/2010/main" xmlns="" w="9525">
+                <a14:hiddenLine xmlns="" xmlns:a14="http://schemas.microsoft.com/office/drawing/2010/main" w="9525">
                   <a:solidFill>
                     <a:srgbClr val="000000"/>
                   </a:solidFill>
@@ -27342,7 +27324,7 @@
             </a:ln>
             <a:extLst>
               <a:ext uri="{91240B29-F687-4F45-9708-019B960494DF}">
-                <a14:hiddenLine xmlns:a14="http://schemas.microsoft.com/office/drawing/2010/main" xmlns="" w="9525">
+                <a14:hiddenLine xmlns="" xmlns:a14="http://schemas.microsoft.com/office/drawing/2010/main" w="9525">
                   <a:solidFill>
                     <a:srgbClr val="000000"/>
                   </a:solidFill>
@@ -27533,7 +27515,7 @@
             </a:ln>
             <a:extLst>
               <a:ext uri="{91240B29-F687-4F45-9708-019B960494DF}">
-                <a14:hiddenLine xmlns:a14="http://schemas.microsoft.com/office/drawing/2010/main" xmlns="" w="9525">
+                <a14:hiddenLine xmlns="" xmlns:a14="http://schemas.microsoft.com/office/drawing/2010/main" w="9525">
                   <a:solidFill>
                     <a:srgbClr val="000000"/>
                   </a:solidFill>
@@ -27726,7 +27708,7 @@
             </a:ln>
             <a:extLst>
               <a:ext uri="{91240B29-F687-4F45-9708-019B960494DF}">
-                <a14:hiddenLine xmlns:a14="http://schemas.microsoft.com/office/drawing/2010/main" xmlns="" w="9525">
+                <a14:hiddenLine xmlns="" xmlns:a14="http://schemas.microsoft.com/office/drawing/2010/main" w="9525">
                   <a:solidFill>
                     <a:srgbClr val="000000"/>
                   </a:solidFill>
@@ -27852,7 +27834,7 @@
             </a:ln>
             <a:extLst>
               <a:ext uri="{91240B29-F687-4F45-9708-019B960494DF}">
-                <a14:hiddenLine xmlns:a14="http://schemas.microsoft.com/office/drawing/2010/main" xmlns="" w="9525">
+                <a14:hiddenLine xmlns="" xmlns:a14="http://schemas.microsoft.com/office/drawing/2010/main" w="9525">
                   <a:solidFill>
                     <a:srgbClr val="000000"/>
                   </a:solidFill>
@@ -27968,7 +27950,7 @@
             </a:ln>
             <a:extLst>
               <a:ext uri="{91240B29-F687-4F45-9708-019B960494DF}">
-                <a14:hiddenLine xmlns:a14="http://schemas.microsoft.com/office/drawing/2010/main" xmlns="" w="9525">
+                <a14:hiddenLine xmlns="" xmlns:a14="http://schemas.microsoft.com/office/drawing/2010/main" w="9525">
                   <a:solidFill>
                     <a:srgbClr val="000000"/>
                   </a:solidFill>
@@ -28104,7 +28086,7 @@
             </a:ln>
             <a:extLst>
               <a:ext uri="{91240B29-F687-4F45-9708-019B960494DF}">
-                <a14:hiddenLine xmlns:a14="http://schemas.microsoft.com/office/drawing/2010/main" xmlns="" w="9525">
+                <a14:hiddenLine xmlns="" xmlns:a14="http://schemas.microsoft.com/office/drawing/2010/main" w="9525">
                   <a:solidFill>
                     <a:srgbClr val="000000"/>
                   </a:solidFill>
@@ -28166,7 +28148,7 @@
             </a:ln>
             <a:extLst>
               <a:ext uri="{91240B29-F687-4F45-9708-019B960494DF}">
-                <a14:hiddenLine xmlns:a14="http://schemas.microsoft.com/office/drawing/2010/main" xmlns="" w="9525">
+                <a14:hiddenLine xmlns="" xmlns:a14="http://schemas.microsoft.com/office/drawing/2010/main" w="9525">
                   <a:solidFill>
                     <a:srgbClr val="000000"/>
                   </a:solidFill>
@@ -28327,7 +28309,7 @@
             </a:ln>
             <a:extLst>
               <a:ext uri="{91240B29-F687-4F45-9708-019B960494DF}">
-                <a14:hiddenLine xmlns:a14="http://schemas.microsoft.com/office/drawing/2010/main" xmlns="" w="9525">
+                <a14:hiddenLine xmlns="" xmlns:a14="http://schemas.microsoft.com/office/drawing/2010/main" w="9525">
                   <a:solidFill>
                     <a:srgbClr val="000000"/>
                   </a:solidFill>
@@ -28443,7 +28425,7 @@
             </a:ln>
             <a:extLst>
               <a:ext uri="{91240B29-F687-4F45-9708-019B960494DF}">
-                <a14:hiddenLine xmlns:a14="http://schemas.microsoft.com/office/drawing/2010/main" xmlns="" w="9525">
+                <a14:hiddenLine xmlns="" xmlns:a14="http://schemas.microsoft.com/office/drawing/2010/main" w="9525">
                   <a:solidFill>
                     <a:srgbClr val="000000"/>
                   </a:solidFill>
@@ -28549,7 +28531,7 @@
             </a:ln>
             <a:extLst>
               <a:ext uri="{91240B29-F687-4F45-9708-019B960494DF}">
-                <a14:hiddenLine xmlns:a14="http://schemas.microsoft.com/office/drawing/2010/main" xmlns="" w="9525">
+                <a14:hiddenLine xmlns="" xmlns:a14="http://schemas.microsoft.com/office/drawing/2010/main" w="9525">
                   <a:solidFill>
                     <a:srgbClr val="000000"/>
                   </a:solidFill>
@@ -28704,7 +28686,7 @@
             </a:ln>
             <a:extLst>
               <a:ext uri="{91240B29-F687-4F45-9708-019B960494DF}">
-                <a14:hiddenLine xmlns:a14="http://schemas.microsoft.com/office/drawing/2010/main" xmlns="" w="9525">
+                <a14:hiddenLine xmlns="" xmlns:a14="http://schemas.microsoft.com/office/drawing/2010/main" w="9525">
                   <a:solidFill>
                     <a:srgbClr val="000000"/>
                   </a:solidFill>
@@ -28838,7 +28820,7 @@
             </a:ln>
             <a:extLst>
               <a:ext uri="{91240B29-F687-4F45-9708-019B960494DF}">
-                <a14:hiddenLine xmlns:a14="http://schemas.microsoft.com/office/drawing/2010/main" xmlns="" w="9525">
+                <a14:hiddenLine xmlns="" xmlns:a14="http://schemas.microsoft.com/office/drawing/2010/main" w="9525">
                   <a:solidFill>
                     <a:srgbClr val="000000"/>
                   </a:solidFill>
@@ -28885,7 +28867,7 @@
             </a:ln>
             <a:extLst>
               <a:ext uri="{91240B29-F687-4F45-9708-019B960494DF}">
-                <a14:hiddenLine xmlns:a14="http://schemas.microsoft.com/office/drawing/2010/main" xmlns="" w="9525">
+                <a14:hiddenLine xmlns="" xmlns:a14="http://schemas.microsoft.com/office/drawing/2010/main" w="9525">
                   <a:solidFill>
                     <a:srgbClr val="000000"/>
                   </a:solidFill>
@@ -29233,7 +29215,7 @@
             </a:ln>
             <a:extLst>
               <a:ext uri="{91240B29-F687-4F45-9708-019B960494DF}">
-                <a14:hiddenLine xmlns:a14="http://schemas.microsoft.com/office/drawing/2010/main" xmlns="" w="9525">
+                <a14:hiddenLine xmlns="" xmlns:a14="http://schemas.microsoft.com/office/drawing/2010/main" w="9525">
                   <a:solidFill>
                     <a:srgbClr val="000000"/>
                   </a:solidFill>
@@ -29429,7 +29411,7 @@
             </a:ln>
             <a:extLst>
               <a:ext uri="{91240B29-F687-4F45-9708-019B960494DF}">
-                <a14:hiddenLine xmlns:a14="http://schemas.microsoft.com/office/drawing/2010/main" xmlns="" w="9525">
+                <a14:hiddenLine xmlns="" xmlns:a14="http://schemas.microsoft.com/office/drawing/2010/main" w="9525">
                   <a:solidFill>
                     <a:srgbClr val="000000"/>
                   </a:solidFill>
@@ -29584,7 +29566,7 @@
             </a:ln>
             <a:extLst>
               <a:ext uri="{91240B29-F687-4F45-9708-019B960494DF}">
-                <a14:hiddenLine xmlns:a14="http://schemas.microsoft.com/office/drawing/2010/main" xmlns="" w="9525">
+                <a14:hiddenLine xmlns="" xmlns:a14="http://schemas.microsoft.com/office/drawing/2010/main" w="9525">
                   <a:solidFill>
                     <a:srgbClr val="000000"/>
                   </a:solidFill>
@@ -29798,7 +29780,7 @@
             </a:ln>
             <a:extLst>
               <a:ext uri="{91240B29-F687-4F45-9708-019B960494DF}">
-                <a14:hiddenLine xmlns:a14="http://schemas.microsoft.com/office/drawing/2010/main" xmlns="" w="9525">
+                <a14:hiddenLine xmlns="" xmlns:a14="http://schemas.microsoft.com/office/drawing/2010/main" w="9525">
                   <a:solidFill>
                     <a:srgbClr val="000000"/>
                   </a:solidFill>
@@ -29845,7 +29827,7 @@
             </a:ln>
             <a:extLst>
               <a:ext uri="{91240B29-F687-4F45-9708-019B960494DF}">
-                <a14:hiddenLine xmlns:a14="http://schemas.microsoft.com/office/drawing/2010/main" xmlns="" w="9525">
+                <a14:hiddenLine xmlns="" xmlns:a14="http://schemas.microsoft.com/office/drawing/2010/main" w="9525">
                   <a:solidFill>
                     <a:srgbClr val="000000"/>
                   </a:solidFill>
@@ -30472,7 +30454,7 @@
             </a:ln>
             <a:extLst>
               <a:ext uri="{91240B29-F687-4F45-9708-019B960494DF}">
-                <a14:hiddenLine xmlns:a14="http://schemas.microsoft.com/office/drawing/2010/main" xmlns="" w="9525">
+                <a14:hiddenLine xmlns="" xmlns:a14="http://schemas.microsoft.com/office/drawing/2010/main" w="9525">
                   <a:solidFill>
                     <a:srgbClr val="000000"/>
                   </a:solidFill>
@@ -31056,7 +31038,7 @@
             </a:ln>
             <a:extLst>
               <a:ext uri="{91240B29-F687-4F45-9708-019B960494DF}">
-                <a14:hiddenLine xmlns:a14="http://schemas.microsoft.com/office/drawing/2010/main" xmlns="" w="9525">
+                <a14:hiddenLine xmlns="" xmlns:a14="http://schemas.microsoft.com/office/drawing/2010/main" w="9525">
                   <a:solidFill>
                     <a:srgbClr val="000000"/>
                   </a:solidFill>
@@ -31211,7 +31193,7 @@
             </a:ln>
             <a:extLst>
               <a:ext uri="{91240B29-F687-4F45-9708-019B960494DF}">
-                <a14:hiddenLine xmlns:a14="http://schemas.microsoft.com/office/drawing/2010/main" xmlns="" w="9525">
+                <a14:hiddenLine xmlns="" xmlns:a14="http://schemas.microsoft.com/office/drawing/2010/main" w="9525">
                   <a:solidFill>
                     <a:srgbClr val="000000"/>
                   </a:solidFill>
@@ -31395,7 +31377,7 @@
             </a:ln>
             <a:extLst>
               <a:ext uri="{91240B29-F687-4F45-9708-019B960494DF}">
-                <a14:hiddenLine xmlns:a14="http://schemas.microsoft.com/office/drawing/2010/main" xmlns="" w="9525">
+                <a14:hiddenLine xmlns="" xmlns:a14="http://schemas.microsoft.com/office/drawing/2010/main" w="9525">
                   <a:solidFill>
                     <a:srgbClr val="000000"/>
                   </a:solidFill>
@@ -31442,7 +31424,7 @@
             </a:ln>
             <a:extLst>
               <a:ext uri="{91240B29-F687-4F45-9708-019B960494DF}">
-                <a14:hiddenLine xmlns:a14="http://schemas.microsoft.com/office/drawing/2010/main" xmlns="" w="9525">
+                <a14:hiddenLine xmlns="" xmlns:a14="http://schemas.microsoft.com/office/drawing/2010/main" w="9525">
                   <a:solidFill>
                     <a:srgbClr val="000000"/>
                   </a:solidFill>
@@ -31612,7 +31594,7 @@
             </a:ln>
             <a:extLst>
               <a:ext uri="{91240B29-F687-4F45-9708-019B960494DF}">
-                <a14:hiddenLine xmlns:a14="http://schemas.microsoft.com/office/drawing/2010/main" xmlns="" w="9525">
+                <a14:hiddenLine xmlns="" xmlns:a14="http://schemas.microsoft.com/office/drawing/2010/main" w="9525">
                   <a:solidFill>
                     <a:srgbClr val="000000"/>
                   </a:solidFill>
@@ -31778,7 +31760,7 @@
             </a:ln>
             <a:extLst>
               <a:ext uri="{91240B29-F687-4F45-9708-019B960494DF}">
-                <a14:hiddenLine xmlns:a14="http://schemas.microsoft.com/office/drawing/2010/main" xmlns="" w="9525">
+                <a14:hiddenLine xmlns="" xmlns:a14="http://schemas.microsoft.com/office/drawing/2010/main" w="9525">
                   <a:solidFill>
                     <a:srgbClr val="000000"/>
                   </a:solidFill>
@@ -31902,7 +31884,7 @@
             </a:ln>
             <a:extLst>
               <a:ext uri="{91240B29-F687-4F45-9708-019B960494DF}">
-                <a14:hiddenLine xmlns:a14="http://schemas.microsoft.com/office/drawing/2010/main" xmlns="" w="9525">
+                <a14:hiddenLine xmlns="" xmlns:a14="http://schemas.microsoft.com/office/drawing/2010/main" w="9525">
                   <a:solidFill>
                     <a:srgbClr val="000000"/>
                   </a:solidFill>
@@ -32026,7 +32008,7 @@
             </a:ln>
             <a:extLst>
               <a:ext uri="{91240B29-F687-4F45-9708-019B960494DF}">
-                <a14:hiddenLine xmlns:a14="http://schemas.microsoft.com/office/drawing/2010/main" xmlns="" w="9525">
+                <a14:hiddenLine xmlns="" xmlns:a14="http://schemas.microsoft.com/office/drawing/2010/main" w="9525">
                   <a:solidFill>
                     <a:srgbClr val="000000"/>
                   </a:solidFill>
@@ -32150,7 +32132,7 @@
             </a:ln>
             <a:extLst>
               <a:ext uri="{91240B29-F687-4F45-9708-019B960494DF}">
-                <a14:hiddenLine xmlns:a14="http://schemas.microsoft.com/office/drawing/2010/main" xmlns="" w="9525">
+                <a14:hiddenLine xmlns="" xmlns:a14="http://schemas.microsoft.com/office/drawing/2010/main" w="9525">
                   <a:solidFill>
                     <a:srgbClr val="000000"/>
                   </a:solidFill>
@@ -32274,7 +32256,7 @@
             </a:ln>
             <a:extLst>
               <a:ext uri="{91240B29-F687-4F45-9708-019B960494DF}">
-                <a14:hiddenLine xmlns:a14="http://schemas.microsoft.com/office/drawing/2010/main" xmlns="" w="9525">
+                <a14:hiddenLine xmlns="" xmlns:a14="http://schemas.microsoft.com/office/drawing/2010/main" w="9525">
                   <a:solidFill>
                     <a:srgbClr val="000000"/>
                   </a:solidFill>
@@ -32429,7 +32411,7 @@
             </a:ln>
             <a:extLst>
               <a:ext uri="{91240B29-F687-4F45-9708-019B960494DF}">
-                <a14:hiddenLine xmlns:a14="http://schemas.microsoft.com/office/drawing/2010/main" xmlns="" w="9525">
+                <a14:hiddenLine xmlns="" xmlns:a14="http://schemas.microsoft.com/office/drawing/2010/main" w="9525">
                   <a:solidFill>
                     <a:srgbClr val="000000"/>
                   </a:solidFill>
@@ -32616,7 +32598,7 @@
             </a:ln>
             <a:extLst>
               <a:ext uri="{91240B29-F687-4F45-9708-019B960494DF}">
-                <a14:hiddenLine xmlns:a14="http://schemas.microsoft.com/office/drawing/2010/main" xmlns="" w="9525">
+                <a14:hiddenLine xmlns="" xmlns:a14="http://schemas.microsoft.com/office/drawing/2010/main" w="9525">
                   <a:solidFill>
                     <a:srgbClr val="000000"/>
                   </a:solidFill>
@@ -32663,7 +32645,7 @@
             </a:ln>
             <a:extLst>
               <a:ext uri="{91240B29-F687-4F45-9708-019B960494DF}">
-                <a14:hiddenLine xmlns:a14="http://schemas.microsoft.com/office/drawing/2010/main" xmlns="" w="9525">
+                <a14:hiddenLine xmlns="" xmlns:a14="http://schemas.microsoft.com/office/drawing/2010/main" w="9525">
                   <a:solidFill>
                     <a:srgbClr val="000000"/>
                   </a:solidFill>
@@ -32725,7 +32707,7 @@
             </a:ln>
             <a:extLst>
               <a:ext uri="{91240B29-F687-4F45-9708-019B960494DF}">
-                <a14:hiddenLine xmlns:a14="http://schemas.microsoft.com/office/drawing/2010/main" xmlns="" w="9525">
+                <a14:hiddenLine xmlns="" xmlns:a14="http://schemas.microsoft.com/office/drawing/2010/main" w="9525">
                   <a:solidFill>
                     <a:srgbClr val="000000"/>
                   </a:solidFill>
@@ -32851,7 +32833,7 @@
             </a:ln>
             <a:extLst>
               <a:ext uri="{91240B29-F687-4F45-9708-019B960494DF}">
-                <a14:hiddenLine xmlns:a14="http://schemas.microsoft.com/office/drawing/2010/main" xmlns="" w="9525">
+                <a14:hiddenLine xmlns="" xmlns:a14="http://schemas.microsoft.com/office/drawing/2010/main" w="9525">
                   <a:solidFill>
                     <a:srgbClr val="000000"/>
                   </a:solidFill>
@@ -33097,7 +33079,7 @@
             </a:ln>
             <a:extLst>
               <a:ext uri="{91240B29-F687-4F45-9708-019B960494DF}">
-                <a14:hiddenLine xmlns:a14="http://schemas.microsoft.com/office/drawing/2010/main" xmlns="" w="9525">
+                <a14:hiddenLine xmlns="" xmlns:a14="http://schemas.microsoft.com/office/drawing/2010/main" w="9525">
                   <a:solidFill>
                     <a:srgbClr val="000000"/>
                   </a:solidFill>
@@ -33252,7 +33234,7 @@
             </a:ln>
             <a:extLst>
               <a:ext uri="{91240B29-F687-4F45-9708-019B960494DF}">
-                <a14:hiddenLine xmlns:a14="http://schemas.microsoft.com/office/drawing/2010/main" xmlns="" w="9525">
+                <a14:hiddenLine xmlns="" xmlns:a14="http://schemas.microsoft.com/office/drawing/2010/main" w="9525">
                   <a:solidFill>
                     <a:srgbClr val="000000"/>
                   </a:solidFill>
@@ -33466,7 +33448,7 @@
             </a:ln>
             <a:extLst>
               <a:ext uri="{91240B29-F687-4F45-9708-019B960494DF}">
-                <a14:hiddenLine xmlns:a14="http://schemas.microsoft.com/office/drawing/2010/main" xmlns="" w="9525">
+                <a14:hiddenLine xmlns="" xmlns:a14="http://schemas.microsoft.com/office/drawing/2010/main" w="9525">
                   <a:solidFill>
                     <a:srgbClr val="000000"/>
                   </a:solidFill>
@@ -33918,20 +33900,7 @@
                 <a:latin typeface="微软雅黑" panose="020B0503020204020204" pitchFamily="34" charset="-122"/>
                 <a:ea typeface="微软雅黑" panose="020B0503020204020204" pitchFamily="34" charset="-122"/>
               </a:rPr>
-              <a:t>开源许可</a:t>
-            </a:r>
-            <a:r>
-              <a:rPr lang="zh-CN" altLang="en-US" sz="2000" dirty="0" smtClean="0">
-                <a:solidFill>
-                  <a:schemeClr val="tx1">
-                    <a:lumMod val="65000"/>
-                    <a:lumOff val="35000"/>
-                  </a:schemeClr>
-                </a:solidFill>
-                <a:latin typeface="微软雅黑" panose="020B0503020204020204" pitchFamily="34" charset="-122"/>
-                <a:ea typeface="微软雅黑" panose="020B0503020204020204" pitchFamily="34" charset="-122"/>
-              </a:rPr>
-              <a:t>是</a:t>
+              <a:t>开源许可是</a:t>
             </a:r>
             <a:r>
               <a:rPr lang="en-US" altLang="zh-CN" sz="2000" dirty="0" smtClean="0">
@@ -33946,16 +33915,6 @@
               </a:rPr>
               <a:t>GPL v3</a:t>
             </a:r>
-            <a:endParaRPr lang="en-US" altLang="zh-CN" sz="2000" dirty="0" smtClean="0">
-              <a:solidFill>
-                <a:schemeClr val="tx1">
-                  <a:lumMod val="65000"/>
-                  <a:lumOff val="35000"/>
-                </a:schemeClr>
-              </a:solidFill>
-              <a:latin typeface="微软雅黑" panose="020B0503020204020204" pitchFamily="34" charset="-122"/>
-              <a:ea typeface="微软雅黑" panose="020B0503020204020204" pitchFamily="34" charset="-122"/>
-            </a:endParaRPr>
           </a:p>
           <a:p>
             <a:pPr marL="285750" indent="-285750">
@@ -34286,20 +34245,7 @@
                 <a:latin typeface="微软雅黑" panose="020B0503020204020204" pitchFamily="34" charset="-122"/>
                 <a:ea typeface="微软雅黑" panose="020B0503020204020204" pitchFamily="34" charset="-122"/>
               </a:rPr>
-              <a:t>免费技术支持服务：</a:t>
-            </a:r>
-            <a:r>
-              <a:rPr lang="en-US" altLang="zh-CN" sz="2000" dirty="0" smtClean="0">
-                <a:solidFill>
-                  <a:schemeClr val="tx1">
-                    <a:lumMod val="65000"/>
-                    <a:lumOff val="35000"/>
-                  </a:schemeClr>
-                </a:solidFill>
-                <a:latin typeface="微软雅黑" panose="020B0503020204020204" pitchFamily="34" charset="-122"/>
-                <a:ea typeface="微软雅黑" panose="020B0503020204020204" pitchFamily="34" charset="-122"/>
-              </a:rPr>
-              <a:t>QQ</a:t>
+              <a:t>免费技术支持</a:t>
             </a:r>
             <a:r>
               <a:rPr lang="zh-CN" altLang="en-US" sz="2000" dirty="0" smtClean="0">
@@ -34312,7 +34258,7 @@
                 <a:latin typeface="微软雅黑" panose="020B0503020204020204" pitchFamily="34" charset="-122"/>
                 <a:ea typeface="微软雅黑" panose="020B0503020204020204" pitchFamily="34" charset="-122"/>
               </a:rPr>
-              <a:t>群</a:t>
+              <a:t>服务</a:t>
             </a:r>
             <a:endParaRPr lang="en-US" altLang="zh-CN" sz="2000" dirty="0" smtClean="0">
               <a:solidFill>
@@ -34344,20 +34290,7 @@
                 <a:latin typeface="微软雅黑" panose="020B0503020204020204" pitchFamily="34" charset="-122"/>
                 <a:ea typeface="微软雅黑" panose="020B0503020204020204" pitchFamily="34" charset="-122"/>
               </a:rPr>
-              <a:t>付费技术支持服务：</a:t>
-            </a:r>
-            <a:r>
-              <a:rPr lang="en-US" altLang="zh-CN" sz="2000" dirty="0" smtClean="0">
-                <a:solidFill>
-                  <a:schemeClr val="tx1">
-                    <a:lumMod val="65000"/>
-                    <a:lumOff val="35000"/>
-                  </a:schemeClr>
-                </a:solidFill>
-                <a:latin typeface="微软雅黑" panose="020B0503020204020204" pitchFamily="34" charset="-122"/>
-                <a:ea typeface="微软雅黑" panose="020B0503020204020204" pitchFamily="34" charset="-122"/>
-              </a:rPr>
-              <a:t>3650</a:t>
+              <a:t>付</a:t>
             </a:r>
             <a:r>
               <a:rPr lang="zh-CN" altLang="en-US" sz="2000" dirty="0" smtClean="0">
@@ -34370,20 +34303,7 @@
                 <a:latin typeface="微软雅黑" panose="020B0503020204020204" pitchFamily="34" charset="-122"/>
                 <a:ea typeface="微软雅黑" panose="020B0503020204020204" pitchFamily="34" charset="-122"/>
               </a:rPr>
-              <a:t>元</a:t>
-            </a:r>
-            <a:r>
-              <a:rPr lang="en-US" altLang="zh-CN" sz="2000" dirty="0" smtClean="0">
-                <a:solidFill>
-                  <a:schemeClr val="tx1">
-                    <a:lumMod val="65000"/>
-                    <a:lumOff val="35000"/>
-                  </a:schemeClr>
-                </a:solidFill>
-                <a:latin typeface="微软雅黑" panose="020B0503020204020204" pitchFamily="34" charset="-122"/>
-                <a:ea typeface="微软雅黑" panose="020B0503020204020204" pitchFamily="34" charset="-122"/>
-              </a:rPr>
-              <a:t>/10</a:t>
+              <a:t>费技术支持</a:t>
             </a:r>
             <a:r>
               <a:rPr lang="zh-CN" altLang="en-US" sz="2000" dirty="0" smtClean="0">
@@ -34396,33 +34316,7 @@
                 <a:latin typeface="微软雅黑" panose="020B0503020204020204" pitchFamily="34" charset="-122"/>
                 <a:ea typeface="微软雅黑" panose="020B0503020204020204" pitchFamily="34" charset="-122"/>
               </a:rPr>
-              <a:t>用户</a:t>
-            </a:r>
-            <a:r>
-              <a:rPr lang="en-US" altLang="zh-CN" sz="2000" dirty="0" smtClean="0">
-                <a:solidFill>
-                  <a:schemeClr val="tx1">
-                    <a:lumMod val="65000"/>
-                    <a:lumOff val="35000"/>
-                  </a:schemeClr>
-                </a:solidFill>
-                <a:latin typeface="微软雅黑" panose="020B0503020204020204" pitchFamily="34" charset="-122"/>
-                <a:ea typeface="微软雅黑" panose="020B0503020204020204" pitchFamily="34" charset="-122"/>
-              </a:rPr>
-              <a:t>/</a:t>
-            </a:r>
-            <a:r>
-              <a:rPr lang="zh-CN" altLang="en-US" sz="2000" dirty="0" smtClean="0">
-                <a:solidFill>
-                  <a:schemeClr val="tx1">
-                    <a:lumMod val="65000"/>
-                    <a:lumOff val="35000"/>
-                  </a:schemeClr>
-                </a:solidFill>
-                <a:latin typeface="微软雅黑" panose="020B0503020204020204" pitchFamily="34" charset="-122"/>
-                <a:ea typeface="微软雅黑" panose="020B0503020204020204" pitchFamily="34" charset="-122"/>
-              </a:rPr>
-              <a:t>年</a:t>
+              <a:t>服务</a:t>
             </a:r>
             <a:endParaRPr lang="en-US" altLang="zh-CN" sz="2000" dirty="0" smtClean="0">
               <a:solidFill>
@@ -34565,7 +34459,7 @@
             <a:effectLst/>
             <a:extLst>
               <a:ext uri="{91240B29-F687-4F45-9708-019B960494DF}">
-                <a14:hiddenLine xmlns:a14="http://schemas.microsoft.com/office/drawing/2010/main" xmlns="" w="9525">
+                <a14:hiddenLine xmlns="" xmlns:a14="http://schemas.microsoft.com/office/drawing/2010/main" w="9525">
                   <a:solidFill>
                     <a:srgbClr val="000000"/>
                   </a:solidFill>
@@ -34678,7 +34572,7 @@
             </a:effectLst>
             <a:extLst>
               <a:ext uri="{91240B29-F687-4F45-9708-019B960494DF}">
-                <a14:hiddenLine xmlns:a14="http://schemas.microsoft.com/office/drawing/2010/main" xmlns="" w="9525">
+                <a14:hiddenLine xmlns="" xmlns:a14="http://schemas.microsoft.com/office/drawing/2010/main" w="9525">
                   <a:solidFill>
                     <a:srgbClr val="000000"/>
                   </a:solidFill>
@@ -34791,7 +34685,7 @@
             </a:effectLst>
             <a:extLst>
               <a:ext uri="{91240B29-F687-4F45-9708-019B960494DF}">
-                <a14:hiddenLine xmlns:a14="http://schemas.microsoft.com/office/drawing/2010/main" xmlns="" w="9525">
+                <a14:hiddenLine xmlns="" xmlns:a14="http://schemas.microsoft.com/office/drawing/2010/main" w="9525">
                   <a:solidFill>
                     <a:srgbClr val="000000"/>
                   </a:solidFill>
@@ -34904,7 +34798,7 @@
             </a:effectLst>
             <a:extLst>
               <a:ext uri="{91240B29-F687-4F45-9708-019B960494DF}">
-                <a14:hiddenLine xmlns:a14="http://schemas.microsoft.com/office/drawing/2010/main" xmlns="" w="9525">
+                <a14:hiddenLine xmlns="" xmlns:a14="http://schemas.microsoft.com/office/drawing/2010/main" w="9525">
                   <a:solidFill>
                     <a:srgbClr val="000000"/>
                   </a:solidFill>
@@ -35880,7 +35774,7 @@
           </a:ln>
           <a:extLst>
             <a:ext uri="{91240B29-F687-4F45-9708-019B960494DF}">
-              <a14:hiddenLine xmlns:a14="http://schemas.microsoft.com/office/drawing/2010/main" xmlns="" w="9525">
+              <a14:hiddenLine xmlns="" xmlns:a14="http://schemas.microsoft.com/office/drawing/2010/main" w="9525">
                 <a:solidFill>
                   <a:srgbClr val="000000"/>
                 </a:solidFill>
@@ -36206,7 +36100,7 @@
           </a:ln>
           <a:extLst>
             <a:ext uri="{91240B29-F687-4F45-9708-019B960494DF}">
-              <a14:hiddenLine xmlns:a14="http://schemas.microsoft.com/office/drawing/2010/main" xmlns="" w="9525">
+              <a14:hiddenLine xmlns="" xmlns:a14="http://schemas.microsoft.com/office/drawing/2010/main" w="9525">
                 <a:solidFill>
                   <a:srgbClr val="000000"/>
                 </a:solidFill>
@@ -36372,7 +36266,7 @@
           </a:ln>
           <a:extLst>
             <a:ext uri="{91240B29-F687-4F45-9708-019B960494DF}">
-              <a14:hiddenLine xmlns:a14="http://schemas.microsoft.com/office/drawing/2010/main" xmlns="" w="9525">
+              <a14:hiddenLine xmlns="" xmlns:a14="http://schemas.microsoft.com/office/drawing/2010/main" w="9525">
                 <a:solidFill>
                   <a:srgbClr val="000000"/>
                 </a:solidFill>
@@ -36528,7 +36422,7 @@
           </a:ln>
           <a:extLst>
             <a:ext uri="{91240B29-F687-4F45-9708-019B960494DF}">
-              <a14:hiddenLine xmlns:a14="http://schemas.microsoft.com/office/drawing/2010/main" xmlns="" w="9525">
+              <a14:hiddenLine xmlns="" xmlns:a14="http://schemas.microsoft.com/office/drawing/2010/main" w="9525">
                 <a:solidFill>
                   <a:srgbClr val="000000"/>
                 </a:solidFill>
@@ -36658,7 +36552,7 @@
           </a:ln>
           <a:extLst>
             <a:ext uri="{91240B29-F687-4F45-9708-019B960494DF}">
-              <a14:hiddenLine xmlns:a14="http://schemas.microsoft.com/office/drawing/2010/main" xmlns="" w="9525">
+              <a14:hiddenLine xmlns="" xmlns:a14="http://schemas.microsoft.com/office/drawing/2010/main" w="9525">
                 <a:solidFill>
                   <a:srgbClr val="000000"/>
                 </a:solidFill>
@@ -36904,7 +36798,7 @@
           </a:ln>
           <a:extLst>
             <a:ext uri="{91240B29-F687-4F45-9708-019B960494DF}">
-              <a14:hiddenLine xmlns:a14="http://schemas.microsoft.com/office/drawing/2010/main" xmlns="" w="9525">
+              <a14:hiddenLine xmlns="" xmlns:a14="http://schemas.microsoft.com/office/drawing/2010/main" w="9525">
                 <a:solidFill>
                   <a:srgbClr val="000000"/>
                 </a:solidFill>
@@ -37260,7 +37154,7 @@
           </a:ln>
           <a:extLst>
             <a:ext uri="{91240B29-F687-4F45-9708-019B960494DF}">
-              <a14:hiddenLine xmlns:a14="http://schemas.microsoft.com/office/drawing/2010/main" xmlns="" w="9525">
+              <a14:hiddenLine xmlns="" xmlns:a14="http://schemas.microsoft.com/office/drawing/2010/main" w="9525">
                 <a:solidFill>
                   <a:srgbClr val="000000"/>
                 </a:solidFill>
@@ -37463,7 +37357,7 @@
           </a:ln>
           <a:extLst>
             <a:ext uri="{91240B29-F687-4F45-9708-019B960494DF}">
-              <a14:hiddenLine xmlns:a14="http://schemas.microsoft.com/office/drawing/2010/main" xmlns="" w="9525">
+              <a14:hiddenLine xmlns="" xmlns:a14="http://schemas.microsoft.com/office/drawing/2010/main" w="9525">
                 <a:solidFill>
                   <a:srgbClr val="000000"/>
                 </a:solidFill>
@@ -38159,7 +38053,7 @@
           </a:ln>
           <a:extLst>
             <a:ext uri="{91240B29-F687-4F45-9708-019B960494DF}">
-              <a14:hiddenLine xmlns:a14="http://schemas.microsoft.com/office/drawing/2010/main" xmlns="" w="9525">
+              <a14:hiddenLine xmlns="" xmlns:a14="http://schemas.microsoft.com/office/drawing/2010/main" w="9525">
                 <a:solidFill>
                   <a:srgbClr val="000000"/>
                 </a:solidFill>
@@ -38553,7 +38447,7 @@
           </a:ln>
           <a:extLst>
             <a:ext uri="{91240B29-F687-4F45-9708-019B960494DF}">
-              <a14:hiddenLine xmlns:a14="http://schemas.microsoft.com/office/drawing/2010/main" xmlns="" w="9525">
+              <a14:hiddenLine xmlns="" xmlns:a14="http://schemas.microsoft.com/office/drawing/2010/main" w="9525">
                 <a:solidFill>
                   <a:srgbClr val="000000"/>
                 </a:solidFill>
@@ -39158,7 +39052,7 @@
           </a:ln>
           <a:extLst>
             <a:ext uri="{91240B29-F687-4F45-9708-019B960494DF}">
-              <a14:hiddenLine xmlns:a14="http://schemas.microsoft.com/office/drawing/2010/main" xmlns="" w="9525">
+              <a14:hiddenLine xmlns="" xmlns:a14="http://schemas.microsoft.com/office/drawing/2010/main" w="9525">
                 <a:solidFill>
                   <a:srgbClr val="000000"/>
                 </a:solidFill>
@@ -39599,7 +39493,7 @@
           </a:ln>
           <a:extLst>
             <a:ext uri="{91240B29-F687-4F45-9708-019B960494DF}">
-              <a14:hiddenLine xmlns:a14="http://schemas.microsoft.com/office/drawing/2010/main" xmlns="" w="9525">
+              <a14:hiddenLine xmlns="" xmlns:a14="http://schemas.microsoft.com/office/drawing/2010/main" w="9525">
                 <a:solidFill>
                   <a:srgbClr val="000000"/>
                 </a:solidFill>
@@ -40383,14 +40277,14 @@
           </a:ln>
           <a:extLst>
             <a:ext uri="{909E8E84-426E-40DD-AFC4-6F175D3DCCD1}">
-              <a14:hiddenFill xmlns="" xmlns:a14="http://schemas.microsoft.com/office/drawing/2010/main">
+              <a14:hiddenFill xmlns:a14="http://schemas.microsoft.com/office/drawing/2010/main" xmlns="">
                 <a:solidFill>
                   <a:srgbClr val="FFFFFF"/>
                 </a:solidFill>
               </a14:hiddenFill>
             </a:ext>
             <a:ext uri="{91240B29-F687-4F45-9708-019B960494DF}">
-              <a14:hiddenLine xmlns="" xmlns:a14="http://schemas.microsoft.com/office/drawing/2010/main" w="9525">
+              <a14:hiddenLine xmlns:a14="http://schemas.microsoft.com/office/drawing/2010/main" xmlns="" w="9525">
                 <a:solidFill>
                   <a:srgbClr val="000000"/>
                 </a:solidFill>
@@ -40493,14 +40387,14 @@
           </a:ln>
           <a:extLst>
             <a:ext uri="{909E8E84-426E-40DD-AFC4-6F175D3DCCD1}">
-              <a14:hiddenFill xmlns="" xmlns:a14="http://schemas.microsoft.com/office/drawing/2010/main">
+              <a14:hiddenFill xmlns:a14="http://schemas.microsoft.com/office/drawing/2010/main" xmlns="">
                 <a:solidFill>
                   <a:srgbClr val="FFFFFF"/>
                 </a:solidFill>
               </a14:hiddenFill>
             </a:ext>
             <a:ext uri="{91240B29-F687-4F45-9708-019B960494DF}">
-              <a14:hiddenLine xmlns="" xmlns:a14="http://schemas.microsoft.com/office/drawing/2010/main" w="9525">
+              <a14:hiddenLine xmlns:a14="http://schemas.microsoft.com/office/drawing/2010/main" xmlns="" w="9525">
                 <a:solidFill>
                   <a:srgbClr val="000000"/>
                 </a:solidFill>
@@ -40644,7 +40538,7 @@
           </a:ln>
           <a:extLst>
             <a:ext uri="{91240B29-F687-4F45-9708-019B960494DF}">
-              <a14:hiddenLine xmlns="" xmlns:a14="http://schemas.microsoft.com/office/drawing/2010/main" w="9525">
+              <a14:hiddenLine xmlns:a14="http://schemas.microsoft.com/office/drawing/2010/main" xmlns="" w="9525">
                 <a:solidFill>
                   <a:srgbClr val="000000"/>
                 </a:solidFill>
@@ -40747,14 +40641,14 @@
           </a:ln>
           <a:extLst>
             <a:ext uri="{909E8E84-426E-40DD-AFC4-6F175D3DCCD1}">
-              <a14:hiddenFill xmlns="" xmlns:a14="http://schemas.microsoft.com/office/drawing/2010/main">
+              <a14:hiddenFill xmlns:a14="http://schemas.microsoft.com/office/drawing/2010/main" xmlns="">
                 <a:solidFill>
                   <a:srgbClr val="FFFFFF"/>
                 </a:solidFill>
               </a14:hiddenFill>
             </a:ext>
             <a:ext uri="{91240B29-F687-4F45-9708-019B960494DF}">
-              <a14:hiddenLine xmlns="" xmlns:a14="http://schemas.microsoft.com/office/drawing/2010/main" w="9525">
+              <a14:hiddenLine xmlns:a14="http://schemas.microsoft.com/office/drawing/2010/main" xmlns="" w="9525">
                 <a:solidFill>
                   <a:srgbClr val="000000"/>
                 </a:solidFill>
@@ -40860,7 +40754,7 @@
           </a:ln>
           <a:extLst>
             <a:ext uri="{91240B29-F687-4F45-9708-019B960494DF}">
-              <a14:hiddenLine xmlns="" xmlns:a14="http://schemas.microsoft.com/office/drawing/2010/main" w="9525">
+              <a14:hiddenLine xmlns:a14="http://schemas.microsoft.com/office/drawing/2010/main" xmlns="" w="9525">
                 <a:solidFill>
                   <a:srgbClr val="000000"/>
                 </a:solidFill>
@@ -40963,14 +40857,14 @@
           </a:ln>
           <a:extLst>
             <a:ext uri="{909E8E84-426E-40DD-AFC4-6F175D3DCCD1}">
-              <a14:hiddenFill xmlns="" xmlns:a14="http://schemas.microsoft.com/office/drawing/2010/main">
+              <a14:hiddenFill xmlns:a14="http://schemas.microsoft.com/office/drawing/2010/main" xmlns="">
                 <a:solidFill>
                   <a:srgbClr val="FFFFFF"/>
                 </a:solidFill>
               </a14:hiddenFill>
             </a:ext>
             <a:ext uri="{91240B29-F687-4F45-9708-019B960494DF}">
-              <a14:hiddenLine xmlns="" xmlns:a14="http://schemas.microsoft.com/office/drawing/2010/main" w="9525">
+              <a14:hiddenLine xmlns:a14="http://schemas.microsoft.com/office/drawing/2010/main" xmlns="" w="9525">
                 <a:solidFill>
                   <a:srgbClr val="000000"/>
                 </a:solidFill>
@@ -41076,7 +40970,7 @@
           </a:ln>
           <a:extLst>
             <a:ext uri="{91240B29-F687-4F45-9708-019B960494DF}">
-              <a14:hiddenLine xmlns="" xmlns:a14="http://schemas.microsoft.com/office/drawing/2010/main" w="9525">
+              <a14:hiddenLine xmlns:a14="http://schemas.microsoft.com/office/drawing/2010/main" xmlns="" w="9525">
                 <a:solidFill>
                   <a:srgbClr val="000000"/>
                 </a:solidFill>
@@ -41179,14 +41073,14 @@
           </a:ln>
           <a:extLst>
             <a:ext uri="{909E8E84-426E-40DD-AFC4-6F175D3DCCD1}">
-              <a14:hiddenFill xmlns="" xmlns:a14="http://schemas.microsoft.com/office/drawing/2010/main">
+              <a14:hiddenFill xmlns:a14="http://schemas.microsoft.com/office/drawing/2010/main" xmlns="">
                 <a:solidFill>
                   <a:srgbClr val="FFFFFF"/>
                 </a:solidFill>
               </a14:hiddenFill>
             </a:ext>
             <a:ext uri="{91240B29-F687-4F45-9708-019B960494DF}">
-              <a14:hiddenLine xmlns="" xmlns:a14="http://schemas.microsoft.com/office/drawing/2010/main" w="9525">
+              <a14:hiddenLine xmlns:a14="http://schemas.microsoft.com/office/drawing/2010/main" xmlns="" w="9525">
                 <a:solidFill>
                   <a:srgbClr val="000000"/>
                 </a:solidFill>
@@ -41292,7 +41186,7 @@
           </a:ln>
           <a:extLst>
             <a:ext uri="{91240B29-F687-4F45-9708-019B960494DF}">
-              <a14:hiddenLine xmlns="" xmlns:a14="http://schemas.microsoft.com/office/drawing/2010/main" w="9525">
+              <a14:hiddenLine xmlns:a14="http://schemas.microsoft.com/office/drawing/2010/main" xmlns="" w="9525">
                 <a:solidFill>
                   <a:srgbClr val="000000"/>
                 </a:solidFill>
@@ -41395,14 +41289,14 @@
           </a:ln>
           <a:extLst>
             <a:ext uri="{909E8E84-426E-40DD-AFC4-6F175D3DCCD1}">
-              <a14:hiddenFill xmlns="" xmlns:a14="http://schemas.microsoft.com/office/drawing/2010/main">
+              <a14:hiddenFill xmlns:a14="http://schemas.microsoft.com/office/drawing/2010/main" xmlns="">
                 <a:solidFill>
                   <a:srgbClr val="FFFFFF"/>
                 </a:solidFill>
               </a14:hiddenFill>
             </a:ext>
             <a:ext uri="{91240B29-F687-4F45-9708-019B960494DF}">
-              <a14:hiddenLine xmlns="" xmlns:a14="http://schemas.microsoft.com/office/drawing/2010/main" w="9525">
+              <a14:hiddenLine xmlns:a14="http://schemas.microsoft.com/office/drawing/2010/main" xmlns="" w="9525">
                 <a:solidFill>
                   <a:srgbClr val="000000"/>
                 </a:solidFill>
@@ -41449,7 +41343,7 @@
           </a:ln>
           <a:extLst>
             <a:ext uri="{91240B29-F687-4F45-9708-019B960494DF}">
-              <a14:hiddenLine xmlns="" xmlns:a14="http://schemas.microsoft.com/office/drawing/2010/main" w="9525">
+              <a14:hiddenLine xmlns:a14="http://schemas.microsoft.com/office/drawing/2010/main" xmlns="" w="9525">
                 <a:solidFill>
                   <a:srgbClr val="000000"/>
                 </a:solidFill>
@@ -41479,17 +41373,12 @@
             <a:pPr algn="ctr"/>
             <a:r>
               <a:rPr lang="zh-CN" altLang="en-US" sz="2000" dirty="0" smtClean="0"/>
-              <a:t>开</a:t>
-            </a:r>
-            <a:r>
-              <a:rPr lang="zh-CN" altLang="en-US" sz="2000" dirty="0" smtClean="0"/>
-              <a:t>源</a:t>
+              <a:t>开源</a:t>
             </a:r>
             <a:r>
               <a:rPr lang="en-US" altLang="zh-CN" sz="2000" dirty="0" smtClean="0"/>
               <a:t>ERP</a:t>
             </a:r>
-            <a:endParaRPr lang="en-US" altLang="zh-CN" sz="2000" dirty="0" smtClean="0"/>
           </a:p>
           <a:p>
             <a:pPr algn="ctr"/>
@@ -41592,7 +41481,7 @@
           </a:ln>
           <a:extLst>
             <a:ext uri="{91240B29-F687-4F45-9708-019B960494DF}">
-              <a14:hiddenLine xmlns="" xmlns:a14="http://schemas.microsoft.com/office/drawing/2010/main" w="9525">
+              <a14:hiddenLine xmlns:a14="http://schemas.microsoft.com/office/drawing/2010/main" xmlns="" w="9525">
                 <a:solidFill>
                   <a:srgbClr val="000000"/>
                 </a:solidFill>
@@ -41706,7 +41595,7 @@
           </a:ln>
           <a:extLst>
             <a:ext uri="{91240B29-F687-4F45-9708-019B960494DF}">
-              <a14:hiddenLine xmlns="" xmlns:a14="http://schemas.microsoft.com/office/drawing/2010/main" w="9525">
+              <a14:hiddenLine xmlns:a14="http://schemas.microsoft.com/office/drawing/2010/main" xmlns="" w="9525">
                 <a:solidFill>
                   <a:srgbClr val="000000"/>
                 </a:solidFill>
@@ -41820,7 +41709,7 @@
           </a:ln>
           <a:extLst>
             <a:ext uri="{91240B29-F687-4F45-9708-019B960494DF}">
-              <a14:hiddenLine xmlns="" xmlns:a14="http://schemas.microsoft.com/office/drawing/2010/main" w="9525">
+              <a14:hiddenLine xmlns:a14="http://schemas.microsoft.com/office/drawing/2010/main" xmlns="" w="9525">
                 <a:solidFill>
                   <a:srgbClr val="000000"/>
                 </a:solidFill>
@@ -41934,7 +41823,7 @@
           </a:ln>
           <a:extLst>
             <a:ext uri="{91240B29-F687-4F45-9708-019B960494DF}">
-              <a14:hiddenLine xmlns="" xmlns:a14="http://schemas.microsoft.com/office/drawing/2010/main" w="9525">
+              <a14:hiddenLine xmlns:a14="http://schemas.microsoft.com/office/drawing/2010/main" xmlns="" w="9525">
                 <a:solidFill>
                   <a:srgbClr val="000000"/>
                 </a:solidFill>
@@ -42074,7 +41963,7 @@
             </a:ln>
             <a:extLst>
               <a:ext uri="{91240B29-F687-4F45-9708-019B960494DF}">
-                <a14:hiddenLine xmlns="" xmlns:a14="http://schemas.microsoft.com/office/drawing/2010/main" w="9525">
+                <a14:hiddenLine xmlns:a14="http://schemas.microsoft.com/office/drawing/2010/main" xmlns="" w="9525">
                   <a:solidFill>
                     <a:srgbClr val="000000"/>
                   </a:solidFill>
@@ -42200,7 +42089,7 @@
             </a:ln>
             <a:extLst>
               <a:ext uri="{91240B29-F687-4F45-9708-019B960494DF}">
-                <a14:hiddenLine xmlns="" xmlns:a14="http://schemas.microsoft.com/office/drawing/2010/main" w="9525">
+                <a14:hiddenLine xmlns:a14="http://schemas.microsoft.com/office/drawing/2010/main" xmlns="" w="9525">
                   <a:solidFill>
                     <a:srgbClr val="000000"/>
                   </a:solidFill>
@@ -42326,7 +42215,7 @@
             </a:ln>
             <a:extLst>
               <a:ext uri="{91240B29-F687-4F45-9708-019B960494DF}">
-                <a14:hiddenLine xmlns="" xmlns:a14="http://schemas.microsoft.com/office/drawing/2010/main" w="9525">
+                <a14:hiddenLine xmlns:a14="http://schemas.microsoft.com/office/drawing/2010/main" xmlns="" w="9525">
                   <a:solidFill>
                     <a:srgbClr val="000000"/>
                   </a:solidFill>
@@ -42452,7 +42341,7 @@
             </a:ln>
             <a:extLst>
               <a:ext uri="{91240B29-F687-4F45-9708-019B960494DF}">
-                <a14:hiddenLine xmlns="" xmlns:a14="http://schemas.microsoft.com/office/drawing/2010/main" w="9525">
+                <a14:hiddenLine xmlns:a14="http://schemas.microsoft.com/office/drawing/2010/main" xmlns="" w="9525">
                   <a:solidFill>
                     <a:srgbClr val="000000"/>
                   </a:solidFill>
@@ -42578,7 +42467,7 @@
             </a:ln>
             <a:extLst>
               <a:ext uri="{91240B29-F687-4F45-9708-019B960494DF}">
-                <a14:hiddenLine xmlns="" xmlns:a14="http://schemas.microsoft.com/office/drawing/2010/main" w="9525">
+                <a14:hiddenLine xmlns:a14="http://schemas.microsoft.com/office/drawing/2010/main" xmlns="" w="9525">
                   <a:solidFill>
                     <a:srgbClr val="000000"/>
                   </a:solidFill>
@@ -42719,7 +42608,7 @@
             </a:ln>
             <a:extLst>
               <a:ext uri="{91240B29-F687-4F45-9708-019B960494DF}">
-                <a14:hiddenLine xmlns="" xmlns:a14="http://schemas.microsoft.com/office/drawing/2010/main" w="9525">
+                <a14:hiddenLine xmlns:a14="http://schemas.microsoft.com/office/drawing/2010/main" xmlns="" w="9525">
                   <a:solidFill>
                     <a:srgbClr val="000000"/>
                   </a:solidFill>
@@ -42845,7 +42734,7 @@
             </a:ln>
             <a:extLst>
               <a:ext uri="{91240B29-F687-4F45-9708-019B960494DF}">
-                <a14:hiddenLine xmlns="" xmlns:a14="http://schemas.microsoft.com/office/drawing/2010/main" w="9525">
+                <a14:hiddenLine xmlns:a14="http://schemas.microsoft.com/office/drawing/2010/main" xmlns="" w="9525">
                   <a:solidFill>
                     <a:srgbClr val="000000"/>
                   </a:solidFill>
@@ -42971,7 +42860,7 @@
             </a:ln>
             <a:extLst>
               <a:ext uri="{91240B29-F687-4F45-9708-019B960494DF}">
-                <a14:hiddenLine xmlns="" xmlns:a14="http://schemas.microsoft.com/office/drawing/2010/main" w="9525">
+                <a14:hiddenLine xmlns:a14="http://schemas.microsoft.com/office/drawing/2010/main" xmlns="" w="9525">
                   <a:solidFill>
                     <a:srgbClr val="000000"/>
                   </a:solidFill>
@@ -43097,7 +42986,7 @@
             </a:ln>
             <a:extLst>
               <a:ext uri="{91240B29-F687-4F45-9708-019B960494DF}">
-                <a14:hiddenLine xmlns="" xmlns:a14="http://schemas.microsoft.com/office/drawing/2010/main" w="9525">
+                <a14:hiddenLine xmlns:a14="http://schemas.microsoft.com/office/drawing/2010/main" xmlns="" w="9525">
                   <a:solidFill>
                     <a:srgbClr val="000000"/>
                   </a:solidFill>
@@ -43223,7 +43112,7 @@
             </a:ln>
             <a:extLst>
               <a:ext uri="{91240B29-F687-4F45-9708-019B960494DF}">
-                <a14:hiddenLine xmlns="" xmlns:a14="http://schemas.microsoft.com/office/drawing/2010/main" w="9525">
+                <a14:hiddenLine xmlns:a14="http://schemas.microsoft.com/office/drawing/2010/main" xmlns="" w="9525">
                   <a:solidFill>
                     <a:srgbClr val="000000"/>
                   </a:solidFill>
@@ -43337,7 +43226,7 @@
             </a:ln>
             <a:extLst>
               <a:ext uri="{91240B29-F687-4F45-9708-019B960494DF}">
-                <a14:hiddenLine xmlns="" xmlns:a14="http://schemas.microsoft.com/office/drawing/2010/main" w="9525">
+                <a14:hiddenLine xmlns:a14="http://schemas.microsoft.com/office/drawing/2010/main" xmlns="" w="9525">
                   <a:solidFill>
                     <a:srgbClr val="000000"/>
                   </a:solidFill>
@@ -43463,7 +43352,7 @@
             </a:ln>
             <a:extLst>
               <a:ext uri="{91240B29-F687-4F45-9708-019B960494DF}">
-                <a14:hiddenLine xmlns="" xmlns:a14="http://schemas.microsoft.com/office/drawing/2010/main" w="9525">
+                <a14:hiddenLine xmlns:a14="http://schemas.microsoft.com/office/drawing/2010/main" xmlns="" w="9525">
                   <a:solidFill>
                     <a:srgbClr val="000000"/>
                   </a:solidFill>
@@ -43525,7 +43414,7 @@
             </a:ln>
             <a:extLst>
               <a:ext uri="{91240B29-F687-4F45-9708-019B960494DF}">
-                <a14:hiddenLine xmlns="" xmlns:a14="http://schemas.microsoft.com/office/drawing/2010/main" w="9525">
+                <a14:hiddenLine xmlns:a14="http://schemas.microsoft.com/office/drawing/2010/main" xmlns="" w="9525">
                   <a:solidFill>
                     <a:srgbClr val="000000"/>
                   </a:solidFill>
@@ -43671,7 +43560,7 @@
             </a:ln>
             <a:extLst>
               <a:ext uri="{91240B29-F687-4F45-9708-019B960494DF}">
-                <a14:hiddenLine xmlns="" xmlns:a14="http://schemas.microsoft.com/office/drawing/2010/main" w="9525">
+                <a14:hiddenLine xmlns:a14="http://schemas.microsoft.com/office/drawing/2010/main" xmlns="" w="9525">
                   <a:solidFill>
                     <a:srgbClr val="000000"/>
                   </a:solidFill>
@@ -43718,7 +43607,7 @@
             </a:ln>
             <a:extLst>
               <a:ext uri="{91240B29-F687-4F45-9708-019B960494DF}">
-                <a14:hiddenLine xmlns="" xmlns:a14="http://schemas.microsoft.com/office/drawing/2010/main" w="9525">
+                <a14:hiddenLine xmlns:a14="http://schemas.microsoft.com/office/drawing/2010/main" xmlns="" w="9525">
                   <a:solidFill>
                     <a:srgbClr val="000000"/>
                   </a:solidFill>
@@ -43864,7 +43753,7 @@
             </a:ln>
             <a:extLst>
               <a:ext uri="{91240B29-F687-4F45-9708-019B960494DF}">
-                <a14:hiddenLine xmlns="" xmlns:a14="http://schemas.microsoft.com/office/drawing/2010/main" w="9525">
+                <a14:hiddenLine xmlns:a14="http://schemas.microsoft.com/office/drawing/2010/main" xmlns="" w="9525">
                   <a:solidFill>
                     <a:srgbClr val="000000"/>
                   </a:solidFill>
@@ -43911,7 +43800,7 @@
             </a:ln>
             <a:extLst>
               <a:ext uri="{91240B29-F687-4F45-9708-019B960494DF}">
-                <a14:hiddenLine xmlns="" xmlns:a14="http://schemas.microsoft.com/office/drawing/2010/main" w="9525">
+                <a14:hiddenLine xmlns:a14="http://schemas.microsoft.com/office/drawing/2010/main" xmlns="" w="9525">
                   <a:solidFill>
                     <a:srgbClr val="000000"/>
                   </a:solidFill>
@@ -44057,7 +43946,7 @@
             </a:ln>
             <a:extLst>
               <a:ext uri="{91240B29-F687-4F45-9708-019B960494DF}">
-                <a14:hiddenLine xmlns="" xmlns:a14="http://schemas.microsoft.com/office/drawing/2010/main" w="9525">
+                <a14:hiddenLine xmlns:a14="http://schemas.microsoft.com/office/drawing/2010/main" xmlns="" w="9525">
                   <a:solidFill>
                     <a:srgbClr val="000000"/>
                   </a:solidFill>
@@ -44104,7 +43993,7 @@
             </a:ln>
             <a:extLst>
               <a:ext uri="{91240B29-F687-4F45-9708-019B960494DF}">
-                <a14:hiddenLine xmlns="" xmlns:a14="http://schemas.microsoft.com/office/drawing/2010/main" w="9525">
+                <a14:hiddenLine xmlns:a14="http://schemas.microsoft.com/office/drawing/2010/main" xmlns="" w="9525">
                   <a:solidFill>
                     <a:srgbClr val="000000"/>
                   </a:solidFill>
@@ -44250,7 +44139,7 @@
             </a:ln>
             <a:extLst>
               <a:ext uri="{91240B29-F687-4F45-9708-019B960494DF}">
-                <a14:hiddenLine xmlns="" xmlns:a14="http://schemas.microsoft.com/office/drawing/2010/main" w="9525">
+                <a14:hiddenLine xmlns:a14="http://schemas.microsoft.com/office/drawing/2010/main" xmlns="" w="9525">
                   <a:solidFill>
                     <a:srgbClr val="000000"/>
                   </a:solidFill>
@@ -44297,7 +44186,7 @@
             </a:ln>
             <a:extLst>
               <a:ext uri="{91240B29-F687-4F45-9708-019B960494DF}">
-                <a14:hiddenLine xmlns="" xmlns:a14="http://schemas.microsoft.com/office/drawing/2010/main" w="9525">
+                <a14:hiddenLine xmlns:a14="http://schemas.microsoft.com/office/drawing/2010/main" xmlns="" w="9525">
                   <a:solidFill>
                     <a:srgbClr val="000000"/>
                   </a:solidFill>
@@ -44443,7 +44332,7 @@
             </a:ln>
             <a:extLst>
               <a:ext uri="{91240B29-F687-4F45-9708-019B960494DF}">
-                <a14:hiddenLine xmlns="" xmlns:a14="http://schemas.microsoft.com/office/drawing/2010/main" w="9525">
+                <a14:hiddenLine xmlns:a14="http://schemas.microsoft.com/office/drawing/2010/main" xmlns="" w="9525">
                   <a:solidFill>
                     <a:srgbClr val="000000"/>
                   </a:solidFill>
@@ -44613,7 +44502,7 @@
             </a:ln>
             <a:extLst>
               <a:ext uri="{91240B29-F687-4F45-9708-019B960494DF}">
-                <a14:hiddenLine xmlns="" xmlns:a14="http://schemas.microsoft.com/office/drawing/2010/main" w="9525">
+                <a14:hiddenLine xmlns:a14="http://schemas.microsoft.com/office/drawing/2010/main" xmlns="" w="9525">
                   <a:solidFill>
                     <a:srgbClr val="000000"/>
                   </a:solidFill>
@@ -44808,7 +44697,7 @@
             </a:ln>
             <a:extLst>
               <a:ext uri="{91240B29-F687-4F45-9708-019B960494DF}">
-                <a14:hiddenLine xmlns="" xmlns:a14="http://schemas.microsoft.com/office/drawing/2010/main" w="9525">
+                <a14:hiddenLine xmlns:a14="http://schemas.microsoft.com/office/drawing/2010/main" xmlns="" w="9525">
                   <a:solidFill>
                     <a:srgbClr val="000000"/>
                   </a:solidFill>
@@ -45043,7 +44932,7 @@
             </a:ln>
             <a:extLst>
               <a:ext uri="{91240B29-F687-4F45-9708-019B960494DF}">
-                <a14:hiddenLine xmlns="" xmlns:a14="http://schemas.microsoft.com/office/drawing/2010/main" w="9525">
+                <a14:hiddenLine xmlns:a14="http://schemas.microsoft.com/office/drawing/2010/main" xmlns="" w="9525">
                   <a:solidFill>
                     <a:srgbClr val="000000"/>
                   </a:solidFill>
@@ -45090,7 +44979,7 @@
             </a:ln>
             <a:extLst>
               <a:ext uri="{91240B29-F687-4F45-9708-019B960494DF}">
-                <a14:hiddenLine xmlns="" xmlns:a14="http://schemas.microsoft.com/office/drawing/2010/main" w="9525">
+                <a14:hiddenLine xmlns:a14="http://schemas.microsoft.com/office/drawing/2010/main" xmlns="" w="9525">
                   <a:solidFill>
                     <a:srgbClr val="000000"/>
                   </a:solidFill>
@@ -45137,7 +45026,7 @@
             </a:ln>
             <a:extLst>
               <a:ext uri="{91240B29-F687-4F45-9708-019B960494DF}">
-                <a14:hiddenLine xmlns="" xmlns:a14="http://schemas.microsoft.com/office/drawing/2010/main" w="9525">
+                <a14:hiddenLine xmlns:a14="http://schemas.microsoft.com/office/drawing/2010/main" xmlns="" w="9525">
                   <a:solidFill>
                     <a:srgbClr val="000000"/>
                   </a:solidFill>
@@ -45184,7 +45073,7 @@
             </a:ln>
             <a:extLst>
               <a:ext uri="{91240B29-F687-4F45-9708-019B960494DF}">
-                <a14:hiddenLine xmlns="" xmlns:a14="http://schemas.microsoft.com/office/drawing/2010/main" w="9525">
+                <a14:hiddenLine xmlns:a14="http://schemas.microsoft.com/office/drawing/2010/main" xmlns="" w="9525">
                   <a:solidFill>
                     <a:srgbClr val="000000"/>
                   </a:solidFill>
@@ -45231,7 +45120,7 @@
             </a:ln>
             <a:extLst>
               <a:ext uri="{91240B29-F687-4F45-9708-019B960494DF}">
-                <a14:hiddenLine xmlns="" xmlns:a14="http://schemas.microsoft.com/office/drawing/2010/main" w="9525">
+                <a14:hiddenLine xmlns:a14="http://schemas.microsoft.com/office/drawing/2010/main" xmlns="" w="9525">
                   <a:solidFill>
                     <a:srgbClr val="000000"/>
                   </a:solidFill>
@@ -45854,20 +45743,7 @@
                 <a:latin typeface="微软雅黑" panose="020B0503020204020204" pitchFamily="34" charset="-122"/>
                 <a:ea typeface="微软雅黑" panose="020B0503020204020204" pitchFamily="34" charset="-122"/>
               </a:rPr>
-              <a:t>业务领域</a:t>
-            </a:r>
-            <a:r>
-              <a:rPr lang="zh-CN" altLang="en-US" sz="3200" dirty="0" smtClean="0">
-                <a:solidFill>
-                  <a:schemeClr val="tx1">
-                    <a:lumMod val="65000"/>
-                    <a:lumOff val="35000"/>
-                  </a:schemeClr>
-                </a:solidFill>
-                <a:latin typeface="微软雅黑" panose="020B0503020204020204" pitchFamily="34" charset="-122"/>
-                <a:ea typeface="微软雅黑" panose="020B0503020204020204" pitchFamily="34" charset="-122"/>
-              </a:rPr>
-              <a:t>：企业管理软件</a:t>
+              <a:t>业务领域：企业管理软件</a:t>
             </a:r>
             <a:endParaRPr lang="en-US" altLang="zh-CN" sz="3200" dirty="0" smtClean="0">
               <a:solidFill>
@@ -46113,7 +45989,7 @@
             </a:ln>
             <a:extLst>
               <a:ext uri="{91240B29-F687-4F45-9708-019B960494DF}">
-                <a14:hiddenLine xmlns:a14="http://schemas.microsoft.com/office/drawing/2010/main" xmlns="" w="9525">
+                <a14:hiddenLine xmlns="" xmlns:a14="http://schemas.microsoft.com/office/drawing/2010/main" w="9525">
                   <a:solidFill>
                     <a:srgbClr val="000000"/>
                   </a:solidFill>
@@ -46237,7 +46113,7 @@
             </a:ln>
             <a:extLst>
               <a:ext uri="{91240B29-F687-4F45-9708-019B960494DF}">
-                <a14:hiddenLine xmlns:a14="http://schemas.microsoft.com/office/drawing/2010/main" xmlns="" w="9525">
+                <a14:hiddenLine xmlns="" xmlns:a14="http://schemas.microsoft.com/office/drawing/2010/main" w="9525">
                   <a:solidFill>
                     <a:srgbClr val="000000"/>
                   </a:solidFill>
@@ -46361,7 +46237,7 @@
             </a:ln>
             <a:extLst>
               <a:ext uri="{91240B29-F687-4F45-9708-019B960494DF}">
-                <a14:hiddenLine xmlns:a14="http://schemas.microsoft.com/office/drawing/2010/main" xmlns="" w="9525">
+                <a14:hiddenLine xmlns="" xmlns:a14="http://schemas.microsoft.com/office/drawing/2010/main" w="9525">
                   <a:solidFill>
                     <a:srgbClr val="000000"/>
                   </a:solidFill>
@@ -46485,7 +46361,7 @@
             </a:ln>
             <a:extLst>
               <a:ext uri="{91240B29-F687-4F45-9708-019B960494DF}">
-                <a14:hiddenLine xmlns:a14="http://schemas.microsoft.com/office/drawing/2010/main" xmlns="" w="9525">
+                <a14:hiddenLine xmlns="" xmlns:a14="http://schemas.microsoft.com/office/drawing/2010/main" w="9525">
                   <a:solidFill>
                     <a:srgbClr val="000000"/>
                   </a:solidFill>
@@ -46609,7 +46485,7 @@
             </a:ln>
             <a:extLst>
               <a:ext uri="{91240B29-F687-4F45-9708-019B960494DF}">
-                <a14:hiddenLine xmlns:a14="http://schemas.microsoft.com/office/drawing/2010/main" xmlns="" w="9525">
+                <a14:hiddenLine xmlns="" xmlns:a14="http://schemas.microsoft.com/office/drawing/2010/main" w="9525">
                   <a:solidFill>
                     <a:srgbClr val="000000"/>
                   </a:solidFill>
@@ -46865,7 +46741,7 @@
             </a:ln>
             <a:extLst>
               <a:ext uri="{91240B29-F687-4F45-9708-019B960494DF}">
-                <a14:hiddenLine xmlns:a14="http://schemas.microsoft.com/office/drawing/2010/main" xmlns="" w="9525">
+                <a14:hiddenLine xmlns="" xmlns:a14="http://schemas.microsoft.com/office/drawing/2010/main" w="9525">
                   <a:solidFill>
                     <a:srgbClr val="000000"/>
                   </a:solidFill>
@@ -47369,7 +47245,7 @@
             </a:ln>
             <a:extLst>
               <a:ext uri="{91240B29-F687-4F45-9708-019B960494DF}">
-                <a14:hiddenLine xmlns:a14="http://schemas.microsoft.com/office/drawing/2010/main" xmlns="" w="9525">
+                <a14:hiddenLine xmlns="" xmlns:a14="http://schemas.microsoft.com/office/drawing/2010/main" w="9525">
                   <a:solidFill>
                     <a:srgbClr val="000000"/>
                   </a:solidFill>
@@ -47595,7 +47471,7 @@
             </a:ln>
             <a:extLst>
               <a:ext uri="{91240B29-F687-4F45-9708-019B960494DF}">
-                <a14:hiddenLine xmlns:a14="http://schemas.microsoft.com/office/drawing/2010/main" xmlns="" w="9525">
+                <a14:hiddenLine xmlns="" xmlns:a14="http://schemas.microsoft.com/office/drawing/2010/main" w="9525">
                   <a:solidFill>
                     <a:srgbClr val="000000"/>
                   </a:solidFill>
@@ -47642,7 +47518,7 @@
             </a:ln>
             <a:extLst>
               <a:ext uri="{91240B29-F687-4F45-9708-019B960494DF}">
-                <a14:hiddenLine xmlns:a14="http://schemas.microsoft.com/office/drawing/2010/main" xmlns="" w="9525">
+                <a14:hiddenLine xmlns="" xmlns:a14="http://schemas.microsoft.com/office/drawing/2010/main" w="9525">
                   <a:solidFill>
                     <a:srgbClr val="000000"/>
                   </a:solidFill>
@@ -48195,7 +48071,7 @@
             </a:ln>
             <a:extLst>
               <a:ext uri="{91240B29-F687-4F45-9708-019B960494DF}">
-                <a14:hiddenLine xmlns:a14="http://schemas.microsoft.com/office/drawing/2010/main" xmlns="" w="9525">
+                <a14:hiddenLine xmlns="" xmlns:a14="http://schemas.microsoft.com/office/drawing/2010/main" w="9525">
                   <a:solidFill>
                     <a:srgbClr val="000000"/>
                   </a:solidFill>
@@ -48391,7 +48267,7 @@
             </a:ln>
             <a:extLst>
               <a:ext uri="{91240B29-F687-4F45-9708-019B960494DF}">
-                <a14:hiddenLine xmlns:a14="http://schemas.microsoft.com/office/drawing/2010/main" xmlns="" w="9525">
+                <a14:hiddenLine xmlns="" xmlns:a14="http://schemas.microsoft.com/office/drawing/2010/main" w="9525">
                   <a:solidFill>
                     <a:srgbClr val="000000"/>
                   </a:solidFill>
@@ -48487,7 +48363,7 @@
             </a:ln>
             <a:extLst>
               <a:ext uri="{91240B29-F687-4F45-9708-019B960494DF}">
-                <a14:hiddenLine xmlns:a14="http://schemas.microsoft.com/office/drawing/2010/main" xmlns="" w="9525">
+                <a14:hiddenLine xmlns="" xmlns:a14="http://schemas.microsoft.com/office/drawing/2010/main" w="9525">
                   <a:solidFill>
                     <a:srgbClr val="000000"/>
                   </a:solidFill>
@@ -48593,7 +48469,7 @@
             </a:ln>
             <a:extLst>
               <a:ext uri="{91240B29-F687-4F45-9708-019B960494DF}">
-                <a14:hiddenLine xmlns:a14="http://schemas.microsoft.com/office/drawing/2010/main" xmlns="" w="9525">
+                <a14:hiddenLine xmlns="" xmlns:a14="http://schemas.microsoft.com/office/drawing/2010/main" w="9525">
                   <a:solidFill>
                     <a:srgbClr val="000000"/>
                   </a:solidFill>
@@ -48699,7 +48575,7 @@
             </a:ln>
             <a:extLst>
               <a:ext uri="{91240B29-F687-4F45-9708-019B960494DF}">
-                <a14:hiddenLine xmlns:a14="http://schemas.microsoft.com/office/drawing/2010/main" xmlns="" w="9525">
+                <a14:hiddenLine xmlns="" xmlns:a14="http://schemas.microsoft.com/office/drawing/2010/main" w="9525">
                   <a:solidFill>
                     <a:srgbClr val="000000"/>
                   </a:solidFill>
@@ -48815,7 +48691,7 @@
             </a:ln>
             <a:extLst>
               <a:ext uri="{91240B29-F687-4F45-9708-019B960494DF}">
-                <a14:hiddenLine xmlns:a14="http://schemas.microsoft.com/office/drawing/2010/main" xmlns="" w="9525">
+                <a14:hiddenLine xmlns="" xmlns:a14="http://schemas.microsoft.com/office/drawing/2010/main" w="9525">
                   <a:solidFill>
                     <a:srgbClr val="000000"/>
                   </a:solidFill>
@@ -48919,7 +48795,7 @@
             </a:ln>
             <a:extLst>
               <a:ext uri="{91240B29-F687-4F45-9708-019B960494DF}">
-                <a14:hiddenLine xmlns:a14="http://schemas.microsoft.com/office/drawing/2010/main" xmlns="" w="9525">
+                <a14:hiddenLine xmlns="" xmlns:a14="http://schemas.microsoft.com/office/drawing/2010/main" w="9525">
                   <a:solidFill>
                     <a:srgbClr val="000000"/>
                   </a:solidFill>
@@ -49015,7 +48891,7 @@
             </a:ln>
             <a:extLst>
               <a:ext uri="{91240B29-F687-4F45-9708-019B960494DF}">
-                <a14:hiddenLine xmlns:a14="http://schemas.microsoft.com/office/drawing/2010/main" xmlns="" w="9525">
+                <a14:hiddenLine xmlns="" xmlns:a14="http://schemas.microsoft.com/office/drawing/2010/main" w="9525">
                   <a:solidFill>
                     <a:srgbClr val="000000"/>
                   </a:solidFill>
@@ -49121,7 +48997,7 @@
             </a:ln>
             <a:extLst>
               <a:ext uri="{91240B29-F687-4F45-9708-019B960494DF}">
-                <a14:hiddenLine xmlns:a14="http://schemas.microsoft.com/office/drawing/2010/main" xmlns="" w="9525">
+                <a14:hiddenLine xmlns="" xmlns:a14="http://schemas.microsoft.com/office/drawing/2010/main" w="9525">
                   <a:solidFill>
                     <a:srgbClr val="000000"/>
                   </a:solidFill>
@@ -49247,7 +49123,7 @@
             </a:ln>
             <a:extLst>
               <a:ext uri="{91240B29-F687-4F45-9708-019B960494DF}">
-                <a14:hiddenLine xmlns:a14="http://schemas.microsoft.com/office/drawing/2010/main" xmlns="" w="9525">
+                <a14:hiddenLine xmlns="" xmlns:a14="http://schemas.microsoft.com/office/drawing/2010/main" w="9525">
                   <a:solidFill>
                     <a:srgbClr val="000000"/>
                   </a:solidFill>
@@ -49363,7 +49239,7 @@
             </a:ln>
             <a:extLst>
               <a:ext uri="{91240B29-F687-4F45-9708-019B960494DF}">
-                <a14:hiddenLine xmlns:a14="http://schemas.microsoft.com/office/drawing/2010/main" xmlns="" w="9525">
+                <a14:hiddenLine xmlns="" xmlns:a14="http://schemas.microsoft.com/office/drawing/2010/main" w="9525">
                   <a:solidFill>
                     <a:srgbClr val="000000"/>
                   </a:solidFill>
@@ -49459,7 +49335,7 @@
             </a:ln>
             <a:extLst>
               <a:ext uri="{91240B29-F687-4F45-9708-019B960494DF}">
-                <a14:hiddenLine xmlns:a14="http://schemas.microsoft.com/office/drawing/2010/main" xmlns="" w="9525">
+                <a14:hiddenLine xmlns="" xmlns:a14="http://schemas.microsoft.com/office/drawing/2010/main" w="9525">
                   <a:solidFill>
                     <a:srgbClr val="000000"/>
                   </a:solidFill>
@@ -49585,7 +49461,7 @@
             </a:ln>
             <a:extLst>
               <a:ext uri="{91240B29-F687-4F45-9708-019B960494DF}">
-                <a14:hiddenLine xmlns:a14="http://schemas.microsoft.com/office/drawing/2010/main" xmlns="" w="9525">
+                <a14:hiddenLine xmlns="" xmlns:a14="http://schemas.microsoft.com/office/drawing/2010/main" w="9525">
                   <a:solidFill>
                     <a:srgbClr val="000000"/>
                   </a:solidFill>
@@ -49691,7 +49567,7 @@
             </a:ln>
             <a:extLst>
               <a:ext uri="{91240B29-F687-4F45-9708-019B960494DF}">
-                <a14:hiddenLine xmlns:a14="http://schemas.microsoft.com/office/drawing/2010/main" xmlns="" w="9525">
+                <a14:hiddenLine xmlns="" xmlns:a14="http://schemas.microsoft.com/office/drawing/2010/main" w="9525">
                   <a:solidFill>
                     <a:srgbClr val="000000"/>
                   </a:solidFill>
@@ -49797,7 +49673,7 @@
             </a:ln>
             <a:extLst>
               <a:ext uri="{91240B29-F687-4F45-9708-019B960494DF}">
-                <a14:hiddenLine xmlns:a14="http://schemas.microsoft.com/office/drawing/2010/main" xmlns="" w="9525">
+                <a14:hiddenLine xmlns="" xmlns:a14="http://schemas.microsoft.com/office/drawing/2010/main" w="9525">
                   <a:solidFill>
                     <a:srgbClr val="000000"/>
                   </a:solidFill>
@@ -49893,7 +49769,7 @@
             </a:ln>
             <a:extLst>
               <a:ext uri="{91240B29-F687-4F45-9708-019B960494DF}">
-                <a14:hiddenLine xmlns:a14="http://schemas.microsoft.com/office/drawing/2010/main" xmlns="" w="9525">
+                <a14:hiddenLine xmlns="" xmlns:a14="http://schemas.microsoft.com/office/drawing/2010/main" w="9525">
                   <a:solidFill>
                     <a:srgbClr val="000000"/>
                   </a:solidFill>
@@ -49999,7 +49875,7 @@
             </a:ln>
             <a:extLst>
               <a:ext uri="{91240B29-F687-4F45-9708-019B960494DF}">
-                <a14:hiddenLine xmlns:a14="http://schemas.microsoft.com/office/drawing/2010/main" xmlns="" w="9525">
+                <a14:hiddenLine xmlns="" xmlns:a14="http://schemas.microsoft.com/office/drawing/2010/main" w="9525">
                   <a:solidFill>
                     <a:srgbClr val="000000"/>
                   </a:solidFill>
@@ -50105,7 +49981,7 @@
             </a:ln>
             <a:extLst>
               <a:ext uri="{91240B29-F687-4F45-9708-019B960494DF}">
-                <a14:hiddenLine xmlns:a14="http://schemas.microsoft.com/office/drawing/2010/main" xmlns="" w="9525">
+                <a14:hiddenLine xmlns="" xmlns:a14="http://schemas.microsoft.com/office/drawing/2010/main" w="9525">
                   <a:solidFill>
                     <a:srgbClr val="000000"/>
                   </a:solidFill>
@@ -50354,7 +50230,7 @@
             </a:ln>
             <a:extLst>
               <a:ext uri="{91240B29-F687-4F45-9708-019B960494DF}">
-                <a14:hiddenLine xmlns:a14="http://schemas.microsoft.com/office/drawing/2010/main" xmlns="" w="9525">
+                <a14:hiddenLine xmlns="" xmlns:a14="http://schemas.microsoft.com/office/drawing/2010/main" w="9525">
                   <a:solidFill>
                     <a:srgbClr val="000000"/>
                   </a:solidFill>
@@ -50742,7 +50618,7 @@
   <a:extraClrSchemeLst/>
   <a:extLst>
     <a:ext uri="{05A4C25C-085E-4340-85A3-A5531E510DB2}">
-      <thm15:themeFamily xmlns="" xmlns:thm15="http://schemas.microsoft.com/office/thememl/2012/main" name="Office Theme" id="{62F939B6-93AF-4DB8-9C6B-D6C7DFDC589F}" vid="{4A3C46E8-61CC-4603-A589-7422A47A8E4A}"/>
+      <thm15:themeFamily xmlns:thm15="http://schemas.microsoft.com/office/thememl/2012/main" xmlns="" name="Office Theme" id="{62F939B6-93AF-4DB8-9C6B-D6C7DFDC589F}" vid="{4A3C46E8-61CC-4603-A589-7422A47A8E4A}"/>
     </a:ext>
   </a:extLst>
 </a:theme>
@@ -51003,7 +50879,7 @@
   <a:extraClrSchemeLst/>
   <a:extLst>
     <a:ext uri="{05A4C25C-085E-4340-85A3-A5531E510DB2}">
-      <thm15:themeFamily xmlns="" xmlns:thm15="http://schemas.microsoft.com/office/thememl/2012/main" name="Office Theme" id="{62F939B6-93AF-4DB8-9C6B-D6C7DFDC589F}" vid="{4A3C46E8-61CC-4603-A589-7422A47A8E4A}"/>
+      <thm15:themeFamily xmlns:thm15="http://schemas.microsoft.com/office/thememl/2012/main" xmlns="" name="Office Theme" id="{62F939B6-93AF-4DB8-9C6B-D6C7DFDC589F}" vid="{4A3C46E8-61CC-4603-A589-7422A47A8E4A}"/>
     </a:ext>
   </a:extLst>
 </a:theme>
